--- a/marketing_insights_GA.pptx
+++ b/marketing_insights_GA.pptx
@@ -3248,21 +3248,7 @@
                 <a:latin typeface="나눔바른고딕" panose="020B0603020101020101" pitchFamily="50" charset="-127"/>
                 <a:ea typeface="나눔바른고딕" panose="020B0603020101020101" pitchFamily="50" charset="-127"/>
               </a:rPr>
-              <a:t> 기준 </a:t>
-            </a:r>
-            <a:r>
-              <a:rPr lang="ko-KR" altLang="en-US" sz="1050" dirty="0" smtClean="0">
-                <a:ln>
-                  <a:solidFill>
-                    <a:schemeClr val="tx1">
-                      <a:alpha val="0"/>
-                    </a:schemeClr>
-                  </a:solidFill>
-                </a:ln>
-                <a:latin typeface="나눔바른고딕" panose="020B0603020101020101" pitchFamily="50" charset="-127"/>
-                <a:ea typeface="나눔바른고딕" panose="020B0603020101020101" pitchFamily="50" charset="-127"/>
-              </a:rPr>
-              <a:t>자사 브랜드 </a:t>
+              <a:t> 기준 자사 브랜드 </a:t>
             </a:r>
             <a:r>
               <a:rPr lang="ko-KR" altLang="en-US" sz="1050" b="1" dirty="0" err="1" smtClean="0">
@@ -4033,21 +4019,7 @@
                 <a:latin typeface="나눔바른고딕" panose="020B0603020101020101" pitchFamily="50" charset="-127"/>
                 <a:ea typeface="나눔바른고딕" panose="020B0603020101020101" pitchFamily="50" charset="-127"/>
               </a:rPr>
-              <a:t>네이버 키워드</a:t>
-            </a:r>
-            <a:r>
-              <a:rPr lang="ko-KR" altLang="en-US" sz="1050" dirty="0" smtClean="0">
-                <a:ln>
-                  <a:solidFill>
-                    <a:schemeClr val="tx1">
-                      <a:alpha val="0"/>
-                    </a:schemeClr>
-                  </a:solidFill>
-                </a:ln>
-                <a:latin typeface="나눔바른고딕" panose="020B0603020101020101" pitchFamily="50" charset="-127"/>
-                <a:ea typeface="나눔바른고딕" panose="020B0603020101020101" pitchFamily="50" charset="-127"/>
-              </a:rPr>
-              <a:t>광고 집행 시 </a:t>
+              <a:t>네이버 키워드광고 집행 시 </a:t>
             </a:r>
             <a:r>
               <a:rPr lang="ko-KR" altLang="en-US" sz="1050" b="1" dirty="0" smtClean="0">
@@ -4061,35 +4033,7 @@
                 <a:latin typeface="나눔바른고딕" panose="020B0603020101020101" pitchFamily="50" charset="-127"/>
                 <a:ea typeface="나눔바른고딕" panose="020B0603020101020101" pitchFamily="50" charset="-127"/>
               </a:rPr>
-              <a:t>예상 키워드 및</a:t>
-            </a:r>
-            <a:r>
-              <a:rPr lang="ko-KR" altLang="en-US" sz="1050" b="1" dirty="0" smtClean="0">
-                <a:ln>
-                  <a:solidFill>
-                    <a:schemeClr val="tx1">
-                      <a:alpha val="0"/>
-                    </a:schemeClr>
-                  </a:solidFill>
-                </a:ln>
-                <a:latin typeface="나눔바른고딕" panose="020B0603020101020101" pitchFamily="50" charset="-127"/>
-                <a:ea typeface="나눔바른고딕" panose="020B0603020101020101" pitchFamily="50" charset="-127"/>
-              </a:rPr>
-              <a:t> </a:t>
-            </a:r>
-            <a:r>
-              <a:rPr lang="ko-KR" altLang="en-US" sz="1050" b="1" dirty="0" smtClean="0">
-                <a:ln>
-                  <a:solidFill>
-                    <a:schemeClr val="tx1">
-                      <a:alpha val="0"/>
-                    </a:schemeClr>
-                  </a:solidFill>
-                </a:ln>
-                <a:latin typeface="나눔바른고딕" panose="020B0603020101020101" pitchFamily="50" charset="-127"/>
-                <a:ea typeface="나눔바른고딕" panose="020B0603020101020101" pitchFamily="50" charset="-127"/>
-              </a:rPr>
-              <a:t>비용</a:t>
+              <a:t>예상 키워드 및 비용</a:t>
             </a:r>
             <a:endParaRPr lang="ko-KR" altLang="en-US" sz="1050" b="1" dirty="0">
               <a:ln>
@@ -4969,7 +4913,7 @@
           <p:nvPr>
             <p:extLst>
               <p:ext uri="{D42A27DB-BD31-4B8C-83A1-F6EECF244321}">
-                <p14:modId xmlns:p14="http://schemas.microsoft.com/office/powerpoint/2010/main" val="885651803"/>
+                <p14:modId xmlns:p14="http://schemas.microsoft.com/office/powerpoint/2010/main" val="3799240925"/>
               </p:ext>
             </p:extLst>
           </p:nvPr>
@@ -6308,7 +6252,7 @@
                             </a:solidFill>
                           </a:ln>
                           <a:solidFill>
-                            <a:schemeClr val="tx1"/>
+                            <a:srgbClr val="FF0000"/>
                           </a:solidFill>
                           <a:effectLst/>
                           <a:latin typeface="나눔바른고딕" panose="020B0603020101020101" pitchFamily="50" charset="-127"/>
@@ -6689,7 +6633,7 @@
                             </a:solidFill>
                           </a:ln>
                           <a:solidFill>
-                            <a:schemeClr val="tx1"/>
+                            <a:srgbClr val="FF0000"/>
                           </a:solidFill>
                           <a:effectLst/>
                           <a:latin typeface="나눔바른고딕" panose="020B0603020101020101" pitchFamily="50" charset="-127"/>
@@ -7061,7 +7005,7 @@
                     <a:p>
                       <a:pPr algn="l" fontAlgn="ctr"/>
                       <a:r>
-                        <a:rPr lang="ko-KR" altLang="en-US" sz="1000" b="0" i="0" u="none" strike="noStrike" kern="1200">
+                        <a:rPr lang="ko-KR" altLang="en-US" sz="1000" b="0" i="0" u="none" strike="noStrike" kern="1200" dirty="0" err="1">
                           <a:ln>
                             <a:solidFill>
                               <a:schemeClr val="tx1">
@@ -7070,7 +7014,7 @@
                             </a:solidFill>
                           </a:ln>
                           <a:solidFill>
-                            <a:schemeClr val="tx1"/>
+                            <a:srgbClr val="FF0000"/>
                           </a:solidFill>
                           <a:effectLst/>
                           <a:latin typeface="나눔바른고딕" panose="020B0603020101020101" pitchFamily="50" charset="-127"/>
@@ -7079,6 +7023,22 @@
                         </a:rPr>
                         <a:t>영재고입시</a:t>
                       </a:r>
+                      <a:endParaRPr lang="ko-KR" altLang="en-US" sz="1000" b="0" i="0" u="none" strike="noStrike" kern="1200" dirty="0">
+                        <a:ln>
+                          <a:solidFill>
+                            <a:schemeClr val="tx1">
+                              <a:alpha val="0"/>
+                            </a:schemeClr>
+                          </a:solidFill>
+                        </a:ln>
+                        <a:solidFill>
+                          <a:srgbClr val="FF0000"/>
+                        </a:solidFill>
+                        <a:effectLst/>
+                        <a:latin typeface="나눔바른고딕" panose="020B0603020101020101" pitchFamily="50" charset="-127"/>
+                        <a:ea typeface="나눔바른고딕" panose="020B0603020101020101" pitchFamily="50" charset="-127"/>
+                        <a:cs typeface="+mn-cs"/>
+                      </a:endParaRPr>
                     </a:p>
                   </a:txBody>
                   <a:tcPr marL="0" marR="0" marT="0" marB="0" anchor="ctr">
@@ -7147,387 +7107,6 @@
                           <a:cs typeface="+mn-cs"/>
                         </a:rPr>
                         <a:t>2,518</a:t>
-                      </a:r>
-                    </a:p>
-                  </a:txBody>
-                  <a:tcPr marL="0" marR="0" marT="0" marB="0" anchor="ctr">
-                    <a:lnL w="6350" cap="flat" cmpd="sng" algn="ctr">
-                      <a:solidFill>
-                        <a:srgbClr val="000000"/>
-                      </a:solidFill>
-                      <a:prstDash val="solid"/>
-                      <a:round/>
-                      <a:headEnd type="none" w="med" len="med"/>
-                      <a:tailEnd type="none" w="med" len="med"/>
-                    </a:lnL>
-                    <a:lnR w="6350" cap="flat" cmpd="sng" algn="ctr">
-                      <a:solidFill>
-                        <a:srgbClr val="000000"/>
-                      </a:solidFill>
-                      <a:prstDash val="solid"/>
-                      <a:round/>
-                      <a:headEnd type="none" w="med" len="med"/>
-                      <a:tailEnd type="none" w="med" len="med"/>
-                    </a:lnR>
-                    <a:lnT w="6350" cap="flat" cmpd="sng" algn="ctr">
-                      <a:solidFill>
-                        <a:srgbClr val="000000"/>
-                      </a:solidFill>
-                      <a:prstDash val="solid"/>
-                      <a:round/>
-                      <a:headEnd type="none" w="med" len="med"/>
-                      <a:tailEnd type="none" w="med" len="med"/>
-                    </a:lnT>
-                    <a:lnB w="6350" cap="flat" cmpd="sng" algn="ctr">
-                      <a:solidFill>
-                        <a:srgbClr val="000000"/>
-                      </a:solidFill>
-                      <a:prstDash val="solid"/>
-                      <a:round/>
-                      <a:headEnd type="none" w="med" len="med"/>
-                      <a:tailEnd type="none" w="med" len="med"/>
-                    </a:lnB>
-                    <a:solidFill>
-                      <a:srgbClr val="FFFFFF"/>
-                    </a:solidFill>
-                  </a:tcPr>
-                </a:tc>
-                <a:tc>
-                  <a:txBody>
-                    <a:bodyPr/>
-                    <a:lstStyle/>
-                    <a:p>
-                      <a:pPr algn="l" fontAlgn="ctr"/>
-                      <a:r>
-                        <a:rPr lang="ko-KR" altLang="en-US" sz="1000" b="0" i="0" u="none" strike="noStrike" kern="1200">
-                          <a:ln>
-                            <a:solidFill>
-                              <a:schemeClr val="tx1">
-                                <a:alpha val="0"/>
-                              </a:schemeClr>
-                            </a:solidFill>
-                          </a:ln>
-                          <a:solidFill>
-                            <a:schemeClr val="tx1"/>
-                          </a:solidFill>
-                          <a:effectLst/>
-                          <a:latin typeface="나눔바른고딕" panose="020B0603020101020101" pitchFamily="50" charset="-127"/>
-                          <a:ea typeface="나눔바른고딕" panose="020B0603020101020101" pitchFamily="50" charset="-127"/>
-                          <a:cs typeface="+mn-cs"/>
-                        </a:rPr>
-                        <a:t>               </a:t>
-                      </a:r>
-                      <a:r>
-                        <a:rPr lang="en-US" altLang="ko-KR" sz="1000" b="0" i="0" u="none" strike="noStrike" kern="1200">
-                          <a:ln>
-                            <a:solidFill>
-                              <a:schemeClr val="tx1">
-                                <a:alpha val="0"/>
-                              </a:schemeClr>
-                            </a:solidFill>
-                          </a:ln>
-                          <a:solidFill>
-                            <a:schemeClr val="tx1"/>
-                          </a:solidFill>
-                          <a:effectLst/>
-                          <a:latin typeface="나눔바른고딕" panose="020B0603020101020101" pitchFamily="50" charset="-127"/>
-                          <a:ea typeface="나눔바른고딕" panose="020B0603020101020101" pitchFamily="50" charset="-127"/>
-                          <a:cs typeface="+mn-cs"/>
-                        </a:rPr>
-                        <a:t>4 </a:t>
-                      </a:r>
-                    </a:p>
-                  </a:txBody>
-                  <a:tcPr marL="0" marR="0" marT="0" marB="0" anchor="ctr">
-                    <a:lnL w="6350" cap="flat" cmpd="sng" algn="ctr">
-                      <a:solidFill>
-                        <a:srgbClr val="000000"/>
-                      </a:solidFill>
-                      <a:prstDash val="solid"/>
-                      <a:round/>
-                      <a:headEnd type="none" w="med" len="med"/>
-                      <a:tailEnd type="none" w="med" len="med"/>
-                    </a:lnL>
-                    <a:lnR w="6350" cap="flat" cmpd="sng" algn="ctr">
-                      <a:solidFill>
-                        <a:srgbClr val="000000"/>
-                      </a:solidFill>
-                      <a:prstDash val="solid"/>
-                      <a:round/>
-                      <a:headEnd type="none" w="med" len="med"/>
-                      <a:tailEnd type="none" w="med" len="med"/>
-                    </a:lnR>
-                    <a:lnT w="6350" cap="flat" cmpd="sng" algn="ctr">
-                      <a:solidFill>
-                        <a:srgbClr val="000000"/>
-                      </a:solidFill>
-                      <a:prstDash val="solid"/>
-                      <a:round/>
-                      <a:headEnd type="none" w="med" len="med"/>
-                      <a:tailEnd type="none" w="med" len="med"/>
-                    </a:lnT>
-                    <a:lnB w="6350" cap="flat" cmpd="sng" algn="ctr">
-                      <a:solidFill>
-                        <a:srgbClr val="000000"/>
-                      </a:solidFill>
-                      <a:prstDash val="solid"/>
-                      <a:round/>
-                      <a:headEnd type="none" w="med" len="med"/>
-                      <a:tailEnd type="none" w="med" len="med"/>
-                    </a:lnB>
-                  </a:tcPr>
-                </a:tc>
-                <a:tc>
-                  <a:txBody>
-                    <a:bodyPr/>
-                    <a:lstStyle/>
-                    <a:p>
-                      <a:pPr algn="r" fontAlgn="ctr"/>
-                      <a:r>
-                        <a:rPr lang="en-US" altLang="ko-KR" sz="1000" b="0" i="0" u="none" strike="noStrike" kern="1200">
-                          <a:ln>
-                            <a:solidFill>
-                              <a:schemeClr val="tx1">
-                                <a:alpha val="0"/>
-                              </a:schemeClr>
-                            </a:solidFill>
-                          </a:ln>
-                          <a:solidFill>
-                            <a:schemeClr val="tx1"/>
-                          </a:solidFill>
-                          <a:effectLst/>
-                          <a:latin typeface="나눔바른고딕" panose="020B0603020101020101" pitchFamily="50" charset="-127"/>
-                          <a:ea typeface="나눔바른고딕" panose="020B0603020101020101" pitchFamily="50" charset="-127"/>
-                          <a:cs typeface="+mn-cs"/>
-                        </a:rPr>
-                        <a:t>1,599</a:t>
-                      </a:r>
-                    </a:p>
-                  </a:txBody>
-                  <a:tcPr marL="0" marR="0" marT="0" marB="0" anchor="ctr">
-                    <a:lnL w="6350" cap="flat" cmpd="sng" algn="ctr">
-                      <a:solidFill>
-                        <a:srgbClr val="000000"/>
-                      </a:solidFill>
-                      <a:prstDash val="solid"/>
-                      <a:round/>
-                      <a:headEnd type="none" w="med" len="med"/>
-                      <a:tailEnd type="none" w="med" len="med"/>
-                    </a:lnL>
-                    <a:lnR w="6350" cap="flat" cmpd="sng" algn="ctr">
-                      <a:solidFill>
-                        <a:srgbClr val="000000"/>
-                      </a:solidFill>
-                      <a:prstDash val="solid"/>
-                      <a:round/>
-                      <a:headEnd type="none" w="med" len="med"/>
-                      <a:tailEnd type="none" w="med" len="med"/>
-                    </a:lnR>
-                    <a:lnT w="6350" cap="flat" cmpd="sng" algn="ctr">
-                      <a:solidFill>
-                        <a:srgbClr val="000000"/>
-                      </a:solidFill>
-                      <a:prstDash val="solid"/>
-                      <a:round/>
-                      <a:headEnd type="none" w="med" len="med"/>
-                      <a:tailEnd type="none" w="med" len="med"/>
-                    </a:lnT>
-                    <a:lnB w="6350" cap="flat" cmpd="sng" algn="ctr">
-                      <a:solidFill>
-                        <a:srgbClr val="000000"/>
-                      </a:solidFill>
-                      <a:prstDash val="solid"/>
-                      <a:round/>
-                      <a:headEnd type="none" w="med" len="med"/>
-                      <a:tailEnd type="none" w="med" len="med"/>
-                    </a:lnB>
-                  </a:tcPr>
-                </a:tc>
-                <a:tc>
-                  <a:txBody>
-                    <a:bodyPr/>
-                    <a:lstStyle/>
-                    <a:p>
-                      <a:pPr algn="l" fontAlgn="ctr"/>
-                      <a:r>
-                        <a:rPr lang="ko-KR" altLang="en-US" sz="1000" b="0" i="0" u="none" strike="noStrike" kern="1200">
-                          <a:ln>
-                            <a:solidFill>
-                              <a:schemeClr val="tx1">
-                                <a:alpha val="0"/>
-                              </a:schemeClr>
-                            </a:solidFill>
-                          </a:ln>
-                          <a:solidFill>
-                            <a:schemeClr val="tx1"/>
-                          </a:solidFill>
-                          <a:effectLst/>
-                          <a:latin typeface="나눔바른고딕" panose="020B0603020101020101" pitchFamily="50" charset="-127"/>
-                          <a:ea typeface="나눔바른고딕" panose="020B0603020101020101" pitchFamily="50" charset="-127"/>
-                          <a:cs typeface="+mn-cs"/>
-                        </a:rPr>
-                        <a:t>                 </a:t>
-                      </a:r>
-                      <a:r>
-                        <a:rPr lang="en-US" altLang="ko-KR" sz="1000" b="0" i="0" u="none" strike="noStrike" kern="1200">
-                          <a:ln>
-                            <a:solidFill>
-                              <a:schemeClr val="tx1">
-                                <a:alpha val="0"/>
-                              </a:schemeClr>
-                            </a:solidFill>
-                          </a:ln>
-                          <a:solidFill>
-                            <a:schemeClr val="tx1"/>
-                          </a:solidFill>
-                          <a:effectLst/>
-                          <a:latin typeface="나눔바른고딕" panose="020B0603020101020101" pitchFamily="50" charset="-127"/>
-                          <a:ea typeface="나눔바른고딕" panose="020B0603020101020101" pitchFamily="50" charset="-127"/>
-                          <a:cs typeface="+mn-cs"/>
-                        </a:rPr>
-                        <a:t>6,396 </a:t>
-                      </a:r>
-                    </a:p>
-                  </a:txBody>
-                  <a:tcPr marL="0" marR="0" marT="0" marB="0" anchor="ctr">
-                    <a:lnL w="6350" cap="flat" cmpd="sng" algn="ctr">
-                      <a:solidFill>
-                        <a:srgbClr val="000000"/>
-                      </a:solidFill>
-                      <a:prstDash val="solid"/>
-                      <a:round/>
-                      <a:headEnd type="none" w="med" len="med"/>
-                      <a:tailEnd type="none" w="med" len="med"/>
-                    </a:lnL>
-                    <a:lnR w="6350" cap="flat" cmpd="sng" algn="ctr">
-                      <a:solidFill>
-                        <a:srgbClr val="000000"/>
-                      </a:solidFill>
-                      <a:prstDash val="solid"/>
-                      <a:round/>
-                      <a:headEnd type="none" w="med" len="med"/>
-                      <a:tailEnd type="none" w="med" len="med"/>
-                    </a:lnR>
-                    <a:lnT w="6350" cap="flat" cmpd="sng" algn="ctr">
-                      <a:solidFill>
-                        <a:srgbClr val="000000"/>
-                      </a:solidFill>
-                      <a:prstDash val="solid"/>
-                      <a:round/>
-                      <a:headEnd type="none" w="med" len="med"/>
-                      <a:tailEnd type="none" w="med" len="med"/>
-                    </a:lnT>
-                    <a:lnB w="6350" cap="flat" cmpd="sng" algn="ctr">
-                      <a:solidFill>
-                        <a:srgbClr val="000000"/>
-                      </a:solidFill>
-                      <a:prstDash val="solid"/>
-                      <a:round/>
-                      <a:headEnd type="none" w="med" len="med"/>
-                      <a:tailEnd type="none" w="med" len="med"/>
-                    </a:lnB>
-                  </a:tcPr>
-                </a:tc>
-                <a:extLst>
-                  <a:ext uri="{0D108BD9-81ED-4DB2-BD59-A6C34878D82A}">
-                    <a16:rowId xmlns:a16="http://schemas.microsoft.com/office/drawing/2014/main" val="3041182224"/>
-                  </a:ext>
-                </a:extLst>
-              </a:tr>
-              <a:tr h="180186">
-                <a:tc>
-                  <a:txBody>
-                    <a:bodyPr/>
-                    <a:lstStyle/>
-                    <a:p>
-                      <a:pPr algn="l" fontAlgn="ctr"/>
-                      <a:r>
-                        <a:rPr lang="ko-KR" altLang="en-US" sz="1000" b="0" i="0" u="none" strike="noStrike" kern="1200">
-                          <a:ln>
-                            <a:solidFill>
-                              <a:schemeClr val="tx1">
-                                <a:alpha val="0"/>
-                              </a:schemeClr>
-                            </a:solidFill>
-                          </a:ln>
-                          <a:solidFill>
-                            <a:schemeClr val="tx1"/>
-                          </a:solidFill>
-                          <a:effectLst/>
-                          <a:latin typeface="나눔바른고딕" panose="020B0603020101020101" pitchFamily="50" charset="-127"/>
-                          <a:ea typeface="나눔바른고딕" panose="020B0603020101020101" pitchFamily="50" charset="-127"/>
-                          <a:cs typeface="+mn-cs"/>
-                        </a:rPr>
-                        <a:t>영재고준비</a:t>
-                      </a:r>
-                    </a:p>
-                  </a:txBody>
-                  <a:tcPr marL="0" marR="0" marT="0" marB="0" anchor="ctr">
-                    <a:lnL w="6350" cap="flat" cmpd="sng" algn="ctr">
-                      <a:solidFill>
-                        <a:srgbClr val="000000"/>
-                      </a:solidFill>
-                      <a:prstDash val="solid"/>
-                      <a:round/>
-                      <a:headEnd type="none" w="med" len="med"/>
-                      <a:tailEnd type="none" w="med" len="med"/>
-                    </a:lnL>
-                    <a:lnR w="6350" cap="flat" cmpd="sng" algn="ctr">
-                      <a:solidFill>
-                        <a:srgbClr val="000000"/>
-                      </a:solidFill>
-                      <a:prstDash val="solid"/>
-                      <a:round/>
-                      <a:headEnd type="none" w="med" len="med"/>
-                      <a:tailEnd type="none" w="med" len="med"/>
-                    </a:lnR>
-                    <a:lnT w="6350" cap="flat" cmpd="sng" algn="ctr">
-                      <a:solidFill>
-                        <a:srgbClr val="000000"/>
-                      </a:solidFill>
-                      <a:prstDash val="solid"/>
-                      <a:round/>
-                      <a:headEnd type="none" w="med" len="med"/>
-                      <a:tailEnd type="none" w="med" len="med"/>
-                    </a:lnT>
-                    <a:lnB w="6350" cap="flat" cmpd="sng" algn="ctr">
-                      <a:solidFill>
-                        <a:srgbClr val="000000"/>
-                      </a:solidFill>
-                      <a:prstDash val="solid"/>
-                      <a:round/>
-                      <a:headEnd type="none" w="med" len="med"/>
-                      <a:tailEnd type="none" w="med" len="med"/>
-                    </a:lnB>
-                    <a:solidFill>
-                      <a:srgbClr val="FFFFFF"/>
-                    </a:solidFill>
-                  </a:tcPr>
-                </a:tc>
-                <a:tc>
-                  <a:txBody>
-                    <a:bodyPr/>
-                    <a:lstStyle/>
-                    <a:p>
-                      <a:pPr algn="r" fontAlgn="ctr"/>
-                      <a:r>
-                        <a:rPr lang="en-US" altLang="ko-KR" sz="1000" b="0" i="0" u="none" strike="noStrike" kern="1200">
-                          <a:ln>
-                            <a:solidFill>
-                              <a:schemeClr val="tx1">
-                                <a:alpha val="0"/>
-                              </a:schemeClr>
-                            </a:solidFill>
-                          </a:ln>
-                          <a:solidFill>
-                            <a:schemeClr val="tx1"/>
-                          </a:solidFill>
-                          <a:effectLst/>
-                          <a:latin typeface="나눔바른고딕" panose="020B0603020101020101" pitchFamily="50" charset="-127"/>
-                          <a:ea typeface="나눔바른고딕" panose="020B0603020101020101" pitchFamily="50" charset="-127"/>
-                          <a:cs typeface="+mn-cs"/>
-                        </a:rPr>
-                        <a:t>250</a:t>
                       </a:r>
                     </a:p>
                   </a:txBody>
@@ -7665,6 +7244,403 @@
                     <a:p>
                       <a:pPr algn="r" fontAlgn="ctr"/>
                       <a:r>
+                        <a:rPr lang="en-US" altLang="ko-KR" sz="1000" b="0" i="0" u="none" strike="noStrike" kern="1200" dirty="0">
+                          <a:ln>
+                            <a:solidFill>
+                              <a:schemeClr val="tx1">
+                                <a:alpha val="0"/>
+                              </a:schemeClr>
+                            </a:solidFill>
+                          </a:ln>
+                          <a:solidFill>
+                            <a:schemeClr val="tx1"/>
+                          </a:solidFill>
+                          <a:effectLst/>
+                          <a:latin typeface="나눔바른고딕" panose="020B0603020101020101" pitchFamily="50" charset="-127"/>
+                          <a:ea typeface="나눔바른고딕" panose="020B0603020101020101" pitchFamily="50" charset="-127"/>
+                          <a:cs typeface="+mn-cs"/>
+                        </a:rPr>
+                        <a:t>1,599</a:t>
+                      </a:r>
+                    </a:p>
+                  </a:txBody>
+                  <a:tcPr marL="0" marR="0" marT="0" marB="0" anchor="ctr">
+                    <a:lnL w="6350" cap="flat" cmpd="sng" algn="ctr">
+                      <a:solidFill>
+                        <a:srgbClr val="000000"/>
+                      </a:solidFill>
+                      <a:prstDash val="solid"/>
+                      <a:round/>
+                      <a:headEnd type="none" w="med" len="med"/>
+                      <a:tailEnd type="none" w="med" len="med"/>
+                    </a:lnL>
+                    <a:lnR w="6350" cap="flat" cmpd="sng" algn="ctr">
+                      <a:solidFill>
+                        <a:srgbClr val="000000"/>
+                      </a:solidFill>
+                      <a:prstDash val="solid"/>
+                      <a:round/>
+                      <a:headEnd type="none" w="med" len="med"/>
+                      <a:tailEnd type="none" w="med" len="med"/>
+                    </a:lnR>
+                    <a:lnT w="6350" cap="flat" cmpd="sng" algn="ctr">
+                      <a:solidFill>
+                        <a:srgbClr val="000000"/>
+                      </a:solidFill>
+                      <a:prstDash val="solid"/>
+                      <a:round/>
+                      <a:headEnd type="none" w="med" len="med"/>
+                      <a:tailEnd type="none" w="med" len="med"/>
+                    </a:lnT>
+                    <a:lnB w="6350" cap="flat" cmpd="sng" algn="ctr">
+                      <a:solidFill>
+                        <a:srgbClr val="000000"/>
+                      </a:solidFill>
+                      <a:prstDash val="solid"/>
+                      <a:round/>
+                      <a:headEnd type="none" w="med" len="med"/>
+                      <a:tailEnd type="none" w="med" len="med"/>
+                    </a:lnB>
+                  </a:tcPr>
+                </a:tc>
+                <a:tc>
+                  <a:txBody>
+                    <a:bodyPr/>
+                    <a:lstStyle/>
+                    <a:p>
+                      <a:pPr algn="l" fontAlgn="ctr"/>
+                      <a:r>
+                        <a:rPr lang="ko-KR" altLang="en-US" sz="1000" b="0" i="0" u="none" strike="noStrike" kern="1200" dirty="0">
+                          <a:ln>
+                            <a:solidFill>
+                              <a:schemeClr val="tx1">
+                                <a:alpha val="0"/>
+                              </a:schemeClr>
+                            </a:solidFill>
+                          </a:ln>
+                          <a:solidFill>
+                            <a:schemeClr val="tx1"/>
+                          </a:solidFill>
+                          <a:effectLst/>
+                          <a:latin typeface="나눔바른고딕" panose="020B0603020101020101" pitchFamily="50" charset="-127"/>
+                          <a:ea typeface="나눔바른고딕" panose="020B0603020101020101" pitchFamily="50" charset="-127"/>
+                          <a:cs typeface="+mn-cs"/>
+                        </a:rPr>
+                        <a:t>                 </a:t>
+                      </a:r>
+                      <a:r>
+                        <a:rPr lang="en-US" altLang="ko-KR" sz="1000" b="0" i="0" u="none" strike="noStrike" kern="1200" dirty="0">
+                          <a:ln>
+                            <a:solidFill>
+                              <a:schemeClr val="tx1">
+                                <a:alpha val="0"/>
+                              </a:schemeClr>
+                            </a:solidFill>
+                          </a:ln>
+                          <a:solidFill>
+                            <a:schemeClr val="tx1"/>
+                          </a:solidFill>
+                          <a:effectLst/>
+                          <a:latin typeface="나눔바른고딕" panose="020B0603020101020101" pitchFamily="50" charset="-127"/>
+                          <a:ea typeface="나눔바른고딕" panose="020B0603020101020101" pitchFamily="50" charset="-127"/>
+                          <a:cs typeface="+mn-cs"/>
+                        </a:rPr>
+                        <a:t>6,396 </a:t>
+                      </a:r>
+                    </a:p>
+                  </a:txBody>
+                  <a:tcPr marL="0" marR="0" marT="0" marB="0" anchor="ctr">
+                    <a:lnL w="6350" cap="flat" cmpd="sng" algn="ctr">
+                      <a:solidFill>
+                        <a:srgbClr val="000000"/>
+                      </a:solidFill>
+                      <a:prstDash val="solid"/>
+                      <a:round/>
+                      <a:headEnd type="none" w="med" len="med"/>
+                      <a:tailEnd type="none" w="med" len="med"/>
+                    </a:lnL>
+                    <a:lnR w="6350" cap="flat" cmpd="sng" algn="ctr">
+                      <a:solidFill>
+                        <a:srgbClr val="000000"/>
+                      </a:solidFill>
+                      <a:prstDash val="solid"/>
+                      <a:round/>
+                      <a:headEnd type="none" w="med" len="med"/>
+                      <a:tailEnd type="none" w="med" len="med"/>
+                    </a:lnR>
+                    <a:lnT w="6350" cap="flat" cmpd="sng" algn="ctr">
+                      <a:solidFill>
+                        <a:srgbClr val="000000"/>
+                      </a:solidFill>
+                      <a:prstDash val="solid"/>
+                      <a:round/>
+                      <a:headEnd type="none" w="med" len="med"/>
+                      <a:tailEnd type="none" w="med" len="med"/>
+                    </a:lnT>
+                    <a:lnB w="6350" cap="flat" cmpd="sng" algn="ctr">
+                      <a:solidFill>
+                        <a:srgbClr val="000000"/>
+                      </a:solidFill>
+                      <a:prstDash val="solid"/>
+                      <a:round/>
+                      <a:headEnd type="none" w="med" len="med"/>
+                      <a:tailEnd type="none" w="med" len="med"/>
+                    </a:lnB>
+                  </a:tcPr>
+                </a:tc>
+                <a:extLst>
+                  <a:ext uri="{0D108BD9-81ED-4DB2-BD59-A6C34878D82A}">
+                    <a16:rowId xmlns:a16="http://schemas.microsoft.com/office/drawing/2014/main" val="3041182224"/>
+                  </a:ext>
+                </a:extLst>
+              </a:tr>
+              <a:tr h="180186">
+                <a:tc>
+                  <a:txBody>
+                    <a:bodyPr/>
+                    <a:lstStyle/>
+                    <a:p>
+                      <a:pPr algn="l" fontAlgn="ctr"/>
+                      <a:r>
+                        <a:rPr lang="ko-KR" altLang="en-US" sz="1000" b="0" i="0" u="none" strike="noStrike" kern="1200" dirty="0" err="1">
+                          <a:ln>
+                            <a:solidFill>
+                              <a:schemeClr val="tx1">
+                                <a:alpha val="0"/>
+                              </a:schemeClr>
+                            </a:solidFill>
+                          </a:ln>
+                          <a:solidFill>
+                            <a:srgbClr val="FF0000"/>
+                          </a:solidFill>
+                          <a:effectLst/>
+                          <a:latin typeface="나눔바른고딕" panose="020B0603020101020101" pitchFamily="50" charset="-127"/>
+                          <a:ea typeface="나눔바른고딕" panose="020B0603020101020101" pitchFamily="50" charset="-127"/>
+                          <a:cs typeface="+mn-cs"/>
+                        </a:rPr>
+                        <a:t>영재고준비</a:t>
+                      </a:r>
+                      <a:endParaRPr lang="ko-KR" altLang="en-US" sz="1000" b="0" i="0" u="none" strike="noStrike" kern="1200" dirty="0">
+                        <a:ln>
+                          <a:solidFill>
+                            <a:schemeClr val="tx1">
+                              <a:alpha val="0"/>
+                            </a:schemeClr>
+                          </a:solidFill>
+                        </a:ln>
+                        <a:solidFill>
+                          <a:srgbClr val="FF0000"/>
+                        </a:solidFill>
+                        <a:effectLst/>
+                        <a:latin typeface="나눔바른고딕" panose="020B0603020101020101" pitchFamily="50" charset="-127"/>
+                        <a:ea typeface="나눔바른고딕" panose="020B0603020101020101" pitchFamily="50" charset="-127"/>
+                        <a:cs typeface="+mn-cs"/>
+                      </a:endParaRPr>
+                    </a:p>
+                  </a:txBody>
+                  <a:tcPr marL="0" marR="0" marT="0" marB="0" anchor="ctr">
+                    <a:lnL w="6350" cap="flat" cmpd="sng" algn="ctr">
+                      <a:solidFill>
+                        <a:srgbClr val="000000"/>
+                      </a:solidFill>
+                      <a:prstDash val="solid"/>
+                      <a:round/>
+                      <a:headEnd type="none" w="med" len="med"/>
+                      <a:tailEnd type="none" w="med" len="med"/>
+                    </a:lnL>
+                    <a:lnR w="6350" cap="flat" cmpd="sng" algn="ctr">
+                      <a:solidFill>
+                        <a:srgbClr val="000000"/>
+                      </a:solidFill>
+                      <a:prstDash val="solid"/>
+                      <a:round/>
+                      <a:headEnd type="none" w="med" len="med"/>
+                      <a:tailEnd type="none" w="med" len="med"/>
+                    </a:lnR>
+                    <a:lnT w="6350" cap="flat" cmpd="sng" algn="ctr">
+                      <a:solidFill>
+                        <a:srgbClr val="000000"/>
+                      </a:solidFill>
+                      <a:prstDash val="solid"/>
+                      <a:round/>
+                      <a:headEnd type="none" w="med" len="med"/>
+                      <a:tailEnd type="none" w="med" len="med"/>
+                    </a:lnT>
+                    <a:lnB w="6350" cap="flat" cmpd="sng" algn="ctr">
+                      <a:solidFill>
+                        <a:srgbClr val="000000"/>
+                      </a:solidFill>
+                      <a:prstDash val="solid"/>
+                      <a:round/>
+                      <a:headEnd type="none" w="med" len="med"/>
+                      <a:tailEnd type="none" w="med" len="med"/>
+                    </a:lnB>
+                    <a:solidFill>
+                      <a:srgbClr val="FFFFFF"/>
+                    </a:solidFill>
+                  </a:tcPr>
+                </a:tc>
+                <a:tc>
+                  <a:txBody>
+                    <a:bodyPr/>
+                    <a:lstStyle/>
+                    <a:p>
+                      <a:pPr algn="r" fontAlgn="ctr"/>
+                      <a:r>
+                        <a:rPr lang="en-US" altLang="ko-KR" sz="1000" b="0" i="0" u="none" strike="noStrike" kern="1200">
+                          <a:ln>
+                            <a:solidFill>
+                              <a:schemeClr val="tx1">
+                                <a:alpha val="0"/>
+                              </a:schemeClr>
+                            </a:solidFill>
+                          </a:ln>
+                          <a:solidFill>
+                            <a:schemeClr val="tx1"/>
+                          </a:solidFill>
+                          <a:effectLst/>
+                          <a:latin typeface="나눔바른고딕" panose="020B0603020101020101" pitchFamily="50" charset="-127"/>
+                          <a:ea typeface="나눔바른고딕" panose="020B0603020101020101" pitchFamily="50" charset="-127"/>
+                          <a:cs typeface="+mn-cs"/>
+                        </a:rPr>
+                        <a:t>250</a:t>
+                      </a:r>
+                    </a:p>
+                  </a:txBody>
+                  <a:tcPr marL="0" marR="0" marT="0" marB="0" anchor="ctr">
+                    <a:lnL w="6350" cap="flat" cmpd="sng" algn="ctr">
+                      <a:solidFill>
+                        <a:srgbClr val="000000"/>
+                      </a:solidFill>
+                      <a:prstDash val="solid"/>
+                      <a:round/>
+                      <a:headEnd type="none" w="med" len="med"/>
+                      <a:tailEnd type="none" w="med" len="med"/>
+                    </a:lnL>
+                    <a:lnR w="6350" cap="flat" cmpd="sng" algn="ctr">
+                      <a:solidFill>
+                        <a:srgbClr val="000000"/>
+                      </a:solidFill>
+                      <a:prstDash val="solid"/>
+                      <a:round/>
+                      <a:headEnd type="none" w="med" len="med"/>
+                      <a:tailEnd type="none" w="med" len="med"/>
+                    </a:lnR>
+                    <a:lnT w="6350" cap="flat" cmpd="sng" algn="ctr">
+                      <a:solidFill>
+                        <a:srgbClr val="000000"/>
+                      </a:solidFill>
+                      <a:prstDash val="solid"/>
+                      <a:round/>
+                      <a:headEnd type="none" w="med" len="med"/>
+                      <a:tailEnd type="none" w="med" len="med"/>
+                    </a:lnT>
+                    <a:lnB w="6350" cap="flat" cmpd="sng" algn="ctr">
+                      <a:solidFill>
+                        <a:srgbClr val="000000"/>
+                      </a:solidFill>
+                      <a:prstDash val="solid"/>
+                      <a:round/>
+                      <a:headEnd type="none" w="med" len="med"/>
+                      <a:tailEnd type="none" w="med" len="med"/>
+                    </a:lnB>
+                    <a:solidFill>
+                      <a:srgbClr val="FFFFFF"/>
+                    </a:solidFill>
+                  </a:tcPr>
+                </a:tc>
+                <a:tc>
+                  <a:txBody>
+                    <a:bodyPr/>
+                    <a:lstStyle/>
+                    <a:p>
+                      <a:pPr algn="l" fontAlgn="ctr"/>
+                      <a:r>
+                        <a:rPr lang="ko-KR" altLang="en-US" sz="1000" b="0" i="0" u="none" strike="noStrike" kern="1200" dirty="0">
+                          <a:ln>
+                            <a:solidFill>
+                              <a:schemeClr val="tx1">
+                                <a:alpha val="0"/>
+                              </a:schemeClr>
+                            </a:solidFill>
+                          </a:ln>
+                          <a:solidFill>
+                            <a:schemeClr val="tx1"/>
+                          </a:solidFill>
+                          <a:effectLst/>
+                          <a:latin typeface="나눔바른고딕" panose="020B0603020101020101" pitchFamily="50" charset="-127"/>
+                          <a:ea typeface="나눔바른고딕" panose="020B0603020101020101" pitchFamily="50" charset="-127"/>
+                          <a:cs typeface="+mn-cs"/>
+                        </a:rPr>
+                        <a:t>               </a:t>
+                      </a:r>
+                      <a:r>
+                        <a:rPr lang="en-US" altLang="ko-KR" sz="1000" b="0" i="0" u="none" strike="noStrike" kern="1200" dirty="0">
+                          <a:ln>
+                            <a:solidFill>
+                              <a:schemeClr val="tx1">
+                                <a:alpha val="0"/>
+                              </a:schemeClr>
+                            </a:solidFill>
+                          </a:ln>
+                          <a:solidFill>
+                            <a:schemeClr val="tx1"/>
+                          </a:solidFill>
+                          <a:effectLst/>
+                          <a:latin typeface="나눔바른고딕" panose="020B0603020101020101" pitchFamily="50" charset="-127"/>
+                          <a:ea typeface="나눔바른고딕" panose="020B0603020101020101" pitchFamily="50" charset="-127"/>
+                          <a:cs typeface="+mn-cs"/>
+                        </a:rPr>
+                        <a:t>4 </a:t>
+                      </a:r>
+                    </a:p>
+                  </a:txBody>
+                  <a:tcPr marL="0" marR="0" marT="0" marB="0" anchor="ctr">
+                    <a:lnL w="6350" cap="flat" cmpd="sng" algn="ctr">
+                      <a:solidFill>
+                        <a:srgbClr val="000000"/>
+                      </a:solidFill>
+                      <a:prstDash val="solid"/>
+                      <a:round/>
+                      <a:headEnd type="none" w="med" len="med"/>
+                      <a:tailEnd type="none" w="med" len="med"/>
+                    </a:lnL>
+                    <a:lnR w="6350" cap="flat" cmpd="sng" algn="ctr">
+                      <a:solidFill>
+                        <a:srgbClr val="000000"/>
+                      </a:solidFill>
+                      <a:prstDash val="solid"/>
+                      <a:round/>
+                      <a:headEnd type="none" w="med" len="med"/>
+                      <a:tailEnd type="none" w="med" len="med"/>
+                    </a:lnR>
+                    <a:lnT w="6350" cap="flat" cmpd="sng" algn="ctr">
+                      <a:solidFill>
+                        <a:srgbClr val="000000"/>
+                      </a:solidFill>
+                      <a:prstDash val="solid"/>
+                      <a:round/>
+                      <a:headEnd type="none" w="med" len="med"/>
+                      <a:tailEnd type="none" w="med" len="med"/>
+                    </a:lnT>
+                    <a:lnB w="6350" cap="flat" cmpd="sng" algn="ctr">
+                      <a:solidFill>
+                        <a:srgbClr val="000000"/>
+                      </a:solidFill>
+                      <a:prstDash val="solid"/>
+                      <a:round/>
+                      <a:headEnd type="none" w="med" len="med"/>
+                      <a:tailEnd type="none" w="med" len="med"/>
+                    </a:lnB>
+                  </a:tcPr>
+                </a:tc>
+                <a:tc>
+                  <a:txBody>
+                    <a:bodyPr/>
+                    <a:lstStyle/>
+                    <a:p>
+                      <a:pPr algn="r" fontAlgn="ctr"/>
+                      <a:r>
                         <a:rPr lang="en-US" altLang="ko-KR" sz="1000" b="0" i="0" u="none" strike="noStrike" kern="1200">
                           <a:ln>
                             <a:solidFill>
@@ -7823,7 +7799,7 @@
                     <a:p>
                       <a:pPr algn="l" fontAlgn="ctr"/>
                       <a:r>
-                        <a:rPr lang="ko-KR" altLang="en-US" sz="1000" b="0" i="0" u="none" strike="noStrike" kern="1200">
+                        <a:rPr lang="ko-KR" altLang="en-US" sz="1000" b="0" i="0" u="none" strike="noStrike" kern="1200" dirty="0" err="1">
                           <a:ln>
                             <a:solidFill>
                               <a:schemeClr val="tx1">
@@ -7832,7 +7808,7 @@
                             </a:solidFill>
                           </a:ln>
                           <a:solidFill>
-                            <a:schemeClr val="tx1"/>
+                            <a:srgbClr val="FF0000"/>
                           </a:solidFill>
                           <a:effectLst/>
                           <a:latin typeface="나눔바른고딕" panose="020B0603020101020101" pitchFamily="50" charset="-127"/>
@@ -7841,6 +7817,22 @@
                         </a:rPr>
                         <a:t>영재고인강</a:t>
                       </a:r>
+                      <a:endParaRPr lang="ko-KR" altLang="en-US" sz="1000" b="0" i="0" u="none" strike="noStrike" kern="1200" dirty="0">
+                        <a:ln>
+                          <a:solidFill>
+                            <a:schemeClr val="tx1">
+                              <a:alpha val="0"/>
+                            </a:schemeClr>
+                          </a:solidFill>
+                        </a:ln>
+                        <a:solidFill>
+                          <a:srgbClr val="FF0000"/>
+                        </a:solidFill>
+                        <a:effectLst/>
+                        <a:latin typeface="나눔바른고딕" panose="020B0603020101020101" pitchFamily="50" charset="-127"/>
+                        <a:ea typeface="나눔바른고딕" panose="020B0603020101020101" pitchFamily="50" charset="-127"/>
+                        <a:cs typeface="+mn-cs"/>
+                      </a:endParaRPr>
                     </a:p>
                   </a:txBody>
                   <a:tcPr marL="0" marR="0" marT="0" marB="0" anchor="ctr">
@@ -9366,7 +9358,7 @@
                     <a:p>
                       <a:pPr algn="l" fontAlgn="ctr"/>
                       <a:r>
-                        <a:rPr lang="ko-KR" altLang="en-US" sz="1000" b="0" i="0" u="none" strike="noStrike" kern="1200">
+                        <a:rPr lang="ko-KR" altLang="en-US" sz="1000" b="0" i="0" u="none" strike="noStrike" kern="1200" dirty="0" err="1">
                           <a:ln>
                             <a:solidFill>
                               <a:schemeClr val="tx1">
@@ -9384,6 +9376,22 @@
                         </a:rPr>
                         <a:t>영재고수학</a:t>
                       </a:r>
+                      <a:endParaRPr lang="ko-KR" altLang="en-US" sz="1000" b="0" i="0" u="none" strike="noStrike" kern="1200" dirty="0">
+                        <a:ln>
+                          <a:solidFill>
+                            <a:schemeClr val="tx1">
+                              <a:alpha val="0"/>
+                            </a:schemeClr>
+                          </a:solidFill>
+                        </a:ln>
+                        <a:solidFill>
+                          <a:schemeClr val="tx1"/>
+                        </a:solidFill>
+                        <a:effectLst/>
+                        <a:latin typeface="나눔바른고딕" panose="020B0603020101020101" pitchFamily="50" charset="-127"/>
+                        <a:ea typeface="나눔바른고딕" panose="020B0603020101020101" pitchFamily="50" charset="-127"/>
+                        <a:cs typeface="+mn-cs"/>
+                      </a:endParaRPr>
                     </a:p>
                   </a:txBody>
                   <a:tcPr marL="0" marR="0" marT="0" marB="0" anchor="ctr">
@@ -9747,7 +9755,7 @@
                     <a:p>
                       <a:pPr algn="l" fontAlgn="ctr"/>
                       <a:r>
-                        <a:rPr lang="ko-KR" altLang="en-US" sz="1000" b="0" i="0" u="none" strike="noStrike" kern="1200">
+                        <a:rPr lang="ko-KR" altLang="en-US" sz="1000" b="0" i="0" u="none" strike="noStrike" kern="1200" dirty="0">
                           <a:ln>
                             <a:solidFill>
                               <a:schemeClr val="tx1">
@@ -9756,7 +9764,7 @@
                             </a:solidFill>
                           </a:ln>
                           <a:solidFill>
-                            <a:schemeClr val="tx1"/>
+                            <a:srgbClr val="FF0000"/>
                           </a:solidFill>
                           <a:effectLst/>
                           <a:latin typeface="나눔바른고딕" panose="020B0603020101020101" pitchFamily="50" charset="-127"/>
@@ -11295,7 +11303,7 @@
         <p:spPr>
           <a:xfrm>
             <a:off x="211046" y="451219"/>
-            <a:ext cx="3497243" cy="215444"/>
+            <a:ext cx="3497243" cy="1077218"/>
           </a:xfrm>
           <a:prstGeom prst="rect">
             <a:avLst/>
@@ -11445,8 +11453,312 @@
                 <a:latin typeface="나눔바른고딕" panose="020B0603020101020101" pitchFamily="50" charset="-127"/>
                 <a:ea typeface="나눔바른고딕" panose="020B0603020101020101" pitchFamily="50" charset="-127"/>
               </a:rPr>
-              <a:t> 대한 여부 확인</a:t>
-            </a:r>
+              <a:t> 대한 여부 </a:t>
+            </a:r>
+            <a:r>
+              <a:rPr lang="ko-KR" altLang="en-US" sz="800" dirty="0" smtClean="0">
+                <a:ln>
+                  <a:solidFill>
+                    <a:schemeClr val="tx1">
+                      <a:alpha val="0"/>
+                    </a:schemeClr>
+                  </a:solidFill>
+                </a:ln>
+                <a:latin typeface="나눔바른고딕" panose="020B0603020101020101" pitchFamily="50" charset="-127"/>
+                <a:ea typeface="나눔바른고딕" panose="020B0603020101020101" pitchFamily="50" charset="-127"/>
+              </a:rPr>
+              <a:t>확인</a:t>
+            </a:r>
+            <a:endParaRPr lang="en-US" altLang="ko-KR" sz="800" dirty="0" smtClean="0">
+              <a:ln>
+                <a:solidFill>
+                  <a:schemeClr val="tx1">
+                    <a:alpha val="0"/>
+                  </a:schemeClr>
+                </a:solidFill>
+              </a:ln>
+              <a:latin typeface="나눔바른고딕" panose="020B0603020101020101" pitchFamily="50" charset="-127"/>
+              <a:ea typeface="나눔바른고딕" panose="020B0603020101020101" pitchFamily="50" charset="-127"/>
+            </a:endParaRPr>
+          </a:p>
+          <a:p>
+            <a:endParaRPr lang="en-US" altLang="ko-KR" sz="800" dirty="0" smtClean="0">
+              <a:ln>
+                <a:solidFill>
+                  <a:schemeClr val="tx1">
+                    <a:alpha val="0"/>
+                  </a:schemeClr>
+                </a:solidFill>
+              </a:ln>
+              <a:latin typeface="나눔바른고딕" panose="020B0603020101020101" pitchFamily="50" charset="-127"/>
+              <a:ea typeface="나눔바른고딕" panose="020B0603020101020101" pitchFamily="50" charset="-127"/>
+            </a:endParaRPr>
+          </a:p>
+          <a:p>
+            <a:r>
+              <a:rPr lang="ko-KR" altLang="en-US" sz="800" dirty="0" smtClean="0">
+                <a:ln>
+                  <a:solidFill>
+                    <a:schemeClr val="tx1">
+                      <a:alpha val="0"/>
+                    </a:schemeClr>
+                  </a:solidFill>
+                </a:ln>
+                <a:latin typeface="나눔바른고딕" panose="020B0603020101020101" pitchFamily="50" charset="-127"/>
+                <a:ea typeface="나눔바른고딕" panose="020B0603020101020101" pitchFamily="50" charset="-127"/>
+              </a:rPr>
+              <a:t>제외 </a:t>
+            </a:r>
+            <a:r>
+              <a:rPr lang="en-US" altLang="ko-KR" sz="800" dirty="0" smtClean="0">
+                <a:ln>
+                  <a:solidFill>
+                    <a:schemeClr val="tx1">
+                      <a:alpha val="0"/>
+                    </a:schemeClr>
+                  </a:solidFill>
+                </a:ln>
+                <a:latin typeface="나눔바른고딕" panose="020B0603020101020101" pitchFamily="50" charset="-127"/>
+                <a:ea typeface="나눔바른고딕" panose="020B0603020101020101" pitchFamily="50" charset="-127"/>
+              </a:rPr>
+              <a:t>&gt; </a:t>
+            </a:r>
+            <a:endParaRPr lang="en-US" altLang="ko-KR" sz="800" dirty="0">
+              <a:ln>
+                <a:solidFill>
+                  <a:schemeClr val="tx1">
+                    <a:alpha val="0"/>
+                  </a:schemeClr>
+                </a:solidFill>
+              </a:ln>
+              <a:latin typeface="나눔바른고딕" panose="020B0603020101020101" pitchFamily="50" charset="-127"/>
+              <a:ea typeface="나눔바른고딕" panose="020B0603020101020101" pitchFamily="50" charset="-127"/>
+            </a:endParaRPr>
+          </a:p>
+          <a:p>
+            <a:r>
+              <a:rPr lang="ko-KR" altLang="en-US" sz="800" dirty="0" smtClean="0">
+                <a:ln>
+                  <a:solidFill>
+                    <a:schemeClr val="tx1">
+                      <a:alpha val="0"/>
+                    </a:schemeClr>
+                  </a:solidFill>
+                </a:ln>
+                <a:latin typeface="나눔바른고딕" panose="020B0603020101020101" pitchFamily="50" charset="-127"/>
+                <a:ea typeface="나눔바른고딕" panose="020B0603020101020101" pitchFamily="50" charset="-127"/>
+              </a:rPr>
+              <a:t>추가 </a:t>
+            </a:r>
+            <a:r>
+              <a:rPr lang="en-US" altLang="ko-KR" sz="800" dirty="0" smtClean="0">
+                <a:ln>
+                  <a:solidFill>
+                    <a:schemeClr val="tx1">
+                      <a:alpha val="0"/>
+                    </a:schemeClr>
+                  </a:solidFill>
+                </a:ln>
+                <a:latin typeface="나눔바른고딕" panose="020B0603020101020101" pitchFamily="50" charset="-127"/>
+                <a:ea typeface="나눔바른고딕" panose="020B0603020101020101" pitchFamily="50" charset="-127"/>
+              </a:rPr>
+              <a:t>&gt; </a:t>
+            </a:r>
+            <a:r>
+              <a:rPr lang="ko-KR" altLang="en-US" sz="800" dirty="0" smtClean="0">
+                <a:ln>
+                  <a:solidFill>
+                    <a:schemeClr val="tx1">
+                      <a:alpha val="0"/>
+                    </a:schemeClr>
+                  </a:solidFill>
+                </a:ln>
+                <a:latin typeface="나눔바른고딕" panose="020B0603020101020101" pitchFamily="50" charset="-127"/>
+                <a:ea typeface="나눔바른고딕" panose="020B0603020101020101" pitchFamily="50" charset="-127"/>
+              </a:rPr>
+              <a:t>영재학교</a:t>
+            </a:r>
+            <a:r>
+              <a:rPr lang="en-US" altLang="ko-KR" sz="800" dirty="0" smtClean="0">
+                <a:ln>
+                  <a:solidFill>
+                    <a:schemeClr val="tx1">
+                      <a:alpha val="0"/>
+                    </a:schemeClr>
+                  </a:solidFill>
+                </a:ln>
+                <a:latin typeface="나눔바른고딕" panose="020B0603020101020101" pitchFamily="50" charset="-127"/>
+                <a:ea typeface="나눔바른고딕" panose="020B0603020101020101" pitchFamily="50" charset="-127"/>
+              </a:rPr>
+              <a:t>, </a:t>
+            </a:r>
+            <a:r>
+              <a:rPr lang="ko-KR" altLang="en-US" sz="800" dirty="0" smtClean="0">
+                <a:ln>
+                  <a:solidFill>
+                    <a:schemeClr val="tx1">
+                      <a:alpha val="0"/>
+                    </a:schemeClr>
+                  </a:solidFill>
+                </a:ln>
+                <a:latin typeface="나눔바른고딕" panose="020B0603020101020101" pitchFamily="50" charset="-127"/>
+                <a:ea typeface="나눔바른고딕" panose="020B0603020101020101" pitchFamily="50" charset="-127"/>
+              </a:rPr>
+              <a:t>영재교육</a:t>
+            </a:r>
+            <a:r>
+              <a:rPr lang="en-US" altLang="ko-KR" sz="800" dirty="0" smtClean="0">
+                <a:ln>
+                  <a:solidFill>
+                    <a:schemeClr val="tx1">
+                      <a:alpha val="0"/>
+                    </a:schemeClr>
+                  </a:solidFill>
+                </a:ln>
+                <a:latin typeface="나눔바른고딕" panose="020B0603020101020101" pitchFamily="50" charset="-127"/>
+                <a:ea typeface="나눔바른고딕" panose="020B0603020101020101" pitchFamily="50" charset="-127"/>
+              </a:rPr>
+              <a:t>, </a:t>
+            </a:r>
+            <a:r>
+              <a:rPr lang="en-US" altLang="ko-KR" sz="800" dirty="0">
+                <a:ln>
+                  <a:solidFill>
+                    <a:schemeClr val="tx1">
+                      <a:alpha val="0"/>
+                    </a:schemeClr>
+                  </a:solidFill>
+                </a:ln>
+                <a:latin typeface="나눔바른고딕" panose="020B0603020101020101" pitchFamily="50" charset="-127"/>
+                <a:ea typeface="나눔바른고딕" panose="020B0603020101020101" pitchFamily="50" charset="-127"/>
+              </a:rPr>
+              <a:t>CMS</a:t>
+            </a:r>
+            <a:r>
+              <a:rPr lang="ko-KR" altLang="en-US" sz="800" dirty="0" err="1">
+                <a:ln>
+                  <a:solidFill>
+                    <a:schemeClr val="tx1">
+                      <a:alpha val="0"/>
+                    </a:schemeClr>
+                  </a:solidFill>
+                </a:ln>
+                <a:latin typeface="나눔바른고딕" panose="020B0603020101020101" pitchFamily="50" charset="-127"/>
+                <a:ea typeface="나눔바른고딕" panose="020B0603020101020101" pitchFamily="50" charset="-127"/>
+              </a:rPr>
+              <a:t>영재관</a:t>
+            </a:r>
+            <a:endParaRPr lang="en-US" altLang="ko-KR" sz="800" dirty="0" smtClean="0">
+              <a:ln>
+                <a:solidFill>
+                  <a:schemeClr val="tx1">
+                    <a:alpha val="0"/>
+                  </a:schemeClr>
+                </a:solidFill>
+              </a:ln>
+              <a:latin typeface="나눔바른고딕" panose="020B0603020101020101" pitchFamily="50" charset="-127"/>
+              <a:ea typeface="나눔바른고딕" panose="020B0603020101020101" pitchFamily="50" charset="-127"/>
+            </a:endParaRPr>
+          </a:p>
+          <a:p>
+            <a:r>
+              <a:rPr lang="ko-KR" altLang="en-US" sz="800" dirty="0" smtClean="0">
+                <a:ln>
+                  <a:solidFill>
+                    <a:schemeClr val="tx1">
+                      <a:alpha val="0"/>
+                    </a:schemeClr>
+                  </a:solidFill>
+                </a:ln>
+                <a:latin typeface="나눔바른고딕" panose="020B0603020101020101" pitchFamily="50" charset="-127"/>
+                <a:ea typeface="나눔바른고딕" panose="020B0603020101020101" pitchFamily="50" charset="-127"/>
+              </a:rPr>
+              <a:t>수학경시대회도 추가할까</a:t>
+            </a:r>
+            <a:endParaRPr lang="en-US" altLang="ko-KR" sz="800" dirty="0" smtClean="0">
+              <a:ln>
+                <a:solidFill>
+                  <a:schemeClr val="tx1">
+                    <a:alpha val="0"/>
+                  </a:schemeClr>
+                </a:solidFill>
+              </a:ln>
+              <a:latin typeface="나눔바른고딕" panose="020B0603020101020101" pitchFamily="50" charset="-127"/>
+              <a:ea typeface="나눔바른고딕" panose="020B0603020101020101" pitchFamily="50" charset="-127"/>
+            </a:endParaRPr>
+          </a:p>
+          <a:p>
+            <a:r>
+              <a:rPr lang="ko-KR" altLang="en-US" sz="800" dirty="0" smtClean="0">
+                <a:ln>
+                  <a:solidFill>
+                    <a:schemeClr val="tx1">
+                      <a:alpha val="0"/>
+                    </a:schemeClr>
+                  </a:solidFill>
+                </a:ln>
+                <a:latin typeface="나눔바른고딕" panose="020B0603020101020101" pitchFamily="50" charset="-127"/>
+                <a:ea typeface="나눔바른고딕" panose="020B0603020101020101" pitchFamily="50" charset="-127"/>
+              </a:rPr>
+              <a:t>초등수학 </a:t>
+            </a:r>
+            <a:r>
+              <a:rPr lang="ko-KR" altLang="en-US" sz="800" dirty="0" err="1" smtClean="0">
+                <a:ln>
+                  <a:solidFill>
+                    <a:schemeClr val="tx1">
+                      <a:alpha val="0"/>
+                    </a:schemeClr>
+                  </a:solidFill>
+                </a:ln>
+                <a:latin typeface="나눔바른고딕" panose="020B0603020101020101" pitchFamily="50" charset="-127"/>
+                <a:ea typeface="나눔바른고딕" panose="020B0603020101020101" pitchFamily="50" charset="-127"/>
+              </a:rPr>
+              <a:t>인강</a:t>
+            </a:r>
+            <a:endParaRPr lang="en-US" altLang="ko-KR" sz="800" dirty="0">
+              <a:ln>
+                <a:solidFill>
+                  <a:schemeClr val="tx1">
+                    <a:alpha val="0"/>
+                  </a:schemeClr>
+                </a:solidFill>
+              </a:ln>
+              <a:latin typeface="나눔바른고딕" panose="020B0603020101020101" pitchFamily="50" charset="-127"/>
+              <a:ea typeface="나눔바른고딕" panose="020B0603020101020101" pitchFamily="50" charset="-127"/>
+            </a:endParaRPr>
+          </a:p>
+          <a:p>
+            <a:r>
+              <a:rPr lang="ko-KR" altLang="en-US" sz="800" dirty="0" err="1" smtClean="0">
+                <a:ln>
+                  <a:solidFill>
+                    <a:schemeClr val="tx1">
+                      <a:alpha val="0"/>
+                    </a:schemeClr>
+                  </a:solidFill>
+                </a:ln>
+                <a:latin typeface="나눔바른고딕" panose="020B0603020101020101" pitchFamily="50" charset="-127"/>
+                <a:ea typeface="나눔바른고딕" panose="020B0603020101020101" pitchFamily="50" charset="-127"/>
+              </a:rPr>
+              <a:t>유투엠</a:t>
+            </a:r>
+            <a:r>
+              <a:rPr lang="en-US" altLang="ko-KR" sz="800" dirty="0" smtClean="0">
+                <a:ln>
+                  <a:solidFill>
+                    <a:schemeClr val="tx1">
+                      <a:alpha val="0"/>
+                    </a:schemeClr>
+                  </a:solidFill>
+                </a:ln>
+                <a:latin typeface="나눔바른고딕" panose="020B0603020101020101" pitchFamily="50" charset="-127"/>
+                <a:ea typeface="나눔바른고딕" panose="020B0603020101020101" pitchFamily="50" charset="-127"/>
+              </a:rPr>
+              <a:t>??????</a:t>
+            </a:r>
+          </a:p>
+          <a:p>
             <a:endParaRPr lang="ko-KR" altLang="en-US" sz="800" dirty="0">
               <a:ln>
                 <a:solidFill>
@@ -11725,27 +12037,7 @@
                 <a:latin typeface="나눔바른고딕" panose="020B0603020101020101" pitchFamily="50" charset="-127"/>
                 <a:ea typeface="나눔바른고딕" panose="020B0603020101020101" pitchFamily="50" charset="-127"/>
               </a:rPr>
-              <a:t>학생의 경우도 신규 방문자로 기록 </a:t>
-            </a:r>
-            <a:r>
-              <a:rPr lang="ko-KR" altLang="en-US" sz="800" dirty="0" smtClean="0">
-                <a:ln>
-                  <a:solidFill>
-                    <a:schemeClr val="tx1">
-                      <a:alpha val="0"/>
-                    </a:schemeClr>
-                  </a:solidFill>
-                </a:ln>
-                <a:solidFill>
-                  <a:schemeClr val="tx1">
-                    <a:lumMod val="65000"/>
-                    <a:lumOff val="35000"/>
-                  </a:schemeClr>
-                </a:solidFill>
-                <a:latin typeface="나눔바른고딕" panose="020B0603020101020101" pitchFamily="50" charset="-127"/>
-                <a:ea typeface="나눔바른고딕" panose="020B0603020101020101" pitchFamily="50" charset="-127"/>
-              </a:rPr>
-              <a:t>되기 때문에 포함된 수치입니다</a:t>
+              <a:t>학생의 경우도 신규 방문자로 기록 되기 때문에 포함된 수치입니다</a:t>
             </a:r>
             <a:endParaRPr lang="ko-KR" altLang="en-US" sz="800" dirty="0">
               <a:ln>
@@ -13456,27 +13748,7 @@
                 <a:latin typeface="나눔바른고딕" panose="020B0603020101020101" pitchFamily="50" charset="-127"/>
                 <a:ea typeface="나눔바른고딕" panose="020B0603020101020101" pitchFamily="50" charset="-127"/>
               </a:rPr>
-              <a:t>학생의 경우도 신규 방문자로 기록 </a:t>
-            </a:r>
-            <a:r>
-              <a:rPr lang="ko-KR" altLang="en-US" sz="800" dirty="0" smtClean="0">
-                <a:ln>
-                  <a:solidFill>
-                    <a:schemeClr val="tx1">
-                      <a:alpha val="0"/>
-                    </a:schemeClr>
-                  </a:solidFill>
-                </a:ln>
-                <a:solidFill>
-                  <a:schemeClr val="tx1">
-                    <a:lumMod val="65000"/>
-                    <a:lumOff val="35000"/>
-                  </a:schemeClr>
-                </a:solidFill>
-                <a:latin typeface="나눔바른고딕" panose="020B0603020101020101" pitchFamily="50" charset="-127"/>
-                <a:ea typeface="나눔바른고딕" panose="020B0603020101020101" pitchFamily="50" charset="-127"/>
-              </a:rPr>
-              <a:t>되기 때문에 포함된 수치입니다</a:t>
+              <a:t>학생의 경우도 신규 방문자로 기록 되기 때문에 포함된 수치입니다</a:t>
             </a:r>
             <a:endParaRPr lang="ko-KR" altLang="en-US" sz="800" dirty="0">
               <a:ln>
@@ -17429,21 +17701,7 @@
                 <a:latin typeface="나눔바른고딕" panose="020B0603020101020101" pitchFamily="50" charset="-127"/>
                 <a:ea typeface="나눔바른고딕" panose="020B0603020101020101" pitchFamily="50" charset="-127"/>
               </a:rPr>
-              <a:t>표시된 시기에서 신규 방문자의 증가 </a:t>
-            </a:r>
-            <a:r>
-              <a:rPr lang="ko-KR" altLang="en-US" sz="1400" dirty="0" smtClean="0">
-                <a:ln>
-                  <a:solidFill>
-                    <a:schemeClr val="tx1">
-                      <a:alpha val="0"/>
-                    </a:schemeClr>
-                  </a:solidFill>
-                </a:ln>
-                <a:latin typeface="나눔바른고딕" panose="020B0603020101020101" pitchFamily="50" charset="-127"/>
-                <a:ea typeface="나눔바른고딕" panose="020B0603020101020101" pitchFamily="50" charset="-127"/>
-              </a:rPr>
-              <a:t>기대</a:t>
+              <a:t>표시된 시기에서 신규 방문자의 증가 기대</a:t>
             </a:r>
             <a:endParaRPr lang="ko-KR" altLang="en-US" sz="1400" dirty="0">
               <a:ln>

--- a/marketing_insights_GA.pptx
+++ b/marketing_insights_GA.pptx
@@ -16,6 +16,10 @@
     <p:sldId id="258" r:id="rId10"/>
     <p:sldId id="259" r:id="rId11"/>
     <p:sldId id="260" r:id="rId12"/>
+    <p:sldId id="267" r:id="rId13"/>
+    <p:sldId id="268" r:id="rId14"/>
+    <p:sldId id="269" r:id="rId15"/>
+    <p:sldId id="270" r:id="rId16"/>
   </p:sldIdLst>
   <p:sldSz cx="9144000" cy="6858000" type="screen4x3"/>
   <p:notesSz cx="6858000" cy="9144000"/>
@@ -253,7 +257,7 @@
           <a:p>
             <a:fld id="{9F12D92A-1099-47F9-BA91-F3EF59B10499}" type="datetimeFigureOut">
               <a:rPr lang="ko-KR" altLang="en-US" smtClean="0"/>
-              <a:t>2020-12-03</a:t>
+              <a:t>2020-12-06</a:t>
             </a:fld>
             <a:endParaRPr lang="ko-KR" altLang="en-US"/>
           </a:p>
@@ -423,7 +427,7 @@
           <a:p>
             <a:fld id="{9F12D92A-1099-47F9-BA91-F3EF59B10499}" type="datetimeFigureOut">
               <a:rPr lang="ko-KR" altLang="en-US" smtClean="0"/>
-              <a:t>2020-12-03</a:t>
+              <a:t>2020-12-06</a:t>
             </a:fld>
             <a:endParaRPr lang="ko-KR" altLang="en-US"/>
           </a:p>
@@ -603,7 +607,7 @@
           <a:p>
             <a:fld id="{9F12D92A-1099-47F9-BA91-F3EF59B10499}" type="datetimeFigureOut">
               <a:rPr lang="ko-KR" altLang="en-US" smtClean="0"/>
-              <a:t>2020-12-03</a:t>
+              <a:t>2020-12-06</a:t>
             </a:fld>
             <a:endParaRPr lang="ko-KR" altLang="en-US"/>
           </a:p>
@@ -773,7 +777,7 @@
           <a:p>
             <a:fld id="{9F12D92A-1099-47F9-BA91-F3EF59B10499}" type="datetimeFigureOut">
               <a:rPr lang="ko-KR" altLang="en-US" smtClean="0"/>
-              <a:t>2020-12-03</a:t>
+              <a:t>2020-12-06</a:t>
             </a:fld>
             <a:endParaRPr lang="ko-KR" altLang="en-US"/>
           </a:p>
@@ -1017,7 +1021,7 @@
           <a:p>
             <a:fld id="{9F12D92A-1099-47F9-BA91-F3EF59B10499}" type="datetimeFigureOut">
               <a:rPr lang="ko-KR" altLang="en-US" smtClean="0"/>
-              <a:t>2020-12-03</a:t>
+              <a:t>2020-12-06</a:t>
             </a:fld>
             <a:endParaRPr lang="ko-KR" altLang="en-US"/>
           </a:p>
@@ -1249,7 +1253,7 @@
           <a:p>
             <a:fld id="{9F12D92A-1099-47F9-BA91-F3EF59B10499}" type="datetimeFigureOut">
               <a:rPr lang="ko-KR" altLang="en-US" smtClean="0"/>
-              <a:t>2020-12-03</a:t>
+              <a:t>2020-12-06</a:t>
             </a:fld>
             <a:endParaRPr lang="ko-KR" altLang="en-US"/>
           </a:p>
@@ -1616,7 +1620,7 @@
           <a:p>
             <a:fld id="{9F12D92A-1099-47F9-BA91-F3EF59B10499}" type="datetimeFigureOut">
               <a:rPr lang="ko-KR" altLang="en-US" smtClean="0"/>
-              <a:t>2020-12-03</a:t>
+              <a:t>2020-12-06</a:t>
             </a:fld>
             <a:endParaRPr lang="ko-KR" altLang="en-US"/>
           </a:p>
@@ -1734,7 +1738,7 @@
           <a:p>
             <a:fld id="{9F12D92A-1099-47F9-BA91-F3EF59B10499}" type="datetimeFigureOut">
               <a:rPr lang="ko-KR" altLang="en-US" smtClean="0"/>
-              <a:t>2020-12-03</a:t>
+              <a:t>2020-12-06</a:t>
             </a:fld>
             <a:endParaRPr lang="ko-KR" altLang="en-US"/>
           </a:p>
@@ -1829,7 +1833,7 @@
           <a:p>
             <a:fld id="{9F12D92A-1099-47F9-BA91-F3EF59B10499}" type="datetimeFigureOut">
               <a:rPr lang="ko-KR" altLang="en-US" smtClean="0"/>
-              <a:t>2020-12-03</a:t>
+              <a:t>2020-12-06</a:t>
             </a:fld>
             <a:endParaRPr lang="ko-KR" altLang="en-US"/>
           </a:p>
@@ -2106,7 +2110,7 @@
           <a:p>
             <a:fld id="{9F12D92A-1099-47F9-BA91-F3EF59B10499}" type="datetimeFigureOut">
               <a:rPr lang="ko-KR" altLang="en-US" smtClean="0"/>
-              <a:t>2020-12-03</a:t>
+              <a:t>2020-12-06</a:t>
             </a:fld>
             <a:endParaRPr lang="ko-KR" altLang="en-US"/>
           </a:p>
@@ -2363,7 +2367,7 @@
           <a:p>
             <a:fld id="{9F12D92A-1099-47F9-BA91-F3EF59B10499}" type="datetimeFigureOut">
               <a:rPr lang="ko-KR" altLang="en-US" smtClean="0"/>
-              <a:t>2020-12-03</a:t>
+              <a:t>2020-12-06</a:t>
             </a:fld>
             <a:endParaRPr lang="ko-KR" altLang="en-US"/>
           </a:p>
@@ -2576,7 +2580,7 @@
           <a:p>
             <a:fld id="{9F12D92A-1099-47F9-BA91-F3EF59B10499}" type="datetimeFigureOut">
               <a:rPr lang="ko-KR" altLang="en-US" smtClean="0"/>
-              <a:t>2020-12-03</a:t>
+              <a:t>2020-12-06</a:t>
             </a:fld>
             <a:endParaRPr lang="ko-KR" altLang="en-US"/>
           </a:p>
@@ -11453,21 +11457,7 @@
                 <a:latin typeface="나눔바른고딕" panose="020B0603020101020101" pitchFamily="50" charset="-127"/>
                 <a:ea typeface="나눔바른고딕" panose="020B0603020101020101" pitchFamily="50" charset="-127"/>
               </a:rPr>
-              <a:t> 대한 여부 </a:t>
-            </a:r>
-            <a:r>
-              <a:rPr lang="ko-KR" altLang="en-US" sz="800" dirty="0" smtClean="0">
-                <a:ln>
-                  <a:solidFill>
-                    <a:schemeClr val="tx1">
-                      <a:alpha val="0"/>
-                    </a:schemeClr>
-                  </a:solidFill>
-                </a:ln>
-                <a:latin typeface="나눔바른고딕" panose="020B0603020101020101" pitchFamily="50" charset="-127"/>
-                <a:ea typeface="나눔바른고딕" panose="020B0603020101020101" pitchFamily="50" charset="-127"/>
-              </a:rPr>
-              <a:t>확인</a:t>
+              <a:t> 대한 여부 확인</a:t>
             </a:r>
             <a:endParaRPr lang="en-US" altLang="ko-KR" sz="800" dirty="0" smtClean="0">
               <a:ln>
@@ -11777,6 +11767,1620 @@
     <p:extLst>
       <p:ext uri="{BB962C8B-B14F-4D97-AF65-F5344CB8AC3E}">
         <p14:creationId xmlns:p14="http://schemas.microsoft.com/office/powerpoint/2010/main" val="3785845002"/>
+      </p:ext>
+    </p:extLst>
+  </p:cSld>
+  <p:clrMapOvr>
+    <a:masterClrMapping/>
+  </p:clrMapOvr>
+</p:sld>
+</file>
+
+<file path=ppt/slides/slide12.xml><?xml version="1.0" encoding="utf-8"?>
+<p:sld xmlns:a="http://schemas.openxmlformats.org/drawingml/2006/main" xmlns:r="http://schemas.openxmlformats.org/officeDocument/2006/relationships" xmlns:p="http://schemas.openxmlformats.org/presentationml/2006/main">
+  <p:cSld>
+    <p:spTree>
+      <p:nvGrpSpPr>
+        <p:cNvPr id="1" name=""/>
+        <p:cNvGrpSpPr/>
+        <p:nvPr/>
+      </p:nvGrpSpPr>
+      <p:grpSpPr>
+        <a:xfrm>
+          <a:off x="0" y="0"/>
+          <a:ext cx="0" cy="0"/>
+          <a:chOff x="0" y="0"/>
+          <a:chExt cx="0" cy="0"/>
+        </a:xfrm>
+      </p:grpSpPr>
+      <p:sp>
+        <p:nvSpPr>
+          <p:cNvPr id="6" name="직사각형 5"/>
+          <p:cNvSpPr/>
+          <p:nvPr/>
+        </p:nvSpPr>
+        <p:spPr>
+          <a:xfrm>
+            <a:off x="1202649" y="2754719"/>
+            <a:ext cx="6765694" cy="646331"/>
+          </a:xfrm>
+          <a:prstGeom prst="rect">
+            <a:avLst/>
+          </a:prstGeom>
+        </p:spPr>
+        <p:txBody>
+          <a:bodyPr wrap="square">
+            <a:spAutoFit/>
+          </a:bodyPr>
+          <a:lstStyle/>
+          <a:p>
+            <a:pPr algn="ctr"/>
+            <a:r>
+              <a:rPr lang="ko-KR" altLang="en-US" sz="3600" b="1" dirty="0" smtClean="0">
+                <a:ln>
+                  <a:solidFill>
+                    <a:schemeClr val="tx1">
+                      <a:alpha val="0"/>
+                    </a:schemeClr>
+                  </a:solidFill>
+                </a:ln>
+                <a:latin typeface="나눔바른고딕" panose="020B0603020101020101" pitchFamily="50" charset="-127"/>
+                <a:ea typeface="나눔바른고딕" panose="020B0603020101020101" pitchFamily="50" charset="-127"/>
+              </a:rPr>
+              <a:t>캠페인 성과 지표</a:t>
+            </a:r>
+            <a:endParaRPr lang="en-US" altLang="ko-KR" sz="3600" b="1" dirty="0" smtClean="0">
+              <a:ln>
+                <a:solidFill>
+                  <a:schemeClr val="tx1">
+                    <a:alpha val="0"/>
+                  </a:schemeClr>
+                </a:solidFill>
+              </a:ln>
+              <a:latin typeface="나눔바른고딕" panose="020B0603020101020101" pitchFamily="50" charset="-127"/>
+              <a:ea typeface="나눔바른고딕" panose="020B0603020101020101" pitchFamily="50" charset="-127"/>
+            </a:endParaRPr>
+          </a:p>
+        </p:txBody>
+      </p:sp>
+      <p:sp>
+        <p:nvSpPr>
+          <p:cNvPr id="7" name="직사각형 6"/>
+          <p:cNvSpPr/>
+          <p:nvPr/>
+        </p:nvSpPr>
+        <p:spPr>
+          <a:xfrm>
+            <a:off x="1202649" y="4975405"/>
+            <a:ext cx="6765694" cy="246221"/>
+          </a:xfrm>
+          <a:prstGeom prst="rect">
+            <a:avLst/>
+          </a:prstGeom>
+        </p:spPr>
+        <p:txBody>
+          <a:bodyPr wrap="square">
+            <a:spAutoFit/>
+          </a:bodyPr>
+          <a:lstStyle/>
+          <a:p>
+            <a:pPr algn="ctr"/>
+            <a:r>
+              <a:rPr lang="ko-KR" altLang="en-US" sz="1000" dirty="0" smtClean="0">
+                <a:ln>
+                  <a:solidFill>
+                    <a:schemeClr val="tx1">
+                      <a:alpha val="0"/>
+                    </a:schemeClr>
+                  </a:solidFill>
+                </a:ln>
+                <a:latin typeface="나눔바른고딕" panose="020B0603020101020101" pitchFamily="50" charset="-127"/>
+                <a:ea typeface="나눔바른고딕" panose="020B0603020101020101" pitchFamily="50" charset="-127"/>
+              </a:rPr>
+              <a:t>나은</a:t>
+            </a:r>
+            <a:endParaRPr lang="ko-KR" altLang="en-US" sz="600" dirty="0">
+              <a:ln>
+                <a:solidFill>
+                  <a:schemeClr val="tx1">
+                    <a:alpha val="0"/>
+                  </a:schemeClr>
+                </a:solidFill>
+              </a:ln>
+              <a:latin typeface="나눔바른고딕" panose="020B0603020101020101" pitchFamily="50" charset="-127"/>
+              <a:ea typeface="나눔바른고딕" panose="020B0603020101020101" pitchFamily="50" charset="-127"/>
+            </a:endParaRPr>
+          </a:p>
+        </p:txBody>
+      </p:sp>
+      <p:sp>
+        <p:nvSpPr>
+          <p:cNvPr id="4" name="직사각형 3"/>
+          <p:cNvSpPr/>
+          <p:nvPr/>
+        </p:nvSpPr>
+        <p:spPr>
+          <a:xfrm>
+            <a:off x="1202649" y="3401050"/>
+            <a:ext cx="6765694" cy="246221"/>
+          </a:xfrm>
+          <a:prstGeom prst="rect">
+            <a:avLst/>
+          </a:prstGeom>
+        </p:spPr>
+        <p:txBody>
+          <a:bodyPr wrap="square">
+            <a:spAutoFit/>
+          </a:bodyPr>
+          <a:lstStyle/>
+          <a:p>
+            <a:pPr algn="ctr"/>
+            <a:r>
+              <a:rPr lang="en-US" altLang="ko-KR" sz="1000" dirty="0" smtClean="0">
+                <a:ln>
+                  <a:solidFill>
+                    <a:schemeClr val="tx1">
+                      <a:alpha val="0"/>
+                    </a:schemeClr>
+                  </a:solidFill>
+                </a:ln>
+                <a:latin typeface="나눔바른고딕" panose="020B0603020101020101" pitchFamily="50" charset="-127"/>
+                <a:ea typeface="나눔바른고딕" panose="020B0603020101020101" pitchFamily="50" charset="-127"/>
+              </a:rPr>
+              <a:t>2020-12-06</a:t>
+            </a:r>
+            <a:endParaRPr lang="ko-KR" altLang="en-US" sz="600" dirty="0">
+              <a:ln>
+                <a:solidFill>
+                  <a:schemeClr val="tx1">
+                    <a:alpha val="0"/>
+                  </a:schemeClr>
+                </a:solidFill>
+              </a:ln>
+              <a:latin typeface="나눔바른고딕" panose="020B0603020101020101" pitchFamily="50" charset="-127"/>
+              <a:ea typeface="나눔바른고딕" panose="020B0603020101020101" pitchFamily="50" charset="-127"/>
+            </a:endParaRPr>
+          </a:p>
+        </p:txBody>
+      </p:sp>
+    </p:spTree>
+    <p:extLst>
+      <p:ext uri="{BB962C8B-B14F-4D97-AF65-F5344CB8AC3E}">
+        <p14:creationId xmlns:p14="http://schemas.microsoft.com/office/powerpoint/2010/main" val="232223738"/>
+      </p:ext>
+    </p:extLst>
+  </p:cSld>
+  <p:clrMapOvr>
+    <a:masterClrMapping/>
+  </p:clrMapOvr>
+  <p:timing>
+    <p:tnLst>
+      <p:par>
+        <p:cTn id="1" dur="indefinite" restart="never" nodeType="tmRoot"/>
+      </p:par>
+    </p:tnLst>
+  </p:timing>
+</p:sld>
+</file>
+
+<file path=ppt/slides/slide13.xml><?xml version="1.0" encoding="utf-8"?>
+<p:sld xmlns:a="http://schemas.openxmlformats.org/drawingml/2006/main" xmlns:r="http://schemas.openxmlformats.org/officeDocument/2006/relationships" xmlns:p="http://schemas.openxmlformats.org/presentationml/2006/main">
+  <p:cSld>
+    <p:spTree>
+      <p:nvGrpSpPr>
+        <p:cNvPr id="1" name=""/>
+        <p:cNvGrpSpPr/>
+        <p:nvPr/>
+      </p:nvGrpSpPr>
+      <p:grpSpPr>
+        <a:xfrm>
+          <a:off x="0" y="0"/>
+          <a:ext cx="0" cy="0"/>
+          <a:chOff x="0" y="0"/>
+          <a:chExt cx="0" cy="0"/>
+        </a:xfrm>
+      </p:grpSpPr>
+      <p:sp>
+        <p:nvSpPr>
+          <p:cNvPr id="3" name="직사각형 2"/>
+          <p:cNvSpPr/>
+          <p:nvPr/>
+        </p:nvSpPr>
+        <p:spPr>
+          <a:xfrm>
+            <a:off x="136868" y="98606"/>
+            <a:ext cx="4572000" cy="253916"/>
+          </a:xfrm>
+          <a:prstGeom prst="rect">
+            <a:avLst/>
+          </a:prstGeom>
+        </p:spPr>
+        <p:txBody>
+          <a:bodyPr>
+            <a:spAutoFit/>
+          </a:bodyPr>
+          <a:lstStyle/>
+          <a:p>
+            <a:r>
+              <a:rPr lang="en-US" altLang="ko-KR" sz="1050" dirty="0" smtClean="0">
+                <a:ln>
+                  <a:solidFill>
+                    <a:schemeClr val="tx1">
+                      <a:alpha val="0"/>
+                    </a:schemeClr>
+                  </a:solidFill>
+                </a:ln>
+                <a:latin typeface="나눔바른고딕" panose="020B0603020101020101" pitchFamily="50" charset="-127"/>
+                <a:ea typeface="나눔바른고딕" panose="020B0603020101020101" pitchFamily="50" charset="-127"/>
+              </a:rPr>
+              <a:t>GA &gt; </a:t>
+            </a:r>
+            <a:r>
+              <a:rPr lang="ko-KR" altLang="en-US" sz="1050" dirty="0" smtClean="0">
+                <a:ln>
+                  <a:solidFill>
+                    <a:schemeClr val="tx1">
+                      <a:alpha val="0"/>
+                    </a:schemeClr>
+                  </a:solidFill>
+                </a:ln>
+                <a:latin typeface="나눔바른고딕" panose="020B0603020101020101" pitchFamily="50" charset="-127"/>
+                <a:ea typeface="나눔바른고딕" panose="020B0603020101020101" pitchFamily="50" charset="-127"/>
+              </a:rPr>
+              <a:t>획득 </a:t>
+            </a:r>
+            <a:r>
+              <a:rPr lang="en-US" altLang="ko-KR" sz="1050" dirty="0" smtClean="0">
+                <a:ln>
+                  <a:solidFill>
+                    <a:schemeClr val="tx1">
+                      <a:alpha val="0"/>
+                    </a:schemeClr>
+                  </a:solidFill>
+                </a:ln>
+                <a:latin typeface="나눔바른고딕" panose="020B0603020101020101" pitchFamily="50" charset="-127"/>
+                <a:ea typeface="나눔바른고딕" panose="020B0603020101020101" pitchFamily="50" charset="-127"/>
+              </a:rPr>
+              <a:t>&gt; </a:t>
+            </a:r>
+            <a:r>
+              <a:rPr lang="ko-KR" altLang="en-US" sz="1050" dirty="0" smtClean="0">
+                <a:ln>
+                  <a:solidFill>
+                    <a:schemeClr val="tx1">
+                      <a:alpha val="0"/>
+                    </a:schemeClr>
+                  </a:solidFill>
+                </a:ln>
+                <a:latin typeface="나눔바른고딕" panose="020B0603020101020101" pitchFamily="50" charset="-127"/>
+                <a:ea typeface="나눔바른고딕" panose="020B0603020101020101" pitchFamily="50" charset="-127"/>
+              </a:rPr>
+              <a:t>캠페인 </a:t>
+            </a:r>
+            <a:r>
+              <a:rPr lang="en-US" altLang="ko-KR" sz="1050" dirty="0" smtClean="0">
+                <a:ln>
+                  <a:solidFill>
+                    <a:schemeClr val="tx1">
+                      <a:alpha val="0"/>
+                    </a:schemeClr>
+                  </a:solidFill>
+                </a:ln>
+                <a:latin typeface="나눔바른고딕" panose="020B0603020101020101" pitchFamily="50" charset="-127"/>
+                <a:ea typeface="나눔바른고딕" panose="020B0603020101020101" pitchFamily="50" charset="-127"/>
+              </a:rPr>
+              <a:t>&gt; </a:t>
+            </a:r>
+            <a:r>
+              <a:rPr lang="ko-KR" altLang="en-US" sz="1050" dirty="0" err="1" smtClean="0">
+                <a:ln>
+                  <a:solidFill>
+                    <a:schemeClr val="tx1">
+                      <a:alpha val="0"/>
+                    </a:schemeClr>
+                  </a:solidFill>
+                </a:ln>
+                <a:latin typeface="나눔바른고딕" panose="020B0603020101020101" pitchFamily="50" charset="-127"/>
+                <a:ea typeface="나눔바른고딕" panose="020B0603020101020101" pitchFamily="50" charset="-127"/>
+              </a:rPr>
+              <a:t>모든캠페인</a:t>
+            </a:r>
+            <a:r>
+              <a:rPr lang="ko-KR" altLang="en-US" sz="1050" dirty="0" smtClean="0">
+                <a:ln>
+                  <a:solidFill>
+                    <a:schemeClr val="tx1">
+                      <a:alpha val="0"/>
+                    </a:schemeClr>
+                  </a:solidFill>
+                </a:ln>
+                <a:latin typeface="나눔바른고딕" panose="020B0603020101020101" pitchFamily="50" charset="-127"/>
+                <a:ea typeface="나눔바른고딕" panose="020B0603020101020101" pitchFamily="50" charset="-127"/>
+              </a:rPr>
+              <a:t> </a:t>
+            </a:r>
+            <a:r>
+              <a:rPr lang="en-US" altLang="ko-KR" sz="1050" dirty="0" smtClean="0">
+                <a:ln>
+                  <a:solidFill>
+                    <a:schemeClr val="tx1">
+                      <a:alpha val="0"/>
+                    </a:schemeClr>
+                  </a:solidFill>
+                </a:ln>
+                <a:latin typeface="나눔바른고딕" panose="020B0603020101020101" pitchFamily="50" charset="-127"/>
+                <a:ea typeface="나눔바른고딕" panose="020B0603020101020101" pitchFamily="50" charset="-127"/>
+              </a:rPr>
+              <a:t>&gt; </a:t>
+            </a:r>
+            <a:r>
+              <a:rPr lang="en-US" altLang="ko-KR" sz="1050" b="1" dirty="0" err="1" smtClean="0">
+                <a:ln>
+                  <a:solidFill>
+                    <a:schemeClr val="tx1">
+                      <a:alpha val="0"/>
+                    </a:schemeClr>
+                  </a:solidFill>
+                </a:ln>
+                <a:latin typeface="나눔바른고딕" panose="020B0603020101020101" pitchFamily="50" charset="-127"/>
+                <a:ea typeface="나눔바른고딕" panose="020B0603020101020101" pitchFamily="50" charset="-127"/>
+              </a:rPr>
+              <a:t>café_posting</a:t>
+            </a:r>
+            <a:endParaRPr lang="ko-KR" altLang="en-US" sz="1050" b="1" dirty="0">
+              <a:ln>
+                <a:solidFill>
+                  <a:schemeClr val="tx1">
+                    <a:alpha val="0"/>
+                  </a:schemeClr>
+                </a:solidFill>
+              </a:ln>
+              <a:latin typeface="나눔바른고딕" panose="020B0603020101020101" pitchFamily="50" charset="-127"/>
+              <a:ea typeface="나눔바른고딕" panose="020B0603020101020101" pitchFamily="50" charset="-127"/>
+            </a:endParaRPr>
+          </a:p>
+        </p:txBody>
+      </p:sp>
+      <p:cxnSp>
+        <p:nvCxnSpPr>
+          <p:cNvPr id="4" name="직선 연결선 3"/>
+          <p:cNvCxnSpPr/>
+          <p:nvPr/>
+        </p:nvCxnSpPr>
+        <p:spPr>
+          <a:xfrm>
+            <a:off x="136868" y="401870"/>
+            <a:ext cx="8867351" cy="0"/>
+          </a:xfrm>
+          <a:prstGeom prst="line">
+            <a:avLst/>
+          </a:prstGeom>
+          <a:ln>
+            <a:solidFill>
+              <a:schemeClr val="tx1"/>
+            </a:solidFill>
+          </a:ln>
+        </p:spPr>
+        <p:style>
+          <a:lnRef idx="1">
+            <a:schemeClr val="accent1"/>
+          </a:lnRef>
+          <a:fillRef idx="0">
+            <a:schemeClr val="accent1"/>
+          </a:fillRef>
+          <a:effectRef idx="0">
+            <a:schemeClr val="accent1"/>
+          </a:effectRef>
+          <a:fontRef idx="minor">
+            <a:schemeClr val="tx1"/>
+          </a:fontRef>
+        </p:style>
+      </p:cxnSp>
+      <p:sp>
+        <p:nvSpPr>
+          <p:cNvPr id="5" name="직사각형 4"/>
+          <p:cNvSpPr/>
+          <p:nvPr/>
+        </p:nvSpPr>
+        <p:spPr>
+          <a:xfrm>
+            <a:off x="341341" y="3725228"/>
+            <a:ext cx="6170204" cy="400110"/>
+          </a:xfrm>
+          <a:prstGeom prst="rect">
+            <a:avLst/>
+          </a:prstGeom>
+        </p:spPr>
+        <p:txBody>
+          <a:bodyPr wrap="square">
+            <a:spAutoFit/>
+          </a:bodyPr>
+          <a:lstStyle/>
+          <a:p>
+            <a:pPr marL="171450" indent="-171450">
+              <a:buFontTx/>
+              <a:buChar char="-"/>
+            </a:pPr>
+            <a:r>
+              <a:rPr lang="en-US" altLang="ko-KR" sz="1000" dirty="0" smtClean="0">
+                <a:ln>
+                  <a:solidFill>
+                    <a:schemeClr val="tx1">
+                      <a:alpha val="0"/>
+                    </a:schemeClr>
+                  </a:solidFill>
+                </a:ln>
+                <a:latin typeface="나눔바른고딕" panose="020B0603020101020101" pitchFamily="50" charset="-127"/>
+                <a:ea typeface="나눔바른고딕" panose="020B0603020101020101" pitchFamily="50" charset="-127"/>
+              </a:rPr>
+              <a:t>12</a:t>
+            </a:r>
+            <a:r>
+              <a:rPr lang="en-US" altLang="ko-KR" sz="1000" dirty="0" smtClean="0">
+                <a:ln>
+                  <a:solidFill>
+                    <a:schemeClr val="tx1">
+                      <a:alpha val="0"/>
+                    </a:schemeClr>
+                  </a:solidFill>
+                </a:ln>
+                <a:latin typeface="나눔바른고딕" panose="020B0603020101020101" pitchFamily="50" charset="-127"/>
+                <a:ea typeface="나눔바른고딕" panose="020B0603020101020101" pitchFamily="50" charset="-127"/>
+              </a:rPr>
+              <a:t>/03-12/06 </a:t>
+            </a:r>
+            <a:r>
+              <a:rPr lang="ko-KR" altLang="en-US" sz="1000" dirty="0" smtClean="0">
+                <a:ln>
+                  <a:solidFill>
+                    <a:schemeClr val="tx1">
+                      <a:alpha val="0"/>
+                    </a:schemeClr>
+                  </a:solidFill>
+                </a:ln>
+                <a:latin typeface="나눔바른고딕" panose="020B0603020101020101" pitchFamily="50" charset="-127"/>
+                <a:ea typeface="나눔바른고딕" panose="020B0603020101020101" pitchFamily="50" charset="-127"/>
+              </a:rPr>
+              <a:t>기준 유입 </a:t>
+            </a:r>
+            <a:r>
+              <a:rPr lang="en-US" altLang="ko-KR" sz="1000" dirty="0" smtClean="0">
+                <a:ln>
+                  <a:solidFill>
+                    <a:schemeClr val="tx1">
+                      <a:alpha val="0"/>
+                    </a:schemeClr>
+                  </a:solidFill>
+                </a:ln>
+                <a:latin typeface="나눔바른고딕" panose="020B0603020101020101" pitchFamily="50" charset="-127"/>
+                <a:ea typeface="나눔바른고딕" panose="020B0603020101020101" pitchFamily="50" charset="-127"/>
+              </a:rPr>
+              <a:t>32</a:t>
+            </a:r>
+            <a:r>
+              <a:rPr lang="ko-KR" altLang="en-US" sz="1000" dirty="0" smtClean="0">
+                <a:ln>
+                  <a:solidFill>
+                    <a:schemeClr val="tx1">
+                      <a:alpha val="0"/>
+                    </a:schemeClr>
+                  </a:solidFill>
+                </a:ln>
+                <a:latin typeface="나눔바른고딕" panose="020B0603020101020101" pitchFamily="50" charset="-127"/>
+                <a:ea typeface="나눔바른고딕" panose="020B0603020101020101" pitchFamily="50" charset="-127"/>
+              </a:rPr>
+              <a:t>명 중 </a:t>
+            </a:r>
+            <a:r>
+              <a:rPr lang="ko-KR" altLang="en-US" sz="1000" dirty="0" err="1" smtClean="0">
+                <a:ln>
+                  <a:solidFill>
+                    <a:schemeClr val="tx1">
+                      <a:alpha val="0"/>
+                    </a:schemeClr>
+                  </a:solidFill>
+                </a:ln>
+                <a:latin typeface="나눔바른고딕" panose="020B0603020101020101" pitchFamily="50" charset="-127"/>
+                <a:ea typeface="나눔바른고딕" panose="020B0603020101020101" pitchFamily="50" charset="-127"/>
+              </a:rPr>
+              <a:t>체험권</a:t>
+            </a:r>
+            <a:r>
+              <a:rPr lang="ko-KR" altLang="en-US" sz="1000" dirty="0" smtClean="0">
+                <a:ln>
+                  <a:solidFill>
+                    <a:schemeClr val="tx1">
+                      <a:alpha val="0"/>
+                    </a:schemeClr>
+                  </a:solidFill>
+                </a:ln>
+                <a:latin typeface="나눔바른고딕" panose="020B0603020101020101" pitchFamily="50" charset="-127"/>
+                <a:ea typeface="나눔바른고딕" panose="020B0603020101020101" pitchFamily="50" charset="-127"/>
+              </a:rPr>
+              <a:t> 신청 페이지 최종 유입 </a:t>
+            </a:r>
+            <a:r>
+              <a:rPr lang="en-US" altLang="ko-KR" sz="1000" dirty="0" smtClean="0">
+                <a:ln>
+                  <a:solidFill>
+                    <a:schemeClr val="tx1">
+                      <a:alpha val="0"/>
+                    </a:schemeClr>
+                  </a:solidFill>
+                </a:ln>
+                <a:latin typeface="나눔바른고딕" panose="020B0603020101020101" pitchFamily="50" charset="-127"/>
+                <a:ea typeface="나눔바른고딕" panose="020B0603020101020101" pitchFamily="50" charset="-127"/>
+              </a:rPr>
+              <a:t>2</a:t>
+            </a:r>
+            <a:r>
+              <a:rPr lang="ko-KR" altLang="en-US" sz="1000" dirty="0" smtClean="0">
+                <a:ln>
+                  <a:solidFill>
+                    <a:schemeClr val="tx1">
+                      <a:alpha val="0"/>
+                    </a:schemeClr>
+                  </a:solidFill>
+                </a:ln>
+                <a:latin typeface="나눔바른고딕" panose="020B0603020101020101" pitchFamily="50" charset="-127"/>
+                <a:ea typeface="나눔바른고딕" panose="020B0603020101020101" pitchFamily="50" charset="-127"/>
+              </a:rPr>
+              <a:t>명 </a:t>
+            </a:r>
+            <a:r>
+              <a:rPr lang="en-US" altLang="ko-KR" sz="1000" dirty="0" smtClean="0">
+                <a:ln>
+                  <a:solidFill>
+                    <a:schemeClr val="tx1">
+                      <a:alpha val="0"/>
+                    </a:schemeClr>
+                  </a:solidFill>
+                </a:ln>
+                <a:latin typeface="나눔바른고딕" panose="020B0603020101020101" pitchFamily="50" charset="-127"/>
+                <a:ea typeface="나눔바른고딕" panose="020B0603020101020101" pitchFamily="50" charset="-127"/>
+              </a:rPr>
+              <a:t>(</a:t>
+            </a:r>
+            <a:r>
+              <a:rPr lang="ko-KR" altLang="en-US" sz="1000" dirty="0" err="1" smtClean="0">
+                <a:ln>
+                  <a:solidFill>
+                    <a:schemeClr val="tx1">
+                      <a:alpha val="0"/>
+                    </a:schemeClr>
+                  </a:solidFill>
+                </a:ln>
+                <a:latin typeface="나눔바른고딕" panose="020B0603020101020101" pitchFamily="50" charset="-127"/>
+                <a:ea typeface="나눔바른고딕" panose="020B0603020101020101" pitchFamily="50" charset="-127"/>
+              </a:rPr>
+              <a:t>전환율</a:t>
+            </a:r>
+            <a:r>
+              <a:rPr lang="ko-KR" altLang="en-US" sz="1000" dirty="0" smtClean="0">
+                <a:ln>
+                  <a:solidFill>
+                    <a:schemeClr val="tx1">
+                      <a:alpha val="0"/>
+                    </a:schemeClr>
+                  </a:solidFill>
+                </a:ln>
+                <a:latin typeface="나눔바른고딕" panose="020B0603020101020101" pitchFamily="50" charset="-127"/>
+                <a:ea typeface="나눔바른고딕" panose="020B0603020101020101" pitchFamily="50" charset="-127"/>
+              </a:rPr>
+              <a:t> </a:t>
+            </a:r>
+            <a:r>
+              <a:rPr lang="en-US" altLang="ko-KR" sz="1000" dirty="0" smtClean="0">
+                <a:ln>
+                  <a:solidFill>
+                    <a:schemeClr val="tx1">
+                      <a:alpha val="0"/>
+                    </a:schemeClr>
+                  </a:solidFill>
+                </a:ln>
+                <a:latin typeface="나눔바른고딕" panose="020B0603020101020101" pitchFamily="50" charset="-127"/>
+                <a:ea typeface="나눔바른고딕" panose="020B0603020101020101" pitchFamily="50" charset="-127"/>
+              </a:rPr>
+              <a:t>4.17%)</a:t>
+            </a:r>
+          </a:p>
+          <a:p>
+            <a:pPr marL="171450" indent="-171450">
+              <a:buFontTx/>
+              <a:buChar char="-"/>
+            </a:pPr>
+            <a:endParaRPr lang="ko-KR" altLang="en-US" sz="1000" dirty="0">
+              <a:ln>
+                <a:solidFill>
+                  <a:schemeClr val="tx1">
+                    <a:alpha val="0"/>
+                  </a:schemeClr>
+                </a:solidFill>
+              </a:ln>
+              <a:latin typeface="나눔바른고딕" panose="020B0603020101020101" pitchFamily="50" charset="-127"/>
+              <a:ea typeface="나눔바른고딕" panose="020B0603020101020101" pitchFamily="50" charset="-127"/>
+            </a:endParaRPr>
+          </a:p>
+        </p:txBody>
+      </p:sp>
+      <p:pic>
+        <p:nvPicPr>
+          <p:cNvPr id="10" name="그림 9"/>
+          <p:cNvPicPr>
+            <a:picLocks noChangeAspect="1"/>
+          </p:cNvPicPr>
+          <p:nvPr/>
+        </p:nvPicPr>
+        <p:blipFill>
+          <a:blip r:embed="rId2"/>
+          <a:stretch>
+            <a:fillRect/>
+          </a:stretch>
+        </p:blipFill>
+        <p:spPr>
+          <a:xfrm>
+            <a:off x="386996" y="682018"/>
+            <a:ext cx="8367094" cy="2763063"/>
+          </a:xfrm>
+          <a:prstGeom prst="rect">
+            <a:avLst/>
+          </a:prstGeom>
+        </p:spPr>
+      </p:pic>
+    </p:spTree>
+    <p:extLst>
+      <p:ext uri="{BB962C8B-B14F-4D97-AF65-F5344CB8AC3E}">
+        <p14:creationId xmlns:p14="http://schemas.microsoft.com/office/powerpoint/2010/main" val="2909013987"/>
+      </p:ext>
+    </p:extLst>
+  </p:cSld>
+  <p:clrMapOvr>
+    <a:masterClrMapping/>
+  </p:clrMapOvr>
+</p:sld>
+</file>
+
+<file path=ppt/slides/slide14.xml><?xml version="1.0" encoding="utf-8"?>
+<p:sld xmlns:a="http://schemas.openxmlformats.org/drawingml/2006/main" xmlns:r="http://schemas.openxmlformats.org/officeDocument/2006/relationships" xmlns:p="http://schemas.openxmlformats.org/presentationml/2006/main">
+  <p:cSld>
+    <p:spTree>
+      <p:nvGrpSpPr>
+        <p:cNvPr id="1" name=""/>
+        <p:cNvGrpSpPr/>
+        <p:nvPr/>
+      </p:nvGrpSpPr>
+      <p:grpSpPr>
+        <a:xfrm>
+          <a:off x="0" y="0"/>
+          <a:ext cx="0" cy="0"/>
+          <a:chOff x="0" y="0"/>
+          <a:chExt cx="0" cy="0"/>
+        </a:xfrm>
+      </p:grpSpPr>
+      <p:sp>
+        <p:nvSpPr>
+          <p:cNvPr id="6" name="직사각형 5"/>
+          <p:cNvSpPr/>
+          <p:nvPr/>
+        </p:nvSpPr>
+        <p:spPr>
+          <a:xfrm>
+            <a:off x="6272582" y="401870"/>
+            <a:ext cx="2731637" cy="338554"/>
+          </a:xfrm>
+          <a:prstGeom prst="rect">
+            <a:avLst/>
+          </a:prstGeom>
+          <a:solidFill>
+            <a:schemeClr val="accent4">
+              <a:lumMod val="40000"/>
+              <a:lumOff val="60000"/>
+            </a:schemeClr>
+          </a:solidFill>
+        </p:spPr>
+        <p:txBody>
+          <a:bodyPr wrap="square">
+            <a:spAutoFit/>
+          </a:bodyPr>
+          <a:lstStyle/>
+          <a:p>
+            <a:pPr algn="r"/>
+            <a:r>
+              <a:rPr lang="en-US" altLang="ko-KR" sz="800" dirty="0" err="1" smtClean="0">
+                <a:ln>
+                  <a:solidFill>
+                    <a:schemeClr val="tx1">
+                      <a:alpha val="0"/>
+                    </a:schemeClr>
+                  </a:solidFill>
+                </a:ln>
+                <a:latin typeface="나눔바른고딕" panose="020B0603020101020101" pitchFamily="50" charset="-127"/>
+                <a:ea typeface="나눔바른고딕" panose="020B0603020101020101" pitchFamily="50" charset="-127"/>
+              </a:rPr>
+              <a:t>Hotjar</a:t>
+            </a:r>
+            <a:r>
+              <a:rPr lang="en-US" altLang="ko-KR" sz="800" dirty="0" smtClean="0">
+                <a:ln>
+                  <a:solidFill>
+                    <a:schemeClr val="tx1">
+                      <a:alpha val="0"/>
+                    </a:schemeClr>
+                  </a:solidFill>
+                </a:ln>
+                <a:latin typeface="나눔바른고딕" panose="020B0603020101020101" pitchFamily="50" charset="-127"/>
+                <a:ea typeface="나눔바른고딕" panose="020B0603020101020101" pitchFamily="50" charset="-127"/>
+              </a:rPr>
+              <a:t> recordings </a:t>
+            </a:r>
+            <a:r>
+              <a:rPr lang="ko-KR" altLang="en-US" sz="800" dirty="0" smtClean="0">
+                <a:ln>
+                  <a:solidFill>
+                    <a:schemeClr val="tx1">
+                      <a:alpha val="0"/>
+                    </a:schemeClr>
+                  </a:solidFill>
+                </a:ln>
+                <a:latin typeface="나눔바른고딕" panose="020B0603020101020101" pitchFamily="50" charset="-127"/>
+                <a:ea typeface="나눔바른고딕" panose="020B0603020101020101" pitchFamily="50" charset="-127"/>
+              </a:rPr>
+              <a:t>분석하는 과정에 상당한 시간이 소요됨</a:t>
+            </a:r>
+            <a:r>
+              <a:rPr lang="en-US" altLang="ko-KR" sz="800" dirty="0" smtClean="0">
+                <a:ln>
+                  <a:solidFill>
+                    <a:schemeClr val="tx1">
+                      <a:alpha val="0"/>
+                    </a:schemeClr>
+                  </a:solidFill>
+                </a:ln>
+                <a:latin typeface="나눔바른고딕" panose="020B0603020101020101" pitchFamily="50" charset="-127"/>
+                <a:ea typeface="나눔바른고딕" panose="020B0603020101020101" pitchFamily="50" charset="-127"/>
+              </a:rPr>
+              <a:t>. </a:t>
+            </a:r>
+          </a:p>
+          <a:p>
+            <a:pPr algn="r"/>
+            <a:r>
+              <a:rPr lang="ko-KR" altLang="en-US" sz="800" dirty="0" smtClean="0">
+                <a:ln>
+                  <a:solidFill>
+                    <a:schemeClr val="tx1">
+                      <a:alpha val="0"/>
+                    </a:schemeClr>
+                  </a:solidFill>
+                </a:ln>
+                <a:latin typeface="나눔바른고딕" panose="020B0603020101020101" pitchFamily="50" charset="-127"/>
+                <a:ea typeface="나눔바른고딕" panose="020B0603020101020101" pitchFamily="50" charset="-127"/>
+              </a:rPr>
+              <a:t>엑셀로 단순화시키는 과정을 향후 외주로 돌리면 좋을 것 같음</a:t>
+            </a:r>
+            <a:r>
+              <a:rPr lang="en-US" altLang="ko-KR" sz="800" dirty="0" smtClean="0">
+                <a:ln>
+                  <a:solidFill>
+                    <a:schemeClr val="tx1">
+                      <a:alpha val="0"/>
+                    </a:schemeClr>
+                  </a:solidFill>
+                </a:ln>
+                <a:latin typeface="나눔바른고딕" panose="020B0603020101020101" pitchFamily="50" charset="-127"/>
+                <a:ea typeface="나눔바른고딕" panose="020B0603020101020101" pitchFamily="50" charset="-127"/>
+              </a:rPr>
+              <a:t>.</a:t>
+            </a:r>
+            <a:endParaRPr lang="ko-KR" altLang="en-US" sz="800" dirty="0">
+              <a:ln>
+                <a:solidFill>
+                  <a:schemeClr val="tx1">
+                    <a:alpha val="0"/>
+                  </a:schemeClr>
+                </a:solidFill>
+              </a:ln>
+              <a:latin typeface="나눔바른고딕" panose="020B0603020101020101" pitchFamily="50" charset="-127"/>
+              <a:ea typeface="나눔바른고딕" panose="020B0603020101020101" pitchFamily="50" charset="-127"/>
+            </a:endParaRPr>
+          </a:p>
+        </p:txBody>
+      </p:sp>
+      <p:sp>
+        <p:nvSpPr>
+          <p:cNvPr id="3" name="직사각형 2"/>
+          <p:cNvSpPr/>
+          <p:nvPr/>
+        </p:nvSpPr>
+        <p:spPr>
+          <a:xfrm>
+            <a:off x="136868" y="98606"/>
+            <a:ext cx="4572000" cy="253916"/>
+          </a:xfrm>
+          <a:prstGeom prst="rect">
+            <a:avLst/>
+          </a:prstGeom>
+        </p:spPr>
+        <p:txBody>
+          <a:bodyPr>
+            <a:spAutoFit/>
+          </a:bodyPr>
+          <a:lstStyle/>
+          <a:p>
+            <a:r>
+              <a:rPr lang="en-US" altLang="ko-KR" sz="1050" dirty="0" err="1" smtClean="0">
+                <a:ln>
+                  <a:solidFill>
+                    <a:schemeClr val="tx1">
+                      <a:alpha val="0"/>
+                    </a:schemeClr>
+                  </a:solidFill>
+                </a:ln>
+                <a:latin typeface="나눔바른고딕" panose="020B0603020101020101" pitchFamily="50" charset="-127"/>
+                <a:ea typeface="나눔바른고딕" panose="020B0603020101020101" pitchFamily="50" charset="-127"/>
+              </a:rPr>
+              <a:t>Hotjar</a:t>
+            </a:r>
+            <a:r>
+              <a:rPr lang="ko-KR" altLang="en-US" sz="1050" dirty="0" smtClean="0">
+                <a:ln>
+                  <a:solidFill>
+                    <a:schemeClr val="tx1">
+                      <a:alpha val="0"/>
+                    </a:schemeClr>
+                  </a:solidFill>
+                </a:ln>
+                <a:latin typeface="나눔바른고딕" panose="020B0603020101020101" pitchFamily="50" charset="-127"/>
+                <a:ea typeface="나눔바른고딕" panose="020B0603020101020101" pitchFamily="50" charset="-127"/>
+              </a:rPr>
+              <a:t> </a:t>
+            </a:r>
+            <a:r>
+              <a:rPr lang="en-US" altLang="ko-KR" sz="1050" dirty="0" smtClean="0">
+                <a:ln>
+                  <a:solidFill>
+                    <a:schemeClr val="tx1">
+                      <a:alpha val="0"/>
+                    </a:schemeClr>
+                  </a:solidFill>
+                </a:ln>
+                <a:latin typeface="나눔바른고딕" panose="020B0603020101020101" pitchFamily="50" charset="-127"/>
+                <a:ea typeface="나눔바른고딕" panose="020B0603020101020101" pitchFamily="50" charset="-127"/>
+              </a:rPr>
+              <a:t>&gt; </a:t>
+            </a:r>
+            <a:r>
+              <a:rPr lang="en-US" altLang="ko-KR" sz="1050" b="1" dirty="0" err="1" smtClean="0">
+                <a:ln>
+                  <a:solidFill>
+                    <a:schemeClr val="tx1">
+                      <a:alpha val="0"/>
+                    </a:schemeClr>
+                  </a:solidFill>
+                </a:ln>
+                <a:latin typeface="나눔바른고딕" panose="020B0603020101020101" pitchFamily="50" charset="-127"/>
+                <a:ea typeface="나눔바른고딕" panose="020B0603020101020101" pitchFamily="50" charset="-127"/>
+              </a:rPr>
+              <a:t>café_posting</a:t>
+            </a:r>
+            <a:r>
+              <a:rPr lang="en-US" altLang="ko-KR" sz="1050" b="1" dirty="0" smtClean="0">
+                <a:ln>
+                  <a:solidFill>
+                    <a:schemeClr val="tx1">
+                      <a:alpha val="0"/>
+                    </a:schemeClr>
+                  </a:solidFill>
+                </a:ln>
+                <a:latin typeface="나눔바른고딕" panose="020B0603020101020101" pitchFamily="50" charset="-127"/>
+                <a:ea typeface="나눔바른고딕" panose="020B0603020101020101" pitchFamily="50" charset="-127"/>
+              </a:rPr>
+              <a:t> &gt; recordings </a:t>
+            </a:r>
+            <a:endParaRPr lang="ko-KR" altLang="en-US" sz="1050" b="1" dirty="0">
+              <a:ln>
+                <a:solidFill>
+                  <a:schemeClr val="tx1">
+                    <a:alpha val="0"/>
+                  </a:schemeClr>
+                </a:solidFill>
+              </a:ln>
+              <a:latin typeface="나눔바른고딕" panose="020B0603020101020101" pitchFamily="50" charset="-127"/>
+              <a:ea typeface="나눔바른고딕" panose="020B0603020101020101" pitchFamily="50" charset="-127"/>
+            </a:endParaRPr>
+          </a:p>
+        </p:txBody>
+      </p:sp>
+      <p:cxnSp>
+        <p:nvCxnSpPr>
+          <p:cNvPr id="4" name="직선 연결선 3"/>
+          <p:cNvCxnSpPr/>
+          <p:nvPr/>
+        </p:nvCxnSpPr>
+        <p:spPr>
+          <a:xfrm>
+            <a:off x="136868" y="401870"/>
+            <a:ext cx="8867351" cy="0"/>
+          </a:xfrm>
+          <a:prstGeom prst="line">
+            <a:avLst/>
+          </a:prstGeom>
+          <a:ln>
+            <a:solidFill>
+              <a:schemeClr val="tx1"/>
+            </a:solidFill>
+          </a:ln>
+        </p:spPr>
+        <p:style>
+          <a:lnRef idx="1">
+            <a:schemeClr val="accent1"/>
+          </a:lnRef>
+          <a:fillRef idx="0">
+            <a:schemeClr val="accent1"/>
+          </a:fillRef>
+          <a:effectRef idx="0">
+            <a:schemeClr val="accent1"/>
+          </a:effectRef>
+          <a:fontRef idx="minor">
+            <a:schemeClr val="tx1"/>
+          </a:fontRef>
+        </p:style>
+      </p:cxnSp>
+      <p:sp>
+        <p:nvSpPr>
+          <p:cNvPr id="5" name="직사각형 4"/>
+          <p:cNvSpPr/>
+          <p:nvPr/>
+        </p:nvSpPr>
+        <p:spPr>
+          <a:xfrm>
+            <a:off x="248154" y="5565677"/>
+            <a:ext cx="6170204" cy="1015663"/>
+          </a:xfrm>
+          <a:prstGeom prst="rect">
+            <a:avLst/>
+          </a:prstGeom>
+        </p:spPr>
+        <p:txBody>
+          <a:bodyPr wrap="square">
+            <a:spAutoFit/>
+          </a:bodyPr>
+          <a:lstStyle/>
+          <a:p>
+            <a:r>
+              <a:rPr lang="ko-KR" altLang="en-US" sz="1000" dirty="0" smtClean="0">
+                <a:ln>
+                  <a:solidFill>
+                    <a:schemeClr val="tx1">
+                      <a:alpha val="0"/>
+                    </a:schemeClr>
+                  </a:solidFill>
+                </a:ln>
+                <a:latin typeface="나눔바른고딕" panose="020B0603020101020101" pitchFamily="50" charset="-127"/>
+                <a:ea typeface="나눔바른고딕" panose="020B0603020101020101" pitchFamily="50" charset="-127"/>
+              </a:rPr>
+              <a:t>이탈 발생 원인</a:t>
+            </a:r>
+            <a:endParaRPr lang="en-US" altLang="ko-KR" sz="1000" dirty="0" smtClean="0">
+              <a:ln>
+                <a:solidFill>
+                  <a:schemeClr val="tx1">
+                    <a:alpha val="0"/>
+                  </a:schemeClr>
+                </a:solidFill>
+              </a:ln>
+              <a:latin typeface="나눔바른고딕" panose="020B0603020101020101" pitchFamily="50" charset="-127"/>
+              <a:ea typeface="나눔바른고딕" panose="020B0603020101020101" pitchFamily="50" charset="-127"/>
+            </a:endParaRPr>
+          </a:p>
+          <a:p>
+            <a:pPr marL="171450" indent="-171450">
+              <a:buFontTx/>
+              <a:buChar char="-"/>
+            </a:pPr>
+            <a:r>
+              <a:rPr lang="ko-KR" altLang="en-US" sz="1000" dirty="0" err="1" smtClean="0">
+                <a:ln>
+                  <a:solidFill>
+                    <a:schemeClr val="tx1">
+                      <a:alpha val="0"/>
+                    </a:schemeClr>
+                  </a:solidFill>
+                </a:ln>
+                <a:latin typeface="나눔바른고딕" panose="020B0603020101020101" pitchFamily="50" charset="-127"/>
+                <a:ea typeface="나눔바른고딕" panose="020B0603020101020101" pitchFamily="50" charset="-127"/>
+              </a:rPr>
+              <a:t>체험권</a:t>
+            </a:r>
+            <a:r>
+              <a:rPr lang="ko-KR" altLang="en-US" sz="1000" dirty="0" smtClean="0">
+                <a:ln>
+                  <a:solidFill>
+                    <a:schemeClr val="tx1">
+                      <a:alpha val="0"/>
+                    </a:schemeClr>
+                  </a:solidFill>
+                </a:ln>
+                <a:latin typeface="나눔바른고딕" panose="020B0603020101020101" pitchFamily="50" charset="-127"/>
+                <a:ea typeface="나눔바른고딕" panose="020B0603020101020101" pitchFamily="50" charset="-127"/>
+              </a:rPr>
+              <a:t> 신청 버튼을 눌렀을 때 네이버 아이디로 로그인 후 </a:t>
+            </a:r>
+            <a:r>
+              <a:rPr lang="en-US" altLang="ko-KR" sz="1000" dirty="0" smtClean="0">
+                <a:ln>
+                  <a:solidFill>
+                    <a:schemeClr val="tx1">
+                      <a:alpha val="0"/>
+                    </a:schemeClr>
+                  </a:solidFill>
+                </a:ln>
+                <a:latin typeface="나눔바른고딕" panose="020B0603020101020101" pitchFamily="50" charset="-127"/>
+                <a:ea typeface="나눔바른고딕" panose="020B0603020101020101" pitchFamily="50" charset="-127"/>
+              </a:rPr>
+              <a:t>-&gt; </a:t>
+            </a:r>
+            <a:r>
+              <a:rPr lang="ko-KR" altLang="en-US" sz="1000" dirty="0" smtClean="0">
+                <a:ln>
+                  <a:solidFill>
+                    <a:schemeClr val="tx1">
+                      <a:alpha val="0"/>
+                    </a:schemeClr>
+                  </a:solidFill>
+                </a:ln>
+                <a:latin typeface="나눔바른고딕" panose="020B0603020101020101" pitchFamily="50" charset="-127"/>
+                <a:ea typeface="나눔바른고딕" panose="020B0603020101020101" pitchFamily="50" charset="-127"/>
+              </a:rPr>
+              <a:t>상세정보 입력이 </a:t>
+            </a:r>
+            <a:r>
+              <a:rPr lang="ko-KR" altLang="en-US" sz="1000" dirty="0">
+                <a:ln>
+                  <a:solidFill>
+                    <a:schemeClr val="tx1">
+                      <a:alpha val="0"/>
+                    </a:schemeClr>
+                  </a:solidFill>
+                </a:ln>
+                <a:latin typeface="나눔바른고딕" panose="020B0603020101020101" pitchFamily="50" charset="-127"/>
+                <a:ea typeface="나눔바른고딕" panose="020B0603020101020101" pitchFamily="50" charset="-127"/>
+              </a:rPr>
+              <a:t>귀찮음</a:t>
+            </a:r>
+            <a:r>
+              <a:rPr lang="en-US" altLang="ko-KR" sz="1000" dirty="0">
+                <a:ln>
+                  <a:solidFill>
+                    <a:schemeClr val="tx1">
+                      <a:alpha val="0"/>
+                    </a:schemeClr>
+                  </a:solidFill>
+                </a:ln>
+                <a:latin typeface="나눔바른고딕" panose="020B0603020101020101" pitchFamily="50" charset="-127"/>
+                <a:ea typeface="나눔바른고딕" panose="020B0603020101020101" pitchFamily="50" charset="-127"/>
+              </a:rPr>
+              <a:t>(</a:t>
+            </a:r>
+            <a:r>
+              <a:rPr lang="en-US" altLang="ko-KR" sz="1000" dirty="0" err="1">
+                <a:ln>
+                  <a:solidFill>
+                    <a:schemeClr val="tx1">
+                      <a:alpha val="0"/>
+                    </a:schemeClr>
+                  </a:solidFill>
+                </a:ln>
+                <a:latin typeface="나눔바른고딕" panose="020B0603020101020101" pitchFamily="50" charset="-127"/>
+                <a:ea typeface="나눔바른고딕" panose="020B0603020101020101" pitchFamily="50" charset="-127"/>
+              </a:rPr>
+              <a:t>Hotjar</a:t>
+            </a:r>
+            <a:r>
+              <a:rPr lang="en-US" altLang="ko-KR" sz="1000" dirty="0">
+                <a:ln>
+                  <a:solidFill>
+                    <a:schemeClr val="tx1">
+                      <a:alpha val="0"/>
+                    </a:schemeClr>
+                  </a:solidFill>
+                </a:ln>
+                <a:latin typeface="나눔바른고딕" panose="020B0603020101020101" pitchFamily="50" charset="-127"/>
+                <a:ea typeface="나눔바른고딕" panose="020B0603020101020101" pitchFamily="50" charset="-127"/>
+              </a:rPr>
+              <a:t> User ID: </a:t>
+            </a:r>
+            <a:r>
+              <a:rPr lang="en-US" altLang="ko-KR" sz="1000" dirty="0">
+                <a:ln>
+                  <a:solidFill>
+                    <a:schemeClr val="tx1">
+                      <a:alpha val="0"/>
+                    </a:schemeClr>
+                  </a:solidFill>
+                </a:ln>
+                <a:latin typeface="나눔바른고딕" panose="020B0603020101020101" pitchFamily="50" charset="-127"/>
+                <a:ea typeface="나눔바른고딕" panose="020B0603020101020101" pitchFamily="50" charset="-127"/>
+                <a:hlinkClick r:id="rId2"/>
+              </a:rPr>
+              <a:t>b6f4cea5</a:t>
+            </a:r>
+            <a:r>
+              <a:rPr lang="en-US" altLang="ko-KR" sz="1000" dirty="0">
+                <a:ln>
+                  <a:solidFill>
+                    <a:schemeClr val="tx1">
+                      <a:alpha val="0"/>
+                    </a:schemeClr>
+                  </a:solidFill>
+                </a:ln>
+                <a:latin typeface="나눔바른고딕" panose="020B0603020101020101" pitchFamily="50" charset="-127"/>
+                <a:ea typeface="나눔바른고딕" panose="020B0603020101020101" pitchFamily="50" charset="-127"/>
+              </a:rPr>
+              <a:t>)</a:t>
+            </a:r>
+            <a:endParaRPr lang="en-US" altLang="ko-KR" sz="1000" dirty="0">
+              <a:ln>
+                <a:solidFill>
+                  <a:schemeClr val="tx1">
+                    <a:alpha val="0"/>
+                  </a:schemeClr>
+                </a:solidFill>
+              </a:ln>
+              <a:latin typeface="나눔바른고딕" panose="020B0603020101020101" pitchFamily="50" charset="-127"/>
+              <a:ea typeface="나눔바른고딕" panose="020B0603020101020101" pitchFamily="50" charset="-127"/>
+            </a:endParaRPr>
+          </a:p>
+          <a:p>
+            <a:pPr marL="171450" indent="-171450">
+              <a:buFontTx/>
+              <a:buChar char="-"/>
+            </a:pPr>
+            <a:r>
+              <a:rPr lang="ko-KR" altLang="en-US" sz="1000" dirty="0" smtClean="0">
+                <a:ln>
+                  <a:solidFill>
+                    <a:schemeClr val="tx1">
+                      <a:alpha val="0"/>
+                    </a:schemeClr>
+                  </a:solidFill>
+                </a:ln>
+                <a:latin typeface="나눔바른고딕" panose="020B0603020101020101" pitchFamily="50" charset="-127"/>
+                <a:ea typeface="나눔바른고딕" panose="020B0603020101020101" pitchFamily="50" charset="-127"/>
+              </a:rPr>
+              <a:t>조금 더 간단한 </a:t>
+            </a:r>
+            <a:r>
+              <a:rPr lang="en-US" altLang="ko-KR" sz="1000" dirty="0" smtClean="0">
+                <a:ln>
+                  <a:solidFill>
+                    <a:schemeClr val="tx1">
+                      <a:alpha val="0"/>
+                    </a:schemeClr>
+                  </a:solidFill>
+                </a:ln>
+                <a:latin typeface="나눔바른고딕" panose="020B0603020101020101" pitchFamily="50" charset="-127"/>
+                <a:ea typeface="나눔바른고딕" panose="020B0603020101020101" pitchFamily="50" charset="-127"/>
+              </a:rPr>
+              <a:t>form</a:t>
+            </a:r>
+            <a:r>
+              <a:rPr lang="ko-KR" altLang="en-US" sz="1000" dirty="0" smtClean="0">
+                <a:ln>
+                  <a:solidFill>
+                    <a:schemeClr val="tx1">
+                      <a:alpha val="0"/>
+                    </a:schemeClr>
+                  </a:solidFill>
+                </a:ln>
+                <a:latin typeface="나눔바른고딕" panose="020B0603020101020101" pitchFamily="50" charset="-127"/>
+                <a:ea typeface="나눔바른고딕" panose="020B0603020101020101" pitchFamily="50" charset="-127"/>
+              </a:rPr>
+              <a:t>으로 만들어도 될 것 같음</a:t>
+            </a:r>
+            <a:r>
+              <a:rPr lang="en-US" altLang="ko-KR" sz="1000" dirty="0" smtClean="0">
+                <a:ln>
+                  <a:solidFill>
+                    <a:schemeClr val="tx1">
+                      <a:alpha val="0"/>
+                    </a:schemeClr>
+                  </a:solidFill>
+                </a:ln>
+                <a:latin typeface="나눔바른고딕" panose="020B0603020101020101" pitchFamily="50" charset="-127"/>
+                <a:ea typeface="나눔바른고딕" panose="020B0603020101020101" pitchFamily="50" charset="-127"/>
+              </a:rPr>
+              <a:t>.</a:t>
+            </a:r>
+          </a:p>
+          <a:p>
+            <a:pPr marL="171450" indent="-171450">
+              <a:buFontTx/>
+              <a:buChar char="-"/>
+            </a:pPr>
+            <a:endParaRPr lang="en-US" altLang="ko-KR" sz="1000" dirty="0">
+              <a:ln>
+                <a:solidFill>
+                  <a:schemeClr val="tx1">
+                    <a:alpha val="0"/>
+                  </a:schemeClr>
+                </a:solidFill>
+              </a:ln>
+              <a:latin typeface="나눔바른고딕" panose="020B0603020101020101" pitchFamily="50" charset="-127"/>
+              <a:ea typeface="나눔바른고딕" panose="020B0603020101020101" pitchFamily="50" charset="-127"/>
+            </a:endParaRPr>
+          </a:p>
+          <a:p>
+            <a:pPr marL="171450" indent="-171450">
+              <a:buFontTx/>
+              <a:buChar char="-"/>
+            </a:pPr>
+            <a:r>
+              <a:rPr lang="en-US" altLang="ko-KR" sz="1000" dirty="0" smtClean="0">
+                <a:ln>
+                  <a:solidFill>
+                    <a:schemeClr val="tx1">
+                      <a:alpha val="0"/>
+                    </a:schemeClr>
+                  </a:solidFill>
+                </a:ln>
+                <a:latin typeface="나눔바른고딕" panose="020B0603020101020101" pitchFamily="50" charset="-127"/>
+                <a:ea typeface="나눔바른고딕" panose="020B0603020101020101" pitchFamily="50" charset="-127"/>
+              </a:rPr>
+              <a:t>Exited page</a:t>
+            </a:r>
+            <a:r>
+              <a:rPr lang="ko-KR" altLang="en-US" sz="1000" dirty="0" smtClean="0">
+                <a:ln>
+                  <a:solidFill>
+                    <a:schemeClr val="tx1">
+                      <a:alpha val="0"/>
+                    </a:schemeClr>
+                  </a:solidFill>
+                </a:ln>
+                <a:latin typeface="나눔바른고딕" panose="020B0603020101020101" pitchFamily="50" charset="-127"/>
+                <a:ea typeface="나눔바른고딕" panose="020B0603020101020101" pitchFamily="50" charset="-127"/>
+              </a:rPr>
+              <a:t>가 </a:t>
+            </a:r>
+            <a:r>
+              <a:rPr lang="en-US" altLang="ko-KR" sz="1000" dirty="0" smtClean="0">
+                <a:ln>
+                  <a:solidFill>
+                    <a:schemeClr val="tx1">
+                      <a:alpha val="0"/>
+                    </a:schemeClr>
+                  </a:solidFill>
+                </a:ln>
+                <a:latin typeface="나눔바른고딕" panose="020B0603020101020101" pitchFamily="50" charset="-127"/>
+                <a:ea typeface="나눔바른고딕" panose="020B0603020101020101" pitchFamily="50" charset="-127"/>
+              </a:rPr>
+              <a:t>login </a:t>
+            </a:r>
+            <a:r>
+              <a:rPr lang="ko-KR" altLang="en-US" sz="1000" dirty="0" smtClean="0">
+                <a:ln>
+                  <a:solidFill>
+                    <a:schemeClr val="tx1">
+                      <a:alpha val="0"/>
+                    </a:schemeClr>
+                  </a:solidFill>
+                </a:ln>
+                <a:latin typeface="나눔바른고딕" panose="020B0603020101020101" pitchFamily="50" charset="-127"/>
+                <a:ea typeface="나눔바른고딕" panose="020B0603020101020101" pitchFamily="50" charset="-127"/>
+              </a:rPr>
+              <a:t>혹은 </a:t>
+            </a:r>
+            <a:r>
+              <a:rPr lang="en-US" altLang="ko-KR" sz="1000" dirty="0" smtClean="0">
+                <a:ln>
+                  <a:solidFill>
+                    <a:schemeClr val="tx1">
+                      <a:alpha val="0"/>
+                    </a:schemeClr>
+                  </a:solidFill>
+                </a:ln>
+                <a:latin typeface="나눔바른고딕" panose="020B0603020101020101" pitchFamily="50" charset="-127"/>
+                <a:ea typeface="나눔바른고딕" panose="020B0603020101020101" pitchFamily="50" charset="-127"/>
+              </a:rPr>
+              <a:t>signup </a:t>
+            </a:r>
+            <a:r>
+              <a:rPr lang="ko-KR" altLang="en-US" sz="1000" dirty="0" smtClean="0">
+                <a:ln>
+                  <a:solidFill>
+                    <a:schemeClr val="tx1">
+                      <a:alpha val="0"/>
+                    </a:schemeClr>
+                  </a:solidFill>
+                </a:ln>
+                <a:latin typeface="나눔바른고딕" panose="020B0603020101020101" pitchFamily="50" charset="-127"/>
+                <a:ea typeface="나눔바른고딕" panose="020B0603020101020101" pitchFamily="50" charset="-127"/>
+              </a:rPr>
+              <a:t>인 경우는 분명 </a:t>
+            </a:r>
+            <a:r>
+              <a:rPr lang="ko-KR" altLang="en-US" sz="1000" dirty="0" err="1" smtClean="0">
+                <a:ln>
+                  <a:solidFill>
+                    <a:schemeClr val="tx1">
+                      <a:alpha val="0"/>
+                    </a:schemeClr>
+                  </a:solidFill>
+                </a:ln>
+                <a:latin typeface="나눔바른고딕" panose="020B0603020101020101" pitchFamily="50" charset="-127"/>
+                <a:ea typeface="나눔바른고딕" panose="020B0603020101020101" pitchFamily="50" charset="-127"/>
+              </a:rPr>
+              <a:t>네아로</a:t>
+            </a:r>
+            <a:r>
+              <a:rPr lang="ko-KR" altLang="en-US" sz="1000" dirty="0">
+                <a:ln>
+                  <a:solidFill>
+                    <a:schemeClr val="tx1">
+                      <a:alpha val="0"/>
+                    </a:schemeClr>
+                  </a:solidFill>
+                </a:ln>
+                <a:latin typeface="나눔바른고딕" panose="020B0603020101020101" pitchFamily="50" charset="-127"/>
+                <a:ea typeface="나눔바른고딕" panose="020B0603020101020101" pitchFamily="50" charset="-127"/>
+              </a:rPr>
+              <a:t> </a:t>
+            </a:r>
+            <a:r>
+              <a:rPr lang="ko-KR" altLang="en-US" sz="1000" dirty="0" err="1" smtClean="0">
+                <a:ln>
+                  <a:solidFill>
+                    <a:schemeClr val="tx1">
+                      <a:alpha val="0"/>
+                    </a:schemeClr>
+                  </a:solidFill>
+                </a:ln>
+                <a:latin typeface="나눔바른고딕" panose="020B0603020101020101" pitchFamily="50" charset="-127"/>
+                <a:ea typeface="나눔바른고딕" panose="020B0603020101020101" pitchFamily="50" charset="-127"/>
+              </a:rPr>
+              <a:t>로그인이</a:t>
+            </a:r>
+            <a:r>
+              <a:rPr lang="ko-KR" altLang="en-US" sz="1000" dirty="0" smtClean="0">
+                <a:ln>
+                  <a:solidFill>
+                    <a:schemeClr val="tx1">
+                      <a:alpha val="0"/>
+                    </a:schemeClr>
+                  </a:solidFill>
+                </a:ln>
+                <a:latin typeface="나눔바른고딕" panose="020B0603020101020101" pitchFamily="50" charset="-127"/>
+                <a:ea typeface="나눔바른고딕" panose="020B0603020101020101" pitchFamily="50" charset="-127"/>
+              </a:rPr>
+              <a:t> 문제임</a:t>
+            </a:r>
+            <a:r>
+              <a:rPr lang="en-US" altLang="ko-KR" sz="1000" dirty="0" smtClean="0">
+                <a:ln>
+                  <a:solidFill>
+                    <a:schemeClr val="tx1">
+                      <a:alpha val="0"/>
+                    </a:schemeClr>
+                  </a:solidFill>
+                </a:ln>
+                <a:latin typeface="나눔바른고딕" panose="020B0603020101020101" pitchFamily="50" charset="-127"/>
+                <a:ea typeface="나눔바른고딕" panose="020B0603020101020101" pitchFamily="50" charset="-127"/>
+              </a:rPr>
+              <a:t>(</a:t>
+            </a:r>
+            <a:r>
+              <a:rPr lang="ko-KR" altLang="en-US" sz="1000" dirty="0" smtClean="0">
+                <a:ln>
+                  <a:solidFill>
+                    <a:schemeClr val="tx1">
+                      <a:alpha val="0"/>
+                    </a:schemeClr>
+                  </a:solidFill>
+                </a:ln>
+                <a:latin typeface="나눔바른고딕" panose="020B0603020101020101" pitchFamily="50" charset="-127"/>
+                <a:ea typeface="나눔바른고딕" panose="020B0603020101020101" pitchFamily="50" charset="-127"/>
+              </a:rPr>
+              <a:t>약 </a:t>
+            </a:r>
+            <a:r>
+              <a:rPr lang="en-US" altLang="ko-KR" sz="1000" dirty="0" smtClean="0">
+                <a:ln>
+                  <a:solidFill>
+                    <a:schemeClr val="tx1">
+                      <a:alpha val="0"/>
+                    </a:schemeClr>
+                  </a:solidFill>
+                </a:ln>
+                <a:latin typeface="나눔바른고딕" panose="020B0603020101020101" pitchFamily="50" charset="-127"/>
+                <a:ea typeface="나눔바른고딕" panose="020B0603020101020101" pitchFamily="50" charset="-127"/>
+              </a:rPr>
+              <a:t>28%</a:t>
+            </a:r>
+            <a:r>
+              <a:rPr lang="ko-KR" altLang="en-US" sz="1000" dirty="0" smtClean="0">
+                <a:ln>
+                  <a:solidFill>
+                    <a:schemeClr val="tx1">
+                      <a:alpha val="0"/>
+                    </a:schemeClr>
+                  </a:solidFill>
+                </a:ln>
+                <a:latin typeface="나눔바른고딕" panose="020B0603020101020101" pitchFamily="50" charset="-127"/>
+                <a:ea typeface="나눔바른고딕" panose="020B0603020101020101" pitchFamily="50" charset="-127"/>
+              </a:rPr>
+              <a:t>의 </a:t>
+            </a:r>
+            <a:r>
+              <a:rPr lang="ko-KR" altLang="en-US" sz="1000" dirty="0" err="1" smtClean="0">
+                <a:ln>
+                  <a:solidFill>
+                    <a:schemeClr val="tx1">
+                      <a:alpha val="0"/>
+                    </a:schemeClr>
+                  </a:solidFill>
+                </a:ln>
+                <a:latin typeface="나눔바른고딕" panose="020B0603020101020101" pitchFamily="50" charset="-127"/>
+                <a:ea typeface="나눔바른고딕" panose="020B0603020101020101" pitchFamily="50" charset="-127"/>
+              </a:rPr>
+              <a:t>이탈원인</a:t>
+            </a:r>
+            <a:r>
+              <a:rPr lang="en-US" altLang="ko-KR" sz="1000" dirty="0" smtClean="0">
+                <a:ln>
+                  <a:solidFill>
+                    <a:schemeClr val="tx1">
+                      <a:alpha val="0"/>
+                    </a:schemeClr>
+                  </a:solidFill>
+                </a:ln>
+                <a:latin typeface="나눔바른고딕" panose="020B0603020101020101" pitchFamily="50" charset="-127"/>
+                <a:ea typeface="나눔바른고딕" panose="020B0603020101020101" pitchFamily="50" charset="-127"/>
+              </a:rPr>
+              <a:t>). </a:t>
+            </a:r>
+            <a:r>
+              <a:rPr lang="ko-KR" altLang="en-US" sz="1000" dirty="0" smtClean="0">
+                <a:ln>
+                  <a:solidFill>
+                    <a:schemeClr val="tx1">
+                      <a:alpha val="0"/>
+                    </a:schemeClr>
+                  </a:solidFill>
+                </a:ln>
+                <a:latin typeface="나눔바른고딕" panose="020B0603020101020101" pitchFamily="50" charset="-127"/>
+                <a:ea typeface="나눔바른고딕" panose="020B0603020101020101" pitchFamily="50" charset="-127"/>
+              </a:rPr>
+              <a:t>단순화</a:t>
+            </a:r>
+            <a:r>
+              <a:rPr lang="en-US" altLang="ko-KR" sz="1000" dirty="0" smtClean="0">
+                <a:ln>
+                  <a:solidFill>
+                    <a:schemeClr val="tx1">
+                      <a:alpha val="0"/>
+                    </a:schemeClr>
+                  </a:solidFill>
+                </a:ln>
+                <a:latin typeface="나눔바른고딕" panose="020B0603020101020101" pitchFamily="50" charset="-127"/>
+                <a:ea typeface="나눔바른고딕" panose="020B0603020101020101" pitchFamily="50" charset="-127"/>
+              </a:rPr>
+              <a:t>, </a:t>
+            </a:r>
+            <a:r>
+              <a:rPr lang="ko-KR" altLang="en-US" sz="1000" dirty="0" smtClean="0">
+                <a:ln>
+                  <a:solidFill>
+                    <a:schemeClr val="tx1">
+                      <a:alpha val="0"/>
+                    </a:schemeClr>
+                  </a:solidFill>
+                </a:ln>
+                <a:latin typeface="나눔바른고딕" panose="020B0603020101020101" pitchFamily="50" charset="-127"/>
+                <a:ea typeface="나눔바른고딕" panose="020B0603020101020101" pitchFamily="50" charset="-127"/>
+              </a:rPr>
+              <a:t>비회원 상담도 가능하면 체험권신청페이지에 대한 장벽 낮출 수 </a:t>
+            </a:r>
+            <a:r>
+              <a:rPr lang="ko-KR" altLang="en-US" sz="1000" dirty="0" err="1" smtClean="0">
+                <a:ln>
+                  <a:solidFill>
+                    <a:schemeClr val="tx1">
+                      <a:alpha val="0"/>
+                    </a:schemeClr>
+                  </a:solidFill>
+                </a:ln>
+                <a:latin typeface="나눔바른고딕" panose="020B0603020101020101" pitchFamily="50" charset="-127"/>
+                <a:ea typeface="나눔바른고딕" panose="020B0603020101020101" pitchFamily="50" charset="-127"/>
+              </a:rPr>
+              <a:t>있어보임</a:t>
+            </a:r>
+            <a:r>
+              <a:rPr lang="en-US" altLang="ko-KR" sz="1000" dirty="0" smtClean="0">
+                <a:ln>
+                  <a:solidFill>
+                    <a:schemeClr val="tx1">
+                      <a:alpha val="0"/>
+                    </a:schemeClr>
+                  </a:solidFill>
+                </a:ln>
+                <a:latin typeface="나눔바른고딕" panose="020B0603020101020101" pitchFamily="50" charset="-127"/>
+                <a:ea typeface="나눔바른고딕" panose="020B0603020101020101" pitchFamily="50" charset="-127"/>
+              </a:rPr>
+              <a:t>.</a:t>
+            </a:r>
+            <a:endParaRPr lang="ko-KR" altLang="en-US" sz="1000" dirty="0">
+              <a:ln>
+                <a:solidFill>
+                  <a:schemeClr val="tx1">
+                    <a:alpha val="0"/>
+                  </a:schemeClr>
+                </a:solidFill>
+              </a:ln>
+              <a:latin typeface="나눔바른고딕" panose="020B0603020101020101" pitchFamily="50" charset="-127"/>
+              <a:ea typeface="나눔바른고딕" panose="020B0603020101020101" pitchFamily="50" charset="-127"/>
+            </a:endParaRPr>
+          </a:p>
+        </p:txBody>
+      </p:sp>
+    </p:spTree>
+    <p:extLst>
+      <p:ext uri="{BB962C8B-B14F-4D97-AF65-F5344CB8AC3E}">
+        <p14:creationId xmlns:p14="http://schemas.microsoft.com/office/powerpoint/2010/main" val="1287245802"/>
+      </p:ext>
+    </p:extLst>
+  </p:cSld>
+  <p:clrMapOvr>
+    <a:masterClrMapping/>
+  </p:clrMapOvr>
+</p:sld>
+</file>
+
+<file path=ppt/slides/slide15.xml><?xml version="1.0" encoding="utf-8"?>
+<p:sld xmlns:a="http://schemas.openxmlformats.org/drawingml/2006/main" xmlns:r="http://schemas.openxmlformats.org/officeDocument/2006/relationships" xmlns:p="http://schemas.openxmlformats.org/presentationml/2006/main">
+  <p:cSld>
+    <p:spTree>
+      <p:nvGrpSpPr>
+        <p:cNvPr id="1" name=""/>
+        <p:cNvGrpSpPr/>
+        <p:nvPr/>
+      </p:nvGrpSpPr>
+      <p:grpSpPr>
+        <a:xfrm>
+          <a:off x="0" y="0"/>
+          <a:ext cx="0" cy="0"/>
+          <a:chOff x="0" y="0"/>
+          <a:chExt cx="0" cy="0"/>
+        </a:xfrm>
+      </p:grpSpPr>
+      <p:pic>
+        <p:nvPicPr>
+          <p:cNvPr id="2" name="그림 1"/>
+          <p:cNvPicPr>
+            <a:picLocks noChangeAspect="1"/>
+          </p:cNvPicPr>
+          <p:nvPr/>
+        </p:nvPicPr>
+        <p:blipFill>
+          <a:blip r:embed="rId2"/>
+          <a:stretch>
+            <a:fillRect/>
+          </a:stretch>
+        </p:blipFill>
+        <p:spPr>
+          <a:xfrm>
+            <a:off x="843023" y="1613220"/>
+            <a:ext cx="6990531" cy="4162570"/>
+          </a:xfrm>
+          <a:prstGeom prst="rect">
+            <a:avLst/>
+          </a:prstGeom>
+        </p:spPr>
+      </p:pic>
+    </p:spTree>
+    <p:extLst>
+      <p:ext uri="{BB962C8B-B14F-4D97-AF65-F5344CB8AC3E}">
+        <p14:creationId xmlns:p14="http://schemas.microsoft.com/office/powerpoint/2010/main" val="2434177993"/>
       </p:ext>
     </p:extLst>
   </p:cSld>

--- a/marketing_insights_GA.pptx
+++ b/marketing_insights_GA.pptx
@@ -20,6 +20,7 @@
     <p:sldId id="268" r:id="rId14"/>
     <p:sldId id="269" r:id="rId15"/>
     <p:sldId id="270" r:id="rId16"/>
+    <p:sldId id="271" r:id="rId17"/>
   </p:sldIdLst>
   <p:sldSz cx="9144000" cy="6858000" type="screen4x3"/>
   <p:notesSz cx="6858000" cy="9144000"/>
@@ -12213,21 +12214,7 @@
                 <a:latin typeface="나눔바른고딕" panose="020B0603020101020101" pitchFamily="50" charset="-127"/>
                 <a:ea typeface="나눔바른고딕" panose="020B0603020101020101" pitchFamily="50" charset="-127"/>
               </a:rPr>
-              <a:t>12</a:t>
-            </a:r>
-            <a:r>
-              <a:rPr lang="en-US" altLang="ko-KR" sz="1000" dirty="0" smtClean="0">
-                <a:ln>
-                  <a:solidFill>
-                    <a:schemeClr val="tx1">
-                      <a:alpha val="0"/>
-                    </a:schemeClr>
-                  </a:solidFill>
-                </a:ln>
-                <a:latin typeface="나눔바른고딕" panose="020B0603020101020101" pitchFamily="50" charset="-127"/>
-                <a:ea typeface="나눔바른고딕" panose="020B0603020101020101" pitchFamily="50" charset="-127"/>
-              </a:rPr>
-              <a:t>/03-12/06 </a:t>
+              <a:t>12/03-12/06 </a:t>
             </a:r>
             <a:r>
               <a:rPr lang="ko-KR" altLang="en-US" sz="1000" dirty="0" smtClean="0">
@@ -12919,17 +12906,6 @@
               </a:rPr>
               <a:t>)</a:t>
             </a:r>
-            <a:endParaRPr lang="en-US" altLang="ko-KR" sz="1000" dirty="0">
-              <a:ln>
-                <a:solidFill>
-                  <a:schemeClr val="tx1">
-                    <a:alpha val="0"/>
-                  </a:schemeClr>
-                </a:solidFill>
-              </a:ln>
-              <a:latin typeface="나눔바른고딕" panose="020B0603020101020101" pitchFamily="50" charset="-127"/>
-              <a:ea typeface="나눔바른고딕" panose="020B0603020101020101" pitchFamily="50" charset="-127"/>
-            </a:endParaRPr>
           </a:p>
           <a:p>
             <a:pPr marL="171450" indent="-171450">
@@ -13381,6 +13357,159 @@
     <p:extLst>
       <p:ext uri="{BB962C8B-B14F-4D97-AF65-F5344CB8AC3E}">
         <p14:creationId xmlns:p14="http://schemas.microsoft.com/office/powerpoint/2010/main" val="2434177993"/>
+      </p:ext>
+    </p:extLst>
+  </p:cSld>
+  <p:clrMapOvr>
+    <a:masterClrMapping/>
+  </p:clrMapOvr>
+</p:sld>
+</file>
+
+<file path=ppt/slides/slide16.xml><?xml version="1.0" encoding="utf-8"?>
+<p:sld xmlns:a="http://schemas.openxmlformats.org/drawingml/2006/main" xmlns:r="http://schemas.openxmlformats.org/officeDocument/2006/relationships" xmlns:p="http://schemas.openxmlformats.org/presentationml/2006/main">
+  <p:cSld>
+    <p:spTree>
+      <p:nvGrpSpPr>
+        <p:cNvPr id="1" name=""/>
+        <p:cNvGrpSpPr/>
+        <p:nvPr/>
+      </p:nvGrpSpPr>
+      <p:grpSpPr>
+        <a:xfrm>
+          <a:off x="0" y="0"/>
+          <a:ext cx="0" cy="0"/>
+          <a:chOff x="0" y="0"/>
+          <a:chExt cx="0" cy="0"/>
+        </a:xfrm>
+      </p:grpSpPr>
+      <p:sp>
+        <p:nvSpPr>
+          <p:cNvPr id="2" name="직사각형 1"/>
+          <p:cNvSpPr/>
+          <p:nvPr/>
+        </p:nvSpPr>
+        <p:spPr>
+          <a:xfrm>
+            <a:off x="248154" y="5565677"/>
+            <a:ext cx="6170204" cy="553998"/>
+          </a:xfrm>
+          <a:prstGeom prst="rect">
+            <a:avLst/>
+          </a:prstGeom>
+        </p:spPr>
+        <p:txBody>
+          <a:bodyPr wrap="square">
+            <a:spAutoFit/>
+          </a:bodyPr>
+          <a:lstStyle/>
+          <a:p>
+            <a:r>
+              <a:rPr lang="ko-KR" altLang="en-US" sz="1000" dirty="0" smtClean="0">
+                <a:ln>
+                  <a:solidFill>
+                    <a:schemeClr val="tx1">
+                      <a:alpha val="0"/>
+                    </a:schemeClr>
+                  </a:solidFill>
+                </a:ln>
+                <a:latin typeface="나눔바른고딕" panose="020B0603020101020101" pitchFamily="50" charset="-127"/>
+                <a:ea typeface="나눔바른고딕" panose="020B0603020101020101" pitchFamily="50" charset="-127"/>
+              </a:rPr>
+              <a:t>대전 양영학원에서 유입</a:t>
+            </a:r>
+            <a:r>
+              <a:rPr lang="en-US" altLang="ko-KR" sz="1000" dirty="0" smtClean="0">
+                <a:ln>
+                  <a:solidFill>
+                    <a:schemeClr val="tx1">
+                      <a:alpha val="0"/>
+                    </a:schemeClr>
+                  </a:solidFill>
+                </a:ln>
+                <a:latin typeface="나눔바른고딕" panose="020B0603020101020101" pitchFamily="50" charset="-127"/>
+                <a:ea typeface="나눔바른고딕" panose="020B0603020101020101" pitchFamily="50" charset="-127"/>
+              </a:rPr>
+              <a:t>??</a:t>
+            </a:r>
+          </a:p>
+          <a:p>
+            <a:r>
+              <a:rPr lang="ko-KR" altLang="en-US" sz="1000" dirty="0" smtClean="0">
+                <a:ln>
+                  <a:solidFill>
+                    <a:schemeClr val="tx1">
+                      <a:alpha val="0"/>
+                    </a:schemeClr>
+                  </a:solidFill>
+                </a:ln>
+                <a:latin typeface="나눔바른고딕" panose="020B0603020101020101" pitchFamily="50" charset="-127"/>
+                <a:ea typeface="나눔바른고딕" panose="020B0603020101020101" pitchFamily="50" charset="-127"/>
+              </a:rPr>
+              <a:t>부산 </a:t>
+            </a:r>
+            <a:r>
+              <a:rPr lang="ko-KR" altLang="en-US" sz="1000" dirty="0" err="1" smtClean="0">
+                <a:ln>
+                  <a:solidFill>
+                    <a:schemeClr val="tx1">
+                      <a:alpha val="0"/>
+                    </a:schemeClr>
+                  </a:solidFill>
+                </a:ln>
+                <a:latin typeface="나눔바른고딕" panose="020B0603020101020101" pitchFamily="50" charset="-127"/>
+                <a:ea typeface="나눔바른고딕" panose="020B0603020101020101" pitchFamily="50" charset="-127"/>
+              </a:rPr>
+              <a:t>라온학원</a:t>
+            </a:r>
+            <a:r>
+              <a:rPr lang="en-US" altLang="ko-KR" sz="1000" dirty="0" smtClean="0">
+                <a:ln>
+                  <a:solidFill>
+                    <a:schemeClr val="tx1">
+                      <a:alpha val="0"/>
+                    </a:schemeClr>
+                  </a:solidFill>
+                </a:ln>
+                <a:latin typeface="나눔바른고딕" panose="020B0603020101020101" pitchFamily="50" charset="-127"/>
+                <a:ea typeface="나눔바른고딕" panose="020B0603020101020101" pitchFamily="50" charset="-127"/>
+              </a:rPr>
+              <a:t>… </a:t>
+            </a:r>
+          </a:p>
+          <a:p>
+            <a:r>
+              <a:rPr lang="ko-KR" altLang="en-US" sz="1000" dirty="0" smtClean="0">
+                <a:ln>
+                  <a:solidFill>
+                    <a:schemeClr val="tx1">
+                      <a:alpha val="0"/>
+                    </a:schemeClr>
+                  </a:solidFill>
+                </a:ln>
+                <a:latin typeface="나눔바른고딕" panose="020B0603020101020101" pitchFamily="50" charset="-127"/>
+                <a:ea typeface="나눔바른고딕" panose="020B0603020101020101" pitchFamily="50" charset="-127"/>
+              </a:rPr>
+              <a:t>창원 </a:t>
+            </a:r>
+            <a:endParaRPr lang="ko-KR" altLang="en-US" sz="1000" dirty="0">
+              <a:ln>
+                <a:solidFill>
+                  <a:schemeClr val="tx1">
+                    <a:alpha val="0"/>
+                  </a:schemeClr>
+                </a:solidFill>
+              </a:ln>
+              <a:latin typeface="나눔바른고딕" panose="020B0603020101020101" pitchFamily="50" charset="-127"/>
+              <a:ea typeface="나눔바른고딕" panose="020B0603020101020101" pitchFamily="50" charset="-127"/>
+            </a:endParaRPr>
+          </a:p>
+        </p:txBody>
+      </p:sp>
+    </p:spTree>
+    <p:extLst>
+      <p:ext uri="{BB962C8B-B14F-4D97-AF65-F5344CB8AC3E}">
+        <p14:creationId xmlns:p14="http://schemas.microsoft.com/office/powerpoint/2010/main" val="2171678571"/>
       </p:ext>
     </p:extLst>
   </p:cSld>

--- a/marketing_insights_GA.pptx
+++ b/marketing_insights_GA.pptx
@@ -18,9 +18,14 @@
     <p:sldId id="260" r:id="rId12"/>
     <p:sldId id="267" r:id="rId13"/>
     <p:sldId id="268" r:id="rId14"/>
-    <p:sldId id="269" r:id="rId15"/>
-    <p:sldId id="270" r:id="rId16"/>
-    <p:sldId id="271" r:id="rId17"/>
+    <p:sldId id="274" r:id="rId15"/>
+    <p:sldId id="279" r:id="rId16"/>
+    <p:sldId id="278" r:id="rId17"/>
+    <p:sldId id="269" r:id="rId18"/>
+    <p:sldId id="270" r:id="rId19"/>
+    <p:sldId id="272" r:id="rId20"/>
+    <p:sldId id="273" r:id="rId21"/>
+    <p:sldId id="271" r:id="rId22"/>
   </p:sldIdLst>
   <p:sldSz cx="9144000" cy="6858000" type="screen4x3"/>
   <p:notesSz cx="6858000" cy="9144000"/>
@@ -258,7 +263,7 @@
           <a:p>
             <a:fld id="{9F12D92A-1099-47F9-BA91-F3EF59B10499}" type="datetimeFigureOut">
               <a:rPr lang="ko-KR" altLang="en-US" smtClean="0"/>
-              <a:t>2020-12-06</a:t>
+              <a:t>2020-12-10</a:t>
             </a:fld>
             <a:endParaRPr lang="ko-KR" altLang="en-US"/>
           </a:p>
@@ -428,7 +433,7 @@
           <a:p>
             <a:fld id="{9F12D92A-1099-47F9-BA91-F3EF59B10499}" type="datetimeFigureOut">
               <a:rPr lang="ko-KR" altLang="en-US" smtClean="0"/>
-              <a:t>2020-12-06</a:t>
+              <a:t>2020-12-10</a:t>
             </a:fld>
             <a:endParaRPr lang="ko-KR" altLang="en-US"/>
           </a:p>
@@ -608,7 +613,7 @@
           <a:p>
             <a:fld id="{9F12D92A-1099-47F9-BA91-F3EF59B10499}" type="datetimeFigureOut">
               <a:rPr lang="ko-KR" altLang="en-US" smtClean="0"/>
-              <a:t>2020-12-06</a:t>
+              <a:t>2020-12-10</a:t>
             </a:fld>
             <a:endParaRPr lang="ko-KR" altLang="en-US"/>
           </a:p>
@@ -778,7 +783,7 @@
           <a:p>
             <a:fld id="{9F12D92A-1099-47F9-BA91-F3EF59B10499}" type="datetimeFigureOut">
               <a:rPr lang="ko-KR" altLang="en-US" smtClean="0"/>
-              <a:t>2020-12-06</a:t>
+              <a:t>2020-12-10</a:t>
             </a:fld>
             <a:endParaRPr lang="ko-KR" altLang="en-US"/>
           </a:p>
@@ -1022,7 +1027,7 @@
           <a:p>
             <a:fld id="{9F12D92A-1099-47F9-BA91-F3EF59B10499}" type="datetimeFigureOut">
               <a:rPr lang="ko-KR" altLang="en-US" smtClean="0"/>
-              <a:t>2020-12-06</a:t>
+              <a:t>2020-12-10</a:t>
             </a:fld>
             <a:endParaRPr lang="ko-KR" altLang="en-US"/>
           </a:p>
@@ -1254,7 +1259,7 @@
           <a:p>
             <a:fld id="{9F12D92A-1099-47F9-BA91-F3EF59B10499}" type="datetimeFigureOut">
               <a:rPr lang="ko-KR" altLang="en-US" smtClean="0"/>
-              <a:t>2020-12-06</a:t>
+              <a:t>2020-12-10</a:t>
             </a:fld>
             <a:endParaRPr lang="ko-KR" altLang="en-US"/>
           </a:p>
@@ -1621,7 +1626,7 @@
           <a:p>
             <a:fld id="{9F12D92A-1099-47F9-BA91-F3EF59B10499}" type="datetimeFigureOut">
               <a:rPr lang="ko-KR" altLang="en-US" smtClean="0"/>
-              <a:t>2020-12-06</a:t>
+              <a:t>2020-12-10</a:t>
             </a:fld>
             <a:endParaRPr lang="ko-KR" altLang="en-US"/>
           </a:p>
@@ -1739,7 +1744,7 @@
           <a:p>
             <a:fld id="{9F12D92A-1099-47F9-BA91-F3EF59B10499}" type="datetimeFigureOut">
               <a:rPr lang="ko-KR" altLang="en-US" smtClean="0"/>
-              <a:t>2020-12-06</a:t>
+              <a:t>2020-12-10</a:t>
             </a:fld>
             <a:endParaRPr lang="ko-KR" altLang="en-US"/>
           </a:p>
@@ -1834,7 +1839,7 @@
           <a:p>
             <a:fld id="{9F12D92A-1099-47F9-BA91-F3EF59B10499}" type="datetimeFigureOut">
               <a:rPr lang="ko-KR" altLang="en-US" smtClean="0"/>
-              <a:t>2020-12-06</a:t>
+              <a:t>2020-12-10</a:t>
             </a:fld>
             <a:endParaRPr lang="ko-KR" altLang="en-US"/>
           </a:p>
@@ -2111,7 +2116,7 @@
           <a:p>
             <a:fld id="{9F12D92A-1099-47F9-BA91-F3EF59B10499}" type="datetimeFigureOut">
               <a:rPr lang="ko-KR" altLang="en-US" smtClean="0"/>
-              <a:t>2020-12-06</a:t>
+              <a:t>2020-12-10</a:t>
             </a:fld>
             <a:endParaRPr lang="ko-KR" altLang="en-US"/>
           </a:p>
@@ -2368,7 +2373,7 @@
           <a:p>
             <a:fld id="{9F12D92A-1099-47F9-BA91-F3EF59B10499}" type="datetimeFigureOut">
               <a:rPr lang="ko-KR" altLang="en-US" smtClean="0"/>
-              <a:t>2020-12-06</a:t>
+              <a:t>2020-12-10</a:t>
             </a:fld>
             <a:endParaRPr lang="ko-KR" altLang="en-US"/>
           </a:p>
@@ -2581,7 +2586,7 @@
           <a:p>
             <a:fld id="{9F12D92A-1099-47F9-BA91-F3EF59B10499}" type="datetimeFigureOut">
               <a:rPr lang="ko-KR" altLang="en-US" smtClean="0"/>
-              <a:t>2020-12-06</a:t>
+              <a:t>2020-12-10</a:t>
             </a:fld>
             <a:endParaRPr lang="ko-KR" altLang="en-US"/>
           </a:p>
@@ -11928,7 +11933,7 @@
                 <a:latin typeface="나눔바른고딕" panose="020B0603020101020101" pitchFamily="50" charset="-127"/>
                 <a:ea typeface="나눔바른고딕" panose="020B0603020101020101" pitchFamily="50" charset="-127"/>
               </a:rPr>
-              <a:t>2020-12-06</a:t>
+              <a:t>2020-12-10</a:t>
             </a:r>
             <a:endParaRPr lang="ko-KR" altLang="en-US" sz="600" dirty="0">
               <a:ln>
@@ -12185,8 +12190,8 @@
         </p:nvSpPr>
         <p:spPr>
           <a:xfrm>
-            <a:off x="341341" y="3725228"/>
-            <a:ext cx="6170204" cy="400110"/>
+            <a:off x="267628" y="2548738"/>
+            <a:ext cx="7754302" cy="1015663"/>
           </a:xfrm>
           <a:prstGeom prst="rect">
             <a:avLst/>
@@ -12198,10 +12203,6 @@
           </a:bodyPr>
           <a:lstStyle/>
           <a:p>
-            <a:pPr marL="171450" indent="-171450">
-              <a:buFontTx/>
-              <a:buChar char="-"/>
-            </a:pPr>
             <a:r>
               <a:rPr lang="en-US" altLang="ko-KR" sz="1000" dirty="0" smtClean="0">
                 <a:ln>
@@ -12214,7 +12215,7 @@
                 <a:latin typeface="나눔바른고딕" panose="020B0603020101020101" pitchFamily="50" charset="-127"/>
                 <a:ea typeface="나눔바른고딕" panose="020B0603020101020101" pitchFamily="50" charset="-127"/>
               </a:rPr>
-              <a:t>12/03-12/06 </a:t>
+              <a:t>12/03-12/10 </a:t>
             </a:r>
             <a:r>
               <a:rPr lang="ko-KR" altLang="en-US" sz="1000" dirty="0" smtClean="0">
@@ -12228,155 +12229,9 @@
                 <a:latin typeface="나눔바른고딕" panose="020B0603020101020101" pitchFamily="50" charset="-127"/>
                 <a:ea typeface="나눔바른고딕" panose="020B0603020101020101" pitchFamily="50" charset="-127"/>
               </a:rPr>
-              <a:t>기준 유입 </a:t>
-            </a:r>
-            <a:r>
-              <a:rPr lang="en-US" altLang="ko-KR" sz="1000" dirty="0" smtClean="0">
-                <a:ln>
-                  <a:solidFill>
-                    <a:schemeClr val="tx1">
-                      <a:alpha val="0"/>
-                    </a:schemeClr>
-                  </a:solidFill>
-                </a:ln>
-                <a:latin typeface="나눔바른고딕" panose="020B0603020101020101" pitchFamily="50" charset="-127"/>
-                <a:ea typeface="나눔바른고딕" panose="020B0603020101020101" pitchFamily="50" charset="-127"/>
-              </a:rPr>
-              <a:t>32</a:t>
-            </a:r>
-            <a:r>
-              <a:rPr lang="ko-KR" altLang="en-US" sz="1000" dirty="0" smtClean="0">
-                <a:ln>
-                  <a:solidFill>
-                    <a:schemeClr val="tx1">
-                      <a:alpha val="0"/>
-                    </a:schemeClr>
-                  </a:solidFill>
-                </a:ln>
-                <a:latin typeface="나눔바른고딕" panose="020B0603020101020101" pitchFamily="50" charset="-127"/>
-                <a:ea typeface="나눔바른고딕" panose="020B0603020101020101" pitchFamily="50" charset="-127"/>
-              </a:rPr>
-              <a:t>명 중 </a:t>
-            </a:r>
-            <a:r>
-              <a:rPr lang="ko-KR" altLang="en-US" sz="1000" dirty="0" err="1" smtClean="0">
-                <a:ln>
-                  <a:solidFill>
-                    <a:schemeClr val="tx1">
-                      <a:alpha val="0"/>
-                    </a:schemeClr>
-                  </a:solidFill>
-                </a:ln>
-                <a:latin typeface="나눔바른고딕" panose="020B0603020101020101" pitchFamily="50" charset="-127"/>
-                <a:ea typeface="나눔바른고딕" panose="020B0603020101020101" pitchFamily="50" charset="-127"/>
-              </a:rPr>
-              <a:t>체험권</a:t>
-            </a:r>
-            <a:r>
-              <a:rPr lang="ko-KR" altLang="en-US" sz="1000" dirty="0" smtClean="0">
-                <a:ln>
-                  <a:solidFill>
-                    <a:schemeClr val="tx1">
-                      <a:alpha val="0"/>
-                    </a:schemeClr>
-                  </a:solidFill>
-                </a:ln>
-                <a:latin typeface="나눔바른고딕" panose="020B0603020101020101" pitchFamily="50" charset="-127"/>
-                <a:ea typeface="나눔바른고딕" panose="020B0603020101020101" pitchFamily="50" charset="-127"/>
-              </a:rPr>
-              <a:t> 신청 페이지 최종 유입 </a:t>
-            </a:r>
-            <a:r>
-              <a:rPr lang="en-US" altLang="ko-KR" sz="1000" dirty="0" smtClean="0">
-                <a:ln>
-                  <a:solidFill>
-                    <a:schemeClr val="tx1">
-                      <a:alpha val="0"/>
-                    </a:schemeClr>
-                  </a:solidFill>
-                </a:ln>
-                <a:latin typeface="나눔바른고딕" panose="020B0603020101020101" pitchFamily="50" charset="-127"/>
-                <a:ea typeface="나눔바른고딕" panose="020B0603020101020101" pitchFamily="50" charset="-127"/>
-              </a:rPr>
-              <a:t>2</a:t>
-            </a:r>
-            <a:r>
-              <a:rPr lang="ko-KR" altLang="en-US" sz="1000" dirty="0" smtClean="0">
-                <a:ln>
-                  <a:solidFill>
-                    <a:schemeClr val="tx1">
-                      <a:alpha val="0"/>
-                    </a:schemeClr>
-                  </a:solidFill>
-                </a:ln>
-                <a:latin typeface="나눔바른고딕" panose="020B0603020101020101" pitchFamily="50" charset="-127"/>
-                <a:ea typeface="나눔바른고딕" panose="020B0603020101020101" pitchFamily="50" charset="-127"/>
-              </a:rPr>
-              <a:t>명 </a:t>
-            </a:r>
-            <a:r>
-              <a:rPr lang="en-US" altLang="ko-KR" sz="1000" dirty="0" smtClean="0">
-                <a:ln>
-                  <a:solidFill>
-                    <a:schemeClr val="tx1">
-                      <a:alpha val="0"/>
-                    </a:schemeClr>
-                  </a:solidFill>
-                </a:ln>
-                <a:latin typeface="나눔바른고딕" panose="020B0603020101020101" pitchFamily="50" charset="-127"/>
-                <a:ea typeface="나눔바른고딕" panose="020B0603020101020101" pitchFamily="50" charset="-127"/>
-              </a:rPr>
-              <a:t>(</a:t>
-            </a:r>
-            <a:r>
-              <a:rPr lang="ko-KR" altLang="en-US" sz="1000" dirty="0" err="1" smtClean="0">
-                <a:ln>
-                  <a:solidFill>
-                    <a:schemeClr val="tx1">
-                      <a:alpha val="0"/>
-                    </a:schemeClr>
-                  </a:solidFill>
-                </a:ln>
-                <a:latin typeface="나눔바른고딕" panose="020B0603020101020101" pitchFamily="50" charset="-127"/>
-                <a:ea typeface="나눔바른고딕" panose="020B0603020101020101" pitchFamily="50" charset="-127"/>
-              </a:rPr>
-              <a:t>전환율</a:t>
-            </a:r>
-            <a:r>
-              <a:rPr lang="ko-KR" altLang="en-US" sz="1000" dirty="0" smtClean="0">
-                <a:ln>
-                  <a:solidFill>
-                    <a:schemeClr val="tx1">
-                      <a:alpha val="0"/>
-                    </a:schemeClr>
-                  </a:solidFill>
-                </a:ln>
-                <a:latin typeface="나눔바른고딕" panose="020B0603020101020101" pitchFamily="50" charset="-127"/>
-                <a:ea typeface="나눔바른고딕" panose="020B0603020101020101" pitchFamily="50" charset="-127"/>
-              </a:rPr>
-              <a:t> </a:t>
-            </a:r>
-            <a:r>
-              <a:rPr lang="en-US" altLang="ko-KR" sz="1000" dirty="0" smtClean="0">
-                <a:ln>
-                  <a:solidFill>
-                    <a:schemeClr val="tx1">
-                      <a:alpha val="0"/>
-                    </a:schemeClr>
-                  </a:solidFill>
-                </a:ln>
-                <a:latin typeface="나눔바른고딕" panose="020B0603020101020101" pitchFamily="50" charset="-127"/>
-                <a:ea typeface="나눔바른고딕" panose="020B0603020101020101" pitchFamily="50" charset="-127"/>
-              </a:rPr>
-              <a:t>4.17%)</a:t>
-            </a:r>
-          </a:p>
-          <a:p>
-            <a:pPr marL="171450" indent="-171450">
-              <a:buFontTx/>
-              <a:buChar char="-"/>
-            </a:pPr>
-            <a:endParaRPr lang="ko-KR" altLang="en-US" sz="1000" dirty="0">
+              <a:t>기준 </a:t>
+            </a:r>
+            <a:endParaRPr lang="en-US" altLang="ko-KR" sz="1000" dirty="0" smtClean="0">
               <a:ln>
                 <a:solidFill>
                   <a:schemeClr val="tx1">
@@ -12388,11 +12243,404 @@
               <a:ea typeface="나눔바른고딕" panose="020B0603020101020101" pitchFamily="50" charset="-127"/>
             </a:endParaRPr>
           </a:p>
+          <a:p>
+            <a:r>
+              <a:rPr lang="ko-KR" altLang="en-US" sz="1000" dirty="0" smtClean="0">
+                <a:ln>
+                  <a:solidFill>
+                    <a:schemeClr val="tx1">
+                      <a:alpha val="0"/>
+                    </a:schemeClr>
+                  </a:solidFill>
+                </a:ln>
+                <a:latin typeface="나눔바른고딕" panose="020B0603020101020101" pitchFamily="50" charset="-127"/>
+                <a:ea typeface="나눔바른고딕" panose="020B0603020101020101" pitchFamily="50" charset="-127"/>
+              </a:rPr>
+              <a:t>유입 </a:t>
+            </a:r>
+            <a:r>
+              <a:rPr lang="en-US" altLang="ko-KR" sz="1000" dirty="0" smtClean="0">
+                <a:ln>
+                  <a:solidFill>
+                    <a:schemeClr val="tx1">
+                      <a:alpha val="0"/>
+                    </a:schemeClr>
+                  </a:solidFill>
+                </a:ln>
+                <a:latin typeface="나눔바른고딕" panose="020B0603020101020101" pitchFamily="50" charset="-127"/>
+                <a:ea typeface="나눔바른고딕" panose="020B0603020101020101" pitchFamily="50" charset="-127"/>
+              </a:rPr>
+              <a:t>46</a:t>
+            </a:r>
+            <a:r>
+              <a:rPr lang="ko-KR" altLang="en-US" sz="1000" dirty="0" smtClean="0">
+                <a:ln>
+                  <a:solidFill>
+                    <a:schemeClr val="tx1">
+                      <a:alpha val="0"/>
+                    </a:schemeClr>
+                  </a:solidFill>
+                </a:ln>
+                <a:latin typeface="나눔바른고딕" panose="020B0603020101020101" pitchFamily="50" charset="-127"/>
+                <a:ea typeface="나눔바른고딕" panose="020B0603020101020101" pitchFamily="50" charset="-127"/>
+              </a:rPr>
+              <a:t>명</a:t>
+            </a:r>
+            <a:r>
+              <a:rPr lang="en-US" altLang="ko-KR" sz="1000" dirty="0">
+                <a:ln>
+                  <a:solidFill>
+                    <a:schemeClr val="tx1">
+                      <a:alpha val="0"/>
+                    </a:schemeClr>
+                  </a:solidFill>
+                </a:ln>
+                <a:latin typeface="나눔바른고딕" panose="020B0603020101020101" pitchFamily="50" charset="-127"/>
+                <a:ea typeface="나눔바른고딕" panose="020B0603020101020101" pitchFamily="50" charset="-127"/>
+              </a:rPr>
+              <a:t>(30</a:t>
+            </a:r>
+            <a:r>
+              <a:rPr lang="ko-KR" altLang="en-US" sz="1000" dirty="0">
+                <a:ln>
+                  <a:solidFill>
+                    <a:schemeClr val="tx1">
+                      <a:alpha val="0"/>
+                    </a:schemeClr>
+                  </a:solidFill>
+                </a:ln>
+                <a:latin typeface="나눔바른고딕" panose="020B0603020101020101" pitchFamily="50" charset="-127"/>
+                <a:ea typeface="나눔바른고딕" panose="020B0603020101020101" pitchFamily="50" charset="-127"/>
+              </a:rPr>
+              <a:t>초 이상 머무른 대상 </a:t>
+            </a:r>
+            <a:r>
+              <a:rPr lang="ko-KR" altLang="en-US" sz="1000" dirty="0" smtClean="0">
+                <a:ln>
+                  <a:solidFill>
+                    <a:schemeClr val="tx1">
+                      <a:alpha val="0"/>
+                    </a:schemeClr>
+                  </a:solidFill>
+                </a:ln>
+                <a:latin typeface="나눔바른고딕" panose="020B0603020101020101" pitchFamily="50" charset="-127"/>
+                <a:ea typeface="나눔바른고딕" panose="020B0603020101020101" pitchFamily="50" charset="-127"/>
+              </a:rPr>
+              <a:t>기준</a:t>
+            </a:r>
+            <a:r>
+              <a:rPr lang="en-US" altLang="ko-KR" sz="1000" dirty="0" smtClean="0">
+                <a:ln>
+                  <a:solidFill>
+                    <a:schemeClr val="tx1">
+                      <a:alpha val="0"/>
+                    </a:schemeClr>
+                  </a:solidFill>
+                </a:ln>
+                <a:latin typeface="나눔바른고딕" panose="020B0603020101020101" pitchFamily="50" charset="-127"/>
+                <a:ea typeface="나눔바른고딕" panose="020B0603020101020101" pitchFamily="50" charset="-127"/>
+              </a:rPr>
+              <a:t>)</a:t>
+            </a:r>
+            <a:r>
+              <a:rPr lang="ko-KR" altLang="en-US" sz="1000" dirty="0" smtClean="0">
+                <a:ln>
+                  <a:solidFill>
+                    <a:schemeClr val="tx1">
+                      <a:alpha val="0"/>
+                    </a:schemeClr>
+                  </a:solidFill>
+                </a:ln>
+                <a:latin typeface="나눔바른고딕" panose="020B0603020101020101" pitchFamily="50" charset="-127"/>
+                <a:ea typeface="나눔바른고딕" panose="020B0603020101020101" pitchFamily="50" charset="-127"/>
+              </a:rPr>
+              <a:t> </a:t>
+            </a:r>
+            <a:r>
+              <a:rPr lang="ko-KR" altLang="en-US" sz="1000" dirty="0" smtClean="0">
+                <a:ln>
+                  <a:solidFill>
+                    <a:schemeClr val="tx1">
+                      <a:alpha val="0"/>
+                    </a:schemeClr>
+                  </a:solidFill>
+                </a:ln>
+                <a:latin typeface="나눔바른고딕" panose="020B0603020101020101" pitchFamily="50" charset="-127"/>
+                <a:ea typeface="나눔바른고딕" panose="020B0603020101020101" pitchFamily="50" charset="-127"/>
+              </a:rPr>
+              <a:t>중 </a:t>
+            </a:r>
+            <a:endParaRPr lang="en-US" altLang="ko-KR" sz="1000" dirty="0" smtClean="0">
+              <a:ln>
+                <a:solidFill>
+                  <a:schemeClr val="tx1">
+                    <a:alpha val="0"/>
+                  </a:schemeClr>
+                </a:solidFill>
+              </a:ln>
+              <a:latin typeface="나눔바른고딕" panose="020B0603020101020101" pitchFamily="50" charset="-127"/>
+              <a:ea typeface="나눔바른고딕" panose="020B0603020101020101" pitchFamily="50" charset="-127"/>
+            </a:endParaRPr>
+          </a:p>
+          <a:p>
+            <a:r>
+              <a:rPr lang="ko-KR" altLang="en-US" sz="1000" dirty="0" err="1" smtClean="0">
+                <a:ln>
+                  <a:solidFill>
+                    <a:schemeClr val="tx1">
+                      <a:alpha val="0"/>
+                    </a:schemeClr>
+                  </a:solidFill>
+                </a:ln>
+                <a:latin typeface="나눔바른고딕" panose="020B0603020101020101" pitchFamily="50" charset="-127"/>
+                <a:ea typeface="나눔바른고딕" panose="020B0603020101020101" pitchFamily="50" charset="-127"/>
+              </a:rPr>
+              <a:t>체험권신청</a:t>
+            </a:r>
+            <a:r>
+              <a:rPr lang="ko-KR" altLang="en-US" sz="1000" dirty="0" smtClean="0">
+                <a:ln>
+                  <a:solidFill>
+                    <a:schemeClr val="tx1">
+                      <a:alpha val="0"/>
+                    </a:schemeClr>
+                  </a:solidFill>
+                </a:ln>
+                <a:latin typeface="나눔바른고딕" panose="020B0603020101020101" pitchFamily="50" charset="-127"/>
+                <a:ea typeface="나눔바른고딕" panose="020B0603020101020101" pitchFamily="50" charset="-127"/>
+              </a:rPr>
+              <a:t> 수 약 </a:t>
+            </a:r>
+            <a:r>
+              <a:rPr lang="en-US" altLang="ko-KR" sz="1000" dirty="0" smtClean="0">
+                <a:ln>
+                  <a:solidFill>
+                    <a:schemeClr val="tx1">
+                      <a:alpha val="0"/>
+                    </a:schemeClr>
+                  </a:solidFill>
+                </a:ln>
+                <a:latin typeface="나눔바른고딕" panose="020B0603020101020101" pitchFamily="50" charset="-127"/>
+                <a:ea typeface="나눔바른고딕" panose="020B0603020101020101" pitchFamily="50" charset="-127"/>
+              </a:rPr>
+              <a:t>26</a:t>
+            </a:r>
+            <a:r>
+              <a:rPr lang="ko-KR" altLang="en-US" sz="1000" dirty="0" smtClean="0">
+                <a:ln>
+                  <a:solidFill>
+                    <a:schemeClr val="tx1">
+                      <a:alpha val="0"/>
+                    </a:schemeClr>
+                  </a:solidFill>
+                </a:ln>
+                <a:latin typeface="나눔바른고딕" panose="020B0603020101020101" pitchFamily="50" charset="-127"/>
+                <a:ea typeface="나눔바른고딕" panose="020B0603020101020101" pitchFamily="50" charset="-127"/>
+              </a:rPr>
+              <a:t>명</a:t>
+            </a:r>
+            <a:r>
+              <a:rPr lang="en-US" altLang="ko-KR" sz="1000" dirty="0" smtClean="0">
+                <a:ln>
+                  <a:solidFill>
+                    <a:schemeClr val="tx1">
+                      <a:alpha val="0"/>
+                    </a:schemeClr>
+                  </a:solidFill>
+                </a:ln>
+                <a:latin typeface="나눔바른고딕" panose="020B0603020101020101" pitchFamily="50" charset="-127"/>
+                <a:ea typeface="나눔바른고딕" panose="020B0603020101020101" pitchFamily="50" charset="-127"/>
+              </a:rPr>
+              <a:t>(</a:t>
+            </a:r>
+            <a:r>
+              <a:rPr lang="en-US" altLang="ko-KR" sz="1000" dirty="0" smtClean="0">
+                <a:ln>
+                  <a:solidFill>
+                    <a:schemeClr val="tx1">
+                      <a:alpha val="0"/>
+                    </a:schemeClr>
+                  </a:solidFill>
+                </a:ln>
+                <a:latin typeface="나눔바른고딕" panose="020B0603020101020101" pitchFamily="50" charset="-127"/>
+                <a:ea typeface="나눔바른고딕" panose="020B0603020101020101" pitchFamily="50" charset="-127"/>
+              </a:rPr>
+              <a:t>admin </a:t>
+            </a:r>
+            <a:r>
+              <a:rPr lang="ko-KR" altLang="en-US" sz="1000" dirty="0" smtClean="0">
+                <a:ln>
+                  <a:solidFill>
+                    <a:schemeClr val="tx1">
+                      <a:alpha val="0"/>
+                    </a:schemeClr>
+                  </a:solidFill>
+                </a:ln>
+                <a:latin typeface="나눔바른고딕" panose="020B0603020101020101" pitchFamily="50" charset="-127"/>
+                <a:ea typeface="나눔바른고딕" panose="020B0603020101020101" pitchFamily="50" charset="-127"/>
+              </a:rPr>
+              <a:t>경로 기준 오차범위 </a:t>
+            </a:r>
+            <a:r>
+              <a:rPr lang="en-US" altLang="ko-KR" sz="1000" dirty="0" smtClean="0">
+                <a:ln>
+                  <a:solidFill>
+                    <a:schemeClr val="tx1">
+                      <a:alpha val="0"/>
+                    </a:schemeClr>
+                  </a:solidFill>
+                </a:ln>
+                <a:latin typeface="나눔바른고딕" panose="020B0603020101020101" pitchFamily="50" charset="-127"/>
+                <a:ea typeface="나눔바른고딕" panose="020B0603020101020101" pitchFamily="50" charset="-127"/>
+              </a:rPr>
+              <a:t>+-3)</a:t>
+            </a:r>
+          </a:p>
+          <a:p>
+            <a:endParaRPr lang="en-US" altLang="ko-KR" sz="1000" dirty="0">
+              <a:ln>
+                <a:solidFill>
+                  <a:schemeClr val="tx1">
+                    <a:alpha val="0"/>
+                  </a:schemeClr>
+                </a:solidFill>
+              </a:ln>
+              <a:latin typeface="나눔바른고딕" panose="020B0603020101020101" pitchFamily="50" charset="-127"/>
+              <a:ea typeface="나눔바른고딕" panose="020B0603020101020101" pitchFamily="50" charset="-127"/>
+            </a:endParaRPr>
+          </a:p>
+          <a:p>
+            <a:endParaRPr lang="en-US" altLang="ko-KR" sz="1000" dirty="0" smtClean="0">
+              <a:ln>
+                <a:solidFill>
+                  <a:schemeClr val="tx1">
+                    <a:alpha val="0"/>
+                  </a:schemeClr>
+                </a:solidFill>
+              </a:ln>
+              <a:latin typeface="나눔바른고딕" panose="020B0603020101020101" pitchFamily="50" charset="-127"/>
+              <a:ea typeface="나눔바른고딕" panose="020B0603020101020101" pitchFamily="50" charset="-127"/>
+            </a:endParaRPr>
+          </a:p>
+          <a:p>
+            <a:r>
+              <a:rPr lang="ko-KR" altLang="en-US" sz="1000" dirty="0" smtClean="0">
+                <a:ln>
+                  <a:solidFill>
+                    <a:schemeClr val="tx1">
+                      <a:alpha val="0"/>
+                    </a:schemeClr>
+                  </a:solidFill>
+                </a:ln>
+                <a:latin typeface="나눔바른고딕" panose="020B0603020101020101" pitchFamily="50" charset="-127"/>
+                <a:ea typeface="나눔바른고딕" panose="020B0603020101020101" pitchFamily="50" charset="-127"/>
+              </a:rPr>
+              <a:t>어디서 왜 누락이 발생하는지는 모르겠으나 이번 캠페인의 사용자 수는 참고용으로만 부탁드립니다</a:t>
+            </a:r>
+            <a:r>
+              <a:rPr lang="en-US" altLang="ko-KR" sz="1000" dirty="0" smtClean="0">
+                <a:ln>
+                  <a:solidFill>
+                    <a:schemeClr val="tx1">
+                      <a:alpha val="0"/>
+                    </a:schemeClr>
+                  </a:solidFill>
+                </a:ln>
+                <a:latin typeface="나눔바른고딕" panose="020B0603020101020101" pitchFamily="50" charset="-127"/>
+                <a:ea typeface="나눔바른고딕" panose="020B0603020101020101" pitchFamily="50" charset="-127"/>
+              </a:rPr>
+              <a:t>.(7</a:t>
+            </a:r>
+            <a:r>
+              <a:rPr lang="ko-KR" altLang="en-US" sz="1000" dirty="0" smtClean="0">
+                <a:ln>
+                  <a:solidFill>
+                    <a:schemeClr val="tx1">
+                      <a:alpha val="0"/>
+                    </a:schemeClr>
+                  </a:solidFill>
+                </a:ln>
+                <a:latin typeface="나눔바른고딕" panose="020B0603020101020101" pitchFamily="50" charset="-127"/>
+                <a:ea typeface="나눔바른고딕" panose="020B0603020101020101" pitchFamily="50" charset="-127"/>
+              </a:rPr>
+              <a:t>일</a:t>
+            </a:r>
+            <a:r>
+              <a:rPr lang="en-US" altLang="ko-KR" sz="1000" dirty="0" smtClean="0">
+                <a:ln>
+                  <a:solidFill>
+                    <a:schemeClr val="tx1">
+                      <a:alpha val="0"/>
+                    </a:schemeClr>
+                  </a:solidFill>
+                </a:ln>
+                <a:latin typeface="나눔바른고딕" panose="020B0603020101020101" pitchFamily="50" charset="-127"/>
+                <a:ea typeface="나눔바른고딕" panose="020B0603020101020101" pitchFamily="50" charset="-127"/>
+              </a:rPr>
+              <a:t>-8</a:t>
+            </a:r>
+            <a:r>
+              <a:rPr lang="ko-KR" altLang="en-US" sz="1000" dirty="0" smtClean="0">
+                <a:ln>
+                  <a:solidFill>
+                    <a:schemeClr val="tx1">
+                      <a:alpha val="0"/>
+                    </a:schemeClr>
+                  </a:solidFill>
+                </a:ln>
+                <a:latin typeface="나눔바른고딕" panose="020B0603020101020101" pitchFamily="50" charset="-127"/>
+                <a:ea typeface="나눔바른고딕" panose="020B0603020101020101" pitchFamily="50" charset="-127"/>
+              </a:rPr>
+              <a:t>일 </a:t>
+            </a:r>
+            <a:r>
+              <a:rPr lang="en-US" altLang="ko-KR" sz="1000" dirty="0" smtClean="0">
+                <a:ln>
+                  <a:solidFill>
+                    <a:schemeClr val="tx1">
+                      <a:alpha val="0"/>
+                    </a:schemeClr>
+                  </a:solidFill>
+                </a:ln>
+                <a:latin typeface="나눔바른고딕" panose="020B0603020101020101" pitchFamily="50" charset="-127"/>
+                <a:ea typeface="나눔바른고딕" panose="020B0603020101020101" pitchFamily="50" charset="-127"/>
+              </a:rPr>
+              <a:t>GA</a:t>
+            </a:r>
+            <a:r>
+              <a:rPr lang="ko-KR" altLang="en-US" sz="1000" dirty="0" smtClean="0">
+                <a:ln>
+                  <a:solidFill>
+                    <a:schemeClr val="tx1">
+                      <a:alpha val="0"/>
+                    </a:schemeClr>
+                  </a:solidFill>
+                </a:ln>
+                <a:latin typeface="나눔바른고딕" panose="020B0603020101020101" pitchFamily="50" charset="-127"/>
+                <a:ea typeface="나눔바른고딕" panose="020B0603020101020101" pitchFamily="50" charset="-127"/>
+              </a:rPr>
+              <a:t>연동 속성 수정</a:t>
+            </a:r>
+            <a:r>
+              <a:rPr lang="en-US" altLang="ko-KR" sz="1000" dirty="0" smtClean="0">
+                <a:ln>
+                  <a:solidFill>
+                    <a:schemeClr val="tx1">
+                      <a:alpha val="0"/>
+                    </a:schemeClr>
+                  </a:solidFill>
+                </a:ln>
+                <a:latin typeface="나눔바른고딕" panose="020B0603020101020101" pitchFamily="50" charset="-127"/>
+                <a:ea typeface="나눔바른고딕" panose="020B0603020101020101" pitchFamily="50" charset="-127"/>
+              </a:rPr>
+              <a:t>)</a:t>
+            </a:r>
+          </a:p>
         </p:txBody>
       </p:sp>
       <p:pic>
         <p:nvPicPr>
-          <p:cNvPr id="10" name="그림 9"/>
+          <p:cNvPr id="2" name="그림 1"/>
           <p:cNvPicPr>
             <a:picLocks noChangeAspect="1"/>
           </p:cNvPicPr>
@@ -12406,8 +12654,32 @@
         </p:blipFill>
         <p:spPr>
           <a:xfrm>
-            <a:off x="386996" y="682018"/>
-            <a:ext cx="8367094" cy="2763063"/>
+            <a:off x="193848" y="865249"/>
+            <a:ext cx="8684261" cy="986848"/>
+          </a:xfrm>
+          <a:prstGeom prst="rect">
+            <a:avLst/>
+          </a:prstGeom>
+        </p:spPr>
+      </p:pic>
+      <p:pic>
+        <p:nvPicPr>
+          <p:cNvPr id="6" name="그림 5"/>
+          <p:cNvPicPr>
+            <a:picLocks noChangeAspect="1"/>
+          </p:cNvPicPr>
+          <p:nvPr/>
+        </p:nvPicPr>
+        <p:blipFill>
+          <a:blip r:embed="rId3"/>
+          <a:stretch>
+            <a:fillRect/>
+          </a:stretch>
+        </p:blipFill>
+        <p:spPr>
+          <a:xfrm>
+            <a:off x="267628" y="1923803"/>
+            <a:ext cx="6065461" cy="452586"/>
           </a:xfrm>
           <a:prstGeom prst="rect">
             <a:avLst/>
@@ -12428,6 +12700,2645 @@
 </file>
 
 <file path=ppt/slides/slide14.xml><?xml version="1.0" encoding="utf-8"?>
+<p:sld xmlns:a="http://schemas.openxmlformats.org/drawingml/2006/main" xmlns:r="http://schemas.openxmlformats.org/officeDocument/2006/relationships" xmlns:p="http://schemas.openxmlformats.org/presentationml/2006/main">
+  <p:cSld>
+    <p:spTree>
+      <p:nvGrpSpPr>
+        <p:cNvPr id="1" name=""/>
+        <p:cNvGrpSpPr/>
+        <p:nvPr/>
+      </p:nvGrpSpPr>
+      <p:grpSpPr>
+        <a:xfrm>
+          <a:off x="0" y="0"/>
+          <a:ext cx="0" cy="0"/>
+          <a:chOff x="0" y="0"/>
+          <a:chExt cx="0" cy="0"/>
+        </a:xfrm>
+      </p:grpSpPr>
+      <p:sp>
+        <p:nvSpPr>
+          <p:cNvPr id="12" name="직사각형 11"/>
+          <p:cNvSpPr/>
+          <p:nvPr/>
+        </p:nvSpPr>
+        <p:spPr>
+          <a:xfrm>
+            <a:off x="7443332" y="401870"/>
+            <a:ext cx="1560887" cy="246221"/>
+          </a:xfrm>
+          <a:prstGeom prst="rect">
+            <a:avLst/>
+          </a:prstGeom>
+          <a:solidFill>
+            <a:schemeClr val="accent4">
+              <a:lumMod val="40000"/>
+              <a:lumOff val="60000"/>
+            </a:schemeClr>
+          </a:solidFill>
+        </p:spPr>
+        <p:txBody>
+          <a:bodyPr wrap="square">
+            <a:spAutoFit/>
+          </a:bodyPr>
+          <a:lstStyle/>
+          <a:p>
+            <a:pPr algn="r"/>
+            <a:r>
+              <a:rPr lang="ko-KR" altLang="en-US" sz="1000" b="1" dirty="0" err="1" smtClean="0">
+                <a:ln>
+                  <a:solidFill>
+                    <a:schemeClr val="tx1">
+                      <a:alpha val="0"/>
+                    </a:schemeClr>
+                  </a:solidFill>
+                </a:ln>
+                <a:latin typeface="나눔바른고딕" panose="020B0603020101020101" pitchFamily="50" charset="-127"/>
+                <a:ea typeface="나눔바른고딕" panose="020B0603020101020101" pitchFamily="50" charset="-127"/>
+              </a:rPr>
+              <a:t>메인에서</a:t>
+            </a:r>
+            <a:r>
+              <a:rPr lang="ko-KR" altLang="en-US" sz="1000" b="1" dirty="0" smtClean="0">
+                <a:ln>
+                  <a:solidFill>
+                    <a:schemeClr val="tx1">
+                      <a:alpha val="0"/>
+                    </a:schemeClr>
+                  </a:solidFill>
+                </a:ln>
+                <a:latin typeface="나눔바른고딕" panose="020B0603020101020101" pitchFamily="50" charset="-127"/>
+                <a:ea typeface="나눔바른고딕" panose="020B0603020101020101" pitchFamily="50" charset="-127"/>
+              </a:rPr>
+              <a:t> 유심히 본 페이지</a:t>
+            </a:r>
+            <a:endParaRPr lang="ko-KR" altLang="en-US" sz="1000" b="1" dirty="0">
+              <a:ln>
+                <a:solidFill>
+                  <a:schemeClr val="tx1">
+                    <a:alpha val="0"/>
+                  </a:schemeClr>
+                </a:solidFill>
+              </a:ln>
+              <a:latin typeface="나눔바른고딕" panose="020B0603020101020101" pitchFamily="50" charset="-127"/>
+              <a:ea typeface="나눔바른고딕" panose="020B0603020101020101" pitchFamily="50" charset="-127"/>
+            </a:endParaRPr>
+          </a:p>
+        </p:txBody>
+      </p:sp>
+      <p:sp>
+        <p:nvSpPr>
+          <p:cNvPr id="2" name="직사각형 1"/>
+          <p:cNvSpPr/>
+          <p:nvPr/>
+        </p:nvSpPr>
+        <p:spPr>
+          <a:xfrm>
+            <a:off x="136868" y="98606"/>
+            <a:ext cx="4572000" cy="253916"/>
+          </a:xfrm>
+          <a:prstGeom prst="rect">
+            <a:avLst/>
+          </a:prstGeom>
+        </p:spPr>
+        <p:txBody>
+          <a:bodyPr>
+            <a:spAutoFit/>
+          </a:bodyPr>
+          <a:lstStyle/>
+          <a:p>
+            <a:r>
+              <a:rPr lang="en-US" altLang="ko-KR" sz="1050" dirty="0" err="1" smtClean="0">
+                <a:ln>
+                  <a:solidFill>
+                    <a:schemeClr val="tx1">
+                      <a:alpha val="0"/>
+                    </a:schemeClr>
+                  </a:solidFill>
+                </a:ln>
+                <a:latin typeface="나눔바른고딕" panose="020B0603020101020101" pitchFamily="50" charset="-127"/>
+                <a:ea typeface="나눔바른고딕" panose="020B0603020101020101" pitchFamily="50" charset="-127"/>
+              </a:rPr>
+              <a:t>Hotjar</a:t>
+            </a:r>
+            <a:r>
+              <a:rPr lang="ko-KR" altLang="en-US" sz="1050" dirty="0" smtClean="0">
+                <a:ln>
+                  <a:solidFill>
+                    <a:schemeClr val="tx1">
+                      <a:alpha val="0"/>
+                    </a:schemeClr>
+                  </a:solidFill>
+                </a:ln>
+                <a:latin typeface="나눔바른고딕" panose="020B0603020101020101" pitchFamily="50" charset="-127"/>
+                <a:ea typeface="나눔바른고딕" panose="020B0603020101020101" pitchFamily="50" charset="-127"/>
+              </a:rPr>
+              <a:t> </a:t>
+            </a:r>
+            <a:r>
+              <a:rPr lang="en-US" altLang="ko-KR" sz="1050" dirty="0" smtClean="0">
+                <a:ln>
+                  <a:solidFill>
+                    <a:schemeClr val="tx1">
+                      <a:alpha val="0"/>
+                    </a:schemeClr>
+                  </a:solidFill>
+                </a:ln>
+                <a:latin typeface="나눔바른고딕" panose="020B0603020101020101" pitchFamily="50" charset="-127"/>
+                <a:ea typeface="나눔바른고딕" panose="020B0603020101020101" pitchFamily="50" charset="-127"/>
+              </a:rPr>
+              <a:t>&gt; </a:t>
+            </a:r>
+            <a:r>
+              <a:rPr lang="en-US" altLang="ko-KR" sz="1050" b="1" dirty="0" err="1" smtClean="0">
+                <a:ln>
+                  <a:solidFill>
+                    <a:schemeClr val="tx1">
+                      <a:alpha val="0"/>
+                    </a:schemeClr>
+                  </a:solidFill>
+                </a:ln>
+                <a:latin typeface="나눔바른고딕" panose="020B0603020101020101" pitchFamily="50" charset="-127"/>
+                <a:ea typeface="나눔바른고딕" panose="020B0603020101020101" pitchFamily="50" charset="-127"/>
+              </a:rPr>
+              <a:t>café_posting</a:t>
+            </a:r>
+            <a:r>
+              <a:rPr lang="en-US" altLang="ko-KR" sz="1050" b="1" dirty="0" smtClean="0">
+                <a:ln>
+                  <a:solidFill>
+                    <a:schemeClr val="tx1">
+                      <a:alpha val="0"/>
+                    </a:schemeClr>
+                  </a:solidFill>
+                </a:ln>
+                <a:latin typeface="나눔바른고딕" panose="020B0603020101020101" pitchFamily="50" charset="-127"/>
+                <a:ea typeface="나눔바른고딕" panose="020B0603020101020101" pitchFamily="50" charset="-127"/>
+              </a:rPr>
+              <a:t> &gt; recordings </a:t>
+            </a:r>
+            <a:endParaRPr lang="ko-KR" altLang="en-US" sz="1050" b="1" dirty="0">
+              <a:ln>
+                <a:solidFill>
+                  <a:schemeClr val="tx1">
+                    <a:alpha val="0"/>
+                  </a:schemeClr>
+                </a:solidFill>
+              </a:ln>
+              <a:latin typeface="나눔바른고딕" panose="020B0603020101020101" pitchFamily="50" charset="-127"/>
+              <a:ea typeface="나눔바른고딕" panose="020B0603020101020101" pitchFamily="50" charset="-127"/>
+            </a:endParaRPr>
+          </a:p>
+        </p:txBody>
+      </p:sp>
+      <p:cxnSp>
+        <p:nvCxnSpPr>
+          <p:cNvPr id="3" name="직선 연결선 2"/>
+          <p:cNvCxnSpPr/>
+          <p:nvPr/>
+        </p:nvCxnSpPr>
+        <p:spPr>
+          <a:xfrm>
+            <a:off x="136868" y="401870"/>
+            <a:ext cx="8867351" cy="0"/>
+          </a:xfrm>
+          <a:prstGeom prst="line">
+            <a:avLst/>
+          </a:prstGeom>
+          <a:ln>
+            <a:solidFill>
+              <a:schemeClr val="tx1"/>
+            </a:solidFill>
+          </a:ln>
+        </p:spPr>
+        <p:style>
+          <a:lnRef idx="1">
+            <a:schemeClr val="accent1"/>
+          </a:lnRef>
+          <a:fillRef idx="0">
+            <a:schemeClr val="accent1"/>
+          </a:fillRef>
+          <a:effectRef idx="0">
+            <a:schemeClr val="accent1"/>
+          </a:effectRef>
+          <a:fontRef idx="minor">
+            <a:schemeClr val="tx1"/>
+          </a:fontRef>
+        </p:style>
+      </p:cxnSp>
+      <p:pic>
+        <p:nvPicPr>
+          <p:cNvPr id="8" name="그림 7"/>
+          <p:cNvPicPr>
+            <a:picLocks noChangeAspect="1"/>
+          </p:cNvPicPr>
+          <p:nvPr/>
+        </p:nvPicPr>
+        <p:blipFill>
+          <a:blip r:embed="rId2"/>
+          <a:stretch>
+            <a:fillRect/>
+          </a:stretch>
+        </p:blipFill>
+        <p:spPr>
+          <a:xfrm>
+            <a:off x="271451" y="646486"/>
+            <a:ext cx="1705651" cy="1936992"/>
+          </a:xfrm>
+          <a:prstGeom prst="rect">
+            <a:avLst/>
+          </a:prstGeom>
+          <a:effectLst>
+            <a:outerShdw blurRad="50800" dist="50800" dir="5400000" algn="ctr" rotWithShape="0">
+              <a:srgbClr val="000000">
+                <a:alpha val="9000"/>
+              </a:srgbClr>
+            </a:outerShdw>
+          </a:effectLst>
+        </p:spPr>
+      </p:pic>
+      <p:pic>
+        <p:nvPicPr>
+          <p:cNvPr id="9" name="그림 8"/>
+          <p:cNvPicPr>
+            <a:picLocks noChangeAspect="1"/>
+          </p:cNvPicPr>
+          <p:nvPr/>
+        </p:nvPicPr>
+        <p:blipFill>
+          <a:blip r:embed="rId3"/>
+          <a:stretch>
+            <a:fillRect/>
+          </a:stretch>
+        </p:blipFill>
+        <p:spPr>
+          <a:xfrm>
+            <a:off x="3793244" y="875425"/>
+            <a:ext cx="1717675" cy="1954264"/>
+          </a:xfrm>
+          <a:prstGeom prst="rect">
+            <a:avLst/>
+          </a:prstGeom>
+          <a:effectLst>
+            <a:outerShdw blurRad="50800" dist="50800" dir="5400000" algn="ctr" rotWithShape="0">
+              <a:srgbClr val="000000">
+                <a:alpha val="9000"/>
+              </a:srgbClr>
+            </a:outerShdw>
+          </a:effectLst>
+        </p:spPr>
+      </p:pic>
+      <p:pic>
+        <p:nvPicPr>
+          <p:cNvPr id="10" name="그림 9"/>
+          <p:cNvPicPr>
+            <a:picLocks noChangeAspect="1"/>
+          </p:cNvPicPr>
+          <p:nvPr/>
+        </p:nvPicPr>
+        <p:blipFill>
+          <a:blip r:embed="rId4"/>
+          <a:stretch>
+            <a:fillRect/>
+          </a:stretch>
+        </p:blipFill>
+        <p:spPr>
+          <a:xfrm>
+            <a:off x="1124276" y="1266367"/>
+            <a:ext cx="1708292" cy="1552437"/>
+          </a:xfrm>
+          <a:prstGeom prst="rect">
+            <a:avLst/>
+          </a:prstGeom>
+          <a:effectLst>
+            <a:outerShdw blurRad="50800" dist="50800" dir="5400000" algn="ctr" rotWithShape="0">
+              <a:srgbClr val="000000">
+                <a:alpha val="9000"/>
+              </a:srgbClr>
+            </a:outerShdw>
+          </a:effectLst>
+        </p:spPr>
+      </p:pic>
+      <p:pic>
+        <p:nvPicPr>
+          <p:cNvPr id="11" name="그림 10"/>
+          <p:cNvPicPr>
+            <a:picLocks noChangeAspect="1"/>
+          </p:cNvPicPr>
+          <p:nvPr/>
+        </p:nvPicPr>
+        <p:blipFill>
+          <a:blip r:embed="rId5"/>
+          <a:stretch>
+            <a:fillRect/>
+          </a:stretch>
+        </p:blipFill>
+        <p:spPr>
+          <a:xfrm>
+            <a:off x="3730152" y="3996678"/>
+            <a:ext cx="1742867" cy="1643102"/>
+          </a:xfrm>
+          <a:prstGeom prst="rect">
+            <a:avLst/>
+          </a:prstGeom>
+          <a:effectLst>
+            <a:outerShdw blurRad="50800" dist="50800" dir="5400000" algn="ctr" rotWithShape="0">
+              <a:srgbClr val="000000">
+                <a:alpha val="9000"/>
+              </a:srgbClr>
+            </a:outerShdw>
+          </a:effectLst>
+        </p:spPr>
+      </p:pic>
+      <p:sp>
+        <p:nvSpPr>
+          <p:cNvPr id="13" name="직사각형 12"/>
+          <p:cNvSpPr/>
+          <p:nvPr/>
+        </p:nvSpPr>
+        <p:spPr>
+          <a:xfrm>
+            <a:off x="924248" y="3119800"/>
+            <a:ext cx="841897" cy="253916"/>
+          </a:xfrm>
+          <a:prstGeom prst="rect">
+            <a:avLst/>
+          </a:prstGeom>
+        </p:spPr>
+        <p:txBody>
+          <a:bodyPr wrap="none">
+            <a:spAutoFit/>
+          </a:bodyPr>
+          <a:lstStyle/>
+          <a:p>
+            <a:r>
+              <a:rPr lang="en-US" altLang="ko-KR" sz="1050" spc="-150" dirty="0" smtClean="0">
+                <a:ln>
+                  <a:solidFill>
+                    <a:schemeClr val="tx1">
+                      <a:alpha val="0"/>
+                    </a:schemeClr>
+                  </a:solidFill>
+                </a:ln>
+                <a:latin typeface="나눔바른고딕" panose="020B0603020101020101" pitchFamily="50" charset="-127"/>
+                <a:ea typeface="나눔바른고딕" panose="020B0603020101020101" pitchFamily="50" charset="-127"/>
+              </a:rPr>
+              <a:t>1. </a:t>
+            </a:r>
+            <a:r>
+              <a:rPr lang="ko-KR" altLang="en-US" sz="1050" spc="-150" dirty="0" err="1" smtClean="0">
+                <a:ln>
+                  <a:solidFill>
+                    <a:schemeClr val="tx1">
+                      <a:alpha val="0"/>
+                    </a:schemeClr>
+                  </a:solidFill>
+                </a:ln>
+                <a:latin typeface="나눔바른고딕" panose="020B0603020101020101" pitchFamily="50" charset="-127"/>
+                <a:ea typeface="나눔바른고딕" panose="020B0603020101020101" pitchFamily="50" charset="-127"/>
+              </a:rPr>
+              <a:t>실제후기</a:t>
+            </a:r>
+            <a:r>
+              <a:rPr lang="ko-KR" altLang="en-US" sz="1050" spc="-150" dirty="0" smtClean="0">
+                <a:ln>
+                  <a:solidFill>
+                    <a:schemeClr val="tx1">
+                      <a:alpha val="0"/>
+                    </a:schemeClr>
+                  </a:solidFill>
+                </a:ln>
+                <a:latin typeface="나눔바른고딕" panose="020B0603020101020101" pitchFamily="50" charset="-127"/>
+                <a:ea typeface="나눔바른고딕" panose="020B0603020101020101" pitchFamily="50" charset="-127"/>
+              </a:rPr>
+              <a:t> </a:t>
+            </a:r>
+            <a:r>
+              <a:rPr lang="en-US" altLang="ko-KR" sz="1050" spc="-150" dirty="0">
+                <a:ln>
+                  <a:solidFill>
+                    <a:schemeClr val="tx1">
+                      <a:alpha val="0"/>
+                    </a:schemeClr>
+                  </a:solidFill>
+                </a:ln>
+                <a:latin typeface="나눔바른고딕" panose="020B0603020101020101" pitchFamily="50" charset="-127"/>
+                <a:ea typeface="나눔바른고딕" panose="020B0603020101020101" pitchFamily="50" charset="-127"/>
+              </a:rPr>
+              <a:t>: 12</a:t>
+            </a:r>
+          </a:p>
+        </p:txBody>
+      </p:sp>
+      <p:pic>
+        <p:nvPicPr>
+          <p:cNvPr id="14" name="그림 13"/>
+          <p:cNvPicPr>
+            <a:picLocks noChangeAspect="1"/>
+          </p:cNvPicPr>
+          <p:nvPr/>
+        </p:nvPicPr>
+        <p:blipFill>
+          <a:blip r:embed="rId6"/>
+          <a:stretch>
+            <a:fillRect/>
+          </a:stretch>
+        </p:blipFill>
+        <p:spPr>
+          <a:xfrm>
+            <a:off x="370462" y="3641414"/>
+            <a:ext cx="1893947" cy="1998366"/>
+          </a:xfrm>
+          <a:prstGeom prst="rect">
+            <a:avLst/>
+          </a:prstGeom>
+          <a:effectLst>
+            <a:outerShdw blurRad="50800" dist="50800" dir="5400000" algn="ctr" rotWithShape="0">
+              <a:srgbClr val="000000">
+                <a:alpha val="9000"/>
+              </a:srgbClr>
+            </a:outerShdw>
+          </a:effectLst>
+        </p:spPr>
+      </p:pic>
+      <p:sp>
+        <p:nvSpPr>
+          <p:cNvPr id="15" name="직사각형 14"/>
+          <p:cNvSpPr/>
+          <p:nvPr/>
+        </p:nvSpPr>
+        <p:spPr>
+          <a:xfrm>
+            <a:off x="4231132" y="3119800"/>
+            <a:ext cx="740908" cy="253916"/>
+          </a:xfrm>
+          <a:prstGeom prst="rect">
+            <a:avLst/>
+          </a:prstGeom>
+        </p:spPr>
+        <p:txBody>
+          <a:bodyPr wrap="none">
+            <a:spAutoFit/>
+          </a:bodyPr>
+          <a:lstStyle/>
+          <a:p>
+            <a:r>
+              <a:rPr lang="en-US" altLang="ko-KR" sz="1050" spc="-150" dirty="0" smtClean="0">
+                <a:ln>
+                  <a:solidFill>
+                    <a:schemeClr val="tx1">
+                      <a:alpha val="0"/>
+                    </a:schemeClr>
+                  </a:solidFill>
+                </a:ln>
+                <a:latin typeface="나눔바른고딕" panose="020B0603020101020101" pitchFamily="50" charset="-127"/>
+                <a:ea typeface="나눔바른고딕" panose="020B0603020101020101" pitchFamily="50" charset="-127"/>
+              </a:rPr>
+              <a:t>2. </a:t>
+            </a:r>
+            <a:r>
+              <a:rPr lang="ko-KR" altLang="en-US" sz="1050" spc="-150" dirty="0" err="1" smtClean="0">
+                <a:ln>
+                  <a:solidFill>
+                    <a:schemeClr val="tx1">
+                      <a:alpha val="0"/>
+                    </a:schemeClr>
+                  </a:solidFill>
+                </a:ln>
+                <a:latin typeface="나눔바른고딕" panose="020B0603020101020101" pitchFamily="50" charset="-127"/>
+                <a:ea typeface="나눔바른고딕" panose="020B0603020101020101" pitchFamily="50" charset="-127"/>
+              </a:rPr>
+              <a:t>코치진</a:t>
+            </a:r>
+            <a:r>
+              <a:rPr lang="ko-KR" altLang="en-US" sz="1050" spc="-150" dirty="0" smtClean="0">
+                <a:ln>
+                  <a:solidFill>
+                    <a:schemeClr val="tx1">
+                      <a:alpha val="0"/>
+                    </a:schemeClr>
+                  </a:solidFill>
+                </a:ln>
+                <a:latin typeface="나눔바른고딕" panose="020B0603020101020101" pitchFamily="50" charset="-127"/>
+                <a:ea typeface="나눔바른고딕" panose="020B0603020101020101" pitchFamily="50" charset="-127"/>
+              </a:rPr>
+              <a:t> </a:t>
+            </a:r>
+            <a:r>
+              <a:rPr lang="en-US" altLang="ko-KR" sz="1050" spc="-150" dirty="0" smtClean="0">
+                <a:ln>
+                  <a:solidFill>
+                    <a:schemeClr val="tx1">
+                      <a:alpha val="0"/>
+                    </a:schemeClr>
+                  </a:solidFill>
+                </a:ln>
+                <a:latin typeface="나눔바른고딕" panose="020B0603020101020101" pitchFamily="50" charset="-127"/>
+                <a:ea typeface="나눔바른고딕" panose="020B0603020101020101" pitchFamily="50" charset="-127"/>
+              </a:rPr>
+              <a:t>: 11</a:t>
+            </a:r>
+            <a:endParaRPr lang="en-US" altLang="ko-KR" sz="1050" spc="-150" dirty="0">
+              <a:ln>
+                <a:solidFill>
+                  <a:schemeClr val="tx1">
+                    <a:alpha val="0"/>
+                  </a:schemeClr>
+                </a:solidFill>
+              </a:ln>
+              <a:latin typeface="나눔바른고딕" panose="020B0603020101020101" pitchFamily="50" charset="-127"/>
+              <a:ea typeface="나눔바른고딕" panose="020B0603020101020101" pitchFamily="50" charset="-127"/>
+            </a:endParaRPr>
+          </a:p>
+        </p:txBody>
+      </p:sp>
+      <p:sp>
+        <p:nvSpPr>
+          <p:cNvPr id="16" name="직사각형 15"/>
+          <p:cNvSpPr/>
+          <p:nvPr/>
+        </p:nvSpPr>
+        <p:spPr>
+          <a:xfrm>
+            <a:off x="7066573" y="3119800"/>
+            <a:ext cx="883575" cy="253916"/>
+          </a:xfrm>
+          <a:prstGeom prst="rect">
+            <a:avLst/>
+          </a:prstGeom>
+        </p:spPr>
+        <p:txBody>
+          <a:bodyPr wrap="none">
+            <a:spAutoFit/>
+          </a:bodyPr>
+          <a:lstStyle/>
+          <a:p>
+            <a:r>
+              <a:rPr lang="en-US" altLang="ko-KR" sz="1050" spc="-150" dirty="0" smtClean="0">
+                <a:ln>
+                  <a:solidFill>
+                    <a:schemeClr val="tx1">
+                      <a:alpha val="0"/>
+                    </a:schemeClr>
+                  </a:solidFill>
+                </a:ln>
+                <a:latin typeface="나눔바른고딕" panose="020B0603020101020101" pitchFamily="50" charset="-127"/>
+                <a:ea typeface="나눔바른고딕" panose="020B0603020101020101" pitchFamily="50" charset="-127"/>
+              </a:rPr>
+              <a:t>3. </a:t>
+            </a:r>
+            <a:r>
+              <a:rPr lang="ko-KR" altLang="en-US" sz="1050" spc="-150" dirty="0" err="1" smtClean="0">
+                <a:ln>
+                  <a:solidFill>
+                    <a:schemeClr val="tx1">
+                      <a:alpha val="0"/>
+                    </a:schemeClr>
+                  </a:solidFill>
+                </a:ln>
+                <a:latin typeface="나눔바른고딕" panose="020B0603020101020101" pitchFamily="50" charset="-127"/>
+                <a:ea typeface="나눔바른고딕" panose="020B0603020101020101" pitchFamily="50" charset="-127"/>
+              </a:rPr>
+              <a:t>패키지할인</a:t>
+            </a:r>
+            <a:r>
+              <a:rPr lang="ko-KR" altLang="en-US" sz="1050" spc="-150" dirty="0" smtClean="0">
+                <a:ln>
+                  <a:solidFill>
+                    <a:schemeClr val="tx1">
+                      <a:alpha val="0"/>
+                    </a:schemeClr>
+                  </a:solidFill>
+                </a:ln>
+                <a:latin typeface="나눔바른고딕" panose="020B0603020101020101" pitchFamily="50" charset="-127"/>
+                <a:ea typeface="나눔바른고딕" panose="020B0603020101020101" pitchFamily="50" charset="-127"/>
+              </a:rPr>
+              <a:t> </a:t>
+            </a:r>
+            <a:r>
+              <a:rPr lang="en-US" altLang="ko-KR" sz="1050" spc="-150" dirty="0" smtClean="0">
+                <a:ln>
+                  <a:solidFill>
+                    <a:schemeClr val="tx1">
+                      <a:alpha val="0"/>
+                    </a:schemeClr>
+                  </a:solidFill>
+                </a:ln>
+                <a:latin typeface="나눔바른고딕" panose="020B0603020101020101" pitchFamily="50" charset="-127"/>
+                <a:ea typeface="나눔바른고딕" panose="020B0603020101020101" pitchFamily="50" charset="-127"/>
+              </a:rPr>
+              <a:t>: 9</a:t>
+            </a:r>
+            <a:endParaRPr lang="en-US" altLang="ko-KR" sz="1050" spc="-150" dirty="0">
+              <a:ln>
+                <a:solidFill>
+                  <a:schemeClr val="tx1">
+                    <a:alpha val="0"/>
+                  </a:schemeClr>
+                </a:solidFill>
+              </a:ln>
+              <a:latin typeface="나눔바른고딕" panose="020B0603020101020101" pitchFamily="50" charset="-127"/>
+              <a:ea typeface="나눔바른고딕" panose="020B0603020101020101" pitchFamily="50" charset="-127"/>
+            </a:endParaRPr>
+          </a:p>
+        </p:txBody>
+      </p:sp>
+      <p:sp>
+        <p:nvSpPr>
+          <p:cNvPr id="17" name="직사각형 16"/>
+          <p:cNvSpPr/>
+          <p:nvPr/>
+        </p:nvSpPr>
+        <p:spPr>
+          <a:xfrm>
+            <a:off x="924248" y="5845528"/>
+            <a:ext cx="883575" cy="253916"/>
+          </a:xfrm>
+          <a:prstGeom prst="rect">
+            <a:avLst/>
+          </a:prstGeom>
+        </p:spPr>
+        <p:txBody>
+          <a:bodyPr wrap="none">
+            <a:spAutoFit/>
+          </a:bodyPr>
+          <a:lstStyle/>
+          <a:p>
+            <a:r>
+              <a:rPr lang="en-US" altLang="ko-KR" sz="1050" spc="-150" dirty="0" smtClean="0">
+                <a:ln>
+                  <a:solidFill>
+                    <a:schemeClr val="tx1">
+                      <a:alpha val="0"/>
+                    </a:schemeClr>
+                  </a:solidFill>
+                </a:ln>
+                <a:latin typeface="나눔바른고딕" panose="020B0603020101020101" pitchFamily="50" charset="-127"/>
+                <a:ea typeface="나눔바른고딕" panose="020B0603020101020101" pitchFamily="50" charset="-127"/>
+              </a:rPr>
+              <a:t>3. </a:t>
+            </a:r>
+            <a:r>
+              <a:rPr lang="ko-KR" altLang="en-US" sz="1050" spc="-150" dirty="0" err="1" smtClean="0">
+                <a:ln>
+                  <a:solidFill>
+                    <a:schemeClr val="tx1">
+                      <a:alpha val="0"/>
+                    </a:schemeClr>
+                  </a:solidFill>
+                </a:ln>
+                <a:latin typeface="나눔바른고딕" panose="020B0603020101020101" pitchFamily="50" charset="-127"/>
+                <a:ea typeface="나눔바른고딕" panose="020B0603020101020101" pitchFamily="50" charset="-127"/>
+              </a:rPr>
+              <a:t>과정별소개</a:t>
+            </a:r>
+            <a:r>
+              <a:rPr lang="ko-KR" altLang="en-US" sz="1050" spc="-150" dirty="0" smtClean="0">
+                <a:ln>
+                  <a:solidFill>
+                    <a:schemeClr val="tx1">
+                      <a:alpha val="0"/>
+                    </a:schemeClr>
+                  </a:solidFill>
+                </a:ln>
+                <a:latin typeface="나눔바른고딕" panose="020B0603020101020101" pitchFamily="50" charset="-127"/>
+                <a:ea typeface="나눔바른고딕" panose="020B0603020101020101" pitchFamily="50" charset="-127"/>
+              </a:rPr>
+              <a:t> </a:t>
+            </a:r>
+            <a:r>
+              <a:rPr lang="en-US" altLang="ko-KR" sz="1050" spc="-150" dirty="0" smtClean="0">
+                <a:ln>
+                  <a:solidFill>
+                    <a:schemeClr val="tx1">
+                      <a:alpha val="0"/>
+                    </a:schemeClr>
+                  </a:solidFill>
+                </a:ln>
+                <a:latin typeface="나눔바른고딕" panose="020B0603020101020101" pitchFamily="50" charset="-127"/>
+                <a:ea typeface="나눔바른고딕" panose="020B0603020101020101" pitchFamily="50" charset="-127"/>
+              </a:rPr>
+              <a:t>: 9</a:t>
+            </a:r>
+            <a:endParaRPr lang="en-US" altLang="ko-KR" sz="1050" spc="-150" dirty="0">
+              <a:ln>
+                <a:solidFill>
+                  <a:schemeClr val="tx1">
+                    <a:alpha val="0"/>
+                  </a:schemeClr>
+                </a:solidFill>
+              </a:ln>
+              <a:latin typeface="나눔바른고딕" panose="020B0603020101020101" pitchFamily="50" charset="-127"/>
+              <a:ea typeface="나눔바른고딕" panose="020B0603020101020101" pitchFamily="50" charset="-127"/>
+            </a:endParaRPr>
+          </a:p>
+        </p:txBody>
+      </p:sp>
+      <p:pic>
+        <p:nvPicPr>
+          <p:cNvPr id="18" name="그림 17"/>
+          <p:cNvPicPr>
+            <a:picLocks noChangeAspect="1"/>
+          </p:cNvPicPr>
+          <p:nvPr/>
+        </p:nvPicPr>
+        <p:blipFill>
+          <a:blip r:embed="rId7"/>
+          <a:stretch>
+            <a:fillRect/>
+          </a:stretch>
+        </p:blipFill>
+        <p:spPr>
+          <a:xfrm>
+            <a:off x="6805579" y="1160279"/>
+            <a:ext cx="1501474" cy="1579047"/>
+          </a:xfrm>
+          <a:prstGeom prst="rect">
+            <a:avLst/>
+          </a:prstGeom>
+          <a:effectLst>
+            <a:outerShdw blurRad="50800" dist="50800" dir="5400000" algn="ctr" rotWithShape="0">
+              <a:srgbClr val="000000">
+                <a:alpha val="9000"/>
+              </a:srgbClr>
+            </a:outerShdw>
+          </a:effectLst>
+        </p:spPr>
+      </p:pic>
+      <p:sp>
+        <p:nvSpPr>
+          <p:cNvPr id="19" name="직사각형 18"/>
+          <p:cNvSpPr/>
+          <p:nvPr/>
+        </p:nvSpPr>
+        <p:spPr>
+          <a:xfrm>
+            <a:off x="4231132" y="5845528"/>
+            <a:ext cx="782587" cy="253916"/>
+          </a:xfrm>
+          <a:prstGeom prst="rect">
+            <a:avLst/>
+          </a:prstGeom>
+        </p:spPr>
+        <p:txBody>
+          <a:bodyPr wrap="none">
+            <a:spAutoFit/>
+          </a:bodyPr>
+          <a:lstStyle/>
+          <a:p>
+            <a:r>
+              <a:rPr lang="en-US" altLang="ko-KR" sz="1050" spc="-150" dirty="0" smtClean="0">
+                <a:ln>
+                  <a:solidFill>
+                    <a:schemeClr val="tx1">
+                      <a:alpha val="0"/>
+                    </a:schemeClr>
+                  </a:solidFill>
+                </a:ln>
+                <a:latin typeface="나눔바른고딕" panose="020B0603020101020101" pitchFamily="50" charset="-127"/>
+                <a:ea typeface="나눔바른고딕" panose="020B0603020101020101" pitchFamily="50" charset="-127"/>
+              </a:rPr>
+              <a:t>5. </a:t>
+            </a:r>
+            <a:r>
+              <a:rPr lang="ko-KR" altLang="en-US" sz="1050" spc="-150" dirty="0" smtClean="0">
+                <a:ln>
+                  <a:solidFill>
+                    <a:schemeClr val="tx1">
+                      <a:alpha val="0"/>
+                    </a:schemeClr>
+                  </a:solidFill>
+                </a:ln>
+                <a:latin typeface="나눔바른고딕" panose="020B0603020101020101" pitchFamily="50" charset="-127"/>
+                <a:ea typeface="나눔바른고딕" panose="020B0603020101020101" pitchFamily="50" charset="-127"/>
+              </a:rPr>
+              <a:t>커리큘럼 </a:t>
+            </a:r>
+            <a:r>
+              <a:rPr lang="en-US" altLang="ko-KR" sz="1050" spc="-150" dirty="0" smtClean="0">
+                <a:ln>
+                  <a:solidFill>
+                    <a:schemeClr val="tx1">
+                      <a:alpha val="0"/>
+                    </a:schemeClr>
+                  </a:solidFill>
+                </a:ln>
+                <a:latin typeface="나눔바른고딕" panose="020B0603020101020101" pitchFamily="50" charset="-127"/>
+                <a:ea typeface="나눔바른고딕" panose="020B0603020101020101" pitchFamily="50" charset="-127"/>
+              </a:rPr>
+              <a:t>: 5</a:t>
+            </a:r>
+            <a:endParaRPr lang="en-US" altLang="ko-KR" sz="1050" spc="-150" dirty="0">
+              <a:ln>
+                <a:solidFill>
+                  <a:schemeClr val="tx1">
+                    <a:alpha val="0"/>
+                  </a:schemeClr>
+                </a:solidFill>
+              </a:ln>
+              <a:latin typeface="나눔바른고딕" panose="020B0603020101020101" pitchFamily="50" charset="-127"/>
+              <a:ea typeface="나눔바른고딕" panose="020B0603020101020101" pitchFamily="50" charset="-127"/>
+            </a:endParaRPr>
+          </a:p>
+        </p:txBody>
+      </p:sp>
+      <p:pic>
+        <p:nvPicPr>
+          <p:cNvPr id="20" name="그림 19"/>
+          <p:cNvPicPr>
+            <a:picLocks noChangeAspect="1"/>
+          </p:cNvPicPr>
+          <p:nvPr/>
+        </p:nvPicPr>
+        <p:blipFill>
+          <a:blip r:embed="rId8"/>
+          <a:stretch>
+            <a:fillRect/>
+          </a:stretch>
+        </p:blipFill>
+        <p:spPr>
+          <a:xfrm>
+            <a:off x="6136658" y="3996678"/>
+            <a:ext cx="2613347" cy="1224579"/>
+          </a:xfrm>
+          <a:prstGeom prst="rect">
+            <a:avLst/>
+          </a:prstGeom>
+          <a:effectLst>
+            <a:outerShdw blurRad="50800" dist="50800" dir="5400000" algn="ctr" rotWithShape="0">
+              <a:srgbClr val="000000">
+                <a:alpha val="9000"/>
+              </a:srgbClr>
+            </a:outerShdw>
+          </a:effectLst>
+        </p:spPr>
+      </p:pic>
+      <p:sp>
+        <p:nvSpPr>
+          <p:cNvPr id="21" name="직사각형 20"/>
+          <p:cNvSpPr/>
+          <p:nvPr/>
+        </p:nvSpPr>
+        <p:spPr>
+          <a:xfrm>
+            <a:off x="7218948" y="5845528"/>
+            <a:ext cx="883575" cy="253916"/>
+          </a:xfrm>
+          <a:prstGeom prst="rect">
+            <a:avLst/>
+          </a:prstGeom>
+        </p:spPr>
+        <p:txBody>
+          <a:bodyPr wrap="none">
+            <a:spAutoFit/>
+          </a:bodyPr>
+          <a:lstStyle/>
+          <a:p>
+            <a:r>
+              <a:rPr lang="en-US" altLang="ko-KR" sz="1050" spc="-150" dirty="0" smtClean="0">
+                <a:ln>
+                  <a:solidFill>
+                    <a:schemeClr val="tx1">
+                      <a:alpha val="0"/>
+                    </a:schemeClr>
+                  </a:solidFill>
+                </a:ln>
+                <a:latin typeface="나눔바른고딕" panose="020B0603020101020101" pitchFamily="50" charset="-127"/>
+                <a:ea typeface="나눔바른고딕" panose="020B0603020101020101" pitchFamily="50" charset="-127"/>
+              </a:rPr>
+              <a:t>6. </a:t>
+            </a:r>
+            <a:r>
+              <a:rPr lang="ko-KR" altLang="en-US" sz="1050" spc="-150" dirty="0" err="1" smtClean="0">
+                <a:ln>
+                  <a:solidFill>
+                    <a:schemeClr val="tx1">
+                      <a:alpha val="0"/>
+                    </a:schemeClr>
+                  </a:solidFill>
+                </a:ln>
+                <a:latin typeface="나눔바른고딕" panose="020B0603020101020101" pitchFamily="50" charset="-127"/>
+                <a:ea typeface="나눔바른고딕" panose="020B0603020101020101" pitchFamily="50" charset="-127"/>
+              </a:rPr>
+              <a:t>베스트후기</a:t>
+            </a:r>
+            <a:r>
+              <a:rPr lang="ko-KR" altLang="en-US" sz="1050" spc="-150" dirty="0" smtClean="0">
+                <a:ln>
+                  <a:solidFill>
+                    <a:schemeClr val="tx1">
+                      <a:alpha val="0"/>
+                    </a:schemeClr>
+                  </a:solidFill>
+                </a:ln>
+                <a:latin typeface="나눔바른고딕" panose="020B0603020101020101" pitchFamily="50" charset="-127"/>
+                <a:ea typeface="나눔바른고딕" panose="020B0603020101020101" pitchFamily="50" charset="-127"/>
+              </a:rPr>
+              <a:t> </a:t>
+            </a:r>
+            <a:r>
+              <a:rPr lang="en-US" altLang="ko-KR" sz="1050" spc="-150" dirty="0" smtClean="0">
+                <a:ln>
+                  <a:solidFill>
+                    <a:schemeClr val="tx1">
+                      <a:alpha val="0"/>
+                    </a:schemeClr>
+                  </a:solidFill>
+                </a:ln>
+                <a:latin typeface="나눔바른고딕" panose="020B0603020101020101" pitchFamily="50" charset="-127"/>
+                <a:ea typeface="나눔바른고딕" panose="020B0603020101020101" pitchFamily="50" charset="-127"/>
+              </a:rPr>
+              <a:t>: 2</a:t>
+            </a:r>
+          </a:p>
+        </p:txBody>
+      </p:sp>
+    </p:spTree>
+    <p:extLst>
+      <p:ext uri="{BB962C8B-B14F-4D97-AF65-F5344CB8AC3E}">
+        <p14:creationId xmlns:p14="http://schemas.microsoft.com/office/powerpoint/2010/main" val="2563871036"/>
+      </p:ext>
+    </p:extLst>
+  </p:cSld>
+  <p:clrMapOvr>
+    <a:masterClrMapping/>
+  </p:clrMapOvr>
+</p:sld>
+</file>
+
+<file path=ppt/slides/slide15.xml><?xml version="1.0" encoding="utf-8"?>
+<p:sld xmlns:a="http://schemas.openxmlformats.org/drawingml/2006/main" xmlns:r="http://schemas.openxmlformats.org/officeDocument/2006/relationships" xmlns:p="http://schemas.openxmlformats.org/presentationml/2006/main">
+  <p:cSld>
+    <p:spTree>
+      <p:nvGrpSpPr>
+        <p:cNvPr id="1" name=""/>
+        <p:cNvGrpSpPr/>
+        <p:nvPr/>
+      </p:nvGrpSpPr>
+      <p:grpSpPr>
+        <a:xfrm>
+          <a:off x="0" y="0"/>
+          <a:ext cx="0" cy="0"/>
+          <a:chOff x="0" y="0"/>
+          <a:chExt cx="0" cy="0"/>
+        </a:xfrm>
+      </p:grpSpPr>
+      <p:sp>
+        <p:nvSpPr>
+          <p:cNvPr id="12" name="직사각형 11"/>
+          <p:cNvSpPr/>
+          <p:nvPr/>
+        </p:nvSpPr>
+        <p:spPr>
+          <a:xfrm>
+            <a:off x="7443332" y="401870"/>
+            <a:ext cx="1560887" cy="246221"/>
+          </a:xfrm>
+          <a:prstGeom prst="rect">
+            <a:avLst/>
+          </a:prstGeom>
+          <a:solidFill>
+            <a:schemeClr val="accent4">
+              <a:lumMod val="40000"/>
+              <a:lumOff val="60000"/>
+            </a:schemeClr>
+          </a:solidFill>
+        </p:spPr>
+        <p:txBody>
+          <a:bodyPr wrap="square">
+            <a:spAutoFit/>
+          </a:bodyPr>
+          <a:lstStyle/>
+          <a:p>
+            <a:pPr algn="r"/>
+            <a:r>
+              <a:rPr lang="ko-KR" altLang="en-US" sz="1000" b="1" dirty="0" smtClean="0">
+                <a:ln>
+                  <a:solidFill>
+                    <a:schemeClr val="tx1">
+                      <a:alpha val="0"/>
+                    </a:schemeClr>
+                  </a:solidFill>
+                </a:ln>
+                <a:latin typeface="나눔바른고딕" panose="020B0603020101020101" pitchFamily="50" charset="-127"/>
+                <a:ea typeface="나눔바른고딕" panose="020B0603020101020101" pitchFamily="50" charset="-127"/>
+              </a:rPr>
+              <a:t>관심 원인 분석</a:t>
+            </a:r>
+            <a:endParaRPr lang="ko-KR" altLang="en-US" sz="1000" b="1" dirty="0">
+              <a:ln>
+                <a:solidFill>
+                  <a:schemeClr val="tx1">
+                    <a:alpha val="0"/>
+                  </a:schemeClr>
+                </a:solidFill>
+              </a:ln>
+              <a:latin typeface="나눔바른고딕" panose="020B0603020101020101" pitchFamily="50" charset="-127"/>
+              <a:ea typeface="나눔바른고딕" panose="020B0603020101020101" pitchFamily="50" charset="-127"/>
+            </a:endParaRPr>
+          </a:p>
+        </p:txBody>
+      </p:sp>
+      <p:sp>
+        <p:nvSpPr>
+          <p:cNvPr id="2" name="직사각형 1"/>
+          <p:cNvSpPr/>
+          <p:nvPr/>
+        </p:nvSpPr>
+        <p:spPr>
+          <a:xfrm>
+            <a:off x="136868" y="98606"/>
+            <a:ext cx="4572000" cy="253916"/>
+          </a:xfrm>
+          <a:prstGeom prst="rect">
+            <a:avLst/>
+          </a:prstGeom>
+        </p:spPr>
+        <p:txBody>
+          <a:bodyPr>
+            <a:spAutoFit/>
+          </a:bodyPr>
+          <a:lstStyle/>
+          <a:p>
+            <a:r>
+              <a:rPr lang="en-US" altLang="ko-KR" sz="1050" dirty="0" err="1" smtClean="0">
+                <a:ln>
+                  <a:solidFill>
+                    <a:schemeClr val="tx1">
+                      <a:alpha val="0"/>
+                    </a:schemeClr>
+                  </a:solidFill>
+                </a:ln>
+                <a:latin typeface="나눔바른고딕" panose="020B0603020101020101" pitchFamily="50" charset="-127"/>
+                <a:ea typeface="나눔바른고딕" panose="020B0603020101020101" pitchFamily="50" charset="-127"/>
+              </a:rPr>
+              <a:t>Hotjar</a:t>
+            </a:r>
+            <a:r>
+              <a:rPr lang="ko-KR" altLang="en-US" sz="1050" dirty="0" smtClean="0">
+                <a:ln>
+                  <a:solidFill>
+                    <a:schemeClr val="tx1">
+                      <a:alpha val="0"/>
+                    </a:schemeClr>
+                  </a:solidFill>
+                </a:ln>
+                <a:latin typeface="나눔바른고딕" panose="020B0603020101020101" pitchFamily="50" charset="-127"/>
+                <a:ea typeface="나눔바른고딕" panose="020B0603020101020101" pitchFamily="50" charset="-127"/>
+              </a:rPr>
+              <a:t> </a:t>
+            </a:r>
+            <a:r>
+              <a:rPr lang="en-US" altLang="ko-KR" sz="1050" dirty="0" smtClean="0">
+                <a:ln>
+                  <a:solidFill>
+                    <a:schemeClr val="tx1">
+                      <a:alpha val="0"/>
+                    </a:schemeClr>
+                  </a:solidFill>
+                </a:ln>
+                <a:latin typeface="나눔바른고딕" panose="020B0603020101020101" pitchFamily="50" charset="-127"/>
+                <a:ea typeface="나눔바른고딕" panose="020B0603020101020101" pitchFamily="50" charset="-127"/>
+              </a:rPr>
+              <a:t>&gt; </a:t>
+            </a:r>
+            <a:r>
+              <a:rPr lang="en-US" altLang="ko-KR" sz="1050" b="1" dirty="0" err="1" smtClean="0">
+                <a:ln>
+                  <a:solidFill>
+                    <a:schemeClr val="tx1">
+                      <a:alpha val="0"/>
+                    </a:schemeClr>
+                  </a:solidFill>
+                </a:ln>
+                <a:latin typeface="나눔바른고딕" panose="020B0603020101020101" pitchFamily="50" charset="-127"/>
+                <a:ea typeface="나눔바른고딕" panose="020B0603020101020101" pitchFamily="50" charset="-127"/>
+              </a:rPr>
+              <a:t>café_posting</a:t>
+            </a:r>
+            <a:r>
+              <a:rPr lang="en-US" altLang="ko-KR" sz="1050" b="1" dirty="0" smtClean="0">
+                <a:ln>
+                  <a:solidFill>
+                    <a:schemeClr val="tx1">
+                      <a:alpha val="0"/>
+                    </a:schemeClr>
+                  </a:solidFill>
+                </a:ln>
+                <a:latin typeface="나눔바른고딕" panose="020B0603020101020101" pitchFamily="50" charset="-127"/>
+                <a:ea typeface="나눔바른고딕" panose="020B0603020101020101" pitchFamily="50" charset="-127"/>
+              </a:rPr>
+              <a:t> &gt; recordings </a:t>
+            </a:r>
+            <a:endParaRPr lang="ko-KR" altLang="en-US" sz="1050" b="1" dirty="0">
+              <a:ln>
+                <a:solidFill>
+                  <a:schemeClr val="tx1">
+                    <a:alpha val="0"/>
+                  </a:schemeClr>
+                </a:solidFill>
+              </a:ln>
+              <a:latin typeface="나눔바른고딕" panose="020B0603020101020101" pitchFamily="50" charset="-127"/>
+              <a:ea typeface="나눔바른고딕" panose="020B0603020101020101" pitchFamily="50" charset="-127"/>
+            </a:endParaRPr>
+          </a:p>
+        </p:txBody>
+      </p:sp>
+      <p:cxnSp>
+        <p:nvCxnSpPr>
+          <p:cNvPr id="3" name="직선 연결선 2"/>
+          <p:cNvCxnSpPr/>
+          <p:nvPr/>
+        </p:nvCxnSpPr>
+        <p:spPr>
+          <a:xfrm>
+            <a:off x="136868" y="401870"/>
+            <a:ext cx="8867351" cy="0"/>
+          </a:xfrm>
+          <a:prstGeom prst="line">
+            <a:avLst/>
+          </a:prstGeom>
+          <a:ln>
+            <a:solidFill>
+              <a:schemeClr val="tx1"/>
+            </a:solidFill>
+          </a:ln>
+        </p:spPr>
+        <p:style>
+          <a:lnRef idx="1">
+            <a:schemeClr val="accent1"/>
+          </a:lnRef>
+          <a:fillRef idx="0">
+            <a:schemeClr val="accent1"/>
+          </a:fillRef>
+          <a:effectRef idx="0">
+            <a:schemeClr val="accent1"/>
+          </a:effectRef>
+          <a:fontRef idx="minor">
+            <a:schemeClr val="tx1"/>
+          </a:fontRef>
+        </p:style>
+      </p:cxnSp>
+      <p:sp>
+        <p:nvSpPr>
+          <p:cNvPr id="13" name="직사각형 12"/>
+          <p:cNvSpPr/>
+          <p:nvPr/>
+        </p:nvSpPr>
+        <p:spPr>
+          <a:xfrm>
+            <a:off x="924248" y="3119800"/>
+            <a:ext cx="841897" cy="253916"/>
+          </a:xfrm>
+          <a:prstGeom prst="rect">
+            <a:avLst/>
+          </a:prstGeom>
+        </p:spPr>
+        <p:txBody>
+          <a:bodyPr wrap="none">
+            <a:spAutoFit/>
+          </a:bodyPr>
+          <a:lstStyle/>
+          <a:p>
+            <a:r>
+              <a:rPr lang="en-US" altLang="ko-KR" sz="1050" spc="-150" dirty="0" smtClean="0">
+                <a:ln>
+                  <a:solidFill>
+                    <a:schemeClr val="tx1">
+                      <a:alpha val="0"/>
+                    </a:schemeClr>
+                  </a:solidFill>
+                </a:ln>
+                <a:latin typeface="나눔바른고딕" panose="020B0603020101020101" pitchFamily="50" charset="-127"/>
+                <a:ea typeface="나눔바른고딕" panose="020B0603020101020101" pitchFamily="50" charset="-127"/>
+              </a:rPr>
+              <a:t>1. </a:t>
+            </a:r>
+            <a:r>
+              <a:rPr lang="ko-KR" altLang="en-US" sz="1050" spc="-150" dirty="0" err="1" smtClean="0">
+                <a:ln>
+                  <a:solidFill>
+                    <a:schemeClr val="tx1">
+                      <a:alpha val="0"/>
+                    </a:schemeClr>
+                  </a:solidFill>
+                </a:ln>
+                <a:latin typeface="나눔바른고딕" panose="020B0603020101020101" pitchFamily="50" charset="-127"/>
+                <a:ea typeface="나눔바른고딕" panose="020B0603020101020101" pitchFamily="50" charset="-127"/>
+              </a:rPr>
+              <a:t>실제후기</a:t>
+            </a:r>
+            <a:r>
+              <a:rPr lang="ko-KR" altLang="en-US" sz="1050" spc="-150" dirty="0" smtClean="0">
+                <a:ln>
+                  <a:solidFill>
+                    <a:schemeClr val="tx1">
+                      <a:alpha val="0"/>
+                    </a:schemeClr>
+                  </a:solidFill>
+                </a:ln>
+                <a:latin typeface="나눔바른고딕" panose="020B0603020101020101" pitchFamily="50" charset="-127"/>
+                <a:ea typeface="나눔바른고딕" panose="020B0603020101020101" pitchFamily="50" charset="-127"/>
+              </a:rPr>
+              <a:t> </a:t>
+            </a:r>
+            <a:r>
+              <a:rPr lang="en-US" altLang="ko-KR" sz="1050" spc="-150" dirty="0">
+                <a:ln>
+                  <a:solidFill>
+                    <a:schemeClr val="tx1">
+                      <a:alpha val="0"/>
+                    </a:schemeClr>
+                  </a:solidFill>
+                </a:ln>
+                <a:latin typeface="나눔바른고딕" panose="020B0603020101020101" pitchFamily="50" charset="-127"/>
+                <a:ea typeface="나눔바른고딕" panose="020B0603020101020101" pitchFamily="50" charset="-127"/>
+              </a:rPr>
+              <a:t>: 12</a:t>
+            </a:r>
+          </a:p>
+        </p:txBody>
+      </p:sp>
+      <p:sp>
+        <p:nvSpPr>
+          <p:cNvPr id="15" name="직사각형 14"/>
+          <p:cNvSpPr/>
+          <p:nvPr/>
+        </p:nvSpPr>
+        <p:spPr>
+          <a:xfrm>
+            <a:off x="4231132" y="3119800"/>
+            <a:ext cx="740908" cy="253916"/>
+          </a:xfrm>
+          <a:prstGeom prst="rect">
+            <a:avLst/>
+          </a:prstGeom>
+        </p:spPr>
+        <p:txBody>
+          <a:bodyPr wrap="none">
+            <a:spAutoFit/>
+          </a:bodyPr>
+          <a:lstStyle/>
+          <a:p>
+            <a:r>
+              <a:rPr lang="en-US" altLang="ko-KR" sz="1050" spc="-150" dirty="0" smtClean="0">
+                <a:ln>
+                  <a:solidFill>
+                    <a:schemeClr val="tx1">
+                      <a:alpha val="0"/>
+                    </a:schemeClr>
+                  </a:solidFill>
+                </a:ln>
+                <a:latin typeface="나눔바른고딕" panose="020B0603020101020101" pitchFamily="50" charset="-127"/>
+                <a:ea typeface="나눔바른고딕" panose="020B0603020101020101" pitchFamily="50" charset="-127"/>
+              </a:rPr>
+              <a:t>2. </a:t>
+            </a:r>
+            <a:r>
+              <a:rPr lang="ko-KR" altLang="en-US" sz="1050" spc="-150" dirty="0" err="1" smtClean="0">
+                <a:ln>
+                  <a:solidFill>
+                    <a:schemeClr val="tx1">
+                      <a:alpha val="0"/>
+                    </a:schemeClr>
+                  </a:solidFill>
+                </a:ln>
+                <a:latin typeface="나눔바른고딕" panose="020B0603020101020101" pitchFamily="50" charset="-127"/>
+                <a:ea typeface="나눔바른고딕" panose="020B0603020101020101" pitchFamily="50" charset="-127"/>
+              </a:rPr>
+              <a:t>코치진</a:t>
+            </a:r>
+            <a:r>
+              <a:rPr lang="ko-KR" altLang="en-US" sz="1050" spc="-150" dirty="0" smtClean="0">
+                <a:ln>
+                  <a:solidFill>
+                    <a:schemeClr val="tx1">
+                      <a:alpha val="0"/>
+                    </a:schemeClr>
+                  </a:solidFill>
+                </a:ln>
+                <a:latin typeface="나눔바른고딕" panose="020B0603020101020101" pitchFamily="50" charset="-127"/>
+                <a:ea typeface="나눔바른고딕" panose="020B0603020101020101" pitchFamily="50" charset="-127"/>
+              </a:rPr>
+              <a:t> </a:t>
+            </a:r>
+            <a:r>
+              <a:rPr lang="en-US" altLang="ko-KR" sz="1050" spc="-150" dirty="0" smtClean="0">
+                <a:ln>
+                  <a:solidFill>
+                    <a:schemeClr val="tx1">
+                      <a:alpha val="0"/>
+                    </a:schemeClr>
+                  </a:solidFill>
+                </a:ln>
+                <a:latin typeface="나눔바른고딕" panose="020B0603020101020101" pitchFamily="50" charset="-127"/>
+                <a:ea typeface="나눔바른고딕" panose="020B0603020101020101" pitchFamily="50" charset="-127"/>
+              </a:rPr>
+              <a:t>: 11</a:t>
+            </a:r>
+            <a:endParaRPr lang="en-US" altLang="ko-KR" sz="1050" spc="-150" dirty="0">
+              <a:ln>
+                <a:solidFill>
+                  <a:schemeClr val="tx1">
+                    <a:alpha val="0"/>
+                  </a:schemeClr>
+                </a:solidFill>
+              </a:ln>
+              <a:latin typeface="나눔바른고딕" panose="020B0603020101020101" pitchFamily="50" charset="-127"/>
+              <a:ea typeface="나눔바른고딕" panose="020B0603020101020101" pitchFamily="50" charset="-127"/>
+            </a:endParaRPr>
+          </a:p>
+        </p:txBody>
+      </p:sp>
+      <p:sp>
+        <p:nvSpPr>
+          <p:cNvPr id="16" name="직사각형 15"/>
+          <p:cNvSpPr/>
+          <p:nvPr/>
+        </p:nvSpPr>
+        <p:spPr>
+          <a:xfrm>
+            <a:off x="7066573" y="3119800"/>
+            <a:ext cx="883575" cy="253916"/>
+          </a:xfrm>
+          <a:prstGeom prst="rect">
+            <a:avLst/>
+          </a:prstGeom>
+        </p:spPr>
+        <p:txBody>
+          <a:bodyPr wrap="none">
+            <a:spAutoFit/>
+          </a:bodyPr>
+          <a:lstStyle/>
+          <a:p>
+            <a:r>
+              <a:rPr lang="en-US" altLang="ko-KR" sz="1050" spc="-150" dirty="0" smtClean="0">
+                <a:ln>
+                  <a:solidFill>
+                    <a:schemeClr val="tx1">
+                      <a:alpha val="0"/>
+                    </a:schemeClr>
+                  </a:solidFill>
+                </a:ln>
+                <a:latin typeface="나눔바른고딕" panose="020B0603020101020101" pitchFamily="50" charset="-127"/>
+                <a:ea typeface="나눔바른고딕" panose="020B0603020101020101" pitchFamily="50" charset="-127"/>
+              </a:rPr>
+              <a:t>3. </a:t>
+            </a:r>
+            <a:r>
+              <a:rPr lang="ko-KR" altLang="en-US" sz="1050" spc="-150" dirty="0" err="1" smtClean="0">
+                <a:ln>
+                  <a:solidFill>
+                    <a:schemeClr val="tx1">
+                      <a:alpha val="0"/>
+                    </a:schemeClr>
+                  </a:solidFill>
+                </a:ln>
+                <a:latin typeface="나눔바른고딕" panose="020B0603020101020101" pitchFamily="50" charset="-127"/>
+                <a:ea typeface="나눔바른고딕" panose="020B0603020101020101" pitchFamily="50" charset="-127"/>
+              </a:rPr>
+              <a:t>패키지할인</a:t>
+            </a:r>
+            <a:r>
+              <a:rPr lang="ko-KR" altLang="en-US" sz="1050" spc="-150" dirty="0" smtClean="0">
+                <a:ln>
+                  <a:solidFill>
+                    <a:schemeClr val="tx1">
+                      <a:alpha val="0"/>
+                    </a:schemeClr>
+                  </a:solidFill>
+                </a:ln>
+                <a:latin typeface="나눔바른고딕" panose="020B0603020101020101" pitchFamily="50" charset="-127"/>
+                <a:ea typeface="나눔바른고딕" panose="020B0603020101020101" pitchFamily="50" charset="-127"/>
+              </a:rPr>
+              <a:t> </a:t>
+            </a:r>
+            <a:r>
+              <a:rPr lang="en-US" altLang="ko-KR" sz="1050" spc="-150" dirty="0" smtClean="0">
+                <a:ln>
+                  <a:solidFill>
+                    <a:schemeClr val="tx1">
+                      <a:alpha val="0"/>
+                    </a:schemeClr>
+                  </a:solidFill>
+                </a:ln>
+                <a:latin typeface="나눔바른고딕" panose="020B0603020101020101" pitchFamily="50" charset="-127"/>
+                <a:ea typeface="나눔바른고딕" panose="020B0603020101020101" pitchFamily="50" charset="-127"/>
+              </a:rPr>
+              <a:t>: 9</a:t>
+            </a:r>
+            <a:endParaRPr lang="en-US" altLang="ko-KR" sz="1050" spc="-150" dirty="0">
+              <a:ln>
+                <a:solidFill>
+                  <a:schemeClr val="tx1">
+                    <a:alpha val="0"/>
+                  </a:schemeClr>
+                </a:solidFill>
+              </a:ln>
+              <a:latin typeface="나눔바른고딕" panose="020B0603020101020101" pitchFamily="50" charset="-127"/>
+              <a:ea typeface="나눔바른고딕" panose="020B0603020101020101" pitchFamily="50" charset="-127"/>
+            </a:endParaRPr>
+          </a:p>
+        </p:txBody>
+      </p:sp>
+      <p:sp>
+        <p:nvSpPr>
+          <p:cNvPr id="17" name="직사각형 16"/>
+          <p:cNvSpPr/>
+          <p:nvPr/>
+        </p:nvSpPr>
+        <p:spPr>
+          <a:xfrm>
+            <a:off x="924248" y="5845528"/>
+            <a:ext cx="883575" cy="253916"/>
+          </a:xfrm>
+          <a:prstGeom prst="rect">
+            <a:avLst/>
+          </a:prstGeom>
+        </p:spPr>
+        <p:txBody>
+          <a:bodyPr wrap="none">
+            <a:spAutoFit/>
+          </a:bodyPr>
+          <a:lstStyle/>
+          <a:p>
+            <a:r>
+              <a:rPr lang="en-US" altLang="ko-KR" sz="1050" spc="-150" dirty="0" smtClean="0">
+                <a:ln>
+                  <a:solidFill>
+                    <a:schemeClr val="tx1">
+                      <a:alpha val="0"/>
+                    </a:schemeClr>
+                  </a:solidFill>
+                </a:ln>
+                <a:latin typeface="나눔바른고딕" panose="020B0603020101020101" pitchFamily="50" charset="-127"/>
+                <a:ea typeface="나눔바른고딕" panose="020B0603020101020101" pitchFamily="50" charset="-127"/>
+              </a:rPr>
+              <a:t>3. </a:t>
+            </a:r>
+            <a:r>
+              <a:rPr lang="ko-KR" altLang="en-US" sz="1050" spc="-150" dirty="0" err="1" smtClean="0">
+                <a:ln>
+                  <a:solidFill>
+                    <a:schemeClr val="tx1">
+                      <a:alpha val="0"/>
+                    </a:schemeClr>
+                  </a:solidFill>
+                </a:ln>
+                <a:latin typeface="나눔바른고딕" panose="020B0603020101020101" pitchFamily="50" charset="-127"/>
+                <a:ea typeface="나눔바른고딕" panose="020B0603020101020101" pitchFamily="50" charset="-127"/>
+              </a:rPr>
+              <a:t>과정별소개</a:t>
+            </a:r>
+            <a:r>
+              <a:rPr lang="ko-KR" altLang="en-US" sz="1050" spc="-150" dirty="0" smtClean="0">
+                <a:ln>
+                  <a:solidFill>
+                    <a:schemeClr val="tx1">
+                      <a:alpha val="0"/>
+                    </a:schemeClr>
+                  </a:solidFill>
+                </a:ln>
+                <a:latin typeface="나눔바른고딕" panose="020B0603020101020101" pitchFamily="50" charset="-127"/>
+                <a:ea typeface="나눔바른고딕" panose="020B0603020101020101" pitchFamily="50" charset="-127"/>
+              </a:rPr>
+              <a:t> </a:t>
+            </a:r>
+            <a:r>
+              <a:rPr lang="en-US" altLang="ko-KR" sz="1050" spc="-150" dirty="0" smtClean="0">
+                <a:ln>
+                  <a:solidFill>
+                    <a:schemeClr val="tx1">
+                      <a:alpha val="0"/>
+                    </a:schemeClr>
+                  </a:solidFill>
+                </a:ln>
+                <a:latin typeface="나눔바른고딕" panose="020B0603020101020101" pitchFamily="50" charset="-127"/>
+                <a:ea typeface="나눔바른고딕" panose="020B0603020101020101" pitchFamily="50" charset="-127"/>
+              </a:rPr>
+              <a:t>: 9</a:t>
+            </a:r>
+            <a:endParaRPr lang="en-US" altLang="ko-KR" sz="1050" spc="-150" dirty="0">
+              <a:ln>
+                <a:solidFill>
+                  <a:schemeClr val="tx1">
+                    <a:alpha val="0"/>
+                  </a:schemeClr>
+                </a:solidFill>
+              </a:ln>
+              <a:latin typeface="나눔바른고딕" panose="020B0603020101020101" pitchFamily="50" charset="-127"/>
+              <a:ea typeface="나눔바른고딕" panose="020B0603020101020101" pitchFamily="50" charset="-127"/>
+            </a:endParaRPr>
+          </a:p>
+        </p:txBody>
+      </p:sp>
+      <p:sp>
+        <p:nvSpPr>
+          <p:cNvPr id="19" name="직사각형 18"/>
+          <p:cNvSpPr/>
+          <p:nvPr/>
+        </p:nvSpPr>
+        <p:spPr>
+          <a:xfrm>
+            <a:off x="4231132" y="5845528"/>
+            <a:ext cx="782587" cy="253916"/>
+          </a:xfrm>
+          <a:prstGeom prst="rect">
+            <a:avLst/>
+          </a:prstGeom>
+        </p:spPr>
+        <p:txBody>
+          <a:bodyPr wrap="none">
+            <a:spAutoFit/>
+          </a:bodyPr>
+          <a:lstStyle/>
+          <a:p>
+            <a:r>
+              <a:rPr lang="en-US" altLang="ko-KR" sz="1050" spc="-150" dirty="0" smtClean="0">
+                <a:ln>
+                  <a:solidFill>
+                    <a:schemeClr val="tx1">
+                      <a:alpha val="0"/>
+                    </a:schemeClr>
+                  </a:solidFill>
+                </a:ln>
+                <a:latin typeface="나눔바른고딕" panose="020B0603020101020101" pitchFamily="50" charset="-127"/>
+                <a:ea typeface="나눔바른고딕" panose="020B0603020101020101" pitchFamily="50" charset="-127"/>
+              </a:rPr>
+              <a:t>5. </a:t>
+            </a:r>
+            <a:r>
+              <a:rPr lang="ko-KR" altLang="en-US" sz="1050" spc="-150" dirty="0" smtClean="0">
+                <a:ln>
+                  <a:solidFill>
+                    <a:schemeClr val="tx1">
+                      <a:alpha val="0"/>
+                    </a:schemeClr>
+                  </a:solidFill>
+                </a:ln>
+                <a:latin typeface="나눔바른고딕" panose="020B0603020101020101" pitchFamily="50" charset="-127"/>
+                <a:ea typeface="나눔바른고딕" panose="020B0603020101020101" pitchFamily="50" charset="-127"/>
+              </a:rPr>
+              <a:t>커리큘럼 </a:t>
+            </a:r>
+            <a:r>
+              <a:rPr lang="en-US" altLang="ko-KR" sz="1050" spc="-150" dirty="0" smtClean="0">
+                <a:ln>
+                  <a:solidFill>
+                    <a:schemeClr val="tx1">
+                      <a:alpha val="0"/>
+                    </a:schemeClr>
+                  </a:solidFill>
+                </a:ln>
+                <a:latin typeface="나눔바른고딕" panose="020B0603020101020101" pitchFamily="50" charset="-127"/>
+                <a:ea typeface="나눔바른고딕" panose="020B0603020101020101" pitchFamily="50" charset="-127"/>
+              </a:rPr>
+              <a:t>: 5</a:t>
+            </a:r>
+            <a:endParaRPr lang="en-US" altLang="ko-KR" sz="1050" spc="-150" dirty="0">
+              <a:ln>
+                <a:solidFill>
+                  <a:schemeClr val="tx1">
+                    <a:alpha val="0"/>
+                  </a:schemeClr>
+                </a:solidFill>
+              </a:ln>
+              <a:latin typeface="나눔바른고딕" panose="020B0603020101020101" pitchFamily="50" charset="-127"/>
+              <a:ea typeface="나눔바른고딕" panose="020B0603020101020101" pitchFamily="50" charset="-127"/>
+            </a:endParaRPr>
+          </a:p>
+        </p:txBody>
+      </p:sp>
+      <p:sp>
+        <p:nvSpPr>
+          <p:cNvPr id="21" name="직사각형 20"/>
+          <p:cNvSpPr/>
+          <p:nvPr/>
+        </p:nvSpPr>
+        <p:spPr>
+          <a:xfrm>
+            <a:off x="7218948" y="5845528"/>
+            <a:ext cx="883575" cy="253916"/>
+          </a:xfrm>
+          <a:prstGeom prst="rect">
+            <a:avLst/>
+          </a:prstGeom>
+        </p:spPr>
+        <p:txBody>
+          <a:bodyPr wrap="none">
+            <a:spAutoFit/>
+          </a:bodyPr>
+          <a:lstStyle/>
+          <a:p>
+            <a:r>
+              <a:rPr lang="en-US" altLang="ko-KR" sz="1050" spc="-150" dirty="0" smtClean="0">
+                <a:ln>
+                  <a:solidFill>
+                    <a:schemeClr val="tx1">
+                      <a:alpha val="0"/>
+                    </a:schemeClr>
+                  </a:solidFill>
+                </a:ln>
+                <a:latin typeface="나눔바른고딕" panose="020B0603020101020101" pitchFamily="50" charset="-127"/>
+                <a:ea typeface="나눔바른고딕" panose="020B0603020101020101" pitchFamily="50" charset="-127"/>
+              </a:rPr>
+              <a:t>6. </a:t>
+            </a:r>
+            <a:r>
+              <a:rPr lang="ko-KR" altLang="en-US" sz="1050" spc="-150" dirty="0" err="1" smtClean="0">
+                <a:ln>
+                  <a:solidFill>
+                    <a:schemeClr val="tx1">
+                      <a:alpha val="0"/>
+                    </a:schemeClr>
+                  </a:solidFill>
+                </a:ln>
+                <a:latin typeface="나눔바른고딕" panose="020B0603020101020101" pitchFamily="50" charset="-127"/>
+                <a:ea typeface="나눔바른고딕" panose="020B0603020101020101" pitchFamily="50" charset="-127"/>
+              </a:rPr>
+              <a:t>베스트후기</a:t>
+            </a:r>
+            <a:r>
+              <a:rPr lang="ko-KR" altLang="en-US" sz="1050" spc="-150" dirty="0" smtClean="0">
+                <a:ln>
+                  <a:solidFill>
+                    <a:schemeClr val="tx1">
+                      <a:alpha val="0"/>
+                    </a:schemeClr>
+                  </a:solidFill>
+                </a:ln>
+                <a:latin typeface="나눔바른고딕" panose="020B0603020101020101" pitchFamily="50" charset="-127"/>
+                <a:ea typeface="나눔바른고딕" panose="020B0603020101020101" pitchFamily="50" charset="-127"/>
+              </a:rPr>
+              <a:t> </a:t>
+            </a:r>
+            <a:r>
+              <a:rPr lang="en-US" altLang="ko-KR" sz="1050" spc="-150" dirty="0" smtClean="0">
+                <a:ln>
+                  <a:solidFill>
+                    <a:schemeClr val="tx1">
+                      <a:alpha val="0"/>
+                    </a:schemeClr>
+                  </a:solidFill>
+                </a:ln>
+                <a:latin typeface="나눔바른고딕" panose="020B0603020101020101" pitchFamily="50" charset="-127"/>
+                <a:ea typeface="나눔바른고딕" panose="020B0603020101020101" pitchFamily="50" charset="-127"/>
+              </a:rPr>
+              <a:t>: 2</a:t>
+            </a:r>
+          </a:p>
+        </p:txBody>
+      </p:sp>
+      <p:sp>
+        <p:nvSpPr>
+          <p:cNvPr id="22" name="직사각형 21"/>
+          <p:cNvSpPr/>
+          <p:nvPr/>
+        </p:nvSpPr>
+        <p:spPr>
+          <a:xfrm>
+            <a:off x="259802" y="772357"/>
+            <a:ext cx="6170204" cy="1169551"/>
+          </a:xfrm>
+          <a:prstGeom prst="rect">
+            <a:avLst/>
+          </a:prstGeom>
+        </p:spPr>
+        <p:txBody>
+          <a:bodyPr wrap="square">
+            <a:spAutoFit/>
+          </a:bodyPr>
+          <a:lstStyle/>
+          <a:p>
+            <a:r>
+              <a:rPr lang="ko-KR" altLang="en-US" sz="1000" dirty="0" smtClean="0">
+                <a:ln>
+                  <a:solidFill>
+                    <a:schemeClr val="tx1">
+                      <a:alpha val="0"/>
+                    </a:schemeClr>
+                  </a:solidFill>
+                </a:ln>
+                <a:latin typeface="나눔바른고딕" panose="020B0603020101020101" pitchFamily="50" charset="-127"/>
+                <a:ea typeface="나눔바른고딕" panose="020B0603020101020101" pitchFamily="50" charset="-127"/>
+              </a:rPr>
+              <a:t>관심 원인</a:t>
+            </a:r>
+            <a:endParaRPr lang="en-US" altLang="ko-KR" sz="1000" dirty="0" smtClean="0">
+              <a:ln>
+                <a:solidFill>
+                  <a:schemeClr val="tx1">
+                    <a:alpha val="0"/>
+                  </a:schemeClr>
+                </a:solidFill>
+              </a:ln>
+              <a:latin typeface="나눔바른고딕" panose="020B0603020101020101" pitchFamily="50" charset="-127"/>
+              <a:ea typeface="나눔바른고딕" panose="020B0603020101020101" pitchFamily="50" charset="-127"/>
+            </a:endParaRPr>
+          </a:p>
+          <a:p>
+            <a:pPr marL="171450" indent="-171450">
+              <a:buFontTx/>
+              <a:buChar char="-"/>
+            </a:pPr>
+            <a:r>
+              <a:rPr lang="ko-KR" altLang="en-US" sz="1000" dirty="0">
+                <a:ln>
+                  <a:solidFill>
+                    <a:schemeClr val="tx1">
+                      <a:alpha val="0"/>
+                    </a:schemeClr>
+                  </a:solidFill>
+                </a:ln>
+                <a:latin typeface="나눔바른고딕" panose="020B0603020101020101" pitchFamily="50" charset="-127"/>
+                <a:ea typeface="나눔바른고딕" panose="020B0603020101020101" pitchFamily="50" charset="-127"/>
+              </a:rPr>
+              <a:t>다음단계로버튼 </a:t>
+            </a:r>
+            <a:r>
+              <a:rPr lang="en-US" altLang="ko-KR" sz="1000" dirty="0">
+                <a:ln>
+                  <a:solidFill>
+                    <a:schemeClr val="tx1">
+                      <a:alpha val="0"/>
+                    </a:schemeClr>
+                  </a:solidFill>
+                </a:ln>
+                <a:latin typeface="나눔바른고딕" panose="020B0603020101020101" pitchFamily="50" charset="-127"/>
+                <a:ea typeface="나눔바른고딕" panose="020B0603020101020101" pitchFamily="50" charset="-127"/>
+              </a:rPr>
+              <a:t>: 7</a:t>
+            </a:r>
+          </a:p>
+          <a:p>
+            <a:pPr marL="171450" indent="-171450">
+              <a:buFontTx/>
+              <a:buChar char="-"/>
+            </a:pPr>
+            <a:r>
+              <a:rPr lang="ko-KR" altLang="en-US" sz="1000" dirty="0">
+                <a:ln>
+                  <a:solidFill>
+                    <a:schemeClr val="tx1">
+                      <a:alpha val="0"/>
+                    </a:schemeClr>
+                  </a:solidFill>
+                </a:ln>
+                <a:latin typeface="나눔바른고딕" panose="020B0603020101020101" pitchFamily="50" charset="-127"/>
+                <a:ea typeface="나눔바른고딕" panose="020B0603020101020101" pitchFamily="50" charset="-127"/>
+              </a:rPr>
+              <a:t>체험신청혜택</a:t>
+            </a:r>
+            <a:r>
+              <a:rPr lang="en-US" altLang="ko-KR" sz="1000" dirty="0">
+                <a:ln>
+                  <a:solidFill>
+                    <a:schemeClr val="tx1">
+                      <a:alpha val="0"/>
+                    </a:schemeClr>
+                  </a:solidFill>
+                </a:ln>
+                <a:latin typeface="나눔바른고딕" panose="020B0603020101020101" pitchFamily="50" charset="-127"/>
+                <a:ea typeface="나눔바른고딕" panose="020B0603020101020101" pitchFamily="50" charset="-127"/>
+              </a:rPr>
+              <a:t>(</a:t>
+            </a:r>
+            <a:r>
+              <a:rPr lang="ko-KR" altLang="en-US" sz="1000" dirty="0">
+                <a:ln>
+                  <a:solidFill>
+                    <a:schemeClr val="tx1">
+                      <a:alpha val="0"/>
+                    </a:schemeClr>
+                  </a:solidFill>
+                </a:ln>
+                <a:latin typeface="나눔바른고딕" panose="020B0603020101020101" pitchFamily="50" charset="-127"/>
+                <a:ea typeface="나눔바른고딕" panose="020B0603020101020101" pitchFamily="50" charset="-127"/>
+              </a:rPr>
+              <a:t>미션</a:t>
+            </a:r>
+            <a:r>
+              <a:rPr lang="en-US" altLang="ko-KR" sz="1000" dirty="0">
+                <a:ln>
+                  <a:solidFill>
+                    <a:schemeClr val="tx1">
+                      <a:alpha val="0"/>
+                    </a:schemeClr>
+                  </a:solidFill>
+                </a:ln>
+                <a:latin typeface="나눔바른고딕" panose="020B0603020101020101" pitchFamily="50" charset="-127"/>
+                <a:ea typeface="나눔바른고딕" panose="020B0603020101020101" pitchFamily="50" charset="-127"/>
+              </a:rPr>
+              <a:t>) : 5</a:t>
+            </a:r>
+          </a:p>
+          <a:p>
+            <a:pPr marL="171450" indent="-171450">
+              <a:buFontTx/>
+              <a:buChar char="-"/>
+            </a:pPr>
+            <a:r>
+              <a:rPr lang="ko-KR" altLang="en-US" sz="1000" dirty="0" err="1">
+                <a:ln>
+                  <a:solidFill>
+                    <a:schemeClr val="tx1">
+                      <a:alpha val="0"/>
+                    </a:schemeClr>
+                  </a:solidFill>
+                </a:ln>
+                <a:latin typeface="나눔바른고딕" panose="020B0603020101020101" pitchFamily="50" charset="-127"/>
+                <a:ea typeface="나눔바른고딕" panose="020B0603020101020101" pitchFamily="50" charset="-127"/>
+              </a:rPr>
+              <a:t>패키지최하단체험신청버튼</a:t>
+            </a:r>
+            <a:r>
+              <a:rPr lang="ko-KR" altLang="en-US" sz="1000" dirty="0">
+                <a:ln>
+                  <a:solidFill>
+                    <a:schemeClr val="tx1">
+                      <a:alpha val="0"/>
+                    </a:schemeClr>
+                  </a:solidFill>
+                </a:ln>
+                <a:latin typeface="나눔바른고딕" panose="020B0603020101020101" pitchFamily="50" charset="-127"/>
+                <a:ea typeface="나눔바른고딕" panose="020B0603020101020101" pitchFamily="50" charset="-127"/>
+              </a:rPr>
+              <a:t> </a:t>
+            </a:r>
+            <a:r>
+              <a:rPr lang="en-US" altLang="ko-KR" sz="1000" dirty="0">
+                <a:ln>
+                  <a:solidFill>
+                    <a:schemeClr val="tx1">
+                      <a:alpha val="0"/>
+                    </a:schemeClr>
+                  </a:solidFill>
+                </a:ln>
+                <a:latin typeface="나눔바른고딕" panose="020B0603020101020101" pitchFamily="50" charset="-127"/>
+                <a:ea typeface="나눔바른고딕" panose="020B0603020101020101" pitchFamily="50" charset="-127"/>
+              </a:rPr>
+              <a:t>: 4</a:t>
+            </a:r>
+          </a:p>
+          <a:p>
+            <a:pPr marL="171450" indent="-171450">
+              <a:buFontTx/>
+              <a:buChar char="-"/>
+            </a:pPr>
+            <a:r>
+              <a:rPr lang="ko-KR" altLang="en-US" sz="1000" dirty="0" err="1" smtClean="0">
+                <a:ln>
+                  <a:solidFill>
+                    <a:schemeClr val="tx1">
+                      <a:alpha val="0"/>
+                    </a:schemeClr>
+                  </a:solidFill>
+                </a:ln>
+                <a:latin typeface="나눔바른고딕" panose="020B0603020101020101" pitchFamily="50" charset="-127"/>
+                <a:ea typeface="나눔바른고딕" panose="020B0603020101020101" pitchFamily="50" charset="-127"/>
+              </a:rPr>
+              <a:t>패키지할인</a:t>
+            </a:r>
+            <a:r>
+              <a:rPr lang="ko-KR" altLang="en-US" sz="1000" dirty="0" smtClean="0">
+                <a:ln>
+                  <a:solidFill>
+                    <a:schemeClr val="tx1">
+                      <a:alpha val="0"/>
+                    </a:schemeClr>
+                  </a:solidFill>
+                </a:ln>
+                <a:latin typeface="나눔바른고딕" panose="020B0603020101020101" pitchFamily="50" charset="-127"/>
+                <a:ea typeface="나눔바른고딕" panose="020B0603020101020101" pitchFamily="50" charset="-127"/>
+              </a:rPr>
+              <a:t> </a:t>
+            </a:r>
+            <a:r>
+              <a:rPr lang="en-US" altLang="ko-KR" sz="1000" dirty="0" smtClean="0">
+                <a:ln>
+                  <a:solidFill>
+                    <a:schemeClr val="tx1">
+                      <a:alpha val="0"/>
+                    </a:schemeClr>
+                  </a:solidFill>
+                </a:ln>
+                <a:latin typeface="나눔바른고딕" panose="020B0603020101020101" pitchFamily="50" charset="-127"/>
+                <a:ea typeface="나눔바른고딕" panose="020B0603020101020101" pitchFamily="50" charset="-127"/>
+              </a:rPr>
+              <a:t>: 2</a:t>
+            </a:r>
+          </a:p>
+          <a:p>
+            <a:pPr marL="171450" indent="-171450">
+              <a:buFontTx/>
+              <a:buChar char="-"/>
+            </a:pPr>
+            <a:r>
+              <a:rPr lang="ko-KR" altLang="en-US" sz="1000" dirty="0" smtClean="0">
+                <a:ln>
+                  <a:solidFill>
+                    <a:schemeClr val="tx1">
+                      <a:alpha val="0"/>
+                    </a:schemeClr>
+                  </a:solidFill>
+                </a:ln>
+                <a:latin typeface="나눔바른고딕" panose="020B0603020101020101" pitchFamily="50" charset="-127"/>
+                <a:ea typeface="나눔바른고딕" panose="020B0603020101020101" pitchFamily="50" charset="-127"/>
+              </a:rPr>
+              <a:t>체험신청메뉴 </a:t>
+            </a:r>
+            <a:r>
+              <a:rPr lang="en-US" altLang="ko-KR" sz="1000" dirty="0" smtClean="0">
+                <a:ln>
+                  <a:solidFill>
+                    <a:schemeClr val="tx1">
+                      <a:alpha val="0"/>
+                    </a:schemeClr>
+                  </a:solidFill>
+                </a:ln>
+                <a:latin typeface="나눔바른고딕" panose="020B0603020101020101" pitchFamily="50" charset="-127"/>
+                <a:ea typeface="나눔바른고딕" panose="020B0603020101020101" pitchFamily="50" charset="-127"/>
+              </a:rPr>
+              <a:t>: 2</a:t>
+            </a:r>
+          </a:p>
+          <a:p>
+            <a:pPr marL="171450" indent="-171450">
+              <a:buFontTx/>
+              <a:buChar char="-"/>
+            </a:pPr>
+            <a:r>
+              <a:rPr lang="ko-KR" altLang="en-US" sz="1000" dirty="0" smtClean="0">
+                <a:ln>
+                  <a:solidFill>
+                    <a:schemeClr val="tx1">
+                      <a:alpha val="0"/>
+                    </a:schemeClr>
+                  </a:solidFill>
+                </a:ln>
+                <a:latin typeface="나눔바른고딕" panose="020B0603020101020101" pitchFamily="50" charset="-127"/>
+                <a:ea typeface="나눔바른고딕" panose="020B0603020101020101" pitchFamily="50" charset="-127"/>
+              </a:rPr>
+              <a:t>추천패키지버튼 </a:t>
+            </a:r>
+            <a:r>
+              <a:rPr lang="en-US" altLang="ko-KR" sz="1000" dirty="0" smtClean="0">
+                <a:ln>
+                  <a:solidFill>
+                    <a:schemeClr val="tx1">
+                      <a:alpha val="0"/>
+                    </a:schemeClr>
+                  </a:solidFill>
+                </a:ln>
+                <a:latin typeface="나눔바른고딕" panose="020B0603020101020101" pitchFamily="50" charset="-127"/>
+                <a:ea typeface="나눔바른고딕" panose="020B0603020101020101" pitchFamily="50" charset="-127"/>
+              </a:rPr>
+              <a:t>: 1</a:t>
+            </a:r>
+          </a:p>
+        </p:txBody>
+      </p:sp>
+    </p:spTree>
+    <p:extLst>
+      <p:ext uri="{BB962C8B-B14F-4D97-AF65-F5344CB8AC3E}">
+        <p14:creationId xmlns:p14="http://schemas.microsoft.com/office/powerpoint/2010/main" val="1072258796"/>
+      </p:ext>
+    </p:extLst>
+  </p:cSld>
+  <p:clrMapOvr>
+    <a:masterClrMapping/>
+  </p:clrMapOvr>
+</p:sld>
+</file>
+
+<file path=ppt/slides/slide16.xml><?xml version="1.0" encoding="utf-8"?>
+<p:sld xmlns:a="http://schemas.openxmlformats.org/drawingml/2006/main" xmlns:r="http://schemas.openxmlformats.org/officeDocument/2006/relationships" xmlns:p="http://schemas.openxmlformats.org/presentationml/2006/main">
+  <p:cSld>
+    <p:spTree>
+      <p:nvGrpSpPr>
+        <p:cNvPr id="1" name=""/>
+        <p:cNvGrpSpPr/>
+        <p:nvPr/>
+      </p:nvGrpSpPr>
+      <p:grpSpPr>
+        <a:xfrm>
+          <a:off x="0" y="0"/>
+          <a:ext cx="0" cy="0"/>
+          <a:chOff x="0" y="0"/>
+          <a:chExt cx="0" cy="0"/>
+        </a:xfrm>
+      </p:grpSpPr>
+      <p:sp>
+        <p:nvSpPr>
+          <p:cNvPr id="12" name="직사각형 11"/>
+          <p:cNvSpPr/>
+          <p:nvPr/>
+        </p:nvSpPr>
+        <p:spPr>
+          <a:xfrm>
+            <a:off x="7443332" y="401870"/>
+            <a:ext cx="1560887" cy="246221"/>
+          </a:xfrm>
+          <a:prstGeom prst="rect">
+            <a:avLst/>
+          </a:prstGeom>
+          <a:solidFill>
+            <a:schemeClr val="accent4">
+              <a:lumMod val="40000"/>
+              <a:lumOff val="60000"/>
+            </a:schemeClr>
+          </a:solidFill>
+        </p:spPr>
+        <p:txBody>
+          <a:bodyPr wrap="square">
+            <a:spAutoFit/>
+          </a:bodyPr>
+          <a:lstStyle/>
+          <a:p>
+            <a:pPr algn="r"/>
+            <a:r>
+              <a:rPr lang="ko-KR" altLang="en-US" sz="1000" b="1" dirty="0" smtClean="0">
+                <a:ln>
+                  <a:solidFill>
+                    <a:schemeClr val="tx1">
+                      <a:alpha val="0"/>
+                    </a:schemeClr>
+                  </a:solidFill>
+                </a:ln>
+                <a:latin typeface="나눔바른고딕" panose="020B0603020101020101" pitchFamily="50" charset="-127"/>
+                <a:ea typeface="나눔바른고딕" panose="020B0603020101020101" pitchFamily="50" charset="-127"/>
+              </a:rPr>
+              <a:t>무시된 페이지</a:t>
+            </a:r>
+            <a:endParaRPr lang="ko-KR" altLang="en-US" sz="1000" b="1" dirty="0">
+              <a:ln>
+                <a:solidFill>
+                  <a:schemeClr val="tx1">
+                    <a:alpha val="0"/>
+                  </a:schemeClr>
+                </a:solidFill>
+              </a:ln>
+              <a:latin typeface="나눔바른고딕" panose="020B0603020101020101" pitchFamily="50" charset="-127"/>
+              <a:ea typeface="나눔바른고딕" panose="020B0603020101020101" pitchFamily="50" charset="-127"/>
+            </a:endParaRPr>
+          </a:p>
+        </p:txBody>
+      </p:sp>
+      <p:sp>
+        <p:nvSpPr>
+          <p:cNvPr id="2" name="직사각형 1"/>
+          <p:cNvSpPr/>
+          <p:nvPr/>
+        </p:nvSpPr>
+        <p:spPr>
+          <a:xfrm>
+            <a:off x="136868" y="98606"/>
+            <a:ext cx="4572000" cy="253916"/>
+          </a:xfrm>
+          <a:prstGeom prst="rect">
+            <a:avLst/>
+          </a:prstGeom>
+        </p:spPr>
+        <p:txBody>
+          <a:bodyPr>
+            <a:spAutoFit/>
+          </a:bodyPr>
+          <a:lstStyle/>
+          <a:p>
+            <a:r>
+              <a:rPr lang="en-US" altLang="ko-KR" sz="1050" dirty="0" err="1" smtClean="0">
+                <a:ln>
+                  <a:solidFill>
+                    <a:schemeClr val="tx1">
+                      <a:alpha val="0"/>
+                    </a:schemeClr>
+                  </a:solidFill>
+                </a:ln>
+                <a:latin typeface="나눔바른고딕" panose="020B0603020101020101" pitchFamily="50" charset="-127"/>
+                <a:ea typeface="나눔바른고딕" panose="020B0603020101020101" pitchFamily="50" charset="-127"/>
+              </a:rPr>
+              <a:t>Hotjar</a:t>
+            </a:r>
+            <a:r>
+              <a:rPr lang="ko-KR" altLang="en-US" sz="1050" dirty="0" smtClean="0">
+                <a:ln>
+                  <a:solidFill>
+                    <a:schemeClr val="tx1">
+                      <a:alpha val="0"/>
+                    </a:schemeClr>
+                  </a:solidFill>
+                </a:ln>
+                <a:latin typeface="나눔바른고딕" panose="020B0603020101020101" pitchFamily="50" charset="-127"/>
+                <a:ea typeface="나눔바른고딕" panose="020B0603020101020101" pitchFamily="50" charset="-127"/>
+              </a:rPr>
+              <a:t> </a:t>
+            </a:r>
+            <a:r>
+              <a:rPr lang="en-US" altLang="ko-KR" sz="1050" dirty="0" smtClean="0">
+                <a:ln>
+                  <a:solidFill>
+                    <a:schemeClr val="tx1">
+                      <a:alpha val="0"/>
+                    </a:schemeClr>
+                  </a:solidFill>
+                </a:ln>
+                <a:latin typeface="나눔바른고딕" panose="020B0603020101020101" pitchFamily="50" charset="-127"/>
+                <a:ea typeface="나눔바른고딕" panose="020B0603020101020101" pitchFamily="50" charset="-127"/>
+              </a:rPr>
+              <a:t>&gt; </a:t>
+            </a:r>
+            <a:r>
+              <a:rPr lang="en-US" altLang="ko-KR" sz="1050" b="1" dirty="0" err="1" smtClean="0">
+                <a:ln>
+                  <a:solidFill>
+                    <a:schemeClr val="tx1">
+                      <a:alpha val="0"/>
+                    </a:schemeClr>
+                  </a:solidFill>
+                </a:ln>
+                <a:latin typeface="나눔바른고딕" panose="020B0603020101020101" pitchFamily="50" charset="-127"/>
+                <a:ea typeface="나눔바른고딕" panose="020B0603020101020101" pitchFamily="50" charset="-127"/>
+              </a:rPr>
+              <a:t>café_posting</a:t>
+            </a:r>
+            <a:r>
+              <a:rPr lang="en-US" altLang="ko-KR" sz="1050" b="1" dirty="0" smtClean="0">
+                <a:ln>
+                  <a:solidFill>
+                    <a:schemeClr val="tx1">
+                      <a:alpha val="0"/>
+                    </a:schemeClr>
+                  </a:solidFill>
+                </a:ln>
+                <a:latin typeface="나눔바른고딕" panose="020B0603020101020101" pitchFamily="50" charset="-127"/>
+                <a:ea typeface="나눔바른고딕" panose="020B0603020101020101" pitchFamily="50" charset="-127"/>
+              </a:rPr>
+              <a:t> &gt; recordings </a:t>
+            </a:r>
+            <a:endParaRPr lang="ko-KR" altLang="en-US" sz="1050" b="1" dirty="0">
+              <a:ln>
+                <a:solidFill>
+                  <a:schemeClr val="tx1">
+                    <a:alpha val="0"/>
+                  </a:schemeClr>
+                </a:solidFill>
+              </a:ln>
+              <a:latin typeface="나눔바른고딕" panose="020B0603020101020101" pitchFamily="50" charset="-127"/>
+              <a:ea typeface="나눔바른고딕" panose="020B0603020101020101" pitchFamily="50" charset="-127"/>
+            </a:endParaRPr>
+          </a:p>
+        </p:txBody>
+      </p:sp>
+      <p:cxnSp>
+        <p:nvCxnSpPr>
+          <p:cNvPr id="3" name="직선 연결선 2"/>
+          <p:cNvCxnSpPr/>
+          <p:nvPr/>
+        </p:nvCxnSpPr>
+        <p:spPr>
+          <a:xfrm>
+            <a:off x="136868" y="401870"/>
+            <a:ext cx="8867351" cy="0"/>
+          </a:xfrm>
+          <a:prstGeom prst="line">
+            <a:avLst/>
+          </a:prstGeom>
+          <a:ln>
+            <a:solidFill>
+              <a:schemeClr val="tx1"/>
+            </a:solidFill>
+          </a:ln>
+        </p:spPr>
+        <p:style>
+          <a:lnRef idx="1">
+            <a:schemeClr val="accent1"/>
+          </a:lnRef>
+          <a:fillRef idx="0">
+            <a:schemeClr val="accent1"/>
+          </a:fillRef>
+          <a:effectRef idx="0">
+            <a:schemeClr val="accent1"/>
+          </a:effectRef>
+          <a:fontRef idx="minor">
+            <a:schemeClr val="tx1"/>
+          </a:fontRef>
+        </p:style>
+      </p:cxnSp>
+      <p:pic>
+        <p:nvPicPr>
+          <p:cNvPr id="11" name="그림 10"/>
+          <p:cNvPicPr>
+            <a:picLocks noChangeAspect="1"/>
+          </p:cNvPicPr>
+          <p:nvPr/>
+        </p:nvPicPr>
+        <p:blipFill>
+          <a:blip r:embed="rId2"/>
+          <a:stretch>
+            <a:fillRect/>
+          </a:stretch>
+        </p:blipFill>
+        <p:spPr>
+          <a:xfrm>
+            <a:off x="3730152" y="2175802"/>
+            <a:ext cx="1742867" cy="1643102"/>
+          </a:xfrm>
+          <a:prstGeom prst="rect">
+            <a:avLst/>
+          </a:prstGeom>
+          <a:effectLst>
+            <a:outerShdw blurRad="50800" dist="50800" dir="5400000" algn="ctr" rotWithShape="0">
+              <a:srgbClr val="000000">
+                <a:alpha val="9000"/>
+              </a:srgbClr>
+            </a:outerShdw>
+          </a:effectLst>
+        </p:spPr>
+      </p:pic>
+      <p:sp>
+        <p:nvSpPr>
+          <p:cNvPr id="13" name="직사각형 12"/>
+          <p:cNvSpPr/>
+          <p:nvPr/>
+        </p:nvSpPr>
+        <p:spPr>
+          <a:xfrm>
+            <a:off x="924248" y="4144860"/>
+            <a:ext cx="1096775" cy="253916"/>
+          </a:xfrm>
+          <a:prstGeom prst="rect">
+            <a:avLst/>
+          </a:prstGeom>
+        </p:spPr>
+        <p:txBody>
+          <a:bodyPr wrap="none">
+            <a:spAutoFit/>
+          </a:bodyPr>
+          <a:lstStyle/>
+          <a:p>
+            <a:r>
+              <a:rPr lang="en-US" altLang="ko-KR" sz="1050" spc="-150" dirty="0" smtClean="0">
+                <a:ln>
+                  <a:solidFill>
+                    <a:schemeClr val="tx1">
+                      <a:alpha val="0"/>
+                    </a:schemeClr>
+                  </a:solidFill>
+                </a:ln>
+                <a:latin typeface="나눔바른고딕" panose="020B0603020101020101" pitchFamily="50" charset="-127"/>
+                <a:ea typeface="나눔바른고딕" panose="020B0603020101020101" pitchFamily="50" charset="-127"/>
+              </a:rPr>
+              <a:t>1. </a:t>
+            </a:r>
+            <a:r>
+              <a:rPr lang="ko-KR" altLang="en-US" sz="1050" spc="-150" dirty="0" smtClean="0">
+                <a:ln>
+                  <a:solidFill>
+                    <a:schemeClr val="tx1">
+                      <a:alpha val="0"/>
+                    </a:schemeClr>
+                  </a:solidFill>
+                </a:ln>
+                <a:latin typeface="나눔바른고딕" panose="020B0603020101020101" pitchFamily="50" charset="-127"/>
+                <a:ea typeface="나눔바른고딕" panose="020B0603020101020101" pitchFamily="50" charset="-127"/>
+              </a:rPr>
+              <a:t>동영상강의 활용 </a:t>
+            </a:r>
+            <a:r>
+              <a:rPr lang="en-US" altLang="ko-KR" sz="1050" spc="-150" dirty="0" smtClean="0">
+                <a:ln>
+                  <a:solidFill>
+                    <a:schemeClr val="tx1">
+                      <a:alpha val="0"/>
+                    </a:schemeClr>
+                  </a:solidFill>
+                </a:ln>
+                <a:latin typeface="나눔바른고딕" panose="020B0603020101020101" pitchFamily="50" charset="-127"/>
+                <a:ea typeface="나눔바른고딕" panose="020B0603020101020101" pitchFamily="50" charset="-127"/>
+              </a:rPr>
+              <a:t>: 7</a:t>
+            </a:r>
+            <a:endParaRPr lang="en-US" altLang="ko-KR" sz="1050" spc="-150" dirty="0">
+              <a:ln>
+                <a:solidFill>
+                  <a:schemeClr val="tx1">
+                    <a:alpha val="0"/>
+                  </a:schemeClr>
+                </a:solidFill>
+              </a:ln>
+              <a:latin typeface="나눔바른고딕" panose="020B0603020101020101" pitchFamily="50" charset="-127"/>
+              <a:ea typeface="나눔바른고딕" panose="020B0603020101020101" pitchFamily="50" charset="-127"/>
+            </a:endParaRPr>
+          </a:p>
+        </p:txBody>
+      </p:sp>
+      <p:pic>
+        <p:nvPicPr>
+          <p:cNvPr id="14" name="그림 13"/>
+          <p:cNvPicPr>
+            <a:picLocks noChangeAspect="1"/>
+          </p:cNvPicPr>
+          <p:nvPr/>
+        </p:nvPicPr>
+        <p:blipFill>
+          <a:blip r:embed="rId3"/>
+          <a:stretch>
+            <a:fillRect/>
+          </a:stretch>
+        </p:blipFill>
+        <p:spPr>
+          <a:xfrm>
+            <a:off x="6561386" y="2032932"/>
+            <a:ext cx="1893947" cy="1998366"/>
+          </a:xfrm>
+          <a:prstGeom prst="rect">
+            <a:avLst/>
+          </a:prstGeom>
+          <a:effectLst>
+            <a:outerShdw blurRad="50800" dist="50800" dir="5400000" algn="ctr" rotWithShape="0">
+              <a:srgbClr val="000000">
+                <a:alpha val="9000"/>
+              </a:srgbClr>
+            </a:outerShdw>
+          </a:effectLst>
+        </p:spPr>
+      </p:pic>
+      <p:sp>
+        <p:nvSpPr>
+          <p:cNvPr id="15" name="직사각형 14"/>
+          <p:cNvSpPr/>
+          <p:nvPr/>
+        </p:nvSpPr>
+        <p:spPr>
+          <a:xfrm>
+            <a:off x="4231132" y="4144860"/>
+            <a:ext cx="782587" cy="253916"/>
+          </a:xfrm>
+          <a:prstGeom prst="rect">
+            <a:avLst/>
+          </a:prstGeom>
+        </p:spPr>
+        <p:txBody>
+          <a:bodyPr wrap="none">
+            <a:spAutoFit/>
+          </a:bodyPr>
+          <a:lstStyle/>
+          <a:p>
+            <a:r>
+              <a:rPr lang="en-US" altLang="ko-KR" sz="1050" spc="-150" dirty="0" smtClean="0">
+                <a:ln>
+                  <a:solidFill>
+                    <a:schemeClr val="tx1">
+                      <a:alpha val="0"/>
+                    </a:schemeClr>
+                  </a:solidFill>
+                </a:ln>
+                <a:latin typeface="나눔바른고딕" panose="020B0603020101020101" pitchFamily="50" charset="-127"/>
+                <a:ea typeface="나눔바른고딕" panose="020B0603020101020101" pitchFamily="50" charset="-127"/>
+              </a:rPr>
+              <a:t>2. </a:t>
+            </a:r>
+            <a:r>
+              <a:rPr lang="ko-KR" altLang="en-US" sz="1050" spc="-150" dirty="0" smtClean="0">
+                <a:ln>
+                  <a:solidFill>
+                    <a:schemeClr val="tx1">
+                      <a:alpha val="0"/>
+                    </a:schemeClr>
+                  </a:solidFill>
+                </a:ln>
+                <a:latin typeface="나눔바른고딕" panose="020B0603020101020101" pitchFamily="50" charset="-127"/>
+                <a:ea typeface="나눔바른고딕" panose="020B0603020101020101" pitchFamily="50" charset="-127"/>
+              </a:rPr>
+              <a:t>커리큘럼 </a:t>
+            </a:r>
+            <a:r>
+              <a:rPr lang="en-US" altLang="ko-KR" sz="1050" spc="-150" dirty="0" smtClean="0">
+                <a:ln>
+                  <a:solidFill>
+                    <a:schemeClr val="tx1">
+                      <a:alpha val="0"/>
+                    </a:schemeClr>
+                  </a:solidFill>
+                </a:ln>
+                <a:latin typeface="나눔바른고딕" panose="020B0603020101020101" pitchFamily="50" charset="-127"/>
+                <a:ea typeface="나눔바른고딕" panose="020B0603020101020101" pitchFamily="50" charset="-127"/>
+              </a:rPr>
+              <a:t>: 2</a:t>
+            </a:r>
+            <a:endParaRPr lang="en-US" altLang="ko-KR" sz="1050" spc="-150" dirty="0">
+              <a:ln>
+                <a:solidFill>
+                  <a:schemeClr val="tx1">
+                    <a:alpha val="0"/>
+                  </a:schemeClr>
+                </a:solidFill>
+              </a:ln>
+              <a:latin typeface="나눔바른고딕" panose="020B0603020101020101" pitchFamily="50" charset="-127"/>
+              <a:ea typeface="나눔바른고딕" panose="020B0603020101020101" pitchFamily="50" charset="-127"/>
+            </a:endParaRPr>
+          </a:p>
+        </p:txBody>
+      </p:sp>
+      <p:sp>
+        <p:nvSpPr>
+          <p:cNvPr id="16" name="직사각형 15"/>
+          <p:cNvSpPr/>
+          <p:nvPr/>
+        </p:nvSpPr>
+        <p:spPr>
+          <a:xfrm>
+            <a:off x="7066573" y="4144860"/>
+            <a:ext cx="883575" cy="253916"/>
+          </a:xfrm>
+          <a:prstGeom prst="rect">
+            <a:avLst/>
+          </a:prstGeom>
+        </p:spPr>
+        <p:txBody>
+          <a:bodyPr wrap="none">
+            <a:spAutoFit/>
+          </a:bodyPr>
+          <a:lstStyle/>
+          <a:p>
+            <a:r>
+              <a:rPr lang="en-US" altLang="ko-KR" sz="1050" spc="-150" dirty="0" smtClean="0">
+                <a:ln>
+                  <a:solidFill>
+                    <a:schemeClr val="tx1">
+                      <a:alpha val="0"/>
+                    </a:schemeClr>
+                  </a:solidFill>
+                </a:ln>
+                <a:latin typeface="나눔바른고딕" panose="020B0603020101020101" pitchFamily="50" charset="-127"/>
+                <a:ea typeface="나눔바른고딕" panose="020B0603020101020101" pitchFamily="50" charset="-127"/>
+              </a:rPr>
+              <a:t>3. </a:t>
+            </a:r>
+            <a:r>
+              <a:rPr lang="ko-KR" altLang="en-US" sz="1050" spc="-150" dirty="0" err="1" smtClean="0">
+                <a:ln>
+                  <a:solidFill>
+                    <a:schemeClr val="tx1">
+                      <a:alpha val="0"/>
+                    </a:schemeClr>
+                  </a:solidFill>
+                </a:ln>
+                <a:latin typeface="나눔바른고딕" panose="020B0603020101020101" pitchFamily="50" charset="-127"/>
+                <a:ea typeface="나눔바른고딕" panose="020B0603020101020101" pitchFamily="50" charset="-127"/>
+              </a:rPr>
+              <a:t>과정별소개</a:t>
+            </a:r>
+            <a:r>
+              <a:rPr lang="ko-KR" altLang="en-US" sz="1050" spc="-150" dirty="0" smtClean="0">
+                <a:ln>
+                  <a:solidFill>
+                    <a:schemeClr val="tx1">
+                      <a:alpha val="0"/>
+                    </a:schemeClr>
+                  </a:solidFill>
+                </a:ln>
+                <a:latin typeface="나눔바른고딕" panose="020B0603020101020101" pitchFamily="50" charset="-127"/>
+                <a:ea typeface="나눔바른고딕" panose="020B0603020101020101" pitchFamily="50" charset="-127"/>
+              </a:rPr>
+              <a:t> </a:t>
+            </a:r>
+            <a:r>
+              <a:rPr lang="en-US" altLang="ko-KR" sz="1050" spc="-150" dirty="0" smtClean="0">
+                <a:ln>
+                  <a:solidFill>
+                    <a:schemeClr val="tx1">
+                      <a:alpha val="0"/>
+                    </a:schemeClr>
+                  </a:solidFill>
+                </a:ln>
+                <a:latin typeface="나눔바른고딕" panose="020B0603020101020101" pitchFamily="50" charset="-127"/>
+                <a:ea typeface="나눔바른고딕" panose="020B0603020101020101" pitchFamily="50" charset="-127"/>
+              </a:rPr>
+              <a:t>: 2</a:t>
+            </a:r>
+            <a:endParaRPr lang="en-US" altLang="ko-KR" sz="1050" spc="-150" dirty="0">
+              <a:ln>
+                <a:solidFill>
+                  <a:schemeClr val="tx1">
+                    <a:alpha val="0"/>
+                  </a:schemeClr>
+                </a:solidFill>
+              </a:ln>
+              <a:latin typeface="나눔바른고딕" panose="020B0603020101020101" pitchFamily="50" charset="-127"/>
+              <a:ea typeface="나눔바른고딕" panose="020B0603020101020101" pitchFamily="50" charset="-127"/>
+            </a:endParaRPr>
+          </a:p>
+        </p:txBody>
+      </p:sp>
+      <p:sp>
+        <p:nvSpPr>
+          <p:cNvPr id="17" name="직사각형 16"/>
+          <p:cNvSpPr/>
+          <p:nvPr/>
+        </p:nvSpPr>
+        <p:spPr>
+          <a:xfrm>
+            <a:off x="4160598" y="5613769"/>
+            <a:ext cx="994183" cy="253916"/>
+          </a:xfrm>
+          <a:prstGeom prst="rect">
+            <a:avLst/>
+          </a:prstGeom>
+        </p:spPr>
+        <p:txBody>
+          <a:bodyPr wrap="none">
+            <a:spAutoFit/>
+          </a:bodyPr>
+          <a:lstStyle/>
+          <a:p>
+            <a:r>
+              <a:rPr lang="en-US" altLang="ko-KR" sz="1050" spc="-150" dirty="0" smtClean="0">
+                <a:ln>
+                  <a:solidFill>
+                    <a:schemeClr val="tx1">
+                      <a:alpha val="0"/>
+                    </a:schemeClr>
+                  </a:solidFill>
+                </a:ln>
+                <a:latin typeface="나눔바른고딕" panose="020B0603020101020101" pitchFamily="50" charset="-127"/>
+                <a:ea typeface="나눔바른고딕" panose="020B0603020101020101" pitchFamily="50" charset="-127"/>
+              </a:rPr>
+              <a:t>4. </a:t>
+            </a:r>
+            <a:r>
+              <a:rPr lang="ko-KR" altLang="en-US" sz="1050" spc="-150" dirty="0" smtClean="0">
+                <a:ln>
+                  <a:solidFill>
+                    <a:schemeClr val="tx1">
+                      <a:alpha val="0"/>
+                    </a:schemeClr>
+                  </a:solidFill>
+                </a:ln>
+                <a:latin typeface="나눔바른고딕" panose="020B0603020101020101" pitchFamily="50" charset="-127"/>
+                <a:ea typeface="나눔바른고딕" panose="020B0603020101020101" pitchFamily="50" charset="-127"/>
+              </a:rPr>
+              <a:t>코칭앱페이지 등</a:t>
+            </a:r>
+            <a:endParaRPr lang="en-US" altLang="ko-KR" sz="1050" spc="-150" dirty="0">
+              <a:ln>
+                <a:solidFill>
+                  <a:schemeClr val="tx1">
+                    <a:alpha val="0"/>
+                  </a:schemeClr>
+                </a:solidFill>
+              </a:ln>
+              <a:latin typeface="나눔바른고딕" panose="020B0603020101020101" pitchFamily="50" charset="-127"/>
+              <a:ea typeface="나눔바른고딕" panose="020B0603020101020101" pitchFamily="50" charset="-127"/>
+            </a:endParaRPr>
+          </a:p>
+        </p:txBody>
+      </p:sp>
+      <p:pic>
+        <p:nvPicPr>
+          <p:cNvPr id="23" name="그림 22"/>
+          <p:cNvPicPr>
+            <a:picLocks noChangeAspect="1"/>
+          </p:cNvPicPr>
+          <p:nvPr/>
+        </p:nvPicPr>
+        <p:blipFill>
+          <a:blip r:embed="rId4"/>
+          <a:stretch>
+            <a:fillRect/>
+          </a:stretch>
+        </p:blipFill>
+        <p:spPr>
+          <a:xfrm>
+            <a:off x="530793" y="2072577"/>
+            <a:ext cx="1733616" cy="1782172"/>
+          </a:xfrm>
+          <a:prstGeom prst="rect">
+            <a:avLst/>
+          </a:prstGeom>
+          <a:effectLst>
+            <a:outerShdw blurRad="50800" dist="50800" dir="5400000" algn="ctr" rotWithShape="0">
+              <a:srgbClr val="000000">
+                <a:alpha val="9000"/>
+              </a:srgbClr>
+            </a:outerShdw>
+          </a:effectLst>
+        </p:spPr>
+      </p:pic>
+    </p:spTree>
+    <p:extLst>
+      <p:ext uri="{BB962C8B-B14F-4D97-AF65-F5344CB8AC3E}">
+        <p14:creationId xmlns:p14="http://schemas.microsoft.com/office/powerpoint/2010/main" val="2191011980"/>
+      </p:ext>
+    </p:extLst>
+  </p:cSld>
+  <p:clrMapOvr>
+    <a:masterClrMapping/>
+  </p:clrMapOvr>
+</p:sld>
+</file>
+
+<file path=ppt/slides/slide17.xml><?xml version="1.0" encoding="utf-8"?>
 <p:sld xmlns:a="http://schemas.openxmlformats.org/drawingml/2006/main" xmlns:r="http://schemas.openxmlformats.org/officeDocument/2006/relationships" xmlns:p="http://schemas.openxmlformats.org/presentationml/2006/main">
   <p:cSld>
     <p:spTree>
@@ -12721,7 +15632,7 @@
         </p:nvSpPr>
         <p:spPr>
           <a:xfrm>
-            <a:off x="248154" y="5565677"/>
+            <a:off x="1011125" y="5513259"/>
             <a:ext cx="6170204" cy="1015663"/>
           </a:xfrm>
           <a:prstGeom prst="rect">
@@ -13299,6 +16210,174 @@
           </a:p>
         </p:txBody>
       </p:sp>
+      <p:sp>
+        <p:nvSpPr>
+          <p:cNvPr id="7" name="직사각형 6"/>
+          <p:cNvSpPr/>
+          <p:nvPr/>
+        </p:nvSpPr>
+        <p:spPr>
+          <a:xfrm>
+            <a:off x="510243" y="4138747"/>
+            <a:ext cx="6170204" cy="861774"/>
+          </a:xfrm>
+          <a:prstGeom prst="rect">
+            <a:avLst/>
+          </a:prstGeom>
+        </p:spPr>
+        <p:txBody>
+          <a:bodyPr wrap="square">
+            <a:spAutoFit/>
+          </a:bodyPr>
+          <a:lstStyle/>
+          <a:p>
+            <a:r>
+              <a:rPr lang="ko-KR" altLang="en-US" sz="1000" dirty="0" smtClean="0">
+                <a:ln>
+                  <a:solidFill>
+                    <a:schemeClr val="tx1">
+                      <a:alpha val="0"/>
+                    </a:schemeClr>
+                  </a:solidFill>
+                </a:ln>
+                <a:latin typeface="나눔바른고딕" panose="020B0603020101020101" pitchFamily="50" charset="-127"/>
+                <a:ea typeface="나눔바른고딕" panose="020B0603020101020101" pitchFamily="50" charset="-127"/>
+              </a:rPr>
+              <a:t>이탈 원인</a:t>
+            </a:r>
+            <a:endParaRPr lang="en-US" altLang="ko-KR" sz="1000" dirty="0" smtClean="0">
+              <a:ln>
+                <a:solidFill>
+                  <a:schemeClr val="tx1">
+                    <a:alpha val="0"/>
+                  </a:schemeClr>
+                </a:solidFill>
+              </a:ln>
+              <a:latin typeface="나눔바른고딕" panose="020B0603020101020101" pitchFamily="50" charset="-127"/>
+              <a:ea typeface="나눔바른고딕" panose="020B0603020101020101" pitchFamily="50" charset="-127"/>
+            </a:endParaRPr>
+          </a:p>
+          <a:p>
+            <a:pPr marL="171450" indent="-171450">
+              <a:buFontTx/>
+              <a:buChar char="-"/>
+            </a:pPr>
+            <a:r>
+              <a:rPr lang="ko-KR" altLang="en-US" sz="1000" dirty="0" smtClean="0">
+                <a:ln>
+                  <a:solidFill>
+                    <a:schemeClr val="tx1">
+                      <a:alpha val="0"/>
+                    </a:schemeClr>
+                  </a:solidFill>
+                </a:ln>
+                <a:latin typeface="나눔바른고딕" panose="020B0603020101020101" pitchFamily="50" charset="-127"/>
+                <a:ea typeface="나눔바른고딕" panose="020B0603020101020101" pitchFamily="50" charset="-127"/>
+              </a:rPr>
+              <a:t>체험신청페이지 </a:t>
+            </a:r>
+            <a:r>
+              <a:rPr lang="en-US" altLang="ko-KR" sz="1000" dirty="0" smtClean="0">
+                <a:ln>
+                  <a:solidFill>
+                    <a:schemeClr val="tx1">
+                      <a:alpha val="0"/>
+                    </a:schemeClr>
+                  </a:solidFill>
+                </a:ln>
+                <a:latin typeface="나눔바른고딕" panose="020B0603020101020101" pitchFamily="50" charset="-127"/>
+                <a:ea typeface="나눔바른고딕" panose="020B0603020101020101" pitchFamily="50" charset="-127"/>
+              </a:rPr>
+              <a:t>: 4</a:t>
+            </a:r>
+          </a:p>
+          <a:p>
+            <a:pPr marL="171450" indent="-171450">
+              <a:buFontTx/>
+              <a:buChar char="-"/>
+            </a:pPr>
+            <a:r>
+              <a:rPr lang="ko-KR" altLang="en-US" sz="1000" dirty="0" smtClean="0">
+                <a:ln>
+                  <a:solidFill>
+                    <a:schemeClr val="tx1">
+                      <a:alpha val="0"/>
+                    </a:schemeClr>
+                  </a:solidFill>
+                </a:ln>
+                <a:latin typeface="나눔바른고딕" panose="020B0603020101020101" pitchFamily="50" charset="-127"/>
+                <a:ea typeface="나눔바른고딕" panose="020B0603020101020101" pitchFamily="50" charset="-127"/>
+              </a:rPr>
+              <a:t>회원가입 </a:t>
+            </a:r>
+            <a:r>
+              <a:rPr lang="en-US" altLang="ko-KR" sz="1000" dirty="0" smtClean="0">
+                <a:ln>
+                  <a:solidFill>
+                    <a:schemeClr val="tx1">
+                      <a:alpha val="0"/>
+                    </a:schemeClr>
+                  </a:solidFill>
+                </a:ln>
+                <a:latin typeface="나눔바른고딕" panose="020B0603020101020101" pitchFamily="50" charset="-127"/>
+                <a:ea typeface="나눔바른고딕" panose="020B0603020101020101" pitchFamily="50" charset="-127"/>
+              </a:rPr>
+              <a:t>: 2</a:t>
+            </a:r>
+          </a:p>
+          <a:p>
+            <a:pPr marL="171450" indent="-171450">
+              <a:buFontTx/>
+              <a:buChar char="-"/>
+            </a:pPr>
+            <a:r>
+              <a:rPr lang="ko-KR" altLang="en-US" sz="1000" dirty="0" smtClean="0">
+                <a:ln>
+                  <a:solidFill>
+                    <a:schemeClr val="tx1">
+                      <a:alpha val="0"/>
+                    </a:schemeClr>
+                  </a:solidFill>
+                </a:ln>
+                <a:latin typeface="나눔바른고딕" panose="020B0603020101020101" pitchFamily="50" charset="-127"/>
+                <a:ea typeface="나눔바른고딕" panose="020B0603020101020101" pitchFamily="50" charset="-127"/>
+              </a:rPr>
+              <a:t>동영상강의활용 </a:t>
+            </a:r>
+            <a:r>
+              <a:rPr lang="en-US" altLang="ko-KR" sz="1000" dirty="0" smtClean="0">
+                <a:ln>
+                  <a:solidFill>
+                    <a:schemeClr val="tx1">
+                      <a:alpha val="0"/>
+                    </a:schemeClr>
+                  </a:solidFill>
+                </a:ln>
+                <a:latin typeface="나눔바른고딕" panose="020B0603020101020101" pitchFamily="50" charset="-127"/>
+                <a:ea typeface="나눔바른고딕" panose="020B0603020101020101" pitchFamily="50" charset="-127"/>
+              </a:rPr>
+              <a:t>: 2</a:t>
+            </a:r>
+          </a:p>
+          <a:p>
+            <a:pPr marL="171450" indent="-171450">
+              <a:buFontTx/>
+              <a:buChar char="-"/>
+            </a:pPr>
+            <a:endParaRPr lang="en-US" altLang="ko-KR" sz="1000" dirty="0" smtClean="0">
+              <a:ln>
+                <a:solidFill>
+                  <a:schemeClr val="tx1">
+                    <a:alpha val="0"/>
+                  </a:schemeClr>
+                </a:solidFill>
+              </a:ln>
+              <a:latin typeface="나눔바른고딕" panose="020B0603020101020101" pitchFamily="50" charset="-127"/>
+              <a:ea typeface="나눔바른고딕" panose="020B0603020101020101" pitchFamily="50" charset="-127"/>
+            </a:endParaRPr>
+          </a:p>
+        </p:txBody>
+      </p:sp>
     </p:spTree>
     <p:extLst>
       <p:ext uri="{BB962C8B-B14F-4D97-AF65-F5344CB8AC3E}">
@@ -13312,7 +16391,7 @@
 </p:sld>
 </file>
 
-<file path=ppt/slides/slide15.xml><?xml version="1.0" encoding="utf-8"?>
+<file path=ppt/slides/slide18.xml><?xml version="1.0" encoding="utf-8"?>
 <p:sld xmlns:a="http://schemas.openxmlformats.org/drawingml/2006/main" xmlns:r="http://schemas.openxmlformats.org/officeDocument/2006/relationships" xmlns:p="http://schemas.openxmlformats.org/presentationml/2006/main">
   <p:cSld>
     <p:spTree>
@@ -13353,6 +16432,286 @@
           </a:prstGeom>
         </p:spPr>
       </p:pic>
+      <p:sp>
+        <p:nvSpPr>
+          <p:cNvPr id="3" name="직사각형 2"/>
+          <p:cNvSpPr/>
+          <p:nvPr/>
+        </p:nvSpPr>
+        <p:spPr>
+          <a:xfrm>
+            <a:off x="136868" y="98606"/>
+            <a:ext cx="4572000" cy="253916"/>
+          </a:xfrm>
+          <a:prstGeom prst="rect">
+            <a:avLst/>
+          </a:prstGeom>
+        </p:spPr>
+        <p:txBody>
+          <a:bodyPr>
+            <a:spAutoFit/>
+          </a:bodyPr>
+          <a:lstStyle/>
+          <a:p>
+            <a:r>
+              <a:rPr lang="ko-KR" altLang="en-US" sz="1050" dirty="0" smtClean="0">
+                <a:ln>
+                  <a:solidFill>
+                    <a:schemeClr val="tx1">
+                      <a:alpha val="0"/>
+                    </a:schemeClr>
+                  </a:solidFill>
+                </a:ln>
+                <a:latin typeface="나눔바른고딕" panose="020B0603020101020101" pitchFamily="50" charset="-127"/>
+                <a:ea typeface="나눔바른고딕" panose="020B0603020101020101" pitchFamily="50" charset="-127"/>
+              </a:rPr>
+              <a:t>저조한 </a:t>
+            </a:r>
+            <a:r>
+              <a:rPr lang="ko-KR" altLang="en-US" sz="1050" dirty="0" err="1" smtClean="0">
+                <a:ln>
+                  <a:solidFill>
+                    <a:schemeClr val="tx1">
+                      <a:alpha val="0"/>
+                    </a:schemeClr>
+                  </a:solidFill>
+                </a:ln>
+                <a:latin typeface="나눔바른고딕" panose="020B0603020101020101" pitchFamily="50" charset="-127"/>
+                <a:ea typeface="나눔바른고딕" panose="020B0603020101020101" pitchFamily="50" charset="-127"/>
+              </a:rPr>
+              <a:t>미션참여율</a:t>
+            </a:r>
+            <a:r>
+              <a:rPr lang="ko-KR" altLang="en-US" sz="1050" dirty="0" smtClean="0">
+                <a:ln>
+                  <a:solidFill>
+                    <a:schemeClr val="tx1">
+                      <a:alpha val="0"/>
+                    </a:schemeClr>
+                  </a:solidFill>
+                </a:ln>
+                <a:latin typeface="나눔바른고딕" panose="020B0603020101020101" pitchFamily="50" charset="-127"/>
+                <a:ea typeface="나눔바른고딕" panose="020B0603020101020101" pitchFamily="50" charset="-127"/>
+              </a:rPr>
+              <a:t> </a:t>
+            </a:r>
+            <a:r>
+              <a:rPr lang="en-US" altLang="ko-KR" sz="1050" dirty="0" smtClean="0">
+                <a:ln>
+                  <a:solidFill>
+                    <a:schemeClr val="tx1">
+                      <a:alpha val="0"/>
+                    </a:schemeClr>
+                  </a:solidFill>
+                </a:ln>
+                <a:latin typeface="나눔바른고딕" panose="020B0603020101020101" pitchFamily="50" charset="-127"/>
+                <a:ea typeface="나눔바른고딕" panose="020B0603020101020101" pitchFamily="50" charset="-127"/>
+              </a:rPr>
+              <a:t>: </a:t>
+            </a:r>
+            <a:r>
+              <a:rPr lang="ko-KR" altLang="en-US" sz="1050" dirty="0" err="1" smtClean="0">
+                <a:ln>
+                  <a:solidFill>
+                    <a:schemeClr val="tx1">
+                      <a:alpha val="0"/>
+                    </a:schemeClr>
+                  </a:solidFill>
+                </a:ln>
+                <a:latin typeface="나눔바른고딕" panose="020B0603020101020101" pitchFamily="50" charset="-127"/>
+                <a:ea typeface="나눔바른고딕" panose="020B0603020101020101" pitchFamily="50" charset="-127"/>
+              </a:rPr>
+              <a:t>채널톡</a:t>
+            </a:r>
+            <a:r>
+              <a:rPr lang="ko-KR" altLang="en-US" sz="1050" dirty="0" smtClean="0">
+                <a:ln>
+                  <a:solidFill>
+                    <a:schemeClr val="tx1">
+                      <a:alpha val="0"/>
+                    </a:schemeClr>
+                  </a:solidFill>
+                </a:ln>
+                <a:latin typeface="나눔바른고딕" panose="020B0603020101020101" pitchFamily="50" charset="-127"/>
+                <a:ea typeface="나눔바른고딕" panose="020B0603020101020101" pitchFamily="50" charset="-127"/>
+              </a:rPr>
+              <a:t> 활용</a:t>
+            </a:r>
+            <a:endParaRPr lang="ko-KR" altLang="en-US" sz="1050" b="1" dirty="0">
+              <a:ln>
+                <a:solidFill>
+                  <a:schemeClr val="tx1">
+                    <a:alpha val="0"/>
+                  </a:schemeClr>
+                </a:solidFill>
+              </a:ln>
+              <a:latin typeface="나눔바른고딕" panose="020B0603020101020101" pitchFamily="50" charset="-127"/>
+              <a:ea typeface="나눔바른고딕" panose="020B0603020101020101" pitchFamily="50" charset="-127"/>
+            </a:endParaRPr>
+          </a:p>
+        </p:txBody>
+      </p:sp>
+      <p:cxnSp>
+        <p:nvCxnSpPr>
+          <p:cNvPr id="4" name="직선 연결선 3"/>
+          <p:cNvCxnSpPr/>
+          <p:nvPr/>
+        </p:nvCxnSpPr>
+        <p:spPr>
+          <a:xfrm>
+            <a:off x="136868" y="401870"/>
+            <a:ext cx="8867351" cy="0"/>
+          </a:xfrm>
+          <a:prstGeom prst="line">
+            <a:avLst/>
+          </a:prstGeom>
+          <a:ln>
+            <a:solidFill>
+              <a:schemeClr val="tx1"/>
+            </a:solidFill>
+          </a:ln>
+        </p:spPr>
+        <p:style>
+          <a:lnRef idx="1">
+            <a:schemeClr val="accent1"/>
+          </a:lnRef>
+          <a:fillRef idx="0">
+            <a:schemeClr val="accent1"/>
+          </a:fillRef>
+          <a:effectRef idx="0">
+            <a:schemeClr val="accent1"/>
+          </a:effectRef>
+          <a:fontRef idx="minor">
+            <a:schemeClr val="tx1"/>
+          </a:fontRef>
+        </p:style>
+      </p:cxnSp>
+      <p:sp>
+        <p:nvSpPr>
+          <p:cNvPr id="5" name="직사각형 4"/>
+          <p:cNvSpPr/>
+          <p:nvPr/>
+        </p:nvSpPr>
+        <p:spPr>
+          <a:xfrm>
+            <a:off x="180831" y="528536"/>
+            <a:ext cx="6170204" cy="400110"/>
+          </a:xfrm>
+          <a:prstGeom prst="rect">
+            <a:avLst/>
+          </a:prstGeom>
+        </p:spPr>
+        <p:txBody>
+          <a:bodyPr wrap="square">
+            <a:spAutoFit/>
+          </a:bodyPr>
+          <a:lstStyle/>
+          <a:p>
+            <a:pPr marL="171450" indent="-171450">
+              <a:buFontTx/>
+              <a:buChar char="-"/>
+            </a:pPr>
+            <a:r>
+              <a:rPr lang="ko-KR" altLang="en-US" sz="1000" dirty="0" smtClean="0">
+                <a:ln>
+                  <a:solidFill>
+                    <a:schemeClr val="tx1">
+                      <a:alpha val="0"/>
+                    </a:schemeClr>
+                  </a:solidFill>
+                </a:ln>
+                <a:latin typeface="나눔바른고딕" panose="020B0603020101020101" pitchFamily="50" charset="-127"/>
+                <a:ea typeface="나눔바른고딕" panose="020B0603020101020101" pitchFamily="50" charset="-127"/>
+              </a:rPr>
+              <a:t>미션 참여율을 높이면 구매전환수가 증가 할 것이다</a:t>
+            </a:r>
+            <a:endParaRPr lang="en-US" altLang="ko-KR" sz="1000" dirty="0" smtClean="0">
+              <a:ln>
+                <a:solidFill>
+                  <a:schemeClr val="tx1">
+                    <a:alpha val="0"/>
+                  </a:schemeClr>
+                </a:solidFill>
+              </a:ln>
+              <a:latin typeface="나눔바른고딕" panose="020B0603020101020101" pitchFamily="50" charset="-127"/>
+              <a:ea typeface="나눔바른고딕" panose="020B0603020101020101" pitchFamily="50" charset="-127"/>
+            </a:endParaRPr>
+          </a:p>
+          <a:p>
+            <a:pPr marL="171450" indent="-171450">
+              <a:buFontTx/>
+              <a:buChar char="-"/>
+            </a:pPr>
+            <a:r>
+              <a:rPr lang="ko-KR" altLang="en-US" sz="1000" dirty="0" smtClean="0">
+                <a:ln>
+                  <a:solidFill>
+                    <a:schemeClr val="tx1">
+                      <a:alpha val="0"/>
+                    </a:schemeClr>
+                  </a:solidFill>
+                </a:ln>
+                <a:latin typeface="나눔바른고딕" panose="020B0603020101020101" pitchFamily="50" charset="-127"/>
+                <a:ea typeface="나눔바른고딕" panose="020B0603020101020101" pitchFamily="50" charset="-127"/>
+              </a:rPr>
+              <a:t>인적자원 대체 </a:t>
+            </a:r>
+            <a:r>
+              <a:rPr lang="en-US" altLang="ko-KR" sz="1000" dirty="0" smtClean="0">
+                <a:ln>
+                  <a:solidFill>
+                    <a:schemeClr val="tx1">
+                      <a:alpha val="0"/>
+                    </a:schemeClr>
+                  </a:solidFill>
+                </a:ln>
+                <a:latin typeface="나눔바른고딕" panose="020B0603020101020101" pitchFamily="50" charset="-127"/>
+                <a:ea typeface="나눔바른고딕" panose="020B0603020101020101" pitchFamily="50" charset="-127"/>
+              </a:rPr>
+              <a:t>: </a:t>
+            </a:r>
+            <a:r>
+              <a:rPr lang="ko-KR" altLang="en-US" sz="1000" dirty="0" err="1" smtClean="0">
+                <a:ln>
+                  <a:solidFill>
+                    <a:schemeClr val="tx1">
+                      <a:alpha val="0"/>
+                    </a:schemeClr>
+                  </a:solidFill>
+                </a:ln>
+                <a:latin typeface="나눔바른고딕" panose="020B0603020101020101" pitchFamily="50" charset="-127"/>
+                <a:ea typeface="나눔바른고딕" panose="020B0603020101020101" pitchFamily="50" charset="-127"/>
+              </a:rPr>
+              <a:t>채널톡으로</a:t>
+            </a:r>
+            <a:r>
+              <a:rPr lang="ko-KR" altLang="en-US" sz="1000" dirty="0" smtClean="0">
+                <a:ln>
+                  <a:solidFill>
+                    <a:schemeClr val="tx1">
+                      <a:alpha val="0"/>
+                    </a:schemeClr>
+                  </a:solidFill>
+                </a:ln>
+                <a:latin typeface="나눔바른고딕" panose="020B0603020101020101" pitchFamily="50" charset="-127"/>
+                <a:ea typeface="나눔바른고딕" panose="020B0603020101020101" pitchFamily="50" charset="-127"/>
+              </a:rPr>
+              <a:t> 올릴 수 있을 것이다</a:t>
+            </a:r>
+            <a:endParaRPr lang="en-US" altLang="ko-KR" sz="1000" dirty="0">
+              <a:ln>
+                <a:solidFill>
+                  <a:schemeClr val="tx1">
+                    <a:alpha val="0"/>
+                  </a:schemeClr>
+                </a:solidFill>
+              </a:ln>
+              <a:latin typeface="나눔바른고딕" panose="020B0603020101020101" pitchFamily="50" charset="-127"/>
+              <a:ea typeface="나눔바른고딕" panose="020B0603020101020101" pitchFamily="50" charset="-127"/>
+            </a:endParaRPr>
+          </a:p>
+        </p:txBody>
+      </p:sp>
     </p:spTree>
     <p:extLst>
       <p:ext uri="{BB962C8B-B14F-4D97-AF65-F5344CB8AC3E}">
@@ -13366,7 +16725,7 @@
 </p:sld>
 </file>
 
-<file path=ppt/slides/slide16.xml><?xml version="1.0" encoding="utf-8"?>
+<file path=ppt/slides/slide19.xml><?xml version="1.0" encoding="utf-8"?>
 <p:sld xmlns:a="http://schemas.openxmlformats.org/drawingml/2006/main" xmlns:r="http://schemas.openxmlformats.org/officeDocument/2006/relationships" xmlns:p="http://schemas.openxmlformats.org/presentationml/2006/main">
   <p:cSld>
     <p:spTree>
@@ -13383,16 +16742,176 @@
           <a:chExt cx="0" cy="0"/>
         </a:xfrm>
       </p:grpSpPr>
+      <p:pic>
+        <p:nvPicPr>
+          <p:cNvPr id="3" name="그림 2"/>
+          <p:cNvPicPr>
+            <a:picLocks noChangeAspect="1"/>
+          </p:cNvPicPr>
+          <p:nvPr/>
+        </p:nvPicPr>
+        <p:blipFill>
+          <a:blip r:embed="rId2"/>
+          <a:stretch>
+            <a:fillRect/>
+          </a:stretch>
+        </p:blipFill>
+        <p:spPr>
+          <a:xfrm>
+            <a:off x="735409" y="942791"/>
+            <a:ext cx="3557030" cy="2276946"/>
+          </a:xfrm>
+          <a:prstGeom prst="rect">
+            <a:avLst/>
+          </a:prstGeom>
+        </p:spPr>
+      </p:pic>
+      <p:pic>
+        <p:nvPicPr>
+          <p:cNvPr id="4" name="그림 3"/>
+          <p:cNvPicPr>
+            <a:picLocks noChangeAspect="1"/>
+          </p:cNvPicPr>
+          <p:nvPr/>
+        </p:nvPicPr>
+        <p:blipFill>
+          <a:blip r:embed="rId3"/>
+          <a:stretch>
+            <a:fillRect/>
+          </a:stretch>
+        </p:blipFill>
+        <p:spPr>
+          <a:xfrm>
+            <a:off x="4540027" y="942791"/>
+            <a:ext cx="2023851" cy="2428621"/>
+          </a:xfrm>
+          <a:prstGeom prst="rect">
+            <a:avLst/>
+          </a:prstGeom>
+        </p:spPr>
+      </p:pic>
       <p:sp>
         <p:nvSpPr>
-          <p:cNvPr id="2" name="직사각형 1"/>
+          <p:cNvPr id="6" name="직사각형 5"/>
           <p:cNvSpPr/>
           <p:nvPr/>
         </p:nvSpPr>
         <p:spPr>
           <a:xfrm>
-            <a:off x="248154" y="5565677"/>
-            <a:ext cx="6170204" cy="553998"/>
+            <a:off x="136868" y="98606"/>
+            <a:ext cx="4572000" cy="253916"/>
+          </a:xfrm>
+          <a:prstGeom prst="rect">
+            <a:avLst/>
+          </a:prstGeom>
+        </p:spPr>
+        <p:txBody>
+          <a:bodyPr>
+            <a:spAutoFit/>
+          </a:bodyPr>
+          <a:lstStyle/>
+          <a:p>
+            <a:r>
+              <a:rPr lang="ko-KR" altLang="en-US" sz="1050" dirty="0" smtClean="0">
+                <a:ln>
+                  <a:solidFill>
+                    <a:schemeClr val="tx1">
+                      <a:alpha val="0"/>
+                    </a:schemeClr>
+                  </a:solidFill>
+                </a:ln>
+                <a:latin typeface="나눔바른고딕" panose="020B0603020101020101" pitchFamily="50" charset="-127"/>
+                <a:ea typeface="나눔바른고딕" panose="020B0603020101020101" pitchFamily="50" charset="-127"/>
+              </a:rPr>
+              <a:t>전환 및 인지도 증대 </a:t>
+            </a:r>
+            <a:r>
+              <a:rPr lang="en-US" altLang="ko-KR" sz="1050" dirty="0" smtClean="0">
+                <a:ln>
+                  <a:solidFill>
+                    <a:schemeClr val="tx1">
+                      <a:alpha val="0"/>
+                    </a:schemeClr>
+                  </a:solidFill>
+                </a:ln>
+                <a:latin typeface="나눔바른고딕" panose="020B0603020101020101" pitchFamily="50" charset="-127"/>
+                <a:ea typeface="나눔바른고딕" panose="020B0603020101020101" pitchFamily="50" charset="-127"/>
+              </a:rPr>
+              <a:t>: 1</a:t>
+            </a:r>
+            <a:r>
+              <a:rPr lang="ko-KR" altLang="en-US" sz="1050" dirty="0" smtClean="0">
+                <a:ln>
+                  <a:solidFill>
+                    <a:schemeClr val="tx1">
+                      <a:alpha val="0"/>
+                    </a:schemeClr>
+                  </a:solidFill>
+                </a:ln>
+                <a:latin typeface="나눔바른고딕" panose="020B0603020101020101" pitchFamily="50" charset="-127"/>
+                <a:ea typeface="나눔바른고딕" panose="020B0603020101020101" pitchFamily="50" charset="-127"/>
+              </a:rPr>
+              <a:t>월 이벤트</a:t>
+            </a:r>
+            <a:endParaRPr lang="ko-KR" altLang="en-US" sz="1050" b="1" dirty="0">
+              <a:ln>
+                <a:solidFill>
+                  <a:schemeClr val="tx1">
+                    <a:alpha val="0"/>
+                  </a:schemeClr>
+                </a:solidFill>
+              </a:ln>
+              <a:latin typeface="나눔바른고딕" panose="020B0603020101020101" pitchFamily="50" charset="-127"/>
+              <a:ea typeface="나눔바른고딕" panose="020B0603020101020101" pitchFamily="50" charset="-127"/>
+            </a:endParaRPr>
+          </a:p>
+        </p:txBody>
+      </p:sp>
+      <p:cxnSp>
+        <p:nvCxnSpPr>
+          <p:cNvPr id="7" name="직선 연결선 6"/>
+          <p:cNvCxnSpPr/>
+          <p:nvPr/>
+        </p:nvCxnSpPr>
+        <p:spPr>
+          <a:xfrm>
+            <a:off x="136868" y="401870"/>
+            <a:ext cx="8867351" cy="0"/>
+          </a:xfrm>
+          <a:prstGeom prst="line">
+            <a:avLst/>
+          </a:prstGeom>
+          <a:ln>
+            <a:solidFill>
+              <a:schemeClr val="tx1"/>
+            </a:solidFill>
+          </a:ln>
+        </p:spPr>
+        <p:style>
+          <a:lnRef idx="1">
+            <a:schemeClr val="accent1"/>
+          </a:lnRef>
+          <a:fillRef idx="0">
+            <a:schemeClr val="accent1"/>
+          </a:fillRef>
+          <a:effectRef idx="0">
+            <a:schemeClr val="accent1"/>
+          </a:effectRef>
+          <a:fontRef idx="minor">
+            <a:schemeClr val="tx1"/>
+          </a:fontRef>
+        </p:style>
+      </p:cxnSp>
+      <p:sp>
+        <p:nvSpPr>
+          <p:cNvPr id="8" name="직사각형 7"/>
+          <p:cNvSpPr/>
+          <p:nvPr/>
+        </p:nvSpPr>
+        <p:spPr>
+          <a:xfrm>
+            <a:off x="510243" y="5146334"/>
+            <a:ext cx="6170204" cy="707886"/>
           </a:xfrm>
           <a:prstGeom prst="rect">
             <a:avLst/>
@@ -13416,7 +16935,7 @@
                 <a:latin typeface="나눔바른고딕" panose="020B0603020101020101" pitchFamily="50" charset="-127"/>
                 <a:ea typeface="나눔바른고딕" panose="020B0603020101020101" pitchFamily="50" charset="-127"/>
               </a:rPr>
-              <a:t>대전 양영학원에서 유입</a:t>
+              <a:t>예시</a:t>
             </a:r>
             <a:r>
               <a:rPr lang="en-US" altLang="ko-KR" sz="1000" dirty="0" smtClean="0">
@@ -13430,69 +16949,11 @@
                 <a:latin typeface="나눔바른고딕" panose="020B0603020101020101" pitchFamily="50" charset="-127"/>
                 <a:ea typeface="나눔바른고딕" panose="020B0603020101020101" pitchFamily="50" charset="-127"/>
               </a:rPr>
-              <a:t>??</a:t>
-            </a:r>
-          </a:p>
-          <a:p>
-            <a:r>
-              <a:rPr lang="ko-KR" altLang="en-US" sz="1000" dirty="0" smtClean="0">
-                <a:ln>
-                  <a:solidFill>
-                    <a:schemeClr val="tx1">
-                      <a:alpha val="0"/>
-                    </a:schemeClr>
-                  </a:solidFill>
-                </a:ln>
-                <a:latin typeface="나눔바른고딕" panose="020B0603020101020101" pitchFamily="50" charset="-127"/>
-                <a:ea typeface="나눔바른고딕" panose="020B0603020101020101" pitchFamily="50" charset="-127"/>
-              </a:rPr>
-              <a:t>부산 </a:t>
-            </a:r>
-            <a:r>
-              <a:rPr lang="ko-KR" altLang="en-US" sz="1000" dirty="0" err="1" smtClean="0">
-                <a:ln>
-                  <a:solidFill>
-                    <a:schemeClr val="tx1">
-                      <a:alpha val="0"/>
-                    </a:schemeClr>
-                  </a:solidFill>
-                </a:ln>
-                <a:latin typeface="나눔바른고딕" panose="020B0603020101020101" pitchFamily="50" charset="-127"/>
-                <a:ea typeface="나눔바른고딕" panose="020B0603020101020101" pitchFamily="50" charset="-127"/>
-              </a:rPr>
-              <a:t>라온학원</a:t>
-            </a:r>
-            <a:r>
-              <a:rPr lang="en-US" altLang="ko-KR" sz="1000" dirty="0" smtClean="0">
-                <a:ln>
-                  <a:solidFill>
-                    <a:schemeClr val="tx1">
-                      <a:alpha val="0"/>
-                    </a:schemeClr>
-                  </a:solidFill>
-                </a:ln>
-                <a:latin typeface="나눔바른고딕" panose="020B0603020101020101" pitchFamily="50" charset="-127"/>
-                <a:ea typeface="나눔바른고딕" panose="020B0603020101020101" pitchFamily="50" charset="-127"/>
-              </a:rPr>
-              <a:t>… </a:t>
-            </a:r>
-          </a:p>
-          <a:p>
-            <a:r>
-              <a:rPr lang="ko-KR" altLang="en-US" sz="1000" dirty="0" smtClean="0">
-                <a:ln>
-                  <a:solidFill>
-                    <a:schemeClr val="tx1">
-                      <a:alpha val="0"/>
-                    </a:schemeClr>
-                  </a:solidFill>
-                </a:ln>
-                <a:latin typeface="나눔바른고딕" panose="020B0603020101020101" pitchFamily="50" charset="-127"/>
-                <a:ea typeface="나눔바른고딕" panose="020B0603020101020101" pitchFamily="50" charset="-127"/>
-              </a:rPr>
-              <a:t>창원 </a:t>
-            </a:r>
-            <a:endParaRPr lang="ko-KR" altLang="en-US" sz="1000" dirty="0">
+              <a:t>)</a:t>
+            </a:r>
+          </a:p>
+          <a:p>
+            <a:endParaRPr lang="en-US" altLang="ko-KR" sz="1000" dirty="0">
               <a:ln>
                 <a:solidFill>
                   <a:schemeClr val="tx1">
@@ -13504,12 +16965,108 @@
               <a:ea typeface="나눔바른고딕" panose="020B0603020101020101" pitchFamily="50" charset="-127"/>
             </a:endParaRPr>
           </a:p>
+          <a:p>
+            <a:r>
+              <a:rPr lang="ko-KR" altLang="en-US" sz="1000" dirty="0" smtClean="0">
+                <a:ln>
+                  <a:solidFill>
+                    <a:schemeClr val="tx1">
+                      <a:alpha val="0"/>
+                    </a:schemeClr>
+                  </a:solidFill>
+                </a:ln>
+                <a:latin typeface="나눔바른고딕" panose="020B0603020101020101" pitchFamily="50" charset="-127"/>
+                <a:ea typeface="나눔바른고딕" panose="020B0603020101020101" pitchFamily="50" charset="-127"/>
+              </a:rPr>
+              <a:t>친구와 함께 </a:t>
+            </a:r>
+            <a:r>
+              <a:rPr lang="ko-KR" altLang="en-US" sz="1000" dirty="0" err="1" smtClean="0">
+                <a:ln>
+                  <a:solidFill>
+                    <a:schemeClr val="tx1">
+                      <a:alpha val="0"/>
+                    </a:schemeClr>
+                  </a:solidFill>
+                </a:ln>
+                <a:latin typeface="나눔바른고딕" panose="020B0603020101020101" pitchFamily="50" charset="-127"/>
+                <a:ea typeface="나눔바른고딕" panose="020B0603020101020101" pitchFamily="50" charset="-127"/>
+              </a:rPr>
+              <a:t>등록시</a:t>
+            </a:r>
+            <a:r>
+              <a:rPr lang="ko-KR" altLang="en-US" sz="1000" dirty="0" smtClean="0">
+                <a:ln>
+                  <a:solidFill>
+                    <a:schemeClr val="tx1">
+                      <a:alpha val="0"/>
+                    </a:schemeClr>
+                  </a:solidFill>
+                </a:ln>
+                <a:latin typeface="나눔바른고딕" panose="020B0603020101020101" pitchFamily="50" charset="-127"/>
+                <a:ea typeface="나눔바른고딕" panose="020B0603020101020101" pitchFamily="50" charset="-127"/>
+              </a:rPr>
+              <a:t> </a:t>
+            </a:r>
+            <a:r>
+              <a:rPr lang="ko-KR" altLang="en-US" sz="1000" dirty="0" err="1" smtClean="0">
+                <a:ln>
+                  <a:solidFill>
+                    <a:schemeClr val="tx1">
+                      <a:alpha val="0"/>
+                    </a:schemeClr>
+                  </a:solidFill>
+                </a:ln>
+                <a:latin typeface="나눔바른고딕" panose="020B0603020101020101" pitchFamily="50" charset="-127"/>
+                <a:ea typeface="나눔바른고딕" panose="020B0603020101020101" pitchFamily="50" charset="-127"/>
+              </a:rPr>
+              <a:t>수강권</a:t>
+            </a:r>
+            <a:r>
+              <a:rPr lang="ko-KR" altLang="en-US" sz="1000" dirty="0" smtClean="0">
+                <a:ln>
+                  <a:solidFill>
+                    <a:schemeClr val="tx1">
+                      <a:alpha val="0"/>
+                    </a:schemeClr>
+                  </a:solidFill>
+                </a:ln>
+                <a:latin typeface="나눔바른고딕" panose="020B0603020101020101" pitchFamily="50" charset="-127"/>
+                <a:ea typeface="나눔바른고딕" panose="020B0603020101020101" pitchFamily="50" charset="-127"/>
+              </a:rPr>
+              <a:t> 할인 혜택</a:t>
+            </a:r>
+            <a:endParaRPr lang="en-US" altLang="ko-KR" sz="1000" dirty="0" smtClean="0">
+              <a:ln>
+                <a:solidFill>
+                  <a:schemeClr val="tx1">
+                    <a:alpha val="0"/>
+                  </a:schemeClr>
+                </a:solidFill>
+              </a:ln>
+              <a:latin typeface="나눔바른고딕" panose="020B0603020101020101" pitchFamily="50" charset="-127"/>
+              <a:ea typeface="나눔바른고딕" panose="020B0603020101020101" pitchFamily="50" charset="-127"/>
+            </a:endParaRPr>
+          </a:p>
+          <a:p>
+            <a:endParaRPr lang="en-US" altLang="ko-KR" sz="1000" dirty="0" smtClean="0">
+              <a:ln>
+                <a:solidFill>
+                  <a:schemeClr val="tx1">
+                    <a:alpha val="0"/>
+                  </a:schemeClr>
+                </a:solidFill>
+              </a:ln>
+              <a:latin typeface="나눔바른고딕" panose="020B0603020101020101" pitchFamily="50" charset="-127"/>
+              <a:ea typeface="나눔바른고딕" panose="020B0603020101020101" pitchFamily="50" charset="-127"/>
+            </a:endParaRPr>
+          </a:p>
         </p:txBody>
       </p:sp>
     </p:spTree>
     <p:extLst>
       <p:ext uri="{BB962C8B-B14F-4D97-AF65-F5344CB8AC3E}">
-        <p14:creationId xmlns:p14="http://schemas.microsoft.com/office/powerpoint/2010/main" val="2171678571"/>
+        <p14:creationId xmlns:p14="http://schemas.microsoft.com/office/powerpoint/2010/main" val="1144258113"/>
       </p:ext>
     </p:extLst>
   </p:cSld>
@@ -14773,6 +18330,522 @@
     <p:extLst>
       <p:ext uri="{BB962C8B-B14F-4D97-AF65-F5344CB8AC3E}">
         <p14:creationId xmlns:p14="http://schemas.microsoft.com/office/powerpoint/2010/main" val="1203949875"/>
+      </p:ext>
+    </p:extLst>
+  </p:cSld>
+  <p:clrMapOvr>
+    <a:masterClrMapping/>
+  </p:clrMapOvr>
+</p:sld>
+</file>
+
+<file path=ppt/slides/slide20.xml><?xml version="1.0" encoding="utf-8"?>
+<p:sld xmlns:a="http://schemas.openxmlformats.org/drawingml/2006/main" xmlns:r="http://schemas.openxmlformats.org/officeDocument/2006/relationships" xmlns:p="http://schemas.openxmlformats.org/presentationml/2006/main">
+  <p:cSld>
+    <p:spTree>
+      <p:nvGrpSpPr>
+        <p:cNvPr id="1" name=""/>
+        <p:cNvGrpSpPr/>
+        <p:nvPr/>
+      </p:nvGrpSpPr>
+      <p:grpSpPr>
+        <a:xfrm>
+          <a:off x="0" y="0"/>
+          <a:ext cx="0" cy="0"/>
+          <a:chOff x="0" y="0"/>
+          <a:chExt cx="0" cy="0"/>
+        </a:xfrm>
+      </p:grpSpPr>
+      <p:pic>
+        <p:nvPicPr>
+          <p:cNvPr id="2" name="그림 1"/>
+          <p:cNvPicPr>
+            <a:picLocks noChangeAspect="1"/>
+          </p:cNvPicPr>
+          <p:nvPr/>
+        </p:nvPicPr>
+        <p:blipFill>
+          <a:blip r:embed="rId2"/>
+          <a:stretch>
+            <a:fillRect/>
+          </a:stretch>
+        </p:blipFill>
+        <p:spPr>
+          <a:xfrm>
+            <a:off x="2616158" y="843862"/>
+            <a:ext cx="3805632" cy="2214804"/>
+          </a:xfrm>
+          <a:prstGeom prst="rect">
+            <a:avLst/>
+          </a:prstGeom>
+        </p:spPr>
+      </p:pic>
+      <p:sp>
+        <p:nvSpPr>
+          <p:cNvPr id="3" name="직사각형 2"/>
+          <p:cNvSpPr/>
+          <p:nvPr/>
+        </p:nvSpPr>
+        <p:spPr>
+          <a:xfrm>
+            <a:off x="136868" y="98606"/>
+            <a:ext cx="4572000" cy="253916"/>
+          </a:xfrm>
+          <a:prstGeom prst="rect">
+            <a:avLst/>
+          </a:prstGeom>
+        </p:spPr>
+        <p:txBody>
+          <a:bodyPr>
+            <a:spAutoFit/>
+          </a:bodyPr>
+          <a:lstStyle/>
+          <a:p>
+            <a:r>
+              <a:rPr lang="ko-KR" altLang="en-US" sz="1050" dirty="0" smtClean="0">
+                <a:ln>
+                  <a:solidFill>
+                    <a:schemeClr val="tx1">
+                      <a:alpha val="0"/>
+                    </a:schemeClr>
+                  </a:solidFill>
+                </a:ln>
+                <a:latin typeface="나눔바른고딕" panose="020B0603020101020101" pitchFamily="50" charset="-127"/>
+                <a:ea typeface="나눔바른고딕" panose="020B0603020101020101" pitchFamily="50" charset="-127"/>
+              </a:rPr>
+              <a:t>패키지에 대한 유입 증대 </a:t>
+            </a:r>
+            <a:r>
+              <a:rPr lang="en-US" altLang="ko-KR" sz="1050" dirty="0" smtClean="0">
+                <a:ln>
+                  <a:solidFill>
+                    <a:schemeClr val="tx1">
+                      <a:alpha val="0"/>
+                    </a:schemeClr>
+                  </a:solidFill>
+                </a:ln>
+                <a:latin typeface="나눔바른고딕" panose="020B0603020101020101" pitchFamily="50" charset="-127"/>
+                <a:ea typeface="나눔바른고딕" panose="020B0603020101020101" pitchFamily="50" charset="-127"/>
+              </a:rPr>
+              <a:t>: </a:t>
+            </a:r>
+            <a:r>
+              <a:rPr lang="ko-KR" altLang="en-US" sz="1050" dirty="0" err="1" smtClean="0">
+                <a:ln>
+                  <a:solidFill>
+                    <a:schemeClr val="tx1">
+                      <a:alpha val="0"/>
+                    </a:schemeClr>
+                  </a:solidFill>
+                </a:ln>
+                <a:latin typeface="나눔바른고딕" panose="020B0603020101020101" pitchFamily="50" charset="-127"/>
+                <a:ea typeface="나눔바른고딕" panose="020B0603020101020101" pitchFamily="50" charset="-127"/>
+              </a:rPr>
+              <a:t>커리큘럼별</a:t>
+            </a:r>
+            <a:r>
+              <a:rPr lang="ko-KR" altLang="en-US" sz="1050" dirty="0" smtClean="0">
+                <a:ln>
+                  <a:solidFill>
+                    <a:schemeClr val="tx1">
+                      <a:alpha val="0"/>
+                    </a:schemeClr>
+                  </a:solidFill>
+                </a:ln>
+                <a:latin typeface="나눔바른고딕" panose="020B0603020101020101" pitchFamily="50" charset="-127"/>
+                <a:ea typeface="나눔바른고딕" panose="020B0603020101020101" pitchFamily="50" charset="-127"/>
+              </a:rPr>
+              <a:t> 패키지 만들기</a:t>
+            </a:r>
+            <a:endParaRPr lang="ko-KR" altLang="en-US" sz="1050" b="1" dirty="0">
+              <a:ln>
+                <a:solidFill>
+                  <a:schemeClr val="tx1">
+                    <a:alpha val="0"/>
+                  </a:schemeClr>
+                </a:solidFill>
+              </a:ln>
+              <a:latin typeface="나눔바른고딕" panose="020B0603020101020101" pitchFamily="50" charset="-127"/>
+              <a:ea typeface="나눔바른고딕" panose="020B0603020101020101" pitchFamily="50" charset="-127"/>
+            </a:endParaRPr>
+          </a:p>
+        </p:txBody>
+      </p:sp>
+      <p:cxnSp>
+        <p:nvCxnSpPr>
+          <p:cNvPr id="4" name="직선 연결선 3"/>
+          <p:cNvCxnSpPr/>
+          <p:nvPr/>
+        </p:nvCxnSpPr>
+        <p:spPr>
+          <a:xfrm>
+            <a:off x="136868" y="401870"/>
+            <a:ext cx="8867351" cy="0"/>
+          </a:xfrm>
+          <a:prstGeom prst="line">
+            <a:avLst/>
+          </a:prstGeom>
+          <a:ln>
+            <a:solidFill>
+              <a:schemeClr val="tx1"/>
+            </a:solidFill>
+          </a:ln>
+        </p:spPr>
+        <p:style>
+          <a:lnRef idx="1">
+            <a:schemeClr val="accent1"/>
+          </a:lnRef>
+          <a:fillRef idx="0">
+            <a:schemeClr val="accent1"/>
+          </a:fillRef>
+          <a:effectRef idx="0">
+            <a:schemeClr val="accent1"/>
+          </a:effectRef>
+          <a:fontRef idx="minor">
+            <a:schemeClr val="tx1"/>
+          </a:fontRef>
+        </p:style>
+      </p:cxnSp>
+      <p:pic>
+        <p:nvPicPr>
+          <p:cNvPr id="5" name="그림 4"/>
+          <p:cNvPicPr>
+            <a:picLocks noChangeAspect="1"/>
+          </p:cNvPicPr>
+          <p:nvPr/>
+        </p:nvPicPr>
+        <p:blipFill>
+          <a:blip r:embed="rId3"/>
+          <a:stretch>
+            <a:fillRect/>
+          </a:stretch>
+        </p:blipFill>
+        <p:spPr>
+          <a:xfrm>
+            <a:off x="4661880" y="3638550"/>
+            <a:ext cx="4105638" cy="2599911"/>
+          </a:xfrm>
+          <a:prstGeom prst="rect">
+            <a:avLst/>
+          </a:prstGeom>
+        </p:spPr>
+      </p:pic>
+      <p:pic>
+        <p:nvPicPr>
+          <p:cNvPr id="6" name="그림 5"/>
+          <p:cNvPicPr>
+            <a:picLocks noChangeAspect="1"/>
+          </p:cNvPicPr>
+          <p:nvPr/>
+        </p:nvPicPr>
+        <p:blipFill>
+          <a:blip r:embed="rId4"/>
+          <a:stretch>
+            <a:fillRect/>
+          </a:stretch>
+        </p:blipFill>
+        <p:spPr>
+          <a:xfrm>
+            <a:off x="459063" y="3599356"/>
+            <a:ext cx="4059911" cy="2639105"/>
+          </a:xfrm>
+          <a:prstGeom prst="rect">
+            <a:avLst/>
+          </a:prstGeom>
+        </p:spPr>
+      </p:pic>
+      <p:sp>
+        <p:nvSpPr>
+          <p:cNvPr id="7" name="직사각형 6"/>
+          <p:cNvSpPr/>
+          <p:nvPr/>
+        </p:nvSpPr>
+        <p:spPr>
+          <a:xfrm>
+            <a:off x="4518974" y="484064"/>
+            <a:ext cx="4572000" cy="415498"/>
+          </a:xfrm>
+          <a:prstGeom prst="rect">
+            <a:avLst/>
+          </a:prstGeom>
+        </p:spPr>
+        <p:txBody>
+          <a:bodyPr>
+            <a:spAutoFit/>
+          </a:bodyPr>
+          <a:lstStyle/>
+          <a:p>
+            <a:pPr algn="r"/>
+            <a:r>
+              <a:rPr lang="ko-KR" altLang="en-US" sz="1050" dirty="0" smtClean="0">
+                <a:ln>
+                  <a:solidFill>
+                    <a:schemeClr val="tx1">
+                      <a:alpha val="0"/>
+                    </a:schemeClr>
+                  </a:solidFill>
+                </a:ln>
+                <a:latin typeface="나눔바른고딕" panose="020B0603020101020101" pitchFamily="50" charset="-127"/>
+                <a:ea typeface="나눔바른고딕" panose="020B0603020101020101" pitchFamily="50" charset="-127"/>
+              </a:rPr>
+              <a:t>커리큘럼에 대한 높은 관심도</a:t>
+            </a:r>
+            <a:r>
+              <a:rPr lang="en-US" altLang="ko-KR" sz="1050" dirty="0">
+                <a:ln>
+                  <a:solidFill>
+                    <a:schemeClr val="tx1">
+                      <a:alpha val="0"/>
+                    </a:schemeClr>
+                  </a:solidFill>
+                </a:ln>
+                <a:latin typeface="나눔바른고딕" panose="020B0603020101020101" pitchFamily="50" charset="-127"/>
+                <a:ea typeface="나눔바른고딕" panose="020B0603020101020101" pitchFamily="50" charset="-127"/>
+              </a:rPr>
+              <a:t> </a:t>
+            </a:r>
+            <a:r>
+              <a:rPr lang="en-US" altLang="ko-KR" sz="1050" dirty="0" smtClean="0">
+                <a:ln>
+                  <a:solidFill>
+                    <a:schemeClr val="tx1">
+                      <a:alpha val="0"/>
+                    </a:schemeClr>
+                  </a:solidFill>
+                </a:ln>
+                <a:latin typeface="나눔바른고딕" panose="020B0603020101020101" pitchFamily="50" charset="-127"/>
+                <a:ea typeface="나눔바른고딕" panose="020B0603020101020101" pitchFamily="50" charset="-127"/>
+                <a:sym typeface="Wingdings" panose="05000000000000000000" pitchFamily="2" charset="2"/>
+              </a:rPr>
+              <a:t></a:t>
+            </a:r>
+            <a:r>
+              <a:rPr lang="en-US" altLang="ko-KR" sz="1050" dirty="0" smtClean="0">
+                <a:ln>
+                  <a:solidFill>
+                    <a:schemeClr val="tx1">
+                      <a:alpha val="0"/>
+                    </a:schemeClr>
+                  </a:solidFill>
+                </a:ln>
+                <a:latin typeface="나눔바른고딕" panose="020B0603020101020101" pitchFamily="50" charset="-127"/>
+                <a:ea typeface="나눔바른고딕" panose="020B0603020101020101" pitchFamily="50" charset="-127"/>
+              </a:rPr>
+              <a:t> </a:t>
+            </a:r>
+            <a:r>
+              <a:rPr lang="ko-KR" altLang="en-US" sz="1050" dirty="0" smtClean="0">
+                <a:ln>
+                  <a:solidFill>
+                    <a:schemeClr val="tx1">
+                      <a:alpha val="0"/>
+                    </a:schemeClr>
+                  </a:solidFill>
+                </a:ln>
+                <a:latin typeface="나눔바른고딕" panose="020B0603020101020101" pitchFamily="50" charset="-127"/>
+                <a:ea typeface="나눔바른고딕" panose="020B0603020101020101" pitchFamily="50" charset="-127"/>
+              </a:rPr>
+              <a:t>조금 더 명확한 커리큘럼을 만들어 그 커리큘럼을 통째로 </a:t>
+            </a:r>
+            <a:r>
+              <a:rPr lang="ko-KR" altLang="en-US" sz="1050" dirty="0" err="1" smtClean="0">
+                <a:ln>
+                  <a:solidFill>
+                    <a:schemeClr val="tx1">
+                      <a:alpha val="0"/>
+                    </a:schemeClr>
+                  </a:solidFill>
+                </a:ln>
+                <a:latin typeface="나눔바른고딕" panose="020B0603020101020101" pitchFamily="50" charset="-127"/>
+                <a:ea typeface="나눔바른고딕" panose="020B0603020101020101" pitchFamily="50" charset="-127"/>
+              </a:rPr>
+              <a:t>수강신청할</a:t>
+            </a:r>
+            <a:r>
+              <a:rPr lang="ko-KR" altLang="en-US" sz="1050" dirty="0" smtClean="0">
+                <a:ln>
+                  <a:solidFill>
+                    <a:schemeClr val="tx1">
+                      <a:alpha val="0"/>
+                    </a:schemeClr>
+                  </a:solidFill>
+                </a:ln>
+                <a:latin typeface="나눔바른고딕" panose="020B0603020101020101" pitchFamily="50" charset="-127"/>
+                <a:ea typeface="나눔바른고딕" panose="020B0603020101020101" pitchFamily="50" charset="-127"/>
+              </a:rPr>
+              <a:t> 수 있도록 만드는 방식으로 활용 가능</a:t>
+            </a:r>
+            <a:endParaRPr lang="ko-KR" altLang="en-US" sz="1050" b="1" dirty="0">
+              <a:ln>
+                <a:solidFill>
+                  <a:schemeClr val="tx1">
+                    <a:alpha val="0"/>
+                  </a:schemeClr>
+                </a:solidFill>
+              </a:ln>
+              <a:latin typeface="나눔바른고딕" panose="020B0603020101020101" pitchFamily="50" charset="-127"/>
+              <a:ea typeface="나눔바른고딕" panose="020B0603020101020101" pitchFamily="50" charset="-127"/>
+            </a:endParaRPr>
+          </a:p>
+        </p:txBody>
+      </p:sp>
+    </p:spTree>
+    <p:extLst>
+      <p:ext uri="{BB962C8B-B14F-4D97-AF65-F5344CB8AC3E}">
+        <p14:creationId xmlns:p14="http://schemas.microsoft.com/office/powerpoint/2010/main" val="29482825"/>
+      </p:ext>
+    </p:extLst>
+  </p:cSld>
+  <p:clrMapOvr>
+    <a:masterClrMapping/>
+  </p:clrMapOvr>
+</p:sld>
+</file>
+
+<file path=ppt/slides/slide21.xml><?xml version="1.0" encoding="utf-8"?>
+<p:sld xmlns:a="http://schemas.openxmlformats.org/drawingml/2006/main" xmlns:r="http://schemas.openxmlformats.org/officeDocument/2006/relationships" xmlns:p="http://schemas.openxmlformats.org/presentationml/2006/main">
+  <p:cSld>
+    <p:spTree>
+      <p:nvGrpSpPr>
+        <p:cNvPr id="1" name=""/>
+        <p:cNvGrpSpPr/>
+        <p:nvPr/>
+      </p:nvGrpSpPr>
+      <p:grpSpPr>
+        <a:xfrm>
+          <a:off x="0" y="0"/>
+          <a:ext cx="0" cy="0"/>
+          <a:chOff x="0" y="0"/>
+          <a:chExt cx="0" cy="0"/>
+        </a:xfrm>
+      </p:grpSpPr>
+      <p:sp>
+        <p:nvSpPr>
+          <p:cNvPr id="2" name="직사각형 1"/>
+          <p:cNvSpPr/>
+          <p:nvPr/>
+        </p:nvSpPr>
+        <p:spPr>
+          <a:xfrm>
+            <a:off x="248154" y="5565677"/>
+            <a:ext cx="6170204" cy="553998"/>
+          </a:xfrm>
+          <a:prstGeom prst="rect">
+            <a:avLst/>
+          </a:prstGeom>
+        </p:spPr>
+        <p:txBody>
+          <a:bodyPr wrap="square">
+            <a:spAutoFit/>
+          </a:bodyPr>
+          <a:lstStyle/>
+          <a:p>
+            <a:r>
+              <a:rPr lang="ko-KR" altLang="en-US" sz="1000" dirty="0" smtClean="0">
+                <a:ln>
+                  <a:solidFill>
+                    <a:schemeClr val="tx1">
+                      <a:alpha val="0"/>
+                    </a:schemeClr>
+                  </a:solidFill>
+                </a:ln>
+                <a:latin typeface="나눔바른고딕" panose="020B0603020101020101" pitchFamily="50" charset="-127"/>
+                <a:ea typeface="나눔바른고딕" panose="020B0603020101020101" pitchFamily="50" charset="-127"/>
+              </a:rPr>
+              <a:t>대전 양영학원에서 유입</a:t>
+            </a:r>
+            <a:r>
+              <a:rPr lang="en-US" altLang="ko-KR" sz="1000" dirty="0" smtClean="0">
+                <a:ln>
+                  <a:solidFill>
+                    <a:schemeClr val="tx1">
+                      <a:alpha val="0"/>
+                    </a:schemeClr>
+                  </a:solidFill>
+                </a:ln>
+                <a:latin typeface="나눔바른고딕" panose="020B0603020101020101" pitchFamily="50" charset="-127"/>
+                <a:ea typeface="나눔바른고딕" panose="020B0603020101020101" pitchFamily="50" charset="-127"/>
+              </a:rPr>
+              <a:t>??</a:t>
+            </a:r>
+          </a:p>
+          <a:p>
+            <a:r>
+              <a:rPr lang="ko-KR" altLang="en-US" sz="1000" dirty="0" smtClean="0">
+                <a:ln>
+                  <a:solidFill>
+                    <a:schemeClr val="tx1">
+                      <a:alpha val="0"/>
+                    </a:schemeClr>
+                  </a:solidFill>
+                </a:ln>
+                <a:latin typeface="나눔바른고딕" panose="020B0603020101020101" pitchFamily="50" charset="-127"/>
+                <a:ea typeface="나눔바른고딕" panose="020B0603020101020101" pitchFamily="50" charset="-127"/>
+              </a:rPr>
+              <a:t>부산 </a:t>
+            </a:r>
+            <a:r>
+              <a:rPr lang="ko-KR" altLang="en-US" sz="1000" dirty="0" err="1" smtClean="0">
+                <a:ln>
+                  <a:solidFill>
+                    <a:schemeClr val="tx1">
+                      <a:alpha val="0"/>
+                    </a:schemeClr>
+                  </a:solidFill>
+                </a:ln>
+                <a:latin typeface="나눔바른고딕" panose="020B0603020101020101" pitchFamily="50" charset="-127"/>
+                <a:ea typeface="나눔바른고딕" panose="020B0603020101020101" pitchFamily="50" charset="-127"/>
+              </a:rPr>
+              <a:t>라온학원</a:t>
+            </a:r>
+            <a:r>
+              <a:rPr lang="en-US" altLang="ko-KR" sz="1000" dirty="0" smtClean="0">
+                <a:ln>
+                  <a:solidFill>
+                    <a:schemeClr val="tx1">
+                      <a:alpha val="0"/>
+                    </a:schemeClr>
+                  </a:solidFill>
+                </a:ln>
+                <a:latin typeface="나눔바른고딕" panose="020B0603020101020101" pitchFamily="50" charset="-127"/>
+                <a:ea typeface="나눔바른고딕" panose="020B0603020101020101" pitchFamily="50" charset="-127"/>
+              </a:rPr>
+              <a:t>… </a:t>
+            </a:r>
+          </a:p>
+          <a:p>
+            <a:r>
+              <a:rPr lang="ko-KR" altLang="en-US" sz="1000" dirty="0" smtClean="0">
+                <a:ln>
+                  <a:solidFill>
+                    <a:schemeClr val="tx1">
+                      <a:alpha val="0"/>
+                    </a:schemeClr>
+                  </a:solidFill>
+                </a:ln>
+                <a:latin typeface="나눔바른고딕" panose="020B0603020101020101" pitchFamily="50" charset="-127"/>
+                <a:ea typeface="나눔바른고딕" panose="020B0603020101020101" pitchFamily="50" charset="-127"/>
+              </a:rPr>
+              <a:t>창원 </a:t>
+            </a:r>
+            <a:endParaRPr lang="ko-KR" altLang="en-US" sz="1000" dirty="0">
+              <a:ln>
+                <a:solidFill>
+                  <a:schemeClr val="tx1">
+                    <a:alpha val="0"/>
+                  </a:schemeClr>
+                </a:solidFill>
+              </a:ln>
+              <a:latin typeface="나눔바른고딕" panose="020B0603020101020101" pitchFamily="50" charset="-127"/>
+              <a:ea typeface="나눔바른고딕" panose="020B0603020101020101" pitchFamily="50" charset="-127"/>
+            </a:endParaRPr>
+          </a:p>
+        </p:txBody>
+      </p:sp>
+    </p:spTree>
+    <p:extLst>
+      <p:ext uri="{BB962C8B-B14F-4D97-AF65-F5344CB8AC3E}">
+        <p14:creationId xmlns:p14="http://schemas.microsoft.com/office/powerpoint/2010/main" val="2171678571"/>
       </p:ext>
     </p:extLst>
   </p:cSld>

--- a/marketing_insights_GA.pptx
+++ b/marketing_insights_GA.pptx
@@ -26,6 +26,8 @@
     <p:sldId id="272" r:id="rId20"/>
     <p:sldId id="273" r:id="rId21"/>
     <p:sldId id="271" r:id="rId22"/>
+    <p:sldId id="281" r:id="rId23"/>
+    <p:sldId id="280" r:id="rId24"/>
   </p:sldIdLst>
   <p:sldSz cx="9144000" cy="6858000" type="screen4x3"/>
   <p:notesSz cx="6858000" cy="9144000"/>
@@ -12354,21 +12356,7 @@
                 <a:latin typeface="나눔바른고딕" panose="020B0603020101020101" pitchFamily="50" charset="-127"/>
                 <a:ea typeface="나눔바른고딕" panose="020B0603020101020101" pitchFamily="50" charset="-127"/>
               </a:rPr>
-              <a:t> </a:t>
-            </a:r>
-            <a:r>
-              <a:rPr lang="ko-KR" altLang="en-US" sz="1000" dirty="0" smtClean="0">
-                <a:ln>
-                  <a:solidFill>
-                    <a:schemeClr val="tx1">
-                      <a:alpha val="0"/>
-                    </a:schemeClr>
-                  </a:solidFill>
-                </a:ln>
-                <a:latin typeface="나눔바른고딕" panose="020B0603020101020101" pitchFamily="50" charset="-127"/>
-                <a:ea typeface="나눔바른고딕" panose="020B0603020101020101" pitchFamily="50" charset="-127"/>
-              </a:rPr>
-              <a:t>중 </a:t>
+              <a:t> 중 </a:t>
             </a:r>
             <a:endParaRPr lang="en-US" altLang="ko-KR" sz="1000" dirty="0" smtClean="0">
               <a:ln>
@@ -12451,21 +12439,7 @@
                 <a:latin typeface="나눔바른고딕" panose="020B0603020101020101" pitchFamily="50" charset="-127"/>
                 <a:ea typeface="나눔바른고딕" panose="020B0603020101020101" pitchFamily="50" charset="-127"/>
               </a:rPr>
-              <a:t>(</a:t>
-            </a:r>
-            <a:r>
-              <a:rPr lang="en-US" altLang="ko-KR" sz="1000" dirty="0" smtClean="0">
-                <a:ln>
-                  <a:solidFill>
-                    <a:schemeClr val="tx1">
-                      <a:alpha val="0"/>
-                    </a:schemeClr>
-                  </a:solidFill>
-                </a:ln>
-                <a:latin typeface="나눔바른고딕" panose="020B0603020101020101" pitchFamily="50" charset="-127"/>
-                <a:ea typeface="나눔바른고딕" panose="020B0603020101020101" pitchFamily="50" charset="-127"/>
-              </a:rPr>
-              <a:t>admin </a:t>
+              <a:t>(admin </a:t>
             </a:r>
             <a:r>
               <a:rPr lang="ko-KR" altLang="en-US" sz="1000" dirty="0" smtClean="0">
@@ -18846,6 +18820,699 @@
     <p:extLst>
       <p:ext uri="{BB962C8B-B14F-4D97-AF65-F5344CB8AC3E}">
         <p14:creationId xmlns:p14="http://schemas.microsoft.com/office/powerpoint/2010/main" val="2171678571"/>
+      </p:ext>
+    </p:extLst>
+  </p:cSld>
+  <p:clrMapOvr>
+    <a:masterClrMapping/>
+  </p:clrMapOvr>
+</p:sld>
+</file>
+
+<file path=ppt/slides/slide22.xml><?xml version="1.0" encoding="utf-8"?>
+<p:sld xmlns:a="http://schemas.openxmlformats.org/drawingml/2006/main" xmlns:r="http://schemas.openxmlformats.org/officeDocument/2006/relationships" xmlns:p="http://schemas.openxmlformats.org/presentationml/2006/main">
+  <p:cSld>
+    <p:spTree>
+      <p:nvGrpSpPr>
+        <p:cNvPr id="1" name=""/>
+        <p:cNvGrpSpPr/>
+        <p:nvPr/>
+      </p:nvGrpSpPr>
+      <p:grpSpPr>
+        <a:xfrm>
+          <a:off x="0" y="0"/>
+          <a:ext cx="0" cy="0"/>
+          <a:chOff x="0" y="0"/>
+          <a:chExt cx="0" cy="0"/>
+        </a:xfrm>
+      </p:grpSpPr>
+      <p:pic>
+        <p:nvPicPr>
+          <p:cNvPr id="2" name="그림 1"/>
+          <p:cNvPicPr>
+            <a:picLocks noChangeAspect="1"/>
+          </p:cNvPicPr>
+          <p:nvPr/>
+        </p:nvPicPr>
+        <p:blipFill>
+          <a:blip r:embed="rId2"/>
+          <a:stretch>
+            <a:fillRect/>
+          </a:stretch>
+        </p:blipFill>
+        <p:spPr>
+          <a:xfrm>
+            <a:off x="647579" y="936084"/>
+            <a:ext cx="2553271" cy="2713936"/>
+          </a:xfrm>
+          <a:prstGeom prst="rect">
+            <a:avLst/>
+          </a:prstGeom>
+        </p:spPr>
+      </p:pic>
+      <p:pic>
+        <p:nvPicPr>
+          <p:cNvPr id="3" name="그림 2"/>
+          <p:cNvPicPr>
+            <a:picLocks noChangeAspect="1"/>
+          </p:cNvPicPr>
+          <p:nvPr/>
+        </p:nvPicPr>
+        <p:blipFill>
+          <a:blip r:embed="rId3"/>
+          <a:stretch>
+            <a:fillRect/>
+          </a:stretch>
+        </p:blipFill>
+        <p:spPr>
+          <a:xfrm>
+            <a:off x="3288612" y="936084"/>
+            <a:ext cx="2588009" cy="1563227"/>
+          </a:xfrm>
+          <a:prstGeom prst="rect">
+            <a:avLst/>
+          </a:prstGeom>
+        </p:spPr>
+      </p:pic>
+      <p:sp>
+        <p:nvSpPr>
+          <p:cNvPr id="4" name="직사각형 3"/>
+          <p:cNvSpPr/>
+          <p:nvPr/>
+        </p:nvSpPr>
+        <p:spPr>
+          <a:xfrm>
+            <a:off x="455380" y="5692251"/>
+            <a:ext cx="6170204" cy="400110"/>
+          </a:xfrm>
+          <a:prstGeom prst="rect">
+            <a:avLst/>
+          </a:prstGeom>
+        </p:spPr>
+        <p:txBody>
+          <a:bodyPr wrap="square">
+            <a:spAutoFit/>
+          </a:bodyPr>
+          <a:lstStyle/>
+          <a:p>
+            <a:r>
+              <a:rPr lang="en-US" altLang="ko-KR" sz="1000" dirty="0">
+                <a:ln>
+                  <a:solidFill>
+                    <a:schemeClr val="tx1">
+                      <a:alpha val="0"/>
+                    </a:schemeClr>
+                  </a:solidFill>
+                </a:ln>
+                <a:latin typeface="나눔바른고딕" panose="020B0603020101020101" pitchFamily="50" charset="-127"/>
+                <a:ea typeface="나눔바른고딕" panose="020B0603020101020101" pitchFamily="50" charset="-127"/>
+              </a:rPr>
+              <a:t>1</a:t>
+            </a:r>
+            <a:r>
+              <a:rPr lang="en-US" altLang="ko-KR" sz="1000" dirty="0" smtClean="0">
+                <a:ln>
+                  <a:solidFill>
+                    <a:schemeClr val="tx1">
+                      <a:alpha val="0"/>
+                    </a:schemeClr>
+                  </a:solidFill>
+                </a:ln>
+                <a:latin typeface="나눔바른고딕" panose="020B0603020101020101" pitchFamily="50" charset="-127"/>
+                <a:ea typeface="나눔바른고딕" panose="020B0603020101020101" pitchFamily="50" charset="-127"/>
+              </a:rPr>
+              <a:t>~5</a:t>
+            </a:r>
+            <a:r>
+              <a:rPr lang="ko-KR" altLang="en-US" sz="1000" dirty="0" smtClean="0">
+                <a:ln>
+                  <a:solidFill>
+                    <a:schemeClr val="tx1">
+                      <a:alpha val="0"/>
+                    </a:schemeClr>
+                  </a:solidFill>
+                </a:ln>
+                <a:latin typeface="나눔바른고딕" panose="020B0603020101020101" pitchFamily="50" charset="-127"/>
+                <a:ea typeface="나눔바른고딕" panose="020B0603020101020101" pitchFamily="50" charset="-127"/>
+              </a:rPr>
+              <a:t>위 진입 목표</a:t>
+            </a:r>
+            <a:endParaRPr lang="en-US" altLang="ko-KR" sz="1000" dirty="0" smtClean="0">
+              <a:ln>
+                <a:solidFill>
+                  <a:schemeClr val="tx1">
+                    <a:alpha val="0"/>
+                  </a:schemeClr>
+                </a:solidFill>
+              </a:ln>
+              <a:latin typeface="나눔바른고딕" panose="020B0603020101020101" pitchFamily="50" charset="-127"/>
+              <a:ea typeface="나눔바른고딕" panose="020B0603020101020101" pitchFamily="50" charset="-127"/>
+            </a:endParaRPr>
+          </a:p>
+          <a:p>
+            <a:r>
+              <a:rPr lang="ko-KR" altLang="en-US" sz="1000" dirty="0" smtClean="0">
+                <a:ln>
+                  <a:solidFill>
+                    <a:schemeClr val="tx1">
+                      <a:alpha val="0"/>
+                    </a:schemeClr>
+                  </a:solidFill>
+                </a:ln>
+                <a:latin typeface="나눔바른고딕" panose="020B0603020101020101" pitchFamily="50" charset="-127"/>
+                <a:ea typeface="나눔바른고딕" panose="020B0603020101020101" pitchFamily="50" charset="-127"/>
+              </a:rPr>
+              <a:t>시간이 지나면서 </a:t>
+            </a:r>
+            <a:r>
+              <a:rPr lang="ko-KR" altLang="en-US" sz="1000" dirty="0" err="1" smtClean="0">
+                <a:ln>
+                  <a:solidFill>
+                    <a:schemeClr val="tx1">
+                      <a:alpha val="0"/>
+                    </a:schemeClr>
+                  </a:solidFill>
+                </a:ln>
+                <a:latin typeface="나눔바른고딕" panose="020B0603020101020101" pitchFamily="50" charset="-127"/>
+                <a:ea typeface="나눔바른고딕" panose="020B0603020101020101" pitchFamily="50" charset="-127"/>
+              </a:rPr>
+              <a:t>입찰가</a:t>
+            </a:r>
+            <a:r>
+              <a:rPr lang="ko-KR" altLang="en-US" sz="1000" dirty="0" smtClean="0">
+                <a:ln>
+                  <a:solidFill>
+                    <a:schemeClr val="tx1">
+                      <a:alpha val="0"/>
+                    </a:schemeClr>
+                  </a:solidFill>
+                </a:ln>
+                <a:latin typeface="나눔바른고딕" panose="020B0603020101020101" pitchFamily="50" charset="-127"/>
+                <a:ea typeface="나눔바른고딕" panose="020B0603020101020101" pitchFamily="50" charset="-127"/>
+              </a:rPr>
+              <a:t> 조정을 통해 비용 최소화 예정</a:t>
+            </a:r>
+            <a:endParaRPr lang="ko-KR" altLang="en-US" sz="1000" dirty="0">
+              <a:ln>
+                <a:solidFill>
+                  <a:schemeClr val="tx1">
+                    <a:alpha val="0"/>
+                  </a:schemeClr>
+                </a:solidFill>
+              </a:ln>
+              <a:latin typeface="나눔바른고딕" panose="020B0603020101020101" pitchFamily="50" charset="-127"/>
+              <a:ea typeface="나눔바른고딕" panose="020B0603020101020101" pitchFamily="50" charset="-127"/>
+            </a:endParaRPr>
+          </a:p>
+        </p:txBody>
+      </p:sp>
+      <p:sp>
+        <p:nvSpPr>
+          <p:cNvPr id="5" name="직사각형 4"/>
+          <p:cNvSpPr/>
+          <p:nvPr/>
+        </p:nvSpPr>
+        <p:spPr>
+          <a:xfrm>
+            <a:off x="136868" y="98606"/>
+            <a:ext cx="4572000" cy="253916"/>
+          </a:xfrm>
+          <a:prstGeom prst="rect">
+            <a:avLst/>
+          </a:prstGeom>
+        </p:spPr>
+        <p:txBody>
+          <a:bodyPr>
+            <a:spAutoFit/>
+          </a:bodyPr>
+          <a:lstStyle/>
+          <a:p>
+            <a:r>
+              <a:rPr lang="ko-KR" altLang="en-US" sz="1050" dirty="0" smtClean="0">
+                <a:ln>
+                  <a:solidFill>
+                    <a:schemeClr val="tx1">
+                      <a:alpha val="0"/>
+                    </a:schemeClr>
+                  </a:solidFill>
+                </a:ln>
+                <a:latin typeface="나눔바른고딕" panose="020B0603020101020101" pitchFamily="50" charset="-127"/>
+                <a:ea typeface="나눔바른고딕" panose="020B0603020101020101" pitchFamily="50" charset="-127"/>
+              </a:rPr>
+              <a:t>네이버 키워드 진입 결과</a:t>
+            </a:r>
+            <a:endParaRPr lang="ko-KR" altLang="en-US" sz="1050" b="1" dirty="0">
+              <a:ln>
+                <a:solidFill>
+                  <a:schemeClr val="tx1">
+                    <a:alpha val="0"/>
+                  </a:schemeClr>
+                </a:solidFill>
+              </a:ln>
+              <a:latin typeface="나눔바른고딕" panose="020B0603020101020101" pitchFamily="50" charset="-127"/>
+              <a:ea typeface="나눔바른고딕" panose="020B0603020101020101" pitchFamily="50" charset="-127"/>
+            </a:endParaRPr>
+          </a:p>
+        </p:txBody>
+      </p:sp>
+      <p:cxnSp>
+        <p:nvCxnSpPr>
+          <p:cNvPr id="6" name="직선 연결선 5"/>
+          <p:cNvCxnSpPr/>
+          <p:nvPr/>
+        </p:nvCxnSpPr>
+        <p:spPr>
+          <a:xfrm>
+            <a:off x="136868" y="401870"/>
+            <a:ext cx="8867351" cy="0"/>
+          </a:xfrm>
+          <a:prstGeom prst="line">
+            <a:avLst/>
+          </a:prstGeom>
+          <a:ln>
+            <a:solidFill>
+              <a:schemeClr val="tx1"/>
+            </a:solidFill>
+          </a:ln>
+        </p:spPr>
+        <p:style>
+          <a:lnRef idx="1">
+            <a:schemeClr val="accent1"/>
+          </a:lnRef>
+          <a:fillRef idx="0">
+            <a:schemeClr val="accent1"/>
+          </a:fillRef>
+          <a:effectRef idx="0">
+            <a:schemeClr val="accent1"/>
+          </a:effectRef>
+          <a:fontRef idx="minor">
+            <a:schemeClr val="tx1"/>
+          </a:fontRef>
+        </p:style>
+      </p:cxnSp>
+    </p:spTree>
+    <p:extLst>
+      <p:ext uri="{BB962C8B-B14F-4D97-AF65-F5344CB8AC3E}">
+        <p14:creationId xmlns:p14="http://schemas.microsoft.com/office/powerpoint/2010/main" val="593539642"/>
+      </p:ext>
+    </p:extLst>
+  </p:cSld>
+  <p:clrMapOvr>
+    <a:masterClrMapping/>
+  </p:clrMapOvr>
+</p:sld>
+</file>
+
+<file path=ppt/slides/slide23.xml><?xml version="1.0" encoding="utf-8"?>
+<p:sld xmlns:a="http://schemas.openxmlformats.org/drawingml/2006/main" xmlns:r="http://schemas.openxmlformats.org/officeDocument/2006/relationships" xmlns:p="http://schemas.openxmlformats.org/presentationml/2006/main">
+  <p:cSld>
+    <p:spTree>
+      <p:nvGrpSpPr>
+        <p:cNvPr id="1" name=""/>
+        <p:cNvGrpSpPr/>
+        <p:nvPr/>
+      </p:nvGrpSpPr>
+      <p:grpSpPr>
+        <a:xfrm>
+          <a:off x="0" y="0"/>
+          <a:ext cx="0" cy="0"/>
+          <a:chOff x="0" y="0"/>
+          <a:chExt cx="0" cy="0"/>
+        </a:xfrm>
+      </p:grpSpPr>
+      <p:sp>
+        <p:nvSpPr>
+          <p:cNvPr id="4" name="직사각형 3"/>
+          <p:cNvSpPr/>
+          <p:nvPr/>
+        </p:nvSpPr>
+        <p:spPr>
+          <a:xfrm>
+            <a:off x="455380" y="5692251"/>
+            <a:ext cx="6170204" cy="246221"/>
+          </a:xfrm>
+          <a:prstGeom prst="rect">
+            <a:avLst/>
+          </a:prstGeom>
+        </p:spPr>
+        <p:txBody>
+          <a:bodyPr wrap="square">
+            <a:spAutoFit/>
+          </a:bodyPr>
+          <a:lstStyle/>
+          <a:p>
+            <a:r>
+              <a:rPr lang="ko-KR" altLang="en-US" sz="1000" dirty="0" err="1" smtClean="0">
+                <a:ln>
+                  <a:solidFill>
+                    <a:schemeClr val="tx1">
+                      <a:alpha val="0"/>
+                    </a:schemeClr>
+                  </a:solidFill>
+                </a:ln>
+                <a:latin typeface="나눔바른고딕" panose="020B0603020101020101" pitchFamily="50" charset="-127"/>
+                <a:ea typeface="나눔바른고딕" panose="020B0603020101020101" pitchFamily="50" charset="-127"/>
+              </a:rPr>
+              <a:t>썸네일이</a:t>
+            </a:r>
+            <a:r>
+              <a:rPr lang="ko-KR" altLang="en-US" sz="1000" dirty="0" smtClean="0">
+                <a:ln>
+                  <a:solidFill>
+                    <a:schemeClr val="tx1">
+                      <a:alpha val="0"/>
+                    </a:schemeClr>
+                  </a:solidFill>
+                </a:ln>
+                <a:latin typeface="나눔바른고딕" panose="020B0603020101020101" pitchFamily="50" charset="-127"/>
+                <a:ea typeface="나눔바른고딕" panose="020B0603020101020101" pitchFamily="50" charset="-127"/>
+              </a:rPr>
+              <a:t> 사진으로도 나오면 더 유입이 많아질 것으로 예상</a:t>
+            </a:r>
+            <a:endParaRPr lang="ko-KR" altLang="en-US" sz="1000" dirty="0">
+              <a:ln>
+                <a:solidFill>
+                  <a:schemeClr val="tx1">
+                    <a:alpha val="0"/>
+                  </a:schemeClr>
+                </a:solidFill>
+              </a:ln>
+              <a:latin typeface="나눔바른고딕" panose="020B0603020101020101" pitchFamily="50" charset="-127"/>
+              <a:ea typeface="나눔바른고딕" panose="020B0603020101020101" pitchFamily="50" charset="-127"/>
+            </a:endParaRPr>
+          </a:p>
+        </p:txBody>
+      </p:sp>
+      <p:sp>
+        <p:nvSpPr>
+          <p:cNvPr id="5" name="직사각형 4"/>
+          <p:cNvSpPr/>
+          <p:nvPr/>
+        </p:nvSpPr>
+        <p:spPr>
+          <a:xfrm>
+            <a:off x="136868" y="98606"/>
+            <a:ext cx="4572000" cy="253916"/>
+          </a:xfrm>
+          <a:prstGeom prst="rect">
+            <a:avLst/>
+          </a:prstGeom>
+        </p:spPr>
+        <p:txBody>
+          <a:bodyPr>
+            <a:spAutoFit/>
+          </a:bodyPr>
+          <a:lstStyle/>
+          <a:p>
+            <a:r>
+              <a:rPr lang="ko-KR" altLang="en-US" sz="1050" dirty="0" smtClean="0">
+                <a:ln>
+                  <a:solidFill>
+                    <a:schemeClr val="tx1">
+                      <a:alpha val="0"/>
+                    </a:schemeClr>
+                  </a:solidFill>
+                </a:ln>
+                <a:latin typeface="나눔바른고딕" panose="020B0603020101020101" pitchFamily="50" charset="-127"/>
+                <a:ea typeface="나눔바른고딕" panose="020B0603020101020101" pitchFamily="50" charset="-127"/>
+              </a:rPr>
+              <a:t>네이버 키워드 진입 결과</a:t>
+            </a:r>
+            <a:endParaRPr lang="ko-KR" altLang="en-US" sz="1050" b="1" dirty="0">
+              <a:ln>
+                <a:solidFill>
+                  <a:schemeClr val="tx1">
+                    <a:alpha val="0"/>
+                  </a:schemeClr>
+                </a:solidFill>
+              </a:ln>
+              <a:latin typeface="나눔바른고딕" panose="020B0603020101020101" pitchFamily="50" charset="-127"/>
+              <a:ea typeface="나눔바른고딕" panose="020B0603020101020101" pitchFamily="50" charset="-127"/>
+            </a:endParaRPr>
+          </a:p>
+        </p:txBody>
+      </p:sp>
+      <p:cxnSp>
+        <p:nvCxnSpPr>
+          <p:cNvPr id="6" name="직선 연결선 5"/>
+          <p:cNvCxnSpPr/>
+          <p:nvPr/>
+        </p:nvCxnSpPr>
+        <p:spPr>
+          <a:xfrm>
+            <a:off x="136868" y="401870"/>
+            <a:ext cx="8867351" cy="0"/>
+          </a:xfrm>
+          <a:prstGeom prst="line">
+            <a:avLst/>
+          </a:prstGeom>
+          <a:ln>
+            <a:solidFill>
+              <a:schemeClr val="tx1"/>
+            </a:solidFill>
+          </a:ln>
+        </p:spPr>
+        <p:style>
+          <a:lnRef idx="1">
+            <a:schemeClr val="accent1"/>
+          </a:lnRef>
+          <a:fillRef idx="0">
+            <a:schemeClr val="accent1"/>
+          </a:fillRef>
+          <a:effectRef idx="0">
+            <a:schemeClr val="accent1"/>
+          </a:effectRef>
+          <a:fontRef idx="minor">
+            <a:schemeClr val="tx1"/>
+          </a:fontRef>
+        </p:style>
+      </p:cxnSp>
+      <p:pic>
+        <p:nvPicPr>
+          <p:cNvPr id="7" name="그림 6"/>
+          <p:cNvPicPr>
+            <a:picLocks noChangeAspect="1"/>
+          </p:cNvPicPr>
+          <p:nvPr/>
+        </p:nvPicPr>
+        <p:blipFill>
+          <a:blip r:embed="rId2"/>
+          <a:stretch>
+            <a:fillRect/>
+          </a:stretch>
+        </p:blipFill>
+        <p:spPr>
+          <a:xfrm>
+            <a:off x="5718398" y="523073"/>
+            <a:ext cx="2499553" cy="1570837"/>
+          </a:xfrm>
+          <a:prstGeom prst="rect">
+            <a:avLst/>
+          </a:prstGeom>
+        </p:spPr>
+      </p:pic>
+      <p:pic>
+        <p:nvPicPr>
+          <p:cNvPr id="8" name="그림 7"/>
+          <p:cNvPicPr>
+            <a:picLocks noChangeAspect="1"/>
+          </p:cNvPicPr>
+          <p:nvPr/>
+        </p:nvPicPr>
+        <p:blipFill>
+          <a:blip r:embed="rId3"/>
+          <a:stretch>
+            <a:fillRect/>
+          </a:stretch>
+        </p:blipFill>
+        <p:spPr>
+          <a:xfrm>
+            <a:off x="864892" y="554068"/>
+            <a:ext cx="2323147" cy="3656930"/>
+          </a:xfrm>
+          <a:prstGeom prst="rect">
+            <a:avLst/>
+          </a:prstGeom>
+        </p:spPr>
+      </p:pic>
+      <p:pic>
+        <p:nvPicPr>
+          <p:cNvPr id="9" name="그림 8"/>
+          <p:cNvPicPr>
+            <a:picLocks noChangeAspect="1"/>
+          </p:cNvPicPr>
+          <p:nvPr/>
+        </p:nvPicPr>
+        <p:blipFill>
+          <a:blip r:embed="rId4"/>
+          <a:stretch>
+            <a:fillRect/>
+          </a:stretch>
+        </p:blipFill>
+        <p:spPr>
+          <a:xfrm>
+            <a:off x="3264738" y="546369"/>
+            <a:ext cx="2376961" cy="3861690"/>
+          </a:xfrm>
+          <a:prstGeom prst="rect">
+            <a:avLst/>
+          </a:prstGeom>
+        </p:spPr>
+      </p:pic>
+      <p:sp>
+        <p:nvSpPr>
+          <p:cNvPr id="10" name="직사각형 9"/>
+          <p:cNvSpPr/>
+          <p:nvPr/>
+        </p:nvSpPr>
+        <p:spPr>
+          <a:xfrm>
+            <a:off x="907064" y="1730995"/>
+            <a:ext cx="2232182" cy="362916"/>
+          </a:xfrm>
+          <a:prstGeom prst="rect">
+            <a:avLst/>
+          </a:prstGeom>
+          <a:solidFill>
+            <a:srgbClr val="C00000">
+              <a:alpha val="10000"/>
+            </a:srgbClr>
+          </a:solidFill>
+          <a:ln w="25400">
+            <a:solidFill>
+              <a:srgbClr val="C00000"/>
+            </a:solidFill>
+          </a:ln>
+        </p:spPr>
+        <p:style>
+          <a:lnRef idx="2">
+            <a:schemeClr val="accent1">
+              <a:shade val="50000"/>
+            </a:schemeClr>
+          </a:lnRef>
+          <a:fillRef idx="1">
+            <a:schemeClr val="accent1"/>
+          </a:fillRef>
+          <a:effectRef idx="0">
+            <a:schemeClr val="accent1"/>
+          </a:effectRef>
+          <a:fontRef idx="minor">
+            <a:schemeClr val="lt1"/>
+          </a:fontRef>
+        </p:style>
+        <p:txBody>
+          <a:bodyPr rtlCol="0" anchor="ctr"/>
+          <a:lstStyle/>
+          <a:p>
+            <a:pPr algn="ctr"/>
+            <a:endParaRPr lang="ko-KR" altLang="en-US"/>
+          </a:p>
+        </p:txBody>
+      </p:sp>
+      <p:sp>
+        <p:nvSpPr>
+          <p:cNvPr id="11" name="직사각형 10"/>
+          <p:cNvSpPr/>
+          <p:nvPr/>
+        </p:nvSpPr>
+        <p:spPr>
+          <a:xfrm>
+            <a:off x="3337127" y="2679134"/>
+            <a:ext cx="2232182" cy="318578"/>
+          </a:xfrm>
+          <a:prstGeom prst="rect">
+            <a:avLst/>
+          </a:prstGeom>
+          <a:solidFill>
+            <a:srgbClr val="C00000">
+              <a:alpha val="10000"/>
+            </a:srgbClr>
+          </a:solidFill>
+          <a:ln w="25400">
+            <a:solidFill>
+              <a:srgbClr val="C00000"/>
+            </a:solidFill>
+          </a:ln>
+        </p:spPr>
+        <p:style>
+          <a:lnRef idx="2">
+            <a:schemeClr val="accent1">
+              <a:shade val="50000"/>
+            </a:schemeClr>
+          </a:lnRef>
+          <a:fillRef idx="1">
+            <a:schemeClr val="accent1"/>
+          </a:fillRef>
+          <a:effectRef idx="0">
+            <a:schemeClr val="accent1"/>
+          </a:effectRef>
+          <a:fontRef idx="minor">
+            <a:schemeClr val="lt1"/>
+          </a:fontRef>
+        </p:style>
+        <p:txBody>
+          <a:bodyPr rtlCol="0" anchor="ctr"/>
+          <a:lstStyle/>
+          <a:p>
+            <a:pPr algn="ctr"/>
+            <a:endParaRPr lang="ko-KR" altLang="en-US"/>
+          </a:p>
+        </p:txBody>
+      </p:sp>
+      <p:sp>
+        <p:nvSpPr>
+          <p:cNvPr id="12" name="직사각형 11"/>
+          <p:cNvSpPr/>
+          <p:nvPr/>
+        </p:nvSpPr>
+        <p:spPr>
+          <a:xfrm>
+            <a:off x="5834611" y="1211435"/>
+            <a:ext cx="2290154" cy="318578"/>
+          </a:xfrm>
+          <a:prstGeom prst="rect">
+            <a:avLst/>
+          </a:prstGeom>
+          <a:solidFill>
+            <a:srgbClr val="C00000">
+              <a:alpha val="10000"/>
+            </a:srgbClr>
+          </a:solidFill>
+          <a:ln w="25400">
+            <a:solidFill>
+              <a:srgbClr val="C00000"/>
+            </a:solidFill>
+          </a:ln>
+        </p:spPr>
+        <p:style>
+          <a:lnRef idx="2">
+            <a:schemeClr val="accent1">
+              <a:shade val="50000"/>
+            </a:schemeClr>
+          </a:lnRef>
+          <a:fillRef idx="1">
+            <a:schemeClr val="accent1"/>
+          </a:fillRef>
+          <a:effectRef idx="0">
+            <a:schemeClr val="accent1"/>
+          </a:effectRef>
+          <a:fontRef idx="minor">
+            <a:schemeClr val="lt1"/>
+          </a:fontRef>
+        </p:style>
+        <p:txBody>
+          <a:bodyPr rtlCol="0" anchor="ctr"/>
+          <a:lstStyle/>
+          <a:p>
+            <a:pPr algn="ctr"/>
+            <a:endParaRPr lang="ko-KR" altLang="en-US"/>
+          </a:p>
+        </p:txBody>
+      </p:sp>
+    </p:spTree>
+    <p:extLst>
+      <p:ext uri="{BB962C8B-B14F-4D97-AF65-F5344CB8AC3E}">
+        <p14:creationId xmlns:p14="http://schemas.microsoft.com/office/powerpoint/2010/main" val="3633751543"/>
       </p:ext>
     </p:extLst>
   </p:cSld>

--- a/marketing_insights_GA.pptx
+++ b/marketing_insights_GA.pptx
@@ -22,12 +22,15 @@
     <p:sldId id="279" r:id="rId16"/>
     <p:sldId id="278" r:id="rId17"/>
     <p:sldId id="269" r:id="rId18"/>
-    <p:sldId id="270" r:id="rId19"/>
-    <p:sldId id="272" r:id="rId20"/>
-    <p:sldId id="273" r:id="rId21"/>
-    <p:sldId id="271" r:id="rId22"/>
-    <p:sldId id="281" r:id="rId23"/>
-    <p:sldId id="280" r:id="rId24"/>
+    <p:sldId id="282" r:id="rId19"/>
+    <p:sldId id="284" r:id="rId20"/>
+    <p:sldId id="285" r:id="rId21"/>
+    <p:sldId id="270" r:id="rId22"/>
+    <p:sldId id="273" r:id="rId23"/>
+    <p:sldId id="272" r:id="rId24"/>
+    <p:sldId id="283" r:id="rId25"/>
+    <p:sldId id="281" r:id="rId26"/>
+    <p:sldId id="280" r:id="rId27"/>
   </p:sldIdLst>
   <p:sldSz cx="9144000" cy="6858000" type="screen4x3"/>
   <p:notesSz cx="6858000" cy="9144000"/>
@@ -12193,7 +12196,7 @@
         <p:spPr>
           <a:xfrm>
             <a:off x="267628" y="2548738"/>
-            <a:ext cx="7754302" cy="1015663"/>
+            <a:ext cx="7754302" cy="869469"/>
           </a:xfrm>
           <a:prstGeom prst="rect">
             <a:avLst/>
@@ -12206,6 +12209,61 @@
           <a:lstStyle/>
           <a:p>
             <a:r>
+              <a:rPr lang="en-US" altLang="ko-KR" sz="1000" b="1" dirty="0" smtClean="0">
+                <a:ln>
+                  <a:solidFill>
+                    <a:schemeClr val="tx1">
+                      <a:alpha val="0"/>
+                    </a:schemeClr>
+                  </a:solidFill>
+                </a:ln>
+                <a:latin typeface="나눔바른고딕" panose="020B0603020101020101" pitchFamily="50" charset="-127"/>
+                <a:ea typeface="나눔바른고딕" panose="020B0603020101020101" pitchFamily="50" charset="-127"/>
+              </a:rPr>
+              <a:t>12/03-12/10 </a:t>
+            </a:r>
+            <a:r>
+              <a:rPr lang="ko-KR" altLang="en-US" sz="1000" b="1" dirty="0" smtClean="0">
+                <a:ln>
+                  <a:solidFill>
+                    <a:schemeClr val="tx1">
+                      <a:alpha val="0"/>
+                    </a:schemeClr>
+                  </a:solidFill>
+                </a:ln>
+                <a:latin typeface="나눔바른고딕" panose="020B0603020101020101" pitchFamily="50" charset="-127"/>
+                <a:ea typeface="나눔바른고딕" panose="020B0603020101020101" pitchFamily="50" charset="-127"/>
+              </a:rPr>
+              <a:t>기준 </a:t>
+            </a:r>
+            <a:endParaRPr lang="en-US" altLang="ko-KR" sz="1000" b="1" dirty="0" smtClean="0">
+              <a:ln>
+                <a:solidFill>
+                  <a:schemeClr val="tx1">
+                    <a:alpha val="0"/>
+                  </a:schemeClr>
+                </a:solidFill>
+              </a:ln>
+              <a:latin typeface="나눔바른고딕" panose="020B0603020101020101" pitchFamily="50" charset="-127"/>
+              <a:ea typeface="나눔바른고딕" panose="020B0603020101020101" pitchFamily="50" charset="-127"/>
+            </a:endParaRPr>
+          </a:p>
+          <a:p>
+            <a:r>
+              <a:rPr lang="ko-KR" altLang="en-US" sz="1000" dirty="0" smtClean="0">
+                <a:ln>
+                  <a:solidFill>
+                    <a:schemeClr val="tx1">
+                      <a:alpha val="0"/>
+                    </a:schemeClr>
+                  </a:solidFill>
+                </a:ln>
+                <a:latin typeface="나눔바른고딕" panose="020B0603020101020101" pitchFamily="50" charset="-127"/>
+                <a:ea typeface="나눔바른고딕" panose="020B0603020101020101" pitchFamily="50" charset="-127"/>
+              </a:rPr>
+              <a:t>유입 </a:t>
+            </a:r>
+            <a:r>
               <a:rPr lang="en-US" altLang="ko-KR" sz="1000" dirty="0" smtClean="0">
                 <a:ln>
                   <a:solidFill>
@@ -12217,7 +12275,7 @@
                 <a:latin typeface="나눔바른고딕" panose="020B0603020101020101" pitchFamily="50" charset="-127"/>
                 <a:ea typeface="나눔바른고딕" panose="020B0603020101020101" pitchFamily="50" charset="-127"/>
               </a:rPr>
-              <a:t>12/03-12/10 </a:t>
+              <a:t>46</a:t>
             </a:r>
             <a:r>
               <a:rPr lang="ko-KR" altLang="en-US" sz="1000" dirty="0" smtClean="0">
@@ -12231,7 +12289,77 @@
                 <a:latin typeface="나눔바른고딕" panose="020B0603020101020101" pitchFamily="50" charset="-127"/>
                 <a:ea typeface="나눔바른고딕" panose="020B0603020101020101" pitchFamily="50" charset="-127"/>
               </a:rPr>
-              <a:t>기준 </a:t>
+              <a:t>명</a:t>
+            </a:r>
+            <a:r>
+              <a:rPr lang="en-US" altLang="ko-KR" sz="1000" dirty="0">
+                <a:ln>
+                  <a:solidFill>
+                    <a:schemeClr val="tx1">
+                      <a:alpha val="0"/>
+                    </a:schemeClr>
+                  </a:solidFill>
+                </a:ln>
+                <a:latin typeface="나눔바른고딕" panose="020B0603020101020101" pitchFamily="50" charset="-127"/>
+                <a:ea typeface="나눔바른고딕" panose="020B0603020101020101" pitchFamily="50" charset="-127"/>
+              </a:rPr>
+              <a:t>(30</a:t>
+            </a:r>
+            <a:r>
+              <a:rPr lang="ko-KR" altLang="en-US" sz="1000" dirty="0">
+                <a:ln>
+                  <a:solidFill>
+                    <a:schemeClr val="tx1">
+                      <a:alpha val="0"/>
+                    </a:schemeClr>
+                  </a:solidFill>
+                </a:ln>
+                <a:latin typeface="나눔바른고딕" panose="020B0603020101020101" pitchFamily="50" charset="-127"/>
+                <a:ea typeface="나눔바른고딕" panose="020B0603020101020101" pitchFamily="50" charset="-127"/>
+              </a:rPr>
+              <a:t>초 이상 머무른 대상 </a:t>
+            </a:r>
+            <a:r>
+              <a:rPr lang="ko-KR" altLang="en-US" sz="1000" dirty="0" smtClean="0">
+                <a:ln>
+                  <a:solidFill>
+                    <a:schemeClr val="tx1">
+                      <a:alpha val="0"/>
+                    </a:schemeClr>
+                  </a:solidFill>
+                </a:ln>
+                <a:latin typeface="나눔바른고딕" panose="020B0603020101020101" pitchFamily="50" charset="-127"/>
+                <a:ea typeface="나눔바른고딕" panose="020B0603020101020101" pitchFamily="50" charset="-127"/>
+              </a:rPr>
+              <a:t>기준</a:t>
+            </a:r>
+            <a:r>
+              <a:rPr lang="en-US" altLang="ko-KR" sz="1000" dirty="0" smtClean="0">
+                <a:ln>
+                  <a:solidFill>
+                    <a:schemeClr val="tx1">
+                      <a:alpha val="0"/>
+                    </a:schemeClr>
+                  </a:solidFill>
+                </a:ln>
+                <a:latin typeface="나눔바른고딕" panose="020B0603020101020101" pitchFamily="50" charset="-127"/>
+                <a:ea typeface="나눔바른고딕" panose="020B0603020101020101" pitchFamily="50" charset="-127"/>
+              </a:rPr>
+              <a:t>)</a:t>
+            </a:r>
+            <a:r>
+              <a:rPr lang="ko-KR" altLang="en-US" sz="1000" dirty="0" smtClean="0">
+                <a:ln>
+                  <a:solidFill>
+                    <a:schemeClr val="tx1">
+                      <a:alpha val="0"/>
+                    </a:schemeClr>
+                  </a:solidFill>
+                </a:ln>
+                <a:latin typeface="나눔바른고딕" panose="020B0603020101020101" pitchFamily="50" charset="-127"/>
+                <a:ea typeface="나눔바른고딕" panose="020B0603020101020101" pitchFamily="50" charset="-127"/>
+              </a:rPr>
+              <a:t> 중 </a:t>
             </a:r>
             <a:endParaRPr lang="en-US" altLang="ko-KR" sz="1000" dirty="0" smtClean="0">
               <a:ln>
@@ -12247,117 +12375,156 @@
           </a:p>
           <a:p>
             <a:r>
-              <a:rPr lang="ko-KR" altLang="en-US" sz="1000" dirty="0" smtClean="0">
-                <a:ln>
-                  <a:solidFill>
-                    <a:schemeClr val="tx1">
-                      <a:alpha val="0"/>
-                    </a:schemeClr>
-                  </a:solidFill>
-                </a:ln>
-                <a:latin typeface="나눔바른고딕" panose="020B0603020101020101" pitchFamily="50" charset="-127"/>
-                <a:ea typeface="나눔바른고딕" panose="020B0603020101020101" pitchFamily="50" charset="-127"/>
-              </a:rPr>
-              <a:t>유입 </a:t>
-            </a:r>
-            <a:r>
-              <a:rPr lang="en-US" altLang="ko-KR" sz="1000" dirty="0" smtClean="0">
-                <a:ln>
-                  <a:solidFill>
-                    <a:schemeClr val="tx1">
-                      <a:alpha val="0"/>
-                    </a:schemeClr>
-                  </a:solidFill>
-                </a:ln>
-                <a:latin typeface="나눔바른고딕" panose="020B0603020101020101" pitchFamily="50" charset="-127"/>
-                <a:ea typeface="나눔바른고딕" panose="020B0603020101020101" pitchFamily="50" charset="-127"/>
-              </a:rPr>
-              <a:t>46</a:t>
-            </a:r>
-            <a:r>
-              <a:rPr lang="ko-KR" altLang="en-US" sz="1000" dirty="0" smtClean="0">
-                <a:ln>
-                  <a:solidFill>
-                    <a:schemeClr val="tx1">
-                      <a:alpha val="0"/>
-                    </a:schemeClr>
-                  </a:solidFill>
-                </a:ln>
+              <a:rPr lang="ko-KR" altLang="en-US" sz="1050" dirty="0" err="1" smtClean="0">
+                <a:ln>
+                  <a:solidFill>
+                    <a:schemeClr val="tx1">
+                      <a:alpha val="0"/>
+                    </a:schemeClr>
+                  </a:solidFill>
+                </a:ln>
+                <a:solidFill>
+                  <a:srgbClr val="C00000"/>
+                </a:solidFill>
+                <a:latin typeface="나눔바른고딕" panose="020B0603020101020101" pitchFamily="50" charset="-127"/>
+                <a:ea typeface="나눔바른고딕" panose="020B0603020101020101" pitchFamily="50" charset="-127"/>
+              </a:rPr>
+              <a:t>체험권신청</a:t>
+            </a:r>
+            <a:r>
+              <a:rPr lang="ko-KR" altLang="en-US" sz="1050" dirty="0" smtClean="0">
+                <a:ln>
+                  <a:solidFill>
+                    <a:schemeClr val="tx1">
+                      <a:alpha val="0"/>
+                    </a:schemeClr>
+                  </a:solidFill>
+                </a:ln>
+                <a:solidFill>
+                  <a:srgbClr val="C00000"/>
+                </a:solidFill>
+                <a:latin typeface="나눔바른고딕" panose="020B0603020101020101" pitchFamily="50" charset="-127"/>
+                <a:ea typeface="나눔바른고딕" panose="020B0603020101020101" pitchFamily="50" charset="-127"/>
+              </a:rPr>
+              <a:t> 수 </a:t>
+            </a:r>
+            <a:r>
+              <a:rPr lang="ko-KR" altLang="en-US" sz="1050" b="1" dirty="0" smtClean="0">
+                <a:ln>
+                  <a:solidFill>
+                    <a:schemeClr val="tx1">
+                      <a:alpha val="0"/>
+                    </a:schemeClr>
+                  </a:solidFill>
+                </a:ln>
+                <a:solidFill>
+                  <a:srgbClr val="C00000"/>
+                </a:solidFill>
+                <a:latin typeface="나눔바른고딕" panose="020B0603020101020101" pitchFamily="50" charset="-127"/>
+                <a:ea typeface="나눔바른고딕" panose="020B0603020101020101" pitchFamily="50" charset="-127"/>
+              </a:rPr>
+              <a:t>약 </a:t>
+            </a:r>
+            <a:r>
+              <a:rPr lang="en-US" altLang="ko-KR" sz="1050" b="1" dirty="0" smtClean="0">
+                <a:ln>
+                  <a:solidFill>
+                    <a:schemeClr val="tx1">
+                      <a:alpha val="0"/>
+                    </a:schemeClr>
+                  </a:solidFill>
+                </a:ln>
+                <a:solidFill>
+                  <a:srgbClr val="C00000"/>
+                </a:solidFill>
+                <a:latin typeface="나눔바른고딕" panose="020B0603020101020101" pitchFamily="50" charset="-127"/>
+                <a:ea typeface="나눔바른고딕" panose="020B0603020101020101" pitchFamily="50" charset="-127"/>
+              </a:rPr>
+              <a:t>26</a:t>
+            </a:r>
+            <a:r>
+              <a:rPr lang="ko-KR" altLang="en-US" sz="1050" b="1" dirty="0" smtClean="0">
+                <a:ln>
+                  <a:solidFill>
+                    <a:schemeClr val="tx1">
+                      <a:alpha val="0"/>
+                    </a:schemeClr>
+                  </a:solidFill>
+                </a:ln>
+                <a:solidFill>
+                  <a:srgbClr val="C00000"/>
+                </a:solidFill>
                 <a:latin typeface="나눔바른고딕" panose="020B0603020101020101" pitchFamily="50" charset="-127"/>
                 <a:ea typeface="나눔바른고딕" panose="020B0603020101020101" pitchFamily="50" charset="-127"/>
               </a:rPr>
               <a:t>명</a:t>
             </a:r>
             <a:r>
-              <a:rPr lang="en-US" altLang="ko-KR" sz="1000" dirty="0">
-                <a:ln>
-                  <a:solidFill>
-                    <a:schemeClr val="tx1">
-                      <a:alpha val="0"/>
-                    </a:schemeClr>
-                  </a:solidFill>
-                </a:ln>
-                <a:latin typeface="나눔바른고딕" panose="020B0603020101020101" pitchFamily="50" charset="-127"/>
-                <a:ea typeface="나눔바른고딕" panose="020B0603020101020101" pitchFamily="50" charset="-127"/>
-              </a:rPr>
-              <a:t>(30</a:t>
-            </a:r>
-            <a:r>
-              <a:rPr lang="ko-KR" altLang="en-US" sz="1000" dirty="0">
-                <a:ln>
-                  <a:solidFill>
-                    <a:schemeClr val="tx1">
-                      <a:alpha val="0"/>
-                    </a:schemeClr>
-                  </a:solidFill>
-                </a:ln>
-                <a:latin typeface="나눔바른고딕" panose="020B0603020101020101" pitchFamily="50" charset="-127"/>
-                <a:ea typeface="나눔바른고딕" panose="020B0603020101020101" pitchFamily="50" charset="-127"/>
-              </a:rPr>
-              <a:t>초 이상 머무른 대상 </a:t>
-            </a:r>
-            <a:r>
-              <a:rPr lang="ko-KR" altLang="en-US" sz="1000" dirty="0" smtClean="0">
-                <a:ln>
-                  <a:solidFill>
-                    <a:schemeClr val="tx1">
-                      <a:alpha val="0"/>
-                    </a:schemeClr>
-                  </a:solidFill>
-                </a:ln>
-                <a:latin typeface="나눔바른고딕" panose="020B0603020101020101" pitchFamily="50" charset="-127"/>
-                <a:ea typeface="나눔바른고딕" panose="020B0603020101020101" pitchFamily="50" charset="-127"/>
-              </a:rPr>
-              <a:t>기준</a:t>
-            </a:r>
-            <a:r>
-              <a:rPr lang="en-US" altLang="ko-KR" sz="1000" dirty="0" smtClean="0">
-                <a:ln>
-                  <a:solidFill>
-                    <a:schemeClr val="tx1">
-                      <a:alpha val="0"/>
-                    </a:schemeClr>
-                  </a:solidFill>
-                </a:ln>
-                <a:latin typeface="나눔바른고딕" panose="020B0603020101020101" pitchFamily="50" charset="-127"/>
-                <a:ea typeface="나눔바른고딕" panose="020B0603020101020101" pitchFamily="50" charset="-127"/>
-              </a:rPr>
-              <a:t>)</a:t>
-            </a:r>
-            <a:r>
-              <a:rPr lang="ko-KR" altLang="en-US" sz="1000" dirty="0" smtClean="0">
-                <a:ln>
-                  <a:solidFill>
-                    <a:schemeClr val="tx1">
-                      <a:alpha val="0"/>
-                    </a:schemeClr>
-                  </a:solidFill>
-                </a:ln>
-                <a:latin typeface="나눔바른고딕" panose="020B0603020101020101" pitchFamily="50" charset="-127"/>
-                <a:ea typeface="나눔바른고딕" panose="020B0603020101020101" pitchFamily="50" charset="-127"/>
-              </a:rPr>
-              <a:t> 중 </a:t>
-            </a:r>
+              <a:rPr lang="en-US" altLang="ko-KR" sz="1050" dirty="0" smtClean="0">
+                <a:ln>
+                  <a:solidFill>
+                    <a:schemeClr val="tx1">
+                      <a:alpha val="0"/>
+                    </a:schemeClr>
+                  </a:solidFill>
+                </a:ln>
+                <a:solidFill>
+                  <a:srgbClr val="C00000"/>
+                </a:solidFill>
+                <a:latin typeface="나눔바른고딕" panose="020B0603020101020101" pitchFamily="50" charset="-127"/>
+                <a:ea typeface="나눔바른고딕" panose="020B0603020101020101" pitchFamily="50" charset="-127"/>
+              </a:rPr>
+              <a:t>(admin </a:t>
+            </a:r>
+            <a:r>
+              <a:rPr lang="ko-KR" altLang="en-US" sz="1050" dirty="0" smtClean="0">
+                <a:ln>
+                  <a:solidFill>
+                    <a:schemeClr val="tx1">
+                      <a:alpha val="0"/>
+                    </a:schemeClr>
+                  </a:solidFill>
+                </a:ln>
+                <a:solidFill>
+                  <a:srgbClr val="C00000"/>
+                </a:solidFill>
+                <a:latin typeface="나눔바른고딕" panose="020B0603020101020101" pitchFamily="50" charset="-127"/>
+                <a:ea typeface="나눔바른고딕" panose="020B0603020101020101" pitchFamily="50" charset="-127"/>
+              </a:rPr>
+              <a:t>경로 기준 오차범위 </a:t>
+            </a:r>
+            <a:r>
+              <a:rPr lang="en-US" altLang="ko-KR" sz="1050" dirty="0" smtClean="0">
+                <a:ln>
+                  <a:solidFill>
+                    <a:schemeClr val="tx1">
+                      <a:alpha val="0"/>
+                    </a:schemeClr>
+                  </a:solidFill>
+                </a:ln>
+                <a:solidFill>
+                  <a:srgbClr val="C00000"/>
+                </a:solidFill>
+                <a:latin typeface="나눔바른고딕" panose="020B0603020101020101" pitchFamily="50" charset="-127"/>
+                <a:ea typeface="나눔바른고딕" panose="020B0603020101020101" pitchFamily="50" charset="-127"/>
+              </a:rPr>
+              <a:t>+-3)</a:t>
+            </a:r>
+          </a:p>
+          <a:p>
+            <a:endParaRPr lang="en-US" altLang="ko-KR" sz="1000" dirty="0">
+              <a:ln>
+                <a:solidFill>
+                  <a:schemeClr val="tx1">
+                    <a:alpha val="0"/>
+                  </a:schemeClr>
+                </a:solidFill>
+              </a:ln>
+              <a:latin typeface="나눔바른고딕" panose="020B0603020101020101" pitchFamily="50" charset="-127"/>
+              <a:ea typeface="나눔바른고딕" panose="020B0603020101020101" pitchFamily="50" charset="-127"/>
+            </a:endParaRPr>
+          </a:p>
+          <a:p>
             <a:endParaRPr lang="en-US" altLang="ko-KR" sz="1000" dirty="0" smtClean="0">
               <a:ln>
                 <a:solidFill>
@@ -12369,246 +12536,6 @@
               <a:latin typeface="나눔바른고딕" panose="020B0603020101020101" pitchFamily="50" charset="-127"/>
               <a:ea typeface="나눔바른고딕" panose="020B0603020101020101" pitchFamily="50" charset="-127"/>
             </a:endParaRPr>
-          </a:p>
-          <a:p>
-            <a:r>
-              <a:rPr lang="ko-KR" altLang="en-US" sz="1000" dirty="0" err="1" smtClean="0">
-                <a:ln>
-                  <a:solidFill>
-                    <a:schemeClr val="tx1">
-                      <a:alpha val="0"/>
-                    </a:schemeClr>
-                  </a:solidFill>
-                </a:ln>
-                <a:latin typeface="나눔바른고딕" panose="020B0603020101020101" pitchFamily="50" charset="-127"/>
-                <a:ea typeface="나눔바른고딕" panose="020B0603020101020101" pitchFamily="50" charset="-127"/>
-              </a:rPr>
-              <a:t>체험권신청</a:t>
-            </a:r>
-            <a:r>
-              <a:rPr lang="ko-KR" altLang="en-US" sz="1000" dirty="0" smtClean="0">
-                <a:ln>
-                  <a:solidFill>
-                    <a:schemeClr val="tx1">
-                      <a:alpha val="0"/>
-                    </a:schemeClr>
-                  </a:solidFill>
-                </a:ln>
-                <a:latin typeface="나눔바른고딕" panose="020B0603020101020101" pitchFamily="50" charset="-127"/>
-                <a:ea typeface="나눔바른고딕" panose="020B0603020101020101" pitchFamily="50" charset="-127"/>
-              </a:rPr>
-              <a:t> 수 약 </a:t>
-            </a:r>
-            <a:r>
-              <a:rPr lang="en-US" altLang="ko-KR" sz="1000" dirty="0" smtClean="0">
-                <a:ln>
-                  <a:solidFill>
-                    <a:schemeClr val="tx1">
-                      <a:alpha val="0"/>
-                    </a:schemeClr>
-                  </a:solidFill>
-                </a:ln>
-                <a:latin typeface="나눔바른고딕" panose="020B0603020101020101" pitchFamily="50" charset="-127"/>
-                <a:ea typeface="나눔바른고딕" panose="020B0603020101020101" pitchFamily="50" charset="-127"/>
-              </a:rPr>
-              <a:t>26</a:t>
-            </a:r>
-            <a:r>
-              <a:rPr lang="ko-KR" altLang="en-US" sz="1000" dirty="0" smtClean="0">
-                <a:ln>
-                  <a:solidFill>
-                    <a:schemeClr val="tx1">
-                      <a:alpha val="0"/>
-                    </a:schemeClr>
-                  </a:solidFill>
-                </a:ln>
-                <a:latin typeface="나눔바른고딕" panose="020B0603020101020101" pitchFamily="50" charset="-127"/>
-                <a:ea typeface="나눔바른고딕" panose="020B0603020101020101" pitchFamily="50" charset="-127"/>
-              </a:rPr>
-              <a:t>명</a:t>
-            </a:r>
-            <a:r>
-              <a:rPr lang="en-US" altLang="ko-KR" sz="1000" dirty="0" smtClean="0">
-                <a:ln>
-                  <a:solidFill>
-                    <a:schemeClr val="tx1">
-                      <a:alpha val="0"/>
-                    </a:schemeClr>
-                  </a:solidFill>
-                </a:ln>
-                <a:latin typeface="나눔바른고딕" panose="020B0603020101020101" pitchFamily="50" charset="-127"/>
-                <a:ea typeface="나눔바른고딕" panose="020B0603020101020101" pitchFamily="50" charset="-127"/>
-              </a:rPr>
-              <a:t>(admin </a:t>
-            </a:r>
-            <a:r>
-              <a:rPr lang="ko-KR" altLang="en-US" sz="1000" dirty="0" smtClean="0">
-                <a:ln>
-                  <a:solidFill>
-                    <a:schemeClr val="tx1">
-                      <a:alpha val="0"/>
-                    </a:schemeClr>
-                  </a:solidFill>
-                </a:ln>
-                <a:latin typeface="나눔바른고딕" panose="020B0603020101020101" pitchFamily="50" charset="-127"/>
-                <a:ea typeface="나눔바른고딕" panose="020B0603020101020101" pitchFamily="50" charset="-127"/>
-              </a:rPr>
-              <a:t>경로 기준 오차범위 </a:t>
-            </a:r>
-            <a:r>
-              <a:rPr lang="en-US" altLang="ko-KR" sz="1000" dirty="0" smtClean="0">
-                <a:ln>
-                  <a:solidFill>
-                    <a:schemeClr val="tx1">
-                      <a:alpha val="0"/>
-                    </a:schemeClr>
-                  </a:solidFill>
-                </a:ln>
-                <a:latin typeface="나눔바른고딕" panose="020B0603020101020101" pitchFamily="50" charset="-127"/>
-                <a:ea typeface="나눔바른고딕" panose="020B0603020101020101" pitchFamily="50" charset="-127"/>
-              </a:rPr>
-              <a:t>+-3)</a:t>
-            </a:r>
-          </a:p>
-          <a:p>
-            <a:endParaRPr lang="en-US" altLang="ko-KR" sz="1000" dirty="0">
-              <a:ln>
-                <a:solidFill>
-                  <a:schemeClr val="tx1">
-                    <a:alpha val="0"/>
-                  </a:schemeClr>
-                </a:solidFill>
-              </a:ln>
-              <a:latin typeface="나눔바른고딕" panose="020B0603020101020101" pitchFamily="50" charset="-127"/>
-              <a:ea typeface="나눔바른고딕" panose="020B0603020101020101" pitchFamily="50" charset="-127"/>
-            </a:endParaRPr>
-          </a:p>
-          <a:p>
-            <a:endParaRPr lang="en-US" altLang="ko-KR" sz="1000" dirty="0" smtClean="0">
-              <a:ln>
-                <a:solidFill>
-                  <a:schemeClr val="tx1">
-                    <a:alpha val="0"/>
-                  </a:schemeClr>
-                </a:solidFill>
-              </a:ln>
-              <a:latin typeface="나눔바른고딕" panose="020B0603020101020101" pitchFamily="50" charset="-127"/>
-              <a:ea typeface="나눔바른고딕" panose="020B0603020101020101" pitchFamily="50" charset="-127"/>
-            </a:endParaRPr>
-          </a:p>
-          <a:p>
-            <a:r>
-              <a:rPr lang="ko-KR" altLang="en-US" sz="1000" dirty="0" smtClean="0">
-                <a:ln>
-                  <a:solidFill>
-                    <a:schemeClr val="tx1">
-                      <a:alpha val="0"/>
-                    </a:schemeClr>
-                  </a:solidFill>
-                </a:ln>
-                <a:latin typeface="나눔바른고딕" panose="020B0603020101020101" pitchFamily="50" charset="-127"/>
-                <a:ea typeface="나눔바른고딕" panose="020B0603020101020101" pitchFamily="50" charset="-127"/>
-              </a:rPr>
-              <a:t>어디서 왜 누락이 발생하는지는 모르겠으나 이번 캠페인의 사용자 수는 참고용으로만 부탁드립니다</a:t>
-            </a:r>
-            <a:r>
-              <a:rPr lang="en-US" altLang="ko-KR" sz="1000" dirty="0" smtClean="0">
-                <a:ln>
-                  <a:solidFill>
-                    <a:schemeClr val="tx1">
-                      <a:alpha val="0"/>
-                    </a:schemeClr>
-                  </a:solidFill>
-                </a:ln>
-                <a:latin typeface="나눔바른고딕" panose="020B0603020101020101" pitchFamily="50" charset="-127"/>
-                <a:ea typeface="나눔바른고딕" panose="020B0603020101020101" pitchFamily="50" charset="-127"/>
-              </a:rPr>
-              <a:t>.(7</a:t>
-            </a:r>
-            <a:r>
-              <a:rPr lang="ko-KR" altLang="en-US" sz="1000" dirty="0" smtClean="0">
-                <a:ln>
-                  <a:solidFill>
-                    <a:schemeClr val="tx1">
-                      <a:alpha val="0"/>
-                    </a:schemeClr>
-                  </a:solidFill>
-                </a:ln>
-                <a:latin typeface="나눔바른고딕" panose="020B0603020101020101" pitchFamily="50" charset="-127"/>
-                <a:ea typeface="나눔바른고딕" panose="020B0603020101020101" pitchFamily="50" charset="-127"/>
-              </a:rPr>
-              <a:t>일</a:t>
-            </a:r>
-            <a:r>
-              <a:rPr lang="en-US" altLang="ko-KR" sz="1000" dirty="0" smtClean="0">
-                <a:ln>
-                  <a:solidFill>
-                    <a:schemeClr val="tx1">
-                      <a:alpha val="0"/>
-                    </a:schemeClr>
-                  </a:solidFill>
-                </a:ln>
-                <a:latin typeface="나눔바른고딕" panose="020B0603020101020101" pitchFamily="50" charset="-127"/>
-                <a:ea typeface="나눔바른고딕" panose="020B0603020101020101" pitchFamily="50" charset="-127"/>
-              </a:rPr>
-              <a:t>-8</a:t>
-            </a:r>
-            <a:r>
-              <a:rPr lang="ko-KR" altLang="en-US" sz="1000" dirty="0" smtClean="0">
-                <a:ln>
-                  <a:solidFill>
-                    <a:schemeClr val="tx1">
-                      <a:alpha val="0"/>
-                    </a:schemeClr>
-                  </a:solidFill>
-                </a:ln>
-                <a:latin typeface="나눔바른고딕" panose="020B0603020101020101" pitchFamily="50" charset="-127"/>
-                <a:ea typeface="나눔바른고딕" panose="020B0603020101020101" pitchFamily="50" charset="-127"/>
-              </a:rPr>
-              <a:t>일 </a:t>
-            </a:r>
-            <a:r>
-              <a:rPr lang="en-US" altLang="ko-KR" sz="1000" dirty="0" smtClean="0">
-                <a:ln>
-                  <a:solidFill>
-                    <a:schemeClr val="tx1">
-                      <a:alpha val="0"/>
-                    </a:schemeClr>
-                  </a:solidFill>
-                </a:ln>
-                <a:latin typeface="나눔바른고딕" panose="020B0603020101020101" pitchFamily="50" charset="-127"/>
-                <a:ea typeface="나눔바른고딕" panose="020B0603020101020101" pitchFamily="50" charset="-127"/>
-              </a:rPr>
-              <a:t>GA</a:t>
-            </a:r>
-            <a:r>
-              <a:rPr lang="ko-KR" altLang="en-US" sz="1000" dirty="0" smtClean="0">
-                <a:ln>
-                  <a:solidFill>
-                    <a:schemeClr val="tx1">
-                      <a:alpha val="0"/>
-                    </a:schemeClr>
-                  </a:solidFill>
-                </a:ln>
-                <a:latin typeface="나눔바른고딕" panose="020B0603020101020101" pitchFamily="50" charset="-127"/>
-                <a:ea typeface="나눔바른고딕" panose="020B0603020101020101" pitchFamily="50" charset="-127"/>
-              </a:rPr>
-              <a:t>연동 속성 수정</a:t>
-            </a:r>
-            <a:r>
-              <a:rPr lang="en-US" altLang="ko-KR" sz="1000" dirty="0" smtClean="0">
-                <a:ln>
-                  <a:solidFill>
-                    <a:schemeClr val="tx1">
-                      <a:alpha val="0"/>
-                    </a:schemeClr>
-                  </a:solidFill>
-                </a:ln>
-                <a:latin typeface="나눔바른고딕" panose="020B0603020101020101" pitchFamily="50" charset="-127"/>
-                <a:ea typeface="나눔바른고딕" panose="020B0603020101020101" pitchFamily="50" charset="-127"/>
-              </a:rPr>
-              <a:t>)</a:t>
-            </a:r>
           </a:p>
         </p:txBody>
       </p:sp>
@@ -12660,6 +12587,260 @@
           </a:prstGeom>
         </p:spPr>
       </p:pic>
+      <p:sp>
+        <p:nvSpPr>
+          <p:cNvPr id="7" name="직사각형 6"/>
+          <p:cNvSpPr/>
+          <p:nvPr/>
+        </p:nvSpPr>
+        <p:spPr>
+          <a:xfrm>
+            <a:off x="136868" y="6353432"/>
+            <a:ext cx="4572000" cy="369332"/>
+          </a:xfrm>
+          <a:prstGeom prst="rect">
+            <a:avLst/>
+          </a:prstGeom>
+        </p:spPr>
+        <p:txBody>
+          <a:bodyPr>
+            <a:spAutoFit/>
+          </a:bodyPr>
+          <a:lstStyle/>
+          <a:p>
+            <a:r>
+              <a:rPr lang="ko-KR" altLang="en-US" sz="900" dirty="0">
+                <a:ln>
+                  <a:solidFill>
+                    <a:schemeClr val="tx1">
+                      <a:alpha val="0"/>
+                    </a:schemeClr>
+                  </a:solidFill>
+                </a:ln>
+                <a:solidFill>
+                  <a:schemeClr val="bg2">
+                    <a:lumMod val="50000"/>
+                  </a:schemeClr>
+                </a:solidFill>
+                <a:latin typeface="나눔바른고딕" panose="020B0603020101020101" pitchFamily="50" charset="-127"/>
+                <a:ea typeface="나눔바른고딕" panose="020B0603020101020101" pitchFamily="50" charset="-127"/>
+              </a:rPr>
+              <a:t>어디서 왜 누락이 발생하는지는</a:t>
+            </a:r>
+            <a:r>
+              <a:rPr lang="en-US" altLang="ko-KR" sz="900" dirty="0">
+                <a:ln>
+                  <a:solidFill>
+                    <a:schemeClr val="tx1">
+                      <a:alpha val="0"/>
+                    </a:schemeClr>
+                  </a:solidFill>
+                </a:ln>
+                <a:solidFill>
+                  <a:schemeClr val="bg2">
+                    <a:lumMod val="50000"/>
+                  </a:schemeClr>
+                </a:solidFill>
+                <a:latin typeface="나눔바른고딕" panose="020B0603020101020101" pitchFamily="50" charset="-127"/>
+                <a:ea typeface="나눔바른고딕" panose="020B0603020101020101" pitchFamily="50" charset="-127"/>
+              </a:rPr>
+              <a:t>, </a:t>
+            </a:r>
+            <a:r>
+              <a:rPr lang="ko-KR" altLang="en-US" sz="900" dirty="0">
+                <a:ln>
+                  <a:solidFill>
+                    <a:schemeClr val="tx1">
+                      <a:alpha val="0"/>
+                    </a:schemeClr>
+                  </a:solidFill>
+                </a:ln>
+                <a:solidFill>
+                  <a:schemeClr val="bg2">
+                    <a:lumMod val="50000"/>
+                  </a:schemeClr>
+                </a:solidFill>
+                <a:latin typeface="나눔바른고딕" panose="020B0603020101020101" pitchFamily="50" charset="-127"/>
+                <a:ea typeface="나눔바른고딕" panose="020B0603020101020101" pitchFamily="50" charset="-127"/>
+              </a:rPr>
+              <a:t>누락 발생 여부를 정확하게 모르겠으나 해결 진행 중입니다</a:t>
+            </a:r>
+            <a:r>
+              <a:rPr lang="en-US" altLang="ko-KR" sz="900" dirty="0">
+                <a:ln>
+                  <a:solidFill>
+                    <a:schemeClr val="tx1">
+                      <a:alpha val="0"/>
+                    </a:schemeClr>
+                  </a:solidFill>
+                </a:ln>
+                <a:solidFill>
+                  <a:schemeClr val="bg2">
+                    <a:lumMod val="50000"/>
+                  </a:schemeClr>
+                </a:solidFill>
+                <a:latin typeface="나눔바른고딕" panose="020B0603020101020101" pitchFamily="50" charset="-127"/>
+                <a:ea typeface="나눔바른고딕" panose="020B0603020101020101" pitchFamily="50" charset="-127"/>
+              </a:rPr>
+              <a:t>.</a:t>
+            </a:r>
+          </a:p>
+          <a:p>
+            <a:r>
+              <a:rPr lang="ko-KR" altLang="en-US" sz="900" dirty="0">
+                <a:ln>
+                  <a:solidFill>
+                    <a:schemeClr val="tx1">
+                      <a:alpha val="0"/>
+                    </a:schemeClr>
+                  </a:solidFill>
+                </a:ln>
+                <a:solidFill>
+                  <a:schemeClr val="bg2">
+                    <a:lumMod val="50000"/>
+                  </a:schemeClr>
+                </a:solidFill>
+                <a:latin typeface="나눔바른고딕" panose="020B0603020101020101" pitchFamily="50" charset="-127"/>
+                <a:ea typeface="나눔바른고딕" panose="020B0603020101020101" pitchFamily="50" charset="-127"/>
+              </a:rPr>
+              <a:t>이번 캠페인의 사용자 수는 참고용으로만 부탁드립니다</a:t>
+            </a:r>
+            <a:r>
+              <a:rPr lang="en-US" altLang="ko-KR" sz="900" dirty="0">
+                <a:ln>
+                  <a:solidFill>
+                    <a:schemeClr val="tx1">
+                      <a:alpha val="0"/>
+                    </a:schemeClr>
+                  </a:solidFill>
+                </a:ln>
+                <a:solidFill>
+                  <a:schemeClr val="bg2">
+                    <a:lumMod val="50000"/>
+                  </a:schemeClr>
+                </a:solidFill>
+                <a:latin typeface="나눔바른고딕" panose="020B0603020101020101" pitchFamily="50" charset="-127"/>
+                <a:ea typeface="나눔바른고딕" panose="020B0603020101020101" pitchFamily="50" charset="-127"/>
+              </a:rPr>
+              <a:t>.(7</a:t>
+            </a:r>
+            <a:r>
+              <a:rPr lang="ko-KR" altLang="en-US" sz="900" dirty="0">
+                <a:ln>
+                  <a:solidFill>
+                    <a:schemeClr val="tx1">
+                      <a:alpha val="0"/>
+                    </a:schemeClr>
+                  </a:solidFill>
+                </a:ln>
+                <a:solidFill>
+                  <a:schemeClr val="bg2">
+                    <a:lumMod val="50000"/>
+                  </a:schemeClr>
+                </a:solidFill>
+                <a:latin typeface="나눔바른고딕" panose="020B0603020101020101" pitchFamily="50" charset="-127"/>
+                <a:ea typeface="나눔바른고딕" panose="020B0603020101020101" pitchFamily="50" charset="-127"/>
+              </a:rPr>
+              <a:t>일</a:t>
+            </a:r>
+            <a:r>
+              <a:rPr lang="en-US" altLang="ko-KR" sz="900" dirty="0">
+                <a:ln>
+                  <a:solidFill>
+                    <a:schemeClr val="tx1">
+                      <a:alpha val="0"/>
+                    </a:schemeClr>
+                  </a:solidFill>
+                </a:ln>
+                <a:solidFill>
+                  <a:schemeClr val="bg2">
+                    <a:lumMod val="50000"/>
+                  </a:schemeClr>
+                </a:solidFill>
+                <a:latin typeface="나눔바른고딕" panose="020B0603020101020101" pitchFamily="50" charset="-127"/>
+                <a:ea typeface="나눔바른고딕" panose="020B0603020101020101" pitchFamily="50" charset="-127"/>
+              </a:rPr>
+              <a:t>-8</a:t>
+            </a:r>
+            <a:r>
+              <a:rPr lang="ko-KR" altLang="en-US" sz="900" dirty="0">
+                <a:ln>
+                  <a:solidFill>
+                    <a:schemeClr val="tx1">
+                      <a:alpha val="0"/>
+                    </a:schemeClr>
+                  </a:solidFill>
+                </a:ln>
+                <a:solidFill>
+                  <a:schemeClr val="bg2">
+                    <a:lumMod val="50000"/>
+                  </a:schemeClr>
+                </a:solidFill>
+                <a:latin typeface="나눔바른고딕" panose="020B0603020101020101" pitchFamily="50" charset="-127"/>
+                <a:ea typeface="나눔바른고딕" panose="020B0603020101020101" pitchFamily="50" charset="-127"/>
+              </a:rPr>
+              <a:t>일 </a:t>
+            </a:r>
+            <a:r>
+              <a:rPr lang="en-US" altLang="ko-KR" sz="900" dirty="0">
+                <a:ln>
+                  <a:solidFill>
+                    <a:schemeClr val="tx1">
+                      <a:alpha val="0"/>
+                    </a:schemeClr>
+                  </a:solidFill>
+                </a:ln>
+                <a:solidFill>
+                  <a:schemeClr val="bg2">
+                    <a:lumMod val="50000"/>
+                  </a:schemeClr>
+                </a:solidFill>
+                <a:latin typeface="나눔바른고딕" panose="020B0603020101020101" pitchFamily="50" charset="-127"/>
+                <a:ea typeface="나눔바른고딕" panose="020B0603020101020101" pitchFamily="50" charset="-127"/>
+              </a:rPr>
+              <a:t>GA</a:t>
+            </a:r>
+            <a:r>
+              <a:rPr lang="ko-KR" altLang="en-US" sz="900" dirty="0">
+                <a:ln>
+                  <a:solidFill>
+                    <a:schemeClr val="tx1">
+                      <a:alpha val="0"/>
+                    </a:schemeClr>
+                  </a:solidFill>
+                </a:ln>
+                <a:solidFill>
+                  <a:schemeClr val="bg2">
+                    <a:lumMod val="50000"/>
+                  </a:schemeClr>
+                </a:solidFill>
+                <a:latin typeface="나눔바른고딕" panose="020B0603020101020101" pitchFamily="50" charset="-127"/>
+                <a:ea typeface="나눔바른고딕" panose="020B0603020101020101" pitchFamily="50" charset="-127"/>
+              </a:rPr>
+              <a:t>연동 속성 수정</a:t>
+            </a:r>
+            <a:r>
+              <a:rPr lang="en-US" altLang="ko-KR" sz="900" dirty="0">
+                <a:ln>
+                  <a:solidFill>
+                    <a:schemeClr val="tx1">
+                      <a:alpha val="0"/>
+                    </a:schemeClr>
+                  </a:solidFill>
+                </a:ln>
+                <a:solidFill>
+                  <a:schemeClr val="bg2">
+                    <a:lumMod val="50000"/>
+                  </a:schemeClr>
+                </a:solidFill>
+                <a:latin typeface="나눔바른고딕" panose="020B0603020101020101" pitchFamily="50" charset="-127"/>
+                <a:ea typeface="나눔바른고딕" panose="020B0603020101020101" pitchFamily="50" charset="-127"/>
+              </a:rPr>
+              <a:t>)</a:t>
+            </a:r>
+          </a:p>
+        </p:txBody>
+      </p:sp>
     </p:spTree>
     <p:extLst>
       <p:ext uri="{BB962C8B-B14F-4D97-AF65-F5344CB8AC3E}">
@@ -12698,8 +12879,8 @@
         </p:nvSpPr>
         <p:spPr>
           <a:xfrm>
-            <a:off x="7443332" y="401870"/>
-            <a:ext cx="1560887" cy="246221"/>
+            <a:off x="7066572" y="401870"/>
+            <a:ext cx="1937647" cy="276999"/>
           </a:xfrm>
           <a:prstGeom prst="rect">
             <a:avLst/>
@@ -12719,7 +12900,7 @@
           <a:p>
             <a:pPr algn="r"/>
             <a:r>
-              <a:rPr lang="ko-KR" altLang="en-US" sz="1000" b="1" dirty="0" err="1" smtClean="0">
+              <a:rPr lang="ko-KR" altLang="en-US" sz="1200" b="1" dirty="0" err="1" smtClean="0">
                 <a:ln>
                   <a:solidFill>
                     <a:schemeClr val="tx1">
@@ -12733,7 +12914,7 @@
               <a:t>메인에서</a:t>
             </a:r>
             <a:r>
-              <a:rPr lang="ko-KR" altLang="en-US" sz="1000" b="1" dirty="0" smtClean="0">
+              <a:rPr lang="ko-KR" altLang="en-US" sz="1200" b="1" dirty="0" smtClean="0">
                 <a:ln>
                   <a:solidFill>
                     <a:schemeClr val="tx1">
@@ -12746,7 +12927,7 @@
               </a:rPr>
               <a:t> 유심히 본 페이지</a:t>
             </a:r>
-            <a:endParaRPr lang="ko-KR" altLang="en-US" sz="1000" b="1" dirty="0">
+            <a:endParaRPr lang="ko-KR" altLang="en-US" sz="1200" b="1" dirty="0">
               <a:ln>
                 <a:solidFill>
                   <a:schemeClr val="tx1">
@@ -13665,8 +13846,8 @@
         </p:nvSpPr>
         <p:spPr>
           <a:xfrm>
-            <a:off x="7443332" y="401870"/>
-            <a:ext cx="1560887" cy="246221"/>
+            <a:off x="7887675" y="401870"/>
+            <a:ext cx="1116544" cy="276999"/>
           </a:xfrm>
           <a:prstGeom prst="rect">
             <a:avLst/>
@@ -13686,7 +13867,7 @@
           <a:p>
             <a:pPr algn="r"/>
             <a:r>
-              <a:rPr lang="ko-KR" altLang="en-US" sz="1000" b="1" dirty="0" smtClean="0">
+              <a:rPr lang="ko-KR" altLang="en-US" sz="1200" b="1" dirty="0" smtClean="0">
                 <a:ln>
                   <a:solidFill>
                     <a:schemeClr val="tx1">
@@ -13699,7 +13880,7 @@
               </a:rPr>
               <a:t>관심 원인 분석</a:t>
             </a:r>
-            <a:endParaRPr lang="ko-KR" altLang="en-US" sz="1000" b="1" dirty="0">
+            <a:endParaRPr lang="ko-KR" altLang="en-US" sz="1200" b="1" dirty="0">
               <a:ln>
                 <a:solidFill>
                   <a:schemeClr val="tx1">
@@ -13862,7 +14043,7 @@
         <p:spPr>
           <a:xfrm>
             <a:off x="924248" y="3119800"/>
-            <a:ext cx="841897" cy="253916"/>
+            <a:ext cx="1085554" cy="253916"/>
           </a:xfrm>
           <a:prstGeom prst="rect">
             <a:avLst/>
@@ -13889,20 +14070,6 @@
               <a:t>1. </a:t>
             </a:r>
             <a:r>
-              <a:rPr lang="ko-KR" altLang="en-US" sz="1050" spc="-150" dirty="0" err="1" smtClean="0">
-                <a:ln>
-                  <a:solidFill>
-                    <a:schemeClr val="tx1">
-                      <a:alpha val="0"/>
-                    </a:schemeClr>
-                  </a:solidFill>
-                </a:ln>
-                <a:latin typeface="나눔바른고딕" panose="020B0603020101020101" pitchFamily="50" charset="-127"/>
-                <a:ea typeface="나눔바른고딕" panose="020B0603020101020101" pitchFamily="50" charset="-127"/>
-              </a:rPr>
-              <a:t>실제후기</a:t>
-            </a:r>
-            <a:r>
               <a:rPr lang="ko-KR" altLang="en-US" sz="1050" spc="-150" dirty="0" smtClean="0">
                 <a:ln>
                   <a:solidFill>
@@ -13914,7 +14081,7 @@
                 <a:latin typeface="나눔바른고딕" panose="020B0603020101020101" pitchFamily="50" charset="-127"/>
                 <a:ea typeface="나눔바른고딕" panose="020B0603020101020101" pitchFamily="50" charset="-127"/>
               </a:rPr>
-              <a:t> </a:t>
+              <a:t>다음단계로버튼 </a:t>
             </a:r>
             <a:r>
               <a:rPr lang="en-US" altLang="ko-KR" sz="1050" spc="-150" dirty="0">
@@ -13928,87 +14095,21 @@
                 <a:latin typeface="나눔바른고딕" panose="020B0603020101020101" pitchFamily="50" charset="-127"/>
                 <a:ea typeface="나눔바른고딕" panose="020B0603020101020101" pitchFamily="50" charset="-127"/>
               </a:rPr>
-              <a:t>: 12</a:t>
-            </a:r>
-          </a:p>
-        </p:txBody>
-      </p:sp>
-      <p:sp>
-        <p:nvSpPr>
-          <p:cNvPr id="15" name="직사각형 14"/>
-          <p:cNvSpPr/>
-          <p:nvPr/>
-        </p:nvSpPr>
-        <p:spPr>
-          <a:xfrm>
-            <a:off x="4231132" y="3119800"/>
-            <a:ext cx="740908" cy="253916"/>
-          </a:xfrm>
-          <a:prstGeom prst="rect">
-            <a:avLst/>
-          </a:prstGeom>
-        </p:spPr>
-        <p:txBody>
-          <a:bodyPr wrap="none">
-            <a:spAutoFit/>
-          </a:bodyPr>
-          <a:lstStyle/>
-          <a:p>
-            <a:r>
-              <a:rPr lang="en-US" altLang="ko-KR" sz="1050" spc="-150" dirty="0" smtClean="0">
-                <a:ln>
-                  <a:solidFill>
-                    <a:schemeClr val="tx1">
-                      <a:alpha val="0"/>
-                    </a:schemeClr>
-                  </a:solidFill>
-                </a:ln>
-                <a:latin typeface="나눔바른고딕" panose="020B0603020101020101" pitchFamily="50" charset="-127"/>
-                <a:ea typeface="나눔바른고딕" panose="020B0603020101020101" pitchFamily="50" charset="-127"/>
-              </a:rPr>
-              <a:t>2. </a:t>
-            </a:r>
-            <a:r>
-              <a:rPr lang="ko-KR" altLang="en-US" sz="1050" spc="-150" dirty="0" err="1" smtClean="0">
-                <a:ln>
-                  <a:solidFill>
-                    <a:schemeClr val="tx1">
-                      <a:alpha val="0"/>
-                    </a:schemeClr>
-                  </a:solidFill>
-                </a:ln>
-                <a:latin typeface="나눔바른고딕" panose="020B0603020101020101" pitchFamily="50" charset="-127"/>
-                <a:ea typeface="나눔바른고딕" panose="020B0603020101020101" pitchFamily="50" charset="-127"/>
-              </a:rPr>
-              <a:t>코치진</a:t>
-            </a:r>
-            <a:r>
-              <a:rPr lang="ko-KR" altLang="en-US" sz="1050" spc="-150" dirty="0" smtClean="0">
-                <a:ln>
-                  <a:solidFill>
-                    <a:schemeClr val="tx1">
-                      <a:alpha val="0"/>
-                    </a:schemeClr>
-                  </a:solidFill>
-                </a:ln>
-                <a:latin typeface="나눔바른고딕" panose="020B0603020101020101" pitchFamily="50" charset="-127"/>
-                <a:ea typeface="나눔바른고딕" panose="020B0603020101020101" pitchFamily="50" charset="-127"/>
-              </a:rPr>
-              <a:t> </a:t>
-            </a:r>
-            <a:r>
-              <a:rPr lang="en-US" altLang="ko-KR" sz="1050" spc="-150" dirty="0" smtClean="0">
-                <a:ln>
-                  <a:solidFill>
-                    <a:schemeClr val="tx1">
-                      <a:alpha val="0"/>
-                    </a:schemeClr>
-                  </a:solidFill>
-                </a:ln>
-                <a:latin typeface="나눔바른고딕" panose="020B0603020101020101" pitchFamily="50" charset="-127"/>
-                <a:ea typeface="나눔바른고딕" panose="020B0603020101020101" pitchFamily="50" charset="-127"/>
-              </a:rPr>
-              <a:t>: 11</a:t>
+              <a:t>: </a:t>
+            </a:r>
+            <a:r>
+              <a:rPr lang="en-US" altLang="ko-KR" sz="1050" spc="-150" dirty="0">
+                <a:ln>
+                  <a:solidFill>
+                    <a:schemeClr val="tx1">
+                      <a:alpha val="0"/>
+                    </a:schemeClr>
+                  </a:solidFill>
+                </a:ln>
+                <a:latin typeface="나눔바른고딕" panose="020B0603020101020101" pitchFamily="50" charset="-127"/>
+                <a:ea typeface="나눔바른고딕" panose="020B0603020101020101" pitchFamily="50" charset="-127"/>
+              </a:rPr>
+              <a:t>7</a:t>
             </a:r>
             <a:endParaRPr lang="en-US" altLang="ko-KR" sz="1050" spc="-150" dirty="0">
               <a:ln>
@@ -14026,14 +14127,14 @@
       </p:sp>
       <p:sp>
         <p:nvSpPr>
-          <p:cNvPr id="16" name="직사각형 15"/>
+          <p:cNvPr id="15" name="직사각형 14"/>
           <p:cNvSpPr/>
           <p:nvPr/>
         </p:nvSpPr>
         <p:spPr>
           <a:xfrm>
-            <a:off x="7066573" y="3119800"/>
-            <a:ext cx="883575" cy="253916"/>
+            <a:off x="3782245" y="2992842"/>
+            <a:ext cx="1535998" cy="253916"/>
           </a:xfrm>
           <a:prstGeom prst="rect">
             <a:avLst/>
@@ -14057,24 +14158,143 @@
                 <a:latin typeface="나눔바른고딕" panose="020B0603020101020101" pitchFamily="50" charset="-127"/>
                 <a:ea typeface="나눔바른고딕" panose="020B0603020101020101" pitchFamily="50" charset="-127"/>
               </a:rPr>
+              <a:t>2. </a:t>
+            </a:r>
+            <a:r>
+              <a:rPr lang="en-US" altLang="ko-KR" sz="1050" spc="-150" dirty="0" smtClean="0">
+                <a:ln>
+                  <a:solidFill>
+                    <a:schemeClr val="tx1">
+                      <a:alpha val="0"/>
+                    </a:schemeClr>
+                  </a:solidFill>
+                </a:ln>
+                <a:latin typeface="나눔바른고딕" panose="020B0603020101020101" pitchFamily="50" charset="-127"/>
+                <a:ea typeface="나눔바른고딕" panose="020B0603020101020101" pitchFamily="50" charset="-127"/>
+              </a:rPr>
+              <a:t> </a:t>
+            </a:r>
+            <a:r>
+              <a:rPr lang="ko-KR" altLang="en-US" sz="1050" dirty="0" smtClean="0">
+                <a:ln>
+                  <a:solidFill>
+                    <a:schemeClr val="tx1">
+                      <a:alpha val="0"/>
+                    </a:schemeClr>
+                  </a:solidFill>
+                </a:ln>
+                <a:latin typeface="나눔바른고딕" panose="020B0603020101020101" pitchFamily="50" charset="-127"/>
+                <a:ea typeface="나눔바른고딕" panose="020B0603020101020101" pitchFamily="50" charset="-127"/>
+              </a:rPr>
+              <a:t>체험신청혜택</a:t>
+            </a:r>
+            <a:r>
+              <a:rPr lang="en-US" altLang="ko-KR" sz="1050" dirty="0">
+                <a:ln>
+                  <a:solidFill>
+                    <a:schemeClr val="tx1">
+                      <a:alpha val="0"/>
+                    </a:schemeClr>
+                  </a:solidFill>
+                </a:ln>
+                <a:latin typeface="나눔바른고딕" panose="020B0603020101020101" pitchFamily="50" charset="-127"/>
+                <a:ea typeface="나눔바른고딕" panose="020B0603020101020101" pitchFamily="50" charset="-127"/>
+              </a:rPr>
+              <a:t>(</a:t>
+            </a:r>
+            <a:r>
+              <a:rPr lang="ko-KR" altLang="en-US" sz="1050" dirty="0">
+                <a:ln>
+                  <a:solidFill>
+                    <a:schemeClr val="tx1">
+                      <a:alpha val="0"/>
+                    </a:schemeClr>
+                  </a:solidFill>
+                </a:ln>
+                <a:latin typeface="나눔바른고딕" panose="020B0603020101020101" pitchFamily="50" charset="-127"/>
+                <a:ea typeface="나눔바른고딕" panose="020B0603020101020101" pitchFamily="50" charset="-127"/>
+              </a:rPr>
+              <a:t>미션</a:t>
+            </a:r>
+            <a:r>
+              <a:rPr lang="en-US" altLang="ko-KR" sz="1050" dirty="0">
+                <a:ln>
+                  <a:solidFill>
+                    <a:schemeClr val="tx1">
+                      <a:alpha val="0"/>
+                    </a:schemeClr>
+                  </a:solidFill>
+                </a:ln>
+                <a:latin typeface="나눔바른고딕" panose="020B0603020101020101" pitchFamily="50" charset="-127"/>
+                <a:ea typeface="나눔바른고딕" panose="020B0603020101020101" pitchFamily="50" charset="-127"/>
+              </a:rPr>
+              <a:t>) : 5</a:t>
+            </a:r>
+            <a:endParaRPr lang="en-US" altLang="ko-KR" sz="1050" dirty="0">
+              <a:ln>
+                <a:solidFill>
+                  <a:schemeClr val="tx1">
+                    <a:alpha val="0"/>
+                  </a:schemeClr>
+                </a:solidFill>
+              </a:ln>
+              <a:latin typeface="나눔바른고딕" panose="020B0603020101020101" pitchFamily="50" charset="-127"/>
+              <a:ea typeface="나눔바른고딕" panose="020B0603020101020101" pitchFamily="50" charset="-127"/>
+            </a:endParaRPr>
+          </a:p>
+        </p:txBody>
+      </p:sp>
+      <p:sp>
+        <p:nvSpPr>
+          <p:cNvPr id="16" name="직사각형 15"/>
+          <p:cNvSpPr/>
+          <p:nvPr/>
+        </p:nvSpPr>
+        <p:spPr>
+          <a:xfrm>
+            <a:off x="6617686" y="2992842"/>
+            <a:ext cx="1898277" cy="253916"/>
+          </a:xfrm>
+          <a:prstGeom prst="rect">
+            <a:avLst/>
+          </a:prstGeom>
+        </p:spPr>
+        <p:txBody>
+          <a:bodyPr wrap="none">
+            <a:spAutoFit/>
+          </a:bodyPr>
+          <a:lstStyle/>
+          <a:p>
+            <a:r>
+              <a:rPr lang="en-US" altLang="ko-KR" sz="1050" spc="-150" dirty="0" smtClean="0">
+                <a:ln>
+                  <a:solidFill>
+                    <a:schemeClr val="tx1">
+                      <a:alpha val="0"/>
+                    </a:schemeClr>
+                  </a:solidFill>
+                </a:ln>
+                <a:latin typeface="나눔바른고딕" panose="020B0603020101020101" pitchFamily="50" charset="-127"/>
+                <a:ea typeface="나눔바른고딕" panose="020B0603020101020101" pitchFamily="50" charset="-127"/>
+              </a:rPr>
               <a:t>3. </a:t>
             </a:r>
             <a:r>
-              <a:rPr lang="ko-KR" altLang="en-US" sz="1050" spc="-150" dirty="0" err="1" smtClean="0">
-                <a:ln>
-                  <a:solidFill>
-                    <a:schemeClr val="tx1">
-                      <a:alpha val="0"/>
-                    </a:schemeClr>
-                  </a:solidFill>
-                </a:ln>
-                <a:latin typeface="나눔바른고딕" panose="020B0603020101020101" pitchFamily="50" charset="-127"/>
-                <a:ea typeface="나눔바른고딕" panose="020B0603020101020101" pitchFamily="50" charset="-127"/>
-              </a:rPr>
-              <a:t>패키지할인</a:t>
-            </a:r>
-            <a:r>
-              <a:rPr lang="ko-KR" altLang="en-US" sz="1050" spc="-150" dirty="0" smtClean="0">
+              <a:rPr lang="ko-KR" altLang="en-US" sz="1050" dirty="0" err="1">
+                <a:ln>
+                  <a:solidFill>
+                    <a:schemeClr val="tx1">
+                      <a:alpha val="0"/>
+                    </a:schemeClr>
+                  </a:solidFill>
+                </a:ln>
+                <a:latin typeface="나눔바른고딕" panose="020B0603020101020101" pitchFamily="50" charset="-127"/>
+                <a:ea typeface="나눔바른고딕" panose="020B0603020101020101" pitchFamily="50" charset="-127"/>
+              </a:rPr>
+              <a:t>패키지최하단체험신청버튼</a:t>
+            </a:r>
+            <a:r>
+              <a:rPr lang="ko-KR" altLang="en-US" sz="1050" dirty="0">
                 <a:ln>
                   <a:solidFill>
                     <a:schemeClr val="tx1">
@@ -14088,20 +14308,20 @@
               <a:t> </a:t>
             </a:r>
             <a:r>
-              <a:rPr lang="en-US" altLang="ko-KR" sz="1050" spc="-150" dirty="0" smtClean="0">
-                <a:ln>
-                  <a:solidFill>
-                    <a:schemeClr val="tx1">
-                      <a:alpha val="0"/>
-                    </a:schemeClr>
-                  </a:solidFill>
-                </a:ln>
-                <a:latin typeface="나눔바른고딕" panose="020B0603020101020101" pitchFamily="50" charset="-127"/>
-                <a:ea typeface="나눔바른고딕" panose="020B0603020101020101" pitchFamily="50" charset="-127"/>
-              </a:rPr>
-              <a:t>: 9</a:t>
-            </a:r>
-            <a:endParaRPr lang="en-US" altLang="ko-KR" sz="1050" spc="-150" dirty="0">
+              <a:rPr lang="en-US" altLang="ko-KR" sz="1050" dirty="0">
+                <a:ln>
+                  <a:solidFill>
+                    <a:schemeClr val="tx1">
+                      <a:alpha val="0"/>
+                    </a:schemeClr>
+                  </a:solidFill>
+                </a:ln>
+                <a:latin typeface="나눔바른고딕" panose="020B0603020101020101" pitchFamily="50" charset="-127"/>
+                <a:ea typeface="나눔바른고딕" panose="020B0603020101020101" pitchFamily="50" charset="-127"/>
+              </a:rPr>
+              <a:t>: 4</a:t>
+            </a:r>
+            <a:endParaRPr lang="en-US" altLang="ko-KR" sz="1050" dirty="0">
               <a:ln>
                 <a:solidFill>
                   <a:schemeClr val="tx1">
@@ -14124,7 +14344,7 @@
         <p:spPr>
           <a:xfrm>
             <a:off x="924248" y="5845528"/>
-            <a:ext cx="883575" cy="253916"/>
+            <a:ext cx="1056700" cy="253916"/>
           </a:xfrm>
           <a:prstGeom prst="rect">
             <a:avLst/>
@@ -14151,21 +14371,21 @@
               <a:t>3. </a:t>
             </a:r>
             <a:r>
-              <a:rPr lang="ko-KR" altLang="en-US" sz="1050" spc="-150" dirty="0" err="1" smtClean="0">
-                <a:ln>
-                  <a:solidFill>
-                    <a:schemeClr val="tx1">
-                      <a:alpha val="0"/>
-                    </a:schemeClr>
-                  </a:solidFill>
-                </a:ln>
-                <a:latin typeface="나눔바른고딕" panose="020B0603020101020101" pitchFamily="50" charset="-127"/>
-                <a:ea typeface="나눔바른고딕" panose="020B0603020101020101" pitchFamily="50" charset="-127"/>
-              </a:rPr>
-              <a:t>과정별소개</a:t>
-            </a:r>
-            <a:r>
-              <a:rPr lang="ko-KR" altLang="en-US" sz="1050" spc="-150" dirty="0" smtClean="0">
+              <a:rPr lang="ko-KR" altLang="en-US" sz="1050" dirty="0" err="1">
+                <a:ln>
+                  <a:solidFill>
+                    <a:schemeClr val="tx1">
+                      <a:alpha val="0"/>
+                    </a:schemeClr>
+                  </a:solidFill>
+                </a:ln>
+                <a:latin typeface="나눔바른고딕" panose="020B0603020101020101" pitchFamily="50" charset="-127"/>
+                <a:ea typeface="나눔바른고딕" panose="020B0603020101020101" pitchFamily="50" charset="-127"/>
+              </a:rPr>
+              <a:t>패키지할인</a:t>
+            </a:r>
+            <a:r>
+              <a:rPr lang="ko-KR" altLang="en-US" sz="1050" dirty="0">
                 <a:ln>
                   <a:solidFill>
                     <a:schemeClr val="tx1">
@@ -14179,6 +14399,44 @@
               <a:t> </a:t>
             </a:r>
             <a:r>
+              <a:rPr lang="en-US" altLang="ko-KR" sz="1050" dirty="0">
+                <a:ln>
+                  <a:solidFill>
+                    <a:schemeClr val="tx1">
+                      <a:alpha val="0"/>
+                    </a:schemeClr>
+                  </a:solidFill>
+                </a:ln>
+                <a:latin typeface="나눔바른고딕" panose="020B0603020101020101" pitchFamily="50" charset="-127"/>
+                <a:ea typeface="나눔바른고딕" panose="020B0603020101020101" pitchFamily="50" charset="-127"/>
+              </a:rPr>
+              <a:t>: 2</a:t>
+            </a:r>
+          </a:p>
+        </p:txBody>
+      </p:sp>
+      <p:sp>
+        <p:nvSpPr>
+          <p:cNvPr id="19" name="직사각형 18"/>
+          <p:cNvSpPr/>
+          <p:nvPr/>
+        </p:nvSpPr>
+        <p:spPr>
+          <a:xfrm>
+            <a:off x="3782245" y="5718570"/>
+            <a:ext cx="1176925" cy="253916"/>
+          </a:xfrm>
+          <a:prstGeom prst="rect">
+            <a:avLst/>
+          </a:prstGeom>
+        </p:spPr>
+        <p:txBody>
+          <a:bodyPr wrap="none">
+            <a:spAutoFit/>
+          </a:bodyPr>
+          <a:lstStyle/>
+          <a:p>
+            <a:r>
               <a:rPr lang="en-US" altLang="ko-KR" sz="1050" spc="-150" dirty="0" smtClean="0">
                 <a:ln>
                   <a:solidFill>
@@ -14190,9 +14448,89 @@
                 <a:latin typeface="나눔바른고딕" panose="020B0603020101020101" pitchFamily="50" charset="-127"/>
                 <a:ea typeface="나눔바른고딕" panose="020B0603020101020101" pitchFamily="50" charset="-127"/>
               </a:rPr>
-              <a:t>: 9</a:t>
-            </a:r>
-            <a:endParaRPr lang="en-US" altLang="ko-KR" sz="1050" spc="-150" dirty="0">
+              <a:t>5. </a:t>
+            </a:r>
+            <a:r>
+              <a:rPr lang="ko-KR" altLang="en-US" sz="1050" dirty="0">
+                <a:ln>
+                  <a:solidFill>
+                    <a:schemeClr val="tx1">
+                      <a:alpha val="0"/>
+                    </a:schemeClr>
+                  </a:solidFill>
+                </a:ln>
+                <a:latin typeface="나눔바른고딕" panose="020B0603020101020101" pitchFamily="50" charset="-127"/>
+                <a:ea typeface="나눔바른고딕" panose="020B0603020101020101" pitchFamily="50" charset="-127"/>
+              </a:rPr>
+              <a:t>체험신청메뉴 </a:t>
+            </a:r>
+            <a:r>
+              <a:rPr lang="en-US" altLang="ko-KR" sz="1050" dirty="0">
+                <a:ln>
+                  <a:solidFill>
+                    <a:schemeClr val="tx1">
+                      <a:alpha val="0"/>
+                    </a:schemeClr>
+                  </a:solidFill>
+                </a:ln>
+                <a:latin typeface="나눔바른고딕" panose="020B0603020101020101" pitchFamily="50" charset="-127"/>
+                <a:ea typeface="나눔바른고딕" panose="020B0603020101020101" pitchFamily="50" charset="-127"/>
+              </a:rPr>
+              <a:t>: 2</a:t>
+            </a:r>
+          </a:p>
+        </p:txBody>
+      </p:sp>
+      <p:sp>
+        <p:nvSpPr>
+          <p:cNvPr id="21" name="직사각형 20"/>
+          <p:cNvSpPr/>
+          <p:nvPr/>
+        </p:nvSpPr>
+        <p:spPr>
+          <a:xfrm>
+            <a:off x="6770061" y="5718570"/>
+            <a:ext cx="1117614" cy="253916"/>
+          </a:xfrm>
+          <a:prstGeom prst="rect">
+            <a:avLst/>
+          </a:prstGeom>
+        </p:spPr>
+        <p:txBody>
+          <a:bodyPr wrap="none">
+            <a:spAutoFit/>
+          </a:bodyPr>
+          <a:lstStyle/>
+          <a:p>
+            <a:r>
+              <a:rPr lang="en-US" altLang="ko-KR" sz="1050" spc="-150" dirty="0" smtClean="0">
+                <a:ln>
+                  <a:solidFill>
+                    <a:schemeClr val="tx1">
+                      <a:alpha val="0"/>
+                    </a:schemeClr>
+                  </a:solidFill>
+                </a:ln>
+                <a:latin typeface="나눔바른고딕" panose="020B0603020101020101" pitchFamily="50" charset="-127"/>
+                <a:ea typeface="나눔바른고딕" panose="020B0603020101020101" pitchFamily="50" charset="-127"/>
+              </a:rPr>
+              <a:t>6. </a:t>
+            </a:r>
+            <a:r>
+              <a:rPr lang="ko-KR" altLang="en-US" sz="1050" dirty="0" smtClean="0">
+                <a:ln>
+                  <a:solidFill>
+                    <a:schemeClr val="tx1">
+                      <a:alpha val="0"/>
+                    </a:schemeClr>
+                  </a:solidFill>
+                </a:ln>
+                <a:latin typeface="나눔바른고딕" panose="020B0603020101020101" pitchFamily="50" charset="-127"/>
+                <a:ea typeface="나눔바른고딕" panose="020B0603020101020101" pitchFamily="50" charset="-127"/>
+              </a:rPr>
+              <a:t>패키지비교버튼</a:t>
+            </a:r>
+            <a:endParaRPr lang="en-US" altLang="ko-KR" sz="1050" dirty="0">
               <a:ln>
                 <a:solidFill>
                   <a:schemeClr val="tx1">
@@ -14206,472 +14544,192 @@
           </a:p>
         </p:txBody>
       </p:sp>
-      <p:sp>
-        <p:nvSpPr>
-          <p:cNvPr id="19" name="직사각형 18"/>
-          <p:cNvSpPr/>
+      <p:pic>
+        <p:nvPicPr>
+          <p:cNvPr id="4" name="그림 3"/>
+          <p:cNvPicPr>
+            <a:picLocks noChangeAspect="1"/>
+          </p:cNvPicPr>
           <p:nvPr/>
-        </p:nvSpPr>
+        </p:nvPicPr>
+        <p:blipFill>
+          <a:blip r:embed="rId2"/>
+          <a:stretch>
+            <a:fillRect/>
+          </a:stretch>
+        </p:blipFill>
         <p:spPr>
           <a:xfrm>
-            <a:off x="4231132" y="5845528"/>
-            <a:ext cx="782587" cy="253916"/>
+            <a:off x="286498" y="817675"/>
+            <a:ext cx="2455424" cy="2056008"/>
           </a:xfrm>
           <a:prstGeom prst="rect">
             <a:avLst/>
           </a:prstGeom>
+          <a:effectLst>
+            <a:outerShdw blurRad="50800" dist="50800" dir="5400000" algn="ctr" rotWithShape="0">
+              <a:srgbClr val="000000">
+                <a:alpha val="9000"/>
+              </a:srgbClr>
+            </a:outerShdw>
+          </a:effectLst>
         </p:spPr>
-        <p:txBody>
-          <a:bodyPr wrap="none">
-            <a:spAutoFit/>
-          </a:bodyPr>
-          <a:lstStyle/>
-          <a:p>
-            <a:r>
-              <a:rPr lang="en-US" altLang="ko-KR" sz="1050" spc="-150" dirty="0" smtClean="0">
-                <a:ln>
-                  <a:solidFill>
-                    <a:schemeClr val="tx1">
-                      <a:alpha val="0"/>
-                    </a:schemeClr>
-                  </a:solidFill>
-                </a:ln>
-                <a:latin typeface="나눔바른고딕" panose="020B0603020101020101" pitchFamily="50" charset="-127"/>
-                <a:ea typeface="나눔바른고딕" panose="020B0603020101020101" pitchFamily="50" charset="-127"/>
-              </a:rPr>
-              <a:t>5. </a:t>
-            </a:r>
-            <a:r>
-              <a:rPr lang="ko-KR" altLang="en-US" sz="1050" spc="-150" dirty="0" smtClean="0">
-                <a:ln>
-                  <a:solidFill>
-                    <a:schemeClr val="tx1">
-                      <a:alpha val="0"/>
-                    </a:schemeClr>
-                  </a:solidFill>
-                </a:ln>
-                <a:latin typeface="나눔바른고딕" panose="020B0603020101020101" pitchFamily="50" charset="-127"/>
-                <a:ea typeface="나눔바른고딕" panose="020B0603020101020101" pitchFamily="50" charset="-127"/>
-              </a:rPr>
-              <a:t>커리큘럼 </a:t>
-            </a:r>
-            <a:r>
-              <a:rPr lang="en-US" altLang="ko-KR" sz="1050" spc="-150" dirty="0" smtClean="0">
-                <a:ln>
-                  <a:solidFill>
-                    <a:schemeClr val="tx1">
-                      <a:alpha val="0"/>
-                    </a:schemeClr>
-                  </a:solidFill>
-                </a:ln>
-                <a:latin typeface="나눔바른고딕" panose="020B0603020101020101" pitchFamily="50" charset="-127"/>
-                <a:ea typeface="나눔바른고딕" panose="020B0603020101020101" pitchFamily="50" charset="-127"/>
-              </a:rPr>
-              <a:t>: 5</a:t>
-            </a:r>
-            <a:endParaRPr lang="en-US" altLang="ko-KR" sz="1050" spc="-150" dirty="0">
-              <a:ln>
-                <a:solidFill>
-                  <a:schemeClr val="tx1">
-                    <a:alpha val="0"/>
-                  </a:schemeClr>
-                </a:solidFill>
-              </a:ln>
-              <a:latin typeface="나눔바른고딕" panose="020B0603020101020101" pitchFamily="50" charset="-127"/>
-              <a:ea typeface="나눔바른고딕" panose="020B0603020101020101" pitchFamily="50" charset="-127"/>
-            </a:endParaRPr>
-          </a:p>
-        </p:txBody>
-      </p:sp>
-      <p:sp>
-        <p:nvSpPr>
-          <p:cNvPr id="21" name="직사각형 20"/>
-          <p:cNvSpPr/>
+      </p:pic>
+      <p:pic>
+        <p:nvPicPr>
+          <p:cNvPr id="14" name="그림 13"/>
+          <p:cNvPicPr>
+            <a:picLocks noChangeAspect="1"/>
+          </p:cNvPicPr>
           <p:nvPr/>
-        </p:nvSpPr>
+        </p:nvPicPr>
+        <p:blipFill>
+          <a:blip r:embed="rId3"/>
+          <a:stretch>
+            <a:fillRect/>
+          </a:stretch>
+        </p:blipFill>
         <p:spPr>
           <a:xfrm>
-            <a:off x="7218948" y="5845528"/>
-            <a:ext cx="883575" cy="253916"/>
+            <a:off x="763473" y="3995513"/>
+            <a:ext cx="1501474" cy="1579047"/>
           </a:xfrm>
           <a:prstGeom prst="rect">
             <a:avLst/>
           </a:prstGeom>
+          <a:effectLst>
+            <a:outerShdw blurRad="50800" dist="50800" dir="5400000" algn="ctr" rotWithShape="0">
+              <a:srgbClr val="000000">
+                <a:alpha val="9000"/>
+              </a:srgbClr>
+            </a:outerShdw>
+          </a:effectLst>
         </p:spPr>
-        <p:txBody>
-          <a:bodyPr wrap="none">
-            <a:spAutoFit/>
-          </a:bodyPr>
-          <a:lstStyle/>
-          <a:p>
-            <a:r>
-              <a:rPr lang="en-US" altLang="ko-KR" sz="1050" spc="-150" dirty="0" smtClean="0">
-                <a:ln>
-                  <a:solidFill>
-                    <a:schemeClr val="tx1">
-                      <a:alpha val="0"/>
-                    </a:schemeClr>
-                  </a:solidFill>
-                </a:ln>
-                <a:latin typeface="나눔바른고딕" panose="020B0603020101020101" pitchFamily="50" charset="-127"/>
-                <a:ea typeface="나눔바른고딕" panose="020B0603020101020101" pitchFamily="50" charset="-127"/>
-              </a:rPr>
-              <a:t>6. </a:t>
-            </a:r>
-            <a:r>
-              <a:rPr lang="ko-KR" altLang="en-US" sz="1050" spc="-150" dirty="0" err="1" smtClean="0">
-                <a:ln>
-                  <a:solidFill>
-                    <a:schemeClr val="tx1">
-                      <a:alpha val="0"/>
-                    </a:schemeClr>
-                  </a:solidFill>
-                </a:ln>
-                <a:latin typeface="나눔바른고딕" panose="020B0603020101020101" pitchFamily="50" charset="-127"/>
-                <a:ea typeface="나눔바른고딕" panose="020B0603020101020101" pitchFamily="50" charset="-127"/>
-              </a:rPr>
-              <a:t>베스트후기</a:t>
-            </a:r>
-            <a:r>
-              <a:rPr lang="ko-KR" altLang="en-US" sz="1050" spc="-150" dirty="0" smtClean="0">
-                <a:ln>
-                  <a:solidFill>
-                    <a:schemeClr val="tx1">
-                      <a:alpha val="0"/>
-                    </a:schemeClr>
-                  </a:solidFill>
-                </a:ln>
-                <a:latin typeface="나눔바른고딕" panose="020B0603020101020101" pitchFamily="50" charset="-127"/>
-                <a:ea typeface="나눔바른고딕" panose="020B0603020101020101" pitchFamily="50" charset="-127"/>
-              </a:rPr>
-              <a:t> </a:t>
-            </a:r>
-            <a:r>
-              <a:rPr lang="en-US" altLang="ko-KR" sz="1050" spc="-150" dirty="0" smtClean="0">
-                <a:ln>
-                  <a:solidFill>
-                    <a:schemeClr val="tx1">
-                      <a:alpha val="0"/>
-                    </a:schemeClr>
-                  </a:solidFill>
-                </a:ln>
-                <a:latin typeface="나눔바른고딕" panose="020B0603020101020101" pitchFamily="50" charset="-127"/>
-                <a:ea typeface="나눔바른고딕" panose="020B0603020101020101" pitchFamily="50" charset="-127"/>
-              </a:rPr>
-              <a:t>: 2</a:t>
-            </a:r>
-          </a:p>
-        </p:txBody>
-      </p:sp>
-      <p:sp>
-        <p:nvSpPr>
-          <p:cNvPr id="22" name="직사각형 21"/>
-          <p:cNvSpPr/>
+      </p:pic>
+      <p:pic>
+        <p:nvPicPr>
+          <p:cNvPr id="5" name="그림 4"/>
+          <p:cNvPicPr>
+            <a:picLocks noChangeAspect="1"/>
+          </p:cNvPicPr>
           <p:nvPr/>
-        </p:nvSpPr>
+        </p:nvPicPr>
+        <p:blipFill>
+          <a:blip r:embed="rId4"/>
+          <a:stretch>
+            <a:fillRect/>
+          </a:stretch>
+        </p:blipFill>
         <p:spPr>
           <a:xfrm>
-            <a:off x="259802" y="772357"/>
-            <a:ext cx="6170204" cy="1169551"/>
+            <a:off x="3454415" y="1485710"/>
+            <a:ext cx="2191658" cy="913749"/>
           </a:xfrm>
           <a:prstGeom prst="rect">
             <a:avLst/>
           </a:prstGeom>
+          <a:effectLst>
+            <a:outerShdw blurRad="50800" dist="50800" dir="5400000" algn="ctr" rotWithShape="0">
+              <a:srgbClr val="000000">
+                <a:alpha val="9000"/>
+              </a:srgbClr>
+            </a:outerShdw>
+          </a:effectLst>
         </p:spPr>
-        <p:txBody>
-          <a:bodyPr wrap="square">
-            <a:spAutoFit/>
-          </a:bodyPr>
-          <a:lstStyle/>
-          <a:p>
-            <a:r>
-              <a:rPr lang="ko-KR" altLang="en-US" sz="1000" dirty="0" smtClean="0">
-                <a:ln>
-                  <a:solidFill>
-                    <a:schemeClr val="tx1">
-                      <a:alpha val="0"/>
-                    </a:schemeClr>
-                  </a:solidFill>
-                </a:ln>
-                <a:latin typeface="나눔바른고딕" panose="020B0603020101020101" pitchFamily="50" charset="-127"/>
-                <a:ea typeface="나눔바른고딕" panose="020B0603020101020101" pitchFamily="50" charset="-127"/>
-              </a:rPr>
-              <a:t>관심 원인</a:t>
-            </a:r>
-            <a:endParaRPr lang="en-US" altLang="ko-KR" sz="1000" dirty="0" smtClean="0">
-              <a:ln>
-                <a:solidFill>
-                  <a:schemeClr val="tx1">
-                    <a:alpha val="0"/>
-                  </a:schemeClr>
-                </a:solidFill>
-              </a:ln>
-              <a:latin typeface="나눔바른고딕" panose="020B0603020101020101" pitchFamily="50" charset="-127"/>
-              <a:ea typeface="나눔바른고딕" panose="020B0603020101020101" pitchFamily="50" charset="-127"/>
-            </a:endParaRPr>
-          </a:p>
-          <a:p>
-            <a:pPr marL="171450" indent="-171450">
-              <a:buFontTx/>
-              <a:buChar char="-"/>
-            </a:pPr>
-            <a:r>
-              <a:rPr lang="ko-KR" altLang="en-US" sz="1000" dirty="0">
-                <a:ln>
-                  <a:solidFill>
-                    <a:schemeClr val="tx1">
-                      <a:alpha val="0"/>
-                    </a:schemeClr>
-                  </a:solidFill>
-                </a:ln>
-                <a:latin typeface="나눔바른고딕" panose="020B0603020101020101" pitchFamily="50" charset="-127"/>
-                <a:ea typeface="나눔바른고딕" panose="020B0603020101020101" pitchFamily="50" charset="-127"/>
-              </a:rPr>
-              <a:t>다음단계로버튼 </a:t>
-            </a:r>
-            <a:r>
-              <a:rPr lang="en-US" altLang="ko-KR" sz="1000" dirty="0">
-                <a:ln>
-                  <a:solidFill>
-                    <a:schemeClr val="tx1">
-                      <a:alpha val="0"/>
-                    </a:schemeClr>
-                  </a:solidFill>
-                </a:ln>
-                <a:latin typeface="나눔바른고딕" panose="020B0603020101020101" pitchFamily="50" charset="-127"/>
-                <a:ea typeface="나눔바른고딕" panose="020B0603020101020101" pitchFamily="50" charset="-127"/>
-              </a:rPr>
-              <a:t>: 7</a:t>
-            </a:r>
-          </a:p>
-          <a:p>
-            <a:pPr marL="171450" indent="-171450">
-              <a:buFontTx/>
-              <a:buChar char="-"/>
-            </a:pPr>
-            <a:r>
-              <a:rPr lang="ko-KR" altLang="en-US" sz="1000" dirty="0">
-                <a:ln>
-                  <a:solidFill>
-                    <a:schemeClr val="tx1">
-                      <a:alpha val="0"/>
-                    </a:schemeClr>
-                  </a:solidFill>
-                </a:ln>
-                <a:latin typeface="나눔바른고딕" panose="020B0603020101020101" pitchFamily="50" charset="-127"/>
-                <a:ea typeface="나눔바른고딕" panose="020B0603020101020101" pitchFamily="50" charset="-127"/>
-              </a:rPr>
-              <a:t>체험신청혜택</a:t>
-            </a:r>
-            <a:r>
-              <a:rPr lang="en-US" altLang="ko-KR" sz="1000" dirty="0">
-                <a:ln>
-                  <a:solidFill>
-                    <a:schemeClr val="tx1">
-                      <a:alpha val="0"/>
-                    </a:schemeClr>
-                  </a:solidFill>
-                </a:ln>
-                <a:latin typeface="나눔바른고딕" panose="020B0603020101020101" pitchFamily="50" charset="-127"/>
-                <a:ea typeface="나눔바른고딕" panose="020B0603020101020101" pitchFamily="50" charset="-127"/>
-              </a:rPr>
-              <a:t>(</a:t>
-            </a:r>
-            <a:r>
-              <a:rPr lang="ko-KR" altLang="en-US" sz="1000" dirty="0">
-                <a:ln>
-                  <a:solidFill>
-                    <a:schemeClr val="tx1">
-                      <a:alpha val="0"/>
-                    </a:schemeClr>
-                  </a:solidFill>
-                </a:ln>
-                <a:latin typeface="나눔바른고딕" panose="020B0603020101020101" pitchFamily="50" charset="-127"/>
-                <a:ea typeface="나눔바른고딕" panose="020B0603020101020101" pitchFamily="50" charset="-127"/>
-              </a:rPr>
-              <a:t>미션</a:t>
-            </a:r>
-            <a:r>
-              <a:rPr lang="en-US" altLang="ko-KR" sz="1000" dirty="0">
-                <a:ln>
-                  <a:solidFill>
-                    <a:schemeClr val="tx1">
-                      <a:alpha val="0"/>
-                    </a:schemeClr>
-                  </a:solidFill>
-                </a:ln>
-                <a:latin typeface="나눔바른고딕" panose="020B0603020101020101" pitchFamily="50" charset="-127"/>
-                <a:ea typeface="나눔바른고딕" panose="020B0603020101020101" pitchFamily="50" charset="-127"/>
-              </a:rPr>
-              <a:t>) : 5</a:t>
-            </a:r>
-          </a:p>
-          <a:p>
-            <a:pPr marL="171450" indent="-171450">
-              <a:buFontTx/>
-              <a:buChar char="-"/>
-            </a:pPr>
-            <a:r>
-              <a:rPr lang="ko-KR" altLang="en-US" sz="1000" dirty="0" err="1">
-                <a:ln>
-                  <a:solidFill>
-                    <a:schemeClr val="tx1">
-                      <a:alpha val="0"/>
-                    </a:schemeClr>
-                  </a:solidFill>
-                </a:ln>
-                <a:latin typeface="나눔바른고딕" panose="020B0603020101020101" pitchFamily="50" charset="-127"/>
-                <a:ea typeface="나눔바른고딕" panose="020B0603020101020101" pitchFamily="50" charset="-127"/>
-              </a:rPr>
-              <a:t>패키지최하단체험신청버튼</a:t>
-            </a:r>
-            <a:r>
-              <a:rPr lang="ko-KR" altLang="en-US" sz="1000" dirty="0">
-                <a:ln>
-                  <a:solidFill>
-                    <a:schemeClr val="tx1">
-                      <a:alpha val="0"/>
-                    </a:schemeClr>
-                  </a:solidFill>
-                </a:ln>
-                <a:latin typeface="나눔바른고딕" panose="020B0603020101020101" pitchFamily="50" charset="-127"/>
-                <a:ea typeface="나눔바른고딕" panose="020B0603020101020101" pitchFamily="50" charset="-127"/>
-              </a:rPr>
-              <a:t> </a:t>
-            </a:r>
-            <a:r>
-              <a:rPr lang="en-US" altLang="ko-KR" sz="1000" dirty="0">
-                <a:ln>
-                  <a:solidFill>
-                    <a:schemeClr val="tx1">
-                      <a:alpha val="0"/>
-                    </a:schemeClr>
-                  </a:solidFill>
-                </a:ln>
-                <a:latin typeface="나눔바른고딕" panose="020B0603020101020101" pitchFamily="50" charset="-127"/>
-                <a:ea typeface="나눔바른고딕" panose="020B0603020101020101" pitchFamily="50" charset="-127"/>
-              </a:rPr>
-              <a:t>: 4</a:t>
-            </a:r>
-          </a:p>
-          <a:p>
-            <a:pPr marL="171450" indent="-171450">
-              <a:buFontTx/>
-              <a:buChar char="-"/>
-            </a:pPr>
-            <a:r>
-              <a:rPr lang="ko-KR" altLang="en-US" sz="1000" dirty="0" err="1" smtClean="0">
-                <a:ln>
-                  <a:solidFill>
-                    <a:schemeClr val="tx1">
-                      <a:alpha val="0"/>
-                    </a:schemeClr>
-                  </a:solidFill>
-                </a:ln>
-                <a:latin typeface="나눔바른고딕" panose="020B0603020101020101" pitchFamily="50" charset="-127"/>
-                <a:ea typeface="나눔바른고딕" panose="020B0603020101020101" pitchFamily="50" charset="-127"/>
-              </a:rPr>
-              <a:t>패키지할인</a:t>
-            </a:r>
-            <a:r>
-              <a:rPr lang="ko-KR" altLang="en-US" sz="1000" dirty="0" smtClean="0">
-                <a:ln>
-                  <a:solidFill>
-                    <a:schemeClr val="tx1">
-                      <a:alpha val="0"/>
-                    </a:schemeClr>
-                  </a:solidFill>
-                </a:ln>
-                <a:latin typeface="나눔바른고딕" panose="020B0603020101020101" pitchFamily="50" charset="-127"/>
-                <a:ea typeface="나눔바른고딕" panose="020B0603020101020101" pitchFamily="50" charset="-127"/>
-              </a:rPr>
-              <a:t> </a:t>
-            </a:r>
-            <a:r>
-              <a:rPr lang="en-US" altLang="ko-KR" sz="1000" dirty="0" smtClean="0">
-                <a:ln>
-                  <a:solidFill>
-                    <a:schemeClr val="tx1">
-                      <a:alpha val="0"/>
-                    </a:schemeClr>
-                  </a:solidFill>
-                </a:ln>
-                <a:latin typeface="나눔바른고딕" panose="020B0603020101020101" pitchFamily="50" charset="-127"/>
-                <a:ea typeface="나눔바른고딕" panose="020B0603020101020101" pitchFamily="50" charset="-127"/>
-              </a:rPr>
-              <a:t>: 2</a:t>
-            </a:r>
-          </a:p>
-          <a:p>
-            <a:pPr marL="171450" indent="-171450">
-              <a:buFontTx/>
-              <a:buChar char="-"/>
-            </a:pPr>
-            <a:r>
-              <a:rPr lang="ko-KR" altLang="en-US" sz="1000" dirty="0" smtClean="0">
-                <a:ln>
-                  <a:solidFill>
-                    <a:schemeClr val="tx1">
-                      <a:alpha val="0"/>
-                    </a:schemeClr>
-                  </a:solidFill>
-                </a:ln>
-                <a:latin typeface="나눔바른고딕" panose="020B0603020101020101" pitchFamily="50" charset="-127"/>
-                <a:ea typeface="나눔바른고딕" panose="020B0603020101020101" pitchFamily="50" charset="-127"/>
-              </a:rPr>
-              <a:t>체험신청메뉴 </a:t>
-            </a:r>
-            <a:r>
-              <a:rPr lang="en-US" altLang="ko-KR" sz="1000" dirty="0" smtClean="0">
-                <a:ln>
-                  <a:solidFill>
-                    <a:schemeClr val="tx1">
-                      <a:alpha val="0"/>
-                    </a:schemeClr>
-                  </a:solidFill>
-                </a:ln>
-                <a:latin typeface="나눔바른고딕" panose="020B0603020101020101" pitchFamily="50" charset="-127"/>
-                <a:ea typeface="나눔바른고딕" panose="020B0603020101020101" pitchFamily="50" charset="-127"/>
-              </a:rPr>
-              <a:t>: 2</a:t>
-            </a:r>
-          </a:p>
-          <a:p>
-            <a:pPr marL="171450" indent="-171450">
-              <a:buFontTx/>
-              <a:buChar char="-"/>
-            </a:pPr>
-            <a:r>
-              <a:rPr lang="ko-KR" altLang="en-US" sz="1000" dirty="0" smtClean="0">
-                <a:ln>
-                  <a:solidFill>
-                    <a:schemeClr val="tx1">
-                      <a:alpha val="0"/>
-                    </a:schemeClr>
-                  </a:solidFill>
-                </a:ln>
-                <a:latin typeface="나눔바른고딕" panose="020B0603020101020101" pitchFamily="50" charset="-127"/>
-                <a:ea typeface="나눔바른고딕" panose="020B0603020101020101" pitchFamily="50" charset="-127"/>
-              </a:rPr>
-              <a:t>추천패키지버튼 </a:t>
-            </a:r>
-            <a:r>
-              <a:rPr lang="en-US" altLang="ko-KR" sz="1000" dirty="0" smtClean="0">
-                <a:ln>
-                  <a:solidFill>
-                    <a:schemeClr val="tx1">
-                      <a:alpha val="0"/>
-                    </a:schemeClr>
-                  </a:solidFill>
-                </a:ln>
-                <a:latin typeface="나눔바른고딕" panose="020B0603020101020101" pitchFamily="50" charset="-127"/>
-                <a:ea typeface="나눔바른고딕" panose="020B0603020101020101" pitchFamily="50" charset="-127"/>
-              </a:rPr>
-              <a:t>: 1</a:t>
-            </a:r>
-          </a:p>
-        </p:txBody>
-      </p:sp>
+      </p:pic>
+      <p:pic>
+        <p:nvPicPr>
+          <p:cNvPr id="6" name="그림 5"/>
+          <p:cNvPicPr>
+            <a:picLocks noChangeAspect="1"/>
+          </p:cNvPicPr>
+          <p:nvPr/>
+        </p:nvPicPr>
+        <p:blipFill>
+          <a:blip r:embed="rId5"/>
+          <a:stretch>
+            <a:fillRect/>
+          </a:stretch>
+        </p:blipFill>
+        <p:spPr>
+          <a:xfrm>
+            <a:off x="5964569" y="1654962"/>
+            <a:ext cx="2730544" cy="858904"/>
+          </a:xfrm>
+          <a:prstGeom prst="rect">
+            <a:avLst/>
+          </a:prstGeom>
+          <a:effectLst>
+            <a:outerShdw blurRad="50800" dist="50800" dir="5400000" algn="ctr" rotWithShape="0">
+              <a:srgbClr val="000000">
+                <a:alpha val="9000"/>
+              </a:srgbClr>
+            </a:outerShdw>
+          </a:effectLst>
+        </p:spPr>
+      </p:pic>
+      <p:pic>
+        <p:nvPicPr>
+          <p:cNvPr id="7" name="그림 6"/>
+          <p:cNvPicPr>
+            <a:picLocks noChangeAspect="1"/>
+          </p:cNvPicPr>
+          <p:nvPr/>
+        </p:nvPicPr>
+        <p:blipFill>
+          <a:blip r:embed="rId6"/>
+          <a:stretch>
+            <a:fillRect/>
+          </a:stretch>
+        </p:blipFill>
+        <p:spPr>
+          <a:xfrm>
+            <a:off x="3352154" y="4384932"/>
+            <a:ext cx="2037106" cy="546292"/>
+          </a:xfrm>
+          <a:prstGeom prst="rect">
+            <a:avLst/>
+          </a:prstGeom>
+          <a:effectLst>
+            <a:outerShdw blurRad="50800" dist="50800" dir="5400000" algn="ctr" rotWithShape="0">
+              <a:srgbClr val="000000">
+                <a:alpha val="9000"/>
+              </a:srgbClr>
+            </a:outerShdw>
+          </a:effectLst>
+        </p:spPr>
+      </p:pic>
+      <p:pic>
+        <p:nvPicPr>
+          <p:cNvPr id="8" name="그림 7"/>
+          <p:cNvPicPr>
+            <a:picLocks noChangeAspect="1"/>
+          </p:cNvPicPr>
+          <p:nvPr/>
+        </p:nvPicPr>
+        <p:blipFill>
+          <a:blip r:embed="rId7"/>
+          <a:stretch>
+            <a:fillRect/>
+          </a:stretch>
+        </p:blipFill>
+        <p:spPr>
+          <a:xfrm>
+            <a:off x="6332722" y="4303254"/>
+            <a:ext cx="1992291" cy="1144348"/>
+          </a:xfrm>
+          <a:prstGeom prst="rect">
+            <a:avLst/>
+          </a:prstGeom>
+          <a:effectLst>
+            <a:outerShdw blurRad="50800" dist="50800" dir="5400000" algn="ctr" rotWithShape="0">
+              <a:srgbClr val="000000">
+                <a:alpha val="9000"/>
+              </a:srgbClr>
+            </a:outerShdw>
+          </a:effectLst>
+        </p:spPr>
+      </p:pic>
     </p:spTree>
     <p:extLst>
       <p:ext uri="{BB962C8B-B14F-4D97-AF65-F5344CB8AC3E}">
@@ -14710,8 +14768,8 @@
         </p:nvSpPr>
         <p:spPr>
           <a:xfrm>
-            <a:off x="7443332" y="401870"/>
-            <a:ext cx="1560887" cy="246221"/>
+            <a:off x="7950148" y="401870"/>
+            <a:ext cx="1054071" cy="276999"/>
           </a:xfrm>
           <a:prstGeom prst="rect">
             <a:avLst/>
@@ -14731,7 +14789,7 @@
           <a:p>
             <a:pPr algn="r"/>
             <a:r>
-              <a:rPr lang="ko-KR" altLang="en-US" sz="1000" b="1" dirty="0" smtClean="0">
+              <a:rPr lang="ko-KR" altLang="en-US" sz="1200" b="1" dirty="0" smtClean="0">
                 <a:ln>
                   <a:solidFill>
                     <a:schemeClr val="tx1">
@@ -14744,7 +14802,7 @@
               </a:rPr>
               <a:t>무시된 페이지</a:t>
             </a:r>
-            <a:endParaRPr lang="ko-KR" altLang="en-US" sz="1000" b="1" dirty="0">
+            <a:endParaRPr lang="ko-KR" altLang="en-US" sz="1200" b="1" dirty="0">
               <a:ln>
                 <a:solidFill>
                   <a:schemeClr val="tx1">
@@ -15331,14 +15389,114 @@
       </p:grpSpPr>
       <p:sp>
         <p:nvSpPr>
+          <p:cNvPr id="17" name="모서리가 둥근 직사각형 16"/>
+          <p:cNvSpPr/>
+          <p:nvPr/>
+        </p:nvSpPr>
+        <p:spPr>
+          <a:xfrm>
+            <a:off x="4946840" y="4480559"/>
+            <a:ext cx="3507971" cy="1562793"/>
+          </a:xfrm>
+          <a:prstGeom prst="roundRect">
+            <a:avLst>
+              <a:gd name="adj" fmla="val 8011"/>
+            </a:avLst>
+          </a:prstGeom>
+          <a:solidFill>
+            <a:schemeClr val="bg1">
+              <a:lumMod val="95000"/>
+            </a:schemeClr>
+          </a:solidFill>
+          <a:ln>
+            <a:noFill/>
+          </a:ln>
+        </p:spPr>
+        <p:style>
+          <a:lnRef idx="2">
+            <a:schemeClr val="accent1">
+              <a:shade val="50000"/>
+            </a:schemeClr>
+          </a:lnRef>
+          <a:fillRef idx="1">
+            <a:schemeClr val="accent1"/>
+          </a:fillRef>
+          <a:effectRef idx="0">
+            <a:schemeClr val="accent1"/>
+          </a:effectRef>
+          <a:fontRef idx="minor">
+            <a:schemeClr val="lt1"/>
+          </a:fontRef>
+        </p:style>
+        <p:txBody>
+          <a:bodyPr rtlCol="0" anchor="ctr"/>
+          <a:lstStyle/>
+          <a:p>
+            <a:pPr algn="ctr"/>
+            <a:endParaRPr lang="ko-KR" altLang="en-US"/>
+          </a:p>
+        </p:txBody>
+      </p:sp>
+      <p:sp>
+        <p:nvSpPr>
+          <p:cNvPr id="16" name="모서리가 둥근 직사각형 15"/>
+          <p:cNvSpPr/>
+          <p:nvPr/>
+        </p:nvSpPr>
+        <p:spPr>
+          <a:xfrm>
+            <a:off x="1064028" y="4480559"/>
+            <a:ext cx="3507971" cy="1562793"/>
+          </a:xfrm>
+          <a:prstGeom prst="roundRect">
+            <a:avLst>
+              <a:gd name="adj" fmla="val 8011"/>
+            </a:avLst>
+          </a:prstGeom>
+          <a:solidFill>
+            <a:schemeClr val="bg1">
+              <a:lumMod val="95000"/>
+            </a:schemeClr>
+          </a:solidFill>
+          <a:ln>
+            <a:noFill/>
+          </a:ln>
+        </p:spPr>
+        <p:style>
+          <a:lnRef idx="2">
+            <a:schemeClr val="accent1">
+              <a:shade val="50000"/>
+            </a:schemeClr>
+          </a:lnRef>
+          <a:fillRef idx="1">
+            <a:schemeClr val="accent1"/>
+          </a:fillRef>
+          <a:effectRef idx="0">
+            <a:schemeClr val="accent1"/>
+          </a:effectRef>
+          <a:fontRef idx="minor">
+            <a:schemeClr val="lt1"/>
+          </a:fontRef>
+        </p:style>
+        <p:txBody>
+          <a:bodyPr rtlCol="0" anchor="ctr"/>
+          <a:lstStyle/>
+          <a:p>
+            <a:pPr algn="ctr"/>
+            <a:endParaRPr lang="ko-KR" altLang="en-US"/>
+          </a:p>
+        </p:txBody>
+      </p:sp>
+      <p:sp>
+        <p:nvSpPr>
           <p:cNvPr id="6" name="직사각형 5"/>
           <p:cNvSpPr/>
           <p:nvPr/>
         </p:nvSpPr>
         <p:spPr>
           <a:xfrm>
-            <a:off x="6272582" y="401870"/>
-            <a:ext cx="2731637" cy="338554"/>
+            <a:off x="7905404" y="401870"/>
+            <a:ext cx="1098815" cy="276999"/>
           </a:xfrm>
           <a:prstGeom prst="rect">
             <a:avLst/>
@@ -15358,93 +15516,34 @@
           <a:p>
             <a:pPr algn="r"/>
             <a:r>
-              <a:rPr lang="en-US" altLang="ko-KR" sz="800" dirty="0" err="1" smtClean="0">
-                <a:ln>
-                  <a:solidFill>
-                    <a:schemeClr val="tx1">
-                      <a:alpha val="0"/>
-                    </a:schemeClr>
-                  </a:solidFill>
-                </a:ln>
-                <a:latin typeface="나눔바른고딕" panose="020B0603020101020101" pitchFamily="50" charset="-127"/>
-                <a:ea typeface="나눔바른고딕" panose="020B0603020101020101" pitchFamily="50" charset="-127"/>
-              </a:rPr>
-              <a:t>Hotjar</a:t>
-            </a:r>
-            <a:r>
-              <a:rPr lang="en-US" altLang="ko-KR" sz="800" dirty="0" smtClean="0">
-                <a:ln>
-                  <a:solidFill>
-                    <a:schemeClr val="tx1">
-                      <a:alpha val="0"/>
-                    </a:schemeClr>
-                  </a:solidFill>
-                </a:ln>
-                <a:latin typeface="나눔바른고딕" panose="020B0603020101020101" pitchFamily="50" charset="-127"/>
-                <a:ea typeface="나눔바른고딕" panose="020B0603020101020101" pitchFamily="50" charset="-127"/>
-              </a:rPr>
-              <a:t> recordings </a:t>
-            </a:r>
-            <a:r>
-              <a:rPr lang="ko-KR" altLang="en-US" sz="800" dirty="0" smtClean="0">
-                <a:ln>
-                  <a:solidFill>
-                    <a:schemeClr val="tx1">
-                      <a:alpha val="0"/>
-                    </a:schemeClr>
-                  </a:solidFill>
-                </a:ln>
-                <a:latin typeface="나눔바른고딕" panose="020B0603020101020101" pitchFamily="50" charset="-127"/>
-                <a:ea typeface="나눔바른고딕" panose="020B0603020101020101" pitchFamily="50" charset="-127"/>
-              </a:rPr>
-              <a:t>분석하는 과정에 상당한 시간이 소요됨</a:t>
-            </a:r>
-            <a:r>
-              <a:rPr lang="en-US" altLang="ko-KR" sz="800" dirty="0" smtClean="0">
-                <a:ln>
-                  <a:solidFill>
-                    <a:schemeClr val="tx1">
-                      <a:alpha val="0"/>
-                    </a:schemeClr>
-                  </a:solidFill>
-                </a:ln>
-                <a:latin typeface="나눔바른고딕" panose="020B0603020101020101" pitchFamily="50" charset="-127"/>
-                <a:ea typeface="나눔바른고딕" panose="020B0603020101020101" pitchFamily="50" charset="-127"/>
-              </a:rPr>
-              <a:t>. </a:t>
-            </a:r>
-          </a:p>
-          <a:p>
-            <a:pPr algn="r"/>
-            <a:r>
-              <a:rPr lang="ko-KR" altLang="en-US" sz="800" dirty="0" smtClean="0">
-                <a:ln>
-                  <a:solidFill>
-                    <a:schemeClr val="tx1">
-                      <a:alpha val="0"/>
-                    </a:schemeClr>
-                  </a:solidFill>
-                </a:ln>
-                <a:latin typeface="나눔바른고딕" panose="020B0603020101020101" pitchFamily="50" charset="-127"/>
-                <a:ea typeface="나눔바른고딕" panose="020B0603020101020101" pitchFamily="50" charset="-127"/>
-              </a:rPr>
-              <a:t>엑셀로 단순화시키는 과정을 향후 외주로 돌리면 좋을 것 같음</a:t>
-            </a:r>
-            <a:r>
-              <a:rPr lang="en-US" altLang="ko-KR" sz="800" dirty="0" smtClean="0">
-                <a:ln>
-                  <a:solidFill>
-                    <a:schemeClr val="tx1">
-                      <a:alpha val="0"/>
-                    </a:schemeClr>
-                  </a:solidFill>
-                </a:ln>
-                <a:latin typeface="나눔바른고딕" panose="020B0603020101020101" pitchFamily="50" charset="-127"/>
-                <a:ea typeface="나눔바른고딕" panose="020B0603020101020101" pitchFamily="50" charset="-127"/>
-              </a:rPr>
-              <a:t>.</a:t>
-            </a:r>
-            <a:endParaRPr lang="ko-KR" altLang="en-US" sz="800" dirty="0">
+              <a:rPr lang="ko-KR" altLang="en-US" sz="1200" b="1" dirty="0" err="1" smtClean="0">
+                <a:ln>
+                  <a:solidFill>
+                    <a:schemeClr val="tx1">
+                      <a:alpha val="0"/>
+                    </a:schemeClr>
+                  </a:solidFill>
+                </a:ln>
+                <a:latin typeface="나눔바른고딕" panose="020B0603020101020101" pitchFamily="50" charset="-127"/>
+                <a:ea typeface="나눔바른고딕" panose="020B0603020101020101" pitchFamily="50" charset="-127"/>
+              </a:rPr>
+              <a:t>이탈원인</a:t>
+            </a:r>
+            <a:r>
+              <a:rPr lang="ko-KR" altLang="en-US" sz="1200" b="1" dirty="0" smtClean="0">
+                <a:ln>
+                  <a:solidFill>
+                    <a:schemeClr val="tx1">
+                      <a:alpha val="0"/>
+                    </a:schemeClr>
+                  </a:solidFill>
+                </a:ln>
+                <a:latin typeface="나눔바른고딕" panose="020B0603020101020101" pitchFamily="50" charset="-127"/>
+                <a:ea typeface="나눔바른고딕" panose="020B0603020101020101" pitchFamily="50" charset="-127"/>
+              </a:rPr>
+              <a:t> 분석</a:t>
+            </a:r>
+            <a:endParaRPr lang="ko-KR" altLang="en-US" sz="1200" b="1" dirty="0">
               <a:ln>
                 <a:solidFill>
                   <a:schemeClr val="tx1">
@@ -15606,8 +15705,8 @@
         </p:nvSpPr>
         <p:spPr>
           <a:xfrm>
-            <a:off x="1011125" y="5513259"/>
-            <a:ext cx="6170204" cy="1015663"/>
+            <a:off x="5112566" y="4962866"/>
+            <a:ext cx="3151149" cy="861774"/>
           </a:xfrm>
           <a:prstGeom prst="rect">
             <a:avLst/>
@@ -15619,6 +15718,38 @@
           </a:bodyPr>
           <a:lstStyle/>
           <a:p>
+            <a:pPr marL="171450" indent="-171450">
+              <a:buFontTx/>
+              <a:buChar char="-"/>
+            </a:pPr>
+            <a:r>
+              <a:rPr lang="en-US" altLang="ko-KR" sz="1000" dirty="0" smtClean="0">
+                <a:ln>
+                  <a:solidFill>
+                    <a:schemeClr val="tx1">
+                      <a:alpha val="0"/>
+                    </a:schemeClr>
+                  </a:solidFill>
+                </a:ln>
+                <a:latin typeface="나눔바른고딕" panose="020B0603020101020101" pitchFamily="50" charset="-127"/>
+                <a:ea typeface="나눔바른고딕" panose="020B0603020101020101" pitchFamily="50" charset="-127"/>
+              </a:rPr>
+              <a:t>Exited </a:t>
+            </a:r>
+            <a:r>
+              <a:rPr lang="en-US" altLang="ko-KR" sz="1000" dirty="0" smtClean="0">
+                <a:ln>
+                  <a:solidFill>
+                    <a:schemeClr val="tx1">
+                      <a:alpha val="0"/>
+                    </a:schemeClr>
+                  </a:solidFill>
+                </a:ln>
+                <a:latin typeface="나눔바른고딕" panose="020B0603020101020101" pitchFamily="50" charset="-127"/>
+                <a:ea typeface="나눔바른고딕" panose="020B0603020101020101" pitchFamily="50" charset="-127"/>
+              </a:rPr>
+              <a:t>page</a:t>
+            </a:r>
             <a:r>
               <a:rPr lang="ko-KR" altLang="en-US" sz="1000" dirty="0" smtClean="0">
                 <a:ln>
@@ -15631,7 +15762,258 @@
                 <a:latin typeface="나눔바른고딕" panose="020B0603020101020101" pitchFamily="50" charset="-127"/>
                 <a:ea typeface="나눔바른고딕" panose="020B0603020101020101" pitchFamily="50" charset="-127"/>
               </a:rPr>
-              <a:t>이탈 발생 원인</a:t>
+              <a:t>가 </a:t>
+            </a:r>
+            <a:r>
+              <a:rPr lang="en-US" altLang="ko-KR" sz="1000" dirty="0" smtClean="0">
+                <a:ln>
+                  <a:solidFill>
+                    <a:schemeClr val="tx1">
+                      <a:alpha val="0"/>
+                    </a:schemeClr>
+                  </a:solidFill>
+                </a:ln>
+                <a:latin typeface="나눔바른고딕" panose="020B0603020101020101" pitchFamily="50" charset="-127"/>
+                <a:ea typeface="나눔바른고딕" panose="020B0603020101020101" pitchFamily="50" charset="-127"/>
+              </a:rPr>
+              <a:t>login </a:t>
+            </a:r>
+            <a:r>
+              <a:rPr lang="ko-KR" altLang="en-US" sz="1000" dirty="0" smtClean="0">
+                <a:ln>
+                  <a:solidFill>
+                    <a:schemeClr val="tx1">
+                      <a:alpha val="0"/>
+                    </a:schemeClr>
+                  </a:solidFill>
+                </a:ln>
+                <a:latin typeface="나눔바른고딕" panose="020B0603020101020101" pitchFamily="50" charset="-127"/>
+                <a:ea typeface="나눔바른고딕" panose="020B0603020101020101" pitchFamily="50" charset="-127"/>
+              </a:rPr>
+              <a:t>혹은 </a:t>
+            </a:r>
+            <a:r>
+              <a:rPr lang="en-US" altLang="ko-KR" sz="1000" dirty="0" smtClean="0">
+                <a:ln>
+                  <a:solidFill>
+                    <a:schemeClr val="tx1">
+                      <a:alpha val="0"/>
+                    </a:schemeClr>
+                  </a:solidFill>
+                </a:ln>
+                <a:latin typeface="나눔바른고딕" panose="020B0603020101020101" pitchFamily="50" charset="-127"/>
+                <a:ea typeface="나눔바른고딕" panose="020B0603020101020101" pitchFamily="50" charset="-127"/>
+              </a:rPr>
+              <a:t>signup </a:t>
+            </a:r>
+            <a:r>
+              <a:rPr lang="ko-KR" altLang="en-US" sz="1000" dirty="0" smtClean="0">
+                <a:ln>
+                  <a:solidFill>
+                    <a:schemeClr val="tx1">
+                      <a:alpha val="0"/>
+                    </a:schemeClr>
+                  </a:solidFill>
+                </a:ln>
+                <a:latin typeface="나눔바른고딕" panose="020B0603020101020101" pitchFamily="50" charset="-127"/>
+                <a:ea typeface="나눔바른고딕" panose="020B0603020101020101" pitchFamily="50" charset="-127"/>
+              </a:rPr>
+              <a:t>인 경우는 분명 </a:t>
+            </a:r>
+            <a:r>
+              <a:rPr lang="en-US" altLang="ko-KR" sz="1000" dirty="0" smtClean="0">
+                <a:ln>
+                  <a:solidFill>
+                    <a:schemeClr val="tx1">
+                      <a:alpha val="0"/>
+                    </a:schemeClr>
+                  </a:solidFill>
+                </a:ln>
+                <a:latin typeface="나눔바른고딕" panose="020B0603020101020101" pitchFamily="50" charset="-127"/>
+                <a:ea typeface="나눔바른고딕" panose="020B0603020101020101" pitchFamily="50" charset="-127"/>
+              </a:rPr>
+              <a:t/>
+            </a:r>
+            <a:br>
+              <a:rPr lang="en-US" altLang="ko-KR" sz="1000" dirty="0" smtClean="0">
+                <a:ln>
+                  <a:solidFill>
+                    <a:schemeClr val="tx1">
+                      <a:alpha val="0"/>
+                    </a:schemeClr>
+                  </a:solidFill>
+                </a:ln>
+                <a:latin typeface="나눔바른고딕" panose="020B0603020101020101" pitchFamily="50" charset="-127"/>
+                <a:ea typeface="나눔바른고딕" panose="020B0603020101020101" pitchFamily="50" charset="-127"/>
+              </a:rPr>
+            </a:br>
+            <a:r>
+              <a:rPr lang="ko-KR" altLang="en-US" sz="1000" dirty="0" err="1" smtClean="0">
+                <a:ln>
+                  <a:solidFill>
+                    <a:schemeClr val="tx1">
+                      <a:alpha val="0"/>
+                    </a:schemeClr>
+                  </a:solidFill>
+                </a:ln>
+                <a:latin typeface="나눔바른고딕" panose="020B0603020101020101" pitchFamily="50" charset="-127"/>
+                <a:ea typeface="나눔바른고딕" panose="020B0603020101020101" pitchFamily="50" charset="-127"/>
+              </a:rPr>
+              <a:t>네아로</a:t>
+            </a:r>
+            <a:r>
+              <a:rPr lang="ko-KR" altLang="en-US" sz="1000" dirty="0" smtClean="0">
+                <a:ln>
+                  <a:solidFill>
+                    <a:schemeClr val="tx1">
+                      <a:alpha val="0"/>
+                    </a:schemeClr>
+                  </a:solidFill>
+                </a:ln>
+                <a:latin typeface="나눔바른고딕" panose="020B0603020101020101" pitchFamily="50" charset="-127"/>
+                <a:ea typeface="나눔바른고딕" panose="020B0603020101020101" pitchFamily="50" charset="-127"/>
+              </a:rPr>
+              <a:t> </a:t>
+            </a:r>
+            <a:r>
+              <a:rPr lang="ko-KR" altLang="en-US" sz="1000" dirty="0" err="1" smtClean="0">
+                <a:ln>
+                  <a:solidFill>
+                    <a:schemeClr val="tx1">
+                      <a:alpha val="0"/>
+                    </a:schemeClr>
+                  </a:solidFill>
+                </a:ln>
+                <a:latin typeface="나눔바른고딕" panose="020B0603020101020101" pitchFamily="50" charset="-127"/>
+                <a:ea typeface="나눔바른고딕" panose="020B0603020101020101" pitchFamily="50" charset="-127"/>
+              </a:rPr>
+              <a:t>로그인이</a:t>
+            </a:r>
+            <a:r>
+              <a:rPr lang="ko-KR" altLang="en-US" sz="1000" dirty="0" smtClean="0">
+                <a:ln>
+                  <a:solidFill>
+                    <a:schemeClr val="tx1">
+                      <a:alpha val="0"/>
+                    </a:schemeClr>
+                  </a:solidFill>
+                </a:ln>
+                <a:latin typeface="나눔바른고딕" panose="020B0603020101020101" pitchFamily="50" charset="-127"/>
+                <a:ea typeface="나눔바른고딕" panose="020B0603020101020101" pitchFamily="50" charset="-127"/>
+              </a:rPr>
+              <a:t> </a:t>
+            </a:r>
+            <a:r>
+              <a:rPr lang="ko-KR" altLang="en-US" sz="1000" dirty="0" smtClean="0">
+                <a:ln>
+                  <a:solidFill>
+                    <a:schemeClr val="tx1">
+                      <a:alpha val="0"/>
+                    </a:schemeClr>
+                  </a:solidFill>
+                </a:ln>
+                <a:latin typeface="나눔바른고딕" panose="020B0603020101020101" pitchFamily="50" charset="-127"/>
+                <a:ea typeface="나눔바른고딕" panose="020B0603020101020101" pitchFamily="50" charset="-127"/>
+              </a:rPr>
+              <a:t>문제</a:t>
+            </a:r>
+            <a:r>
+              <a:rPr lang="en-US" altLang="ko-KR" sz="1000" dirty="0" smtClean="0">
+                <a:ln>
+                  <a:solidFill>
+                    <a:schemeClr val="tx1">
+                      <a:alpha val="0"/>
+                    </a:schemeClr>
+                  </a:solidFill>
+                </a:ln>
+                <a:latin typeface="나눔바른고딕" panose="020B0603020101020101" pitchFamily="50" charset="-127"/>
+                <a:ea typeface="나눔바른고딕" panose="020B0603020101020101" pitchFamily="50" charset="-127"/>
+              </a:rPr>
+              <a:t>(</a:t>
+            </a:r>
+            <a:r>
+              <a:rPr lang="ko-KR" altLang="en-US" sz="1000" dirty="0" smtClean="0">
+                <a:ln>
+                  <a:solidFill>
+                    <a:schemeClr val="tx1">
+                      <a:alpha val="0"/>
+                    </a:schemeClr>
+                  </a:solidFill>
+                </a:ln>
+                <a:latin typeface="나눔바른고딕" panose="020B0603020101020101" pitchFamily="50" charset="-127"/>
+                <a:ea typeface="나눔바른고딕" panose="020B0603020101020101" pitchFamily="50" charset="-127"/>
+              </a:rPr>
+              <a:t>약 </a:t>
+            </a:r>
+            <a:r>
+              <a:rPr lang="en-US" altLang="ko-KR" sz="1000" dirty="0" smtClean="0">
+                <a:ln>
+                  <a:solidFill>
+                    <a:schemeClr val="tx1">
+                      <a:alpha val="0"/>
+                    </a:schemeClr>
+                  </a:solidFill>
+                </a:ln>
+                <a:latin typeface="나눔바른고딕" panose="020B0603020101020101" pitchFamily="50" charset="-127"/>
+                <a:ea typeface="나눔바른고딕" panose="020B0603020101020101" pitchFamily="50" charset="-127"/>
+              </a:rPr>
+              <a:t>28%</a:t>
+            </a:r>
+            <a:r>
+              <a:rPr lang="ko-KR" altLang="en-US" sz="1000" dirty="0" smtClean="0">
+                <a:ln>
+                  <a:solidFill>
+                    <a:schemeClr val="tx1">
+                      <a:alpha val="0"/>
+                    </a:schemeClr>
+                  </a:solidFill>
+                </a:ln>
+                <a:latin typeface="나눔바른고딕" panose="020B0603020101020101" pitchFamily="50" charset="-127"/>
+                <a:ea typeface="나눔바른고딕" panose="020B0603020101020101" pitchFamily="50" charset="-127"/>
+              </a:rPr>
+              <a:t>의 </a:t>
+            </a:r>
+            <a:r>
+              <a:rPr lang="ko-KR" altLang="en-US" sz="1000" dirty="0" err="1" smtClean="0">
+                <a:ln>
+                  <a:solidFill>
+                    <a:schemeClr val="tx1">
+                      <a:alpha val="0"/>
+                    </a:schemeClr>
+                  </a:solidFill>
+                </a:ln>
+                <a:latin typeface="나눔바른고딕" panose="020B0603020101020101" pitchFamily="50" charset="-127"/>
+                <a:ea typeface="나눔바른고딕" panose="020B0603020101020101" pitchFamily="50" charset="-127"/>
+              </a:rPr>
+              <a:t>이탈원인</a:t>
+            </a:r>
+            <a:r>
+              <a:rPr lang="en-US" altLang="ko-KR" sz="1000" dirty="0" smtClean="0">
+                <a:ln>
+                  <a:solidFill>
+                    <a:schemeClr val="tx1">
+                      <a:alpha val="0"/>
+                    </a:schemeClr>
+                  </a:solidFill>
+                </a:ln>
+                <a:latin typeface="나눔바른고딕" panose="020B0603020101020101" pitchFamily="50" charset="-127"/>
+                <a:ea typeface="나눔바른고딕" panose="020B0603020101020101" pitchFamily="50" charset="-127"/>
+              </a:rPr>
+              <a:t>)</a:t>
+            </a:r>
+            <a:r>
+              <a:rPr lang="ko-KR" altLang="en-US" sz="1000" dirty="0" smtClean="0">
+                <a:ln>
+                  <a:solidFill>
+                    <a:schemeClr val="tx1">
+                      <a:alpha val="0"/>
+                    </a:schemeClr>
+                  </a:solidFill>
+                </a:ln>
+                <a:latin typeface="나눔바른고딕" panose="020B0603020101020101" pitchFamily="50" charset="-127"/>
+                <a:ea typeface="나눔바른고딕" panose="020B0603020101020101" pitchFamily="50" charset="-127"/>
+              </a:rPr>
+              <a:t>로 보입니다</a:t>
             </a:r>
             <a:endParaRPr lang="en-US" altLang="ko-KR" sz="1000" dirty="0" smtClean="0">
               <a:ln>
@@ -15646,25 +16028,24 @@
             </a:endParaRPr>
           </a:p>
           <a:p>
+            <a:endParaRPr lang="en-US" altLang="ko-KR" sz="1000" dirty="0" smtClean="0">
+              <a:ln>
+                <a:solidFill>
+                  <a:schemeClr val="tx1">
+                    <a:alpha val="0"/>
+                  </a:schemeClr>
+                </a:solidFill>
+              </a:ln>
+              <a:latin typeface="나눔바른고딕" panose="020B0603020101020101" pitchFamily="50" charset="-127"/>
+              <a:ea typeface="나눔바른고딕" panose="020B0603020101020101" pitchFamily="50" charset="-127"/>
+            </a:endParaRPr>
+          </a:p>
+          <a:p>
             <a:pPr marL="171450" indent="-171450">
               <a:buFontTx/>
               <a:buChar char="-"/>
             </a:pPr>
             <a:r>
-              <a:rPr lang="ko-KR" altLang="en-US" sz="1000" dirty="0" err="1" smtClean="0">
-                <a:ln>
-                  <a:solidFill>
-                    <a:schemeClr val="tx1">
-                      <a:alpha val="0"/>
-                    </a:schemeClr>
-                  </a:solidFill>
-                </a:ln>
-                <a:latin typeface="나눔바른고딕" panose="020B0603020101020101" pitchFamily="50" charset="-127"/>
-                <a:ea typeface="나눔바른고딕" panose="020B0603020101020101" pitchFamily="50" charset="-127"/>
-              </a:rPr>
-              <a:t>체험권</a:t>
-            </a:r>
-            <a:r>
               <a:rPr lang="ko-KR" altLang="en-US" sz="1000" dirty="0" smtClean="0">
                 <a:ln>
                   <a:solidFill>
@@ -15676,7 +16057,7 @@
                 <a:latin typeface="나눔바른고딕" panose="020B0603020101020101" pitchFamily="50" charset="-127"/>
                 <a:ea typeface="나눔바른고딕" panose="020B0603020101020101" pitchFamily="50" charset="-127"/>
               </a:rPr>
-              <a:t> 신청 버튼을 눌렀을 때 네이버 아이디로 로그인 후 </a:t>
+              <a:t>단순화</a:t>
             </a:r>
             <a:r>
               <a:rPr lang="en-US" altLang="ko-KR" sz="1000" dirty="0" smtClean="0">
@@ -15690,7 +16071,7 @@
                 <a:latin typeface="나눔바른고딕" panose="020B0603020101020101" pitchFamily="50" charset="-127"/>
                 <a:ea typeface="나눔바른고딕" panose="020B0603020101020101" pitchFamily="50" charset="-127"/>
               </a:rPr>
-              <a:t>-&gt; </a:t>
+              <a:t>, </a:t>
             </a:r>
             <a:r>
               <a:rPr lang="ko-KR" altLang="en-US" sz="1000" dirty="0" smtClean="0">
@@ -15704,94 +16085,402 @@
                 <a:latin typeface="나눔바른고딕" panose="020B0603020101020101" pitchFamily="50" charset="-127"/>
                 <a:ea typeface="나눔바른고딕" panose="020B0603020101020101" pitchFamily="50" charset="-127"/>
               </a:rPr>
-              <a:t>상세정보 입력이 </a:t>
-            </a:r>
-            <a:r>
-              <a:rPr lang="ko-KR" altLang="en-US" sz="1000" dirty="0">
-                <a:ln>
-                  <a:solidFill>
-                    <a:schemeClr val="tx1">
-                      <a:alpha val="0"/>
-                    </a:schemeClr>
-                  </a:solidFill>
-                </a:ln>
-                <a:latin typeface="나눔바른고딕" panose="020B0603020101020101" pitchFamily="50" charset="-127"/>
-                <a:ea typeface="나눔바른고딕" panose="020B0603020101020101" pitchFamily="50" charset="-127"/>
-              </a:rPr>
-              <a:t>귀찮음</a:t>
-            </a:r>
-            <a:r>
-              <a:rPr lang="en-US" altLang="ko-KR" sz="1000" dirty="0">
-                <a:ln>
-                  <a:solidFill>
-                    <a:schemeClr val="tx1">
-                      <a:alpha val="0"/>
-                    </a:schemeClr>
-                  </a:solidFill>
-                </a:ln>
-                <a:latin typeface="나눔바른고딕" panose="020B0603020101020101" pitchFamily="50" charset="-127"/>
-                <a:ea typeface="나눔바른고딕" panose="020B0603020101020101" pitchFamily="50" charset="-127"/>
-              </a:rPr>
-              <a:t>(</a:t>
-            </a:r>
-            <a:r>
-              <a:rPr lang="en-US" altLang="ko-KR" sz="1000" dirty="0" err="1">
-                <a:ln>
-                  <a:solidFill>
-                    <a:schemeClr val="tx1">
-                      <a:alpha val="0"/>
-                    </a:schemeClr>
-                  </a:solidFill>
-                </a:ln>
-                <a:latin typeface="나눔바른고딕" panose="020B0603020101020101" pitchFamily="50" charset="-127"/>
-                <a:ea typeface="나눔바른고딕" panose="020B0603020101020101" pitchFamily="50" charset="-127"/>
-              </a:rPr>
-              <a:t>Hotjar</a:t>
-            </a:r>
-            <a:r>
-              <a:rPr lang="en-US" altLang="ko-KR" sz="1000" dirty="0">
-                <a:ln>
-                  <a:solidFill>
-                    <a:schemeClr val="tx1">
-                      <a:alpha val="0"/>
-                    </a:schemeClr>
-                  </a:solidFill>
-                </a:ln>
-                <a:latin typeface="나눔바른고딕" panose="020B0603020101020101" pitchFamily="50" charset="-127"/>
-                <a:ea typeface="나눔바른고딕" panose="020B0603020101020101" pitchFamily="50" charset="-127"/>
-              </a:rPr>
-              <a:t> User ID: </a:t>
-            </a:r>
-            <a:r>
-              <a:rPr lang="en-US" altLang="ko-KR" sz="1000" dirty="0">
-                <a:ln>
-                  <a:solidFill>
-                    <a:schemeClr val="tx1">
-                      <a:alpha val="0"/>
-                    </a:schemeClr>
-                  </a:solidFill>
-                </a:ln>
-                <a:latin typeface="나눔바른고딕" panose="020B0603020101020101" pitchFamily="50" charset="-127"/>
-                <a:ea typeface="나눔바른고딕" panose="020B0603020101020101" pitchFamily="50" charset="-127"/>
-                <a:hlinkClick r:id="rId2"/>
-              </a:rPr>
-              <a:t>b6f4cea5</a:t>
-            </a:r>
-            <a:r>
-              <a:rPr lang="en-US" altLang="ko-KR" sz="1000" dirty="0">
-                <a:ln>
-                  <a:solidFill>
-                    <a:schemeClr val="tx1">
-                      <a:alpha val="0"/>
-                    </a:schemeClr>
-                  </a:solidFill>
-                </a:ln>
-                <a:latin typeface="나눔바른고딕" panose="020B0603020101020101" pitchFamily="50" charset="-127"/>
-                <a:ea typeface="나눔바른고딕" panose="020B0603020101020101" pitchFamily="50" charset="-127"/>
-              </a:rPr>
-              <a:t>)</a:t>
-            </a:r>
-          </a:p>
+              <a:t>비회원 상담도 가능하면 체험권신청페이지에 </a:t>
+            </a:r>
+            <a:r>
+              <a:rPr lang="en-US" altLang="ko-KR" sz="1000" dirty="0" smtClean="0">
+                <a:ln>
+                  <a:solidFill>
+                    <a:schemeClr val="tx1">
+                      <a:alpha val="0"/>
+                    </a:schemeClr>
+                  </a:solidFill>
+                </a:ln>
+                <a:latin typeface="나눔바른고딕" panose="020B0603020101020101" pitchFamily="50" charset="-127"/>
+                <a:ea typeface="나눔바른고딕" panose="020B0603020101020101" pitchFamily="50" charset="-127"/>
+              </a:rPr>
+              <a:t/>
+            </a:r>
+            <a:br>
+              <a:rPr lang="en-US" altLang="ko-KR" sz="1000" dirty="0" smtClean="0">
+                <a:ln>
+                  <a:solidFill>
+                    <a:schemeClr val="tx1">
+                      <a:alpha val="0"/>
+                    </a:schemeClr>
+                  </a:solidFill>
+                </a:ln>
+                <a:latin typeface="나눔바른고딕" panose="020B0603020101020101" pitchFamily="50" charset="-127"/>
+                <a:ea typeface="나눔바른고딕" panose="020B0603020101020101" pitchFamily="50" charset="-127"/>
+              </a:rPr>
+            </a:br>
+            <a:r>
+              <a:rPr lang="ko-KR" altLang="en-US" sz="1000" dirty="0" smtClean="0">
+                <a:ln>
+                  <a:solidFill>
+                    <a:schemeClr val="tx1">
+                      <a:alpha val="0"/>
+                    </a:schemeClr>
+                  </a:solidFill>
+                </a:ln>
+                <a:latin typeface="나눔바른고딕" panose="020B0603020101020101" pitchFamily="50" charset="-127"/>
+                <a:ea typeface="나눔바른고딕" panose="020B0603020101020101" pitchFamily="50" charset="-127"/>
+              </a:rPr>
+              <a:t>대한 </a:t>
+            </a:r>
+            <a:r>
+              <a:rPr lang="ko-KR" altLang="en-US" sz="1000" dirty="0" smtClean="0">
+                <a:ln>
+                  <a:solidFill>
+                    <a:schemeClr val="tx1">
+                      <a:alpha val="0"/>
+                    </a:schemeClr>
+                  </a:solidFill>
+                </a:ln>
+                <a:latin typeface="나눔바른고딕" panose="020B0603020101020101" pitchFamily="50" charset="-127"/>
+                <a:ea typeface="나눔바른고딕" panose="020B0603020101020101" pitchFamily="50" charset="-127"/>
+              </a:rPr>
+              <a:t>장벽 낮출 수 </a:t>
+            </a:r>
+            <a:r>
+              <a:rPr lang="ko-KR" altLang="en-US" sz="1000" dirty="0" smtClean="0">
+                <a:ln>
+                  <a:solidFill>
+                    <a:schemeClr val="tx1">
+                      <a:alpha val="0"/>
+                    </a:schemeClr>
+                  </a:solidFill>
+                </a:ln>
+                <a:latin typeface="나눔바른고딕" panose="020B0603020101020101" pitchFamily="50" charset="-127"/>
+                <a:ea typeface="나눔바른고딕" panose="020B0603020101020101" pitchFamily="50" charset="-127"/>
+              </a:rPr>
+              <a:t>있을 것이라 생각됩니다</a:t>
+            </a:r>
+            <a:endParaRPr lang="ko-KR" altLang="en-US" sz="1000" dirty="0">
+              <a:ln>
+                <a:solidFill>
+                  <a:schemeClr val="tx1">
+                    <a:alpha val="0"/>
+                  </a:schemeClr>
+                </a:solidFill>
+              </a:ln>
+              <a:latin typeface="나눔바른고딕" panose="020B0603020101020101" pitchFamily="50" charset="-127"/>
+              <a:ea typeface="나눔바른고딕" panose="020B0603020101020101" pitchFamily="50" charset="-127"/>
+            </a:endParaRPr>
+          </a:p>
+        </p:txBody>
+      </p:sp>
+      <p:pic>
+        <p:nvPicPr>
+          <p:cNvPr id="2" name="그림 1"/>
+          <p:cNvPicPr>
+            <a:picLocks noChangeAspect="1"/>
+          </p:cNvPicPr>
+          <p:nvPr/>
+        </p:nvPicPr>
+        <p:blipFill>
+          <a:blip r:embed="rId2"/>
+          <a:stretch>
+            <a:fillRect/>
+          </a:stretch>
+        </p:blipFill>
+        <p:spPr>
+          <a:xfrm>
+            <a:off x="3759066" y="787163"/>
+            <a:ext cx="1507871" cy="2636779"/>
+          </a:xfrm>
+          <a:prstGeom prst="rect">
+            <a:avLst/>
+          </a:prstGeom>
+          <a:effectLst>
+            <a:outerShdw blurRad="50800" dist="50800" dir="5400000" algn="ctr" rotWithShape="0">
+              <a:srgbClr val="000000">
+                <a:alpha val="9000"/>
+              </a:srgbClr>
+            </a:outerShdw>
+          </a:effectLst>
+        </p:spPr>
+      </p:pic>
+      <p:pic>
+        <p:nvPicPr>
+          <p:cNvPr id="8" name="그림 7"/>
+          <p:cNvPicPr>
+            <a:picLocks noChangeAspect="1"/>
+          </p:cNvPicPr>
+          <p:nvPr/>
+        </p:nvPicPr>
+        <p:blipFill>
+          <a:blip r:embed="rId3"/>
+          <a:stretch>
+            <a:fillRect/>
+          </a:stretch>
+        </p:blipFill>
+        <p:spPr>
+          <a:xfrm>
+            <a:off x="747175" y="1261051"/>
+            <a:ext cx="2492843" cy="1964141"/>
+          </a:xfrm>
+          <a:prstGeom prst="rect">
+            <a:avLst/>
+          </a:prstGeom>
+          <a:effectLst>
+            <a:outerShdw blurRad="50800" dist="50800" dir="5400000" algn="ctr" rotWithShape="0">
+              <a:srgbClr val="000000">
+                <a:alpha val="9000"/>
+              </a:srgbClr>
+            </a:outerShdw>
+          </a:effectLst>
+        </p:spPr>
+      </p:pic>
+      <p:pic>
+        <p:nvPicPr>
+          <p:cNvPr id="9" name="그림 8"/>
+          <p:cNvPicPr>
+            <a:picLocks noChangeAspect="1"/>
+          </p:cNvPicPr>
+          <p:nvPr/>
+        </p:nvPicPr>
+        <p:blipFill>
+          <a:blip r:embed="rId4"/>
+          <a:stretch>
+            <a:fillRect/>
+          </a:stretch>
+        </p:blipFill>
+        <p:spPr>
+          <a:xfrm>
+            <a:off x="6171788" y="1002004"/>
+            <a:ext cx="1733616" cy="1782172"/>
+          </a:xfrm>
+          <a:prstGeom prst="rect">
+            <a:avLst/>
+          </a:prstGeom>
+          <a:effectLst>
+            <a:outerShdw blurRad="50800" dist="50800" dir="5400000" algn="ctr" rotWithShape="0">
+              <a:srgbClr val="000000">
+                <a:alpha val="9000"/>
+              </a:srgbClr>
+            </a:outerShdw>
+          </a:effectLst>
+        </p:spPr>
+      </p:pic>
+      <p:sp>
+        <p:nvSpPr>
+          <p:cNvPr id="10" name="직사각형 9"/>
+          <p:cNvSpPr/>
+          <p:nvPr/>
+        </p:nvSpPr>
+        <p:spPr>
+          <a:xfrm>
+            <a:off x="924248" y="3572004"/>
+            <a:ext cx="1297150" cy="253916"/>
+          </a:xfrm>
+          <a:prstGeom prst="rect">
+            <a:avLst/>
+          </a:prstGeom>
+        </p:spPr>
+        <p:txBody>
+          <a:bodyPr wrap="none">
+            <a:spAutoFit/>
+          </a:bodyPr>
+          <a:lstStyle/>
+          <a:p>
+            <a:r>
+              <a:rPr lang="en-US" altLang="ko-KR" sz="1050" spc="-150" dirty="0" smtClean="0">
+                <a:ln>
+                  <a:solidFill>
+                    <a:schemeClr val="tx1">
+                      <a:alpha val="0"/>
+                    </a:schemeClr>
+                  </a:solidFill>
+                </a:ln>
+                <a:latin typeface="나눔바른고딕" panose="020B0603020101020101" pitchFamily="50" charset="-127"/>
+                <a:ea typeface="나눔바른고딕" panose="020B0603020101020101" pitchFamily="50" charset="-127"/>
+              </a:rPr>
+              <a:t>1. </a:t>
+            </a:r>
+            <a:r>
+              <a:rPr lang="ko-KR" altLang="en-US" sz="1050" dirty="0">
+                <a:ln>
+                  <a:solidFill>
+                    <a:schemeClr val="tx1">
+                      <a:alpha val="0"/>
+                    </a:schemeClr>
+                  </a:solidFill>
+                </a:ln>
+                <a:latin typeface="나눔바른고딕" panose="020B0603020101020101" pitchFamily="50" charset="-127"/>
+                <a:ea typeface="나눔바른고딕" panose="020B0603020101020101" pitchFamily="50" charset="-127"/>
+              </a:rPr>
+              <a:t>체험신청페이지 </a:t>
+            </a:r>
+            <a:r>
+              <a:rPr lang="en-US" altLang="ko-KR" sz="1050" dirty="0">
+                <a:ln>
+                  <a:solidFill>
+                    <a:schemeClr val="tx1">
+                      <a:alpha val="0"/>
+                    </a:schemeClr>
+                  </a:solidFill>
+                </a:ln>
+                <a:latin typeface="나눔바른고딕" panose="020B0603020101020101" pitchFamily="50" charset="-127"/>
+                <a:ea typeface="나눔바른고딕" panose="020B0603020101020101" pitchFamily="50" charset="-127"/>
+              </a:rPr>
+              <a:t>: 4</a:t>
+            </a:r>
+          </a:p>
+        </p:txBody>
+      </p:sp>
+      <p:sp>
+        <p:nvSpPr>
+          <p:cNvPr id="11" name="직사각형 10"/>
+          <p:cNvSpPr/>
+          <p:nvPr/>
+        </p:nvSpPr>
+        <p:spPr>
+          <a:xfrm>
+            <a:off x="4044763" y="3572004"/>
+            <a:ext cx="936475" cy="253916"/>
+          </a:xfrm>
+          <a:prstGeom prst="rect">
+            <a:avLst/>
+          </a:prstGeom>
+        </p:spPr>
+        <p:txBody>
+          <a:bodyPr wrap="none">
+            <a:spAutoFit/>
+          </a:bodyPr>
+          <a:lstStyle/>
+          <a:p>
+            <a:r>
+              <a:rPr lang="en-US" altLang="ko-KR" sz="1050" spc="-150" dirty="0" smtClean="0">
+                <a:ln>
+                  <a:solidFill>
+                    <a:schemeClr val="tx1">
+                      <a:alpha val="0"/>
+                    </a:schemeClr>
+                  </a:solidFill>
+                </a:ln>
+                <a:latin typeface="나눔바른고딕" panose="020B0603020101020101" pitchFamily="50" charset="-127"/>
+                <a:ea typeface="나눔바른고딕" panose="020B0603020101020101" pitchFamily="50" charset="-127"/>
+              </a:rPr>
+              <a:t>2. </a:t>
+            </a:r>
+            <a:r>
+              <a:rPr lang="ko-KR" altLang="en-US" sz="1050" dirty="0">
+                <a:ln>
+                  <a:solidFill>
+                    <a:schemeClr val="tx1">
+                      <a:alpha val="0"/>
+                    </a:schemeClr>
+                  </a:solidFill>
+                </a:ln>
+                <a:latin typeface="나눔바른고딕" panose="020B0603020101020101" pitchFamily="50" charset="-127"/>
+                <a:ea typeface="나눔바른고딕" panose="020B0603020101020101" pitchFamily="50" charset="-127"/>
+              </a:rPr>
+              <a:t>회원가입 </a:t>
+            </a:r>
+            <a:r>
+              <a:rPr lang="en-US" altLang="ko-KR" sz="1050" dirty="0">
+                <a:ln>
+                  <a:solidFill>
+                    <a:schemeClr val="tx1">
+                      <a:alpha val="0"/>
+                    </a:schemeClr>
+                  </a:solidFill>
+                </a:ln>
+                <a:latin typeface="나눔바른고딕" panose="020B0603020101020101" pitchFamily="50" charset="-127"/>
+                <a:ea typeface="나눔바른고딕" panose="020B0603020101020101" pitchFamily="50" charset="-127"/>
+              </a:rPr>
+              <a:t>: 2</a:t>
+            </a:r>
+          </a:p>
+        </p:txBody>
+      </p:sp>
+      <p:sp>
+        <p:nvSpPr>
+          <p:cNvPr id="12" name="직사각형 11"/>
+          <p:cNvSpPr/>
+          <p:nvPr/>
+        </p:nvSpPr>
+        <p:spPr>
+          <a:xfrm>
+            <a:off x="6390021" y="3572004"/>
+            <a:ext cx="1297150" cy="253916"/>
+          </a:xfrm>
+          <a:prstGeom prst="rect">
+            <a:avLst/>
+          </a:prstGeom>
+        </p:spPr>
+        <p:txBody>
+          <a:bodyPr wrap="none">
+            <a:spAutoFit/>
+          </a:bodyPr>
+          <a:lstStyle/>
+          <a:p>
+            <a:r>
+              <a:rPr lang="en-US" altLang="ko-KR" sz="1050" spc="-150" dirty="0" smtClean="0">
+                <a:ln>
+                  <a:solidFill>
+                    <a:schemeClr val="tx1">
+                      <a:alpha val="0"/>
+                    </a:schemeClr>
+                  </a:solidFill>
+                </a:ln>
+                <a:latin typeface="나눔바른고딕" panose="020B0603020101020101" pitchFamily="50" charset="-127"/>
+                <a:ea typeface="나눔바른고딕" panose="020B0603020101020101" pitchFamily="50" charset="-127"/>
+              </a:rPr>
+              <a:t>3. </a:t>
+            </a:r>
+            <a:r>
+              <a:rPr lang="ko-KR" altLang="en-US" sz="1050" dirty="0">
+                <a:ln>
+                  <a:solidFill>
+                    <a:schemeClr val="tx1">
+                      <a:alpha val="0"/>
+                    </a:schemeClr>
+                  </a:solidFill>
+                </a:ln>
+                <a:latin typeface="나눔바른고딕" panose="020B0603020101020101" pitchFamily="50" charset="-127"/>
+                <a:ea typeface="나눔바른고딕" panose="020B0603020101020101" pitchFamily="50" charset="-127"/>
+              </a:rPr>
+              <a:t>동영상강의활용 </a:t>
+            </a:r>
+            <a:r>
+              <a:rPr lang="en-US" altLang="ko-KR" sz="1050" dirty="0">
+                <a:ln>
+                  <a:solidFill>
+                    <a:schemeClr val="tx1">
+                      <a:alpha val="0"/>
+                    </a:schemeClr>
+                  </a:solidFill>
+                </a:ln>
+                <a:latin typeface="나눔바른고딕" panose="020B0603020101020101" pitchFamily="50" charset="-127"/>
+                <a:ea typeface="나눔바른고딕" panose="020B0603020101020101" pitchFamily="50" charset="-127"/>
+              </a:rPr>
+              <a:t>: 2</a:t>
+            </a:r>
+          </a:p>
+        </p:txBody>
+      </p:sp>
+      <p:sp>
+        <p:nvSpPr>
+          <p:cNvPr id="13" name="직사각형 12"/>
+          <p:cNvSpPr/>
+          <p:nvPr/>
+        </p:nvSpPr>
+        <p:spPr>
+          <a:xfrm>
+            <a:off x="1156195" y="4988654"/>
+            <a:ext cx="3356807" cy="707886"/>
+          </a:xfrm>
+          <a:prstGeom prst="rect">
+            <a:avLst/>
+          </a:prstGeom>
+        </p:spPr>
+        <p:txBody>
+          <a:bodyPr wrap="square">
+            <a:spAutoFit/>
+          </a:bodyPr>
+          <a:lstStyle/>
           <a:p>
             <a:pPr marL="171450" indent="-171450">
               <a:buFontTx/>
@@ -15809,7 +16498,21 @@
                 <a:latin typeface="나눔바른고딕" panose="020B0603020101020101" pitchFamily="50" charset="-127"/>
                 <a:ea typeface="나눔바른고딕" panose="020B0603020101020101" pitchFamily="50" charset="-127"/>
               </a:rPr>
-              <a:t>조금 더 간단한 </a:t>
+              <a:t>네이버 </a:t>
+            </a:r>
+            <a:r>
+              <a:rPr lang="ko-KR" altLang="en-US" sz="1000" dirty="0">
+                <a:ln>
+                  <a:solidFill>
+                    <a:schemeClr val="tx1">
+                      <a:alpha val="0"/>
+                    </a:schemeClr>
+                  </a:solidFill>
+                </a:ln>
+                <a:latin typeface="나눔바른고딕" panose="020B0603020101020101" pitchFamily="50" charset="-127"/>
+                <a:ea typeface="나눔바른고딕" panose="020B0603020101020101" pitchFamily="50" charset="-127"/>
+              </a:rPr>
+              <a:t>아이디로 로그인 후 </a:t>
             </a:r>
             <a:r>
               <a:rPr lang="en-US" altLang="ko-KR" sz="1000" dirty="0" smtClean="0">
@@ -15822,8 +16525,37 @@
                 </a:ln>
                 <a:latin typeface="나눔바른고딕" panose="020B0603020101020101" pitchFamily="50" charset="-127"/>
                 <a:ea typeface="나눔바른고딕" panose="020B0603020101020101" pitchFamily="50" charset="-127"/>
-              </a:rPr>
-              <a:t>form</a:t>
+                <a:sym typeface="Wingdings" panose="05000000000000000000" pitchFamily="2" charset="2"/>
+              </a:rPr>
+              <a:t></a:t>
+            </a:r>
+            <a:r>
+              <a:rPr lang="en-US" altLang="ko-KR" sz="1000" dirty="0" smtClean="0">
+                <a:ln>
+                  <a:solidFill>
+                    <a:schemeClr val="tx1">
+                      <a:alpha val="0"/>
+                    </a:schemeClr>
+                  </a:solidFill>
+                </a:ln>
+                <a:latin typeface="나눔바른고딕" panose="020B0603020101020101" pitchFamily="50" charset="-127"/>
+                <a:ea typeface="나눔바른고딕" panose="020B0603020101020101" pitchFamily="50" charset="-127"/>
+              </a:rPr>
+              <a:t> </a:t>
+            </a:r>
+            <a:r>
+              <a:rPr lang="ko-KR" altLang="en-US" sz="1000" dirty="0">
+                <a:ln>
+                  <a:solidFill>
+                    <a:schemeClr val="tx1">
+                      <a:alpha val="0"/>
+                    </a:schemeClr>
+                  </a:solidFill>
+                </a:ln>
+                <a:latin typeface="나눔바른고딕" panose="020B0603020101020101" pitchFamily="50" charset="-127"/>
+                <a:ea typeface="나눔바른고딕" panose="020B0603020101020101" pitchFamily="50" charset="-127"/>
+              </a:rPr>
+              <a:t>상세정보 입력이 </a:t>
             </a:r>
             <a:r>
               <a:rPr lang="ko-KR" altLang="en-US" sz="1000" dirty="0" smtClean="0">
@@ -15837,7 +16569,7 @@
                 <a:latin typeface="나눔바른고딕" panose="020B0603020101020101" pitchFamily="50" charset="-127"/>
                 <a:ea typeface="나눔바른고딕" panose="020B0603020101020101" pitchFamily="50" charset="-127"/>
               </a:rPr>
-              <a:t>으로 만들어도 될 것 같음</a:t>
+              <a:t>귀찮은 부분</a:t>
             </a:r>
             <a:r>
               <a:rPr lang="en-US" altLang="ko-KR" sz="1000" dirty="0" smtClean="0">
@@ -15851,14 +16583,94 @@
                 <a:latin typeface="나눔바른고딕" panose="020B0603020101020101" pitchFamily="50" charset="-127"/>
                 <a:ea typeface="나눔바른고딕" panose="020B0603020101020101" pitchFamily="50" charset="-127"/>
               </a:rPr>
-              <a:t>.</a:t>
-            </a:r>
-          </a:p>
-          <a:p>
-            <a:pPr marL="171450" indent="-171450">
-              <a:buFontTx/>
-              <a:buChar char="-"/>
-            </a:pPr>
+              <a:t/>
+            </a:r>
+            <a:br>
+              <a:rPr lang="en-US" altLang="ko-KR" sz="1000" dirty="0" smtClean="0">
+                <a:ln>
+                  <a:solidFill>
+                    <a:schemeClr val="tx1">
+                      <a:alpha val="0"/>
+                    </a:schemeClr>
+                  </a:solidFill>
+                </a:ln>
+                <a:latin typeface="나눔바른고딕" panose="020B0603020101020101" pitchFamily="50" charset="-127"/>
+                <a:ea typeface="나눔바른고딕" panose="020B0603020101020101" pitchFamily="50" charset="-127"/>
+              </a:rPr>
+            </a:br>
+            <a:r>
+              <a:rPr lang="en-US" altLang="ko-KR" sz="1000" dirty="0" smtClean="0">
+                <a:ln>
+                  <a:solidFill>
+                    <a:schemeClr val="tx1">
+                      <a:alpha val="0"/>
+                    </a:schemeClr>
+                  </a:solidFill>
+                </a:ln>
+                <a:latin typeface="나눔바른고딕" panose="020B0603020101020101" pitchFamily="50" charset="-127"/>
+                <a:ea typeface="나눔바른고딕" panose="020B0603020101020101" pitchFamily="50" charset="-127"/>
+              </a:rPr>
+              <a:t>(</a:t>
+            </a:r>
+            <a:r>
+              <a:rPr lang="en-US" altLang="ko-KR" sz="1000" dirty="0" err="1">
+                <a:ln>
+                  <a:solidFill>
+                    <a:schemeClr val="tx1">
+                      <a:alpha val="0"/>
+                    </a:schemeClr>
+                  </a:solidFill>
+                </a:ln>
+                <a:latin typeface="나눔바른고딕" panose="020B0603020101020101" pitchFamily="50" charset="-127"/>
+                <a:ea typeface="나눔바른고딕" panose="020B0603020101020101" pitchFamily="50" charset="-127"/>
+              </a:rPr>
+              <a:t>Hotjar</a:t>
+            </a:r>
+            <a:r>
+              <a:rPr lang="en-US" altLang="ko-KR" sz="1000" dirty="0">
+                <a:ln>
+                  <a:solidFill>
+                    <a:schemeClr val="tx1">
+                      <a:alpha val="0"/>
+                    </a:schemeClr>
+                  </a:solidFill>
+                </a:ln>
+                <a:latin typeface="나눔바른고딕" panose="020B0603020101020101" pitchFamily="50" charset="-127"/>
+                <a:ea typeface="나눔바른고딕" panose="020B0603020101020101" pitchFamily="50" charset="-127"/>
+              </a:rPr>
+              <a:t> User ID: </a:t>
+            </a:r>
+            <a:r>
+              <a:rPr lang="en-US" altLang="ko-KR" sz="1000" dirty="0">
+                <a:ln>
+                  <a:solidFill>
+                    <a:schemeClr val="tx1">
+                      <a:alpha val="0"/>
+                    </a:schemeClr>
+                  </a:solidFill>
+                </a:ln>
+                <a:latin typeface="나눔바른고딕" panose="020B0603020101020101" pitchFamily="50" charset="-127"/>
+                <a:ea typeface="나눔바른고딕" panose="020B0603020101020101" pitchFamily="50" charset="-127"/>
+                <a:hlinkClick r:id="rId5"/>
+              </a:rPr>
+              <a:t>b6f4cea5</a:t>
+            </a:r>
+            <a:r>
+              <a:rPr lang="en-US" altLang="ko-KR" sz="1000" dirty="0" smtClean="0">
+                <a:ln>
+                  <a:solidFill>
+                    <a:schemeClr val="tx1">
+                      <a:alpha val="0"/>
+                    </a:schemeClr>
+                  </a:solidFill>
+                </a:ln>
+                <a:latin typeface="나눔바른고딕" panose="020B0603020101020101" pitchFamily="50" charset="-127"/>
+                <a:ea typeface="나눔바른고딕" panose="020B0603020101020101" pitchFamily="50" charset="-127"/>
+              </a:rPr>
+              <a:t>)</a:t>
+            </a:r>
+          </a:p>
+          <a:p>
             <a:endParaRPr lang="en-US" altLang="ko-KR" sz="1000" dirty="0">
               <a:ln>
                 <a:solidFill>
@@ -15877,18 +16689,46 @@
               <a:buChar char="-"/>
             </a:pPr>
             <a:r>
-              <a:rPr lang="en-US" altLang="ko-KR" sz="1000" dirty="0" smtClean="0">
-                <a:ln>
-                  <a:solidFill>
-                    <a:schemeClr val="tx1">
-                      <a:alpha val="0"/>
-                    </a:schemeClr>
-                  </a:solidFill>
-                </a:ln>
-                <a:latin typeface="나눔바른고딕" panose="020B0603020101020101" pitchFamily="50" charset="-127"/>
-                <a:ea typeface="나눔바른고딕" panose="020B0603020101020101" pitchFamily="50" charset="-127"/>
-              </a:rPr>
-              <a:t>Exited page</a:t>
+              <a:rPr lang="ko-KR" altLang="en-US" sz="1000" dirty="0">
+                <a:ln>
+                  <a:solidFill>
+                    <a:schemeClr val="tx1">
+                      <a:alpha val="0"/>
+                    </a:schemeClr>
+                  </a:solidFill>
+                </a:ln>
+                <a:latin typeface="나눔바른고딕" panose="020B0603020101020101" pitchFamily="50" charset="-127"/>
+                <a:ea typeface="나눔바른고딕" panose="020B0603020101020101" pitchFamily="50" charset="-127"/>
+              </a:rPr>
+              <a:t>조금 더 간단한 </a:t>
+            </a:r>
+            <a:r>
+              <a:rPr lang="en-US" altLang="ko-KR" sz="1000" dirty="0">
+                <a:ln>
+                  <a:solidFill>
+                    <a:schemeClr val="tx1">
+                      <a:alpha val="0"/>
+                    </a:schemeClr>
+                  </a:solidFill>
+                </a:ln>
+                <a:latin typeface="나눔바른고딕" panose="020B0603020101020101" pitchFamily="50" charset="-127"/>
+                <a:ea typeface="나눔바른고딕" panose="020B0603020101020101" pitchFamily="50" charset="-127"/>
+              </a:rPr>
+              <a:t>form</a:t>
+            </a:r>
+            <a:r>
+              <a:rPr lang="ko-KR" altLang="en-US" sz="1000" dirty="0">
+                <a:ln>
+                  <a:solidFill>
+                    <a:schemeClr val="tx1">
+                      <a:alpha val="0"/>
+                    </a:schemeClr>
+                  </a:solidFill>
+                </a:ln>
+                <a:latin typeface="나눔바른고딕" panose="020B0603020101020101" pitchFamily="50" charset="-127"/>
+                <a:ea typeface="나눔바른고딕" panose="020B0603020101020101" pitchFamily="50" charset="-127"/>
+              </a:rPr>
+              <a:t>으로 만들어도 될 것 </a:t>
             </a:r>
             <a:r>
               <a:rPr lang="ko-KR" altLang="en-US" sz="1000" dirty="0" smtClean="0">
@@ -15902,275 +16742,9 @@
                 <a:latin typeface="나눔바른고딕" panose="020B0603020101020101" pitchFamily="50" charset="-127"/>
                 <a:ea typeface="나눔바른고딕" panose="020B0603020101020101" pitchFamily="50" charset="-127"/>
               </a:rPr>
-              <a:t>가 </a:t>
-            </a:r>
-            <a:r>
-              <a:rPr lang="en-US" altLang="ko-KR" sz="1000" dirty="0" smtClean="0">
-                <a:ln>
-                  <a:solidFill>
-                    <a:schemeClr val="tx1">
-                      <a:alpha val="0"/>
-                    </a:schemeClr>
-                  </a:solidFill>
-                </a:ln>
-                <a:latin typeface="나눔바른고딕" panose="020B0603020101020101" pitchFamily="50" charset="-127"/>
-                <a:ea typeface="나눔바른고딕" panose="020B0603020101020101" pitchFamily="50" charset="-127"/>
-              </a:rPr>
-              <a:t>login </a:t>
-            </a:r>
-            <a:r>
-              <a:rPr lang="ko-KR" altLang="en-US" sz="1000" dirty="0" smtClean="0">
-                <a:ln>
-                  <a:solidFill>
-                    <a:schemeClr val="tx1">
-                      <a:alpha val="0"/>
-                    </a:schemeClr>
-                  </a:solidFill>
-                </a:ln>
-                <a:latin typeface="나눔바른고딕" panose="020B0603020101020101" pitchFamily="50" charset="-127"/>
-                <a:ea typeface="나눔바른고딕" panose="020B0603020101020101" pitchFamily="50" charset="-127"/>
-              </a:rPr>
-              <a:t>혹은 </a:t>
-            </a:r>
-            <a:r>
-              <a:rPr lang="en-US" altLang="ko-KR" sz="1000" dirty="0" smtClean="0">
-                <a:ln>
-                  <a:solidFill>
-                    <a:schemeClr val="tx1">
-                      <a:alpha val="0"/>
-                    </a:schemeClr>
-                  </a:solidFill>
-                </a:ln>
-                <a:latin typeface="나눔바른고딕" panose="020B0603020101020101" pitchFamily="50" charset="-127"/>
-                <a:ea typeface="나눔바른고딕" panose="020B0603020101020101" pitchFamily="50" charset="-127"/>
-              </a:rPr>
-              <a:t>signup </a:t>
-            </a:r>
-            <a:r>
-              <a:rPr lang="ko-KR" altLang="en-US" sz="1000" dirty="0" smtClean="0">
-                <a:ln>
-                  <a:solidFill>
-                    <a:schemeClr val="tx1">
-                      <a:alpha val="0"/>
-                    </a:schemeClr>
-                  </a:solidFill>
-                </a:ln>
-                <a:latin typeface="나눔바른고딕" panose="020B0603020101020101" pitchFamily="50" charset="-127"/>
-                <a:ea typeface="나눔바른고딕" panose="020B0603020101020101" pitchFamily="50" charset="-127"/>
-              </a:rPr>
-              <a:t>인 경우는 분명 </a:t>
-            </a:r>
-            <a:r>
-              <a:rPr lang="ko-KR" altLang="en-US" sz="1000" dirty="0" err="1" smtClean="0">
-                <a:ln>
-                  <a:solidFill>
-                    <a:schemeClr val="tx1">
-                      <a:alpha val="0"/>
-                    </a:schemeClr>
-                  </a:solidFill>
-                </a:ln>
-                <a:latin typeface="나눔바른고딕" panose="020B0603020101020101" pitchFamily="50" charset="-127"/>
-                <a:ea typeface="나눔바른고딕" panose="020B0603020101020101" pitchFamily="50" charset="-127"/>
-              </a:rPr>
-              <a:t>네아로</a:t>
-            </a:r>
-            <a:r>
-              <a:rPr lang="ko-KR" altLang="en-US" sz="1000" dirty="0">
-                <a:ln>
-                  <a:solidFill>
-                    <a:schemeClr val="tx1">
-                      <a:alpha val="0"/>
-                    </a:schemeClr>
-                  </a:solidFill>
-                </a:ln>
-                <a:latin typeface="나눔바른고딕" panose="020B0603020101020101" pitchFamily="50" charset="-127"/>
-                <a:ea typeface="나눔바른고딕" panose="020B0603020101020101" pitchFamily="50" charset="-127"/>
-              </a:rPr>
-              <a:t> </a:t>
-            </a:r>
-            <a:r>
-              <a:rPr lang="ko-KR" altLang="en-US" sz="1000" dirty="0" err="1" smtClean="0">
-                <a:ln>
-                  <a:solidFill>
-                    <a:schemeClr val="tx1">
-                      <a:alpha val="0"/>
-                    </a:schemeClr>
-                  </a:solidFill>
-                </a:ln>
-                <a:latin typeface="나눔바른고딕" panose="020B0603020101020101" pitchFamily="50" charset="-127"/>
-                <a:ea typeface="나눔바른고딕" panose="020B0603020101020101" pitchFamily="50" charset="-127"/>
-              </a:rPr>
-              <a:t>로그인이</a:t>
-            </a:r>
-            <a:r>
-              <a:rPr lang="ko-KR" altLang="en-US" sz="1000" dirty="0" smtClean="0">
-                <a:ln>
-                  <a:solidFill>
-                    <a:schemeClr val="tx1">
-                      <a:alpha val="0"/>
-                    </a:schemeClr>
-                  </a:solidFill>
-                </a:ln>
-                <a:latin typeface="나눔바른고딕" panose="020B0603020101020101" pitchFamily="50" charset="-127"/>
-                <a:ea typeface="나눔바른고딕" panose="020B0603020101020101" pitchFamily="50" charset="-127"/>
-              </a:rPr>
-              <a:t> 문제임</a:t>
-            </a:r>
-            <a:r>
-              <a:rPr lang="en-US" altLang="ko-KR" sz="1000" dirty="0" smtClean="0">
-                <a:ln>
-                  <a:solidFill>
-                    <a:schemeClr val="tx1">
-                      <a:alpha val="0"/>
-                    </a:schemeClr>
-                  </a:solidFill>
-                </a:ln>
-                <a:latin typeface="나눔바른고딕" panose="020B0603020101020101" pitchFamily="50" charset="-127"/>
-                <a:ea typeface="나눔바른고딕" panose="020B0603020101020101" pitchFamily="50" charset="-127"/>
-              </a:rPr>
-              <a:t>(</a:t>
-            </a:r>
-            <a:r>
-              <a:rPr lang="ko-KR" altLang="en-US" sz="1000" dirty="0" smtClean="0">
-                <a:ln>
-                  <a:solidFill>
-                    <a:schemeClr val="tx1">
-                      <a:alpha val="0"/>
-                    </a:schemeClr>
-                  </a:solidFill>
-                </a:ln>
-                <a:latin typeface="나눔바른고딕" panose="020B0603020101020101" pitchFamily="50" charset="-127"/>
-                <a:ea typeface="나눔바른고딕" panose="020B0603020101020101" pitchFamily="50" charset="-127"/>
-              </a:rPr>
-              <a:t>약 </a:t>
-            </a:r>
-            <a:r>
-              <a:rPr lang="en-US" altLang="ko-KR" sz="1000" dirty="0" smtClean="0">
-                <a:ln>
-                  <a:solidFill>
-                    <a:schemeClr val="tx1">
-                      <a:alpha val="0"/>
-                    </a:schemeClr>
-                  </a:solidFill>
-                </a:ln>
-                <a:latin typeface="나눔바른고딕" panose="020B0603020101020101" pitchFamily="50" charset="-127"/>
-                <a:ea typeface="나눔바른고딕" panose="020B0603020101020101" pitchFamily="50" charset="-127"/>
-              </a:rPr>
-              <a:t>28%</a:t>
-            </a:r>
-            <a:r>
-              <a:rPr lang="ko-KR" altLang="en-US" sz="1000" dirty="0" smtClean="0">
-                <a:ln>
-                  <a:solidFill>
-                    <a:schemeClr val="tx1">
-                      <a:alpha val="0"/>
-                    </a:schemeClr>
-                  </a:solidFill>
-                </a:ln>
-                <a:latin typeface="나눔바른고딕" panose="020B0603020101020101" pitchFamily="50" charset="-127"/>
-                <a:ea typeface="나눔바른고딕" panose="020B0603020101020101" pitchFamily="50" charset="-127"/>
-              </a:rPr>
-              <a:t>의 </a:t>
-            </a:r>
-            <a:r>
-              <a:rPr lang="ko-KR" altLang="en-US" sz="1000" dirty="0" err="1" smtClean="0">
-                <a:ln>
-                  <a:solidFill>
-                    <a:schemeClr val="tx1">
-                      <a:alpha val="0"/>
-                    </a:schemeClr>
-                  </a:solidFill>
-                </a:ln>
-                <a:latin typeface="나눔바른고딕" panose="020B0603020101020101" pitchFamily="50" charset="-127"/>
-                <a:ea typeface="나눔바른고딕" panose="020B0603020101020101" pitchFamily="50" charset="-127"/>
-              </a:rPr>
-              <a:t>이탈원인</a:t>
-            </a:r>
-            <a:r>
-              <a:rPr lang="en-US" altLang="ko-KR" sz="1000" dirty="0" smtClean="0">
-                <a:ln>
-                  <a:solidFill>
-                    <a:schemeClr val="tx1">
-                      <a:alpha val="0"/>
-                    </a:schemeClr>
-                  </a:solidFill>
-                </a:ln>
-                <a:latin typeface="나눔바른고딕" panose="020B0603020101020101" pitchFamily="50" charset="-127"/>
-                <a:ea typeface="나눔바른고딕" panose="020B0603020101020101" pitchFamily="50" charset="-127"/>
-              </a:rPr>
-              <a:t>). </a:t>
-            </a:r>
-            <a:r>
-              <a:rPr lang="ko-KR" altLang="en-US" sz="1000" dirty="0" smtClean="0">
-                <a:ln>
-                  <a:solidFill>
-                    <a:schemeClr val="tx1">
-                      <a:alpha val="0"/>
-                    </a:schemeClr>
-                  </a:solidFill>
-                </a:ln>
-                <a:latin typeface="나눔바른고딕" panose="020B0603020101020101" pitchFamily="50" charset="-127"/>
-                <a:ea typeface="나눔바른고딕" panose="020B0603020101020101" pitchFamily="50" charset="-127"/>
-              </a:rPr>
-              <a:t>단순화</a:t>
-            </a:r>
-            <a:r>
-              <a:rPr lang="en-US" altLang="ko-KR" sz="1000" dirty="0" smtClean="0">
-                <a:ln>
-                  <a:solidFill>
-                    <a:schemeClr val="tx1">
-                      <a:alpha val="0"/>
-                    </a:schemeClr>
-                  </a:solidFill>
-                </a:ln>
-                <a:latin typeface="나눔바른고딕" panose="020B0603020101020101" pitchFamily="50" charset="-127"/>
-                <a:ea typeface="나눔바른고딕" panose="020B0603020101020101" pitchFamily="50" charset="-127"/>
-              </a:rPr>
-              <a:t>, </a:t>
-            </a:r>
-            <a:r>
-              <a:rPr lang="ko-KR" altLang="en-US" sz="1000" dirty="0" smtClean="0">
-                <a:ln>
-                  <a:solidFill>
-                    <a:schemeClr val="tx1">
-                      <a:alpha val="0"/>
-                    </a:schemeClr>
-                  </a:solidFill>
-                </a:ln>
-                <a:latin typeface="나눔바른고딕" panose="020B0603020101020101" pitchFamily="50" charset="-127"/>
-                <a:ea typeface="나눔바른고딕" panose="020B0603020101020101" pitchFamily="50" charset="-127"/>
-              </a:rPr>
-              <a:t>비회원 상담도 가능하면 체험권신청페이지에 대한 장벽 낮출 수 </a:t>
-            </a:r>
-            <a:r>
-              <a:rPr lang="ko-KR" altLang="en-US" sz="1000" dirty="0" err="1" smtClean="0">
-                <a:ln>
-                  <a:solidFill>
-                    <a:schemeClr val="tx1">
-                      <a:alpha val="0"/>
-                    </a:schemeClr>
-                  </a:solidFill>
-                </a:ln>
-                <a:latin typeface="나눔바른고딕" panose="020B0603020101020101" pitchFamily="50" charset="-127"/>
-                <a:ea typeface="나눔바른고딕" panose="020B0603020101020101" pitchFamily="50" charset="-127"/>
-              </a:rPr>
-              <a:t>있어보임</a:t>
-            </a:r>
-            <a:r>
-              <a:rPr lang="en-US" altLang="ko-KR" sz="1000" dirty="0" smtClean="0">
-                <a:ln>
-                  <a:solidFill>
-                    <a:schemeClr val="tx1">
-                      <a:alpha val="0"/>
-                    </a:schemeClr>
-                  </a:solidFill>
-                </a:ln>
-                <a:latin typeface="나눔바른고딕" panose="020B0603020101020101" pitchFamily="50" charset="-127"/>
-                <a:ea typeface="나눔바른고딕" panose="020B0603020101020101" pitchFamily="50" charset="-127"/>
-              </a:rPr>
-              <a:t>.</a:t>
-            </a:r>
-            <a:endParaRPr lang="ko-KR" altLang="en-US" sz="1000" dirty="0">
+              <a:t>같습니다</a:t>
+            </a:r>
+            <a:endParaRPr lang="en-US" altLang="ko-KR" sz="1000" dirty="0">
               <a:ln>
                 <a:solidFill>
                   <a:schemeClr val="tx1">
@@ -16186,169 +16760,115 @@
       </p:sp>
       <p:sp>
         <p:nvSpPr>
-          <p:cNvPr id="7" name="직사각형 6"/>
+          <p:cNvPr id="14" name="직사각형 13"/>
           <p:cNvSpPr/>
           <p:nvPr/>
         </p:nvSpPr>
         <p:spPr>
           <a:xfrm>
-            <a:off x="510243" y="4138747"/>
-            <a:ext cx="6170204" cy="861774"/>
+            <a:off x="1333284" y="4627188"/>
+            <a:ext cx="1967205" cy="276999"/>
           </a:xfrm>
           <a:prstGeom prst="rect">
             <a:avLst/>
           </a:prstGeom>
         </p:spPr>
         <p:txBody>
-          <a:bodyPr wrap="square">
+          <a:bodyPr wrap="none">
             <a:spAutoFit/>
           </a:bodyPr>
           <a:lstStyle/>
           <a:p>
             <a:r>
-              <a:rPr lang="ko-KR" altLang="en-US" sz="1000" dirty="0" smtClean="0">
-                <a:ln>
-                  <a:solidFill>
-                    <a:schemeClr val="tx1">
-                      <a:alpha val="0"/>
-                    </a:schemeClr>
-                  </a:solidFill>
-                </a:ln>
-                <a:latin typeface="나눔바른고딕" panose="020B0603020101020101" pitchFamily="50" charset="-127"/>
-                <a:ea typeface="나눔바른고딕" panose="020B0603020101020101" pitchFamily="50" charset="-127"/>
-              </a:rPr>
-              <a:t>이탈 원인</a:t>
-            </a:r>
-            <a:endParaRPr lang="en-US" altLang="ko-KR" sz="1000" dirty="0" smtClean="0">
-              <a:ln>
-                <a:solidFill>
-                  <a:schemeClr val="tx1">
-                    <a:alpha val="0"/>
-                  </a:schemeClr>
-                </a:solidFill>
-              </a:ln>
-              <a:latin typeface="나눔바른고딕" panose="020B0603020101020101" pitchFamily="50" charset="-127"/>
-              <a:ea typeface="나눔바른고딕" panose="020B0603020101020101" pitchFamily="50" charset="-127"/>
-            </a:endParaRPr>
-          </a:p>
-          <a:p>
-            <a:pPr marL="171450" indent="-171450">
-              <a:buFontTx/>
-              <a:buChar char="-"/>
-            </a:pPr>
-            <a:r>
-              <a:rPr lang="ko-KR" altLang="en-US" sz="1000" dirty="0" smtClean="0">
-                <a:ln>
-                  <a:solidFill>
-                    <a:schemeClr val="tx1">
-                      <a:alpha val="0"/>
-                    </a:schemeClr>
-                  </a:solidFill>
-                </a:ln>
-                <a:latin typeface="나눔바른고딕" panose="020B0603020101020101" pitchFamily="50" charset="-127"/>
-                <a:ea typeface="나눔바른고딕" panose="020B0603020101020101" pitchFamily="50" charset="-127"/>
-              </a:rPr>
-              <a:t>체험신청페이지 </a:t>
-            </a:r>
-            <a:r>
-              <a:rPr lang="en-US" altLang="ko-KR" sz="1000" dirty="0" smtClean="0">
-                <a:ln>
-                  <a:solidFill>
-                    <a:schemeClr val="tx1">
-                      <a:alpha val="0"/>
-                    </a:schemeClr>
-                  </a:solidFill>
-                </a:ln>
-                <a:latin typeface="나눔바른고딕" panose="020B0603020101020101" pitchFamily="50" charset="-127"/>
-                <a:ea typeface="나눔바른고딕" panose="020B0603020101020101" pitchFamily="50" charset="-127"/>
-              </a:rPr>
-              <a:t>: 4</a:t>
-            </a:r>
-          </a:p>
-          <a:p>
-            <a:pPr marL="171450" indent="-171450">
-              <a:buFontTx/>
-              <a:buChar char="-"/>
-            </a:pPr>
-            <a:r>
-              <a:rPr lang="ko-KR" altLang="en-US" sz="1000" dirty="0" smtClean="0">
-                <a:ln>
-                  <a:solidFill>
-                    <a:schemeClr val="tx1">
-                      <a:alpha val="0"/>
-                    </a:schemeClr>
-                  </a:solidFill>
-                </a:ln>
-                <a:latin typeface="나눔바른고딕" panose="020B0603020101020101" pitchFamily="50" charset="-127"/>
-                <a:ea typeface="나눔바른고딕" panose="020B0603020101020101" pitchFamily="50" charset="-127"/>
-              </a:rPr>
-              <a:t>회원가입 </a:t>
-            </a:r>
-            <a:r>
-              <a:rPr lang="en-US" altLang="ko-KR" sz="1000" dirty="0" smtClean="0">
-                <a:ln>
-                  <a:solidFill>
-                    <a:schemeClr val="tx1">
-                      <a:alpha val="0"/>
-                    </a:schemeClr>
-                  </a:solidFill>
-                </a:ln>
-                <a:latin typeface="나눔바른고딕" panose="020B0603020101020101" pitchFamily="50" charset="-127"/>
-                <a:ea typeface="나눔바른고딕" panose="020B0603020101020101" pitchFamily="50" charset="-127"/>
-              </a:rPr>
-              <a:t>: 2</a:t>
-            </a:r>
-          </a:p>
-          <a:p>
-            <a:pPr marL="171450" indent="-171450">
-              <a:buFontTx/>
-              <a:buChar char="-"/>
-            </a:pPr>
-            <a:r>
-              <a:rPr lang="ko-KR" altLang="en-US" sz="1000" dirty="0" smtClean="0">
-                <a:ln>
-                  <a:solidFill>
-                    <a:schemeClr val="tx1">
-                      <a:alpha val="0"/>
-                    </a:schemeClr>
-                  </a:solidFill>
-                </a:ln>
-                <a:latin typeface="나눔바른고딕" panose="020B0603020101020101" pitchFamily="50" charset="-127"/>
-                <a:ea typeface="나눔바른고딕" panose="020B0603020101020101" pitchFamily="50" charset="-127"/>
-              </a:rPr>
-              <a:t>동영상강의활용 </a:t>
-            </a:r>
-            <a:r>
-              <a:rPr lang="en-US" altLang="ko-KR" sz="1000" dirty="0" smtClean="0">
-                <a:ln>
-                  <a:solidFill>
-                    <a:schemeClr val="tx1">
-                      <a:alpha val="0"/>
-                    </a:schemeClr>
-                  </a:solidFill>
-                </a:ln>
-                <a:latin typeface="나눔바른고딕" panose="020B0603020101020101" pitchFamily="50" charset="-127"/>
-                <a:ea typeface="나눔바른고딕" panose="020B0603020101020101" pitchFamily="50" charset="-127"/>
-              </a:rPr>
-              <a:t>: 2</a:t>
-            </a:r>
-          </a:p>
-          <a:p>
-            <a:pPr marL="171450" indent="-171450">
-              <a:buFontTx/>
-              <a:buChar char="-"/>
-            </a:pPr>
-            <a:endParaRPr lang="en-US" altLang="ko-KR" sz="1000" dirty="0" smtClean="0">
-              <a:ln>
-                <a:solidFill>
-                  <a:schemeClr val="tx1">
-                    <a:alpha val="0"/>
-                  </a:schemeClr>
-                </a:solidFill>
-              </a:ln>
-              <a:latin typeface="나눔바른고딕" panose="020B0603020101020101" pitchFamily="50" charset="-127"/>
-              <a:ea typeface="나눔바른고딕" panose="020B0603020101020101" pitchFamily="50" charset="-127"/>
-            </a:endParaRPr>
+              <a:rPr lang="ko-KR" altLang="en-US" sz="1200" b="1" dirty="0" err="1" smtClean="0">
+                <a:ln>
+                  <a:solidFill>
+                    <a:schemeClr val="tx1">
+                      <a:alpha val="0"/>
+                    </a:schemeClr>
+                  </a:solidFill>
+                </a:ln>
+                <a:latin typeface="나눔바른고딕" panose="020B0603020101020101" pitchFamily="50" charset="-127"/>
+                <a:ea typeface="나눔바른고딕" panose="020B0603020101020101" pitchFamily="50" charset="-127"/>
+              </a:rPr>
+              <a:t>네아로</a:t>
+            </a:r>
+            <a:r>
+              <a:rPr lang="ko-KR" altLang="en-US" sz="1200" b="1" dirty="0" smtClean="0">
+                <a:ln>
+                  <a:solidFill>
+                    <a:schemeClr val="tx1">
+                      <a:alpha val="0"/>
+                    </a:schemeClr>
+                  </a:solidFill>
+                </a:ln>
+                <a:latin typeface="나눔바른고딕" panose="020B0603020101020101" pitchFamily="50" charset="-127"/>
+                <a:ea typeface="나눔바른고딕" panose="020B0603020101020101" pitchFamily="50" charset="-127"/>
+              </a:rPr>
+              <a:t> </a:t>
+            </a:r>
+            <a:r>
+              <a:rPr lang="en-US" altLang="ko-KR" sz="1200" b="1" dirty="0" smtClean="0">
+                <a:ln>
+                  <a:solidFill>
+                    <a:schemeClr val="tx1">
+                      <a:alpha val="0"/>
+                    </a:schemeClr>
+                  </a:solidFill>
+                </a:ln>
+                <a:latin typeface="나눔바른고딕" panose="020B0603020101020101" pitchFamily="50" charset="-127"/>
+                <a:ea typeface="나눔바른고딕" panose="020B0603020101020101" pitchFamily="50" charset="-127"/>
+              </a:rPr>
+              <a:t>+ </a:t>
+            </a:r>
+            <a:r>
+              <a:rPr lang="ko-KR" altLang="en-US" sz="1200" b="1" dirty="0" smtClean="0">
+                <a:ln>
+                  <a:solidFill>
+                    <a:schemeClr val="tx1">
+                      <a:alpha val="0"/>
+                    </a:schemeClr>
+                  </a:solidFill>
+                </a:ln>
+                <a:latin typeface="나눔바른고딕" panose="020B0603020101020101" pitchFamily="50" charset="-127"/>
+                <a:ea typeface="나눔바른고딕" panose="020B0603020101020101" pitchFamily="50" charset="-127"/>
+              </a:rPr>
+              <a:t>번거로운 인증 문제 </a:t>
+            </a:r>
+            <a:endParaRPr lang="ko-KR" altLang="en-US" sz="1200" b="1" dirty="0"/>
+          </a:p>
+        </p:txBody>
+      </p:sp>
+      <p:sp>
+        <p:nvSpPr>
+          <p:cNvPr id="15" name="직사각형 14"/>
+          <p:cNvSpPr/>
+          <p:nvPr/>
+        </p:nvSpPr>
+        <p:spPr>
+          <a:xfrm>
+            <a:off x="5226882" y="4627188"/>
+            <a:ext cx="2326278" cy="276999"/>
+          </a:xfrm>
+          <a:prstGeom prst="rect">
+            <a:avLst/>
+          </a:prstGeom>
+        </p:spPr>
+        <p:txBody>
+          <a:bodyPr wrap="none">
+            <a:spAutoFit/>
+          </a:bodyPr>
+          <a:lstStyle/>
+          <a:p>
+            <a:r>
+              <a:rPr lang="ko-KR" altLang="en-US" sz="1200" b="1" dirty="0" err="1" smtClean="0"/>
+              <a:t>체험권</a:t>
+            </a:r>
+            <a:r>
+              <a:rPr lang="ko-KR" altLang="en-US" sz="1200" b="1" dirty="0" smtClean="0"/>
+              <a:t> 신청 페이지에 대한 장벽</a:t>
+            </a:r>
+            <a:endParaRPr lang="ko-KR" altLang="en-US" sz="1200" b="1" dirty="0"/>
           </a:p>
         </p:txBody>
       </p:sp>
@@ -16382,6 +16902,2286 @@
           <a:chExt cx="0" cy="0"/>
         </a:xfrm>
       </p:grpSpPr>
+      <p:sp>
+        <p:nvSpPr>
+          <p:cNvPr id="2" name="직사각형 1"/>
+          <p:cNvSpPr/>
+          <p:nvPr/>
+        </p:nvSpPr>
+        <p:spPr>
+          <a:xfrm>
+            <a:off x="1202649" y="2754719"/>
+            <a:ext cx="6765694" cy="646331"/>
+          </a:xfrm>
+          <a:prstGeom prst="rect">
+            <a:avLst/>
+          </a:prstGeom>
+        </p:spPr>
+        <p:txBody>
+          <a:bodyPr wrap="square">
+            <a:spAutoFit/>
+          </a:bodyPr>
+          <a:lstStyle/>
+          <a:p>
+            <a:pPr algn="ctr"/>
+            <a:r>
+              <a:rPr lang="ko-KR" altLang="en-US" sz="3600" b="1" dirty="0" smtClean="0">
+                <a:ln>
+                  <a:solidFill>
+                    <a:schemeClr val="tx1">
+                      <a:alpha val="0"/>
+                    </a:schemeClr>
+                  </a:solidFill>
+                </a:ln>
+                <a:latin typeface="나눔바른고딕" panose="020B0603020101020101" pitchFamily="50" charset="-127"/>
+                <a:ea typeface="나눔바른고딕" panose="020B0603020101020101" pitchFamily="50" charset="-127"/>
+              </a:rPr>
+              <a:t>문제 및 가설</a:t>
+            </a:r>
+            <a:endParaRPr lang="en-US" altLang="ko-KR" sz="3600" b="1" dirty="0" smtClean="0">
+              <a:ln>
+                <a:solidFill>
+                  <a:schemeClr val="tx1">
+                    <a:alpha val="0"/>
+                  </a:schemeClr>
+                </a:solidFill>
+              </a:ln>
+              <a:latin typeface="나눔바른고딕" panose="020B0603020101020101" pitchFamily="50" charset="-127"/>
+              <a:ea typeface="나눔바른고딕" panose="020B0603020101020101" pitchFamily="50" charset="-127"/>
+            </a:endParaRPr>
+          </a:p>
+        </p:txBody>
+      </p:sp>
+    </p:spTree>
+    <p:extLst>
+      <p:ext uri="{BB962C8B-B14F-4D97-AF65-F5344CB8AC3E}">
+        <p14:creationId xmlns:p14="http://schemas.microsoft.com/office/powerpoint/2010/main" val="2075490242"/>
+      </p:ext>
+    </p:extLst>
+  </p:cSld>
+  <p:clrMapOvr>
+    <a:masterClrMapping/>
+  </p:clrMapOvr>
+</p:sld>
+</file>
+
+<file path=ppt/slides/slide19.xml><?xml version="1.0" encoding="utf-8"?>
+<p:sld xmlns:a="http://schemas.openxmlformats.org/drawingml/2006/main" xmlns:r="http://schemas.openxmlformats.org/officeDocument/2006/relationships" xmlns:p="http://schemas.openxmlformats.org/presentationml/2006/main">
+  <p:cSld>
+    <p:spTree>
+      <p:nvGrpSpPr>
+        <p:cNvPr id="1" name=""/>
+        <p:cNvGrpSpPr/>
+        <p:nvPr/>
+      </p:nvGrpSpPr>
+      <p:grpSpPr>
+        <a:xfrm>
+          <a:off x="0" y="0"/>
+          <a:ext cx="0" cy="0"/>
+          <a:chOff x="0" y="0"/>
+          <a:chExt cx="0" cy="0"/>
+        </a:xfrm>
+      </p:grpSpPr>
+      <p:pic>
+        <p:nvPicPr>
+          <p:cNvPr id="4" name="그림 3"/>
+          <p:cNvPicPr>
+            <a:picLocks noChangeAspect="1"/>
+          </p:cNvPicPr>
+          <p:nvPr/>
+        </p:nvPicPr>
+        <p:blipFill>
+          <a:blip r:embed="rId2"/>
+          <a:stretch>
+            <a:fillRect/>
+          </a:stretch>
+        </p:blipFill>
+        <p:spPr>
+          <a:xfrm>
+            <a:off x="995950" y="566981"/>
+            <a:ext cx="6288616" cy="4860228"/>
+          </a:xfrm>
+          <a:prstGeom prst="rect">
+            <a:avLst/>
+          </a:prstGeom>
+        </p:spPr>
+      </p:pic>
+      <p:sp>
+        <p:nvSpPr>
+          <p:cNvPr id="6" name="직사각형 5"/>
+          <p:cNvSpPr/>
+          <p:nvPr/>
+        </p:nvSpPr>
+        <p:spPr>
+          <a:xfrm>
+            <a:off x="3837420" y="401870"/>
+            <a:ext cx="5166799" cy="261610"/>
+          </a:xfrm>
+          <a:prstGeom prst="rect">
+            <a:avLst/>
+          </a:prstGeom>
+          <a:solidFill>
+            <a:schemeClr val="accent4">
+              <a:lumMod val="40000"/>
+              <a:lumOff val="60000"/>
+            </a:schemeClr>
+          </a:solidFill>
+        </p:spPr>
+        <p:txBody>
+          <a:bodyPr wrap="none">
+            <a:spAutoFit/>
+          </a:bodyPr>
+          <a:lstStyle/>
+          <a:p>
+            <a:pPr algn="r"/>
+            <a:r>
+              <a:rPr lang="ko-KR" altLang="en-US" sz="1100" b="1" dirty="0" smtClean="0">
+                <a:ln>
+                  <a:solidFill>
+                    <a:schemeClr val="tx1">
+                      <a:alpha val="0"/>
+                    </a:schemeClr>
+                  </a:solidFill>
+                </a:ln>
+                <a:latin typeface="나눔바른고딕" panose="020B0603020101020101" pitchFamily="50" charset="-127"/>
+                <a:ea typeface="나눔바른고딕" panose="020B0603020101020101" pitchFamily="50" charset="-127"/>
+              </a:rPr>
+              <a:t>가설 </a:t>
+            </a:r>
+            <a:r>
+              <a:rPr lang="en-US" altLang="ko-KR" sz="1100" b="1" dirty="0" smtClean="0">
+                <a:ln>
+                  <a:solidFill>
+                    <a:schemeClr val="tx1">
+                      <a:alpha val="0"/>
+                    </a:schemeClr>
+                  </a:solidFill>
+                </a:ln>
+                <a:latin typeface="나눔바른고딕" panose="020B0603020101020101" pitchFamily="50" charset="-127"/>
+                <a:ea typeface="나눔바른고딕" panose="020B0603020101020101" pitchFamily="50" charset="-127"/>
+              </a:rPr>
+              <a:t>: ‘</a:t>
+            </a:r>
+            <a:r>
+              <a:rPr lang="ko-KR" altLang="en-US" sz="1100" b="1" dirty="0" smtClean="0">
+                <a:ln>
+                  <a:solidFill>
+                    <a:schemeClr val="tx1">
+                      <a:alpha val="0"/>
+                    </a:schemeClr>
+                  </a:solidFill>
+                </a:ln>
+                <a:latin typeface="나눔바른고딕" panose="020B0603020101020101" pitchFamily="50" charset="-127"/>
+                <a:ea typeface="나눔바른고딕" panose="020B0603020101020101" pitchFamily="50" charset="-127"/>
+              </a:rPr>
+              <a:t>동영상강의 활용방법 페이지가 없으면 아래 페이지까지 적극적으로 탐색 될 것이다</a:t>
+            </a:r>
+            <a:r>
+              <a:rPr lang="en-US" altLang="ko-KR" sz="1100" b="1" dirty="0" smtClean="0">
+                <a:ln>
+                  <a:solidFill>
+                    <a:schemeClr val="tx1">
+                      <a:alpha val="0"/>
+                    </a:schemeClr>
+                  </a:solidFill>
+                </a:ln>
+                <a:latin typeface="나눔바른고딕" panose="020B0603020101020101" pitchFamily="50" charset="-127"/>
+                <a:ea typeface="나눔바른고딕" panose="020B0603020101020101" pitchFamily="50" charset="-127"/>
+              </a:rPr>
+              <a:t>’</a:t>
+            </a:r>
+            <a:endParaRPr lang="en-US" altLang="ko-KR" sz="1100" b="1" dirty="0">
+              <a:ln>
+                <a:solidFill>
+                  <a:schemeClr val="tx1">
+                    <a:alpha val="0"/>
+                  </a:schemeClr>
+                </a:solidFill>
+              </a:ln>
+              <a:latin typeface="나눔바른고딕" panose="020B0603020101020101" pitchFamily="50" charset="-127"/>
+              <a:ea typeface="나눔바른고딕" panose="020B0603020101020101" pitchFamily="50" charset="-127"/>
+            </a:endParaRPr>
+          </a:p>
+        </p:txBody>
+      </p:sp>
+      <p:sp>
+        <p:nvSpPr>
+          <p:cNvPr id="2" name="직사각형 1"/>
+          <p:cNvSpPr/>
+          <p:nvPr/>
+        </p:nvSpPr>
+        <p:spPr>
+          <a:xfrm>
+            <a:off x="136868" y="98606"/>
+            <a:ext cx="4572000" cy="253916"/>
+          </a:xfrm>
+          <a:prstGeom prst="rect">
+            <a:avLst/>
+          </a:prstGeom>
+        </p:spPr>
+        <p:txBody>
+          <a:bodyPr>
+            <a:spAutoFit/>
+          </a:bodyPr>
+          <a:lstStyle/>
+          <a:p>
+            <a:r>
+              <a:rPr lang="ko-KR" altLang="en-US" sz="1050" dirty="0" smtClean="0">
+                <a:ln>
+                  <a:solidFill>
+                    <a:schemeClr val="tx1">
+                      <a:alpha val="0"/>
+                    </a:schemeClr>
+                  </a:solidFill>
+                </a:ln>
+                <a:latin typeface="나눔바른고딕" panose="020B0603020101020101" pitchFamily="50" charset="-127"/>
+                <a:ea typeface="나눔바른고딕" panose="020B0603020101020101" pitchFamily="50" charset="-127"/>
+              </a:rPr>
+              <a:t>동영상강의 활용방법 페이지에서의 </a:t>
+            </a:r>
+            <a:r>
+              <a:rPr lang="ko-KR" altLang="en-US" sz="1050" b="1" dirty="0" smtClean="0">
+                <a:ln>
+                  <a:solidFill>
+                    <a:schemeClr val="tx1">
+                      <a:alpha val="0"/>
+                    </a:schemeClr>
+                  </a:solidFill>
+                </a:ln>
+                <a:latin typeface="나눔바른고딕" panose="020B0603020101020101" pitchFamily="50" charset="-127"/>
+                <a:ea typeface="나눔바른고딕" panose="020B0603020101020101" pitchFamily="50" charset="-127"/>
+              </a:rPr>
+              <a:t>이탈  </a:t>
+            </a:r>
+            <a:r>
+              <a:rPr lang="en-US" altLang="ko-KR" sz="1050" b="1" dirty="0" smtClean="0">
+                <a:ln>
+                  <a:solidFill>
+                    <a:schemeClr val="tx1">
+                      <a:alpha val="0"/>
+                    </a:schemeClr>
+                  </a:solidFill>
+                </a:ln>
+                <a:latin typeface="나눔바른고딕" panose="020B0603020101020101" pitchFamily="50" charset="-127"/>
+                <a:ea typeface="나눔바른고딕" panose="020B0603020101020101" pitchFamily="50" charset="-127"/>
+              </a:rPr>
+              <a:t>A/B TEST</a:t>
+            </a:r>
+            <a:endParaRPr lang="ko-KR" altLang="en-US" sz="1050" b="1" dirty="0">
+              <a:ln>
+                <a:solidFill>
+                  <a:schemeClr val="tx1">
+                    <a:alpha val="0"/>
+                  </a:schemeClr>
+                </a:solidFill>
+              </a:ln>
+              <a:latin typeface="나눔바른고딕" panose="020B0603020101020101" pitchFamily="50" charset="-127"/>
+              <a:ea typeface="나눔바른고딕" panose="020B0603020101020101" pitchFamily="50" charset="-127"/>
+            </a:endParaRPr>
+          </a:p>
+        </p:txBody>
+      </p:sp>
+      <p:cxnSp>
+        <p:nvCxnSpPr>
+          <p:cNvPr id="3" name="직선 연결선 2"/>
+          <p:cNvCxnSpPr/>
+          <p:nvPr/>
+        </p:nvCxnSpPr>
+        <p:spPr>
+          <a:xfrm>
+            <a:off x="136868" y="401870"/>
+            <a:ext cx="8867351" cy="0"/>
+          </a:xfrm>
+          <a:prstGeom prst="line">
+            <a:avLst/>
+          </a:prstGeom>
+          <a:ln>
+            <a:solidFill>
+              <a:schemeClr val="tx1"/>
+            </a:solidFill>
+          </a:ln>
+        </p:spPr>
+        <p:style>
+          <a:lnRef idx="1">
+            <a:schemeClr val="accent1"/>
+          </a:lnRef>
+          <a:fillRef idx="0">
+            <a:schemeClr val="accent1"/>
+          </a:fillRef>
+          <a:effectRef idx="0">
+            <a:schemeClr val="accent1"/>
+          </a:effectRef>
+          <a:fontRef idx="minor">
+            <a:schemeClr val="tx1"/>
+          </a:fontRef>
+        </p:style>
+      </p:cxnSp>
+      <p:sp>
+        <p:nvSpPr>
+          <p:cNvPr id="5" name="직사각형 4"/>
+          <p:cNvSpPr/>
+          <p:nvPr/>
+        </p:nvSpPr>
+        <p:spPr>
+          <a:xfrm>
+            <a:off x="995950" y="5666812"/>
+            <a:ext cx="4716356" cy="253916"/>
+          </a:xfrm>
+          <a:prstGeom prst="rect">
+            <a:avLst/>
+          </a:prstGeom>
+        </p:spPr>
+        <p:txBody>
+          <a:bodyPr wrap="none">
+            <a:spAutoFit/>
+          </a:bodyPr>
+          <a:lstStyle/>
+          <a:p>
+            <a:r>
+              <a:rPr lang="ko-KR" altLang="en-US" sz="1050" dirty="0" smtClean="0">
+                <a:ln>
+                  <a:solidFill>
+                    <a:schemeClr val="tx1">
+                      <a:alpha val="0"/>
+                    </a:schemeClr>
+                  </a:solidFill>
+                </a:ln>
+                <a:latin typeface="나눔바른고딕" panose="020B0603020101020101" pitchFamily="50" charset="-127"/>
+                <a:ea typeface="나눔바른고딕" panose="020B0603020101020101" pitchFamily="50" charset="-127"/>
+              </a:rPr>
+              <a:t>유입이 적기 때문에 최소 </a:t>
+            </a:r>
+            <a:r>
+              <a:rPr lang="en-US" altLang="ko-KR" sz="1050" dirty="0" smtClean="0">
+                <a:ln>
+                  <a:solidFill>
+                    <a:schemeClr val="tx1">
+                      <a:alpha val="0"/>
+                    </a:schemeClr>
+                  </a:solidFill>
+                </a:ln>
+                <a:latin typeface="나눔바른고딕" panose="020B0603020101020101" pitchFamily="50" charset="-127"/>
+                <a:ea typeface="나눔바른고딕" panose="020B0603020101020101" pitchFamily="50" charset="-127"/>
+              </a:rPr>
+              <a:t>3</a:t>
+            </a:r>
+            <a:r>
+              <a:rPr lang="ko-KR" altLang="en-US" sz="1050" dirty="0" smtClean="0">
+                <a:ln>
+                  <a:solidFill>
+                    <a:schemeClr val="tx1">
+                      <a:alpha val="0"/>
+                    </a:schemeClr>
+                  </a:solidFill>
+                </a:ln>
+                <a:latin typeface="나눔바른고딕" panose="020B0603020101020101" pitchFamily="50" charset="-127"/>
+                <a:ea typeface="나눔바른고딕" panose="020B0603020101020101" pitchFamily="50" charset="-127"/>
+              </a:rPr>
+              <a:t>주는 수집해봐야 유의미한 결과를 얻을 수 있을 것 같습니다</a:t>
+            </a:r>
+            <a:endParaRPr lang="en-US" altLang="ko-KR" sz="1050" dirty="0">
+              <a:ln>
+                <a:solidFill>
+                  <a:schemeClr val="tx1">
+                    <a:alpha val="0"/>
+                  </a:schemeClr>
+                </a:solidFill>
+              </a:ln>
+              <a:latin typeface="나눔바른고딕" panose="020B0603020101020101" pitchFamily="50" charset="-127"/>
+              <a:ea typeface="나눔바른고딕" panose="020B0603020101020101" pitchFamily="50" charset="-127"/>
+            </a:endParaRPr>
+          </a:p>
+        </p:txBody>
+      </p:sp>
+    </p:spTree>
+    <p:extLst>
+      <p:ext uri="{BB962C8B-B14F-4D97-AF65-F5344CB8AC3E}">
+        <p14:creationId xmlns:p14="http://schemas.microsoft.com/office/powerpoint/2010/main" val="2406315758"/>
+      </p:ext>
+    </p:extLst>
+  </p:cSld>
+  <p:clrMapOvr>
+    <a:masterClrMapping/>
+  </p:clrMapOvr>
+</p:sld>
+</file>
+
+<file path=ppt/slides/slide2.xml><?xml version="1.0" encoding="utf-8"?>
+<p:sld xmlns:a="http://schemas.openxmlformats.org/drawingml/2006/main" xmlns:r="http://schemas.openxmlformats.org/officeDocument/2006/relationships" xmlns:p="http://schemas.openxmlformats.org/presentationml/2006/main">
+  <p:cSld>
+    <p:spTree>
+      <p:nvGrpSpPr>
+        <p:cNvPr id="1" name=""/>
+        <p:cNvGrpSpPr/>
+        <p:nvPr/>
+      </p:nvGrpSpPr>
+      <p:grpSpPr>
+        <a:xfrm>
+          <a:off x="0" y="0"/>
+          <a:ext cx="0" cy="0"/>
+          <a:chOff x="0" y="0"/>
+          <a:chExt cx="0" cy="0"/>
+        </a:xfrm>
+      </p:grpSpPr>
+      <p:pic>
+        <p:nvPicPr>
+          <p:cNvPr id="2" name="그림 1"/>
+          <p:cNvPicPr>
+            <a:picLocks noChangeAspect="1"/>
+          </p:cNvPicPr>
+          <p:nvPr/>
+        </p:nvPicPr>
+        <p:blipFill>
+          <a:blip r:embed="rId2"/>
+          <a:stretch>
+            <a:fillRect/>
+          </a:stretch>
+        </p:blipFill>
+        <p:spPr>
+          <a:xfrm>
+            <a:off x="772909" y="1154340"/>
+            <a:ext cx="7871917" cy="2952579"/>
+          </a:xfrm>
+          <a:prstGeom prst="rect">
+            <a:avLst/>
+          </a:prstGeom>
+        </p:spPr>
+      </p:pic>
+      <p:sp>
+        <p:nvSpPr>
+          <p:cNvPr id="3" name="직사각형 2"/>
+          <p:cNvSpPr/>
+          <p:nvPr/>
+        </p:nvSpPr>
+        <p:spPr>
+          <a:xfrm>
+            <a:off x="136868" y="98606"/>
+            <a:ext cx="4572000" cy="253916"/>
+          </a:xfrm>
+          <a:prstGeom prst="rect">
+            <a:avLst/>
+          </a:prstGeom>
+        </p:spPr>
+        <p:txBody>
+          <a:bodyPr>
+            <a:spAutoFit/>
+          </a:bodyPr>
+          <a:lstStyle/>
+          <a:p>
+            <a:r>
+              <a:rPr lang="en-US" altLang="ko-KR" sz="1050" dirty="0" smtClean="0">
+                <a:ln>
+                  <a:solidFill>
+                    <a:schemeClr val="tx1">
+                      <a:alpha val="0"/>
+                    </a:schemeClr>
+                  </a:solidFill>
+                </a:ln>
+                <a:latin typeface="나눔바른고딕" panose="020B0603020101020101" pitchFamily="50" charset="-127"/>
+                <a:ea typeface="나눔바른고딕" panose="020B0603020101020101" pitchFamily="50" charset="-127"/>
+              </a:rPr>
+              <a:t>GA &gt; </a:t>
+            </a:r>
+            <a:r>
+              <a:rPr lang="ko-KR" altLang="en-US" sz="1050" dirty="0" smtClean="0">
+                <a:ln>
+                  <a:solidFill>
+                    <a:schemeClr val="tx1">
+                      <a:alpha val="0"/>
+                    </a:schemeClr>
+                  </a:solidFill>
+                </a:ln>
+                <a:latin typeface="나눔바른고딕" panose="020B0603020101020101" pitchFamily="50" charset="-127"/>
+                <a:ea typeface="나눔바른고딕" panose="020B0603020101020101" pitchFamily="50" charset="-127"/>
+              </a:rPr>
+              <a:t>잠재고객 </a:t>
+            </a:r>
+            <a:r>
+              <a:rPr lang="en-US" altLang="ko-KR" sz="1050" dirty="0" smtClean="0">
+                <a:ln>
+                  <a:solidFill>
+                    <a:schemeClr val="tx1">
+                      <a:alpha val="0"/>
+                    </a:schemeClr>
+                  </a:solidFill>
+                </a:ln>
+                <a:latin typeface="나눔바른고딕" panose="020B0603020101020101" pitchFamily="50" charset="-127"/>
+                <a:ea typeface="나눔바른고딕" panose="020B0603020101020101" pitchFamily="50" charset="-127"/>
+              </a:rPr>
+              <a:t>&gt; </a:t>
+            </a:r>
+            <a:r>
+              <a:rPr lang="ko-KR" altLang="en-US" sz="1050" dirty="0" smtClean="0">
+                <a:ln>
+                  <a:solidFill>
+                    <a:schemeClr val="tx1">
+                      <a:alpha val="0"/>
+                    </a:schemeClr>
+                  </a:solidFill>
+                </a:ln>
+                <a:latin typeface="나눔바른고딕" panose="020B0603020101020101" pitchFamily="50" charset="-127"/>
+                <a:ea typeface="나눔바른고딕" panose="020B0603020101020101" pitchFamily="50" charset="-127"/>
+              </a:rPr>
+              <a:t>개요</a:t>
+            </a:r>
+            <a:endParaRPr lang="ko-KR" altLang="en-US" sz="1050" b="1" dirty="0">
+              <a:ln>
+                <a:solidFill>
+                  <a:schemeClr val="tx1">
+                    <a:alpha val="0"/>
+                  </a:schemeClr>
+                </a:solidFill>
+              </a:ln>
+              <a:latin typeface="나눔바른고딕" panose="020B0603020101020101" pitchFamily="50" charset="-127"/>
+              <a:ea typeface="나눔바른고딕" panose="020B0603020101020101" pitchFamily="50" charset="-127"/>
+            </a:endParaRPr>
+          </a:p>
+        </p:txBody>
+      </p:sp>
+      <p:sp>
+        <p:nvSpPr>
+          <p:cNvPr id="4" name="직사각형 3"/>
+          <p:cNvSpPr/>
+          <p:nvPr/>
+        </p:nvSpPr>
+        <p:spPr>
+          <a:xfrm>
+            <a:off x="142691" y="415035"/>
+            <a:ext cx="3899305" cy="215444"/>
+          </a:xfrm>
+          <a:prstGeom prst="rect">
+            <a:avLst/>
+          </a:prstGeom>
+        </p:spPr>
+        <p:txBody>
+          <a:bodyPr wrap="square">
+            <a:spAutoFit/>
+          </a:bodyPr>
+          <a:lstStyle/>
+          <a:p>
+            <a:r>
+              <a:rPr lang="ko-KR" altLang="en-US" sz="800" dirty="0" smtClean="0">
+                <a:ln>
+                  <a:solidFill>
+                    <a:schemeClr val="tx1">
+                      <a:alpha val="0"/>
+                    </a:schemeClr>
+                  </a:solidFill>
+                </a:ln>
+                <a:solidFill>
+                  <a:schemeClr val="tx1">
+                    <a:lumMod val="65000"/>
+                    <a:lumOff val="35000"/>
+                  </a:schemeClr>
+                </a:solidFill>
+                <a:latin typeface="나눔바른고딕" panose="020B0603020101020101" pitchFamily="50" charset="-127"/>
+                <a:ea typeface="나눔바른고딕" panose="020B0603020101020101" pitchFamily="50" charset="-127"/>
+              </a:rPr>
+              <a:t>유의 </a:t>
+            </a:r>
+            <a:r>
+              <a:rPr lang="en-US" altLang="ko-KR" sz="800" dirty="0" smtClean="0">
+                <a:ln>
+                  <a:solidFill>
+                    <a:schemeClr val="tx1">
+                      <a:alpha val="0"/>
+                    </a:schemeClr>
+                  </a:solidFill>
+                </a:ln>
+                <a:solidFill>
+                  <a:schemeClr val="tx1">
+                    <a:lumMod val="65000"/>
+                    <a:lumOff val="35000"/>
+                  </a:schemeClr>
+                </a:solidFill>
+                <a:latin typeface="나눔바른고딕" panose="020B0603020101020101" pitchFamily="50" charset="-127"/>
+                <a:ea typeface="나눔바른고딕" panose="020B0603020101020101" pitchFamily="50" charset="-127"/>
+              </a:rPr>
+              <a:t>: </a:t>
+            </a:r>
+            <a:r>
+              <a:rPr lang="ko-KR" altLang="en-US" sz="800" dirty="0" smtClean="0">
+                <a:ln>
+                  <a:solidFill>
+                    <a:schemeClr val="tx1">
+                      <a:alpha val="0"/>
+                    </a:schemeClr>
+                  </a:solidFill>
+                </a:ln>
+                <a:solidFill>
+                  <a:schemeClr val="tx1">
+                    <a:lumMod val="65000"/>
+                    <a:lumOff val="35000"/>
+                  </a:schemeClr>
+                </a:solidFill>
+                <a:latin typeface="나눔바른고딕" panose="020B0603020101020101" pitchFamily="50" charset="-127"/>
+                <a:ea typeface="나눔바른고딕" panose="020B0603020101020101" pitchFamily="50" charset="-127"/>
+              </a:rPr>
+              <a:t>쿠키를 삭제한 직원</a:t>
+            </a:r>
+            <a:r>
+              <a:rPr lang="en-US" altLang="ko-KR" sz="800" dirty="0" smtClean="0">
+                <a:ln>
+                  <a:solidFill>
+                    <a:schemeClr val="tx1">
+                      <a:alpha val="0"/>
+                    </a:schemeClr>
+                  </a:solidFill>
+                </a:ln>
+                <a:solidFill>
+                  <a:schemeClr val="tx1">
+                    <a:lumMod val="65000"/>
+                    <a:lumOff val="35000"/>
+                  </a:schemeClr>
+                </a:solidFill>
+                <a:latin typeface="나눔바른고딕" panose="020B0603020101020101" pitchFamily="50" charset="-127"/>
+                <a:ea typeface="나눔바른고딕" panose="020B0603020101020101" pitchFamily="50" charset="-127"/>
+              </a:rPr>
+              <a:t>, </a:t>
+            </a:r>
+            <a:r>
+              <a:rPr lang="ko-KR" altLang="en-US" sz="800" dirty="0" smtClean="0">
+                <a:ln>
+                  <a:solidFill>
+                    <a:schemeClr val="tx1">
+                      <a:alpha val="0"/>
+                    </a:schemeClr>
+                  </a:solidFill>
+                </a:ln>
+                <a:solidFill>
+                  <a:schemeClr val="tx1">
+                    <a:lumMod val="65000"/>
+                    <a:lumOff val="35000"/>
+                  </a:schemeClr>
+                </a:solidFill>
+                <a:latin typeface="나눔바른고딕" panose="020B0603020101020101" pitchFamily="50" charset="-127"/>
+                <a:ea typeface="나눔바른고딕" panose="020B0603020101020101" pitchFamily="50" charset="-127"/>
+              </a:rPr>
+              <a:t>학생의 경우도 신규 방문자로 기록 되기 때문에 포함된 수치입니다</a:t>
+            </a:r>
+            <a:endParaRPr lang="ko-KR" altLang="en-US" sz="800" dirty="0">
+              <a:ln>
+                <a:solidFill>
+                  <a:schemeClr val="tx1">
+                    <a:alpha val="0"/>
+                  </a:schemeClr>
+                </a:solidFill>
+              </a:ln>
+              <a:solidFill>
+                <a:schemeClr val="tx1">
+                  <a:lumMod val="65000"/>
+                  <a:lumOff val="35000"/>
+                </a:schemeClr>
+              </a:solidFill>
+              <a:latin typeface="나눔바른고딕" panose="020B0603020101020101" pitchFamily="50" charset="-127"/>
+              <a:ea typeface="나눔바른고딕" panose="020B0603020101020101" pitchFamily="50" charset="-127"/>
+            </a:endParaRPr>
+          </a:p>
+        </p:txBody>
+      </p:sp>
+      <p:cxnSp>
+        <p:nvCxnSpPr>
+          <p:cNvPr id="5" name="직선 연결선 4"/>
+          <p:cNvCxnSpPr/>
+          <p:nvPr/>
+        </p:nvCxnSpPr>
+        <p:spPr>
+          <a:xfrm>
+            <a:off x="136868" y="401870"/>
+            <a:ext cx="8867351" cy="0"/>
+          </a:xfrm>
+          <a:prstGeom prst="line">
+            <a:avLst/>
+          </a:prstGeom>
+          <a:ln>
+            <a:solidFill>
+              <a:schemeClr val="tx1"/>
+            </a:solidFill>
+          </a:ln>
+        </p:spPr>
+        <p:style>
+          <a:lnRef idx="1">
+            <a:schemeClr val="accent1"/>
+          </a:lnRef>
+          <a:fillRef idx="0">
+            <a:schemeClr val="accent1"/>
+          </a:fillRef>
+          <a:effectRef idx="0">
+            <a:schemeClr val="accent1"/>
+          </a:effectRef>
+          <a:fontRef idx="minor">
+            <a:schemeClr val="tx1"/>
+          </a:fontRef>
+        </p:style>
+      </p:cxnSp>
+      <p:sp>
+        <p:nvSpPr>
+          <p:cNvPr id="6" name="직사각형 5"/>
+          <p:cNvSpPr/>
+          <p:nvPr/>
+        </p:nvSpPr>
+        <p:spPr>
+          <a:xfrm>
+            <a:off x="6838241" y="414873"/>
+            <a:ext cx="2165978" cy="261610"/>
+          </a:xfrm>
+          <a:prstGeom prst="rect">
+            <a:avLst/>
+          </a:prstGeom>
+          <a:solidFill>
+            <a:schemeClr val="accent4">
+              <a:lumMod val="40000"/>
+              <a:lumOff val="60000"/>
+            </a:schemeClr>
+          </a:solidFill>
+        </p:spPr>
+        <p:txBody>
+          <a:bodyPr wrap="none">
+            <a:spAutoFit/>
+          </a:bodyPr>
+          <a:lstStyle/>
+          <a:p>
+            <a:pPr algn="r"/>
+            <a:r>
+              <a:rPr lang="ko-KR" altLang="en-US" sz="1100" dirty="0">
+                <a:ln>
+                  <a:solidFill>
+                    <a:schemeClr val="tx1">
+                      <a:alpha val="0"/>
+                    </a:schemeClr>
+                  </a:solidFill>
+                </a:ln>
+                <a:latin typeface="나눔바른고딕" panose="020B0603020101020101" pitchFamily="50" charset="-127"/>
+                <a:ea typeface="나눔바른고딕" panose="020B0603020101020101" pitchFamily="50" charset="-127"/>
+              </a:rPr>
+              <a:t>현재 일 평균 신규 방문자 </a:t>
+            </a:r>
+            <a:r>
+              <a:rPr lang="en-US" altLang="ko-KR" sz="1100" dirty="0">
+                <a:ln>
+                  <a:solidFill>
+                    <a:schemeClr val="tx1">
+                      <a:alpha val="0"/>
+                    </a:schemeClr>
+                  </a:solidFill>
+                </a:ln>
+                <a:latin typeface="나눔바른고딕" panose="020B0603020101020101" pitchFamily="50" charset="-127"/>
+                <a:ea typeface="나눔바른고딕" panose="020B0603020101020101" pitchFamily="50" charset="-127"/>
+              </a:rPr>
+              <a:t>45</a:t>
+            </a:r>
+            <a:r>
+              <a:rPr lang="ko-KR" altLang="en-US" sz="1100" dirty="0" smtClean="0">
+                <a:ln>
+                  <a:solidFill>
+                    <a:schemeClr val="tx1">
+                      <a:alpha val="0"/>
+                    </a:schemeClr>
+                  </a:solidFill>
+                </a:ln>
+                <a:latin typeface="나눔바른고딕" panose="020B0603020101020101" pitchFamily="50" charset="-127"/>
+                <a:ea typeface="나눔바른고딕" panose="020B0603020101020101" pitchFamily="50" charset="-127"/>
+              </a:rPr>
+              <a:t>명 추정</a:t>
+            </a:r>
+            <a:endParaRPr lang="ko-KR" altLang="en-US" sz="1100" dirty="0"/>
+          </a:p>
+        </p:txBody>
+      </p:sp>
+      <p:sp>
+        <p:nvSpPr>
+          <p:cNvPr id="7" name="직사각형 6"/>
+          <p:cNvSpPr/>
+          <p:nvPr/>
+        </p:nvSpPr>
+        <p:spPr>
+          <a:xfrm>
+            <a:off x="772909" y="4164189"/>
+            <a:ext cx="4715914" cy="1384995"/>
+          </a:xfrm>
+          <a:prstGeom prst="rect">
+            <a:avLst/>
+          </a:prstGeom>
+        </p:spPr>
+        <p:txBody>
+          <a:bodyPr wrap="square">
+            <a:spAutoFit/>
+          </a:bodyPr>
+          <a:lstStyle/>
+          <a:p>
+            <a:pPr marL="171450" indent="-171450">
+              <a:buFontTx/>
+              <a:buChar char="-"/>
+            </a:pPr>
+            <a:r>
+              <a:rPr lang="ko-KR" altLang="en-US" sz="1050" dirty="0" smtClean="0">
+                <a:ln>
+                  <a:solidFill>
+                    <a:schemeClr val="tx1">
+                      <a:alpha val="0"/>
+                    </a:schemeClr>
+                  </a:solidFill>
+                </a:ln>
+                <a:latin typeface="나눔바른고딕" panose="020B0603020101020101" pitchFamily="50" charset="-127"/>
+                <a:ea typeface="나눔바른고딕" panose="020B0603020101020101" pitchFamily="50" charset="-127"/>
+              </a:rPr>
+              <a:t>사용자마다 </a:t>
+            </a:r>
+            <a:r>
+              <a:rPr lang="en-US" altLang="ko-KR" sz="1050" dirty="0" smtClean="0">
+                <a:ln>
+                  <a:solidFill>
+                    <a:schemeClr val="tx1">
+                      <a:alpha val="0"/>
+                    </a:schemeClr>
+                  </a:solidFill>
+                </a:ln>
+                <a:latin typeface="나눔바른고딕" panose="020B0603020101020101" pitchFamily="50" charset="-127"/>
+                <a:ea typeface="나눔바른고딕" panose="020B0603020101020101" pitchFamily="50" charset="-127"/>
+              </a:rPr>
+              <a:t>30</a:t>
+            </a:r>
+            <a:r>
+              <a:rPr lang="ko-KR" altLang="en-US" sz="1050" dirty="0" smtClean="0">
+                <a:ln>
+                  <a:solidFill>
+                    <a:schemeClr val="tx1">
+                      <a:alpha val="0"/>
+                    </a:schemeClr>
+                  </a:solidFill>
+                </a:ln>
+                <a:latin typeface="나눔바른고딕" panose="020B0603020101020101" pitchFamily="50" charset="-127"/>
+                <a:ea typeface="나눔바른고딕" panose="020B0603020101020101" pitchFamily="50" charset="-127"/>
+              </a:rPr>
+              <a:t>분의 세션 시간이 있는데</a:t>
+            </a:r>
+            <a:r>
+              <a:rPr lang="en-US" altLang="ko-KR" sz="1050" dirty="0" smtClean="0">
+                <a:ln>
+                  <a:solidFill>
+                    <a:schemeClr val="tx1">
+                      <a:alpha val="0"/>
+                    </a:schemeClr>
+                  </a:solidFill>
+                </a:ln>
+                <a:latin typeface="나눔바른고딕" panose="020B0603020101020101" pitchFamily="50" charset="-127"/>
+                <a:ea typeface="나눔바른고딕" panose="020B0603020101020101" pitchFamily="50" charset="-127"/>
+              </a:rPr>
+              <a:t>, </a:t>
+            </a:r>
+            <a:r>
+              <a:rPr lang="ko-KR" altLang="en-US" sz="1050" dirty="0" smtClean="0">
+                <a:ln>
+                  <a:solidFill>
+                    <a:schemeClr val="tx1">
+                      <a:alpha val="0"/>
+                    </a:schemeClr>
+                  </a:solidFill>
+                </a:ln>
+                <a:latin typeface="나눔바른고딕" panose="020B0603020101020101" pitchFamily="50" charset="-127"/>
+                <a:ea typeface="나눔바른고딕" panose="020B0603020101020101" pitchFamily="50" charset="-127"/>
+              </a:rPr>
+              <a:t>이 것이 만료될 때 세션 수가 증가합니다</a:t>
+            </a:r>
+            <a:r>
+              <a:rPr lang="en-US" altLang="ko-KR" sz="1050" dirty="0" smtClean="0">
+                <a:ln>
+                  <a:solidFill>
+                    <a:schemeClr val="tx1">
+                      <a:alpha val="0"/>
+                    </a:schemeClr>
+                  </a:solidFill>
+                </a:ln>
+                <a:latin typeface="나눔바른고딕" panose="020B0603020101020101" pitchFamily="50" charset="-127"/>
+                <a:ea typeface="나눔바른고딕" panose="020B0603020101020101" pitchFamily="50" charset="-127"/>
+              </a:rPr>
+              <a:t>. </a:t>
+            </a:r>
+          </a:p>
+          <a:p>
+            <a:pPr marL="171450" indent="-171450">
+              <a:buFontTx/>
+              <a:buChar char="-"/>
+            </a:pPr>
+            <a:endParaRPr lang="en-US" altLang="ko-KR" sz="1050" dirty="0" smtClean="0">
+              <a:ln>
+                <a:solidFill>
+                  <a:schemeClr val="tx1">
+                    <a:alpha val="0"/>
+                  </a:schemeClr>
+                </a:solidFill>
+              </a:ln>
+              <a:latin typeface="나눔바른고딕" panose="020B0603020101020101" pitchFamily="50" charset="-127"/>
+              <a:ea typeface="나눔바른고딕" panose="020B0603020101020101" pitchFamily="50" charset="-127"/>
+            </a:endParaRPr>
+          </a:p>
+          <a:p>
+            <a:pPr marL="171450" indent="-171450">
+              <a:buFontTx/>
+              <a:buChar char="-"/>
+            </a:pPr>
+            <a:r>
+              <a:rPr lang="ko-KR" altLang="en-US" sz="1050" b="1" dirty="0" err="1" smtClean="0">
+                <a:ln>
+                  <a:solidFill>
+                    <a:schemeClr val="tx1">
+                      <a:alpha val="0"/>
+                    </a:schemeClr>
+                  </a:solidFill>
+                </a:ln>
+                <a:latin typeface="나눔바른고딕" panose="020B0603020101020101" pitchFamily="50" charset="-127"/>
+                <a:ea typeface="나눔바른고딕" panose="020B0603020101020101" pitchFamily="50" charset="-127"/>
+              </a:rPr>
+              <a:t>신규방문자</a:t>
+            </a:r>
+            <a:r>
+              <a:rPr lang="ko-KR" altLang="en-US" sz="1050" dirty="0" smtClean="0">
+                <a:ln>
+                  <a:solidFill>
+                    <a:schemeClr val="tx1">
+                      <a:alpha val="0"/>
+                    </a:schemeClr>
+                  </a:solidFill>
+                </a:ln>
+                <a:latin typeface="나눔바른고딕" panose="020B0603020101020101" pitchFamily="50" charset="-127"/>
+                <a:ea typeface="나눔바른고딕" panose="020B0603020101020101" pitchFamily="50" charset="-127"/>
+              </a:rPr>
+              <a:t> </a:t>
+            </a:r>
+            <a:r>
+              <a:rPr lang="en-US" altLang="ko-KR" sz="1050" dirty="0" smtClean="0">
+                <a:ln>
+                  <a:solidFill>
+                    <a:schemeClr val="tx1">
+                      <a:alpha val="0"/>
+                    </a:schemeClr>
+                  </a:solidFill>
+                </a:ln>
+                <a:latin typeface="나눔바른고딕" panose="020B0603020101020101" pitchFamily="50" charset="-127"/>
+                <a:ea typeface="나눔바른고딕" panose="020B0603020101020101" pitchFamily="50" charset="-127"/>
+              </a:rPr>
+              <a:t>: </a:t>
+            </a:r>
+            <a:r>
+              <a:rPr lang="ko-KR" altLang="en-US" sz="1050" dirty="0" smtClean="0">
+                <a:ln>
+                  <a:solidFill>
+                    <a:schemeClr val="tx1">
+                      <a:alpha val="0"/>
+                    </a:schemeClr>
+                  </a:solidFill>
+                </a:ln>
+                <a:latin typeface="나눔바른고딕" panose="020B0603020101020101" pitchFamily="50" charset="-127"/>
+                <a:ea typeface="나눔바른고딕" panose="020B0603020101020101" pitchFamily="50" charset="-127"/>
+              </a:rPr>
+              <a:t>쿠키가 남아 있지 않은 방문자</a:t>
+            </a:r>
+            <a:endParaRPr lang="en-US" altLang="ko-KR" sz="1050" dirty="0" smtClean="0">
+              <a:ln>
+                <a:solidFill>
+                  <a:schemeClr val="tx1">
+                    <a:alpha val="0"/>
+                  </a:schemeClr>
+                </a:solidFill>
+              </a:ln>
+              <a:latin typeface="나눔바른고딕" panose="020B0603020101020101" pitchFamily="50" charset="-127"/>
+              <a:ea typeface="나눔바른고딕" panose="020B0603020101020101" pitchFamily="50" charset="-127"/>
+            </a:endParaRPr>
+          </a:p>
+          <a:p>
+            <a:pPr marL="171450" indent="-171450">
+              <a:buFontTx/>
+              <a:buChar char="-"/>
+            </a:pPr>
+            <a:endParaRPr lang="en-US" altLang="ko-KR" sz="1050" dirty="0" smtClean="0">
+              <a:ln>
+                <a:solidFill>
+                  <a:schemeClr val="tx1">
+                    <a:alpha val="0"/>
+                  </a:schemeClr>
+                </a:solidFill>
+              </a:ln>
+              <a:latin typeface="나눔바른고딕" panose="020B0603020101020101" pitchFamily="50" charset="-127"/>
+              <a:ea typeface="나눔바른고딕" panose="020B0603020101020101" pitchFamily="50" charset="-127"/>
+            </a:endParaRPr>
+          </a:p>
+          <a:p>
+            <a:pPr marL="171450" indent="-171450">
+              <a:buFontTx/>
+              <a:buChar char="-"/>
+            </a:pPr>
+            <a:r>
+              <a:rPr lang="ko-KR" altLang="en-US" sz="1050" b="1" dirty="0" smtClean="0">
+                <a:ln>
+                  <a:solidFill>
+                    <a:schemeClr val="tx1">
+                      <a:alpha val="0"/>
+                    </a:schemeClr>
+                  </a:solidFill>
+                </a:ln>
+                <a:latin typeface="나눔바른고딕" panose="020B0603020101020101" pitchFamily="50" charset="-127"/>
+                <a:ea typeface="나눔바른고딕" panose="020B0603020101020101" pitchFamily="50" charset="-127"/>
+              </a:rPr>
+              <a:t>사용자</a:t>
+            </a:r>
+            <a:r>
+              <a:rPr lang="ko-KR" altLang="en-US" sz="1050" dirty="0" smtClean="0">
+                <a:ln>
+                  <a:solidFill>
+                    <a:schemeClr val="tx1">
+                      <a:alpha val="0"/>
+                    </a:schemeClr>
+                  </a:solidFill>
+                </a:ln>
+                <a:latin typeface="나눔바른고딕" panose="020B0603020101020101" pitchFamily="50" charset="-127"/>
+                <a:ea typeface="나눔바른고딕" panose="020B0603020101020101" pitchFamily="50" charset="-127"/>
+              </a:rPr>
+              <a:t> </a:t>
+            </a:r>
+            <a:r>
+              <a:rPr lang="en-US" altLang="ko-KR" sz="1050" dirty="0" smtClean="0">
+                <a:ln>
+                  <a:solidFill>
+                    <a:schemeClr val="tx1">
+                      <a:alpha val="0"/>
+                    </a:schemeClr>
+                  </a:solidFill>
+                </a:ln>
+                <a:latin typeface="나눔바른고딕" panose="020B0603020101020101" pitchFamily="50" charset="-127"/>
+                <a:ea typeface="나눔바른고딕" panose="020B0603020101020101" pitchFamily="50" charset="-127"/>
+              </a:rPr>
+              <a:t>:</a:t>
+            </a:r>
+            <a:r>
+              <a:rPr lang="ko-KR" altLang="en-US" sz="1050" dirty="0" smtClean="0">
+                <a:ln>
+                  <a:solidFill>
+                    <a:schemeClr val="tx1">
+                      <a:alpha val="0"/>
+                    </a:schemeClr>
+                  </a:solidFill>
+                </a:ln>
+                <a:latin typeface="나눔바른고딕" panose="020B0603020101020101" pitchFamily="50" charset="-127"/>
+                <a:ea typeface="나눔바른고딕" panose="020B0603020101020101" pitchFamily="50" charset="-127"/>
+              </a:rPr>
+              <a:t> </a:t>
+            </a:r>
+            <a:r>
+              <a:rPr lang="ko-KR" altLang="en-US" sz="1050" dirty="0" err="1" smtClean="0">
+                <a:ln>
+                  <a:solidFill>
+                    <a:schemeClr val="tx1">
+                      <a:alpha val="0"/>
+                    </a:schemeClr>
+                  </a:solidFill>
+                </a:ln>
+                <a:latin typeface="나눔바른고딕" panose="020B0603020101020101" pitchFamily="50" charset="-127"/>
+                <a:ea typeface="나눔바른고딕" panose="020B0603020101020101" pitchFamily="50" charset="-127"/>
+              </a:rPr>
+              <a:t>재방문자의</a:t>
+            </a:r>
+            <a:r>
+              <a:rPr lang="ko-KR" altLang="en-US" sz="1050" dirty="0" smtClean="0">
+                <a:ln>
+                  <a:solidFill>
+                    <a:schemeClr val="tx1">
+                      <a:alpha val="0"/>
+                    </a:schemeClr>
+                  </a:solidFill>
+                </a:ln>
+                <a:latin typeface="나눔바른고딕" panose="020B0603020101020101" pitchFamily="50" charset="-127"/>
+                <a:ea typeface="나눔바른고딕" panose="020B0603020101020101" pitchFamily="50" charset="-127"/>
+              </a:rPr>
+              <a:t> 방문을 합친 수</a:t>
+            </a:r>
+            <a:endParaRPr lang="en-US" altLang="ko-KR" sz="1050" dirty="0" smtClean="0">
+              <a:ln>
+                <a:solidFill>
+                  <a:schemeClr val="tx1">
+                    <a:alpha val="0"/>
+                  </a:schemeClr>
+                </a:solidFill>
+              </a:ln>
+              <a:latin typeface="나눔바른고딕" panose="020B0603020101020101" pitchFamily="50" charset="-127"/>
+              <a:ea typeface="나눔바른고딕" panose="020B0603020101020101" pitchFamily="50" charset="-127"/>
+            </a:endParaRPr>
+          </a:p>
+          <a:p>
+            <a:pPr marL="171450" indent="-171450">
+              <a:buFontTx/>
+              <a:buChar char="-"/>
+            </a:pPr>
+            <a:endParaRPr lang="en-US" altLang="ko-KR" sz="1050" dirty="0" smtClean="0">
+              <a:ln>
+                <a:solidFill>
+                  <a:schemeClr val="tx1">
+                    <a:alpha val="0"/>
+                  </a:schemeClr>
+                </a:solidFill>
+              </a:ln>
+              <a:latin typeface="나눔바른고딕" panose="020B0603020101020101" pitchFamily="50" charset="-127"/>
+              <a:ea typeface="나눔바른고딕" panose="020B0603020101020101" pitchFamily="50" charset="-127"/>
+            </a:endParaRPr>
+          </a:p>
+          <a:p>
+            <a:pPr marL="171450" indent="-171450">
+              <a:buFontTx/>
+              <a:buChar char="-"/>
+            </a:pPr>
+            <a:r>
+              <a:rPr lang="ko-KR" altLang="en-US" sz="1050" b="1" dirty="0" err="1" smtClean="0">
+                <a:ln>
+                  <a:solidFill>
+                    <a:schemeClr val="tx1">
+                      <a:alpha val="0"/>
+                    </a:schemeClr>
+                  </a:solidFill>
+                </a:ln>
+                <a:latin typeface="나눔바른고딕" panose="020B0603020101020101" pitchFamily="50" charset="-127"/>
+                <a:ea typeface="나눔바른고딕" panose="020B0603020101020101" pitchFamily="50" charset="-127"/>
+              </a:rPr>
+              <a:t>페이지뷰</a:t>
+            </a:r>
+            <a:r>
+              <a:rPr lang="ko-KR" altLang="en-US" sz="1050" b="1" dirty="0" smtClean="0">
+                <a:ln>
+                  <a:solidFill>
+                    <a:schemeClr val="tx1">
+                      <a:alpha val="0"/>
+                    </a:schemeClr>
+                  </a:solidFill>
+                </a:ln>
+                <a:latin typeface="나눔바른고딕" panose="020B0603020101020101" pitchFamily="50" charset="-127"/>
+                <a:ea typeface="나눔바른고딕" panose="020B0603020101020101" pitchFamily="50" charset="-127"/>
+              </a:rPr>
+              <a:t> 수</a:t>
+            </a:r>
+            <a:r>
+              <a:rPr lang="ko-KR" altLang="en-US" sz="1050" dirty="0" smtClean="0">
+                <a:ln>
+                  <a:solidFill>
+                    <a:schemeClr val="tx1">
+                      <a:alpha val="0"/>
+                    </a:schemeClr>
+                  </a:solidFill>
+                </a:ln>
+                <a:latin typeface="나눔바른고딕" panose="020B0603020101020101" pitchFamily="50" charset="-127"/>
+                <a:ea typeface="나눔바른고딕" panose="020B0603020101020101" pitchFamily="50" charset="-127"/>
+              </a:rPr>
+              <a:t> </a:t>
+            </a:r>
+            <a:r>
+              <a:rPr lang="en-US" altLang="ko-KR" sz="1050" dirty="0" smtClean="0">
+                <a:ln>
+                  <a:solidFill>
+                    <a:schemeClr val="tx1">
+                      <a:alpha val="0"/>
+                    </a:schemeClr>
+                  </a:solidFill>
+                </a:ln>
+                <a:latin typeface="나눔바른고딕" panose="020B0603020101020101" pitchFamily="50" charset="-127"/>
+                <a:ea typeface="나눔바른고딕" panose="020B0603020101020101" pitchFamily="50" charset="-127"/>
+              </a:rPr>
+              <a:t>: </a:t>
+            </a:r>
+            <a:r>
+              <a:rPr lang="ko-KR" altLang="en-US" sz="1050" dirty="0" smtClean="0">
+                <a:ln>
+                  <a:solidFill>
+                    <a:schemeClr val="tx1">
+                      <a:alpha val="0"/>
+                    </a:schemeClr>
+                  </a:solidFill>
+                </a:ln>
+                <a:latin typeface="나눔바른고딕" panose="020B0603020101020101" pitchFamily="50" charset="-127"/>
+                <a:ea typeface="나눔바른고딕" panose="020B0603020101020101" pitchFamily="50" charset="-127"/>
+              </a:rPr>
+              <a:t>페이지를 </a:t>
+            </a:r>
+            <a:r>
+              <a:rPr lang="ko-KR" altLang="en-US" sz="1050" dirty="0" err="1" smtClean="0">
+                <a:ln>
+                  <a:solidFill>
+                    <a:schemeClr val="tx1">
+                      <a:alpha val="0"/>
+                    </a:schemeClr>
+                  </a:solidFill>
+                </a:ln>
+                <a:latin typeface="나눔바른고딕" panose="020B0603020101020101" pitchFamily="50" charset="-127"/>
+                <a:ea typeface="나눔바른고딕" panose="020B0603020101020101" pitchFamily="50" charset="-127"/>
+              </a:rPr>
+              <a:t>새로고침</a:t>
+            </a:r>
+            <a:r>
+              <a:rPr lang="ko-KR" altLang="en-US" sz="1050" dirty="0" smtClean="0">
+                <a:ln>
+                  <a:solidFill>
+                    <a:schemeClr val="tx1">
+                      <a:alpha val="0"/>
+                    </a:schemeClr>
+                  </a:solidFill>
+                </a:ln>
+                <a:latin typeface="나눔바른고딕" panose="020B0603020101020101" pitchFamily="50" charset="-127"/>
+                <a:ea typeface="나눔바른고딕" panose="020B0603020101020101" pitchFamily="50" charset="-127"/>
+              </a:rPr>
+              <a:t> 할 때도 증가하는 총 페이지 로드 수</a:t>
+            </a:r>
+            <a:endParaRPr lang="en-US" altLang="ko-KR" sz="1050" dirty="0" smtClean="0">
+              <a:ln>
+                <a:solidFill>
+                  <a:schemeClr val="tx1">
+                    <a:alpha val="0"/>
+                  </a:schemeClr>
+                </a:solidFill>
+              </a:ln>
+              <a:latin typeface="나눔바른고딕" panose="020B0603020101020101" pitchFamily="50" charset="-127"/>
+              <a:ea typeface="나눔바른고딕" panose="020B0603020101020101" pitchFamily="50" charset="-127"/>
+            </a:endParaRPr>
+          </a:p>
+          <a:p>
+            <a:endParaRPr lang="en-US" altLang="ko-KR" sz="1050" dirty="0">
+              <a:ln>
+                <a:solidFill>
+                  <a:schemeClr val="tx1">
+                    <a:alpha val="0"/>
+                  </a:schemeClr>
+                </a:solidFill>
+              </a:ln>
+              <a:latin typeface="나눔바른고딕" panose="020B0603020101020101" pitchFamily="50" charset="-127"/>
+              <a:ea typeface="나눔바른고딕" panose="020B0603020101020101" pitchFamily="50" charset="-127"/>
+            </a:endParaRPr>
+          </a:p>
+        </p:txBody>
+      </p:sp>
+      <p:sp>
+        <p:nvSpPr>
+          <p:cNvPr id="8" name="직사각형 7"/>
+          <p:cNvSpPr/>
+          <p:nvPr/>
+        </p:nvSpPr>
+        <p:spPr>
+          <a:xfrm>
+            <a:off x="5587999" y="5316588"/>
+            <a:ext cx="3265715" cy="1200329"/>
+          </a:xfrm>
+          <a:prstGeom prst="rect">
+            <a:avLst/>
+          </a:prstGeom>
+          <a:solidFill>
+            <a:schemeClr val="accent4">
+              <a:lumMod val="20000"/>
+              <a:lumOff val="80000"/>
+            </a:schemeClr>
+          </a:solidFill>
+          <a:ln>
+            <a:solidFill>
+              <a:srgbClr val="C00000"/>
+            </a:solidFill>
+          </a:ln>
+        </p:spPr>
+        <p:txBody>
+          <a:bodyPr wrap="square">
+            <a:spAutoFit/>
+          </a:bodyPr>
+          <a:lstStyle/>
+          <a:p>
+            <a:pPr algn="r"/>
+            <a:r>
+              <a:rPr lang="ko-KR" altLang="en-US" sz="1400" b="1" dirty="0">
+                <a:ln>
+                  <a:solidFill>
+                    <a:schemeClr val="tx1">
+                      <a:alpha val="0"/>
+                    </a:schemeClr>
+                  </a:solidFill>
+                </a:ln>
+                <a:latin typeface="나눔바른고딕" panose="020B0603020101020101" pitchFamily="50" charset="-127"/>
+                <a:ea typeface="나눔바른고딕" panose="020B0603020101020101" pitchFamily="50" charset="-127"/>
+              </a:rPr>
+              <a:t>현구매전환율 추정치</a:t>
+            </a:r>
+            <a:endParaRPr lang="en-US" altLang="ko-KR" sz="1400" b="1" dirty="0">
+              <a:ln>
+                <a:solidFill>
+                  <a:schemeClr val="tx1">
+                    <a:alpha val="0"/>
+                  </a:schemeClr>
+                </a:solidFill>
+              </a:ln>
+              <a:latin typeface="나눔바른고딕" panose="020B0603020101020101" pitchFamily="50" charset="-127"/>
+              <a:ea typeface="나눔바른고딕" panose="020B0603020101020101" pitchFamily="50" charset="-127"/>
+            </a:endParaRPr>
+          </a:p>
+          <a:p>
+            <a:pPr algn="r"/>
+            <a:endParaRPr lang="en-US" altLang="ko-KR" sz="1400" b="1" dirty="0">
+              <a:ln>
+                <a:solidFill>
+                  <a:schemeClr val="tx1">
+                    <a:alpha val="0"/>
+                  </a:schemeClr>
+                </a:solidFill>
+              </a:ln>
+              <a:latin typeface="나눔바른고딕" panose="020B0603020101020101" pitchFamily="50" charset="-127"/>
+              <a:ea typeface="나눔바른고딕" panose="020B0603020101020101" pitchFamily="50" charset="-127"/>
+            </a:endParaRPr>
+          </a:p>
+          <a:p>
+            <a:pPr marL="171450" indent="-171450" algn="r">
+              <a:buFontTx/>
+              <a:buChar char="-"/>
+            </a:pPr>
+            <a:r>
+              <a:rPr lang="ko-KR" altLang="en-US" sz="1100" dirty="0">
+                <a:ln>
+                  <a:solidFill>
+                    <a:schemeClr val="tx1">
+                      <a:alpha val="0"/>
+                    </a:schemeClr>
+                  </a:solidFill>
+                </a:ln>
+                <a:latin typeface="나눔바른고딕" panose="020B0603020101020101" pitchFamily="50" charset="-127"/>
+                <a:ea typeface="나눔바른고딕" panose="020B0603020101020101" pitchFamily="50" charset="-127"/>
+              </a:rPr>
+              <a:t>신규 </a:t>
+            </a:r>
+            <a:r>
+              <a:rPr lang="en-US" altLang="ko-KR" sz="1100" dirty="0">
+                <a:ln>
+                  <a:solidFill>
+                    <a:schemeClr val="tx1">
+                      <a:alpha val="0"/>
+                    </a:schemeClr>
+                  </a:solidFill>
+                </a:ln>
+                <a:latin typeface="나눔바른고딕" panose="020B0603020101020101" pitchFamily="50" charset="-127"/>
+                <a:ea typeface="나눔바른고딕" panose="020B0603020101020101" pitchFamily="50" charset="-127"/>
+                <a:sym typeface="Wingdings" panose="05000000000000000000" pitchFamily="2" charset="2"/>
+              </a:rPr>
+              <a:t></a:t>
+            </a:r>
+            <a:r>
+              <a:rPr lang="en-US" altLang="ko-KR" sz="1100" dirty="0">
+                <a:ln>
+                  <a:solidFill>
+                    <a:schemeClr val="tx1">
+                      <a:alpha val="0"/>
+                    </a:schemeClr>
+                  </a:solidFill>
+                </a:ln>
+                <a:latin typeface="나눔바른고딕" panose="020B0603020101020101" pitchFamily="50" charset="-127"/>
+                <a:ea typeface="나눔바른고딕" panose="020B0603020101020101" pitchFamily="50" charset="-127"/>
+              </a:rPr>
+              <a:t> </a:t>
+            </a:r>
+            <a:r>
+              <a:rPr lang="ko-KR" altLang="en-US" sz="1100" dirty="0">
+                <a:ln>
+                  <a:solidFill>
+                    <a:schemeClr val="tx1">
+                      <a:alpha val="0"/>
+                    </a:schemeClr>
+                  </a:solidFill>
+                </a:ln>
+                <a:latin typeface="나눔바른고딕" panose="020B0603020101020101" pitchFamily="50" charset="-127"/>
+                <a:ea typeface="나눔바른고딕" panose="020B0603020101020101" pitchFamily="50" charset="-127"/>
+              </a:rPr>
+              <a:t>구매 </a:t>
+            </a:r>
+            <a:r>
+              <a:rPr lang="ko-KR" altLang="en-US" sz="1100" dirty="0" err="1">
+                <a:ln>
+                  <a:solidFill>
+                    <a:schemeClr val="tx1">
+                      <a:alpha val="0"/>
+                    </a:schemeClr>
+                  </a:solidFill>
+                </a:ln>
+                <a:latin typeface="나눔바른고딕" panose="020B0603020101020101" pitchFamily="50" charset="-127"/>
+                <a:ea typeface="나눔바른고딕" panose="020B0603020101020101" pitchFamily="50" charset="-127"/>
+              </a:rPr>
+              <a:t>전환율</a:t>
+            </a:r>
+            <a:r>
+              <a:rPr lang="ko-KR" altLang="en-US" sz="1100" dirty="0">
+                <a:ln>
+                  <a:solidFill>
+                    <a:schemeClr val="tx1">
+                      <a:alpha val="0"/>
+                    </a:schemeClr>
+                  </a:solidFill>
+                </a:ln>
+                <a:latin typeface="나눔바른고딕" panose="020B0603020101020101" pitchFamily="50" charset="-127"/>
+                <a:ea typeface="나눔바른고딕" panose="020B0603020101020101" pitchFamily="50" charset="-127"/>
+              </a:rPr>
+              <a:t> </a:t>
+            </a:r>
+            <a:r>
+              <a:rPr lang="en-US" altLang="ko-KR" sz="1100" dirty="0">
+                <a:ln>
+                  <a:solidFill>
+                    <a:schemeClr val="tx1">
+                      <a:alpha val="0"/>
+                    </a:schemeClr>
+                  </a:solidFill>
+                </a:ln>
+                <a:latin typeface="나눔바른고딕" panose="020B0603020101020101" pitchFamily="50" charset="-127"/>
+                <a:ea typeface="나눔바른고딕" panose="020B0603020101020101" pitchFamily="50" charset="-127"/>
+              </a:rPr>
+              <a:t>2%</a:t>
+            </a:r>
+          </a:p>
+          <a:p>
+            <a:pPr marL="171450" indent="-171450" algn="r">
+              <a:buFontTx/>
+              <a:buChar char="-"/>
+            </a:pPr>
+            <a:r>
+              <a:rPr lang="ko-KR" altLang="en-US" sz="1100" dirty="0">
+                <a:ln>
+                  <a:solidFill>
+                    <a:schemeClr val="tx1">
+                      <a:alpha val="0"/>
+                    </a:schemeClr>
+                  </a:solidFill>
+                </a:ln>
+                <a:latin typeface="나눔바른고딕" panose="020B0603020101020101" pitchFamily="50" charset="-127"/>
+                <a:ea typeface="나눔바른고딕" panose="020B0603020101020101" pitchFamily="50" charset="-127"/>
+              </a:rPr>
+              <a:t>체험</a:t>
+            </a:r>
+            <a:r>
+              <a:rPr lang="en-US" altLang="ko-KR" sz="1100" dirty="0">
+                <a:ln>
+                  <a:solidFill>
+                    <a:schemeClr val="tx1">
+                      <a:alpha val="0"/>
+                    </a:schemeClr>
+                  </a:solidFill>
+                </a:ln>
+                <a:latin typeface="나눔바른고딕" panose="020B0603020101020101" pitchFamily="50" charset="-127"/>
+                <a:ea typeface="나눔바른고딕" panose="020B0603020101020101" pitchFamily="50" charset="-127"/>
+              </a:rPr>
+              <a:t> </a:t>
+            </a:r>
+            <a:r>
+              <a:rPr lang="en-US" altLang="ko-KR" sz="1100" dirty="0">
+                <a:ln>
+                  <a:solidFill>
+                    <a:schemeClr val="tx1">
+                      <a:alpha val="0"/>
+                    </a:schemeClr>
+                  </a:solidFill>
+                </a:ln>
+                <a:latin typeface="나눔바른고딕" panose="020B0603020101020101" pitchFamily="50" charset="-127"/>
+                <a:ea typeface="나눔바른고딕" panose="020B0603020101020101" pitchFamily="50" charset="-127"/>
+                <a:sym typeface="Wingdings" panose="05000000000000000000" pitchFamily="2" charset="2"/>
+              </a:rPr>
+              <a:t> </a:t>
+            </a:r>
+            <a:r>
+              <a:rPr lang="ko-KR" altLang="en-US" sz="1100" dirty="0">
+                <a:ln>
+                  <a:solidFill>
+                    <a:schemeClr val="tx1">
+                      <a:alpha val="0"/>
+                    </a:schemeClr>
+                  </a:solidFill>
+                </a:ln>
+                <a:latin typeface="나눔바른고딕" panose="020B0603020101020101" pitchFamily="50" charset="-127"/>
+                <a:ea typeface="나눔바른고딕" panose="020B0603020101020101" pitchFamily="50" charset="-127"/>
+              </a:rPr>
+              <a:t>구매 </a:t>
+            </a:r>
+            <a:r>
+              <a:rPr lang="ko-KR" altLang="en-US" sz="1100" dirty="0" err="1">
+                <a:ln>
+                  <a:solidFill>
+                    <a:schemeClr val="tx1">
+                      <a:alpha val="0"/>
+                    </a:schemeClr>
+                  </a:solidFill>
+                </a:ln>
+                <a:latin typeface="나눔바른고딕" panose="020B0603020101020101" pitchFamily="50" charset="-127"/>
+                <a:ea typeface="나눔바른고딕" panose="020B0603020101020101" pitchFamily="50" charset="-127"/>
+              </a:rPr>
+              <a:t>전환율</a:t>
+            </a:r>
+            <a:r>
+              <a:rPr lang="ko-KR" altLang="en-US" sz="1100" dirty="0">
+                <a:ln>
+                  <a:solidFill>
+                    <a:schemeClr val="tx1">
+                      <a:alpha val="0"/>
+                    </a:schemeClr>
+                  </a:solidFill>
+                </a:ln>
+                <a:latin typeface="나눔바른고딕" panose="020B0603020101020101" pitchFamily="50" charset="-127"/>
+                <a:ea typeface="나눔바른고딕" panose="020B0603020101020101" pitchFamily="50" charset="-127"/>
+              </a:rPr>
+              <a:t> </a:t>
+            </a:r>
+            <a:r>
+              <a:rPr lang="en-US" altLang="ko-KR" sz="1100" dirty="0">
+                <a:ln>
+                  <a:solidFill>
+                    <a:schemeClr val="tx1">
+                      <a:alpha val="0"/>
+                    </a:schemeClr>
+                  </a:solidFill>
+                </a:ln>
+                <a:latin typeface="나눔바른고딕" panose="020B0603020101020101" pitchFamily="50" charset="-127"/>
+                <a:ea typeface="나눔바른고딕" panose="020B0603020101020101" pitchFamily="50" charset="-127"/>
+              </a:rPr>
+              <a:t>40% </a:t>
+            </a:r>
+          </a:p>
+          <a:p>
+            <a:pPr marL="171450" indent="-171450" algn="r">
+              <a:buFontTx/>
+              <a:buChar char="-"/>
+            </a:pPr>
+            <a:endParaRPr lang="en-US" altLang="ko-KR" sz="1100" dirty="0">
+              <a:ln>
+                <a:solidFill>
+                  <a:schemeClr val="tx1">
+                    <a:alpha val="0"/>
+                  </a:schemeClr>
+                </a:solidFill>
+              </a:ln>
+              <a:latin typeface="나눔바른고딕" panose="020B0603020101020101" pitchFamily="50" charset="-127"/>
+              <a:ea typeface="나눔바른고딕" panose="020B0603020101020101" pitchFamily="50" charset="-127"/>
+            </a:endParaRPr>
+          </a:p>
+          <a:p>
+            <a:pPr marL="171450" indent="-171450" algn="r">
+              <a:buFontTx/>
+              <a:buChar char="-"/>
+            </a:pPr>
+            <a:r>
+              <a:rPr lang="ko-KR" altLang="en-US" sz="1100" dirty="0">
+                <a:ln>
+                  <a:solidFill>
+                    <a:schemeClr val="tx1">
+                      <a:alpha val="0"/>
+                    </a:schemeClr>
+                  </a:solidFill>
+                </a:ln>
+                <a:latin typeface="나눔바른고딕" panose="020B0603020101020101" pitchFamily="50" charset="-127"/>
+                <a:ea typeface="나눔바른고딕" panose="020B0603020101020101" pitchFamily="50" charset="-127"/>
+              </a:rPr>
+              <a:t>하루 사이트 유입 </a:t>
+            </a:r>
+            <a:r>
+              <a:rPr lang="en-US" altLang="ko-KR" sz="1100" dirty="0">
+                <a:ln>
+                  <a:solidFill>
+                    <a:schemeClr val="tx1">
+                      <a:alpha val="0"/>
+                    </a:schemeClr>
+                  </a:solidFill>
+                </a:ln>
+                <a:latin typeface="나눔바른고딕" panose="020B0603020101020101" pitchFamily="50" charset="-127"/>
+                <a:ea typeface="나눔바른고딕" panose="020B0603020101020101" pitchFamily="50" charset="-127"/>
+              </a:rPr>
+              <a:t>45</a:t>
+            </a:r>
+            <a:r>
+              <a:rPr lang="ko-KR" altLang="en-US" sz="1100" dirty="0">
+                <a:ln>
+                  <a:solidFill>
+                    <a:schemeClr val="tx1">
+                      <a:alpha val="0"/>
+                    </a:schemeClr>
+                  </a:solidFill>
+                </a:ln>
+                <a:latin typeface="나눔바른고딕" panose="020B0603020101020101" pitchFamily="50" charset="-127"/>
+                <a:ea typeface="나눔바른고딕" panose="020B0603020101020101" pitchFamily="50" charset="-127"/>
+              </a:rPr>
+              <a:t>명 중 </a:t>
+            </a:r>
+            <a:r>
+              <a:rPr lang="en-US" altLang="ko-KR" sz="1100" dirty="0">
+                <a:ln>
+                  <a:solidFill>
+                    <a:schemeClr val="tx1">
+                      <a:alpha val="0"/>
+                    </a:schemeClr>
+                  </a:solidFill>
+                </a:ln>
+                <a:latin typeface="나눔바른고딕" panose="020B0603020101020101" pitchFamily="50" charset="-127"/>
+                <a:ea typeface="나눔바른고딕" panose="020B0603020101020101" pitchFamily="50" charset="-127"/>
+              </a:rPr>
+              <a:t>1</a:t>
+            </a:r>
+            <a:r>
+              <a:rPr lang="ko-KR" altLang="en-US" sz="1100" dirty="0">
+                <a:ln>
+                  <a:solidFill>
+                    <a:schemeClr val="tx1">
+                      <a:alpha val="0"/>
+                    </a:schemeClr>
+                  </a:solidFill>
+                </a:ln>
+                <a:latin typeface="나눔바른고딕" panose="020B0603020101020101" pitchFamily="50" charset="-127"/>
+                <a:ea typeface="나눔바른고딕" panose="020B0603020101020101" pitchFamily="50" charset="-127"/>
+              </a:rPr>
+              <a:t>명 꼴로 </a:t>
+            </a:r>
+            <a:r>
+              <a:rPr lang="ko-KR" altLang="en-US" sz="1100" dirty="0" err="1">
+                <a:ln>
+                  <a:solidFill>
+                    <a:schemeClr val="tx1">
+                      <a:alpha val="0"/>
+                    </a:schemeClr>
+                  </a:solidFill>
+                </a:ln>
+                <a:latin typeface="나눔바른고딕" panose="020B0603020101020101" pitchFamily="50" charset="-127"/>
+                <a:ea typeface="나눔바른고딕" panose="020B0603020101020101" pitchFamily="50" charset="-127"/>
+              </a:rPr>
+              <a:t>구매전환</a:t>
+            </a:r>
+            <a:endParaRPr lang="en-US" altLang="ko-KR" sz="1100" dirty="0">
+              <a:ln>
+                <a:solidFill>
+                  <a:schemeClr val="tx1">
+                    <a:alpha val="0"/>
+                  </a:schemeClr>
+                </a:solidFill>
+              </a:ln>
+              <a:latin typeface="나눔바른고딕" panose="020B0603020101020101" pitchFamily="50" charset="-127"/>
+              <a:ea typeface="나눔바른고딕" panose="020B0603020101020101" pitchFamily="50" charset="-127"/>
+            </a:endParaRPr>
+          </a:p>
+        </p:txBody>
+      </p:sp>
+    </p:spTree>
+    <p:extLst>
+      <p:ext uri="{BB962C8B-B14F-4D97-AF65-F5344CB8AC3E}">
+        <p14:creationId xmlns:p14="http://schemas.microsoft.com/office/powerpoint/2010/main" val="1203949875"/>
+      </p:ext>
+    </p:extLst>
+  </p:cSld>
+  <p:clrMapOvr>
+    <a:masterClrMapping/>
+  </p:clrMapOvr>
+</p:sld>
+</file>
+
+<file path=ppt/slides/slide20.xml><?xml version="1.0" encoding="utf-8"?>
+<p:sld xmlns:a="http://schemas.openxmlformats.org/drawingml/2006/main" xmlns:r="http://schemas.openxmlformats.org/officeDocument/2006/relationships" xmlns:p="http://schemas.openxmlformats.org/presentationml/2006/main">
+  <p:cSld>
+    <p:spTree>
+      <p:nvGrpSpPr>
+        <p:cNvPr id="1" name=""/>
+        <p:cNvGrpSpPr/>
+        <p:nvPr/>
+      </p:nvGrpSpPr>
+      <p:grpSpPr>
+        <a:xfrm>
+          <a:off x="0" y="0"/>
+          <a:ext cx="0" cy="0"/>
+          <a:chOff x="0" y="0"/>
+          <a:chExt cx="0" cy="0"/>
+        </a:xfrm>
+      </p:grpSpPr>
+      <p:pic>
+        <p:nvPicPr>
+          <p:cNvPr id="7" name="그림 6"/>
+          <p:cNvPicPr>
+            <a:picLocks noChangeAspect="1"/>
+          </p:cNvPicPr>
+          <p:nvPr/>
+        </p:nvPicPr>
+        <p:blipFill>
+          <a:blip r:embed="rId2"/>
+          <a:stretch>
+            <a:fillRect/>
+          </a:stretch>
+        </p:blipFill>
+        <p:spPr>
+          <a:xfrm>
+            <a:off x="1312330" y="703840"/>
+            <a:ext cx="5928552" cy="4822183"/>
+          </a:xfrm>
+          <a:prstGeom prst="rect">
+            <a:avLst/>
+          </a:prstGeom>
+        </p:spPr>
+      </p:pic>
+      <p:sp>
+        <p:nvSpPr>
+          <p:cNvPr id="6" name="직사각형 5"/>
+          <p:cNvSpPr/>
+          <p:nvPr/>
+        </p:nvSpPr>
+        <p:spPr>
+          <a:xfrm>
+            <a:off x="4614876" y="401870"/>
+            <a:ext cx="4389343" cy="430887"/>
+          </a:xfrm>
+          <a:prstGeom prst="rect">
+            <a:avLst/>
+          </a:prstGeom>
+          <a:solidFill>
+            <a:schemeClr val="accent4">
+              <a:lumMod val="40000"/>
+              <a:lumOff val="60000"/>
+            </a:schemeClr>
+          </a:solidFill>
+        </p:spPr>
+        <p:txBody>
+          <a:bodyPr wrap="none">
+            <a:spAutoFit/>
+          </a:bodyPr>
+          <a:lstStyle/>
+          <a:p>
+            <a:pPr algn="r"/>
+            <a:r>
+              <a:rPr lang="ko-KR" altLang="en-US" sz="1100" b="1" dirty="0" smtClean="0">
+                <a:ln>
+                  <a:solidFill>
+                    <a:schemeClr val="tx1">
+                      <a:alpha val="0"/>
+                    </a:schemeClr>
+                  </a:solidFill>
+                </a:ln>
+                <a:latin typeface="나눔바른고딕" panose="020B0603020101020101" pitchFamily="50" charset="-127"/>
+                <a:ea typeface="나눔바른고딕" panose="020B0603020101020101" pitchFamily="50" charset="-127"/>
+              </a:rPr>
+              <a:t>가설</a:t>
+            </a:r>
+            <a:r>
+              <a:rPr lang="en-US" altLang="ko-KR" sz="1100" b="1" dirty="0" smtClean="0">
+                <a:ln>
+                  <a:solidFill>
+                    <a:schemeClr val="tx1">
+                      <a:alpha val="0"/>
+                    </a:schemeClr>
+                  </a:solidFill>
+                </a:ln>
+                <a:latin typeface="나눔바른고딕" panose="020B0603020101020101" pitchFamily="50" charset="-127"/>
+                <a:ea typeface="나눔바른고딕" panose="020B0603020101020101" pitchFamily="50" charset="-127"/>
+              </a:rPr>
+              <a:t>1</a:t>
+            </a:r>
+            <a:r>
+              <a:rPr lang="ko-KR" altLang="en-US" sz="1100" b="1" dirty="0" smtClean="0">
+                <a:ln>
+                  <a:solidFill>
+                    <a:schemeClr val="tx1">
+                      <a:alpha val="0"/>
+                    </a:schemeClr>
+                  </a:solidFill>
+                </a:ln>
+                <a:latin typeface="나눔바른고딕" panose="020B0603020101020101" pitchFamily="50" charset="-127"/>
+                <a:ea typeface="나눔바른고딕" panose="020B0603020101020101" pitchFamily="50" charset="-127"/>
+              </a:rPr>
+              <a:t> </a:t>
+            </a:r>
+            <a:r>
+              <a:rPr lang="en-US" altLang="ko-KR" sz="1100" b="1" dirty="0" smtClean="0">
+                <a:ln>
+                  <a:solidFill>
+                    <a:schemeClr val="tx1">
+                      <a:alpha val="0"/>
+                    </a:schemeClr>
+                  </a:solidFill>
+                </a:ln>
+                <a:latin typeface="나눔바른고딕" panose="020B0603020101020101" pitchFamily="50" charset="-127"/>
+                <a:ea typeface="나눔바른고딕" panose="020B0603020101020101" pitchFamily="50" charset="-127"/>
+              </a:rPr>
+              <a:t>: ‘</a:t>
+            </a:r>
+            <a:r>
+              <a:rPr lang="ko-KR" altLang="en-US" sz="1100" b="1" dirty="0" smtClean="0">
+                <a:ln>
+                  <a:solidFill>
+                    <a:schemeClr val="tx1">
+                      <a:alpha val="0"/>
+                    </a:schemeClr>
+                  </a:solidFill>
+                </a:ln>
+                <a:latin typeface="나눔바른고딕" panose="020B0603020101020101" pitchFamily="50" charset="-127"/>
+                <a:ea typeface="나눔바른고딕" panose="020B0603020101020101" pitchFamily="50" charset="-127"/>
+              </a:rPr>
+              <a:t>상세정보 입력란이 줄어들면 </a:t>
+            </a:r>
+            <a:r>
+              <a:rPr lang="ko-KR" altLang="en-US" sz="1100" b="1" dirty="0" err="1" smtClean="0">
+                <a:ln>
+                  <a:solidFill>
+                    <a:schemeClr val="tx1">
+                      <a:alpha val="0"/>
+                    </a:schemeClr>
+                  </a:solidFill>
+                </a:ln>
+                <a:latin typeface="나눔바른고딕" panose="020B0603020101020101" pitchFamily="50" charset="-127"/>
+                <a:ea typeface="나눔바른고딕" panose="020B0603020101020101" pitchFamily="50" charset="-127"/>
+              </a:rPr>
+              <a:t>전환수가</a:t>
+            </a:r>
+            <a:r>
+              <a:rPr lang="ko-KR" altLang="en-US" sz="1100" b="1" dirty="0" smtClean="0">
+                <a:ln>
+                  <a:solidFill>
+                    <a:schemeClr val="tx1">
+                      <a:alpha val="0"/>
+                    </a:schemeClr>
+                  </a:solidFill>
+                </a:ln>
+                <a:latin typeface="나눔바른고딕" panose="020B0603020101020101" pitchFamily="50" charset="-127"/>
+                <a:ea typeface="나눔바른고딕" panose="020B0603020101020101" pitchFamily="50" charset="-127"/>
+              </a:rPr>
+              <a:t> 증가할 것이다</a:t>
+            </a:r>
+            <a:r>
+              <a:rPr lang="en-US" altLang="ko-KR" sz="1100" b="1" dirty="0" smtClean="0">
+                <a:ln>
+                  <a:solidFill>
+                    <a:schemeClr val="tx1">
+                      <a:alpha val="0"/>
+                    </a:schemeClr>
+                  </a:solidFill>
+                </a:ln>
+                <a:latin typeface="나눔바른고딕" panose="020B0603020101020101" pitchFamily="50" charset="-127"/>
+                <a:ea typeface="나눔바른고딕" panose="020B0603020101020101" pitchFamily="50" charset="-127"/>
+              </a:rPr>
+              <a:t>’</a:t>
+            </a:r>
+          </a:p>
+          <a:p>
+            <a:pPr algn="r"/>
+            <a:r>
+              <a:rPr lang="ko-KR" altLang="en-US" sz="1100" b="1" dirty="0" smtClean="0">
+                <a:ln>
+                  <a:solidFill>
+                    <a:schemeClr val="tx1">
+                      <a:alpha val="0"/>
+                    </a:schemeClr>
+                  </a:solidFill>
+                </a:ln>
+                <a:latin typeface="나눔바른고딕" panose="020B0603020101020101" pitchFamily="50" charset="-127"/>
+                <a:ea typeface="나눔바른고딕" panose="020B0603020101020101" pitchFamily="50" charset="-127"/>
+              </a:rPr>
+              <a:t>가설</a:t>
+            </a:r>
+            <a:r>
+              <a:rPr lang="en-US" altLang="ko-KR" sz="1100" b="1" dirty="0" smtClean="0">
+                <a:ln>
+                  <a:solidFill>
+                    <a:schemeClr val="tx1">
+                      <a:alpha val="0"/>
+                    </a:schemeClr>
+                  </a:solidFill>
+                </a:ln>
+                <a:latin typeface="나눔바른고딕" panose="020B0603020101020101" pitchFamily="50" charset="-127"/>
+                <a:ea typeface="나눔바른고딕" panose="020B0603020101020101" pitchFamily="50" charset="-127"/>
+              </a:rPr>
+              <a:t>2 : '</a:t>
+            </a:r>
+            <a:r>
+              <a:rPr lang="ko-KR" altLang="en-US" sz="1100" b="1" dirty="0" smtClean="0">
+                <a:ln>
+                  <a:solidFill>
+                    <a:schemeClr val="tx1">
+                      <a:alpha val="0"/>
+                    </a:schemeClr>
+                  </a:solidFill>
+                </a:ln>
+                <a:latin typeface="나눔바른고딕" panose="020B0603020101020101" pitchFamily="50" charset="-127"/>
+                <a:ea typeface="나눔바른고딕" panose="020B0603020101020101" pitchFamily="50" charset="-127"/>
+              </a:rPr>
+              <a:t>상세정보 입력란 상단에 </a:t>
+            </a:r>
+            <a:r>
+              <a:rPr lang="ko-KR" altLang="en-US" sz="1100" b="1" dirty="0" err="1" smtClean="0">
+                <a:ln>
+                  <a:solidFill>
+                    <a:schemeClr val="tx1">
+                      <a:alpha val="0"/>
+                    </a:schemeClr>
+                  </a:solidFill>
+                </a:ln>
+                <a:latin typeface="나눔바른고딕" panose="020B0603020101020101" pitchFamily="50" charset="-127"/>
+                <a:ea typeface="나눔바른고딕" panose="020B0603020101020101" pitchFamily="50" charset="-127"/>
+              </a:rPr>
+              <a:t>양해문구를</a:t>
+            </a:r>
+            <a:r>
+              <a:rPr lang="ko-KR" altLang="en-US" sz="1100" b="1" dirty="0" smtClean="0">
+                <a:ln>
+                  <a:solidFill>
+                    <a:schemeClr val="tx1">
+                      <a:alpha val="0"/>
+                    </a:schemeClr>
+                  </a:solidFill>
+                </a:ln>
+                <a:latin typeface="나눔바른고딕" panose="020B0603020101020101" pitchFamily="50" charset="-127"/>
+                <a:ea typeface="나눔바른고딕" panose="020B0603020101020101" pitchFamily="50" charset="-127"/>
+              </a:rPr>
+              <a:t> 넣으면 </a:t>
+            </a:r>
+            <a:r>
+              <a:rPr lang="ko-KR" altLang="en-US" sz="1100" b="1" dirty="0" err="1" smtClean="0">
+                <a:ln>
+                  <a:solidFill>
+                    <a:schemeClr val="tx1">
+                      <a:alpha val="0"/>
+                    </a:schemeClr>
+                  </a:solidFill>
+                </a:ln>
+                <a:latin typeface="나눔바른고딕" panose="020B0603020101020101" pitchFamily="50" charset="-127"/>
+                <a:ea typeface="나눔바른고딕" panose="020B0603020101020101" pitchFamily="50" charset="-127"/>
+              </a:rPr>
+              <a:t>전환수가</a:t>
+            </a:r>
+            <a:r>
+              <a:rPr lang="ko-KR" altLang="en-US" sz="1100" b="1" dirty="0" smtClean="0">
+                <a:ln>
+                  <a:solidFill>
+                    <a:schemeClr val="tx1">
+                      <a:alpha val="0"/>
+                    </a:schemeClr>
+                  </a:solidFill>
+                </a:ln>
+                <a:latin typeface="나눔바른고딕" panose="020B0603020101020101" pitchFamily="50" charset="-127"/>
+                <a:ea typeface="나눔바른고딕" panose="020B0603020101020101" pitchFamily="50" charset="-127"/>
+              </a:rPr>
+              <a:t> 증가할 것이다</a:t>
+            </a:r>
+            <a:r>
+              <a:rPr lang="en-US" altLang="ko-KR" sz="1100" b="1" dirty="0" smtClean="0">
+                <a:ln>
+                  <a:solidFill>
+                    <a:schemeClr val="tx1">
+                      <a:alpha val="0"/>
+                    </a:schemeClr>
+                  </a:solidFill>
+                </a:ln>
+                <a:latin typeface="나눔바른고딕" panose="020B0603020101020101" pitchFamily="50" charset="-127"/>
+                <a:ea typeface="나눔바른고딕" panose="020B0603020101020101" pitchFamily="50" charset="-127"/>
+              </a:rPr>
+              <a:t>'</a:t>
+            </a:r>
+            <a:endParaRPr lang="en-US" altLang="ko-KR" sz="1100" b="1" dirty="0">
+              <a:ln>
+                <a:solidFill>
+                  <a:schemeClr val="tx1">
+                    <a:alpha val="0"/>
+                  </a:schemeClr>
+                </a:solidFill>
+              </a:ln>
+              <a:latin typeface="나눔바른고딕" panose="020B0603020101020101" pitchFamily="50" charset="-127"/>
+              <a:ea typeface="나눔바른고딕" panose="020B0603020101020101" pitchFamily="50" charset="-127"/>
+            </a:endParaRPr>
+          </a:p>
+        </p:txBody>
+      </p:sp>
+      <p:sp>
+        <p:nvSpPr>
+          <p:cNvPr id="2" name="직사각형 1"/>
+          <p:cNvSpPr/>
+          <p:nvPr/>
+        </p:nvSpPr>
+        <p:spPr>
+          <a:xfrm>
+            <a:off x="136868" y="98606"/>
+            <a:ext cx="4572000" cy="253916"/>
+          </a:xfrm>
+          <a:prstGeom prst="rect">
+            <a:avLst/>
+          </a:prstGeom>
+        </p:spPr>
+        <p:txBody>
+          <a:bodyPr>
+            <a:spAutoFit/>
+          </a:bodyPr>
+          <a:lstStyle/>
+          <a:p>
+            <a:r>
+              <a:rPr lang="ko-KR" altLang="en-US" sz="1050" dirty="0" smtClean="0">
+                <a:ln>
+                  <a:solidFill>
+                    <a:schemeClr val="tx1">
+                      <a:alpha val="0"/>
+                    </a:schemeClr>
+                  </a:solidFill>
+                </a:ln>
+                <a:latin typeface="나눔바른고딕" panose="020B0603020101020101" pitchFamily="50" charset="-127"/>
+                <a:ea typeface="나눔바른고딕" panose="020B0603020101020101" pitchFamily="50" charset="-127"/>
+              </a:rPr>
+              <a:t>체험신청페이지에서의 </a:t>
+            </a:r>
+            <a:r>
+              <a:rPr lang="ko-KR" altLang="en-US" sz="1050" b="1" dirty="0" smtClean="0">
+                <a:ln>
+                  <a:solidFill>
+                    <a:schemeClr val="tx1">
+                      <a:alpha val="0"/>
+                    </a:schemeClr>
+                  </a:solidFill>
+                </a:ln>
+                <a:latin typeface="나눔바른고딕" panose="020B0603020101020101" pitchFamily="50" charset="-127"/>
+                <a:ea typeface="나눔바른고딕" panose="020B0603020101020101" pitchFamily="50" charset="-127"/>
+              </a:rPr>
+              <a:t>이탈  </a:t>
+            </a:r>
+            <a:r>
+              <a:rPr lang="en-US" altLang="ko-KR" sz="1050" b="1" dirty="0" smtClean="0">
+                <a:ln>
+                  <a:solidFill>
+                    <a:schemeClr val="tx1">
+                      <a:alpha val="0"/>
+                    </a:schemeClr>
+                  </a:solidFill>
+                </a:ln>
+                <a:latin typeface="나눔바른고딕" panose="020B0603020101020101" pitchFamily="50" charset="-127"/>
+                <a:ea typeface="나눔바른고딕" panose="020B0603020101020101" pitchFamily="50" charset="-127"/>
+              </a:rPr>
+              <a:t>A/B TEST</a:t>
+            </a:r>
+            <a:endParaRPr lang="ko-KR" altLang="en-US" sz="1050" b="1" dirty="0">
+              <a:ln>
+                <a:solidFill>
+                  <a:schemeClr val="tx1">
+                    <a:alpha val="0"/>
+                  </a:schemeClr>
+                </a:solidFill>
+              </a:ln>
+              <a:latin typeface="나눔바른고딕" panose="020B0603020101020101" pitchFamily="50" charset="-127"/>
+              <a:ea typeface="나눔바른고딕" panose="020B0603020101020101" pitchFamily="50" charset="-127"/>
+            </a:endParaRPr>
+          </a:p>
+        </p:txBody>
+      </p:sp>
+      <p:cxnSp>
+        <p:nvCxnSpPr>
+          <p:cNvPr id="3" name="직선 연결선 2"/>
+          <p:cNvCxnSpPr/>
+          <p:nvPr/>
+        </p:nvCxnSpPr>
+        <p:spPr>
+          <a:xfrm>
+            <a:off x="136868" y="401870"/>
+            <a:ext cx="8867351" cy="0"/>
+          </a:xfrm>
+          <a:prstGeom prst="line">
+            <a:avLst/>
+          </a:prstGeom>
+          <a:ln>
+            <a:solidFill>
+              <a:schemeClr val="tx1"/>
+            </a:solidFill>
+          </a:ln>
+        </p:spPr>
+        <p:style>
+          <a:lnRef idx="1">
+            <a:schemeClr val="accent1"/>
+          </a:lnRef>
+          <a:fillRef idx="0">
+            <a:schemeClr val="accent1"/>
+          </a:fillRef>
+          <a:effectRef idx="0">
+            <a:schemeClr val="accent1"/>
+          </a:effectRef>
+          <a:fontRef idx="minor">
+            <a:schemeClr val="tx1"/>
+          </a:fontRef>
+        </p:style>
+      </p:cxnSp>
+      <p:sp>
+        <p:nvSpPr>
+          <p:cNvPr id="5" name="직사각형 4"/>
+          <p:cNvSpPr/>
+          <p:nvPr/>
+        </p:nvSpPr>
+        <p:spPr>
+          <a:xfrm>
+            <a:off x="995950" y="5666812"/>
+            <a:ext cx="4716356" cy="253916"/>
+          </a:xfrm>
+          <a:prstGeom prst="rect">
+            <a:avLst/>
+          </a:prstGeom>
+        </p:spPr>
+        <p:txBody>
+          <a:bodyPr wrap="none">
+            <a:spAutoFit/>
+          </a:bodyPr>
+          <a:lstStyle/>
+          <a:p>
+            <a:r>
+              <a:rPr lang="ko-KR" altLang="en-US" sz="1050" dirty="0" smtClean="0">
+                <a:ln>
+                  <a:solidFill>
+                    <a:schemeClr val="tx1">
+                      <a:alpha val="0"/>
+                    </a:schemeClr>
+                  </a:solidFill>
+                </a:ln>
+                <a:latin typeface="나눔바른고딕" panose="020B0603020101020101" pitchFamily="50" charset="-127"/>
+                <a:ea typeface="나눔바른고딕" panose="020B0603020101020101" pitchFamily="50" charset="-127"/>
+              </a:rPr>
+              <a:t>유입이 적기 때문에 최소 </a:t>
+            </a:r>
+            <a:r>
+              <a:rPr lang="en-US" altLang="ko-KR" sz="1050" dirty="0" smtClean="0">
+                <a:ln>
+                  <a:solidFill>
+                    <a:schemeClr val="tx1">
+                      <a:alpha val="0"/>
+                    </a:schemeClr>
+                  </a:solidFill>
+                </a:ln>
+                <a:latin typeface="나눔바른고딕" panose="020B0603020101020101" pitchFamily="50" charset="-127"/>
+                <a:ea typeface="나눔바른고딕" panose="020B0603020101020101" pitchFamily="50" charset="-127"/>
+              </a:rPr>
+              <a:t>3</a:t>
+            </a:r>
+            <a:r>
+              <a:rPr lang="ko-KR" altLang="en-US" sz="1050" dirty="0" smtClean="0">
+                <a:ln>
+                  <a:solidFill>
+                    <a:schemeClr val="tx1">
+                      <a:alpha val="0"/>
+                    </a:schemeClr>
+                  </a:solidFill>
+                </a:ln>
+                <a:latin typeface="나눔바른고딕" panose="020B0603020101020101" pitchFamily="50" charset="-127"/>
+                <a:ea typeface="나눔바른고딕" panose="020B0603020101020101" pitchFamily="50" charset="-127"/>
+              </a:rPr>
+              <a:t>주는 수집해봐야 유의미한 결과를 얻을 수 있을 것 같습니다</a:t>
+            </a:r>
+            <a:endParaRPr lang="en-US" altLang="ko-KR" sz="1050" dirty="0">
+              <a:ln>
+                <a:solidFill>
+                  <a:schemeClr val="tx1">
+                    <a:alpha val="0"/>
+                  </a:schemeClr>
+                </a:solidFill>
+              </a:ln>
+              <a:latin typeface="나눔바른고딕" panose="020B0603020101020101" pitchFamily="50" charset="-127"/>
+              <a:ea typeface="나눔바른고딕" panose="020B0603020101020101" pitchFamily="50" charset="-127"/>
+            </a:endParaRPr>
+          </a:p>
+        </p:txBody>
+      </p:sp>
+    </p:spTree>
+    <p:extLst>
+      <p:ext uri="{BB962C8B-B14F-4D97-AF65-F5344CB8AC3E}">
+        <p14:creationId xmlns:p14="http://schemas.microsoft.com/office/powerpoint/2010/main" val="2419771681"/>
+      </p:ext>
+    </p:extLst>
+  </p:cSld>
+  <p:clrMapOvr>
+    <a:masterClrMapping/>
+  </p:clrMapOvr>
+</p:sld>
+</file>
+
+<file path=ppt/slides/slide21.xml><?xml version="1.0" encoding="utf-8"?>
+<p:sld xmlns:a="http://schemas.openxmlformats.org/drawingml/2006/main" xmlns:r="http://schemas.openxmlformats.org/officeDocument/2006/relationships" xmlns:p="http://schemas.openxmlformats.org/presentationml/2006/main">
+  <p:cSld>
+    <p:spTree>
+      <p:nvGrpSpPr>
+        <p:cNvPr id="1" name=""/>
+        <p:cNvGrpSpPr/>
+        <p:nvPr/>
+      </p:nvGrpSpPr>
+      <p:grpSpPr>
+        <a:xfrm>
+          <a:off x="0" y="0"/>
+          <a:ext cx="0" cy="0"/>
+          <a:chOff x="0" y="0"/>
+          <a:chExt cx="0" cy="0"/>
+        </a:xfrm>
+      </p:grpSpPr>
+      <p:sp>
+        <p:nvSpPr>
+          <p:cNvPr id="6" name="직사각형 5"/>
+          <p:cNvSpPr/>
+          <p:nvPr/>
+        </p:nvSpPr>
+        <p:spPr>
+          <a:xfrm>
+            <a:off x="5918118" y="401870"/>
+            <a:ext cx="3086101" cy="261610"/>
+          </a:xfrm>
+          <a:prstGeom prst="rect">
+            <a:avLst/>
+          </a:prstGeom>
+          <a:solidFill>
+            <a:schemeClr val="accent4">
+              <a:lumMod val="40000"/>
+              <a:lumOff val="60000"/>
+            </a:schemeClr>
+          </a:solidFill>
+        </p:spPr>
+        <p:txBody>
+          <a:bodyPr wrap="none">
+            <a:spAutoFit/>
+          </a:bodyPr>
+          <a:lstStyle/>
+          <a:p>
+            <a:pPr algn="r"/>
+            <a:r>
+              <a:rPr lang="en-US" altLang="ko-KR" sz="1100" b="1" dirty="0" smtClean="0">
+                <a:ln>
+                  <a:solidFill>
+                    <a:schemeClr val="tx1">
+                      <a:alpha val="0"/>
+                    </a:schemeClr>
+                  </a:solidFill>
+                </a:ln>
+                <a:latin typeface="나눔바른고딕" panose="020B0603020101020101" pitchFamily="50" charset="-127"/>
+                <a:ea typeface="나눔바른고딕" panose="020B0603020101020101" pitchFamily="50" charset="-127"/>
+              </a:rPr>
+              <a:t>'</a:t>
+            </a:r>
+            <a:r>
+              <a:rPr lang="ko-KR" altLang="en-US" sz="1100" b="1" dirty="0" smtClean="0">
+                <a:ln>
+                  <a:solidFill>
+                    <a:schemeClr val="tx1">
+                      <a:alpha val="0"/>
+                    </a:schemeClr>
+                  </a:solidFill>
+                </a:ln>
+                <a:latin typeface="나눔바른고딕" panose="020B0603020101020101" pitchFamily="50" charset="-127"/>
+                <a:ea typeface="나눔바른고딕" panose="020B0603020101020101" pitchFamily="50" charset="-127"/>
+              </a:rPr>
+              <a:t>미션 참여율을 높이면 구매전환수가 증가 할 것이다</a:t>
+            </a:r>
+            <a:r>
+              <a:rPr lang="en-US" altLang="ko-KR" sz="1100" b="1" dirty="0" smtClean="0">
+                <a:ln>
+                  <a:solidFill>
+                    <a:schemeClr val="tx1">
+                      <a:alpha val="0"/>
+                    </a:schemeClr>
+                  </a:solidFill>
+                </a:ln>
+                <a:latin typeface="나눔바른고딕" panose="020B0603020101020101" pitchFamily="50" charset="-127"/>
+                <a:ea typeface="나눔바른고딕" panose="020B0603020101020101" pitchFamily="50" charset="-127"/>
+              </a:rPr>
+              <a:t>'</a:t>
+            </a:r>
+            <a:endParaRPr lang="en-US" altLang="ko-KR" sz="1100" b="1" dirty="0">
+              <a:ln>
+                <a:solidFill>
+                  <a:schemeClr val="tx1">
+                    <a:alpha val="0"/>
+                  </a:schemeClr>
+                </a:solidFill>
+              </a:ln>
+              <a:latin typeface="나눔바른고딕" panose="020B0603020101020101" pitchFamily="50" charset="-127"/>
+              <a:ea typeface="나눔바른고딕" panose="020B0603020101020101" pitchFamily="50" charset="-127"/>
+            </a:endParaRPr>
+          </a:p>
+        </p:txBody>
+      </p:sp>
       <p:pic>
         <p:nvPicPr>
           <p:cNvPr id="2" name="그림 1"/>
@@ -16569,7 +19369,7 @@
         <p:spPr>
           <a:xfrm>
             <a:off x="180831" y="528536"/>
-            <a:ext cx="6170204" cy="400110"/>
+            <a:ext cx="5006311" cy="400110"/>
           </a:xfrm>
           <a:prstGeom prst="rect">
             <a:avLst/>
@@ -16597,7 +19397,77 @@
                 <a:latin typeface="나눔바른고딕" panose="020B0603020101020101" pitchFamily="50" charset="-127"/>
                 <a:ea typeface="나눔바른고딕" panose="020B0603020101020101" pitchFamily="50" charset="-127"/>
               </a:rPr>
-              <a:t>미션 참여율을 높이면 구매전환수가 증가 할 것이다</a:t>
+              <a:t>미션 참여율을 </a:t>
+            </a:r>
+            <a:r>
+              <a:rPr lang="ko-KR" altLang="en-US" sz="1000" dirty="0" smtClean="0">
+                <a:ln>
+                  <a:solidFill>
+                    <a:schemeClr val="tx1">
+                      <a:alpha val="0"/>
+                    </a:schemeClr>
+                  </a:solidFill>
+                </a:ln>
+                <a:latin typeface="나눔바른고딕" panose="020B0603020101020101" pitchFamily="50" charset="-127"/>
+                <a:ea typeface="나눔바른고딕" panose="020B0603020101020101" pitchFamily="50" charset="-127"/>
+              </a:rPr>
+              <a:t>높이는 인적자원 </a:t>
+            </a:r>
+            <a:r>
+              <a:rPr lang="ko-KR" altLang="en-US" sz="1000" dirty="0" smtClean="0">
+                <a:ln>
+                  <a:solidFill>
+                    <a:schemeClr val="tx1">
+                      <a:alpha val="0"/>
+                    </a:schemeClr>
+                  </a:solidFill>
+                </a:ln>
+                <a:latin typeface="나눔바른고딕" panose="020B0603020101020101" pitchFamily="50" charset="-127"/>
+                <a:ea typeface="나눔바른고딕" panose="020B0603020101020101" pitchFamily="50" charset="-127"/>
+              </a:rPr>
+              <a:t>대체 </a:t>
+            </a:r>
+            <a:r>
+              <a:rPr lang="en-US" altLang="ko-KR" sz="1000" dirty="0" smtClean="0">
+                <a:ln>
+                  <a:solidFill>
+                    <a:schemeClr val="tx1">
+                      <a:alpha val="0"/>
+                    </a:schemeClr>
+                  </a:solidFill>
+                </a:ln>
+                <a:latin typeface="나눔바른고딕" panose="020B0603020101020101" pitchFamily="50" charset="-127"/>
+                <a:ea typeface="나눔바른고딕" panose="020B0603020101020101" pitchFamily="50" charset="-127"/>
+              </a:rPr>
+              <a:t>: </a:t>
+            </a:r>
+            <a:r>
+              <a:rPr lang="ko-KR" altLang="en-US" sz="1000" dirty="0" err="1" smtClean="0">
+                <a:ln>
+                  <a:solidFill>
+                    <a:schemeClr val="tx1">
+                      <a:alpha val="0"/>
+                    </a:schemeClr>
+                  </a:solidFill>
+                </a:ln>
+                <a:latin typeface="나눔바른고딕" panose="020B0603020101020101" pitchFamily="50" charset="-127"/>
+                <a:ea typeface="나눔바른고딕" panose="020B0603020101020101" pitchFamily="50" charset="-127"/>
+              </a:rPr>
+              <a:t>채널톡을</a:t>
+            </a:r>
+            <a:r>
+              <a:rPr lang="ko-KR" altLang="en-US" sz="1000" dirty="0" smtClean="0">
+                <a:ln>
+                  <a:solidFill>
+                    <a:schemeClr val="tx1">
+                      <a:alpha val="0"/>
+                    </a:schemeClr>
+                  </a:solidFill>
+                </a:ln>
+                <a:latin typeface="나눔바른고딕" panose="020B0603020101020101" pitchFamily="50" charset="-127"/>
+                <a:ea typeface="나눔바른고딕" panose="020B0603020101020101" pitchFamily="50" charset="-127"/>
+              </a:rPr>
+              <a:t> 활용할 수 있지 않을까</a:t>
             </a:r>
             <a:endParaRPr lang="en-US" altLang="ko-KR" sz="1000" dirty="0" smtClean="0">
               <a:ln>
@@ -16628,49 +19498,7 @@
                 <a:latin typeface="나눔바른고딕" panose="020B0603020101020101" pitchFamily="50" charset="-127"/>
                 <a:ea typeface="나눔바른고딕" panose="020B0603020101020101" pitchFamily="50" charset="-127"/>
               </a:rPr>
-              <a:t>인적자원 대체 </a:t>
-            </a:r>
-            <a:r>
-              <a:rPr lang="en-US" altLang="ko-KR" sz="1000" dirty="0" smtClean="0">
-                <a:ln>
-                  <a:solidFill>
-                    <a:schemeClr val="tx1">
-                      <a:alpha val="0"/>
-                    </a:schemeClr>
-                  </a:solidFill>
-                </a:ln>
-                <a:latin typeface="나눔바른고딕" panose="020B0603020101020101" pitchFamily="50" charset="-127"/>
-                <a:ea typeface="나눔바른고딕" panose="020B0603020101020101" pitchFamily="50" charset="-127"/>
-              </a:rPr>
-              <a:t>: </a:t>
-            </a:r>
-            <a:r>
-              <a:rPr lang="ko-KR" altLang="en-US" sz="1000" dirty="0" err="1" smtClean="0">
-                <a:ln>
-                  <a:solidFill>
-                    <a:schemeClr val="tx1">
-                      <a:alpha val="0"/>
-                    </a:schemeClr>
-                  </a:solidFill>
-                </a:ln>
-                <a:latin typeface="나눔바른고딕" panose="020B0603020101020101" pitchFamily="50" charset="-127"/>
-                <a:ea typeface="나눔바른고딕" panose="020B0603020101020101" pitchFamily="50" charset="-127"/>
-              </a:rPr>
-              <a:t>채널톡으로</a:t>
-            </a:r>
-            <a:r>
-              <a:rPr lang="ko-KR" altLang="en-US" sz="1000" dirty="0" smtClean="0">
-                <a:ln>
-                  <a:solidFill>
-                    <a:schemeClr val="tx1">
-                      <a:alpha val="0"/>
-                    </a:schemeClr>
-                  </a:solidFill>
-                </a:ln>
-                <a:latin typeface="나눔바른고딕" panose="020B0603020101020101" pitchFamily="50" charset="-127"/>
-                <a:ea typeface="나눔바른고딕" panose="020B0603020101020101" pitchFamily="50" charset="-127"/>
-              </a:rPr>
-              <a:t> 올릴 수 있을 것이다</a:t>
+              <a:t>내주 진행 예정</a:t>
             </a:r>
             <a:endParaRPr lang="en-US" altLang="ko-KR" sz="1000" dirty="0">
               <a:ln>
@@ -16699,7 +19527,604 @@
 </p:sld>
 </file>
 
-<file path=ppt/slides/slide19.xml><?xml version="1.0" encoding="utf-8"?>
+<file path=ppt/slides/slide22.xml><?xml version="1.0" encoding="utf-8"?>
+<p:sld xmlns:a="http://schemas.openxmlformats.org/drawingml/2006/main" xmlns:r="http://schemas.openxmlformats.org/officeDocument/2006/relationships" xmlns:p="http://schemas.openxmlformats.org/presentationml/2006/main">
+  <p:cSld>
+    <p:spTree>
+      <p:nvGrpSpPr>
+        <p:cNvPr id="1" name=""/>
+        <p:cNvGrpSpPr/>
+        <p:nvPr/>
+      </p:nvGrpSpPr>
+      <p:grpSpPr>
+        <a:xfrm>
+          <a:off x="0" y="0"/>
+          <a:ext cx="0" cy="0"/>
+          <a:chOff x="0" y="0"/>
+          <a:chExt cx="0" cy="0"/>
+        </a:xfrm>
+      </p:grpSpPr>
+      <p:sp>
+        <p:nvSpPr>
+          <p:cNvPr id="8" name="직사각형 7"/>
+          <p:cNvSpPr/>
+          <p:nvPr/>
+        </p:nvSpPr>
+        <p:spPr>
+          <a:xfrm>
+            <a:off x="4978758" y="401870"/>
+            <a:ext cx="4025461" cy="261610"/>
+          </a:xfrm>
+          <a:prstGeom prst="rect">
+            <a:avLst/>
+          </a:prstGeom>
+          <a:solidFill>
+            <a:schemeClr val="accent4">
+              <a:lumMod val="40000"/>
+              <a:lumOff val="60000"/>
+            </a:schemeClr>
+          </a:solidFill>
+        </p:spPr>
+        <p:txBody>
+          <a:bodyPr wrap="none">
+            <a:spAutoFit/>
+          </a:bodyPr>
+          <a:lstStyle/>
+          <a:p>
+            <a:pPr algn="r"/>
+            <a:r>
+              <a:rPr lang="en-US" altLang="ko-KR" sz="1100" b="1" dirty="0" smtClean="0">
+                <a:ln>
+                  <a:solidFill>
+                    <a:schemeClr val="tx1">
+                      <a:alpha val="0"/>
+                    </a:schemeClr>
+                  </a:solidFill>
+                </a:ln>
+                <a:latin typeface="나눔바른고딕" panose="020B0603020101020101" pitchFamily="50" charset="-127"/>
+                <a:ea typeface="나눔바른고딕" panose="020B0603020101020101" pitchFamily="50" charset="-127"/>
+              </a:rPr>
+              <a:t>＇</a:t>
+            </a:r>
+            <a:r>
+              <a:rPr lang="ko-KR" altLang="en-US" sz="1100" b="1" dirty="0" err="1" smtClean="0">
+                <a:ln>
+                  <a:solidFill>
+                    <a:schemeClr val="tx1">
+                      <a:alpha val="0"/>
+                    </a:schemeClr>
+                  </a:solidFill>
+                </a:ln>
+                <a:latin typeface="나눔바른고딕" panose="020B0603020101020101" pitchFamily="50" charset="-127"/>
+                <a:ea typeface="나눔바른고딕" panose="020B0603020101020101" pitchFamily="50" charset="-127"/>
+              </a:rPr>
+              <a:t>커리큘럼별</a:t>
+            </a:r>
+            <a:r>
+              <a:rPr lang="ko-KR" altLang="en-US" sz="1100" b="1" dirty="0" smtClean="0">
+                <a:ln>
+                  <a:solidFill>
+                    <a:schemeClr val="tx1">
+                      <a:alpha val="0"/>
+                    </a:schemeClr>
+                  </a:solidFill>
+                </a:ln>
+                <a:latin typeface="나눔바른고딕" panose="020B0603020101020101" pitchFamily="50" charset="-127"/>
+                <a:ea typeface="나눔바른고딕" panose="020B0603020101020101" pitchFamily="50" charset="-127"/>
+              </a:rPr>
+              <a:t> 패키지를 만들면 패키지 구매 </a:t>
+            </a:r>
+            <a:r>
+              <a:rPr lang="ko-KR" altLang="en-US" sz="1100" b="1" dirty="0" err="1" smtClean="0">
+                <a:ln>
+                  <a:solidFill>
+                    <a:schemeClr val="tx1">
+                      <a:alpha val="0"/>
+                    </a:schemeClr>
+                  </a:solidFill>
+                </a:ln>
+                <a:latin typeface="나눔바른고딕" panose="020B0603020101020101" pitchFamily="50" charset="-127"/>
+                <a:ea typeface="나눔바른고딕" panose="020B0603020101020101" pitchFamily="50" charset="-127"/>
+              </a:rPr>
+              <a:t>전환수가</a:t>
+            </a:r>
+            <a:r>
+              <a:rPr lang="ko-KR" altLang="en-US" sz="1100" b="1" dirty="0" smtClean="0">
+                <a:ln>
+                  <a:solidFill>
+                    <a:schemeClr val="tx1">
+                      <a:alpha val="0"/>
+                    </a:schemeClr>
+                  </a:solidFill>
+                </a:ln>
+                <a:latin typeface="나눔바른고딕" panose="020B0603020101020101" pitchFamily="50" charset="-127"/>
+                <a:ea typeface="나눔바른고딕" panose="020B0603020101020101" pitchFamily="50" charset="-127"/>
+              </a:rPr>
+              <a:t> 증가 할 것이다</a:t>
+            </a:r>
+            <a:r>
+              <a:rPr lang="en-US" altLang="ko-KR" sz="1100" b="1" dirty="0" smtClean="0">
+                <a:ln>
+                  <a:solidFill>
+                    <a:schemeClr val="tx1">
+                      <a:alpha val="0"/>
+                    </a:schemeClr>
+                  </a:solidFill>
+                </a:ln>
+                <a:latin typeface="나눔바른고딕" panose="020B0603020101020101" pitchFamily="50" charset="-127"/>
+                <a:ea typeface="나눔바른고딕" panose="020B0603020101020101" pitchFamily="50" charset="-127"/>
+              </a:rPr>
+              <a:t>'</a:t>
+            </a:r>
+            <a:endParaRPr lang="en-US" altLang="ko-KR" sz="1100" b="1" dirty="0">
+              <a:ln>
+                <a:solidFill>
+                  <a:schemeClr val="tx1">
+                    <a:alpha val="0"/>
+                  </a:schemeClr>
+                </a:solidFill>
+              </a:ln>
+              <a:latin typeface="나눔바른고딕" panose="020B0603020101020101" pitchFamily="50" charset="-127"/>
+              <a:ea typeface="나눔바른고딕" panose="020B0603020101020101" pitchFamily="50" charset="-127"/>
+            </a:endParaRPr>
+          </a:p>
+        </p:txBody>
+      </p:sp>
+      <p:pic>
+        <p:nvPicPr>
+          <p:cNvPr id="2" name="그림 1"/>
+          <p:cNvPicPr>
+            <a:picLocks noChangeAspect="1"/>
+          </p:cNvPicPr>
+          <p:nvPr/>
+        </p:nvPicPr>
+        <p:blipFill>
+          <a:blip r:embed="rId2"/>
+          <a:stretch>
+            <a:fillRect/>
+          </a:stretch>
+        </p:blipFill>
+        <p:spPr>
+          <a:xfrm>
+            <a:off x="586201" y="1311872"/>
+            <a:ext cx="3805632" cy="2214804"/>
+          </a:xfrm>
+          <a:prstGeom prst="rect">
+            <a:avLst/>
+          </a:prstGeom>
+        </p:spPr>
+      </p:pic>
+      <p:sp>
+        <p:nvSpPr>
+          <p:cNvPr id="3" name="직사각형 2"/>
+          <p:cNvSpPr/>
+          <p:nvPr/>
+        </p:nvSpPr>
+        <p:spPr>
+          <a:xfrm>
+            <a:off x="136868" y="98606"/>
+            <a:ext cx="4572000" cy="253916"/>
+          </a:xfrm>
+          <a:prstGeom prst="rect">
+            <a:avLst/>
+          </a:prstGeom>
+        </p:spPr>
+        <p:txBody>
+          <a:bodyPr>
+            <a:spAutoFit/>
+          </a:bodyPr>
+          <a:lstStyle/>
+          <a:p>
+            <a:r>
+              <a:rPr lang="ko-KR" altLang="en-US" sz="1050" dirty="0" smtClean="0">
+                <a:ln>
+                  <a:solidFill>
+                    <a:schemeClr val="tx1">
+                      <a:alpha val="0"/>
+                    </a:schemeClr>
+                  </a:solidFill>
+                </a:ln>
+                <a:latin typeface="나눔바른고딕" panose="020B0603020101020101" pitchFamily="50" charset="-127"/>
+                <a:ea typeface="나눔바른고딕" panose="020B0603020101020101" pitchFamily="50" charset="-127"/>
+              </a:rPr>
+              <a:t>패키지에 대한 유입 증대 </a:t>
+            </a:r>
+            <a:r>
+              <a:rPr lang="en-US" altLang="ko-KR" sz="1050" dirty="0" smtClean="0">
+                <a:ln>
+                  <a:solidFill>
+                    <a:schemeClr val="tx1">
+                      <a:alpha val="0"/>
+                    </a:schemeClr>
+                  </a:solidFill>
+                </a:ln>
+                <a:latin typeface="나눔바른고딕" panose="020B0603020101020101" pitchFamily="50" charset="-127"/>
+                <a:ea typeface="나눔바른고딕" panose="020B0603020101020101" pitchFamily="50" charset="-127"/>
+              </a:rPr>
+              <a:t>: </a:t>
+            </a:r>
+            <a:r>
+              <a:rPr lang="ko-KR" altLang="en-US" sz="1050" dirty="0" err="1" smtClean="0">
+                <a:ln>
+                  <a:solidFill>
+                    <a:schemeClr val="tx1">
+                      <a:alpha val="0"/>
+                    </a:schemeClr>
+                  </a:solidFill>
+                </a:ln>
+                <a:latin typeface="나눔바른고딕" panose="020B0603020101020101" pitchFamily="50" charset="-127"/>
+                <a:ea typeface="나눔바른고딕" panose="020B0603020101020101" pitchFamily="50" charset="-127"/>
+              </a:rPr>
+              <a:t>커리큘럼별</a:t>
+            </a:r>
+            <a:r>
+              <a:rPr lang="ko-KR" altLang="en-US" sz="1050" dirty="0" smtClean="0">
+                <a:ln>
+                  <a:solidFill>
+                    <a:schemeClr val="tx1">
+                      <a:alpha val="0"/>
+                    </a:schemeClr>
+                  </a:solidFill>
+                </a:ln>
+                <a:latin typeface="나눔바른고딕" panose="020B0603020101020101" pitchFamily="50" charset="-127"/>
+                <a:ea typeface="나눔바른고딕" panose="020B0603020101020101" pitchFamily="50" charset="-127"/>
+              </a:rPr>
+              <a:t> 패키지 만들기</a:t>
+            </a:r>
+            <a:endParaRPr lang="ko-KR" altLang="en-US" sz="1050" b="1" dirty="0">
+              <a:ln>
+                <a:solidFill>
+                  <a:schemeClr val="tx1">
+                    <a:alpha val="0"/>
+                  </a:schemeClr>
+                </a:solidFill>
+              </a:ln>
+              <a:latin typeface="나눔바른고딕" panose="020B0603020101020101" pitchFamily="50" charset="-127"/>
+              <a:ea typeface="나눔바른고딕" panose="020B0603020101020101" pitchFamily="50" charset="-127"/>
+            </a:endParaRPr>
+          </a:p>
+        </p:txBody>
+      </p:sp>
+      <p:cxnSp>
+        <p:nvCxnSpPr>
+          <p:cNvPr id="4" name="직선 연결선 3"/>
+          <p:cNvCxnSpPr/>
+          <p:nvPr/>
+        </p:nvCxnSpPr>
+        <p:spPr>
+          <a:xfrm>
+            <a:off x="136868" y="401870"/>
+            <a:ext cx="8867351" cy="0"/>
+          </a:xfrm>
+          <a:prstGeom prst="line">
+            <a:avLst/>
+          </a:prstGeom>
+          <a:ln>
+            <a:solidFill>
+              <a:schemeClr val="tx1"/>
+            </a:solidFill>
+          </a:ln>
+        </p:spPr>
+        <p:style>
+          <a:lnRef idx="1">
+            <a:schemeClr val="accent1"/>
+          </a:lnRef>
+          <a:fillRef idx="0">
+            <a:schemeClr val="accent1"/>
+          </a:fillRef>
+          <a:effectRef idx="0">
+            <a:schemeClr val="accent1"/>
+          </a:effectRef>
+          <a:fontRef idx="minor">
+            <a:schemeClr val="tx1"/>
+          </a:fontRef>
+        </p:style>
+      </p:cxnSp>
+      <p:pic>
+        <p:nvPicPr>
+          <p:cNvPr id="5" name="그림 4"/>
+          <p:cNvPicPr>
+            <a:picLocks noChangeAspect="1"/>
+          </p:cNvPicPr>
+          <p:nvPr/>
+        </p:nvPicPr>
+        <p:blipFill>
+          <a:blip r:embed="rId3"/>
+          <a:stretch>
+            <a:fillRect/>
+          </a:stretch>
+        </p:blipFill>
+        <p:spPr>
+          <a:xfrm>
+            <a:off x="4570543" y="999445"/>
+            <a:ext cx="4105638" cy="2599911"/>
+          </a:xfrm>
+          <a:prstGeom prst="rect">
+            <a:avLst/>
+          </a:prstGeom>
+        </p:spPr>
+      </p:pic>
+      <p:pic>
+        <p:nvPicPr>
+          <p:cNvPr id="6" name="그림 5"/>
+          <p:cNvPicPr>
+            <a:picLocks noChangeAspect="1"/>
+          </p:cNvPicPr>
+          <p:nvPr/>
+        </p:nvPicPr>
+        <p:blipFill>
+          <a:blip r:embed="rId4"/>
+          <a:stretch>
+            <a:fillRect/>
+          </a:stretch>
+        </p:blipFill>
+        <p:spPr>
+          <a:xfrm>
+            <a:off x="4570543" y="3732360"/>
+            <a:ext cx="4059911" cy="2639105"/>
+          </a:xfrm>
+          <a:prstGeom prst="rect">
+            <a:avLst/>
+          </a:prstGeom>
+        </p:spPr>
+      </p:pic>
+      <p:sp>
+        <p:nvSpPr>
+          <p:cNvPr id="7" name="직사각형 6"/>
+          <p:cNvSpPr/>
+          <p:nvPr/>
+        </p:nvSpPr>
+        <p:spPr>
+          <a:xfrm>
+            <a:off x="465571" y="4682580"/>
+            <a:ext cx="4046893" cy="738664"/>
+          </a:xfrm>
+          <a:prstGeom prst="rect">
+            <a:avLst/>
+          </a:prstGeom>
+        </p:spPr>
+        <p:txBody>
+          <a:bodyPr wrap="square">
+            <a:spAutoFit/>
+          </a:bodyPr>
+          <a:lstStyle/>
+          <a:p>
+            <a:r>
+              <a:rPr lang="ko-KR" altLang="en-US" sz="1050" b="1" dirty="0" smtClean="0">
+                <a:ln>
+                  <a:solidFill>
+                    <a:schemeClr val="tx1">
+                      <a:alpha val="0"/>
+                    </a:schemeClr>
+                  </a:solidFill>
+                </a:ln>
+                <a:latin typeface="나눔바른고딕" panose="020B0603020101020101" pitchFamily="50" charset="-127"/>
+                <a:ea typeface="나눔바른고딕" panose="020B0603020101020101" pitchFamily="50" charset="-127"/>
+              </a:rPr>
+              <a:t>커리큘럼에 대한 높은 관심도</a:t>
+            </a:r>
+            <a:r>
+              <a:rPr lang="en-US" altLang="ko-KR" sz="1050" b="1" dirty="0">
+                <a:ln>
+                  <a:solidFill>
+                    <a:schemeClr val="tx1">
+                      <a:alpha val="0"/>
+                    </a:schemeClr>
+                  </a:solidFill>
+                </a:ln>
+                <a:latin typeface="나눔바른고딕" panose="020B0603020101020101" pitchFamily="50" charset="-127"/>
+                <a:ea typeface="나눔바른고딕" panose="020B0603020101020101" pitchFamily="50" charset="-127"/>
+              </a:rPr>
+              <a:t> </a:t>
+            </a:r>
+            <a:r>
+              <a:rPr lang="en-US" altLang="ko-KR" sz="1050" b="1" dirty="0" smtClean="0">
+                <a:ln>
+                  <a:solidFill>
+                    <a:schemeClr val="tx1">
+                      <a:alpha val="0"/>
+                    </a:schemeClr>
+                  </a:solidFill>
+                </a:ln>
+                <a:latin typeface="나눔바른고딕" panose="020B0603020101020101" pitchFamily="50" charset="-127"/>
+                <a:ea typeface="나눔바른고딕" panose="020B0603020101020101" pitchFamily="50" charset="-127"/>
+                <a:sym typeface="Wingdings" panose="05000000000000000000" pitchFamily="2" charset="2"/>
+              </a:rPr>
+              <a:t></a:t>
+            </a:r>
+            <a:r>
+              <a:rPr lang="en-US" altLang="ko-KR" sz="1050" b="1" dirty="0" smtClean="0">
+                <a:ln>
+                  <a:solidFill>
+                    <a:schemeClr val="tx1">
+                      <a:alpha val="0"/>
+                    </a:schemeClr>
+                  </a:solidFill>
+                </a:ln>
+                <a:latin typeface="나눔바른고딕" panose="020B0603020101020101" pitchFamily="50" charset="-127"/>
+                <a:ea typeface="나눔바른고딕" panose="020B0603020101020101" pitchFamily="50" charset="-127"/>
+              </a:rPr>
+              <a:t> </a:t>
+            </a:r>
+            <a:r>
+              <a:rPr lang="ko-KR" altLang="en-US" sz="1050" b="1" dirty="0" smtClean="0">
+                <a:ln>
+                  <a:solidFill>
+                    <a:schemeClr val="tx1">
+                      <a:alpha val="0"/>
+                    </a:schemeClr>
+                  </a:solidFill>
+                </a:ln>
+                <a:latin typeface="나눔바른고딕" panose="020B0603020101020101" pitchFamily="50" charset="-127"/>
+                <a:ea typeface="나눔바른고딕" panose="020B0603020101020101" pitchFamily="50" charset="-127"/>
+              </a:rPr>
+              <a:t>커리큘럼에 따른 수강신청</a:t>
+            </a:r>
+            <a:endParaRPr lang="en-US" altLang="ko-KR" sz="1050" b="1" dirty="0" smtClean="0">
+              <a:ln>
+                <a:solidFill>
+                  <a:schemeClr val="tx1">
+                    <a:alpha val="0"/>
+                  </a:schemeClr>
+                </a:solidFill>
+              </a:ln>
+              <a:latin typeface="나눔바른고딕" panose="020B0603020101020101" pitchFamily="50" charset="-127"/>
+              <a:ea typeface="나눔바른고딕" panose="020B0603020101020101" pitchFamily="50" charset="-127"/>
+            </a:endParaRPr>
+          </a:p>
+          <a:p>
+            <a:endParaRPr lang="en-US" altLang="ko-KR" sz="1050" dirty="0">
+              <a:ln>
+                <a:solidFill>
+                  <a:schemeClr val="tx1">
+                    <a:alpha val="0"/>
+                  </a:schemeClr>
+                </a:solidFill>
+              </a:ln>
+              <a:latin typeface="나눔바른고딕" panose="020B0603020101020101" pitchFamily="50" charset="-127"/>
+              <a:ea typeface="나눔바른고딕" panose="020B0603020101020101" pitchFamily="50" charset="-127"/>
+            </a:endParaRPr>
+          </a:p>
+          <a:p>
+            <a:r>
+              <a:rPr lang="ko-KR" altLang="en-US" sz="1050" dirty="0" smtClean="0">
+                <a:ln>
+                  <a:solidFill>
+                    <a:schemeClr val="tx1">
+                      <a:alpha val="0"/>
+                    </a:schemeClr>
+                  </a:solidFill>
+                </a:ln>
+                <a:latin typeface="나눔바른고딕" panose="020B0603020101020101" pitchFamily="50" charset="-127"/>
+                <a:ea typeface="나눔바른고딕" panose="020B0603020101020101" pitchFamily="50" charset="-127"/>
+              </a:rPr>
+              <a:t>조금 </a:t>
+            </a:r>
+            <a:r>
+              <a:rPr lang="ko-KR" altLang="en-US" sz="1050" dirty="0" smtClean="0">
+                <a:ln>
+                  <a:solidFill>
+                    <a:schemeClr val="tx1">
+                      <a:alpha val="0"/>
+                    </a:schemeClr>
+                  </a:solidFill>
+                </a:ln>
+                <a:latin typeface="나눔바른고딕" panose="020B0603020101020101" pitchFamily="50" charset="-127"/>
+                <a:ea typeface="나눔바른고딕" panose="020B0603020101020101" pitchFamily="50" charset="-127"/>
+              </a:rPr>
+              <a:t>더 명확한 커리큘럼을 만들어 </a:t>
+            </a:r>
+            <a:r>
+              <a:rPr lang="en-US" altLang="ko-KR" sz="1050" dirty="0" smtClean="0">
+                <a:ln>
+                  <a:solidFill>
+                    <a:schemeClr val="tx1">
+                      <a:alpha val="0"/>
+                    </a:schemeClr>
+                  </a:solidFill>
+                </a:ln>
+                <a:latin typeface="나눔바른고딕" panose="020B0603020101020101" pitchFamily="50" charset="-127"/>
+                <a:ea typeface="나눔바른고딕" panose="020B0603020101020101" pitchFamily="50" charset="-127"/>
+              </a:rPr>
+              <a:t/>
+            </a:r>
+            <a:br>
+              <a:rPr lang="en-US" altLang="ko-KR" sz="1050" dirty="0" smtClean="0">
+                <a:ln>
+                  <a:solidFill>
+                    <a:schemeClr val="tx1">
+                      <a:alpha val="0"/>
+                    </a:schemeClr>
+                  </a:solidFill>
+                </a:ln>
+                <a:latin typeface="나눔바른고딕" panose="020B0603020101020101" pitchFamily="50" charset="-127"/>
+                <a:ea typeface="나눔바른고딕" panose="020B0603020101020101" pitchFamily="50" charset="-127"/>
+              </a:rPr>
+            </a:br>
+            <a:r>
+              <a:rPr lang="ko-KR" altLang="en-US" sz="1050" dirty="0" smtClean="0">
+                <a:ln>
+                  <a:solidFill>
+                    <a:schemeClr val="tx1">
+                      <a:alpha val="0"/>
+                    </a:schemeClr>
+                  </a:solidFill>
+                </a:ln>
+                <a:latin typeface="나눔바른고딕" panose="020B0603020101020101" pitchFamily="50" charset="-127"/>
+                <a:ea typeface="나눔바른고딕" panose="020B0603020101020101" pitchFamily="50" charset="-127"/>
+              </a:rPr>
+              <a:t>그 </a:t>
+            </a:r>
+            <a:r>
+              <a:rPr lang="ko-KR" altLang="en-US" sz="1050" dirty="0" smtClean="0">
+                <a:ln>
+                  <a:solidFill>
+                    <a:schemeClr val="tx1">
+                      <a:alpha val="0"/>
+                    </a:schemeClr>
+                  </a:solidFill>
+                </a:ln>
+                <a:latin typeface="나눔바른고딕" panose="020B0603020101020101" pitchFamily="50" charset="-127"/>
+                <a:ea typeface="나눔바른고딕" panose="020B0603020101020101" pitchFamily="50" charset="-127"/>
+              </a:rPr>
+              <a:t>커리큘럼을 통째로 </a:t>
+            </a:r>
+            <a:r>
+              <a:rPr lang="ko-KR" altLang="en-US" sz="1050" dirty="0" err="1" smtClean="0">
+                <a:ln>
+                  <a:solidFill>
+                    <a:schemeClr val="tx1">
+                      <a:alpha val="0"/>
+                    </a:schemeClr>
+                  </a:solidFill>
+                </a:ln>
+                <a:latin typeface="나눔바른고딕" panose="020B0603020101020101" pitchFamily="50" charset="-127"/>
+                <a:ea typeface="나눔바른고딕" panose="020B0603020101020101" pitchFamily="50" charset="-127"/>
+              </a:rPr>
+              <a:t>수강신청할</a:t>
+            </a:r>
+            <a:r>
+              <a:rPr lang="ko-KR" altLang="en-US" sz="1050" dirty="0" smtClean="0">
+                <a:ln>
+                  <a:solidFill>
+                    <a:schemeClr val="tx1">
+                      <a:alpha val="0"/>
+                    </a:schemeClr>
+                  </a:solidFill>
+                </a:ln>
+                <a:latin typeface="나눔바른고딕" panose="020B0603020101020101" pitchFamily="50" charset="-127"/>
+                <a:ea typeface="나눔바른고딕" panose="020B0603020101020101" pitchFamily="50" charset="-127"/>
+              </a:rPr>
+              <a:t> 수 있도록 만드는 방식으로 활용 가능</a:t>
+            </a:r>
+            <a:endParaRPr lang="ko-KR" altLang="en-US" sz="1050" b="1" dirty="0">
+              <a:ln>
+                <a:solidFill>
+                  <a:schemeClr val="tx1">
+                    <a:alpha val="0"/>
+                  </a:schemeClr>
+                </a:solidFill>
+              </a:ln>
+              <a:latin typeface="나눔바른고딕" panose="020B0603020101020101" pitchFamily="50" charset="-127"/>
+              <a:ea typeface="나눔바른고딕" panose="020B0603020101020101" pitchFamily="50" charset="-127"/>
+            </a:endParaRPr>
+          </a:p>
+        </p:txBody>
+      </p:sp>
+    </p:spTree>
+    <p:extLst>
+      <p:ext uri="{BB962C8B-B14F-4D97-AF65-F5344CB8AC3E}">
+        <p14:creationId xmlns:p14="http://schemas.microsoft.com/office/powerpoint/2010/main" val="29482825"/>
+      </p:ext>
+    </p:extLst>
+  </p:cSld>
+  <p:clrMapOvr>
+    <a:masterClrMapping/>
+  </p:clrMapOvr>
+</p:sld>
+</file>
+
+<file path=ppt/slides/slide23.xml><?xml version="1.0" encoding="utf-8"?>
 <p:sld xmlns:a="http://schemas.openxmlformats.org/drawingml/2006/main" xmlns:r="http://schemas.openxmlformats.org/officeDocument/2006/relationships" xmlns:p="http://schemas.openxmlformats.org/presentationml/2006/main">
   <p:cSld>
     <p:spTree>
@@ -17050,7 +20475,87 @@
 </p:sld>
 </file>
 
-<file path=ppt/slides/slide2.xml><?xml version="1.0" encoding="utf-8"?>
+<file path=ppt/slides/slide24.xml><?xml version="1.0" encoding="utf-8"?>
+<p:sld xmlns:a="http://schemas.openxmlformats.org/drawingml/2006/main" xmlns:r="http://schemas.openxmlformats.org/officeDocument/2006/relationships" xmlns:p="http://schemas.openxmlformats.org/presentationml/2006/main">
+  <p:cSld>
+    <p:spTree>
+      <p:nvGrpSpPr>
+        <p:cNvPr id="1" name=""/>
+        <p:cNvGrpSpPr/>
+        <p:nvPr/>
+      </p:nvGrpSpPr>
+      <p:grpSpPr>
+        <a:xfrm>
+          <a:off x="0" y="0"/>
+          <a:ext cx="0" cy="0"/>
+          <a:chOff x="0" y="0"/>
+          <a:chExt cx="0" cy="0"/>
+        </a:xfrm>
+      </p:grpSpPr>
+      <p:sp>
+        <p:nvSpPr>
+          <p:cNvPr id="2" name="직사각형 1"/>
+          <p:cNvSpPr/>
+          <p:nvPr/>
+        </p:nvSpPr>
+        <p:spPr>
+          <a:xfrm>
+            <a:off x="1202649" y="2754719"/>
+            <a:ext cx="6765694" cy="646331"/>
+          </a:xfrm>
+          <a:prstGeom prst="rect">
+            <a:avLst/>
+          </a:prstGeom>
+        </p:spPr>
+        <p:txBody>
+          <a:bodyPr wrap="square">
+            <a:spAutoFit/>
+          </a:bodyPr>
+          <a:lstStyle/>
+          <a:p>
+            <a:pPr algn="ctr"/>
+            <a:r>
+              <a:rPr lang="ko-KR" altLang="en-US" sz="3600" b="1" dirty="0" smtClean="0">
+                <a:ln>
+                  <a:solidFill>
+                    <a:schemeClr val="tx1">
+                      <a:alpha val="0"/>
+                    </a:schemeClr>
+                  </a:solidFill>
+                </a:ln>
+                <a:latin typeface="나눔바른고딕" panose="020B0603020101020101" pitchFamily="50" charset="-127"/>
+                <a:ea typeface="나눔바른고딕" panose="020B0603020101020101" pitchFamily="50" charset="-127"/>
+              </a:rPr>
+              <a:t>네이버 키워드 광고</a:t>
+            </a:r>
+            <a:endParaRPr lang="en-US" altLang="ko-KR" sz="3600" b="1" dirty="0" smtClean="0">
+              <a:ln>
+                <a:solidFill>
+                  <a:schemeClr val="tx1">
+                    <a:alpha val="0"/>
+                  </a:schemeClr>
+                </a:solidFill>
+              </a:ln>
+              <a:latin typeface="나눔바른고딕" panose="020B0603020101020101" pitchFamily="50" charset="-127"/>
+              <a:ea typeface="나눔바른고딕" panose="020B0603020101020101" pitchFamily="50" charset="-127"/>
+            </a:endParaRPr>
+          </a:p>
+        </p:txBody>
+      </p:sp>
+    </p:spTree>
+    <p:extLst>
+      <p:ext uri="{BB962C8B-B14F-4D97-AF65-F5344CB8AC3E}">
+        <p14:creationId xmlns:p14="http://schemas.microsoft.com/office/powerpoint/2010/main" val="4190138540"/>
+      </p:ext>
+    </p:extLst>
+  </p:cSld>
+  <p:clrMapOvr>
+    <a:masterClrMapping/>
+  </p:clrMapOvr>
+</p:sld>
+</file>
+
+<file path=ppt/slides/slide25.xml><?xml version="1.0" encoding="utf-8"?>
 <p:sld xmlns:a="http://schemas.openxmlformats.org/drawingml/2006/main" xmlns:r="http://schemas.openxmlformats.org/officeDocument/2006/relationships" xmlns:p="http://schemas.openxmlformats.org/presentationml/2006/main">
   <p:cSld>
     <p:spTree>
@@ -17083,1787 +20588,8 @@
         </p:blipFill>
         <p:spPr>
           <a:xfrm>
-            <a:off x="772909" y="1154340"/>
-            <a:ext cx="7871917" cy="2952579"/>
-          </a:xfrm>
-          <a:prstGeom prst="rect">
-            <a:avLst/>
-          </a:prstGeom>
-        </p:spPr>
-      </p:pic>
-      <p:sp>
-        <p:nvSpPr>
-          <p:cNvPr id="3" name="직사각형 2"/>
-          <p:cNvSpPr/>
-          <p:nvPr/>
-        </p:nvSpPr>
-        <p:spPr>
-          <a:xfrm>
-            <a:off x="136868" y="98606"/>
-            <a:ext cx="4572000" cy="253916"/>
-          </a:xfrm>
-          <a:prstGeom prst="rect">
-            <a:avLst/>
-          </a:prstGeom>
-        </p:spPr>
-        <p:txBody>
-          <a:bodyPr>
-            <a:spAutoFit/>
-          </a:bodyPr>
-          <a:lstStyle/>
-          <a:p>
-            <a:r>
-              <a:rPr lang="en-US" altLang="ko-KR" sz="1050" dirty="0" smtClean="0">
-                <a:ln>
-                  <a:solidFill>
-                    <a:schemeClr val="tx1">
-                      <a:alpha val="0"/>
-                    </a:schemeClr>
-                  </a:solidFill>
-                </a:ln>
-                <a:latin typeface="나눔바른고딕" panose="020B0603020101020101" pitchFamily="50" charset="-127"/>
-                <a:ea typeface="나눔바른고딕" panose="020B0603020101020101" pitchFamily="50" charset="-127"/>
-              </a:rPr>
-              <a:t>GA &gt; </a:t>
-            </a:r>
-            <a:r>
-              <a:rPr lang="ko-KR" altLang="en-US" sz="1050" dirty="0" smtClean="0">
-                <a:ln>
-                  <a:solidFill>
-                    <a:schemeClr val="tx1">
-                      <a:alpha val="0"/>
-                    </a:schemeClr>
-                  </a:solidFill>
-                </a:ln>
-                <a:latin typeface="나눔바른고딕" panose="020B0603020101020101" pitchFamily="50" charset="-127"/>
-                <a:ea typeface="나눔바른고딕" panose="020B0603020101020101" pitchFamily="50" charset="-127"/>
-              </a:rPr>
-              <a:t>잠재고객 </a:t>
-            </a:r>
-            <a:r>
-              <a:rPr lang="en-US" altLang="ko-KR" sz="1050" dirty="0" smtClean="0">
-                <a:ln>
-                  <a:solidFill>
-                    <a:schemeClr val="tx1">
-                      <a:alpha val="0"/>
-                    </a:schemeClr>
-                  </a:solidFill>
-                </a:ln>
-                <a:latin typeface="나눔바른고딕" panose="020B0603020101020101" pitchFamily="50" charset="-127"/>
-                <a:ea typeface="나눔바른고딕" panose="020B0603020101020101" pitchFamily="50" charset="-127"/>
-              </a:rPr>
-              <a:t>&gt; </a:t>
-            </a:r>
-            <a:r>
-              <a:rPr lang="ko-KR" altLang="en-US" sz="1050" dirty="0" smtClean="0">
-                <a:ln>
-                  <a:solidFill>
-                    <a:schemeClr val="tx1">
-                      <a:alpha val="0"/>
-                    </a:schemeClr>
-                  </a:solidFill>
-                </a:ln>
-                <a:latin typeface="나눔바른고딕" panose="020B0603020101020101" pitchFamily="50" charset="-127"/>
-                <a:ea typeface="나눔바른고딕" panose="020B0603020101020101" pitchFamily="50" charset="-127"/>
-              </a:rPr>
-              <a:t>개요</a:t>
-            </a:r>
-            <a:endParaRPr lang="ko-KR" altLang="en-US" sz="1050" b="1" dirty="0">
-              <a:ln>
-                <a:solidFill>
-                  <a:schemeClr val="tx1">
-                    <a:alpha val="0"/>
-                  </a:schemeClr>
-                </a:solidFill>
-              </a:ln>
-              <a:latin typeface="나눔바른고딕" panose="020B0603020101020101" pitchFamily="50" charset="-127"/>
-              <a:ea typeface="나눔바른고딕" panose="020B0603020101020101" pitchFamily="50" charset="-127"/>
-            </a:endParaRPr>
-          </a:p>
-        </p:txBody>
-      </p:sp>
-      <p:sp>
-        <p:nvSpPr>
-          <p:cNvPr id="4" name="직사각형 3"/>
-          <p:cNvSpPr/>
-          <p:nvPr/>
-        </p:nvSpPr>
-        <p:spPr>
-          <a:xfrm>
-            <a:off x="142691" y="415035"/>
-            <a:ext cx="3899305" cy="215444"/>
-          </a:xfrm>
-          <a:prstGeom prst="rect">
-            <a:avLst/>
-          </a:prstGeom>
-        </p:spPr>
-        <p:txBody>
-          <a:bodyPr wrap="square">
-            <a:spAutoFit/>
-          </a:bodyPr>
-          <a:lstStyle/>
-          <a:p>
-            <a:r>
-              <a:rPr lang="ko-KR" altLang="en-US" sz="800" dirty="0" smtClean="0">
-                <a:ln>
-                  <a:solidFill>
-                    <a:schemeClr val="tx1">
-                      <a:alpha val="0"/>
-                    </a:schemeClr>
-                  </a:solidFill>
-                </a:ln>
-                <a:solidFill>
-                  <a:schemeClr val="tx1">
-                    <a:lumMod val="65000"/>
-                    <a:lumOff val="35000"/>
-                  </a:schemeClr>
-                </a:solidFill>
-                <a:latin typeface="나눔바른고딕" panose="020B0603020101020101" pitchFamily="50" charset="-127"/>
-                <a:ea typeface="나눔바른고딕" panose="020B0603020101020101" pitchFamily="50" charset="-127"/>
-              </a:rPr>
-              <a:t>유의 </a:t>
-            </a:r>
-            <a:r>
-              <a:rPr lang="en-US" altLang="ko-KR" sz="800" dirty="0" smtClean="0">
-                <a:ln>
-                  <a:solidFill>
-                    <a:schemeClr val="tx1">
-                      <a:alpha val="0"/>
-                    </a:schemeClr>
-                  </a:solidFill>
-                </a:ln>
-                <a:solidFill>
-                  <a:schemeClr val="tx1">
-                    <a:lumMod val="65000"/>
-                    <a:lumOff val="35000"/>
-                  </a:schemeClr>
-                </a:solidFill>
-                <a:latin typeface="나눔바른고딕" panose="020B0603020101020101" pitchFamily="50" charset="-127"/>
-                <a:ea typeface="나눔바른고딕" panose="020B0603020101020101" pitchFamily="50" charset="-127"/>
-              </a:rPr>
-              <a:t>: </a:t>
-            </a:r>
-            <a:r>
-              <a:rPr lang="ko-KR" altLang="en-US" sz="800" dirty="0" smtClean="0">
-                <a:ln>
-                  <a:solidFill>
-                    <a:schemeClr val="tx1">
-                      <a:alpha val="0"/>
-                    </a:schemeClr>
-                  </a:solidFill>
-                </a:ln>
-                <a:solidFill>
-                  <a:schemeClr val="tx1">
-                    <a:lumMod val="65000"/>
-                    <a:lumOff val="35000"/>
-                  </a:schemeClr>
-                </a:solidFill>
-                <a:latin typeface="나눔바른고딕" panose="020B0603020101020101" pitchFamily="50" charset="-127"/>
-                <a:ea typeface="나눔바른고딕" panose="020B0603020101020101" pitchFamily="50" charset="-127"/>
-              </a:rPr>
-              <a:t>쿠키를 삭제한 직원</a:t>
-            </a:r>
-            <a:r>
-              <a:rPr lang="en-US" altLang="ko-KR" sz="800" dirty="0" smtClean="0">
-                <a:ln>
-                  <a:solidFill>
-                    <a:schemeClr val="tx1">
-                      <a:alpha val="0"/>
-                    </a:schemeClr>
-                  </a:solidFill>
-                </a:ln>
-                <a:solidFill>
-                  <a:schemeClr val="tx1">
-                    <a:lumMod val="65000"/>
-                    <a:lumOff val="35000"/>
-                  </a:schemeClr>
-                </a:solidFill>
-                <a:latin typeface="나눔바른고딕" panose="020B0603020101020101" pitchFamily="50" charset="-127"/>
-                <a:ea typeface="나눔바른고딕" panose="020B0603020101020101" pitchFamily="50" charset="-127"/>
-              </a:rPr>
-              <a:t>, </a:t>
-            </a:r>
-            <a:r>
-              <a:rPr lang="ko-KR" altLang="en-US" sz="800" dirty="0" smtClean="0">
-                <a:ln>
-                  <a:solidFill>
-                    <a:schemeClr val="tx1">
-                      <a:alpha val="0"/>
-                    </a:schemeClr>
-                  </a:solidFill>
-                </a:ln>
-                <a:solidFill>
-                  <a:schemeClr val="tx1">
-                    <a:lumMod val="65000"/>
-                    <a:lumOff val="35000"/>
-                  </a:schemeClr>
-                </a:solidFill>
-                <a:latin typeface="나눔바른고딕" panose="020B0603020101020101" pitchFamily="50" charset="-127"/>
-                <a:ea typeface="나눔바른고딕" panose="020B0603020101020101" pitchFamily="50" charset="-127"/>
-              </a:rPr>
-              <a:t>학생의 경우도 신규 방문자로 기록 되기 때문에 포함된 수치입니다</a:t>
-            </a:r>
-            <a:endParaRPr lang="ko-KR" altLang="en-US" sz="800" dirty="0">
-              <a:ln>
-                <a:solidFill>
-                  <a:schemeClr val="tx1">
-                    <a:alpha val="0"/>
-                  </a:schemeClr>
-                </a:solidFill>
-              </a:ln>
-              <a:solidFill>
-                <a:schemeClr val="tx1">
-                  <a:lumMod val="65000"/>
-                  <a:lumOff val="35000"/>
-                </a:schemeClr>
-              </a:solidFill>
-              <a:latin typeface="나눔바른고딕" panose="020B0603020101020101" pitchFamily="50" charset="-127"/>
-              <a:ea typeface="나눔바른고딕" panose="020B0603020101020101" pitchFamily="50" charset="-127"/>
-            </a:endParaRPr>
-          </a:p>
-        </p:txBody>
-      </p:sp>
-      <p:cxnSp>
-        <p:nvCxnSpPr>
-          <p:cNvPr id="5" name="직선 연결선 4"/>
-          <p:cNvCxnSpPr/>
-          <p:nvPr/>
-        </p:nvCxnSpPr>
-        <p:spPr>
-          <a:xfrm>
-            <a:off x="136868" y="401870"/>
-            <a:ext cx="8867351" cy="0"/>
-          </a:xfrm>
-          <a:prstGeom prst="line">
-            <a:avLst/>
-          </a:prstGeom>
-          <a:ln>
-            <a:solidFill>
-              <a:schemeClr val="tx1"/>
-            </a:solidFill>
-          </a:ln>
-        </p:spPr>
-        <p:style>
-          <a:lnRef idx="1">
-            <a:schemeClr val="accent1"/>
-          </a:lnRef>
-          <a:fillRef idx="0">
-            <a:schemeClr val="accent1"/>
-          </a:fillRef>
-          <a:effectRef idx="0">
-            <a:schemeClr val="accent1"/>
-          </a:effectRef>
-          <a:fontRef idx="minor">
-            <a:schemeClr val="tx1"/>
-          </a:fontRef>
-        </p:style>
-      </p:cxnSp>
-      <p:sp>
-        <p:nvSpPr>
-          <p:cNvPr id="6" name="직사각형 5"/>
-          <p:cNvSpPr/>
-          <p:nvPr/>
-        </p:nvSpPr>
-        <p:spPr>
-          <a:xfrm>
-            <a:off x="6838241" y="414873"/>
-            <a:ext cx="2165978" cy="261610"/>
-          </a:xfrm>
-          <a:prstGeom prst="rect">
-            <a:avLst/>
-          </a:prstGeom>
-          <a:solidFill>
-            <a:schemeClr val="accent4">
-              <a:lumMod val="40000"/>
-              <a:lumOff val="60000"/>
-            </a:schemeClr>
-          </a:solidFill>
-        </p:spPr>
-        <p:txBody>
-          <a:bodyPr wrap="none">
-            <a:spAutoFit/>
-          </a:bodyPr>
-          <a:lstStyle/>
-          <a:p>
-            <a:pPr algn="r"/>
-            <a:r>
-              <a:rPr lang="ko-KR" altLang="en-US" sz="1100" dirty="0">
-                <a:ln>
-                  <a:solidFill>
-                    <a:schemeClr val="tx1">
-                      <a:alpha val="0"/>
-                    </a:schemeClr>
-                  </a:solidFill>
-                </a:ln>
-                <a:latin typeface="나눔바른고딕" panose="020B0603020101020101" pitchFamily="50" charset="-127"/>
-                <a:ea typeface="나눔바른고딕" panose="020B0603020101020101" pitchFamily="50" charset="-127"/>
-              </a:rPr>
-              <a:t>현재 일 평균 신규 방문자 </a:t>
-            </a:r>
-            <a:r>
-              <a:rPr lang="en-US" altLang="ko-KR" sz="1100" dirty="0">
-                <a:ln>
-                  <a:solidFill>
-                    <a:schemeClr val="tx1">
-                      <a:alpha val="0"/>
-                    </a:schemeClr>
-                  </a:solidFill>
-                </a:ln>
-                <a:latin typeface="나눔바른고딕" panose="020B0603020101020101" pitchFamily="50" charset="-127"/>
-                <a:ea typeface="나눔바른고딕" panose="020B0603020101020101" pitchFamily="50" charset="-127"/>
-              </a:rPr>
-              <a:t>45</a:t>
-            </a:r>
-            <a:r>
-              <a:rPr lang="ko-KR" altLang="en-US" sz="1100" dirty="0" smtClean="0">
-                <a:ln>
-                  <a:solidFill>
-                    <a:schemeClr val="tx1">
-                      <a:alpha val="0"/>
-                    </a:schemeClr>
-                  </a:solidFill>
-                </a:ln>
-                <a:latin typeface="나눔바른고딕" panose="020B0603020101020101" pitchFamily="50" charset="-127"/>
-                <a:ea typeface="나눔바른고딕" panose="020B0603020101020101" pitchFamily="50" charset="-127"/>
-              </a:rPr>
-              <a:t>명 추정</a:t>
-            </a:r>
-            <a:endParaRPr lang="ko-KR" altLang="en-US" sz="1100" dirty="0"/>
-          </a:p>
-        </p:txBody>
-      </p:sp>
-      <p:sp>
-        <p:nvSpPr>
-          <p:cNvPr id="7" name="직사각형 6"/>
-          <p:cNvSpPr/>
-          <p:nvPr/>
-        </p:nvSpPr>
-        <p:spPr>
-          <a:xfrm>
-            <a:off x="772909" y="4164189"/>
-            <a:ext cx="4715914" cy="1384995"/>
-          </a:xfrm>
-          <a:prstGeom prst="rect">
-            <a:avLst/>
-          </a:prstGeom>
-        </p:spPr>
-        <p:txBody>
-          <a:bodyPr wrap="square">
-            <a:spAutoFit/>
-          </a:bodyPr>
-          <a:lstStyle/>
-          <a:p>
-            <a:pPr marL="171450" indent="-171450">
-              <a:buFontTx/>
-              <a:buChar char="-"/>
-            </a:pPr>
-            <a:r>
-              <a:rPr lang="ko-KR" altLang="en-US" sz="1050" dirty="0" smtClean="0">
-                <a:ln>
-                  <a:solidFill>
-                    <a:schemeClr val="tx1">
-                      <a:alpha val="0"/>
-                    </a:schemeClr>
-                  </a:solidFill>
-                </a:ln>
-                <a:latin typeface="나눔바른고딕" panose="020B0603020101020101" pitchFamily="50" charset="-127"/>
-                <a:ea typeface="나눔바른고딕" panose="020B0603020101020101" pitchFamily="50" charset="-127"/>
-              </a:rPr>
-              <a:t>사용자마다 </a:t>
-            </a:r>
-            <a:r>
-              <a:rPr lang="en-US" altLang="ko-KR" sz="1050" dirty="0" smtClean="0">
-                <a:ln>
-                  <a:solidFill>
-                    <a:schemeClr val="tx1">
-                      <a:alpha val="0"/>
-                    </a:schemeClr>
-                  </a:solidFill>
-                </a:ln>
-                <a:latin typeface="나눔바른고딕" panose="020B0603020101020101" pitchFamily="50" charset="-127"/>
-                <a:ea typeface="나눔바른고딕" panose="020B0603020101020101" pitchFamily="50" charset="-127"/>
-              </a:rPr>
-              <a:t>30</a:t>
-            </a:r>
-            <a:r>
-              <a:rPr lang="ko-KR" altLang="en-US" sz="1050" dirty="0" smtClean="0">
-                <a:ln>
-                  <a:solidFill>
-                    <a:schemeClr val="tx1">
-                      <a:alpha val="0"/>
-                    </a:schemeClr>
-                  </a:solidFill>
-                </a:ln>
-                <a:latin typeface="나눔바른고딕" panose="020B0603020101020101" pitchFamily="50" charset="-127"/>
-                <a:ea typeface="나눔바른고딕" panose="020B0603020101020101" pitchFamily="50" charset="-127"/>
-              </a:rPr>
-              <a:t>분의 세션 시간이 있는데</a:t>
-            </a:r>
-            <a:r>
-              <a:rPr lang="en-US" altLang="ko-KR" sz="1050" dirty="0" smtClean="0">
-                <a:ln>
-                  <a:solidFill>
-                    <a:schemeClr val="tx1">
-                      <a:alpha val="0"/>
-                    </a:schemeClr>
-                  </a:solidFill>
-                </a:ln>
-                <a:latin typeface="나눔바른고딕" panose="020B0603020101020101" pitchFamily="50" charset="-127"/>
-                <a:ea typeface="나눔바른고딕" panose="020B0603020101020101" pitchFamily="50" charset="-127"/>
-              </a:rPr>
-              <a:t>, </a:t>
-            </a:r>
-            <a:r>
-              <a:rPr lang="ko-KR" altLang="en-US" sz="1050" dirty="0" smtClean="0">
-                <a:ln>
-                  <a:solidFill>
-                    <a:schemeClr val="tx1">
-                      <a:alpha val="0"/>
-                    </a:schemeClr>
-                  </a:solidFill>
-                </a:ln>
-                <a:latin typeface="나눔바른고딕" panose="020B0603020101020101" pitchFamily="50" charset="-127"/>
-                <a:ea typeface="나눔바른고딕" panose="020B0603020101020101" pitchFamily="50" charset="-127"/>
-              </a:rPr>
-              <a:t>이 것이 만료될 때 세션 수가 증가합니다</a:t>
-            </a:r>
-            <a:r>
-              <a:rPr lang="en-US" altLang="ko-KR" sz="1050" dirty="0" smtClean="0">
-                <a:ln>
-                  <a:solidFill>
-                    <a:schemeClr val="tx1">
-                      <a:alpha val="0"/>
-                    </a:schemeClr>
-                  </a:solidFill>
-                </a:ln>
-                <a:latin typeface="나눔바른고딕" panose="020B0603020101020101" pitchFamily="50" charset="-127"/>
-                <a:ea typeface="나눔바른고딕" panose="020B0603020101020101" pitchFamily="50" charset="-127"/>
-              </a:rPr>
-              <a:t>. </a:t>
-            </a:r>
-          </a:p>
-          <a:p>
-            <a:pPr marL="171450" indent="-171450">
-              <a:buFontTx/>
-              <a:buChar char="-"/>
-            </a:pPr>
-            <a:endParaRPr lang="en-US" altLang="ko-KR" sz="1050" dirty="0" smtClean="0">
-              <a:ln>
-                <a:solidFill>
-                  <a:schemeClr val="tx1">
-                    <a:alpha val="0"/>
-                  </a:schemeClr>
-                </a:solidFill>
-              </a:ln>
-              <a:latin typeface="나눔바른고딕" panose="020B0603020101020101" pitchFamily="50" charset="-127"/>
-              <a:ea typeface="나눔바른고딕" panose="020B0603020101020101" pitchFamily="50" charset="-127"/>
-            </a:endParaRPr>
-          </a:p>
-          <a:p>
-            <a:pPr marL="171450" indent="-171450">
-              <a:buFontTx/>
-              <a:buChar char="-"/>
-            </a:pPr>
-            <a:r>
-              <a:rPr lang="ko-KR" altLang="en-US" sz="1050" b="1" dirty="0" err="1" smtClean="0">
-                <a:ln>
-                  <a:solidFill>
-                    <a:schemeClr val="tx1">
-                      <a:alpha val="0"/>
-                    </a:schemeClr>
-                  </a:solidFill>
-                </a:ln>
-                <a:latin typeface="나눔바른고딕" panose="020B0603020101020101" pitchFamily="50" charset="-127"/>
-                <a:ea typeface="나눔바른고딕" panose="020B0603020101020101" pitchFamily="50" charset="-127"/>
-              </a:rPr>
-              <a:t>신규방문자</a:t>
-            </a:r>
-            <a:r>
-              <a:rPr lang="ko-KR" altLang="en-US" sz="1050" dirty="0" smtClean="0">
-                <a:ln>
-                  <a:solidFill>
-                    <a:schemeClr val="tx1">
-                      <a:alpha val="0"/>
-                    </a:schemeClr>
-                  </a:solidFill>
-                </a:ln>
-                <a:latin typeface="나눔바른고딕" panose="020B0603020101020101" pitchFamily="50" charset="-127"/>
-                <a:ea typeface="나눔바른고딕" panose="020B0603020101020101" pitchFamily="50" charset="-127"/>
-              </a:rPr>
-              <a:t> </a:t>
-            </a:r>
-            <a:r>
-              <a:rPr lang="en-US" altLang="ko-KR" sz="1050" dirty="0" smtClean="0">
-                <a:ln>
-                  <a:solidFill>
-                    <a:schemeClr val="tx1">
-                      <a:alpha val="0"/>
-                    </a:schemeClr>
-                  </a:solidFill>
-                </a:ln>
-                <a:latin typeface="나눔바른고딕" panose="020B0603020101020101" pitchFamily="50" charset="-127"/>
-                <a:ea typeface="나눔바른고딕" panose="020B0603020101020101" pitchFamily="50" charset="-127"/>
-              </a:rPr>
-              <a:t>: </a:t>
-            </a:r>
-            <a:r>
-              <a:rPr lang="ko-KR" altLang="en-US" sz="1050" dirty="0" smtClean="0">
-                <a:ln>
-                  <a:solidFill>
-                    <a:schemeClr val="tx1">
-                      <a:alpha val="0"/>
-                    </a:schemeClr>
-                  </a:solidFill>
-                </a:ln>
-                <a:latin typeface="나눔바른고딕" panose="020B0603020101020101" pitchFamily="50" charset="-127"/>
-                <a:ea typeface="나눔바른고딕" panose="020B0603020101020101" pitchFamily="50" charset="-127"/>
-              </a:rPr>
-              <a:t>쿠키가 남아 있지 않은 방문자</a:t>
-            </a:r>
-            <a:endParaRPr lang="en-US" altLang="ko-KR" sz="1050" dirty="0" smtClean="0">
-              <a:ln>
-                <a:solidFill>
-                  <a:schemeClr val="tx1">
-                    <a:alpha val="0"/>
-                  </a:schemeClr>
-                </a:solidFill>
-              </a:ln>
-              <a:latin typeface="나눔바른고딕" panose="020B0603020101020101" pitchFamily="50" charset="-127"/>
-              <a:ea typeface="나눔바른고딕" panose="020B0603020101020101" pitchFamily="50" charset="-127"/>
-            </a:endParaRPr>
-          </a:p>
-          <a:p>
-            <a:pPr marL="171450" indent="-171450">
-              <a:buFontTx/>
-              <a:buChar char="-"/>
-            </a:pPr>
-            <a:endParaRPr lang="en-US" altLang="ko-KR" sz="1050" dirty="0" smtClean="0">
-              <a:ln>
-                <a:solidFill>
-                  <a:schemeClr val="tx1">
-                    <a:alpha val="0"/>
-                  </a:schemeClr>
-                </a:solidFill>
-              </a:ln>
-              <a:latin typeface="나눔바른고딕" panose="020B0603020101020101" pitchFamily="50" charset="-127"/>
-              <a:ea typeface="나눔바른고딕" panose="020B0603020101020101" pitchFamily="50" charset="-127"/>
-            </a:endParaRPr>
-          </a:p>
-          <a:p>
-            <a:pPr marL="171450" indent="-171450">
-              <a:buFontTx/>
-              <a:buChar char="-"/>
-            </a:pPr>
-            <a:r>
-              <a:rPr lang="ko-KR" altLang="en-US" sz="1050" b="1" dirty="0" smtClean="0">
-                <a:ln>
-                  <a:solidFill>
-                    <a:schemeClr val="tx1">
-                      <a:alpha val="0"/>
-                    </a:schemeClr>
-                  </a:solidFill>
-                </a:ln>
-                <a:latin typeface="나눔바른고딕" panose="020B0603020101020101" pitchFamily="50" charset="-127"/>
-                <a:ea typeface="나눔바른고딕" panose="020B0603020101020101" pitchFamily="50" charset="-127"/>
-              </a:rPr>
-              <a:t>사용자</a:t>
-            </a:r>
-            <a:r>
-              <a:rPr lang="ko-KR" altLang="en-US" sz="1050" dirty="0" smtClean="0">
-                <a:ln>
-                  <a:solidFill>
-                    <a:schemeClr val="tx1">
-                      <a:alpha val="0"/>
-                    </a:schemeClr>
-                  </a:solidFill>
-                </a:ln>
-                <a:latin typeface="나눔바른고딕" panose="020B0603020101020101" pitchFamily="50" charset="-127"/>
-                <a:ea typeface="나눔바른고딕" panose="020B0603020101020101" pitchFamily="50" charset="-127"/>
-              </a:rPr>
-              <a:t> </a:t>
-            </a:r>
-            <a:r>
-              <a:rPr lang="en-US" altLang="ko-KR" sz="1050" dirty="0" smtClean="0">
-                <a:ln>
-                  <a:solidFill>
-                    <a:schemeClr val="tx1">
-                      <a:alpha val="0"/>
-                    </a:schemeClr>
-                  </a:solidFill>
-                </a:ln>
-                <a:latin typeface="나눔바른고딕" panose="020B0603020101020101" pitchFamily="50" charset="-127"/>
-                <a:ea typeface="나눔바른고딕" panose="020B0603020101020101" pitchFamily="50" charset="-127"/>
-              </a:rPr>
-              <a:t>:</a:t>
-            </a:r>
-            <a:r>
-              <a:rPr lang="ko-KR" altLang="en-US" sz="1050" dirty="0" smtClean="0">
-                <a:ln>
-                  <a:solidFill>
-                    <a:schemeClr val="tx1">
-                      <a:alpha val="0"/>
-                    </a:schemeClr>
-                  </a:solidFill>
-                </a:ln>
-                <a:latin typeface="나눔바른고딕" panose="020B0603020101020101" pitchFamily="50" charset="-127"/>
-                <a:ea typeface="나눔바른고딕" panose="020B0603020101020101" pitchFamily="50" charset="-127"/>
-              </a:rPr>
-              <a:t> </a:t>
-            </a:r>
-            <a:r>
-              <a:rPr lang="ko-KR" altLang="en-US" sz="1050" dirty="0" err="1" smtClean="0">
-                <a:ln>
-                  <a:solidFill>
-                    <a:schemeClr val="tx1">
-                      <a:alpha val="0"/>
-                    </a:schemeClr>
-                  </a:solidFill>
-                </a:ln>
-                <a:latin typeface="나눔바른고딕" panose="020B0603020101020101" pitchFamily="50" charset="-127"/>
-                <a:ea typeface="나눔바른고딕" panose="020B0603020101020101" pitchFamily="50" charset="-127"/>
-              </a:rPr>
-              <a:t>재방문자의</a:t>
-            </a:r>
-            <a:r>
-              <a:rPr lang="ko-KR" altLang="en-US" sz="1050" dirty="0" smtClean="0">
-                <a:ln>
-                  <a:solidFill>
-                    <a:schemeClr val="tx1">
-                      <a:alpha val="0"/>
-                    </a:schemeClr>
-                  </a:solidFill>
-                </a:ln>
-                <a:latin typeface="나눔바른고딕" panose="020B0603020101020101" pitchFamily="50" charset="-127"/>
-                <a:ea typeface="나눔바른고딕" panose="020B0603020101020101" pitchFamily="50" charset="-127"/>
-              </a:rPr>
-              <a:t> 방문을 합친 수</a:t>
-            </a:r>
-            <a:endParaRPr lang="en-US" altLang="ko-KR" sz="1050" dirty="0" smtClean="0">
-              <a:ln>
-                <a:solidFill>
-                  <a:schemeClr val="tx1">
-                    <a:alpha val="0"/>
-                  </a:schemeClr>
-                </a:solidFill>
-              </a:ln>
-              <a:latin typeface="나눔바른고딕" panose="020B0603020101020101" pitchFamily="50" charset="-127"/>
-              <a:ea typeface="나눔바른고딕" panose="020B0603020101020101" pitchFamily="50" charset="-127"/>
-            </a:endParaRPr>
-          </a:p>
-          <a:p>
-            <a:pPr marL="171450" indent="-171450">
-              <a:buFontTx/>
-              <a:buChar char="-"/>
-            </a:pPr>
-            <a:endParaRPr lang="en-US" altLang="ko-KR" sz="1050" dirty="0" smtClean="0">
-              <a:ln>
-                <a:solidFill>
-                  <a:schemeClr val="tx1">
-                    <a:alpha val="0"/>
-                  </a:schemeClr>
-                </a:solidFill>
-              </a:ln>
-              <a:latin typeface="나눔바른고딕" panose="020B0603020101020101" pitchFamily="50" charset="-127"/>
-              <a:ea typeface="나눔바른고딕" panose="020B0603020101020101" pitchFamily="50" charset="-127"/>
-            </a:endParaRPr>
-          </a:p>
-          <a:p>
-            <a:pPr marL="171450" indent="-171450">
-              <a:buFontTx/>
-              <a:buChar char="-"/>
-            </a:pPr>
-            <a:r>
-              <a:rPr lang="ko-KR" altLang="en-US" sz="1050" b="1" dirty="0" err="1" smtClean="0">
-                <a:ln>
-                  <a:solidFill>
-                    <a:schemeClr val="tx1">
-                      <a:alpha val="0"/>
-                    </a:schemeClr>
-                  </a:solidFill>
-                </a:ln>
-                <a:latin typeface="나눔바른고딕" panose="020B0603020101020101" pitchFamily="50" charset="-127"/>
-                <a:ea typeface="나눔바른고딕" panose="020B0603020101020101" pitchFamily="50" charset="-127"/>
-              </a:rPr>
-              <a:t>페이지뷰</a:t>
-            </a:r>
-            <a:r>
-              <a:rPr lang="ko-KR" altLang="en-US" sz="1050" b="1" dirty="0" smtClean="0">
-                <a:ln>
-                  <a:solidFill>
-                    <a:schemeClr val="tx1">
-                      <a:alpha val="0"/>
-                    </a:schemeClr>
-                  </a:solidFill>
-                </a:ln>
-                <a:latin typeface="나눔바른고딕" panose="020B0603020101020101" pitchFamily="50" charset="-127"/>
-                <a:ea typeface="나눔바른고딕" panose="020B0603020101020101" pitchFamily="50" charset="-127"/>
-              </a:rPr>
-              <a:t> 수</a:t>
-            </a:r>
-            <a:r>
-              <a:rPr lang="ko-KR" altLang="en-US" sz="1050" dirty="0" smtClean="0">
-                <a:ln>
-                  <a:solidFill>
-                    <a:schemeClr val="tx1">
-                      <a:alpha val="0"/>
-                    </a:schemeClr>
-                  </a:solidFill>
-                </a:ln>
-                <a:latin typeface="나눔바른고딕" panose="020B0603020101020101" pitchFamily="50" charset="-127"/>
-                <a:ea typeface="나눔바른고딕" panose="020B0603020101020101" pitchFamily="50" charset="-127"/>
-              </a:rPr>
-              <a:t> </a:t>
-            </a:r>
-            <a:r>
-              <a:rPr lang="en-US" altLang="ko-KR" sz="1050" dirty="0" smtClean="0">
-                <a:ln>
-                  <a:solidFill>
-                    <a:schemeClr val="tx1">
-                      <a:alpha val="0"/>
-                    </a:schemeClr>
-                  </a:solidFill>
-                </a:ln>
-                <a:latin typeface="나눔바른고딕" panose="020B0603020101020101" pitchFamily="50" charset="-127"/>
-                <a:ea typeface="나눔바른고딕" panose="020B0603020101020101" pitchFamily="50" charset="-127"/>
-              </a:rPr>
-              <a:t>: </a:t>
-            </a:r>
-            <a:r>
-              <a:rPr lang="ko-KR" altLang="en-US" sz="1050" dirty="0" smtClean="0">
-                <a:ln>
-                  <a:solidFill>
-                    <a:schemeClr val="tx1">
-                      <a:alpha val="0"/>
-                    </a:schemeClr>
-                  </a:solidFill>
-                </a:ln>
-                <a:latin typeface="나눔바른고딕" panose="020B0603020101020101" pitchFamily="50" charset="-127"/>
-                <a:ea typeface="나눔바른고딕" panose="020B0603020101020101" pitchFamily="50" charset="-127"/>
-              </a:rPr>
-              <a:t>페이지를 </a:t>
-            </a:r>
-            <a:r>
-              <a:rPr lang="ko-KR" altLang="en-US" sz="1050" dirty="0" err="1" smtClean="0">
-                <a:ln>
-                  <a:solidFill>
-                    <a:schemeClr val="tx1">
-                      <a:alpha val="0"/>
-                    </a:schemeClr>
-                  </a:solidFill>
-                </a:ln>
-                <a:latin typeface="나눔바른고딕" panose="020B0603020101020101" pitchFamily="50" charset="-127"/>
-                <a:ea typeface="나눔바른고딕" panose="020B0603020101020101" pitchFamily="50" charset="-127"/>
-              </a:rPr>
-              <a:t>새로고침</a:t>
-            </a:r>
-            <a:r>
-              <a:rPr lang="ko-KR" altLang="en-US" sz="1050" dirty="0" smtClean="0">
-                <a:ln>
-                  <a:solidFill>
-                    <a:schemeClr val="tx1">
-                      <a:alpha val="0"/>
-                    </a:schemeClr>
-                  </a:solidFill>
-                </a:ln>
-                <a:latin typeface="나눔바른고딕" panose="020B0603020101020101" pitchFamily="50" charset="-127"/>
-                <a:ea typeface="나눔바른고딕" panose="020B0603020101020101" pitchFamily="50" charset="-127"/>
-              </a:rPr>
-              <a:t> 할 때도 증가하는 총 페이지 로드 수</a:t>
-            </a:r>
-            <a:endParaRPr lang="en-US" altLang="ko-KR" sz="1050" dirty="0" smtClean="0">
-              <a:ln>
-                <a:solidFill>
-                  <a:schemeClr val="tx1">
-                    <a:alpha val="0"/>
-                  </a:schemeClr>
-                </a:solidFill>
-              </a:ln>
-              <a:latin typeface="나눔바른고딕" panose="020B0603020101020101" pitchFamily="50" charset="-127"/>
-              <a:ea typeface="나눔바른고딕" panose="020B0603020101020101" pitchFamily="50" charset="-127"/>
-            </a:endParaRPr>
-          </a:p>
-          <a:p>
-            <a:endParaRPr lang="en-US" altLang="ko-KR" sz="1050" dirty="0">
-              <a:ln>
-                <a:solidFill>
-                  <a:schemeClr val="tx1">
-                    <a:alpha val="0"/>
-                  </a:schemeClr>
-                </a:solidFill>
-              </a:ln>
-              <a:latin typeface="나눔바른고딕" panose="020B0603020101020101" pitchFamily="50" charset="-127"/>
-              <a:ea typeface="나눔바른고딕" panose="020B0603020101020101" pitchFamily="50" charset="-127"/>
-            </a:endParaRPr>
-          </a:p>
-        </p:txBody>
-      </p:sp>
-      <p:sp>
-        <p:nvSpPr>
-          <p:cNvPr id="8" name="직사각형 7"/>
-          <p:cNvSpPr/>
-          <p:nvPr/>
-        </p:nvSpPr>
-        <p:spPr>
-          <a:xfrm>
-            <a:off x="5587999" y="5316588"/>
-            <a:ext cx="3265715" cy="1200329"/>
-          </a:xfrm>
-          <a:prstGeom prst="rect">
-            <a:avLst/>
-          </a:prstGeom>
-          <a:solidFill>
-            <a:schemeClr val="accent4">
-              <a:lumMod val="20000"/>
-              <a:lumOff val="80000"/>
-            </a:schemeClr>
-          </a:solidFill>
-          <a:ln>
-            <a:solidFill>
-              <a:srgbClr val="C00000"/>
-            </a:solidFill>
-          </a:ln>
-        </p:spPr>
-        <p:txBody>
-          <a:bodyPr wrap="square">
-            <a:spAutoFit/>
-          </a:bodyPr>
-          <a:lstStyle/>
-          <a:p>
-            <a:pPr algn="r"/>
-            <a:r>
-              <a:rPr lang="ko-KR" altLang="en-US" sz="1400" b="1" dirty="0">
-                <a:ln>
-                  <a:solidFill>
-                    <a:schemeClr val="tx1">
-                      <a:alpha val="0"/>
-                    </a:schemeClr>
-                  </a:solidFill>
-                </a:ln>
-                <a:latin typeface="나눔바른고딕" panose="020B0603020101020101" pitchFamily="50" charset="-127"/>
-                <a:ea typeface="나눔바른고딕" panose="020B0603020101020101" pitchFamily="50" charset="-127"/>
-              </a:rPr>
-              <a:t>현구매전환율 추정치</a:t>
-            </a:r>
-            <a:endParaRPr lang="en-US" altLang="ko-KR" sz="1400" b="1" dirty="0">
-              <a:ln>
-                <a:solidFill>
-                  <a:schemeClr val="tx1">
-                    <a:alpha val="0"/>
-                  </a:schemeClr>
-                </a:solidFill>
-              </a:ln>
-              <a:latin typeface="나눔바른고딕" panose="020B0603020101020101" pitchFamily="50" charset="-127"/>
-              <a:ea typeface="나눔바른고딕" panose="020B0603020101020101" pitchFamily="50" charset="-127"/>
-            </a:endParaRPr>
-          </a:p>
-          <a:p>
-            <a:pPr algn="r"/>
-            <a:endParaRPr lang="en-US" altLang="ko-KR" sz="1400" b="1" dirty="0">
-              <a:ln>
-                <a:solidFill>
-                  <a:schemeClr val="tx1">
-                    <a:alpha val="0"/>
-                  </a:schemeClr>
-                </a:solidFill>
-              </a:ln>
-              <a:latin typeface="나눔바른고딕" panose="020B0603020101020101" pitchFamily="50" charset="-127"/>
-              <a:ea typeface="나눔바른고딕" panose="020B0603020101020101" pitchFamily="50" charset="-127"/>
-            </a:endParaRPr>
-          </a:p>
-          <a:p>
-            <a:pPr marL="171450" indent="-171450" algn="r">
-              <a:buFontTx/>
-              <a:buChar char="-"/>
-            </a:pPr>
-            <a:r>
-              <a:rPr lang="ko-KR" altLang="en-US" sz="1100" dirty="0">
-                <a:ln>
-                  <a:solidFill>
-                    <a:schemeClr val="tx1">
-                      <a:alpha val="0"/>
-                    </a:schemeClr>
-                  </a:solidFill>
-                </a:ln>
-                <a:latin typeface="나눔바른고딕" panose="020B0603020101020101" pitchFamily="50" charset="-127"/>
-                <a:ea typeface="나눔바른고딕" panose="020B0603020101020101" pitchFamily="50" charset="-127"/>
-              </a:rPr>
-              <a:t>신규 </a:t>
-            </a:r>
-            <a:r>
-              <a:rPr lang="en-US" altLang="ko-KR" sz="1100" dirty="0">
-                <a:ln>
-                  <a:solidFill>
-                    <a:schemeClr val="tx1">
-                      <a:alpha val="0"/>
-                    </a:schemeClr>
-                  </a:solidFill>
-                </a:ln>
-                <a:latin typeface="나눔바른고딕" panose="020B0603020101020101" pitchFamily="50" charset="-127"/>
-                <a:ea typeface="나눔바른고딕" panose="020B0603020101020101" pitchFamily="50" charset="-127"/>
-                <a:sym typeface="Wingdings" panose="05000000000000000000" pitchFamily="2" charset="2"/>
-              </a:rPr>
-              <a:t></a:t>
-            </a:r>
-            <a:r>
-              <a:rPr lang="en-US" altLang="ko-KR" sz="1100" dirty="0">
-                <a:ln>
-                  <a:solidFill>
-                    <a:schemeClr val="tx1">
-                      <a:alpha val="0"/>
-                    </a:schemeClr>
-                  </a:solidFill>
-                </a:ln>
-                <a:latin typeface="나눔바른고딕" panose="020B0603020101020101" pitchFamily="50" charset="-127"/>
-                <a:ea typeface="나눔바른고딕" panose="020B0603020101020101" pitchFamily="50" charset="-127"/>
-              </a:rPr>
-              <a:t> </a:t>
-            </a:r>
-            <a:r>
-              <a:rPr lang="ko-KR" altLang="en-US" sz="1100" dirty="0">
-                <a:ln>
-                  <a:solidFill>
-                    <a:schemeClr val="tx1">
-                      <a:alpha val="0"/>
-                    </a:schemeClr>
-                  </a:solidFill>
-                </a:ln>
-                <a:latin typeface="나눔바른고딕" panose="020B0603020101020101" pitchFamily="50" charset="-127"/>
-                <a:ea typeface="나눔바른고딕" panose="020B0603020101020101" pitchFamily="50" charset="-127"/>
-              </a:rPr>
-              <a:t>구매 </a:t>
-            </a:r>
-            <a:r>
-              <a:rPr lang="ko-KR" altLang="en-US" sz="1100" dirty="0" err="1">
-                <a:ln>
-                  <a:solidFill>
-                    <a:schemeClr val="tx1">
-                      <a:alpha val="0"/>
-                    </a:schemeClr>
-                  </a:solidFill>
-                </a:ln>
-                <a:latin typeface="나눔바른고딕" panose="020B0603020101020101" pitchFamily="50" charset="-127"/>
-                <a:ea typeface="나눔바른고딕" panose="020B0603020101020101" pitchFamily="50" charset="-127"/>
-              </a:rPr>
-              <a:t>전환율</a:t>
-            </a:r>
-            <a:r>
-              <a:rPr lang="ko-KR" altLang="en-US" sz="1100" dirty="0">
-                <a:ln>
-                  <a:solidFill>
-                    <a:schemeClr val="tx1">
-                      <a:alpha val="0"/>
-                    </a:schemeClr>
-                  </a:solidFill>
-                </a:ln>
-                <a:latin typeface="나눔바른고딕" panose="020B0603020101020101" pitchFamily="50" charset="-127"/>
-                <a:ea typeface="나눔바른고딕" panose="020B0603020101020101" pitchFamily="50" charset="-127"/>
-              </a:rPr>
-              <a:t> </a:t>
-            </a:r>
-            <a:r>
-              <a:rPr lang="en-US" altLang="ko-KR" sz="1100" dirty="0">
-                <a:ln>
-                  <a:solidFill>
-                    <a:schemeClr val="tx1">
-                      <a:alpha val="0"/>
-                    </a:schemeClr>
-                  </a:solidFill>
-                </a:ln>
-                <a:latin typeface="나눔바른고딕" panose="020B0603020101020101" pitchFamily="50" charset="-127"/>
-                <a:ea typeface="나눔바른고딕" panose="020B0603020101020101" pitchFamily="50" charset="-127"/>
-              </a:rPr>
-              <a:t>2%</a:t>
-            </a:r>
-          </a:p>
-          <a:p>
-            <a:pPr marL="171450" indent="-171450" algn="r">
-              <a:buFontTx/>
-              <a:buChar char="-"/>
-            </a:pPr>
-            <a:r>
-              <a:rPr lang="ko-KR" altLang="en-US" sz="1100" dirty="0">
-                <a:ln>
-                  <a:solidFill>
-                    <a:schemeClr val="tx1">
-                      <a:alpha val="0"/>
-                    </a:schemeClr>
-                  </a:solidFill>
-                </a:ln>
-                <a:latin typeface="나눔바른고딕" panose="020B0603020101020101" pitchFamily="50" charset="-127"/>
-                <a:ea typeface="나눔바른고딕" panose="020B0603020101020101" pitchFamily="50" charset="-127"/>
-              </a:rPr>
-              <a:t>체험</a:t>
-            </a:r>
-            <a:r>
-              <a:rPr lang="en-US" altLang="ko-KR" sz="1100" dirty="0">
-                <a:ln>
-                  <a:solidFill>
-                    <a:schemeClr val="tx1">
-                      <a:alpha val="0"/>
-                    </a:schemeClr>
-                  </a:solidFill>
-                </a:ln>
-                <a:latin typeface="나눔바른고딕" panose="020B0603020101020101" pitchFamily="50" charset="-127"/>
-                <a:ea typeface="나눔바른고딕" panose="020B0603020101020101" pitchFamily="50" charset="-127"/>
-              </a:rPr>
-              <a:t> </a:t>
-            </a:r>
-            <a:r>
-              <a:rPr lang="en-US" altLang="ko-KR" sz="1100" dirty="0">
-                <a:ln>
-                  <a:solidFill>
-                    <a:schemeClr val="tx1">
-                      <a:alpha val="0"/>
-                    </a:schemeClr>
-                  </a:solidFill>
-                </a:ln>
-                <a:latin typeface="나눔바른고딕" panose="020B0603020101020101" pitchFamily="50" charset="-127"/>
-                <a:ea typeface="나눔바른고딕" panose="020B0603020101020101" pitchFamily="50" charset="-127"/>
-                <a:sym typeface="Wingdings" panose="05000000000000000000" pitchFamily="2" charset="2"/>
-              </a:rPr>
-              <a:t> </a:t>
-            </a:r>
-            <a:r>
-              <a:rPr lang="ko-KR" altLang="en-US" sz="1100" dirty="0">
-                <a:ln>
-                  <a:solidFill>
-                    <a:schemeClr val="tx1">
-                      <a:alpha val="0"/>
-                    </a:schemeClr>
-                  </a:solidFill>
-                </a:ln>
-                <a:latin typeface="나눔바른고딕" panose="020B0603020101020101" pitchFamily="50" charset="-127"/>
-                <a:ea typeface="나눔바른고딕" panose="020B0603020101020101" pitchFamily="50" charset="-127"/>
-              </a:rPr>
-              <a:t>구매 </a:t>
-            </a:r>
-            <a:r>
-              <a:rPr lang="ko-KR" altLang="en-US" sz="1100" dirty="0" err="1">
-                <a:ln>
-                  <a:solidFill>
-                    <a:schemeClr val="tx1">
-                      <a:alpha val="0"/>
-                    </a:schemeClr>
-                  </a:solidFill>
-                </a:ln>
-                <a:latin typeface="나눔바른고딕" panose="020B0603020101020101" pitchFamily="50" charset="-127"/>
-                <a:ea typeface="나눔바른고딕" panose="020B0603020101020101" pitchFamily="50" charset="-127"/>
-              </a:rPr>
-              <a:t>전환율</a:t>
-            </a:r>
-            <a:r>
-              <a:rPr lang="ko-KR" altLang="en-US" sz="1100" dirty="0">
-                <a:ln>
-                  <a:solidFill>
-                    <a:schemeClr val="tx1">
-                      <a:alpha val="0"/>
-                    </a:schemeClr>
-                  </a:solidFill>
-                </a:ln>
-                <a:latin typeface="나눔바른고딕" panose="020B0603020101020101" pitchFamily="50" charset="-127"/>
-                <a:ea typeface="나눔바른고딕" panose="020B0603020101020101" pitchFamily="50" charset="-127"/>
-              </a:rPr>
-              <a:t> </a:t>
-            </a:r>
-            <a:r>
-              <a:rPr lang="en-US" altLang="ko-KR" sz="1100" dirty="0">
-                <a:ln>
-                  <a:solidFill>
-                    <a:schemeClr val="tx1">
-                      <a:alpha val="0"/>
-                    </a:schemeClr>
-                  </a:solidFill>
-                </a:ln>
-                <a:latin typeface="나눔바른고딕" panose="020B0603020101020101" pitchFamily="50" charset="-127"/>
-                <a:ea typeface="나눔바른고딕" panose="020B0603020101020101" pitchFamily="50" charset="-127"/>
-              </a:rPr>
-              <a:t>40% </a:t>
-            </a:r>
-          </a:p>
-          <a:p>
-            <a:pPr marL="171450" indent="-171450" algn="r">
-              <a:buFontTx/>
-              <a:buChar char="-"/>
-            </a:pPr>
-            <a:endParaRPr lang="en-US" altLang="ko-KR" sz="1100" dirty="0">
-              <a:ln>
-                <a:solidFill>
-                  <a:schemeClr val="tx1">
-                    <a:alpha val="0"/>
-                  </a:schemeClr>
-                </a:solidFill>
-              </a:ln>
-              <a:latin typeface="나눔바른고딕" panose="020B0603020101020101" pitchFamily="50" charset="-127"/>
-              <a:ea typeface="나눔바른고딕" panose="020B0603020101020101" pitchFamily="50" charset="-127"/>
-            </a:endParaRPr>
-          </a:p>
-          <a:p>
-            <a:pPr marL="171450" indent="-171450" algn="r">
-              <a:buFontTx/>
-              <a:buChar char="-"/>
-            </a:pPr>
-            <a:r>
-              <a:rPr lang="ko-KR" altLang="en-US" sz="1100" dirty="0">
-                <a:ln>
-                  <a:solidFill>
-                    <a:schemeClr val="tx1">
-                      <a:alpha val="0"/>
-                    </a:schemeClr>
-                  </a:solidFill>
-                </a:ln>
-                <a:latin typeface="나눔바른고딕" panose="020B0603020101020101" pitchFamily="50" charset="-127"/>
-                <a:ea typeface="나눔바른고딕" panose="020B0603020101020101" pitchFamily="50" charset="-127"/>
-              </a:rPr>
-              <a:t>하루 사이트 유입 </a:t>
-            </a:r>
-            <a:r>
-              <a:rPr lang="en-US" altLang="ko-KR" sz="1100" dirty="0">
-                <a:ln>
-                  <a:solidFill>
-                    <a:schemeClr val="tx1">
-                      <a:alpha val="0"/>
-                    </a:schemeClr>
-                  </a:solidFill>
-                </a:ln>
-                <a:latin typeface="나눔바른고딕" panose="020B0603020101020101" pitchFamily="50" charset="-127"/>
-                <a:ea typeface="나눔바른고딕" panose="020B0603020101020101" pitchFamily="50" charset="-127"/>
-              </a:rPr>
-              <a:t>45</a:t>
-            </a:r>
-            <a:r>
-              <a:rPr lang="ko-KR" altLang="en-US" sz="1100" dirty="0">
-                <a:ln>
-                  <a:solidFill>
-                    <a:schemeClr val="tx1">
-                      <a:alpha val="0"/>
-                    </a:schemeClr>
-                  </a:solidFill>
-                </a:ln>
-                <a:latin typeface="나눔바른고딕" panose="020B0603020101020101" pitchFamily="50" charset="-127"/>
-                <a:ea typeface="나눔바른고딕" panose="020B0603020101020101" pitchFamily="50" charset="-127"/>
-              </a:rPr>
-              <a:t>명 중 </a:t>
-            </a:r>
-            <a:r>
-              <a:rPr lang="en-US" altLang="ko-KR" sz="1100" dirty="0">
-                <a:ln>
-                  <a:solidFill>
-                    <a:schemeClr val="tx1">
-                      <a:alpha val="0"/>
-                    </a:schemeClr>
-                  </a:solidFill>
-                </a:ln>
-                <a:latin typeface="나눔바른고딕" panose="020B0603020101020101" pitchFamily="50" charset="-127"/>
-                <a:ea typeface="나눔바른고딕" panose="020B0603020101020101" pitchFamily="50" charset="-127"/>
-              </a:rPr>
-              <a:t>1</a:t>
-            </a:r>
-            <a:r>
-              <a:rPr lang="ko-KR" altLang="en-US" sz="1100" dirty="0">
-                <a:ln>
-                  <a:solidFill>
-                    <a:schemeClr val="tx1">
-                      <a:alpha val="0"/>
-                    </a:schemeClr>
-                  </a:solidFill>
-                </a:ln>
-                <a:latin typeface="나눔바른고딕" panose="020B0603020101020101" pitchFamily="50" charset="-127"/>
-                <a:ea typeface="나눔바른고딕" panose="020B0603020101020101" pitchFamily="50" charset="-127"/>
-              </a:rPr>
-              <a:t>명 꼴로 </a:t>
-            </a:r>
-            <a:r>
-              <a:rPr lang="ko-KR" altLang="en-US" sz="1100" dirty="0" err="1">
-                <a:ln>
-                  <a:solidFill>
-                    <a:schemeClr val="tx1">
-                      <a:alpha val="0"/>
-                    </a:schemeClr>
-                  </a:solidFill>
-                </a:ln>
-                <a:latin typeface="나눔바른고딕" panose="020B0603020101020101" pitchFamily="50" charset="-127"/>
-                <a:ea typeface="나눔바른고딕" panose="020B0603020101020101" pitchFamily="50" charset="-127"/>
-              </a:rPr>
-              <a:t>구매전환</a:t>
-            </a:r>
-            <a:endParaRPr lang="en-US" altLang="ko-KR" sz="1100" dirty="0">
-              <a:ln>
-                <a:solidFill>
-                  <a:schemeClr val="tx1">
-                    <a:alpha val="0"/>
-                  </a:schemeClr>
-                </a:solidFill>
-              </a:ln>
-              <a:latin typeface="나눔바른고딕" panose="020B0603020101020101" pitchFamily="50" charset="-127"/>
-              <a:ea typeface="나눔바른고딕" panose="020B0603020101020101" pitchFamily="50" charset="-127"/>
-            </a:endParaRPr>
-          </a:p>
-        </p:txBody>
-      </p:sp>
-    </p:spTree>
-    <p:extLst>
-      <p:ext uri="{BB962C8B-B14F-4D97-AF65-F5344CB8AC3E}">
-        <p14:creationId xmlns:p14="http://schemas.microsoft.com/office/powerpoint/2010/main" val="1203949875"/>
-      </p:ext>
-    </p:extLst>
-  </p:cSld>
-  <p:clrMapOvr>
-    <a:masterClrMapping/>
-  </p:clrMapOvr>
-</p:sld>
-</file>
-
-<file path=ppt/slides/slide20.xml><?xml version="1.0" encoding="utf-8"?>
-<p:sld xmlns:a="http://schemas.openxmlformats.org/drawingml/2006/main" xmlns:r="http://schemas.openxmlformats.org/officeDocument/2006/relationships" xmlns:p="http://schemas.openxmlformats.org/presentationml/2006/main">
-  <p:cSld>
-    <p:spTree>
-      <p:nvGrpSpPr>
-        <p:cNvPr id="1" name=""/>
-        <p:cNvGrpSpPr/>
-        <p:nvPr/>
-      </p:nvGrpSpPr>
-      <p:grpSpPr>
-        <a:xfrm>
-          <a:off x="0" y="0"/>
-          <a:ext cx="0" cy="0"/>
-          <a:chOff x="0" y="0"/>
-          <a:chExt cx="0" cy="0"/>
-        </a:xfrm>
-      </p:grpSpPr>
-      <p:pic>
-        <p:nvPicPr>
-          <p:cNvPr id="2" name="그림 1"/>
-          <p:cNvPicPr>
-            <a:picLocks noChangeAspect="1"/>
-          </p:cNvPicPr>
-          <p:nvPr/>
-        </p:nvPicPr>
-        <p:blipFill>
-          <a:blip r:embed="rId2"/>
-          <a:stretch>
-            <a:fillRect/>
-          </a:stretch>
-        </p:blipFill>
-        <p:spPr>
-          <a:xfrm>
-            <a:off x="2616158" y="843862"/>
-            <a:ext cx="3805632" cy="2214804"/>
-          </a:xfrm>
-          <a:prstGeom prst="rect">
-            <a:avLst/>
-          </a:prstGeom>
-        </p:spPr>
-      </p:pic>
-      <p:sp>
-        <p:nvSpPr>
-          <p:cNvPr id="3" name="직사각형 2"/>
-          <p:cNvSpPr/>
-          <p:nvPr/>
-        </p:nvSpPr>
-        <p:spPr>
-          <a:xfrm>
-            <a:off x="136868" y="98606"/>
-            <a:ext cx="4572000" cy="253916"/>
-          </a:xfrm>
-          <a:prstGeom prst="rect">
-            <a:avLst/>
-          </a:prstGeom>
-        </p:spPr>
-        <p:txBody>
-          <a:bodyPr>
-            <a:spAutoFit/>
-          </a:bodyPr>
-          <a:lstStyle/>
-          <a:p>
-            <a:r>
-              <a:rPr lang="ko-KR" altLang="en-US" sz="1050" dirty="0" smtClean="0">
-                <a:ln>
-                  <a:solidFill>
-                    <a:schemeClr val="tx1">
-                      <a:alpha val="0"/>
-                    </a:schemeClr>
-                  </a:solidFill>
-                </a:ln>
-                <a:latin typeface="나눔바른고딕" panose="020B0603020101020101" pitchFamily="50" charset="-127"/>
-                <a:ea typeface="나눔바른고딕" panose="020B0603020101020101" pitchFamily="50" charset="-127"/>
-              </a:rPr>
-              <a:t>패키지에 대한 유입 증대 </a:t>
-            </a:r>
-            <a:r>
-              <a:rPr lang="en-US" altLang="ko-KR" sz="1050" dirty="0" smtClean="0">
-                <a:ln>
-                  <a:solidFill>
-                    <a:schemeClr val="tx1">
-                      <a:alpha val="0"/>
-                    </a:schemeClr>
-                  </a:solidFill>
-                </a:ln>
-                <a:latin typeface="나눔바른고딕" panose="020B0603020101020101" pitchFamily="50" charset="-127"/>
-                <a:ea typeface="나눔바른고딕" panose="020B0603020101020101" pitchFamily="50" charset="-127"/>
-              </a:rPr>
-              <a:t>: </a:t>
-            </a:r>
-            <a:r>
-              <a:rPr lang="ko-KR" altLang="en-US" sz="1050" dirty="0" err="1" smtClean="0">
-                <a:ln>
-                  <a:solidFill>
-                    <a:schemeClr val="tx1">
-                      <a:alpha val="0"/>
-                    </a:schemeClr>
-                  </a:solidFill>
-                </a:ln>
-                <a:latin typeface="나눔바른고딕" panose="020B0603020101020101" pitchFamily="50" charset="-127"/>
-                <a:ea typeface="나눔바른고딕" panose="020B0603020101020101" pitchFamily="50" charset="-127"/>
-              </a:rPr>
-              <a:t>커리큘럼별</a:t>
-            </a:r>
-            <a:r>
-              <a:rPr lang="ko-KR" altLang="en-US" sz="1050" dirty="0" smtClean="0">
-                <a:ln>
-                  <a:solidFill>
-                    <a:schemeClr val="tx1">
-                      <a:alpha val="0"/>
-                    </a:schemeClr>
-                  </a:solidFill>
-                </a:ln>
-                <a:latin typeface="나눔바른고딕" panose="020B0603020101020101" pitchFamily="50" charset="-127"/>
-                <a:ea typeface="나눔바른고딕" panose="020B0603020101020101" pitchFamily="50" charset="-127"/>
-              </a:rPr>
-              <a:t> 패키지 만들기</a:t>
-            </a:r>
-            <a:endParaRPr lang="ko-KR" altLang="en-US" sz="1050" b="1" dirty="0">
-              <a:ln>
-                <a:solidFill>
-                  <a:schemeClr val="tx1">
-                    <a:alpha val="0"/>
-                  </a:schemeClr>
-                </a:solidFill>
-              </a:ln>
-              <a:latin typeface="나눔바른고딕" panose="020B0603020101020101" pitchFamily="50" charset="-127"/>
-              <a:ea typeface="나눔바른고딕" panose="020B0603020101020101" pitchFamily="50" charset="-127"/>
-            </a:endParaRPr>
-          </a:p>
-        </p:txBody>
-      </p:sp>
-      <p:cxnSp>
-        <p:nvCxnSpPr>
-          <p:cNvPr id="4" name="직선 연결선 3"/>
-          <p:cNvCxnSpPr/>
-          <p:nvPr/>
-        </p:nvCxnSpPr>
-        <p:spPr>
-          <a:xfrm>
-            <a:off x="136868" y="401870"/>
-            <a:ext cx="8867351" cy="0"/>
-          </a:xfrm>
-          <a:prstGeom prst="line">
-            <a:avLst/>
-          </a:prstGeom>
-          <a:ln>
-            <a:solidFill>
-              <a:schemeClr val="tx1"/>
-            </a:solidFill>
-          </a:ln>
-        </p:spPr>
-        <p:style>
-          <a:lnRef idx="1">
-            <a:schemeClr val="accent1"/>
-          </a:lnRef>
-          <a:fillRef idx="0">
-            <a:schemeClr val="accent1"/>
-          </a:fillRef>
-          <a:effectRef idx="0">
-            <a:schemeClr val="accent1"/>
-          </a:effectRef>
-          <a:fontRef idx="minor">
-            <a:schemeClr val="tx1"/>
-          </a:fontRef>
-        </p:style>
-      </p:cxnSp>
-      <p:pic>
-        <p:nvPicPr>
-          <p:cNvPr id="5" name="그림 4"/>
-          <p:cNvPicPr>
-            <a:picLocks noChangeAspect="1"/>
-          </p:cNvPicPr>
-          <p:nvPr/>
-        </p:nvPicPr>
-        <p:blipFill>
-          <a:blip r:embed="rId3"/>
-          <a:stretch>
-            <a:fillRect/>
-          </a:stretch>
-        </p:blipFill>
-        <p:spPr>
-          <a:xfrm>
-            <a:off x="4661880" y="3638550"/>
-            <a:ext cx="4105638" cy="2599911"/>
-          </a:xfrm>
-          <a:prstGeom prst="rect">
-            <a:avLst/>
-          </a:prstGeom>
-        </p:spPr>
-      </p:pic>
-      <p:pic>
-        <p:nvPicPr>
-          <p:cNvPr id="6" name="그림 5"/>
-          <p:cNvPicPr>
-            <a:picLocks noChangeAspect="1"/>
-          </p:cNvPicPr>
-          <p:nvPr/>
-        </p:nvPicPr>
-        <p:blipFill>
-          <a:blip r:embed="rId4"/>
-          <a:stretch>
-            <a:fillRect/>
-          </a:stretch>
-        </p:blipFill>
-        <p:spPr>
-          <a:xfrm>
-            <a:off x="459063" y="3599356"/>
-            <a:ext cx="4059911" cy="2639105"/>
-          </a:xfrm>
-          <a:prstGeom prst="rect">
-            <a:avLst/>
-          </a:prstGeom>
-        </p:spPr>
-      </p:pic>
-      <p:sp>
-        <p:nvSpPr>
-          <p:cNvPr id="7" name="직사각형 6"/>
-          <p:cNvSpPr/>
-          <p:nvPr/>
-        </p:nvSpPr>
-        <p:spPr>
-          <a:xfrm>
-            <a:off x="4518974" y="484064"/>
-            <a:ext cx="4572000" cy="415498"/>
-          </a:xfrm>
-          <a:prstGeom prst="rect">
-            <a:avLst/>
-          </a:prstGeom>
-        </p:spPr>
-        <p:txBody>
-          <a:bodyPr>
-            <a:spAutoFit/>
-          </a:bodyPr>
-          <a:lstStyle/>
-          <a:p>
-            <a:pPr algn="r"/>
-            <a:r>
-              <a:rPr lang="ko-KR" altLang="en-US" sz="1050" dirty="0" smtClean="0">
-                <a:ln>
-                  <a:solidFill>
-                    <a:schemeClr val="tx1">
-                      <a:alpha val="0"/>
-                    </a:schemeClr>
-                  </a:solidFill>
-                </a:ln>
-                <a:latin typeface="나눔바른고딕" panose="020B0603020101020101" pitchFamily="50" charset="-127"/>
-                <a:ea typeface="나눔바른고딕" panose="020B0603020101020101" pitchFamily="50" charset="-127"/>
-              </a:rPr>
-              <a:t>커리큘럼에 대한 높은 관심도</a:t>
-            </a:r>
-            <a:r>
-              <a:rPr lang="en-US" altLang="ko-KR" sz="1050" dirty="0">
-                <a:ln>
-                  <a:solidFill>
-                    <a:schemeClr val="tx1">
-                      <a:alpha val="0"/>
-                    </a:schemeClr>
-                  </a:solidFill>
-                </a:ln>
-                <a:latin typeface="나눔바른고딕" panose="020B0603020101020101" pitchFamily="50" charset="-127"/>
-                <a:ea typeface="나눔바른고딕" panose="020B0603020101020101" pitchFamily="50" charset="-127"/>
-              </a:rPr>
-              <a:t> </a:t>
-            </a:r>
-            <a:r>
-              <a:rPr lang="en-US" altLang="ko-KR" sz="1050" dirty="0" smtClean="0">
-                <a:ln>
-                  <a:solidFill>
-                    <a:schemeClr val="tx1">
-                      <a:alpha val="0"/>
-                    </a:schemeClr>
-                  </a:solidFill>
-                </a:ln>
-                <a:latin typeface="나눔바른고딕" panose="020B0603020101020101" pitchFamily="50" charset="-127"/>
-                <a:ea typeface="나눔바른고딕" panose="020B0603020101020101" pitchFamily="50" charset="-127"/>
-                <a:sym typeface="Wingdings" panose="05000000000000000000" pitchFamily="2" charset="2"/>
-              </a:rPr>
-              <a:t></a:t>
-            </a:r>
-            <a:r>
-              <a:rPr lang="en-US" altLang="ko-KR" sz="1050" dirty="0" smtClean="0">
-                <a:ln>
-                  <a:solidFill>
-                    <a:schemeClr val="tx1">
-                      <a:alpha val="0"/>
-                    </a:schemeClr>
-                  </a:solidFill>
-                </a:ln>
-                <a:latin typeface="나눔바른고딕" panose="020B0603020101020101" pitchFamily="50" charset="-127"/>
-                <a:ea typeface="나눔바른고딕" panose="020B0603020101020101" pitchFamily="50" charset="-127"/>
-              </a:rPr>
-              <a:t> </a:t>
-            </a:r>
-            <a:r>
-              <a:rPr lang="ko-KR" altLang="en-US" sz="1050" dirty="0" smtClean="0">
-                <a:ln>
-                  <a:solidFill>
-                    <a:schemeClr val="tx1">
-                      <a:alpha val="0"/>
-                    </a:schemeClr>
-                  </a:solidFill>
-                </a:ln>
-                <a:latin typeface="나눔바른고딕" panose="020B0603020101020101" pitchFamily="50" charset="-127"/>
-                <a:ea typeface="나눔바른고딕" panose="020B0603020101020101" pitchFamily="50" charset="-127"/>
-              </a:rPr>
-              <a:t>조금 더 명확한 커리큘럼을 만들어 그 커리큘럼을 통째로 </a:t>
-            </a:r>
-            <a:r>
-              <a:rPr lang="ko-KR" altLang="en-US" sz="1050" dirty="0" err="1" smtClean="0">
-                <a:ln>
-                  <a:solidFill>
-                    <a:schemeClr val="tx1">
-                      <a:alpha val="0"/>
-                    </a:schemeClr>
-                  </a:solidFill>
-                </a:ln>
-                <a:latin typeface="나눔바른고딕" panose="020B0603020101020101" pitchFamily="50" charset="-127"/>
-                <a:ea typeface="나눔바른고딕" panose="020B0603020101020101" pitchFamily="50" charset="-127"/>
-              </a:rPr>
-              <a:t>수강신청할</a:t>
-            </a:r>
-            <a:r>
-              <a:rPr lang="ko-KR" altLang="en-US" sz="1050" dirty="0" smtClean="0">
-                <a:ln>
-                  <a:solidFill>
-                    <a:schemeClr val="tx1">
-                      <a:alpha val="0"/>
-                    </a:schemeClr>
-                  </a:solidFill>
-                </a:ln>
-                <a:latin typeface="나눔바른고딕" panose="020B0603020101020101" pitchFamily="50" charset="-127"/>
-                <a:ea typeface="나눔바른고딕" panose="020B0603020101020101" pitchFamily="50" charset="-127"/>
-              </a:rPr>
-              <a:t> 수 있도록 만드는 방식으로 활용 가능</a:t>
-            </a:r>
-            <a:endParaRPr lang="ko-KR" altLang="en-US" sz="1050" b="1" dirty="0">
-              <a:ln>
-                <a:solidFill>
-                  <a:schemeClr val="tx1">
-                    <a:alpha val="0"/>
-                  </a:schemeClr>
-                </a:solidFill>
-              </a:ln>
-              <a:latin typeface="나눔바른고딕" panose="020B0603020101020101" pitchFamily="50" charset="-127"/>
-              <a:ea typeface="나눔바른고딕" panose="020B0603020101020101" pitchFamily="50" charset="-127"/>
-            </a:endParaRPr>
-          </a:p>
-        </p:txBody>
-      </p:sp>
-    </p:spTree>
-    <p:extLst>
-      <p:ext uri="{BB962C8B-B14F-4D97-AF65-F5344CB8AC3E}">
-        <p14:creationId xmlns:p14="http://schemas.microsoft.com/office/powerpoint/2010/main" val="29482825"/>
-      </p:ext>
-    </p:extLst>
-  </p:cSld>
-  <p:clrMapOvr>
-    <a:masterClrMapping/>
-  </p:clrMapOvr>
-</p:sld>
-</file>
-
-<file path=ppt/slides/slide21.xml><?xml version="1.0" encoding="utf-8"?>
-<p:sld xmlns:a="http://schemas.openxmlformats.org/drawingml/2006/main" xmlns:r="http://schemas.openxmlformats.org/officeDocument/2006/relationships" xmlns:p="http://schemas.openxmlformats.org/presentationml/2006/main">
-  <p:cSld>
-    <p:spTree>
-      <p:nvGrpSpPr>
-        <p:cNvPr id="1" name=""/>
-        <p:cNvGrpSpPr/>
-        <p:nvPr/>
-      </p:nvGrpSpPr>
-      <p:grpSpPr>
-        <a:xfrm>
-          <a:off x="0" y="0"/>
-          <a:ext cx="0" cy="0"/>
-          <a:chOff x="0" y="0"/>
-          <a:chExt cx="0" cy="0"/>
-        </a:xfrm>
-      </p:grpSpPr>
-      <p:sp>
-        <p:nvSpPr>
-          <p:cNvPr id="2" name="직사각형 1"/>
-          <p:cNvSpPr/>
-          <p:nvPr/>
-        </p:nvSpPr>
-        <p:spPr>
-          <a:xfrm>
-            <a:off x="248154" y="5565677"/>
-            <a:ext cx="6170204" cy="553998"/>
-          </a:xfrm>
-          <a:prstGeom prst="rect">
-            <a:avLst/>
-          </a:prstGeom>
-        </p:spPr>
-        <p:txBody>
-          <a:bodyPr wrap="square">
-            <a:spAutoFit/>
-          </a:bodyPr>
-          <a:lstStyle/>
-          <a:p>
-            <a:r>
-              <a:rPr lang="ko-KR" altLang="en-US" sz="1000" dirty="0" smtClean="0">
-                <a:ln>
-                  <a:solidFill>
-                    <a:schemeClr val="tx1">
-                      <a:alpha val="0"/>
-                    </a:schemeClr>
-                  </a:solidFill>
-                </a:ln>
-                <a:latin typeface="나눔바른고딕" panose="020B0603020101020101" pitchFamily="50" charset="-127"/>
-                <a:ea typeface="나눔바른고딕" panose="020B0603020101020101" pitchFamily="50" charset="-127"/>
-              </a:rPr>
-              <a:t>대전 양영학원에서 유입</a:t>
-            </a:r>
-            <a:r>
-              <a:rPr lang="en-US" altLang="ko-KR" sz="1000" dirty="0" smtClean="0">
-                <a:ln>
-                  <a:solidFill>
-                    <a:schemeClr val="tx1">
-                      <a:alpha val="0"/>
-                    </a:schemeClr>
-                  </a:solidFill>
-                </a:ln>
-                <a:latin typeface="나눔바른고딕" panose="020B0603020101020101" pitchFamily="50" charset="-127"/>
-                <a:ea typeface="나눔바른고딕" panose="020B0603020101020101" pitchFamily="50" charset="-127"/>
-              </a:rPr>
-              <a:t>??</a:t>
-            </a:r>
-          </a:p>
-          <a:p>
-            <a:r>
-              <a:rPr lang="ko-KR" altLang="en-US" sz="1000" dirty="0" smtClean="0">
-                <a:ln>
-                  <a:solidFill>
-                    <a:schemeClr val="tx1">
-                      <a:alpha val="0"/>
-                    </a:schemeClr>
-                  </a:solidFill>
-                </a:ln>
-                <a:latin typeface="나눔바른고딕" panose="020B0603020101020101" pitchFamily="50" charset="-127"/>
-                <a:ea typeface="나눔바른고딕" panose="020B0603020101020101" pitchFamily="50" charset="-127"/>
-              </a:rPr>
-              <a:t>부산 </a:t>
-            </a:r>
-            <a:r>
-              <a:rPr lang="ko-KR" altLang="en-US" sz="1000" dirty="0" err="1" smtClean="0">
-                <a:ln>
-                  <a:solidFill>
-                    <a:schemeClr val="tx1">
-                      <a:alpha val="0"/>
-                    </a:schemeClr>
-                  </a:solidFill>
-                </a:ln>
-                <a:latin typeface="나눔바른고딕" panose="020B0603020101020101" pitchFamily="50" charset="-127"/>
-                <a:ea typeface="나눔바른고딕" panose="020B0603020101020101" pitchFamily="50" charset="-127"/>
-              </a:rPr>
-              <a:t>라온학원</a:t>
-            </a:r>
-            <a:r>
-              <a:rPr lang="en-US" altLang="ko-KR" sz="1000" dirty="0" smtClean="0">
-                <a:ln>
-                  <a:solidFill>
-                    <a:schemeClr val="tx1">
-                      <a:alpha val="0"/>
-                    </a:schemeClr>
-                  </a:solidFill>
-                </a:ln>
-                <a:latin typeface="나눔바른고딕" panose="020B0603020101020101" pitchFamily="50" charset="-127"/>
-                <a:ea typeface="나눔바른고딕" panose="020B0603020101020101" pitchFamily="50" charset="-127"/>
-              </a:rPr>
-              <a:t>… </a:t>
-            </a:r>
-          </a:p>
-          <a:p>
-            <a:r>
-              <a:rPr lang="ko-KR" altLang="en-US" sz="1000" dirty="0" smtClean="0">
-                <a:ln>
-                  <a:solidFill>
-                    <a:schemeClr val="tx1">
-                      <a:alpha val="0"/>
-                    </a:schemeClr>
-                  </a:solidFill>
-                </a:ln>
-                <a:latin typeface="나눔바른고딕" panose="020B0603020101020101" pitchFamily="50" charset="-127"/>
-                <a:ea typeface="나눔바른고딕" panose="020B0603020101020101" pitchFamily="50" charset="-127"/>
-              </a:rPr>
-              <a:t>창원 </a:t>
-            </a:r>
-            <a:endParaRPr lang="ko-KR" altLang="en-US" sz="1000" dirty="0">
-              <a:ln>
-                <a:solidFill>
-                  <a:schemeClr val="tx1">
-                    <a:alpha val="0"/>
-                  </a:schemeClr>
-                </a:solidFill>
-              </a:ln>
-              <a:latin typeface="나눔바른고딕" panose="020B0603020101020101" pitchFamily="50" charset="-127"/>
-              <a:ea typeface="나눔바른고딕" panose="020B0603020101020101" pitchFamily="50" charset="-127"/>
-            </a:endParaRPr>
-          </a:p>
-        </p:txBody>
-      </p:sp>
-    </p:spTree>
-    <p:extLst>
-      <p:ext uri="{BB962C8B-B14F-4D97-AF65-F5344CB8AC3E}">
-        <p14:creationId xmlns:p14="http://schemas.microsoft.com/office/powerpoint/2010/main" val="2171678571"/>
-      </p:ext>
-    </p:extLst>
-  </p:cSld>
-  <p:clrMapOvr>
-    <a:masterClrMapping/>
-  </p:clrMapOvr>
-</p:sld>
-</file>
-
-<file path=ppt/slides/slide22.xml><?xml version="1.0" encoding="utf-8"?>
-<p:sld xmlns:a="http://schemas.openxmlformats.org/drawingml/2006/main" xmlns:r="http://schemas.openxmlformats.org/officeDocument/2006/relationships" xmlns:p="http://schemas.openxmlformats.org/presentationml/2006/main">
-  <p:cSld>
-    <p:spTree>
-      <p:nvGrpSpPr>
-        <p:cNvPr id="1" name=""/>
-        <p:cNvGrpSpPr/>
-        <p:nvPr/>
-      </p:nvGrpSpPr>
-      <p:grpSpPr>
-        <a:xfrm>
-          <a:off x="0" y="0"/>
-          <a:ext cx="0" cy="0"/>
-          <a:chOff x="0" y="0"/>
-          <a:chExt cx="0" cy="0"/>
-        </a:xfrm>
-      </p:grpSpPr>
-      <p:pic>
-        <p:nvPicPr>
-          <p:cNvPr id="2" name="그림 1"/>
-          <p:cNvPicPr>
-            <a:picLocks noChangeAspect="1"/>
-          </p:cNvPicPr>
-          <p:nvPr/>
-        </p:nvPicPr>
-        <p:blipFill>
-          <a:blip r:embed="rId2"/>
-          <a:stretch>
-            <a:fillRect/>
-          </a:stretch>
-        </p:blipFill>
-        <p:spPr>
-          <a:xfrm>
-            <a:off x="647579" y="936084"/>
-            <a:ext cx="2553271" cy="2713936"/>
+            <a:off x="771264" y="713632"/>
+            <a:ext cx="3742909" cy="3978432"/>
           </a:xfrm>
           <a:prstGeom prst="rect">
             <a:avLst/>
@@ -18886,8 +20612,8 @@
         </p:blipFill>
         <p:spPr>
           <a:xfrm>
-            <a:off x="3288612" y="936084"/>
-            <a:ext cx="2588009" cy="1563227"/>
+            <a:off x="4626961" y="713632"/>
+            <a:ext cx="3793832" cy="2291577"/>
           </a:xfrm>
           <a:prstGeom prst="rect">
             <a:avLst/>
@@ -18902,7 +20628,7 @@
         </p:nvSpPr>
         <p:spPr>
           <a:xfrm>
-            <a:off x="455380" y="5692251"/>
+            <a:off x="663198" y="5697031"/>
             <a:ext cx="6170204" cy="400110"/>
           </a:xfrm>
           <a:prstGeom prst="rect">
@@ -18916,20 +20642,6 @@
           <a:lstStyle/>
           <a:p>
             <a:r>
-              <a:rPr lang="en-US" altLang="ko-KR" sz="1000" dirty="0">
-                <a:ln>
-                  <a:solidFill>
-                    <a:schemeClr val="tx1">
-                      <a:alpha val="0"/>
-                    </a:schemeClr>
-                  </a:solidFill>
-                </a:ln>
-                <a:latin typeface="나눔바른고딕" panose="020B0603020101020101" pitchFamily="50" charset="-127"/>
-                <a:ea typeface="나눔바른고딕" panose="020B0603020101020101" pitchFamily="50" charset="-127"/>
-              </a:rPr>
-              <a:t>1</a:t>
-            </a:r>
-            <a:r>
               <a:rPr lang="en-US" altLang="ko-KR" sz="1000" dirty="0" smtClean="0">
                 <a:ln>
                   <a:solidFill>
@@ -18941,7 +20653,7 @@
                 <a:latin typeface="나눔바른고딕" panose="020B0603020101020101" pitchFamily="50" charset="-127"/>
                 <a:ea typeface="나눔바른고딕" panose="020B0603020101020101" pitchFamily="50" charset="-127"/>
               </a:rPr>
-              <a:t>~5</a:t>
+              <a:t>- 1~5</a:t>
             </a:r>
             <a:r>
               <a:rPr lang="ko-KR" altLang="en-US" sz="1000" dirty="0" smtClean="0">
@@ -18971,6 +20683,20 @@
           </a:p>
           <a:p>
             <a:r>
+              <a:rPr lang="en-US" altLang="ko-KR" sz="1000" dirty="0" smtClean="0">
+                <a:ln>
+                  <a:solidFill>
+                    <a:schemeClr val="tx1">
+                      <a:alpha val="0"/>
+                    </a:schemeClr>
+                  </a:solidFill>
+                </a:ln>
+                <a:latin typeface="나눔바른고딕" panose="020B0603020101020101" pitchFamily="50" charset="-127"/>
+                <a:ea typeface="나눔바른고딕" panose="020B0603020101020101" pitchFamily="50" charset="-127"/>
+              </a:rPr>
+              <a:t>- </a:t>
+            </a:r>
+            <a:r>
               <a:rPr lang="ko-KR" altLang="en-US" sz="1000" dirty="0" smtClean="0">
                 <a:ln>
                   <a:solidFill>
@@ -18982,7 +20708,21 @@
                 <a:latin typeface="나눔바른고딕" panose="020B0603020101020101" pitchFamily="50" charset="-127"/>
                 <a:ea typeface="나눔바른고딕" panose="020B0603020101020101" pitchFamily="50" charset="-127"/>
               </a:rPr>
-              <a:t>시간이 지나면서 </a:t>
+              <a:t>시간이 </a:t>
+            </a:r>
+            <a:r>
+              <a:rPr lang="ko-KR" altLang="en-US" sz="1000" dirty="0" smtClean="0">
+                <a:ln>
+                  <a:solidFill>
+                    <a:schemeClr val="tx1">
+                      <a:alpha val="0"/>
+                    </a:schemeClr>
+                  </a:solidFill>
+                </a:ln>
+                <a:latin typeface="나눔바른고딕" panose="020B0603020101020101" pitchFamily="50" charset="-127"/>
+                <a:ea typeface="나눔바른고딕" panose="020B0603020101020101" pitchFamily="50" charset="-127"/>
+              </a:rPr>
+              <a:t>지나면서 </a:t>
             </a:r>
             <a:r>
               <a:rPr lang="ko-KR" altLang="en-US" sz="1000" dirty="0" err="1" smtClean="0">
@@ -19110,6 +20850,206 @@
           </a:fontRef>
         </p:style>
       </p:cxnSp>
+      <p:sp>
+        <p:nvSpPr>
+          <p:cNvPr id="7" name="직사각형 6"/>
+          <p:cNvSpPr/>
+          <p:nvPr/>
+        </p:nvSpPr>
+        <p:spPr>
+          <a:xfrm>
+            <a:off x="663198" y="4973756"/>
+            <a:ext cx="6170204" cy="723275"/>
+          </a:xfrm>
+          <a:prstGeom prst="rect">
+            <a:avLst/>
+          </a:prstGeom>
+        </p:spPr>
+        <p:txBody>
+          <a:bodyPr wrap="square">
+            <a:spAutoFit/>
+          </a:bodyPr>
+          <a:lstStyle/>
+          <a:p>
+            <a:r>
+              <a:rPr lang="ko-KR" altLang="en-US" sz="1100" b="1" dirty="0" smtClean="0">
+                <a:ln>
+                  <a:solidFill>
+                    <a:schemeClr val="tx1">
+                      <a:alpha val="0"/>
+                    </a:schemeClr>
+                  </a:solidFill>
+                </a:ln>
+                <a:latin typeface="나눔바른고딕" panose="020B0603020101020101" pitchFamily="50" charset="-127"/>
+                <a:ea typeface="나눔바른고딕" panose="020B0603020101020101" pitchFamily="50" charset="-127"/>
+              </a:rPr>
+              <a:t>총 </a:t>
+            </a:r>
+            <a:r>
+              <a:rPr lang="en-US" altLang="ko-KR" sz="1100" b="1" dirty="0" smtClean="0">
+                <a:ln>
+                  <a:solidFill>
+                    <a:schemeClr val="tx1">
+                      <a:alpha val="0"/>
+                    </a:schemeClr>
+                  </a:solidFill>
+                </a:ln>
+                <a:latin typeface="나눔바른고딕" panose="020B0603020101020101" pitchFamily="50" charset="-127"/>
+                <a:ea typeface="나눔바른고딕" panose="020B0603020101020101" pitchFamily="50" charset="-127"/>
+              </a:rPr>
+              <a:t>15</a:t>
+            </a:r>
+            <a:r>
+              <a:rPr lang="ko-KR" altLang="en-US" sz="1100" b="1" dirty="0" smtClean="0">
+                <a:ln>
+                  <a:solidFill>
+                    <a:schemeClr val="tx1">
+                      <a:alpha val="0"/>
+                    </a:schemeClr>
+                  </a:solidFill>
+                </a:ln>
+                <a:latin typeface="나눔바른고딕" panose="020B0603020101020101" pitchFamily="50" charset="-127"/>
+                <a:ea typeface="나눔바른고딕" panose="020B0603020101020101" pitchFamily="50" charset="-127"/>
+              </a:rPr>
+              <a:t>개의 유효 키워드에 진입</a:t>
+            </a:r>
+            <a:endParaRPr lang="en-US" altLang="ko-KR" sz="1100" b="1" dirty="0" smtClean="0">
+              <a:ln>
+                <a:solidFill>
+                  <a:schemeClr val="tx1">
+                    <a:alpha val="0"/>
+                  </a:schemeClr>
+                </a:solidFill>
+              </a:ln>
+              <a:latin typeface="나눔바른고딕" panose="020B0603020101020101" pitchFamily="50" charset="-127"/>
+              <a:ea typeface="나눔바른고딕" panose="020B0603020101020101" pitchFamily="50" charset="-127"/>
+            </a:endParaRPr>
+          </a:p>
+          <a:p>
+            <a:r>
+              <a:rPr lang="en-US" altLang="ko-KR" sz="1000" dirty="0" smtClean="0">
+                <a:ln>
+                  <a:solidFill>
+                    <a:schemeClr val="tx1">
+                      <a:alpha val="0"/>
+                    </a:schemeClr>
+                  </a:solidFill>
+                </a:ln>
+                <a:latin typeface="나눔바른고딕" panose="020B0603020101020101" pitchFamily="50" charset="-127"/>
+                <a:ea typeface="나눔바른고딕" panose="020B0603020101020101" pitchFamily="50" charset="-127"/>
+              </a:rPr>
+              <a:t> </a:t>
+            </a:r>
+            <a:r>
+              <a:rPr lang="ko-KR" altLang="en-US" sz="1000" dirty="0" smtClean="0">
+                <a:ln>
+                  <a:solidFill>
+                    <a:schemeClr val="tx1">
+                      <a:alpha val="0"/>
+                    </a:schemeClr>
+                  </a:solidFill>
+                </a:ln>
+                <a:latin typeface="나눔바른고딕" panose="020B0603020101020101" pitchFamily="50" charset="-127"/>
+                <a:ea typeface="나눔바른고딕" panose="020B0603020101020101" pitchFamily="50" charset="-127"/>
+              </a:rPr>
+              <a:t>*</a:t>
+            </a:r>
+            <a:r>
+              <a:rPr lang="en-US" altLang="ko-KR" sz="1000" dirty="0" smtClean="0">
+                <a:ln>
+                  <a:solidFill>
+                    <a:schemeClr val="tx1">
+                      <a:alpha val="0"/>
+                    </a:schemeClr>
+                  </a:solidFill>
+                </a:ln>
+                <a:latin typeface="나눔바른고딕" panose="020B0603020101020101" pitchFamily="50" charset="-127"/>
+                <a:ea typeface="나눔바른고딕" panose="020B0603020101020101" pitchFamily="50" charset="-127"/>
+              </a:rPr>
+              <a:t>‘CMS</a:t>
+            </a:r>
+            <a:r>
+              <a:rPr lang="ko-KR" altLang="en-US" sz="1000" dirty="0" err="1" smtClean="0">
+                <a:ln>
+                  <a:solidFill>
+                    <a:schemeClr val="tx1">
+                      <a:alpha val="0"/>
+                    </a:schemeClr>
+                  </a:solidFill>
+                </a:ln>
+                <a:latin typeface="나눔바른고딕" panose="020B0603020101020101" pitchFamily="50" charset="-127"/>
+                <a:ea typeface="나눔바른고딕" panose="020B0603020101020101" pitchFamily="50" charset="-127"/>
+              </a:rPr>
+              <a:t>영재관</a:t>
+            </a:r>
+            <a:r>
+              <a:rPr lang="en-US" altLang="ko-KR" sz="1000" dirty="0" smtClean="0">
+                <a:ln>
+                  <a:solidFill>
+                    <a:schemeClr val="tx1">
+                      <a:alpha val="0"/>
+                    </a:schemeClr>
+                  </a:solidFill>
+                </a:ln>
+                <a:latin typeface="나눔바른고딕" panose="020B0603020101020101" pitchFamily="50" charset="-127"/>
+                <a:ea typeface="나눔바른고딕" panose="020B0603020101020101" pitchFamily="50" charset="-127"/>
+              </a:rPr>
+              <a:t>’</a:t>
+            </a:r>
+            <a:r>
+              <a:rPr lang="ko-KR" altLang="en-US" sz="1000" dirty="0" smtClean="0">
+                <a:ln>
+                  <a:solidFill>
+                    <a:schemeClr val="tx1">
+                      <a:alpha val="0"/>
+                    </a:schemeClr>
+                  </a:solidFill>
+                </a:ln>
+                <a:latin typeface="나눔바른고딕" panose="020B0603020101020101" pitchFamily="50" charset="-127"/>
+                <a:ea typeface="나눔바른고딕" panose="020B0603020101020101" pitchFamily="50" charset="-127"/>
+              </a:rPr>
+              <a:t>의 경우 키워드에서 제외되었습니다</a:t>
+            </a:r>
+            <a:endParaRPr lang="en-US" altLang="ko-KR" sz="1000" dirty="0" smtClean="0">
+              <a:ln>
+                <a:solidFill>
+                  <a:schemeClr val="tx1">
+                    <a:alpha val="0"/>
+                  </a:schemeClr>
+                </a:solidFill>
+              </a:ln>
+              <a:latin typeface="나눔바른고딕" panose="020B0603020101020101" pitchFamily="50" charset="-127"/>
+              <a:ea typeface="나눔바른고딕" panose="020B0603020101020101" pitchFamily="50" charset="-127"/>
+            </a:endParaRPr>
+          </a:p>
+          <a:p>
+            <a:endParaRPr lang="en-US" altLang="ko-KR" sz="1000" dirty="0">
+              <a:ln>
+                <a:solidFill>
+                  <a:schemeClr val="tx1">
+                    <a:alpha val="0"/>
+                  </a:schemeClr>
+                </a:solidFill>
+              </a:ln>
+              <a:latin typeface="나눔바른고딕" panose="020B0603020101020101" pitchFamily="50" charset="-127"/>
+              <a:ea typeface="나눔바른고딕" panose="020B0603020101020101" pitchFamily="50" charset="-127"/>
+            </a:endParaRPr>
+          </a:p>
+          <a:p>
+            <a:endParaRPr lang="ko-KR" altLang="en-US" sz="1000" dirty="0">
+              <a:ln>
+                <a:solidFill>
+                  <a:schemeClr val="tx1">
+                    <a:alpha val="0"/>
+                  </a:schemeClr>
+                </a:solidFill>
+              </a:ln>
+              <a:latin typeface="나눔바른고딕" panose="020B0603020101020101" pitchFamily="50" charset="-127"/>
+              <a:ea typeface="나눔바른고딕" panose="020B0603020101020101" pitchFamily="50" charset="-127"/>
+            </a:endParaRPr>
+          </a:p>
+        </p:txBody>
+      </p:sp>
     </p:spTree>
     <p:extLst>
       <p:ext uri="{BB962C8B-B14F-4D97-AF65-F5344CB8AC3E}">
@@ -19123,7 +21063,7 @@
 </p:sld>
 </file>
 
-<file path=ppt/slides/slide23.xml><?xml version="1.0" encoding="utf-8"?>
+<file path=ppt/slides/slide26.xml><?xml version="1.0" encoding="utf-8"?>
 <p:sld xmlns:a="http://schemas.openxmlformats.org/drawingml/2006/main" xmlns:r="http://schemas.openxmlformats.org/officeDocument/2006/relationships" xmlns:p="http://schemas.openxmlformats.org/presentationml/2006/main">
   <p:cSld>
     <p:spTree>
@@ -19148,8 +21088,8 @@
         </p:nvSpPr>
         <p:spPr>
           <a:xfrm>
-            <a:off x="455380" y="5692251"/>
-            <a:ext cx="6170204" cy="246221"/>
+            <a:off x="688136" y="5266547"/>
+            <a:ext cx="6170204" cy="400110"/>
           </a:xfrm>
           <a:prstGeom prst="rect">
             <a:avLst/>
@@ -19161,6 +21101,10 @@
           </a:bodyPr>
           <a:lstStyle/>
           <a:p>
+            <a:pPr marL="171450" indent="-171450">
+              <a:buFontTx/>
+              <a:buChar char="-"/>
+            </a:pPr>
             <a:r>
               <a:rPr lang="ko-KR" altLang="en-US" sz="1000" dirty="0" err="1" smtClean="0">
                 <a:ln>
@@ -19187,7 +21131,66 @@
                 <a:latin typeface="나눔바른고딕" panose="020B0603020101020101" pitchFamily="50" charset="-127"/>
                 <a:ea typeface="나눔바른고딕" panose="020B0603020101020101" pitchFamily="50" charset="-127"/>
               </a:rPr>
-              <a:t> 사진으로도 나오면 더 유입이 많아질 것으로 예상</a:t>
+              <a:t> </a:t>
+            </a:r>
+            <a:r>
+              <a:rPr lang="ko-KR" altLang="en-US" sz="1000" dirty="0" smtClean="0">
+                <a:ln>
+                  <a:solidFill>
+                    <a:schemeClr val="tx1">
+                      <a:alpha val="0"/>
+                    </a:schemeClr>
+                  </a:solidFill>
+                </a:ln>
+                <a:latin typeface="나눔바른고딕" panose="020B0603020101020101" pitchFamily="50" charset="-127"/>
+                <a:ea typeface="나눔바른고딕" panose="020B0603020101020101" pitchFamily="50" charset="-127"/>
+              </a:rPr>
+              <a:t>사진으로도 나오면 더 유입이 많아질 것으로 </a:t>
+            </a:r>
+            <a:r>
+              <a:rPr lang="ko-KR" altLang="en-US" sz="1000" dirty="0" smtClean="0">
+                <a:ln>
+                  <a:solidFill>
+                    <a:schemeClr val="tx1">
+                      <a:alpha val="0"/>
+                    </a:schemeClr>
+                  </a:solidFill>
+                </a:ln>
+                <a:latin typeface="나눔바른고딕" panose="020B0603020101020101" pitchFamily="50" charset="-127"/>
+                <a:ea typeface="나눔바른고딕" panose="020B0603020101020101" pitchFamily="50" charset="-127"/>
+              </a:rPr>
+              <a:t>예상</a:t>
+            </a:r>
+            <a:endParaRPr lang="en-US" altLang="ko-KR" sz="1000" dirty="0" smtClean="0">
+              <a:ln>
+                <a:solidFill>
+                  <a:schemeClr val="tx1">
+                    <a:alpha val="0"/>
+                  </a:schemeClr>
+                </a:solidFill>
+              </a:ln>
+              <a:latin typeface="나눔바른고딕" panose="020B0603020101020101" pitchFamily="50" charset="-127"/>
+              <a:ea typeface="나눔바른고딕" panose="020B0603020101020101" pitchFamily="50" charset="-127"/>
+            </a:endParaRPr>
+          </a:p>
+          <a:p>
+            <a:pPr marL="171450" indent="-171450">
+              <a:buFontTx/>
+              <a:buChar char="-"/>
+            </a:pPr>
+            <a:r>
+              <a:rPr lang="ko-KR" altLang="en-US" sz="1000" dirty="0" smtClean="0">
+                <a:ln>
+                  <a:solidFill>
+                    <a:schemeClr val="tx1">
+                      <a:alpha val="0"/>
+                    </a:schemeClr>
+                  </a:solidFill>
+                </a:ln>
+                <a:latin typeface="나눔바른고딕" panose="020B0603020101020101" pitchFamily="50" charset="-127"/>
+                <a:ea typeface="나눔바른고딕" panose="020B0603020101020101" pitchFamily="50" charset="-127"/>
+              </a:rPr>
+              <a:t>책이나 사람을 활용한 사진이 있다면 공유 부탁드립니다</a:t>
             </a:r>
             <a:endParaRPr lang="ko-KR" altLang="en-US" sz="1000" dirty="0">
               <a:ln>
@@ -19506,6 +21509,166 @@
           <a:p>
             <a:pPr algn="ctr"/>
             <a:endParaRPr lang="ko-KR" altLang="en-US"/>
+          </a:p>
+        </p:txBody>
+      </p:sp>
+      <p:sp>
+        <p:nvSpPr>
+          <p:cNvPr id="13" name="직사각형 12"/>
+          <p:cNvSpPr/>
+          <p:nvPr/>
+        </p:nvSpPr>
+        <p:spPr>
+          <a:xfrm>
+            <a:off x="776781" y="4772608"/>
+            <a:ext cx="5120692" cy="400110"/>
+          </a:xfrm>
+          <a:prstGeom prst="rect">
+            <a:avLst/>
+          </a:prstGeom>
+        </p:spPr>
+        <p:txBody>
+          <a:bodyPr wrap="square">
+            <a:spAutoFit/>
+          </a:bodyPr>
+          <a:lstStyle/>
+          <a:p>
+            <a:r>
+              <a:rPr lang="en-US" altLang="ko-KR" sz="1000" dirty="0" smtClean="0">
+                <a:ln>
+                  <a:solidFill>
+                    <a:schemeClr val="tx1">
+                      <a:alpha val="0"/>
+                    </a:schemeClr>
+                  </a:solidFill>
+                </a:ln>
+                <a:latin typeface="나눔바른고딕" panose="020B0603020101020101" pitchFamily="50" charset="-127"/>
+                <a:ea typeface="나눔바른고딕" panose="020B0603020101020101" pitchFamily="50" charset="-127"/>
+              </a:rPr>
+              <a:t>- </a:t>
+            </a:r>
+            <a:r>
+              <a:rPr lang="ko-KR" altLang="en-US" sz="1000" dirty="0" err="1" smtClean="0">
+                <a:ln>
+                  <a:solidFill>
+                    <a:schemeClr val="tx1">
+                      <a:alpha val="0"/>
+                    </a:schemeClr>
+                  </a:solidFill>
+                </a:ln>
+                <a:latin typeface="나눔바른고딕" panose="020B0603020101020101" pitchFamily="50" charset="-127"/>
+                <a:ea typeface="나눔바른고딕" panose="020B0603020101020101" pitchFamily="50" charset="-127"/>
+              </a:rPr>
+              <a:t>썸네일의</a:t>
+            </a:r>
+            <a:r>
+              <a:rPr lang="ko-KR" altLang="en-US" sz="1000" dirty="0" smtClean="0">
+                <a:ln>
+                  <a:solidFill>
+                    <a:schemeClr val="tx1">
+                      <a:alpha val="0"/>
+                    </a:schemeClr>
+                  </a:solidFill>
+                </a:ln>
+                <a:latin typeface="나눔바른고딕" panose="020B0603020101020101" pitchFamily="50" charset="-127"/>
+                <a:ea typeface="나눔바른고딕" panose="020B0603020101020101" pitchFamily="50" charset="-127"/>
+              </a:rPr>
+              <a:t> 경우 텍스트가 들어간 경우 </a:t>
+            </a:r>
+            <a:r>
+              <a:rPr lang="ko-KR" altLang="en-US" sz="1000" dirty="0" err="1" smtClean="0">
+                <a:ln>
+                  <a:solidFill>
+                    <a:schemeClr val="tx1">
+                      <a:alpha val="0"/>
+                    </a:schemeClr>
+                  </a:solidFill>
+                </a:ln>
+                <a:latin typeface="나눔바른고딕" panose="020B0603020101020101" pitchFamily="50" charset="-127"/>
+                <a:ea typeface="나눔바른고딕" panose="020B0603020101020101" pitchFamily="50" charset="-127"/>
+              </a:rPr>
+              <a:t>네이버측에서</a:t>
+            </a:r>
+            <a:r>
+              <a:rPr lang="ko-KR" altLang="en-US" sz="1000" dirty="0" smtClean="0">
+                <a:ln>
+                  <a:solidFill>
+                    <a:schemeClr val="tx1">
+                      <a:alpha val="0"/>
+                    </a:schemeClr>
+                  </a:solidFill>
+                </a:ln>
+                <a:latin typeface="나눔바른고딕" panose="020B0603020101020101" pitchFamily="50" charset="-127"/>
+                <a:ea typeface="나눔바른고딕" panose="020B0603020101020101" pitchFamily="50" charset="-127"/>
+              </a:rPr>
+              <a:t> 심사를 거절하므로</a:t>
+            </a:r>
+            <a:r>
+              <a:rPr lang="en-US" altLang="ko-KR" sz="1000" dirty="0" smtClean="0">
+                <a:ln>
+                  <a:solidFill>
+                    <a:schemeClr val="tx1">
+                      <a:alpha val="0"/>
+                    </a:schemeClr>
+                  </a:solidFill>
+                </a:ln>
+                <a:latin typeface="나눔바른고딕" panose="020B0603020101020101" pitchFamily="50" charset="-127"/>
+                <a:ea typeface="나눔바른고딕" panose="020B0603020101020101" pitchFamily="50" charset="-127"/>
+              </a:rPr>
+              <a:t/>
+            </a:r>
+            <a:br>
+              <a:rPr lang="en-US" altLang="ko-KR" sz="1000" dirty="0" smtClean="0">
+                <a:ln>
+                  <a:solidFill>
+                    <a:schemeClr val="tx1">
+                      <a:alpha val="0"/>
+                    </a:schemeClr>
+                  </a:solidFill>
+                </a:ln>
+                <a:latin typeface="나눔바른고딕" panose="020B0603020101020101" pitchFamily="50" charset="-127"/>
+                <a:ea typeface="나눔바른고딕" panose="020B0603020101020101" pitchFamily="50" charset="-127"/>
+              </a:rPr>
+            </a:br>
+            <a:r>
+              <a:rPr lang="en-US" altLang="ko-KR" sz="1000" dirty="0" smtClean="0">
+                <a:ln>
+                  <a:solidFill>
+                    <a:schemeClr val="tx1">
+                      <a:alpha val="0"/>
+                    </a:schemeClr>
+                  </a:solidFill>
+                </a:ln>
+                <a:latin typeface="나눔바른고딕" panose="020B0603020101020101" pitchFamily="50" charset="-127"/>
+                <a:ea typeface="나눔바른고딕" panose="020B0603020101020101" pitchFamily="50" charset="-127"/>
+              </a:rPr>
+              <a:t>   </a:t>
+            </a:r>
+            <a:r>
+              <a:rPr lang="ko-KR" altLang="en-US" sz="1000" dirty="0" smtClean="0">
+                <a:ln>
+                  <a:solidFill>
+                    <a:schemeClr val="tx1">
+                      <a:alpha val="0"/>
+                    </a:schemeClr>
+                  </a:solidFill>
+                </a:ln>
+                <a:latin typeface="나눔바른고딕" panose="020B0603020101020101" pitchFamily="50" charset="-127"/>
+                <a:ea typeface="나눔바른고딕" panose="020B0603020101020101" pitchFamily="50" charset="-127"/>
+              </a:rPr>
+              <a:t>사이트 내 강의와 교재 사진을 사용하였습니다</a:t>
+            </a:r>
+            <a:endParaRPr lang="ko-KR" altLang="en-US" sz="1000" dirty="0">
+              <a:ln>
+                <a:solidFill>
+                  <a:schemeClr val="tx1">
+                    <a:alpha val="0"/>
+                  </a:schemeClr>
+                </a:solidFill>
+              </a:ln>
+              <a:latin typeface="나눔바른고딕" panose="020B0603020101020101" pitchFamily="50" charset="-127"/>
+              <a:ea typeface="나눔바른고딕" panose="020B0603020101020101" pitchFamily="50" charset="-127"/>
+            </a:endParaRPr>
           </a:p>
         </p:txBody>
       </p:sp>
